--- a/iSolve-iCount-Hackathon_Solution.pptx
+++ b/iSolve-iCount-Hackathon_Solution.pptx
@@ -17353,7 +17353,7 @@
           <p:nvPr>
             <p:extLst>
               <p:ext uri="{D42A27DB-BD31-4B8C-83A1-F6EECF244321}">
-                <p14:modId xmlns:p14="http://schemas.microsoft.com/office/powerpoint/2010/main" val="99086424"/>
+                <p14:modId xmlns:p14="http://schemas.microsoft.com/office/powerpoint/2010/main" val="4149647828"/>
               </p:ext>
             </p:extLst>
           </p:nvPr>
@@ -18214,7 +18214,7 @@
                     <a:p>
                       <a:r>
                         <a:rPr lang="en-US"/>
-                        <a:t>B Srinivasa Prabhu</a:t>
+                        <a:t>Dheeraj Kumar Reddy</a:t>
                       </a:r>
                       <a:endParaRPr lang="en-US" dirty="0"/>
                     </a:p>
@@ -18268,7 +18268,7 @@
                     <a:p>
                       <a:r>
                         <a:rPr lang="en-US" dirty="0"/>
-                        <a:t>B_Prabhu01@infosys.com</a:t>
+                        <a:t>Dheerajkumar_K@infosys.com</a:t>
                       </a:r>
                     </a:p>
                   </a:txBody>

--- a/iSolve-iCount-Hackathon_Solution.pptx
+++ b/iSolve-iCount-Hackathon_Solution.pptx
@@ -6,7 +6,7 @@
     <p:sldMasterId id="2147483663" r:id="rId2"/>
   </p:sldMasterIdLst>
   <p:notesMasterIdLst>
-    <p:notesMasterId r:id="rId19"/>
+    <p:notesMasterId r:id="rId21"/>
   </p:notesMasterIdLst>
   <p:sldIdLst>
     <p:sldId id="266" r:id="rId3"/>
@@ -21,10 +21,12 @@
     <p:sldId id="267" r:id="rId12"/>
     <p:sldId id="276" r:id="rId13"/>
     <p:sldId id="277" r:id="rId14"/>
-    <p:sldId id="280" r:id="rId15"/>
-    <p:sldId id="281" r:id="rId16"/>
-    <p:sldId id="268" r:id="rId17"/>
-    <p:sldId id="265" r:id="rId18"/>
+    <p:sldId id="283" r:id="rId15"/>
+    <p:sldId id="282" r:id="rId16"/>
+    <p:sldId id="280" r:id="rId17"/>
+    <p:sldId id="281" r:id="rId18"/>
+    <p:sldId id="268" r:id="rId19"/>
+    <p:sldId id="265" r:id="rId20"/>
   </p:sldIdLst>
   <p:sldSz cx="12192000" cy="6858000"/>
   <p:notesSz cx="6858000" cy="9144000"/>
@@ -636,7 +638,7 @@
     </p:spTree>
     <p:extLst>
       <p:ext uri="{BB962C8B-B14F-4D97-AF65-F5344CB8AC3E}">
-        <p14:creationId xmlns:p14="http://schemas.microsoft.com/office/powerpoint/2010/main" val="1133052663"/>
+        <p14:creationId xmlns:p14="http://schemas.microsoft.com/office/powerpoint/2010/main" val="634132662"/>
       </p:ext>
     </p:extLst>
   </p:cSld>
@@ -716,6 +718,166 @@
     </p:spTree>
     <p:extLst>
       <p:ext uri="{BB962C8B-B14F-4D97-AF65-F5344CB8AC3E}">
+        <p14:creationId xmlns:p14="http://schemas.microsoft.com/office/powerpoint/2010/main" val="3373517316"/>
+      </p:ext>
+    </p:extLst>
+  </p:cSld>
+  <p:clrMapOvr>
+    <a:masterClrMapping/>
+  </p:clrMapOvr>
+</p:notes>
+</file>
+
+<file path=ppt/notesSlides/notesSlide12.xml><?xml version="1.0" encoding="utf-8"?>
+<p:notes xmlns:a="http://schemas.openxmlformats.org/drawingml/2006/main" xmlns:r="http://schemas.openxmlformats.org/officeDocument/2006/relationships" xmlns:p="http://schemas.openxmlformats.org/presentationml/2006/main">
+  <p:cSld>
+    <p:spTree>
+      <p:nvGrpSpPr>
+        <p:cNvPr id="1" name=""/>
+        <p:cNvGrpSpPr/>
+        <p:nvPr/>
+      </p:nvGrpSpPr>
+      <p:grpSpPr>
+        <a:xfrm>
+          <a:off x="0" y="0"/>
+          <a:ext cx="0" cy="0"/>
+          <a:chOff x="0" y="0"/>
+          <a:chExt cx="0" cy="0"/>
+        </a:xfrm>
+      </p:grpSpPr>
+      <p:sp>
+        <p:nvSpPr>
+          <p:cNvPr id="378" name="Shape 378"/>
+          <p:cNvSpPr>
+            <a:spLocks noGrp="1" noRot="1" noChangeAspect="1"/>
+          </p:cNvSpPr>
+          <p:nvPr>
+            <p:ph type="sldImg"/>
+          </p:nvPr>
+        </p:nvSpPr>
+        <p:spPr>
+          <a:xfrm>
+            <a:off x="381000" y="685800"/>
+            <a:ext cx="6096000" cy="3429000"/>
+          </a:xfrm>
+          <a:prstGeom prst="rect">
+            <a:avLst/>
+          </a:prstGeom>
+        </p:spPr>
+        <p:txBody>
+          <a:bodyPr/>
+          <a:lstStyle/>
+          <a:p>
+            <a:endParaRPr dirty="0"/>
+          </a:p>
+        </p:txBody>
+      </p:sp>
+      <p:sp>
+        <p:nvSpPr>
+          <p:cNvPr id="379" name="Shape 379"/>
+          <p:cNvSpPr>
+            <a:spLocks noGrp="1"/>
+          </p:cNvSpPr>
+          <p:nvPr>
+            <p:ph type="body" sz="quarter" idx="1"/>
+          </p:nvPr>
+        </p:nvSpPr>
+        <p:spPr>
+          <a:prstGeom prst="rect">
+            <a:avLst/>
+          </a:prstGeom>
+        </p:spPr>
+        <p:txBody>
+          <a:bodyPr/>
+          <a:lstStyle/>
+          <a:p>
+            <a:endParaRPr dirty="0"/>
+          </a:p>
+        </p:txBody>
+      </p:sp>
+    </p:spTree>
+    <p:extLst>
+      <p:ext uri="{BB962C8B-B14F-4D97-AF65-F5344CB8AC3E}">
+        <p14:creationId xmlns:p14="http://schemas.microsoft.com/office/powerpoint/2010/main" val="1133052663"/>
+      </p:ext>
+    </p:extLst>
+  </p:cSld>
+  <p:clrMapOvr>
+    <a:masterClrMapping/>
+  </p:clrMapOvr>
+</p:notes>
+</file>
+
+<file path=ppt/notesSlides/notesSlide13.xml><?xml version="1.0" encoding="utf-8"?>
+<p:notes xmlns:a="http://schemas.openxmlformats.org/drawingml/2006/main" xmlns:r="http://schemas.openxmlformats.org/officeDocument/2006/relationships" xmlns:p="http://schemas.openxmlformats.org/presentationml/2006/main">
+  <p:cSld>
+    <p:spTree>
+      <p:nvGrpSpPr>
+        <p:cNvPr id="1" name=""/>
+        <p:cNvGrpSpPr/>
+        <p:nvPr/>
+      </p:nvGrpSpPr>
+      <p:grpSpPr>
+        <a:xfrm>
+          <a:off x="0" y="0"/>
+          <a:ext cx="0" cy="0"/>
+          <a:chOff x="0" y="0"/>
+          <a:chExt cx="0" cy="0"/>
+        </a:xfrm>
+      </p:grpSpPr>
+      <p:sp>
+        <p:nvSpPr>
+          <p:cNvPr id="378" name="Shape 378"/>
+          <p:cNvSpPr>
+            <a:spLocks noGrp="1" noRot="1" noChangeAspect="1"/>
+          </p:cNvSpPr>
+          <p:nvPr>
+            <p:ph type="sldImg"/>
+          </p:nvPr>
+        </p:nvSpPr>
+        <p:spPr>
+          <a:xfrm>
+            <a:off x="381000" y="685800"/>
+            <a:ext cx="6096000" cy="3429000"/>
+          </a:xfrm>
+          <a:prstGeom prst="rect">
+            <a:avLst/>
+          </a:prstGeom>
+        </p:spPr>
+        <p:txBody>
+          <a:bodyPr/>
+          <a:lstStyle/>
+          <a:p>
+            <a:endParaRPr dirty="0"/>
+          </a:p>
+        </p:txBody>
+      </p:sp>
+      <p:sp>
+        <p:nvSpPr>
+          <p:cNvPr id="379" name="Shape 379"/>
+          <p:cNvSpPr>
+            <a:spLocks noGrp="1"/>
+          </p:cNvSpPr>
+          <p:nvPr>
+            <p:ph type="body" sz="quarter" idx="1"/>
+          </p:nvPr>
+        </p:nvSpPr>
+        <p:spPr>
+          <a:prstGeom prst="rect">
+            <a:avLst/>
+          </a:prstGeom>
+        </p:spPr>
+        <p:txBody>
+          <a:bodyPr/>
+          <a:lstStyle/>
+          <a:p>
+            <a:endParaRPr dirty="0"/>
+          </a:p>
+        </p:txBody>
+      </p:sp>
+    </p:spTree>
+    <p:extLst>
+      <p:ext uri="{BB962C8B-B14F-4D97-AF65-F5344CB8AC3E}">
         <p14:creationId xmlns:p14="http://schemas.microsoft.com/office/powerpoint/2010/main" val="3597264339"/>
       </p:ext>
     </p:extLst>
@@ -726,7 +888,7 @@
 </p:notes>
 </file>
 
-<file path=ppt/notesSlides/notesSlide12.xml><?xml version="1.0" encoding="utf-8"?>
+<file path=ppt/notesSlides/notesSlide14.xml><?xml version="1.0" encoding="utf-8"?>
 <p:notes xmlns:a="http://schemas.openxmlformats.org/drawingml/2006/main" xmlns:r="http://schemas.openxmlformats.org/officeDocument/2006/relationships" xmlns:p="http://schemas.openxmlformats.org/presentationml/2006/main">
   <p:cSld>
     <p:spTree>
@@ -15283,7 +15445,7 @@
         </p:spPr>
         <p:txBody>
           <a:bodyPr>
-            <a:normAutofit fontScale="92500" lnSpcReduction="20000"/>
+            <a:normAutofit/>
           </a:bodyPr>
           <a:lstStyle/>
           <a:p>
@@ -15340,24 +15502,7 @@
             </a:r>
           </a:p>
           <a:p>
-            <a:pPr marL="587813" lvl="1" indent="0">
-              <a:buNone/>
-            </a:pPr>
-            <a:endParaRPr lang="en-US" sz="1800" dirty="0"/>
-          </a:p>
-          <a:p>
-            <a:pPr marL="587813" lvl="1" indent="0">
-              <a:buNone/>
-            </a:pPr>
-            <a:r>
-              <a:rPr lang="en-US" sz="1800" b="1" u="sng" dirty="0">
-                <a:solidFill>
-                  <a:srgbClr val="007DC3"/>
-                </a:solidFill>
-                <a:latin typeface="+mn-lt"/>
-              </a:rPr>
-              <a:t>Proxy-Service</a:t>
-            </a:r>
+            <a:pPr marL="873563" lvl="1" indent="-285750"/>
             <a:r>
               <a:rPr lang="en-US" sz="1800" dirty="0">
                 <a:solidFill>
@@ -15365,7 +15510,7 @@
                 </a:solidFill>
                 <a:latin typeface="+mn-lt"/>
               </a:rPr>
-              <a:t> :  It exposes REST end points to </a:t>
+              <a:t>Employee can acquire coins for providing feedback, appreciation, completing course etc. These coins can be redeemed in </a:t>
             </a:r>
             <a:r>
               <a:rPr lang="en-US" sz="1800" dirty="0" err="1">
@@ -15374,7 +15519,7 @@
                 </a:solidFill>
                 <a:latin typeface="+mn-lt"/>
               </a:rPr>
-              <a:t>iCount</a:t>
+              <a:t>InfyGold</a:t>
             </a:r>
             <a:r>
               <a:rPr lang="en-US" sz="1800" dirty="0">
@@ -15383,7 +15528,19 @@
                 </a:solidFill>
                 <a:latin typeface="+mn-lt"/>
               </a:rPr>
-              <a:t> for data </a:t>
+              <a:t>+</a:t>
+            </a:r>
+          </a:p>
+          <a:p>
+            <a:pPr marL="873563" lvl="1" indent="-285750"/>
+            <a:r>
+              <a:rPr lang="en-US" sz="1800" dirty="0">
+                <a:solidFill>
+                  <a:srgbClr val="007DC3"/>
+                </a:solidFill>
+                <a:latin typeface="+mn-lt"/>
+              </a:rPr>
+              <a:t>Adapter calls </a:t>
             </a:r>
             <a:r>
               <a:rPr lang="en-US" sz="1800" dirty="0" err="1">
@@ -15392,7 +15549,7 @@
                 </a:solidFill>
                 <a:latin typeface="+mn-lt"/>
               </a:rPr>
-              <a:t>consuption</a:t>
+              <a:t>kafka</a:t>
             </a:r>
             <a:r>
               <a:rPr lang="en-US" sz="1800" dirty="0">
@@ -15401,74 +15558,19 @@
                 </a:solidFill>
                 <a:latin typeface="+mn-lt"/>
               </a:rPr>
-              <a:t>. Here are a few example endpoint :</a:t>
+              <a:t> producers and consumers for real-time notifications to the employees who receive/give feedback, upload appreciations, complete tasks/course etc. Here is an example of feedback shared.</a:t>
             </a:r>
           </a:p>
           <a:p>
             <a:pPr marL="587813" lvl="1" indent="0">
               <a:buNone/>
             </a:pPr>
-            <a:r>
-              <a:rPr lang="en-US" sz="1800" dirty="0">
-                <a:hlinkClick r:id="rId7"/>
-              </a:rPr>
-              <a:t>http://13.59.15.42:8301/proxy/get/appreciation/</a:t>
-            </a:r>
-            <a:r>
-              <a:rPr lang="en-US" sz="1800" dirty="0"/>
-              <a:t>  </a:t>
-            </a:r>
-            <a:endParaRPr lang="en-US" sz="1800" b="1" u="sng" dirty="0">
-              <a:solidFill>
-                <a:srgbClr val="007DC3"/>
-              </a:solidFill>
-              <a:latin typeface="+mn-lt"/>
-            </a:endParaRPr>
-          </a:p>
-          <a:p>
-            <a:pPr marL="587813" lvl="1" indent="0">
-              <a:buNone/>
-            </a:pPr>
-            <a:r>
-              <a:rPr lang="en-US" sz="1800" dirty="0">
-                <a:hlinkClick r:id="rId8"/>
-              </a:rPr>
-              <a:t>http://13.59.15.42:8301/proxy/get/awards/</a:t>
-            </a:r>
-            <a:r>
-              <a:rPr lang="en-US" sz="1800" dirty="0"/>
-              <a:t> </a:t>
-            </a:r>
-          </a:p>
-          <a:p>
-            <a:pPr marL="587813" lvl="1" indent="0">
-              <a:buNone/>
-            </a:pPr>
-            <a:r>
-              <a:rPr lang="en-US" sz="1800" dirty="0">
-                <a:hlinkClick r:id="rId9"/>
-              </a:rPr>
-              <a:t>http://13.59.15.42:8301/proxy/get/task/</a:t>
-            </a:r>
-            <a:r>
-              <a:rPr lang="en-US" sz="1800" dirty="0"/>
-              <a:t> </a:t>
-            </a:r>
-          </a:p>
-          <a:p>
-            <a:pPr marL="587813" lvl="1" indent="0">
-              <a:buNone/>
-            </a:pPr>
-            <a:r>
-              <a:rPr lang="en-US" sz="1800" dirty="0">
-                <a:hlinkClick r:id="rId10"/>
-              </a:rPr>
-              <a:t>http://13.59.15.42:8301/proxy/get /feedback/</a:t>
-            </a:r>
-            <a:r>
-              <a:rPr lang="en-US" sz="1800" dirty="0"/>
-              <a:t>  </a:t>
-            </a:r>
+            <a:endParaRPr lang="en-US" sz="1800" dirty="0">
+              <a:solidFill>
+                <a:srgbClr val="007DC3"/>
+              </a:solidFill>
+              <a:latin typeface="+mn-lt"/>
+            </a:endParaRPr>
           </a:p>
           <a:p>
             <a:pPr marL="587813" lvl="1" indent="0">
@@ -15480,184 +15582,6 @@
             <a:pPr marL="587813" lvl="1" indent="0">
               <a:buNone/>
             </a:pPr>
-            <a:r>
-              <a:rPr lang="en-US" sz="1800" b="1" u="sng" dirty="0">
-                <a:solidFill>
-                  <a:srgbClr val="007DC3"/>
-                </a:solidFill>
-                <a:latin typeface="+mn-lt"/>
-              </a:rPr>
-              <a:t>Notification-Batch</a:t>
-            </a:r>
-            <a:r>
-              <a:rPr lang="en-US" sz="1800" dirty="0">
-                <a:solidFill>
-                  <a:srgbClr val="007DC3"/>
-                </a:solidFill>
-                <a:latin typeface="+mn-lt"/>
-              </a:rPr>
-              <a:t> :</a:t>
-            </a:r>
-          </a:p>
-          <a:p>
-            <a:pPr marL="873563" lvl="1" indent="-285750">
-              <a:buFontTx/>
-              <a:buChar char="-"/>
-            </a:pPr>
-            <a:r>
-              <a:rPr lang="en-US" sz="1800" dirty="0">
-                <a:solidFill>
-                  <a:srgbClr val="007DC3"/>
-                </a:solidFill>
-                <a:latin typeface="+mn-lt"/>
-              </a:rPr>
-              <a:t>It’s a spring-batch job responsible to send emails to the employees.</a:t>
-            </a:r>
-          </a:p>
-          <a:p>
-            <a:pPr marL="873563" lvl="1" indent="-285750">
-              <a:buFontTx/>
-              <a:buChar char="-"/>
-            </a:pPr>
-            <a:r>
-              <a:rPr lang="en-US" sz="1800" dirty="0">
-                <a:solidFill>
-                  <a:srgbClr val="007DC3"/>
-                </a:solidFill>
-                <a:latin typeface="+mn-lt"/>
-              </a:rPr>
-              <a:t>Its sends notifications to the employees who is not using or actively using </a:t>
-            </a:r>
-            <a:r>
-              <a:rPr lang="en-US" sz="1800" dirty="0" err="1">
-                <a:solidFill>
-                  <a:srgbClr val="007DC3"/>
-                </a:solidFill>
-                <a:latin typeface="+mn-lt"/>
-              </a:rPr>
-              <a:t>iCount</a:t>
-            </a:r>
-            <a:r>
-              <a:rPr lang="en-US" sz="1800" dirty="0">
-                <a:solidFill>
-                  <a:srgbClr val="007DC3"/>
-                </a:solidFill>
-                <a:latin typeface="+mn-lt"/>
-              </a:rPr>
-              <a:t>-Store.</a:t>
-            </a:r>
-          </a:p>
-          <a:p>
-            <a:pPr marL="873563" lvl="1" indent="-285750">
-              <a:buFontTx/>
-              <a:buChar char="-"/>
-            </a:pPr>
-            <a:r>
-              <a:rPr lang="en-US" sz="1800" dirty="0">
-                <a:solidFill>
-                  <a:srgbClr val="007DC3"/>
-                </a:solidFill>
-                <a:latin typeface="+mn-lt"/>
-              </a:rPr>
-              <a:t>Frequency and rules of notifications can be configurable.</a:t>
-            </a:r>
-          </a:p>
-          <a:p>
-            <a:pPr marL="587813" lvl="1" indent="0">
-              <a:buNone/>
-            </a:pPr>
-            <a:r>
-              <a:rPr lang="en-US" sz="1800" dirty="0">
-                <a:solidFill>
-                  <a:srgbClr val="007DC3"/>
-                </a:solidFill>
-                <a:latin typeface="+mn-lt"/>
-              </a:rPr>
-              <a:t>      Example of rules :</a:t>
-            </a:r>
-          </a:p>
-          <a:p>
-            <a:pPr marL="587813" lvl="1" indent="0">
-              <a:buNone/>
-            </a:pPr>
-            <a:r>
-              <a:rPr lang="en-US" sz="1800" dirty="0">
-                <a:solidFill>
-                  <a:srgbClr val="007DC3"/>
-                </a:solidFill>
-                <a:latin typeface="+mn-lt"/>
-              </a:rPr>
-              <a:t>	1. Exclude Employees from actively use </a:t>
-            </a:r>
-            <a:r>
-              <a:rPr lang="en-US" sz="1800" dirty="0" err="1">
-                <a:solidFill>
-                  <a:srgbClr val="007DC3"/>
-                </a:solidFill>
-                <a:latin typeface="+mn-lt"/>
-              </a:rPr>
-              <a:t>iCount</a:t>
-            </a:r>
-            <a:r>
-              <a:rPr lang="en-US" sz="1800" dirty="0">
-                <a:solidFill>
-                  <a:srgbClr val="007DC3"/>
-                </a:solidFill>
-                <a:latin typeface="+mn-lt"/>
-              </a:rPr>
-              <a:t> Store.</a:t>
-            </a:r>
-          </a:p>
-          <a:p>
-            <a:pPr marL="587813" lvl="1" indent="0">
-              <a:buNone/>
-            </a:pPr>
-            <a:r>
-              <a:rPr lang="en-US" sz="1800" dirty="0">
-                <a:solidFill>
-                  <a:srgbClr val="007DC3"/>
-                </a:solidFill>
-                <a:latin typeface="+mn-lt"/>
-              </a:rPr>
-              <a:t>	2. Escalation rule for not being use </a:t>
-            </a:r>
-            <a:r>
-              <a:rPr lang="en-US" sz="1800" dirty="0" err="1">
-                <a:solidFill>
-                  <a:srgbClr val="007DC3"/>
-                </a:solidFill>
-                <a:latin typeface="+mn-lt"/>
-              </a:rPr>
-              <a:t>iCount</a:t>
-            </a:r>
-            <a:r>
-              <a:rPr lang="en-US" sz="1800" dirty="0">
-                <a:solidFill>
-                  <a:srgbClr val="007DC3"/>
-                </a:solidFill>
-                <a:latin typeface="+mn-lt"/>
-              </a:rPr>
-              <a:t>.</a:t>
-            </a:r>
-          </a:p>
-          <a:p>
-            <a:pPr marL="587813" lvl="1" indent="0">
-              <a:buNone/>
-            </a:pPr>
-            <a:r>
-              <a:rPr lang="en-US" sz="1800" dirty="0">
-                <a:solidFill>
-                  <a:srgbClr val="007DC3"/>
-                </a:solidFill>
-                <a:latin typeface="+mn-lt"/>
-              </a:rPr>
-              <a:t>	3. It can lock other services such as outlook etc. for not at all use.</a:t>
-            </a:r>
-          </a:p>
-          <a:p>
-            <a:pPr marL="587813" lvl="1" indent="0">
-              <a:buNone/>
-            </a:pPr>
             <a:endParaRPr lang="en-US" sz="1800" dirty="0"/>
           </a:p>
           <a:p>
@@ -15942,6 +15866,50 @@
           </a:p>
         </p:txBody>
       </p:sp>
+      <p:pic>
+        <p:nvPicPr>
+          <p:cNvPr id="3" name="Picture 2">
+            <a:extLst>
+              <a:ext uri="{FF2B5EF4-FFF2-40B4-BE49-F238E27FC236}">
+                <a16:creationId xmlns:a16="http://schemas.microsoft.com/office/drawing/2014/main" id="{0CD82FCD-36C8-41C2-B9D3-AEF158939A29}"/>
+              </a:ext>
+            </a:extLst>
+          </p:cNvPr>
+          <p:cNvPicPr>
+            <a:picLocks noChangeAspect="1"/>
+          </p:cNvPicPr>
+          <p:nvPr/>
+        </p:nvPicPr>
+        <p:blipFill>
+          <a:blip r:embed="rId7"/>
+          <a:stretch>
+            <a:fillRect/>
+          </a:stretch>
+        </p:blipFill>
+        <p:spPr>
+          <a:xfrm>
+            <a:off x="1207180" y="3230913"/>
+            <a:ext cx="9265920" cy="3225305"/>
+          </a:xfrm>
+          <a:prstGeom prst="rect">
+            <a:avLst/>
+          </a:prstGeom>
+        </p:spPr>
+        <p:style>
+          <a:lnRef idx="2">
+            <a:schemeClr val="dk1"/>
+          </a:lnRef>
+          <a:fillRef idx="1">
+            <a:schemeClr val="lt1"/>
+          </a:fillRef>
+          <a:effectRef idx="0">
+            <a:schemeClr val="dk1"/>
+          </a:effectRef>
+          <a:fontRef idx="minor">
+            <a:schemeClr val="dk1"/>
+          </a:fontRef>
+        </p:style>
+      </p:pic>
     </p:spTree>
     <p:extLst>
       <p:ext uri="{BB962C8B-B14F-4D97-AF65-F5344CB8AC3E}">
@@ -15957,6 +15925,991 @@
 </file>
 
 <file path=ppt/slides/slide13.xml><?xml version="1.0" encoding="utf-8"?>
+<p:sld xmlns:a="http://schemas.openxmlformats.org/drawingml/2006/main" xmlns:r="http://schemas.openxmlformats.org/officeDocument/2006/relationships" xmlns:p="http://schemas.openxmlformats.org/presentationml/2006/main">
+  <p:cSld>
+    <p:spTree>
+      <p:nvGrpSpPr>
+        <p:cNvPr id="1" name=""/>
+        <p:cNvGrpSpPr/>
+        <p:nvPr/>
+      </p:nvGrpSpPr>
+      <p:grpSpPr>
+        <a:xfrm>
+          <a:off x="0" y="0"/>
+          <a:ext cx="0" cy="0"/>
+          <a:chOff x="0" y="0"/>
+          <a:chExt cx="0" cy="0"/>
+        </a:xfrm>
+      </p:grpSpPr>
+      <p:sp>
+        <p:nvSpPr>
+          <p:cNvPr id="374" name="Shape 374"/>
+          <p:cNvSpPr>
+            <a:spLocks noGrp="1"/>
+          </p:cNvSpPr>
+          <p:nvPr>
+            <p:ph type="title"/>
+          </p:nvPr>
+        </p:nvSpPr>
+        <p:spPr/>
+        <p:txBody>
+          <a:bodyPr/>
+          <a:lstStyle/>
+          <a:p>
+            <a:r>
+              <a:rPr lang="en-US" sz="2700" dirty="0">
+                <a:latin typeface="+mn-lt"/>
+                <a:sym typeface="Calibri"/>
+              </a:rPr>
+              <a:t>Technical Solution Continued…</a:t>
+            </a:r>
+          </a:p>
+        </p:txBody>
+      </p:sp>
+      <p:sp>
+        <p:nvSpPr>
+          <p:cNvPr id="2" name="Text Placeholder 1"/>
+          <p:cNvSpPr>
+            <a:spLocks noGrp="1"/>
+          </p:cNvSpPr>
+          <p:nvPr>
+            <p:ph type="body" sz="quarter" idx="10"/>
+          </p:nvPr>
+        </p:nvSpPr>
+        <p:spPr>
+          <a:xfrm>
+            <a:off x="263924" y="804333"/>
+            <a:ext cx="11664152" cy="5651885"/>
+          </a:xfrm>
+        </p:spPr>
+        <p:txBody>
+          <a:bodyPr>
+            <a:normAutofit/>
+          </a:bodyPr>
+          <a:lstStyle/>
+          <a:p>
+            <a:pPr marL="587813" lvl="1" indent="0">
+              <a:buNone/>
+            </a:pPr>
+            <a:r>
+              <a:rPr lang="en-US" sz="1800" b="1" u="sng" dirty="0">
+                <a:solidFill>
+                  <a:srgbClr val="007DC3"/>
+                </a:solidFill>
+                <a:latin typeface="+mn-lt"/>
+              </a:rPr>
+              <a:t>Proxy-Service</a:t>
+            </a:r>
+            <a:r>
+              <a:rPr lang="en-US" sz="1800" dirty="0">
+                <a:solidFill>
+                  <a:srgbClr val="007DC3"/>
+                </a:solidFill>
+                <a:latin typeface="+mn-lt"/>
+              </a:rPr>
+              <a:t> :  It exposes REST end points to </a:t>
+            </a:r>
+            <a:r>
+              <a:rPr lang="en-US" sz="1800" dirty="0" err="1">
+                <a:solidFill>
+                  <a:srgbClr val="007DC3"/>
+                </a:solidFill>
+                <a:latin typeface="+mn-lt"/>
+              </a:rPr>
+              <a:t>iCount</a:t>
+            </a:r>
+            <a:r>
+              <a:rPr lang="en-US" sz="1800" dirty="0">
+                <a:solidFill>
+                  <a:srgbClr val="007DC3"/>
+                </a:solidFill>
+                <a:latin typeface="+mn-lt"/>
+              </a:rPr>
+              <a:t> for data consumption. Here are a few example endpoint :</a:t>
+            </a:r>
+          </a:p>
+          <a:p>
+            <a:pPr marL="587813" lvl="1" indent="0">
+              <a:buNone/>
+            </a:pPr>
+            <a:endParaRPr lang="en-US" sz="1800" dirty="0"/>
+          </a:p>
+          <a:p>
+            <a:pPr marL="587813" lvl="1" indent="0">
+              <a:buNone/>
+            </a:pPr>
+            <a:endParaRPr lang="en-US" dirty="0"/>
+          </a:p>
+          <a:p>
+            <a:pPr marL="587813" lvl="1" indent="0">
+              <a:buNone/>
+            </a:pPr>
+            <a:r>
+              <a:rPr lang="en-US" dirty="0"/>
+              <a:t> </a:t>
+            </a:r>
+          </a:p>
+          <a:p>
+            <a:pPr marL="587813" lvl="1" indent="0">
+              <a:buNone/>
+            </a:pPr>
+            <a:endParaRPr lang="en-US" dirty="0">
+              <a:solidFill>
+                <a:srgbClr val="007DC3"/>
+              </a:solidFill>
+            </a:endParaRPr>
+          </a:p>
+          <a:p>
+            <a:pPr marL="587813" lvl="1" indent="0">
+              <a:buNone/>
+            </a:pPr>
+            <a:endParaRPr lang="en-US" dirty="0">
+              <a:solidFill>
+                <a:srgbClr val="007DC3"/>
+              </a:solidFill>
+            </a:endParaRPr>
+          </a:p>
+          <a:p>
+            <a:pPr marL="587813" lvl="1" indent="0">
+              <a:buNone/>
+            </a:pPr>
+            <a:endParaRPr lang="en-US" dirty="0">
+              <a:solidFill>
+                <a:srgbClr val="007DC3"/>
+              </a:solidFill>
+            </a:endParaRPr>
+          </a:p>
+          <a:p>
+            <a:pPr marL="587813" lvl="1" indent="0">
+              <a:buNone/>
+            </a:pPr>
+            <a:endParaRPr lang="en-US" dirty="0">
+              <a:solidFill>
+                <a:srgbClr val="007DC3"/>
+              </a:solidFill>
+              <a:latin typeface="+mn-lt"/>
+            </a:endParaRPr>
+          </a:p>
+          <a:p>
+            <a:pPr marL="587813" lvl="1" indent="0">
+              <a:buNone/>
+            </a:pPr>
+            <a:endParaRPr lang="en-US" dirty="0">
+              <a:solidFill>
+                <a:srgbClr val="007DC3"/>
+              </a:solidFill>
+              <a:latin typeface="+mn-lt"/>
+            </a:endParaRPr>
+          </a:p>
+          <a:p>
+            <a:pPr marL="770693" lvl="1" indent="-182880"/>
+            <a:endParaRPr lang="en-US" dirty="0">
+              <a:solidFill>
+                <a:srgbClr val="007DC3"/>
+              </a:solidFill>
+              <a:latin typeface="+mn-lt"/>
+            </a:endParaRPr>
+          </a:p>
+          <a:p>
+            <a:pPr marL="770693" lvl="1" indent="-182880"/>
+            <a:endParaRPr lang="en-US" dirty="0">
+              <a:solidFill>
+                <a:srgbClr val="007DC3"/>
+              </a:solidFill>
+              <a:latin typeface="+mn-lt"/>
+            </a:endParaRPr>
+          </a:p>
+          <a:p>
+            <a:pPr marL="770693" lvl="1" indent="-182880"/>
+            <a:endParaRPr lang="en-US" dirty="0">
+              <a:solidFill>
+                <a:srgbClr val="007DC3"/>
+              </a:solidFill>
+              <a:latin typeface="+mn-lt"/>
+            </a:endParaRPr>
+          </a:p>
+          <a:p>
+            <a:pPr marL="770693" lvl="1" indent="-182880"/>
+            <a:endParaRPr lang="en-US" dirty="0">
+              <a:solidFill>
+                <a:srgbClr val="007DC3"/>
+              </a:solidFill>
+              <a:latin typeface="+mn-lt"/>
+            </a:endParaRPr>
+          </a:p>
+          <a:p>
+            <a:pPr marL="770693" lvl="1" indent="-182880"/>
+            <a:endParaRPr lang="en-US" dirty="0">
+              <a:solidFill>
+                <a:srgbClr val="007DC3"/>
+              </a:solidFill>
+              <a:latin typeface="+mn-lt"/>
+            </a:endParaRPr>
+          </a:p>
+          <a:p>
+            <a:pPr marL="770693" lvl="1" indent="-182880"/>
+            <a:endParaRPr lang="en-US" dirty="0">
+              <a:solidFill>
+                <a:srgbClr val="007DC3"/>
+              </a:solidFill>
+              <a:latin typeface="+mn-lt"/>
+            </a:endParaRPr>
+          </a:p>
+          <a:p>
+            <a:pPr marL="770693" lvl="1" indent="-182880"/>
+            <a:endParaRPr lang="en-US" dirty="0">
+              <a:solidFill>
+                <a:srgbClr val="007DC3"/>
+              </a:solidFill>
+              <a:latin typeface="+mn-lt"/>
+            </a:endParaRPr>
+          </a:p>
+          <a:p>
+            <a:pPr marL="770693" lvl="1" indent="-182880"/>
+            <a:endParaRPr lang="en-US" dirty="0">
+              <a:solidFill>
+                <a:srgbClr val="007DC3"/>
+              </a:solidFill>
+              <a:latin typeface="+mn-lt"/>
+            </a:endParaRPr>
+          </a:p>
+          <a:p>
+            <a:pPr marL="770693" lvl="1" indent="-182880"/>
+            <a:endParaRPr lang="en-US" dirty="0">
+              <a:solidFill>
+                <a:srgbClr val="007DC3"/>
+              </a:solidFill>
+              <a:latin typeface="+mn-lt"/>
+            </a:endParaRPr>
+          </a:p>
+          <a:p>
+            <a:pPr marL="770693" lvl="1" indent="-182880"/>
+            <a:endParaRPr lang="en-US" dirty="0">
+              <a:solidFill>
+                <a:srgbClr val="007DC3"/>
+              </a:solidFill>
+              <a:latin typeface="+mn-lt"/>
+            </a:endParaRPr>
+          </a:p>
+          <a:p>
+            <a:pPr marL="770693" lvl="1" indent="-182880"/>
+            <a:endParaRPr lang="en-US" dirty="0">
+              <a:solidFill>
+                <a:srgbClr val="007DC3"/>
+              </a:solidFill>
+              <a:latin typeface="+mn-lt"/>
+            </a:endParaRPr>
+          </a:p>
+          <a:p>
+            <a:pPr marL="770693" lvl="1" indent="-182880"/>
+            <a:endParaRPr lang="en-US" dirty="0">
+              <a:solidFill>
+                <a:srgbClr val="007DC3"/>
+              </a:solidFill>
+              <a:latin typeface="+mn-lt"/>
+            </a:endParaRPr>
+          </a:p>
+          <a:p>
+            <a:pPr marL="770693" lvl="1" indent="-182880"/>
+            <a:endParaRPr lang="en-US" dirty="0">
+              <a:solidFill>
+                <a:srgbClr val="007DC3"/>
+              </a:solidFill>
+              <a:latin typeface="+mn-lt"/>
+            </a:endParaRPr>
+          </a:p>
+          <a:p>
+            <a:pPr marL="770693" lvl="1" indent="-182880"/>
+            <a:endParaRPr lang="en-US" dirty="0">
+              <a:solidFill>
+                <a:srgbClr val="007DC3"/>
+              </a:solidFill>
+              <a:latin typeface="+mn-lt"/>
+            </a:endParaRPr>
+          </a:p>
+          <a:p>
+            <a:pPr marL="770693" lvl="1" indent="-182880"/>
+            <a:endParaRPr lang="en-US" dirty="0">
+              <a:solidFill>
+                <a:srgbClr val="007DC3"/>
+              </a:solidFill>
+              <a:latin typeface="+mn-lt"/>
+            </a:endParaRPr>
+          </a:p>
+          <a:p>
+            <a:pPr marL="770693" lvl="1" indent="-182880"/>
+            <a:endParaRPr lang="en-US" dirty="0">
+              <a:solidFill>
+                <a:srgbClr val="007DC3"/>
+              </a:solidFill>
+              <a:latin typeface="+mn-lt"/>
+            </a:endParaRPr>
+          </a:p>
+          <a:p>
+            <a:pPr marL="770693" lvl="1" indent="-182880"/>
+            <a:endParaRPr lang="en-US" dirty="0">
+              <a:solidFill>
+                <a:srgbClr val="007DC3"/>
+              </a:solidFill>
+              <a:latin typeface="+mn-lt"/>
+            </a:endParaRPr>
+          </a:p>
+          <a:p>
+            <a:pPr marL="770693" lvl="1" indent="-182880"/>
+            <a:endParaRPr lang="en-US" dirty="0">
+              <a:solidFill>
+                <a:srgbClr val="007DC3"/>
+              </a:solidFill>
+              <a:latin typeface="+mn-lt"/>
+            </a:endParaRPr>
+          </a:p>
+          <a:p>
+            <a:pPr marL="770693" lvl="1" indent="-182880"/>
+            <a:endParaRPr lang="en-US" dirty="0">
+              <a:solidFill>
+                <a:srgbClr val="007DC3"/>
+              </a:solidFill>
+              <a:latin typeface="+mn-lt"/>
+            </a:endParaRPr>
+          </a:p>
+          <a:p>
+            <a:pPr marL="770693" lvl="1" indent="-182880"/>
+            <a:endParaRPr lang="en-US" dirty="0">
+              <a:solidFill>
+                <a:srgbClr val="007DC3"/>
+              </a:solidFill>
+              <a:latin typeface="+mn-lt"/>
+            </a:endParaRPr>
+          </a:p>
+          <a:p>
+            <a:pPr marL="0" indent="0">
+              <a:buNone/>
+            </a:pPr>
+            <a:endParaRPr lang="en-US" sz="1600" dirty="0">
+              <a:solidFill>
+                <a:srgbClr val="007DC3"/>
+              </a:solidFill>
+              <a:latin typeface="+mn-lt"/>
+            </a:endParaRPr>
+          </a:p>
+          <a:p>
+            <a:pPr marL="0" indent="0">
+              <a:buNone/>
+            </a:pPr>
+            <a:endParaRPr lang="en-US" sz="1600" dirty="0">
+              <a:solidFill>
+                <a:srgbClr val="007DC3"/>
+              </a:solidFill>
+              <a:latin typeface="+mn-lt"/>
+            </a:endParaRPr>
+          </a:p>
+          <a:p>
+            <a:pPr marL="0" indent="0">
+              <a:buNone/>
+            </a:pPr>
+            <a:endParaRPr lang="en-US" sz="1600" dirty="0">
+              <a:solidFill>
+                <a:srgbClr val="007DC3"/>
+              </a:solidFill>
+              <a:latin typeface="+mn-lt"/>
+            </a:endParaRPr>
+          </a:p>
+        </p:txBody>
+      </p:sp>
+      <p:pic>
+        <p:nvPicPr>
+          <p:cNvPr id="3" name="Picture 2">
+            <a:extLst>
+              <a:ext uri="{FF2B5EF4-FFF2-40B4-BE49-F238E27FC236}">
+                <a16:creationId xmlns:a16="http://schemas.microsoft.com/office/drawing/2014/main" id="{382395A1-3AF7-48A5-9C03-3A681434F96F}"/>
+              </a:ext>
+            </a:extLst>
+          </p:cNvPr>
+          <p:cNvPicPr>
+            <a:picLocks noChangeAspect="1"/>
+          </p:cNvPicPr>
+          <p:nvPr/>
+        </p:nvPicPr>
+        <p:blipFill>
+          <a:blip r:embed="rId3"/>
+          <a:stretch>
+            <a:fillRect/>
+          </a:stretch>
+        </p:blipFill>
+        <p:spPr>
+          <a:xfrm>
+            <a:off x="928468" y="1183126"/>
+            <a:ext cx="10893863" cy="4556491"/>
+          </a:xfrm>
+          <a:prstGeom prst="rect">
+            <a:avLst/>
+          </a:prstGeom>
+        </p:spPr>
+        <p:style>
+          <a:lnRef idx="2">
+            <a:schemeClr val="dk1"/>
+          </a:lnRef>
+          <a:fillRef idx="1">
+            <a:schemeClr val="lt1"/>
+          </a:fillRef>
+          <a:effectRef idx="0">
+            <a:schemeClr val="dk1"/>
+          </a:effectRef>
+          <a:fontRef idx="minor">
+            <a:schemeClr val="dk1"/>
+          </a:fontRef>
+        </p:style>
+      </p:pic>
+    </p:spTree>
+    <p:extLst>
+      <p:ext uri="{BB962C8B-B14F-4D97-AF65-F5344CB8AC3E}">
+        <p14:creationId xmlns:p14="http://schemas.microsoft.com/office/powerpoint/2010/main" val="2424610658"/>
+      </p:ext>
+    </p:extLst>
+  </p:cSld>
+  <p:clrMapOvr>
+    <a:masterClrMapping/>
+  </p:clrMapOvr>
+  <p:transition spd="med"/>
+</p:sld>
+</file>
+
+<file path=ppt/slides/slide14.xml><?xml version="1.0" encoding="utf-8"?>
+<p:sld xmlns:a="http://schemas.openxmlformats.org/drawingml/2006/main" xmlns:r="http://schemas.openxmlformats.org/officeDocument/2006/relationships" xmlns:p="http://schemas.openxmlformats.org/presentationml/2006/main">
+  <p:cSld>
+    <p:spTree>
+      <p:nvGrpSpPr>
+        <p:cNvPr id="1" name=""/>
+        <p:cNvGrpSpPr/>
+        <p:nvPr/>
+      </p:nvGrpSpPr>
+      <p:grpSpPr>
+        <a:xfrm>
+          <a:off x="0" y="0"/>
+          <a:ext cx="0" cy="0"/>
+          <a:chOff x="0" y="0"/>
+          <a:chExt cx="0" cy="0"/>
+        </a:xfrm>
+      </p:grpSpPr>
+      <p:sp>
+        <p:nvSpPr>
+          <p:cNvPr id="374" name="Shape 374"/>
+          <p:cNvSpPr>
+            <a:spLocks noGrp="1"/>
+          </p:cNvSpPr>
+          <p:nvPr>
+            <p:ph type="title"/>
+          </p:nvPr>
+        </p:nvSpPr>
+        <p:spPr/>
+        <p:txBody>
+          <a:bodyPr/>
+          <a:lstStyle/>
+          <a:p>
+            <a:r>
+              <a:rPr lang="en-US" sz="2700" dirty="0">
+                <a:latin typeface="+mn-lt"/>
+                <a:sym typeface="Calibri"/>
+              </a:rPr>
+              <a:t>Technical Solution Continued…</a:t>
+            </a:r>
+          </a:p>
+        </p:txBody>
+      </p:sp>
+      <p:sp>
+        <p:nvSpPr>
+          <p:cNvPr id="2" name="Text Placeholder 1"/>
+          <p:cNvSpPr>
+            <a:spLocks noGrp="1"/>
+          </p:cNvSpPr>
+          <p:nvPr>
+            <p:ph type="body" sz="quarter" idx="10"/>
+          </p:nvPr>
+        </p:nvSpPr>
+        <p:spPr>
+          <a:xfrm>
+            <a:off x="263924" y="804333"/>
+            <a:ext cx="11664152" cy="5651885"/>
+          </a:xfrm>
+        </p:spPr>
+        <p:txBody>
+          <a:bodyPr>
+            <a:normAutofit/>
+          </a:bodyPr>
+          <a:lstStyle/>
+          <a:p>
+            <a:pPr marL="587813" lvl="1" indent="0">
+              <a:buNone/>
+            </a:pPr>
+            <a:r>
+              <a:rPr lang="en-US" sz="1800" b="1" u="sng" dirty="0">
+                <a:solidFill>
+                  <a:srgbClr val="007DC3"/>
+                </a:solidFill>
+              </a:rPr>
+              <a:t>Notification-Prep</a:t>
+            </a:r>
+          </a:p>
+          <a:p>
+            <a:pPr marL="873563" lvl="1" indent="-285750">
+              <a:buFontTx/>
+              <a:buChar char="-"/>
+            </a:pPr>
+            <a:r>
+              <a:rPr lang="en-US" sz="1800" dirty="0">
+                <a:solidFill>
+                  <a:srgbClr val="007DC3"/>
+                </a:solidFill>
+              </a:rPr>
+              <a:t>Connects to external system and get the list of employees and creates a list of people those are not using </a:t>
+            </a:r>
+            <a:r>
+              <a:rPr lang="en-US" sz="1800" dirty="0" err="1">
+                <a:solidFill>
+                  <a:srgbClr val="007DC3"/>
+                </a:solidFill>
+              </a:rPr>
+              <a:t>iCount</a:t>
+            </a:r>
+            <a:r>
+              <a:rPr lang="en-US" sz="1800" dirty="0">
+                <a:solidFill>
+                  <a:srgbClr val="007DC3"/>
+                </a:solidFill>
+              </a:rPr>
+              <a:t> capabilities after applying exclusion list (Example – Subcons/onsite employees).</a:t>
+            </a:r>
+          </a:p>
+          <a:p>
+            <a:pPr marL="873563" lvl="1" indent="-285750">
+              <a:buFontTx/>
+              <a:buChar char="-"/>
+            </a:pPr>
+            <a:r>
+              <a:rPr lang="en-US" sz="1800" dirty="0">
+                <a:solidFill>
+                  <a:srgbClr val="007DC3"/>
+                </a:solidFill>
+              </a:rPr>
+              <a:t>Send employee list in csv format to notification batch to notify employees.</a:t>
+            </a:r>
+            <a:endParaRPr lang="en-US" sz="1800" b="1" u="sng" dirty="0">
+              <a:solidFill>
+                <a:srgbClr val="007DC3"/>
+              </a:solidFill>
+              <a:latin typeface="+mn-lt"/>
+            </a:endParaRPr>
+          </a:p>
+          <a:p>
+            <a:pPr marL="587813" lvl="1" indent="0">
+              <a:buNone/>
+            </a:pPr>
+            <a:r>
+              <a:rPr lang="en-US" sz="1800" b="1" u="sng" dirty="0">
+                <a:solidFill>
+                  <a:srgbClr val="007DC3"/>
+                </a:solidFill>
+                <a:latin typeface="+mn-lt"/>
+              </a:rPr>
+              <a:t>Notification-Batch</a:t>
+            </a:r>
+            <a:r>
+              <a:rPr lang="en-US" sz="1800" dirty="0">
+                <a:solidFill>
+                  <a:srgbClr val="007DC3"/>
+                </a:solidFill>
+                <a:latin typeface="+mn-lt"/>
+              </a:rPr>
+              <a:t> :</a:t>
+            </a:r>
+          </a:p>
+          <a:p>
+            <a:pPr marL="873563" lvl="1" indent="-285750">
+              <a:buFontTx/>
+              <a:buChar char="-"/>
+            </a:pPr>
+            <a:r>
+              <a:rPr lang="en-US" sz="1800" dirty="0">
+                <a:solidFill>
+                  <a:srgbClr val="007DC3"/>
+                </a:solidFill>
+              </a:rPr>
+              <a:t>Notify employees who are NOT using or actively using </a:t>
+            </a:r>
+            <a:r>
+              <a:rPr lang="en-US" sz="1800" dirty="0" err="1">
+                <a:solidFill>
+                  <a:srgbClr val="007DC3"/>
+                </a:solidFill>
+              </a:rPr>
+              <a:t>iCount</a:t>
+            </a:r>
+            <a:r>
+              <a:rPr lang="en-US" sz="1800" dirty="0">
+                <a:solidFill>
+                  <a:srgbClr val="007DC3"/>
+                </a:solidFill>
+              </a:rPr>
+              <a:t>.</a:t>
+            </a:r>
+          </a:p>
+          <a:p>
+            <a:pPr marL="873563" lvl="1" indent="-285750">
+              <a:buFontTx/>
+              <a:buChar char="-"/>
+            </a:pPr>
+            <a:r>
+              <a:rPr lang="en-US" sz="1800" dirty="0">
+                <a:solidFill>
+                  <a:srgbClr val="007DC3"/>
+                </a:solidFill>
+              </a:rPr>
+              <a:t>Frequency and rules of notifications can be configurable.</a:t>
+            </a:r>
+          </a:p>
+          <a:p>
+            <a:pPr marL="587813" lvl="1" indent="0">
+              <a:buNone/>
+            </a:pPr>
+            <a:r>
+              <a:rPr lang="en-US" sz="1800" dirty="0">
+                <a:solidFill>
+                  <a:srgbClr val="007DC3"/>
+                </a:solidFill>
+              </a:rPr>
+              <a:t>      Example of rules :</a:t>
+            </a:r>
+          </a:p>
+          <a:p>
+            <a:pPr marL="587813" lvl="1" indent="0">
+              <a:buNone/>
+            </a:pPr>
+            <a:r>
+              <a:rPr lang="en-US" sz="1800" dirty="0">
+                <a:solidFill>
+                  <a:srgbClr val="007DC3"/>
+                </a:solidFill>
+              </a:rPr>
+              <a:t>	1. Escalation rule for not being use </a:t>
+            </a:r>
+            <a:r>
+              <a:rPr lang="en-US" sz="1800" dirty="0" err="1">
+                <a:solidFill>
+                  <a:srgbClr val="007DC3"/>
+                </a:solidFill>
+              </a:rPr>
+              <a:t>iCount</a:t>
+            </a:r>
+            <a:r>
+              <a:rPr lang="en-US" sz="1800" dirty="0">
+                <a:solidFill>
+                  <a:srgbClr val="007DC3"/>
+                </a:solidFill>
+              </a:rPr>
+              <a:t>.</a:t>
+            </a:r>
+          </a:p>
+          <a:p>
+            <a:pPr marL="587813" lvl="1" indent="0">
+              <a:buNone/>
+            </a:pPr>
+            <a:r>
+              <a:rPr lang="en-US" sz="1800" dirty="0">
+                <a:solidFill>
+                  <a:srgbClr val="007DC3"/>
+                </a:solidFill>
+              </a:rPr>
+              <a:t>	2. It can lock other services such as outlook etc. for not at all use.</a:t>
+            </a:r>
+          </a:p>
+          <a:p>
+            <a:pPr marL="587813" lvl="1" indent="0">
+              <a:buNone/>
+            </a:pPr>
+            <a:endParaRPr lang="en-US" sz="1800" dirty="0"/>
+          </a:p>
+          <a:p>
+            <a:pPr marL="587813" lvl="1" indent="0">
+              <a:buNone/>
+            </a:pPr>
+            <a:endParaRPr lang="en-US" dirty="0">
+              <a:solidFill>
+                <a:srgbClr val="007DC3"/>
+              </a:solidFill>
+            </a:endParaRPr>
+          </a:p>
+          <a:p>
+            <a:pPr marL="587813" lvl="1" indent="0">
+              <a:buNone/>
+            </a:pPr>
+            <a:endParaRPr lang="en-US" dirty="0">
+              <a:solidFill>
+                <a:srgbClr val="007DC3"/>
+              </a:solidFill>
+            </a:endParaRPr>
+          </a:p>
+          <a:p>
+            <a:pPr marL="587813" lvl="1" indent="0">
+              <a:buNone/>
+            </a:pPr>
+            <a:endParaRPr lang="en-US" dirty="0">
+              <a:solidFill>
+                <a:srgbClr val="007DC3"/>
+              </a:solidFill>
+            </a:endParaRPr>
+          </a:p>
+          <a:p>
+            <a:pPr marL="587813" lvl="1" indent="0">
+              <a:buNone/>
+            </a:pPr>
+            <a:endParaRPr lang="en-US" dirty="0">
+              <a:solidFill>
+                <a:srgbClr val="007DC3"/>
+              </a:solidFill>
+              <a:latin typeface="+mn-lt"/>
+            </a:endParaRPr>
+          </a:p>
+          <a:p>
+            <a:pPr marL="587813" lvl="1" indent="0">
+              <a:buNone/>
+            </a:pPr>
+            <a:endParaRPr lang="en-US" dirty="0">
+              <a:solidFill>
+                <a:srgbClr val="007DC3"/>
+              </a:solidFill>
+              <a:latin typeface="+mn-lt"/>
+            </a:endParaRPr>
+          </a:p>
+          <a:p>
+            <a:pPr marL="770693" lvl="1" indent="-182880"/>
+            <a:endParaRPr lang="en-US" dirty="0">
+              <a:solidFill>
+                <a:srgbClr val="007DC3"/>
+              </a:solidFill>
+              <a:latin typeface="+mn-lt"/>
+            </a:endParaRPr>
+          </a:p>
+          <a:p>
+            <a:pPr marL="770693" lvl="1" indent="-182880"/>
+            <a:endParaRPr lang="en-US" dirty="0">
+              <a:solidFill>
+                <a:srgbClr val="007DC3"/>
+              </a:solidFill>
+              <a:latin typeface="+mn-lt"/>
+            </a:endParaRPr>
+          </a:p>
+          <a:p>
+            <a:pPr marL="770693" lvl="1" indent="-182880"/>
+            <a:endParaRPr lang="en-US" dirty="0">
+              <a:solidFill>
+                <a:srgbClr val="007DC3"/>
+              </a:solidFill>
+              <a:latin typeface="+mn-lt"/>
+            </a:endParaRPr>
+          </a:p>
+          <a:p>
+            <a:pPr marL="770693" lvl="1" indent="-182880"/>
+            <a:endParaRPr lang="en-US" dirty="0">
+              <a:solidFill>
+                <a:srgbClr val="007DC3"/>
+              </a:solidFill>
+              <a:latin typeface="+mn-lt"/>
+            </a:endParaRPr>
+          </a:p>
+          <a:p>
+            <a:pPr marL="770693" lvl="1" indent="-182880"/>
+            <a:endParaRPr lang="en-US" dirty="0">
+              <a:solidFill>
+                <a:srgbClr val="007DC3"/>
+              </a:solidFill>
+              <a:latin typeface="+mn-lt"/>
+            </a:endParaRPr>
+          </a:p>
+          <a:p>
+            <a:pPr marL="770693" lvl="1" indent="-182880"/>
+            <a:endParaRPr lang="en-US" dirty="0">
+              <a:solidFill>
+                <a:srgbClr val="007DC3"/>
+              </a:solidFill>
+              <a:latin typeface="+mn-lt"/>
+            </a:endParaRPr>
+          </a:p>
+          <a:p>
+            <a:pPr marL="770693" lvl="1" indent="-182880"/>
+            <a:endParaRPr lang="en-US" dirty="0">
+              <a:solidFill>
+                <a:srgbClr val="007DC3"/>
+              </a:solidFill>
+              <a:latin typeface="+mn-lt"/>
+            </a:endParaRPr>
+          </a:p>
+          <a:p>
+            <a:pPr marL="770693" lvl="1" indent="-182880"/>
+            <a:endParaRPr lang="en-US" dirty="0">
+              <a:solidFill>
+                <a:srgbClr val="007DC3"/>
+              </a:solidFill>
+              <a:latin typeface="+mn-lt"/>
+            </a:endParaRPr>
+          </a:p>
+          <a:p>
+            <a:pPr marL="770693" lvl="1" indent="-182880"/>
+            <a:endParaRPr lang="en-US" dirty="0">
+              <a:solidFill>
+                <a:srgbClr val="007DC3"/>
+              </a:solidFill>
+              <a:latin typeface="+mn-lt"/>
+            </a:endParaRPr>
+          </a:p>
+          <a:p>
+            <a:pPr marL="770693" lvl="1" indent="-182880"/>
+            <a:endParaRPr lang="en-US" dirty="0">
+              <a:solidFill>
+                <a:srgbClr val="007DC3"/>
+              </a:solidFill>
+              <a:latin typeface="+mn-lt"/>
+            </a:endParaRPr>
+          </a:p>
+          <a:p>
+            <a:pPr marL="770693" lvl="1" indent="-182880"/>
+            <a:endParaRPr lang="en-US" dirty="0">
+              <a:solidFill>
+                <a:srgbClr val="007DC3"/>
+              </a:solidFill>
+              <a:latin typeface="+mn-lt"/>
+            </a:endParaRPr>
+          </a:p>
+          <a:p>
+            <a:pPr marL="770693" lvl="1" indent="-182880"/>
+            <a:endParaRPr lang="en-US" dirty="0">
+              <a:solidFill>
+                <a:srgbClr val="007DC3"/>
+              </a:solidFill>
+              <a:latin typeface="+mn-lt"/>
+            </a:endParaRPr>
+          </a:p>
+          <a:p>
+            <a:pPr marL="770693" lvl="1" indent="-182880"/>
+            <a:endParaRPr lang="en-US" dirty="0">
+              <a:solidFill>
+                <a:srgbClr val="007DC3"/>
+              </a:solidFill>
+              <a:latin typeface="+mn-lt"/>
+            </a:endParaRPr>
+          </a:p>
+          <a:p>
+            <a:pPr marL="770693" lvl="1" indent="-182880"/>
+            <a:endParaRPr lang="en-US" dirty="0">
+              <a:solidFill>
+                <a:srgbClr val="007DC3"/>
+              </a:solidFill>
+              <a:latin typeface="+mn-lt"/>
+            </a:endParaRPr>
+          </a:p>
+          <a:p>
+            <a:pPr marL="770693" lvl="1" indent="-182880"/>
+            <a:endParaRPr lang="en-US" dirty="0">
+              <a:solidFill>
+                <a:srgbClr val="007DC3"/>
+              </a:solidFill>
+              <a:latin typeface="+mn-lt"/>
+            </a:endParaRPr>
+          </a:p>
+          <a:p>
+            <a:pPr marL="770693" lvl="1" indent="-182880"/>
+            <a:endParaRPr lang="en-US" dirty="0">
+              <a:solidFill>
+                <a:srgbClr val="007DC3"/>
+              </a:solidFill>
+              <a:latin typeface="+mn-lt"/>
+            </a:endParaRPr>
+          </a:p>
+          <a:p>
+            <a:pPr marL="770693" lvl="1" indent="-182880"/>
+            <a:endParaRPr lang="en-US" dirty="0">
+              <a:solidFill>
+                <a:srgbClr val="007DC3"/>
+              </a:solidFill>
+              <a:latin typeface="+mn-lt"/>
+            </a:endParaRPr>
+          </a:p>
+          <a:p>
+            <a:pPr marL="770693" lvl="1" indent="-182880"/>
+            <a:endParaRPr lang="en-US" dirty="0">
+              <a:solidFill>
+                <a:srgbClr val="007DC3"/>
+              </a:solidFill>
+              <a:latin typeface="+mn-lt"/>
+            </a:endParaRPr>
+          </a:p>
+          <a:p>
+            <a:pPr marL="770693" lvl="1" indent="-182880"/>
+            <a:endParaRPr lang="en-US" dirty="0">
+              <a:solidFill>
+                <a:srgbClr val="007DC3"/>
+              </a:solidFill>
+              <a:latin typeface="+mn-lt"/>
+            </a:endParaRPr>
+          </a:p>
+          <a:p>
+            <a:pPr marL="770693" lvl="1" indent="-182880"/>
+            <a:endParaRPr lang="en-US" dirty="0">
+              <a:solidFill>
+                <a:srgbClr val="007DC3"/>
+              </a:solidFill>
+              <a:latin typeface="+mn-lt"/>
+            </a:endParaRPr>
+          </a:p>
+          <a:p>
+            <a:pPr marL="0" indent="0">
+              <a:buNone/>
+            </a:pPr>
+            <a:endParaRPr lang="en-US" sz="1600" dirty="0">
+              <a:solidFill>
+                <a:srgbClr val="007DC3"/>
+              </a:solidFill>
+              <a:latin typeface="+mn-lt"/>
+            </a:endParaRPr>
+          </a:p>
+          <a:p>
+            <a:pPr marL="0" indent="0">
+              <a:buNone/>
+            </a:pPr>
+            <a:endParaRPr lang="en-US" sz="1600" dirty="0">
+              <a:solidFill>
+                <a:srgbClr val="007DC3"/>
+              </a:solidFill>
+              <a:latin typeface="+mn-lt"/>
+            </a:endParaRPr>
+          </a:p>
+          <a:p>
+            <a:pPr marL="0" indent="0">
+              <a:buNone/>
+            </a:pPr>
+            <a:endParaRPr lang="en-US" sz="1600" dirty="0">
+              <a:solidFill>
+                <a:srgbClr val="007DC3"/>
+              </a:solidFill>
+              <a:latin typeface="+mn-lt"/>
+            </a:endParaRPr>
+          </a:p>
+        </p:txBody>
+      </p:sp>
+    </p:spTree>
+    <p:extLst>
+      <p:ext uri="{BB962C8B-B14F-4D97-AF65-F5344CB8AC3E}">
+        <p14:creationId xmlns:p14="http://schemas.microsoft.com/office/powerpoint/2010/main" val="2969780216"/>
+      </p:ext>
+    </p:extLst>
+  </p:cSld>
+  <p:clrMapOvr>
+    <a:masterClrMapping/>
+  </p:clrMapOvr>
+  <p:transition spd="med"/>
+</p:sld>
+</file>
+
+<file path=ppt/slides/slide15.xml><?xml version="1.0" encoding="utf-8"?>
 <p:sld xmlns:a="http://schemas.openxmlformats.org/drawingml/2006/main" xmlns:r="http://schemas.openxmlformats.org/officeDocument/2006/relationships" xmlns:p="http://schemas.openxmlformats.org/presentationml/2006/main">
   <p:cSld>
     <p:spTree>
@@ -16312,7 +17265,7 @@
 </p:sld>
 </file>
 
-<file path=ppt/slides/slide14.xml><?xml version="1.0" encoding="utf-8"?>
+<file path=ppt/slides/slide16.xml><?xml version="1.0" encoding="utf-8"?>
 <p:sld xmlns:a="http://schemas.openxmlformats.org/drawingml/2006/main" xmlns:r="http://schemas.openxmlformats.org/officeDocument/2006/relationships" xmlns:p="http://schemas.openxmlformats.org/presentationml/2006/main">
   <p:cSld>
     <p:spTree>
@@ -16625,7 +17578,7 @@
         <p:spPr>
           <a:xfrm>
             <a:off x="450166" y="1026942"/>
-            <a:ext cx="11229262" cy="1477328"/>
+            <a:ext cx="11229262" cy="3416320"/>
           </a:xfrm>
           <a:prstGeom prst="rect">
             <a:avLst/>
@@ -16640,26 +17593,6 @@
             <a:pPr marL="587813" lvl="1" indent="0">
               <a:buNone/>
             </a:pPr>
-            <a:endParaRPr lang="en-US" dirty="0">
-              <a:solidFill>
-                <a:srgbClr val="007DC3"/>
-              </a:solidFill>
-            </a:endParaRPr>
-          </a:p>
-          <a:p>
-            <a:pPr marL="587813" lvl="1" indent="0">
-              <a:buNone/>
-            </a:pPr>
-            <a:endParaRPr lang="en-US" dirty="0">
-              <a:solidFill>
-                <a:srgbClr val="007DC3"/>
-              </a:solidFill>
-            </a:endParaRPr>
-          </a:p>
-          <a:p>
-            <a:pPr marL="587813" lvl="1" indent="0">
-              <a:buNone/>
-            </a:pPr>
             <a:r>
               <a:rPr lang="en-US" b="1" u="sng" dirty="0">
                 <a:solidFill>
@@ -16688,23 +17621,7 @@
                   <a:srgbClr val="007DC3"/>
                 </a:solidFill>
               </a:rPr>
-              <a:t>Cron jobs is being used to set or </a:t>
-            </a:r>
-            <a:r>
-              <a:rPr lang="en-US" dirty="0" err="1">
-                <a:solidFill>
-                  <a:srgbClr val="007DC3"/>
-                </a:solidFill>
-              </a:rPr>
-              <a:t>rul</a:t>
-            </a:r>
-            <a:r>
-              <a:rPr lang="en-US" dirty="0">
-                <a:solidFill>
-                  <a:srgbClr val="007DC3"/>
-                </a:solidFill>
-              </a:rPr>
-              <a:t> notification-batch in certain interval.</a:t>
+              <a:t>Cron jobs is being used to set notification frequency.</a:t>
             </a:r>
           </a:p>
           <a:p>
@@ -16720,6 +17637,159 @@
               </a:rPr>
               <a:t>Interval can be configurable.</a:t>
             </a:r>
+          </a:p>
+          <a:p>
+            <a:pPr marL="587813" lvl="1"/>
+            <a:endParaRPr lang="en-US" dirty="0">
+              <a:solidFill>
+                <a:srgbClr val="007DC3"/>
+              </a:solidFill>
+            </a:endParaRPr>
+          </a:p>
+          <a:p>
+            <a:pPr marL="587813" lvl="1"/>
+            <a:r>
+              <a:rPr lang="en-US" b="1" u="sng" dirty="0">
+                <a:solidFill>
+                  <a:srgbClr val="007DC3"/>
+                </a:solidFill>
+              </a:rPr>
+              <a:t>Miscellaneous</a:t>
+            </a:r>
+            <a:r>
+              <a:rPr lang="en-US" dirty="0">
+                <a:solidFill>
+                  <a:srgbClr val="007DC3"/>
+                </a:solidFill>
+              </a:rPr>
+              <a:t> :</a:t>
+            </a:r>
+          </a:p>
+          <a:p>
+            <a:pPr marL="587813" lvl="1"/>
+            <a:r>
+              <a:rPr lang="en-US" dirty="0">
+                <a:solidFill>
+                  <a:srgbClr val="007DC3"/>
+                </a:solidFill>
+              </a:rPr>
+              <a:t>There are 2 types of notifications</a:t>
+            </a:r>
+          </a:p>
+          <a:p>
+            <a:pPr marL="873563" lvl="1" indent="-285750">
+              <a:buFontTx/>
+              <a:buChar char="-"/>
+            </a:pPr>
+            <a:r>
+              <a:rPr lang="en-US" dirty="0">
+                <a:solidFill>
+                  <a:srgbClr val="007DC3"/>
+                </a:solidFill>
+              </a:rPr>
+              <a:t>To-Do notifications to the employees who are not using </a:t>
+            </a:r>
+            <a:r>
+              <a:rPr lang="en-US" dirty="0" err="1">
+                <a:solidFill>
+                  <a:srgbClr val="007DC3"/>
+                </a:solidFill>
+              </a:rPr>
+              <a:t>iCount</a:t>
+            </a:r>
+            <a:r>
+              <a:rPr lang="en-US" dirty="0">
+                <a:solidFill>
+                  <a:srgbClr val="007DC3"/>
+                </a:solidFill>
+              </a:rPr>
+              <a:t>.</a:t>
+            </a:r>
+          </a:p>
+          <a:p>
+            <a:pPr marL="873563" lvl="1" indent="-285750">
+              <a:buFontTx/>
+              <a:buChar char="-"/>
+            </a:pPr>
+            <a:r>
+              <a:rPr lang="en-US" dirty="0">
+                <a:solidFill>
+                  <a:srgbClr val="007DC3"/>
+                </a:solidFill>
+              </a:rPr>
+              <a:t>Feedback or Acknowledgement notification from the adapter service for appreciation, feedback, course/task completion etc.</a:t>
+            </a:r>
+          </a:p>
+          <a:p>
+            <a:pPr marL="873563" lvl="1" indent="-285750">
+              <a:buFontTx/>
+              <a:buChar char="-"/>
+            </a:pPr>
+            <a:r>
+              <a:rPr lang="en-US" dirty="0">
+                <a:solidFill>
+                  <a:srgbClr val="007DC3"/>
+                </a:solidFill>
+              </a:rPr>
+              <a:t>Coins can be accumulated and redeemed using </a:t>
+            </a:r>
+            <a:r>
+              <a:rPr lang="en-US" dirty="0" err="1">
+                <a:solidFill>
+                  <a:srgbClr val="007DC3"/>
+                </a:solidFill>
+              </a:rPr>
+              <a:t>InfyGold</a:t>
+            </a:r>
+            <a:r>
+              <a:rPr lang="en-US" dirty="0">
+                <a:solidFill>
+                  <a:srgbClr val="007DC3"/>
+                </a:solidFill>
+              </a:rPr>
+              <a:t>+</a:t>
+            </a:r>
+          </a:p>
+          <a:p>
+            <a:pPr marL="873563" lvl="1" indent="-285750">
+              <a:buFontTx/>
+              <a:buChar char="-"/>
+            </a:pPr>
+            <a:r>
+              <a:rPr lang="en-US" dirty="0">
+                <a:solidFill>
+                  <a:srgbClr val="007DC3"/>
+                </a:solidFill>
+              </a:rPr>
+              <a:t>Deals can be announced for more coins</a:t>
+            </a:r>
+          </a:p>
+          <a:p>
+            <a:pPr marL="873563" lvl="1" indent="-285750">
+              <a:buFontTx/>
+              <a:buChar char="-"/>
+            </a:pPr>
+            <a:r>
+              <a:rPr lang="en-US" dirty="0">
+                <a:solidFill>
+                  <a:srgbClr val="007DC3"/>
+                </a:solidFill>
+              </a:rPr>
+              <a:t>Default coins can be setup by </a:t>
+            </a:r>
+            <a:r>
+              <a:rPr lang="en-US">
+                <a:solidFill>
+                  <a:srgbClr val="007DC3"/>
+                </a:solidFill>
+              </a:rPr>
+              <a:t>the application</a:t>
+            </a:r>
+            <a:endParaRPr lang="en-US" dirty="0">
+              <a:solidFill>
+                <a:srgbClr val="007DC3"/>
+              </a:solidFill>
+            </a:endParaRPr>
           </a:p>
         </p:txBody>
       </p:sp>
@@ -16737,7 +17807,7 @@
 </p:sld>
 </file>
 
-<file path=ppt/slides/slide15.xml><?xml version="1.0" encoding="utf-8"?>
+<file path=ppt/slides/slide17.xml><?xml version="1.0" encoding="utf-8"?>
 <p:sld xmlns:a="http://schemas.openxmlformats.org/drawingml/2006/main" xmlns:r="http://schemas.openxmlformats.org/officeDocument/2006/relationships" xmlns:p="http://schemas.openxmlformats.org/presentationml/2006/main">
   <p:cSld>
     <p:spTree>
@@ -16883,16 +17953,11 @@
               <a:rPr lang="en-US" dirty="0"/>
               <a:t> </a:t>
             </a:r>
-          </a:p>
-          <a:p>
-            <a:pPr marL="587813" lvl="1" indent="0">
-              <a:buNone/>
-            </a:pPr>
             <a:r>
               <a:rPr lang="en-US" dirty="0">
                 <a:hlinkClick r:id="rId4"/>
               </a:rPr>
-              <a:t>http://13.59.15.42:8301/proxy/get/appreciation</a:t>
+              <a:t>http://13.59.15.42:8301/proxy/get/user/details?emailId=samrat.basu%40gmail.com</a:t>
             </a:r>
             <a:r>
               <a:rPr lang="en-US" dirty="0"/>
@@ -16907,11 +17972,11 @@
               <a:rPr lang="en-US" dirty="0">
                 <a:hlinkClick r:id="rId5"/>
               </a:rPr>
-              <a:t>http://13.59.15.42:8302/notification-batch</a:t>
+              <a:t>http://13.59.15.42:8302/notification-service</a:t>
             </a:r>
             <a:r>
               <a:rPr lang="en-US" dirty="0"/>
-              <a:t> </a:t>
+              <a:t>  </a:t>
             </a:r>
           </a:p>
           <a:p>
@@ -17188,10 +18253,10 @@
       </p:sp>
       <p:pic>
         <p:nvPicPr>
-          <p:cNvPr id="3" name="Picture 2">
+          <p:cNvPr id="4" name="Picture 3">
             <a:extLst>
               <a:ext uri="{FF2B5EF4-FFF2-40B4-BE49-F238E27FC236}">
-                <a16:creationId xmlns:a16="http://schemas.microsoft.com/office/drawing/2014/main" id="{918C30C5-F959-4076-BCE5-DF3625F6DFB8}"/>
+                <a16:creationId xmlns:a16="http://schemas.microsoft.com/office/drawing/2014/main" id="{11419408-E2F1-4E7D-A6C0-07E10F3C46BB}"/>
               </a:ext>
             </a:extLst>
           </p:cNvPr>
@@ -17208,27 +18273,13 @@
         </p:blipFill>
         <p:spPr>
           <a:xfrm>
-            <a:off x="1020641" y="2911056"/>
-            <a:ext cx="8743950" cy="1504950"/>
+            <a:off x="779273" y="2960370"/>
+            <a:ext cx="9658350" cy="2400300"/>
           </a:xfrm>
           <a:prstGeom prst="rect">
             <a:avLst/>
           </a:prstGeom>
         </p:spPr>
-        <p:style>
-          <a:lnRef idx="2">
-            <a:schemeClr val="dk1"/>
-          </a:lnRef>
-          <a:fillRef idx="1">
-            <a:schemeClr val="lt1"/>
-          </a:fillRef>
-          <a:effectRef idx="0">
-            <a:schemeClr val="dk1"/>
-          </a:effectRef>
-          <a:fontRef idx="minor">
-            <a:schemeClr val="dk1"/>
-          </a:fontRef>
-        </p:style>
       </p:pic>
     </p:spTree>
     <p:extLst>
@@ -17244,7 +18295,7 @@
 </p:sld>
 </file>
 
-<file path=ppt/slides/slide16.xml><?xml version="1.0" encoding="utf-8"?>
+<file path=ppt/slides/slide18.xml><?xml version="1.0" encoding="utf-8"?>
 <p:sld xmlns:a="http://schemas.openxmlformats.org/drawingml/2006/main" xmlns:r="http://schemas.openxmlformats.org/officeDocument/2006/relationships" xmlns:p="http://schemas.openxmlformats.org/presentationml/2006/main">
   <p:cSld>
     <p:spTree>
@@ -18894,14 +19945,14 @@
           <p:nvPr>
             <p:extLst>
               <p:ext uri="{D42A27DB-BD31-4B8C-83A1-F6EECF244321}">
-                <p14:modId xmlns:p14="http://schemas.microsoft.com/office/powerpoint/2010/main" val="3652642327"/>
+                <p14:modId xmlns:p14="http://schemas.microsoft.com/office/powerpoint/2010/main" val="1629493318"/>
               </p:ext>
             </p:extLst>
           </p:nvPr>
         </p:nvGraphicFramePr>
         <p:xfrm>
-          <a:off x="263923" y="394382"/>
-          <a:ext cx="11763953" cy="5744425"/>
+          <a:off x="263923" y="394383"/>
+          <a:ext cx="11763953" cy="5717592"/>
         </p:xfrm>
         <a:graphic>
           <a:graphicData uri="http://schemas.openxmlformats.org/drawingml/2006/table">
@@ -18925,7 +19976,7 @@
                   </a:extLst>
                 </a:gridCol>
               </a:tblGrid>
-              <a:tr h="346206">
+              <a:tr h="345615">
                 <a:tc>
                   <a:txBody>
                     <a:bodyPr/>
@@ -18958,7 +20009,7 @@
                   </a:ext>
                 </a:extLst>
               </a:tr>
-              <a:tr h="605861">
+              <a:tr h="604827">
                 <a:tc rowSpan="3">
                   <a:txBody>
                     <a:bodyPr/>
@@ -18979,7 +20030,15 @@
                     <a:p>
                       <a:r>
                         <a:rPr lang="en-US" dirty="0"/>
-                        <a:t>Collect, capture and store work updates, awards, feedback, task completion from different source system through adapters. </a:t>
+                        <a:t>Collect, capture and store work updates, awards, feedback, task completion from different source system </a:t>
+                      </a:r>
+                      <a:r>
+                        <a:rPr lang="en-US" b="1" dirty="0"/>
+                        <a:t>through adapters</a:t>
+                      </a:r>
+                      <a:r>
+                        <a:rPr lang="en-US" dirty="0"/>
+                        <a:t>. </a:t>
                       </a:r>
                       <a:r>
                         <a:rPr lang="en-US" dirty="0" err="1"/>
@@ -18999,7 +20058,7 @@
                   </a:ext>
                 </a:extLst>
               </a:tr>
-              <a:tr h="605861">
+              <a:tr h="604827">
                 <a:tc vMerge="1">
                   <a:txBody>
                     <a:bodyPr/>
@@ -19017,7 +20076,23 @@
                     <a:p>
                       <a:r>
                         <a:rPr lang="en-US" dirty="0"/>
-                        <a:t>Employee can provide feedback and upload appreciation using outlook plugins and outlook forms/UIs. Infosys </a:t>
+                        <a:t>Employee can provide feedback and upload appreciation </a:t>
+                      </a:r>
+                      <a:r>
+                        <a:rPr lang="en-US" b="1" dirty="0"/>
+                        <a:t>using outlook plugins </a:t>
+                      </a:r>
+                      <a:r>
+                        <a:rPr lang="en-US" dirty="0"/>
+                        <a:t>and </a:t>
+                      </a:r>
+                      <a:r>
+                        <a:rPr lang="en-US" b="1" dirty="0"/>
+                        <a:t>outlook forms/UIs</a:t>
+                      </a:r>
+                      <a:r>
+                        <a:rPr lang="en-US" dirty="0"/>
+                        <a:t>. Infosys </a:t>
                       </a:r>
                       <a:r>
                         <a:rPr lang="en-US" dirty="0" err="1"/>
@@ -19037,7 +20112,7 @@
                   </a:ext>
                 </a:extLst>
               </a:tr>
-              <a:tr h="346206">
+              <a:tr h="345615">
                 <a:tc vMerge="1">
                   <a:txBody>
                     <a:bodyPr/>
@@ -19054,8 +20129,12 @@
                     <a:lstStyle/>
                     <a:p>
                       <a:r>
+                        <a:rPr lang="en-US" b="1" dirty="0"/>
+                        <a:t>APIs are exposed </a:t>
+                      </a:r>
+                      <a:r>
                         <a:rPr lang="en-US" dirty="0"/>
-                        <a:t>APIs are exposed for course completion, so that </a:t>
+                        <a:t>for course completion, so that </a:t>
                       </a:r>
                       <a:r>
                         <a:rPr lang="en-US" dirty="0" err="1"/>
@@ -19075,7 +20154,7 @@
                   </a:ext>
                 </a:extLst>
               </a:tr>
-              <a:tr h="346206">
+              <a:tr h="345615">
                 <a:tc rowSpan="5">
                   <a:txBody>
                     <a:bodyPr/>
@@ -19116,7 +20195,7 @@
                   </a:ext>
                 </a:extLst>
               </a:tr>
-              <a:tr h="346206">
+              <a:tr h="345615">
                 <a:tc vMerge="1">
                   <a:txBody>
                     <a:bodyPr/>
@@ -19133,8 +20212,12 @@
                     <a:lstStyle/>
                     <a:p>
                       <a:r>
+                        <a:rPr lang="en-US" b="1" dirty="0"/>
+                        <a:t>Notification frequency </a:t>
+                      </a:r>
+                      <a:r>
                         <a:rPr lang="en-US" dirty="0"/>
-                        <a:t>Notification frequency can be configured.</a:t>
+                        <a:t>can be configured.</a:t>
                       </a:r>
                     </a:p>
                   </a:txBody>
@@ -19146,7 +20229,7 @@
                   </a:ext>
                 </a:extLst>
               </a:tr>
-              <a:tr h="605861">
+              <a:tr h="705942">
                 <a:tc vMerge="1">
                   <a:txBody>
                     <a:bodyPr/>
@@ -19181,7 +20264,15 @@
                       </a:pPr>
                       <a:r>
                         <a:rPr lang="en-US" dirty="0"/>
-                        <a:t>Notification send to employees  in real-time on feedback, appreciation, task/course completion and awards updates. Acknowledgement will be issued in real-time</a:t>
+                        <a:t>Notification send to employees  in </a:t>
+                      </a:r>
+                      <a:r>
+                        <a:rPr lang="en-US" b="1" dirty="0"/>
+                        <a:t>real-time on feedback, appreciation, task/course completion and awards updates</a:t>
+                      </a:r>
+                      <a:r>
+                        <a:rPr lang="en-US" dirty="0"/>
+                        <a:t>. Acknowledgement will be issued at the same time</a:t>
                       </a:r>
                     </a:p>
                   </a:txBody>
@@ -19193,7 +20284,7 @@
                   </a:ext>
                 </a:extLst>
               </a:tr>
-              <a:tr h="346206">
+              <a:tr h="345615">
                 <a:tc vMerge="1">
                   <a:txBody>
                     <a:bodyPr/>
@@ -19227,8 +20318,20 @@
                         <a:defRPr/>
                       </a:pPr>
                       <a:r>
+                        <a:rPr lang="en-US" b="1" dirty="0"/>
+                        <a:t>Deals can be announced </a:t>
+                      </a:r>
+                      <a:r>
                         <a:rPr lang="en-US" dirty="0"/>
-                        <a:t>Deals can be announced and coins will be accumulated</a:t>
+                        <a:t>and </a:t>
+                      </a:r>
+                      <a:r>
+                        <a:rPr lang="en-US" b="1" dirty="0"/>
+                        <a:t>coins</a:t>
+                      </a:r>
+                      <a:r>
+                        <a:rPr lang="en-US" dirty="0"/>
+                        <a:t> will be accumulated</a:t>
                       </a:r>
                     </a:p>
                   </a:txBody>
@@ -19240,7 +20343,7 @@
                   </a:ext>
                 </a:extLst>
               </a:tr>
-              <a:tr h="346206">
+              <a:tr h="345615">
                 <a:tc vMerge="1">
                   <a:txBody>
                     <a:bodyPr/>
@@ -19257,8 +20360,20 @@
                     <a:lstStyle/>
                     <a:p>
                       <a:r>
+                        <a:rPr lang="en-US" b="1" dirty="0"/>
+                        <a:t>Outbox will be blocked </a:t>
+                      </a:r>
+                      <a:r>
                         <a:rPr lang="en-US" dirty="0"/>
-                        <a:t>Outbox will be blocked if employee do not use </a:t>
+                        <a:t>if employee do </a:t>
+                      </a:r>
+                      <a:r>
+                        <a:rPr lang="en-US" b="1" dirty="0"/>
+                        <a:t>NOT</a:t>
+                      </a:r>
+                      <a:r>
+                        <a:rPr lang="en-US" dirty="0"/>
+                        <a:t> use </a:t>
                       </a:r>
                       <a:r>
                         <a:rPr lang="en-US" dirty="0" err="1"/>
@@ -19278,7 +20393,7 @@
                   </a:ext>
                 </a:extLst>
               </a:tr>
-              <a:tr h="532345">
+              <a:tr h="439650">
                 <a:tc rowSpan="2">
                   <a:txBody>
                     <a:bodyPr/>
@@ -19298,8 +20413,12 @@
                     <a:lstStyle/>
                     <a:p>
                       <a:r>
+                        <a:rPr lang="en-US" b="1" dirty="0"/>
+                        <a:t>Employees acquire coins </a:t>
+                      </a:r>
+                      <a:r>
                         <a:rPr lang="en-US" dirty="0"/>
-                        <a:t>Employees acquire coins by providing feedback/course completion/uploading appreciation</a:t>
+                        <a:t>by providing feedback/course completion/uploading appreciation</a:t>
                       </a:r>
                     </a:p>
                   </a:txBody>
@@ -19311,7 +20430,7 @@
                   </a:ext>
                 </a:extLst>
               </a:tr>
-              <a:tr h="346206">
+              <a:tr h="345615">
                 <a:tc vMerge="1">
                   <a:txBody>
                     <a:bodyPr/>
@@ -19328,8 +20447,20 @@
                     <a:lstStyle/>
                     <a:p>
                       <a:r>
+                        <a:rPr lang="en-US" b="1" dirty="0"/>
+                        <a:t>Coins</a:t>
+                      </a:r>
+                      <a:r>
                         <a:rPr lang="en-US" dirty="0"/>
-                        <a:t>Coins can be redeemed using </a:t>
+                        <a:t> can be </a:t>
+                      </a:r>
+                      <a:r>
+                        <a:rPr lang="en-US" b="1" dirty="0"/>
+                        <a:t>redeemed</a:t>
+                      </a:r>
+                      <a:r>
+                        <a:rPr lang="en-US" dirty="0"/>
+                        <a:t> using </a:t>
                       </a:r>
                       <a:r>
                         <a:rPr lang="en-US" dirty="0" err="1"/>
@@ -19346,7 +20477,7 @@
                   </a:ext>
                 </a:extLst>
               </a:tr>
-              <a:tr h="346206">
+              <a:tr h="345615">
                 <a:tc rowSpan="2">
                   <a:txBody>
                     <a:bodyPr/>
@@ -19386,7 +20517,7 @@
                   </a:ext>
                 </a:extLst>
               </a:tr>
-              <a:tr h="346206">
+              <a:tr h="345615">
                 <a:tc vMerge="1">
                   <a:txBody>
                     <a:bodyPr/>
@@ -19589,13 +20720,13 @@
           <p:nvPr>
             <p:extLst>
               <p:ext uri="{D42A27DB-BD31-4B8C-83A1-F6EECF244321}">
-                <p14:modId xmlns:p14="http://schemas.microsoft.com/office/powerpoint/2010/main" val="1294507732"/>
+                <p14:modId xmlns:p14="http://schemas.microsoft.com/office/powerpoint/2010/main" val="3949321164"/>
               </p:ext>
             </p:extLst>
           </p:nvPr>
         </p:nvGraphicFramePr>
         <p:xfrm>
-          <a:off x="263924" y="506437"/>
+          <a:off x="330956" y="809449"/>
           <a:ext cx="11496667" cy="2895423"/>
         </p:xfrm>
         <a:graphic>
@@ -19674,7 +20805,11 @@
                     <a:p>
                       <a:r>
                         <a:rPr lang="en-US" dirty="0"/>
-                        <a:t>Employees get feedback and appreciations on real-time</a:t>
+                        <a:t>Employees get and receive </a:t>
+                      </a:r>
+                      <a:r>
+                        <a:rPr lang="en-US" b="1" dirty="0"/>
+                        <a:t>feedback and appreciations in real-time</a:t>
                       </a:r>
                     </a:p>
                   </a:txBody>
@@ -19704,7 +20839,11 @@
                     <a:p>
                       <a:r>
                         <a:rPr lang="en-US" dirty="0"/>
-                        <a:t>Employees can choose to make feedback and achievements public/private</a:t>
+                        <a:t>Employees can choose to make feedback and </a:t>
+                      </a:r>
+                      <a:r>
+                        <a:rPr lang="en-US" b="1" dirty="0"/>
+                        <a:t>achievements public/private</a:t>
                       </a:r>
                     </a:p>
                   </a:txBody>
@@ -19764,7 +20903,15 @@
                     <a:p>
                       <a:r>
                         <a:rPr lang="en-US" dirty="0"/>
-                        <a:t>Employees can receive continuous feedback from team peers or other employees.</a:t>
+                        <a:t>Employees can receive </a:t>
+                      </a:r>
+                      <a:r>
+                        <a:rPr lang="en-US" b="1" dirty="0"/>
+                        <a:t>continuous feedback from team peers or other employees</a:t>
+                      </a:r>
+                      <a:r>
+                        <a:rPr lang="en-US" dirty="0"/>
+                        <a:t>.</a:t>
                       </a:r>
                     </a:p>
                   </a:txBody>
@@ -19826,8 +20973,12 @@
                     <a:lstStyle/>
                     <a:p>
                       <a:r>
+                        <a:rPr lang="en-US" b="1" dirty="0"/>
+                        <a:t>Exclusion</a:t>
+                      </a:r>
+                      <a:r>
                         <a:rPr lang="en-US" dirty="0"/>
-                        <a:t>Exclusion can be processed based on approvals. Example Subcons exclusion/onsite exclusion etc.</a:t>
+                        <a:t> can be processed based on approvals. Example Subcons exclusion/onsite exclusion etc.</a:t>
                       </a:r>
                     </a:p>
                   </a:txBody>
@@ -21187,7 +22338,7 @@
                   <a:srgbClr val="0070C0"/>
                 </a:solidFill>
               </a:rPr>
-              <a:t>– VSTO Add-ins using </a:t>
+              <a:t>– Used to create connectors. Developed using VSTO Add-ins in </a:t>
             </a:r>
             <a:r>
               <a:rPr lang="en-US" dirty="0" err="1">
@@ -21203,7 +22354,7 @@
                   <a:srgbClr val="0070C0"/>
                 </a:solidFill>
               </a:rPr>
-              <a:t>. Used to create connectors</a:t>
+              <a:t>. </a:t>
             </a:r>
           </a:p>
           <a:p>
@@ -21229,7 +22380,7 @@
                   <a:srgbClr val="0070C0"/>
                 </a:solidFill>
               </a:rPr>
-              <a:t>– Developed using </a:t>
+              <a:t>– Entry point to the pipeline. Developed using </a:t>
             </a:r>
             <a:r>
               <a:rPr lang="en-US" dirty="0" err="1">
@@ -21245,7 +22396,7 @@
                   <a:srgbClr val="0070C0"/>
                 </a:solidFill>
               </a:rPr>
-              <a:t> and integrated with Swagger UI. Entry point to the pipeline</a:t>
+              <a:t> and integrated with Swagger UI. </a:t>
             </a:r>
           </a:p>
           <a:p>
@@ -21279,7 +22430,23 @@
                   <a:srgbClr val="0070C0"/>
                 </a:solidFill>
               </a:rPr>
-              <a:t>Developed using </a:t>
+              <a:t>End points for </a:t>
+            </a:r>
+            <a:r>
+              <a:rPr lang="en-US" dirty="0" err="1">
+                <a:solidFill>
+                  <a:srgbClr val="0070C0"/>
+                </a:solidFill>
+              </a:rPr>
+              <a:t>iCount</a:t>
+            </a:r>
+            <a:r>
+              <a:rPr lang="en-US" dirty="0">
+                <a:solidFill>
+                  <a:srgbClr val="0070C0"/>
+                </a:solidFill>
+              </a:rPr>
+              <a:t> consumption. Developed using </a:t>
             </a:r>
             <a:r>
               <a:rPr lang="en-US" dirty="0" err="1">
@@ -21295,23 +22462,7 @@
                   <a:srgbClr val="0070C0"/>
                 </a:solidFill>
               </a:rPr>
-              <a:t>, apache poi and integrated with Swagger UI. End points for </a:t>
-            </a:r>
-            <a:r>
-              <a:rPr lang="en-US" dirty="0" err="1">
-                <a:solidFill>
-                  <a:srgbClr val="0070C0"/>
-                </a:solidFill>
-              </a:rPr>
-              <a:t>iCount</a:t>
-            </a:r>
-            <a:r>
-              <a:rPr lang="en-US" dirty="0">
-                <a:solidFill>
-                  <a:srgbClr val="0070C0"/>
-                </a:solidFill>
-              </a:rPr>
-              <a:t> consumption </a:t>
+              <a:t>, apache poi and integrated with Swagger UI. </a:t>
             </a:r>
           </a:p>
           <a:p>
@@ -21379,23 +22530,7 @@
                   <a:srgbClr val="0070C0"/>
                 </a:solidFill>
               </a:rPr>
-              <a:t>– Unix Cron Scheduler for </a:t>
-            </a:r>
-            <a:r>
-              <a:rPr lang="en-US">
-                <a:solidFill>
-                  <a:srgbClr val="0070C0"/>
-                </a:solidFill>
-              </a:rPr>
-              <a:t>notification batc</a:t>
-            </a:r>
-            <a:r>
-              <a:rPr lang="en-US" dirty="0">
-                <a:solidFill>
-                  <a:srgbClr val="0070C0"/>
-                </a:solidFill>
-              </a:rPr>
-              <a:t>h</a:t>
+              <a:t>– Unix Cron Scheduler for notification batch</a:t>
             </a:r>
           </a:p>
           <a:p>
@@ -21413,7 +22548,7 @@
                   <a:srgbClr val="0070C0"/>
                 </a:solidFill>
               </a:rPr>
-              <a:t> – To stream data and send notifications in real-time to the employees </a:t>
+              <a:t> –Streams data and send notifications in real-time to the employees who seek feedback, upload appreciation, complete task/course etc.</a:t>
             </a:r>
           </a:p>
         </p:txBody>
@@ -21722,7 +22857,7 @@
                 </a:solidFill>
                 <a:latin typeface="+mn-lt"/>
               </a:rPr>
-              <a:t>- Appreciation and Feedback can be captured using UI. The links will be shared through notification emails.</a:t>
+              <a:t>- Appreciation and Feedback can be captured using UI as well. The links will be shared in notification emails.</a:t>
             </a:r>
           </a:p>
           <a:p>

--- a/iSolve-iCount-Hackathon_Solution.pptx
+++ b/iSolve-iCount-Hackathon_Solution.pptx
@@ -16318,10 +16318,10 @@
       </p:sp>
       <p:pic>
         <p:nvPicPr>
-          <p:cNvPr id="3" name="Picture 2">
+          <p:cNvPr id="4" name="Picture 3">
             <a:extLst>
               <a:ext uri="{FF2B5EF4-FFF2-40B4-BE49-F238E27FC236}">
-                <a16:creationId xmlns:a16="http://schemas.microsoft.com/office/drawing/2014/main" id="{382395A1-3AF7-48A5-9C03-3A681434F96F}"/>
+                <a16:creationId xmlns:a16="http://schemas.microsoft.com/office/drawing/2014/main" id="{D20C9236-406E-4754-9E9F-998EAF3D618A}"/>
               </a:ext>
             </a:extLst>
           </p:cNvPr>
@@ -16338,8 +16338,8 @@
         </p:blipFill>
         <p:spPr>
           <a:xfrm>
-            <a:off x="928468" y="1183126"/>
-            <a:ext cx="10893863" cy="4556491"/>
+            <a:off x="1094509" y="1211154"/>
+            <a:ext cx="10206866" cy="4738602"/>
           </a:xfrm>
           <a:prstGeom prst="rect">
             <a:avLst/>
@@ -17578,7 +17578,7 @@
         <p:spPr>
           <a:xfrm>
             <a:off x="450166" y="1026942"/>
-            <a:ext cx="11229262" cy="3416320"/>
+            <a:ext cx="11229262" cy="3693319"/>
           </a:xfrm>
           <a:prstGeom prst="rect">
             <a:avLst/>
@@ -17682,12 +17682,20 @@
               <a:buChar char="-"/>
             </a:pPr>
             <a:r>
+              <a:rPr lang="en-US" b="1" dirty="0">
+                <a:solidFill>
+                  <a:srgbClr val="007DC3"/>
+                </a:solidFill>
+              </a:rPr>
+              <a:t>To-Do Notifications </a:t>
+            </a:r>
+            <a:r>
               <a:rPr lang="en-US" dirty="0">
                 <a:solidFill>
                   <a:srgbClr val="007DC3"/>
                 </a:solidFill>
               </a:rPr>
-              <a:t>To-Do notifications to the employees who are not using </a:t>
+              <a:t>to the employees who are not using </a:t>
             </a:r>
             <a:r>
               <a:rPr lang="en-US" dirty="0" err="1">
@@ -17712,12 +17720,20 @@
               <a:buChar char="-"/>
             </a:pPr>
             <a:r>
+              <a:rPr lang="en-US" b="1" dirty="0">
+                <a:solidFill>
+                  <a:srgbClr val="007DC3"/>
+                </a:solidFill>
+              </a:rPr>
+              <a:t>CDC-Notifications</a:t>
+            </a:r>
+            <a:r>
               <a:rPr lang="en-US" dirty="0">
                 <a:solidFill>
                   <a:srgbClr val="007DC3"/>
                 </a:solidFill>
               </a:rPr>
-              <a:t>Feedback or Acknowledgement notification from the adapter service for appreciation, feedback, course/task completion etc.</a:t>
+              <a:t> for Feedback or Acknowledgement from the adapter service for appreciation, feedback, course/task completion etc.</a:t>
             </a:r>
           </a:p>
           <a:p>
@@ -17725,6 +17741,14 @@
               <a:buFontTx/>
               <a:buChar char="-"/>
             </a:pPr>
+            <a:endParaRPr lang="en-US" dirty="0">
+              <a:solidFill>
+                <a:srgbClr val="007DC3"/>
+              </a:solidFill>
+            </a:endParaRPr>
+          </a:p>
+          <a:p>
+            <a:pPr marL="587813" lvl="1"/>
             <a:r>
               <a:rPr lang="en-US" dirty="0">
                 <a:solidFill>
@@ -17775,21 +17799,8 @@
                   <a:srgbClr val="007DC3"/>
                 </a:solidFill>
               </a:rPr>
-              <a:t>Default coins can be setup by </a:t>
-            </a:r>
-            <a:r>
-              <a:rPr lang="en-US">
-                <a:solidFill>
-                  <a:srgbClr val="007DC3"/>
-                </a:solidFill>
-              </a:rPr>
-              <a:t>the application</a:t>
-            </a:r>
-            <a:endParaRPr lang="en-US" dirty="0">
-              <a:solidFill>
-                <a:srgbClr val="007DC3"/>
-              </a:solidFill>
-            </a:endParaRPr>
+              <a:t>Default coins can be setup by the application</a:t>
+            </a:r>
           </a:p>
         </p:txBody>
       </p:sp>
@@ -22043,7 +22054,12 @@
             <p:ph type="title"/>
           </p:nvPr>
         </p:nvSpPr>
-        <p:spPr/>
+        <p:spPr>
+          <a:xfrm>
+            <a:off x="489327" y="33279"/>
+            <a:ext cx="11630733" cy="202248"/>
+          </a:xfrm>
+        </p:spPr>
         <p:txBody>
           <a:bodyPr/>
           <a:lstStyle/>
@@ -22084,7 +22100,7 @@
         </p:nvSpPr>
         <p:spPr>
           <a:xfrm>
-            <a:off x="183464" y="200352"/>
+            <a:off x="263924" y="33279"/>
             <a:ext cx="11856136" cy="6322379"/>
           </a:xfrm>
         </p:spPr>
@@ -22184,10 +22200,10 @@
       </p:sp>
       <p:pic>
         <p:nvPicPr>
-          <p:cNvPr id="4" name="Picture 3">
+          <p:cNvPr id="5" name="Picture 4">
             <a:extLst>
               <a:ext uri="{FF2B5EF4-FFF2-40B4-BE49-F238E27FC236}">
-                <a16:creationId xmlns:a16="http://schemas.microsoft.com/office/drawing/2014/main" id="{6CFC1177-78F3-4714-BEFC-3653D7C30CDA}"/>
+                <a16:creationId xmlns:a16="http://schemas.microsoft.com/office/drawing/2014/main" id="{F53D8D8A-38F2-4A78-BCA1-38D1351971BF}"/>
               </a:ext>
             </a:extLst>
           </p:cNvPr>
@@ -22210,8 +22226,8 @@
         </p:blipFill>
         <p:spPr>
           <a:xfrm>
-            <a:off x="183464" y="630382"/>
-            <a:ext cx="11825072" cy="5354782"/>
+            <a:off x="569077" y="502342"/>
+            <a:ext cx="11020425" cy="5324475"/>
           </a:xfrm>
           <a:prstGeom prst="rect">
             <a:avLst/>

--- a/iSolve-iCount-Hackathon_Solution.pptx
+++ b/iSolve-iCount-Hackathon_Solution.pptx
@@ -17578,7 +17578,7 @@
         <p:spPr>
           <a:xfrm>
             <a:off x="450166" y="1026942"/>
-            <a:ext cx="11229262" cy="3693319"/>
+            <a:ext cx="11229262" cy="3416320"/>
           </a:xfrm>
           <a:prstGeom prst="rect">
             <a:avLst/>
@@ -17711,8 +17711,21 @@
                   <a:srgbClr val="007DC3"/>
                 </a:solidFill>
               </a:rPr>
-              <a:t>.</a:t>
-            </a:r>
+              <a:t> for </a:t>
+            </a:r>
+            <a:r>
+              <a:rPr lang="en-US">
+                <a:solidFill>
+                  <a:srgbClr val="007DC3"/>
+                </a:solidFill>
+              </a:rPr>
+              <a:t>certain duration.</a:t>
+            </a:r>
+            <a:endParaRPr lang="en-US" dirty="0">
+              <a:solidFill>
+                <a:srgbClr val="007DC3"/>
+              </a:solidFill>
+            </a:endParaRPr>
           </a:p>
           <a:p>
             <a:pPr marL="873563" lvl="1" indent="-285750">
@@ -17733,7 +17746,7 @@
                   <a:srgbClr val="007DC3"/>
                 </a:solidFill>
               </a:rPr>
-              <a:t> for Feedback or Acknowledgement from the adapter service for appreciation, feedback, course/task completion etc.</a:t>
+              <a:t> from the adapter service for appreciation, feedback, course/task completion etc.</a:t>
             </a:r>
           </a:p>
           <a:p>
@@ -21965,10 +21978,10 @@
       </p:sp>
       <p:pic>
         <p:nvPicPr>
-          <p:cNvPr id="4" name="Picture 3">
+          <p:cNvPr id="5" name="Picture 4">
             <a:extLst>
               <a:ext uri="{FF2B5EF4-FFF2-40B4-BE49-F238E27FC236}">
-                <a16:creationId xmlns:a16="http://schemas.microsoft.com/office/drawing/2014/main" id="{55625998-DEC6-4F1F-9B57-2B54800B8FF8}"/>
+                <a16:creationId xmlns:a16="http://schemas.microsoft.com/office/drawing/2014/main" id="{A44205DA-E63A-4FB2-B04D-C49173C3E7D1}"/>
               </a:ext>
             </a:extLst>
           </p:cNvPr>
@@ -21991,8 +22004,8 @@
         </p:blipFill>
         <p:spPr>
           <a:xfrm>
-            <a:off x="569077" y="794553"/>
-            <a:ext cx="11020425" cy="5133975"/>
+            <a:off x="470603" y="609601"/>
+            <a:ext cx="11020425" cy="5324475"/>
           </a:xfrm>
           <a:prstGeom prst="rect">
             <a:avLst/>
@@ -22200,10 +22213,10 @@
       </p:sp>
       <p:pic>
         <p:nvPicPr>
-          <p:cNvPr id="5" name="Picture 4">
+          <p:cNvPr id="4" name="Picture 3">
             <a:extLst>
               <a:ext uri="{FF2B5EF4-FFF2-40B4-BE49-F238E27FC236}">
-                <a16:creationId xmlns:a16="http://schemas.microsoft.com/office/drawing/2014/main" id="{F53D8D8A-38F2-4A78-BCA1-38D1351971BF}"/>
+                <a16:creationId xmlns:a16="http://schemas.microsoft.com/office/drawing/2014/main" id="{EEBF7E9E-0973-46E4-945E-F7D14E778304}"/>
               </a:ext>
             </a:extLst>
           </p:cNvPr>
@@ -22226,8 +22239,8 @@
         </p:blipFill>
         <p:spPr>
           <a:xfrm>
-            <a:off x="569077" y="502342"/>
-            <a:ext cx="11020425" cy="5324475"/>
+            <a:off x="263925" y="500121"/>
+            <a:ext cx="11664152" cy="6324600"/>
           </a:xfrm>
           <a:prstGeom prst="rect">
             <a:avLst/>

--- a/iSolve-iCount-Hackathon_Solution.pptx
+++ b/iSolve-iCount-Hackathon_Solution.pptx
@@ -14281,7 +14281,7 @@
         </p:spPr>
         <p:txBody>
           <a:bodyPr>
-            <a:normAutofit fontScale="85000" lnSpcReduction="20000"/>
+            <a:normAutofit fontScale="92500" lnSpcReduction="10000"/>
           </a:bodyPr>
           <a:lstStyle/>
           <a:p>
@@ -14691,24 +14691,17 @@
                 </a:solidFill>
                 <a:latin typeface="+mn-lt"/>
               </a:rPr>
-              <a:t>		"file": null</a:t>
-            </a:r>
-          </a:p>
-          <a:p>
-            <a:pPr marL="587813" lvl="1" indent="0">
-              <a:buNone/>
-            </a:pPr>
-            <a:endParaRPr lang="en-US" dirty="0">
-              <a:solidFill>
-                <a:srgbClr val="007DC3"/>
-              </a:solidFill>
-              <a:latin typeface="+mn-lt"/>
-            </a:endParaRPr>
-          </a:p>
-          <a:p>
-            <a:pPr marL="587813" lvl="1" indent="0">
-              <a:buNone/>
-            </a:pPr>
+              <a:t>		"</a:t>
+            </a:r>
+            <a:r>
+              <a:rPr lang="en-US" dirty="0" err="1">
+                <a:solidFill>
+                  <a:srgbClr val="007DC3"/>
+                </a:solidFill>
+                <a:latin typeface="+mn-lt"/>
+              </a:rPr>
+              <a:t>fileInfo</a:t>
+            </a:r>
             <a:r>
               <a:rPr lang="en-US" dirty="0">
                 <a:solidFill>
@@ -14716,55 +14709,33 @@
                 </a:solidFill>
                 <a:latin typeface="+mn-lt"/>
               </a:rPr>
-              <a:t>	}],</a:t>
+              <a:t>": null</a:t>
             </a:r>
           </a:p>
           <a:p>
             <a:pPr marL="587813" lvl="1" indent="0">
               <a:buNone/>
             </a:pPr>
-            <a:r>
-              <a:rPr lang="en-US" dirty="0">
+            <a:endParaRPr lang="en-US" dirty="0">
+              <a:solidFill>
+                <a:srgbClr val="007DC3"/>
+              </a:solidFill>
+              <a:latin typeface="+mn-lt"/>
+            </a:endParaRPr>
+          </a:p>
+          <a:p>
+            <a:pPr marL="587813" lvl="1" indent="0">
+              <a:buNone/>
+            </a:pPr>
+            <a:r>
+              <a:rPr lang="en-US">
                 <a:solidFill>
                   <a:srgbClr val="007DC3"/>
                 </a:solidFill>
                 <a:latin typeface="+mn-lt"/>
               </a:rPr>
-              <a:t>	"course": null,</a:t>
-            </a:r>
-          </a:p>
-          <a:p>
-            <a:pPr marL="587813" lvl="1" indent="0">
-              <a:buNone/>
-            </a:pPr>
-            <a:r>
-              <a:rPr lang="en-US" dirty="0">
-                <a:solidFill>
-                  <a:srgbClr val="007DC3"/>
-                </a:solidFill>
-                <a:latin typeface="+mn-lt"/>
-              </a:rPr>
-              <a:t>	"feedback": null,</a:t>
-            </a:r>
-          </a:p>
-          <a:p>
-            <a:pPr marL="587813" lvl="1" indent="0">
-              <a:buNone/>
-            </a:pPr>
-            <a:r>
-              <a:rPr lang="en-US" dirty="0">
-                <a:solidFill>
-                  <a:srgbClr val="007DC3"/>
-                </a:solidFill>
-                <a:latin typeface="+mn-lt"/>
-              </a:rPr>
-              <a:t>	"task": null</a:t>
-            </a:r>
-          </a:p>
-          <a:p>
-            <a:pPr marL="587813" lvl="1" indent="0">
-              <a:buNone/>
-            </a:pPr>
+              <a:t>	}]</a:t>
+            </a:r>
             <a:endParaRPr lang="en-US" dirty="0">
               <a:solidFill>
                 <a:srgbClr val="007DC3"/>

--- a/iSolve-iCount-Hackathon_Solution.pptx
+++ b/iSolve-iCount-Hackathon_Solution.pptx
@@ -6,7 +6,7 @@
     <p:sldMasterId id="2147483663" r:id="rId2"/>
   </p:sldMasterIdLst>
   <p:notesMasterIdLst>
-    <p:notesMasterId r:id="rId21"/>
+    <p:notesMasterId r:id="rId22"/>
   </p:notesMasterIdLst>
   <p:sldIdLst>
     <p:sldId id="266" r:id="rId3"/>
@@ -21,12 +21,13 @@
     <p:sldId id="267" r:id="rId12"/>
     <p:sldId id="276" r:id="rId13"/>
     <p:sldId id="277" r:id="rId14"/>
-    <p:sldId id="283" r:id="rId15"/>
-    <p:sldId id="282" r:id="rId16"/>
-    <p:sldId id="280" r:id="rId17"/>
-    <p:sldId id="281" r:id="rId18"/>
-    <p:sldId id="268" r:id="rId19"/>
-    <p:sldId id="265" r:id="rId20"/>
+    <p:sldId id="284" r:id="rId15"/>
+    <p:sldId id="283" r:id="rId16"/>
+    <p:sldId id="282" r:id="rId17"/>
+    <p:sldId id="280" r:id="rId18"/>
+    <p:sldId id="281" r:id="rId19"/>
+    <p:sldId id="268" r:id="rId20"/>
+    <p:sldId id="265" r:id="rId21"/>
   </p:sldIdLst>
   <p:sldSz cx="12192000" cy="6858000"/>
   <p:notesSz cx="6858000" cy="9144000"/>
@@ -215,7 +216,7 @@
           <a:p>
             <a:fld id="{DD634F6A-6287-4B36-9A95-0F17B3383A7B}" type="datetimeFigureOut">
               <a:rPr lang="en-US" smtClean="0"/>
-              <a:t>5/31/2020</a:t>
+              <a:t>6/1/2020</a:t>
             </a:fld>
             <a:endParaRPr lang="en-US" dirty="0"/>
           </a:p>
@@ -638,7 +639,7 @@
     </p:spTree>
     <p:extLst>
       <p:ext uri="{BB962C8B-B14F-4D97-AF65-F5344CB8AC3E}">
-        <p14:creationId xmlns:p14="http://schemas.microsoft.com/office/powerpoint/2010/main" val="634132662"/>
+        <p14:creationId xmlns:p14="http://schemas.microsoft.com/office/powerpoint/2010/main" val="1367908836"/>
       </p:ext>
     </p:extLst>
   </p:cSld>
@@ -718,7 +719,7 @@
     </p:spTree>
     <p:extLst>
       <p:ext uri="{BB962C8B-B14F-4D97-AF65-F5344CB8AC3E}">
-        <p14:creationId xmlns:p14="http://schemas.microsoft.com/office/powerpoint/2010/main" val="3373517316"/>
+        <p14:creationId xmlns:p14="http://schemas.microsoft.com/office/powerpoint/2010/main" val="634132662"/>
       </p:ext>
     </p:extLst>
   </p:cSld>
@@ -798,7 +799,7 @@
     </p:spTree>
     <p:extLst>
       <p:ext uri="{BB962C8B-B14F-4D97-AF65-F5344CB8AC3E}">
-        <p14:creationId xmlns:p14="http://schemas.microsoft.com/office/powerpoint/2010/main" val="1133052663"/>
+        <p14:creationId xmlns:p14="http://schemas.microsoft.com/office/powerpoint/2010/main" val="3373517316"/>
       </p:ext>
     </p:extLst>
   </p:cSld>
@@ -878,6 +879,86 @@
     </p:spTree>
     <p:extLst>
       <p:ext uri="{BB962C8B-B14F-4D97-AF65-F5344CB8AC3E}">
+        <p14:creationId xmlns:p14="http://schemas.microsoft.com/office/powerpoint/2010/main" val="1133052663"/>
+      </p:ext>
+    </p:extLst>
+  </p:cSld>
+  <p:clrMapOvr>
+    <a:masterClrMapping/>
+  </p:clrMapOvr>
+</p:notes>
+</file>
+
+<file path=ppt/notesSlides/notesSlide14.xml><?xml version="1.0" encoding="utf-8"?>
+<p:notes xmlns:a="http://schemas.openxmlformats.org/drawingml/2006/main" xmlns:r="http://schemas.openxmlformats.org/officeDocument/2006/relationships" xmlns:p="http://schemas.openxmlformats.org/presentationml/2006/main">
+  <p:cSld>
+    <p:spTree>
+      <p:nvGrpSpPr>
+        <p:cNvPr id="1" name=""/>
+        <p:cNvGrpSpPr/>
+        <p:nvPr/>
+      </p:nvGrpSpPr>
+      <p:grpSpPr>
+        <a:xfrm>
+          <a:off x="0" y="0"/>
+          <a:ext cx="0" cy="0"/>
+          <a:chOff x="0" y="0"/>
+          <a:chExt cx="0" cy="0"/>
+        </a:xfrm>
+      </p:grpSpPr>
+      <p:sp>
+        <p:nvSpPr>
+          <p:cNvPr id="378" name="Shape 378"/>
+          <p:cNvSpPr>
+            <a:spLocks noGrp="1" noRot="1" noChangeAspect="1"/>
+          </p:cNvSpPr>
+          <p:nvPr>
+            <p:ph type="sldImg"/>
+          </p:nvPr>
+        </p:nvSpPr>
+        <p:spPr>
+          <a:xfrm>
+            <a:off x="381000" y="685800"/>
+            <a:ext cx="6096000" cy="3429000"/>
+          </a:xfrm>
+          <a:prstGeom prst="rect">
+            <a:avLst/>
+          </a:prstGeom>
+        </p:spPr>
+        <p:txBody>
+          <a:bodyPr/>
+          <a:lstStyle/>
+          <a:p>
+            <a:endParaRPr dirty="0"/>
+          </a:p>
+        </p:txBody>
+      </p:sp>
+      <p:sp>
+        <p:nvSpPr>
+          <p:cNvPr id="379" name="Shape 379"/>
+          <p:cNvSpPr>
+            <a:spLocks noGrp="1"/>
+          </p:cNvSpPr>
+          <p:nvPr>
+            <p:ph type="body" sz="quarter" idx="1"/>
+          </p:nvPr>
+        </p:nvSpPr>
+        <p:spPr>
+          <a:prstGeom prst="rect">
+            <a:avLst/>
+          </a:prstGeom>
+        </p:spPr>
+        <p:txBody>
+          <a:bodyPr/>
+          <a:lstStyle/>
+          <a:p>
+            <a:endParaRPr dirty="0"/>
+          </a:p>
+        </p:txBody>
+      </p:sp>
+    </p:spTree>
+    <p:extLst>
+      <p:ext uri="{BB962C8B-B14F-4D97-AF65-F5344CB8AC3E}">
         <p14:creationId xmlns:p14="http://schemas.microsoft.com/office/powerpoint/2010/main" val="3597264339"/>
       </p:ext>
     </p:extLst>
@@ -888,7 +969,7 @@
 </p:notes>
 </file>
 
-<file path=ppt/notesSlides/notesSlide14.xml><?xml version="1.0" encoding="utf-8"?>
+<file path=ppt/notesSlides/notesSlide15.xml><?xml version="1.0" encoding="utf-8"?>
 <p:notes xmlns:a="http://schemas.openxmlformats.org/drawingml/2006/main" xmlns:r="http://schemas.openxmlformats.org/officeDocument/2006/relationships" xmlns:p="http://schemas.openxmlformats.org/presentationml/2006/main">
   <p:cSld>
     <p:spTree>
@@ -1737,7 +1818,7 @@
           <a:p>
             <a:fld id="{4417404F-2166-4BB4-87AF-2DF1DBD94F21}" type="datetimeFigureOut">
               <a:rPr lang="en-US" smtClean="0"/>
-              <a:t>5/31/2020</a:t>
+              <a:t>6/1/2020</a:t>
             </a:fld>
             <a:endParaRPr lang="en-US" dirty="0"/>
           </a:p>
@@ -1905,7 +1986,7 @@
           <a:p>
             <a:fld id="{4417404F-2166-4BB4-87AF-2DF1DBD94F21}" type="datetimeFigureOut">
               <a:rPr lang="en-US" smtClean="0"/>
-              <a:t>5/31/2020</a:t>
+              <a:t>6/1/2020</a:t>
             </a:fld>
             <a:endParaRPr lang="en-US" dirty="0"/>
           </a:p>
@@ -2083,7 +2164,7 @@
           <a:p>
             <a:fld id="{4417404F-2166-4BB4-87AF-2DF1DBD94F21}" type="datetimeFigureOut">
               <a:rPr lang="en-US" smtClean="0"/>
-              <a:t>5/31/2020</a:t>
+              <a:t>6/1/2020</a:t>
             </a:fld>
             <a:endParaRPr lang="en-US" dirty="0"/>
           </a:p>
@@ -3799,7 +3880,7 @@
           <a:p>
             <a:fld id="{379A628B-A5BE-42DB-8D82-5ACECE545EE2}" type="datetimeFigureOut">
               <a:rPr lang="en-US" smtClean="0"/>
-              <a:t>5/31/2020</a:t>
+              <a:t>6/1/2020</a:t>
             </a:fld>
             <a:endParaRPr lang="en-US" dirty="0"/>
           </a:p>
@@ -3967,7 +4048,7 @@
           <a:p>
             <a:fld id="{379A628B-A5BE-42DB-8D82-5ACECE545EE2}" type="datetimeFigureOut">
               <a:rPr lang="en-US" smtClean="0"/>
-              <a:t>5/31/2020</a:t>
+              <a:t>6/1/2020</a:t>
             </a:fld>
             <a:endParaRPr lang="en-US" dirty="0"/>
           </a:p>
@@ -4212,7 +4293,7 @@
           <a:p>
             <a:fld id="{379A628B-A5BE-42DB-8D82-5ACECE545EE2}" type="datetimeFigureOut">
               <a:rPr lang="en-US" smtClean="0"/>
-              <a:t>5/31/2020</a:t>
+              <a:t>6/1/2020</a:t>
             </a:fld>
             <a:endParaRPr lang="en-US" dirty="0"/>
           </a:p>
@@ -4441,7 +4522,7 @@
           <a:p>
             <a:fld id="{379A628B-A5BE-42DB-8D82-5ACECE545EE2}" type="datetimeFigureOut">
               <a:rPr lang="en-US" smtClean="0"/>
-              <a:t>5/31/2020</a:t>
+              <a:t>6/1/2020</a:t>
             </a:fld>
             <a:endParaRPr lang="en-US" dirty="0"/>
           </a:p>
@@ -4805,7 +4886,7 @@
           <a:p>
             <a:fld id="{379A628B-A5BE-42DB-8D82-5ACECE545EE2}" type="datetimeFigureOut">
               <a:rPr lang="en-US" smtClean="0"/>
-              <a:t>5/31/2020</a:t>
+              <a:t>6/1/2020</a:t>
             </a:fld>
             <a:endParaRPr lang="en-US" dirty="0"/>
           </a:p>
@@ -4922,7 +5003,7 @@
           <a:p>
             <a:fld id="{379A628B-A5BE-42DB-8D82-5ACECE545EE2}" type="datetimeFigureOut">
               <a:rPr lang="en-US" smtClean="0"/>
-              <a:t>5/31/2020</a:t>
+              <a:t>6/1/2020</a:t>
             </a:fld>
             <a:endParaRPr lang="en-US" dirty="0"/>
           </a:p>
@@ -5090,7 +5171,7 @@
           <a:p>
             <a:fld id="{4417404F-2166-4BB4-87AF-2DF1DBD94F21}" type="datetimeFigureOut">
               <a:rPr lang="en-US" smtClean="0"/>
-              <a:t>5/31/2020</a:t>
+              <a:t>6/1/2020</a:t>
             </a:fld>
             <a:endParaRPr lang="en-US" dirty="0"/>
           </a:p>
@@ -5185,7 +5266,7 @@
           <a:p>
             <a:fld id="{379A628B-A5BE-42DB-8D82-5ACECE545EE2}" type="datetimeFigureOut">
               <a:rPr lang="en-US" smtClean="0"/>
-              <a:t>5/31/2020</a:t>
+              <a:t>6/1/2020</a:t>
             </a:fld>
             <a:endParaRPr lang="en-US" dirty="0"/>
           </a:p>
@@ -5460,7 +5541,7 @@
           <a:p>
             <a:fld id="{379A628B-A5BE-42DB-8D82-5ACECE545EE2}" type="datetimeFigureOut">
               <a:rPr lang="en-US" smtClean="0"/>
-              <a:t>5/31/2020</a:t>
+              <a:t>6/1/2020</a:t>
             </a:fld>
             <a:endParaRPr lang="en-US" dirty="0"/>
           </a:p>
@@ -5712,7 +5793,7 @@
           <a:p>
             <a:fld id="{379A628B-A5BE-42DB-8D82-5ACECE545EE2}" type="datetimeFigureOut">
               <a:rPr lang="en-US" smtClean="0"/>
-              <a:t>5/31/2020</a:t>
+              <a:t>6/1/2020</a:t>
             </a:fld>
             <a:endParaRPr lang="en-US" dirty="0"/>
           </a:p>
@@ -5880,7 +5961,7 @@
           <a:p>
             <a:fld id="{379A628B-A5BE-42DB-8D82-5ACECE545EE2}" type="datetimeFigureOut">
               <a:rPr lang="en-US" smtClean="0"/>
-              <a:t>5/31/2020</a:t>
+              <a:t>6/1/2020</a:t>
             </a:fld>
             <a:endParaRPr lang="en-US" dirty="0"/>
           </a:p>
@@ -6058,7 +6139,7 @@
           <a:p>
             <a:fld id="{379A628B-A5BE-42DB-8D82-5ACECE545EE2}" type="datetimeFigureOut">
               <a:rPr lang="en-US" smtClean="0"/>
-              <a:t>5/31/2020</a:t>
+              <a:t>6/1/2020</a:t>
             </a:fld>
             <a:endParaRPr lang="en-US" dirty="0"/>
           </a:p>
@@ -10454,7 +10535,7 @@
           <a:p>
             <a:fld id="{4417404F-2166-4BB4-87AF-2DF1DBD94F21}" type="datetimeFigureOut">
               <a:rPr lang="en-US" smtClean="0"/>
-              <a:t>5/31/2020</a:t>
+              <a:t>6/1/2020</a:t>
             </a:fld>
             <a:endParaRPr lang="en-US" dirty="0"/>
           </a:p>
@@ -11866,7 +11947,7 @@
           <a:p>
             <a:fld id="{4417404F-2166-4BB4-87AF-2DF1DBD94F21}" type="datetimeFigureOut">
               <a:rPr lang="en-US" smtClean="0"/>
-              <a:t>5/31/2020</a:t>
+              <a:t>6/1/2020</a:t>
             </a:fld>
             <a:endParaRPr lang="en-US" dirty="0"/>
           </a:p>
@@ -12230,7 +12311,7 @@
           <a:p>
             <a:fld id="{4417404F-2166-4BB4-87AF-2DF1DBD94F21}" type="datetimeFigureOut">
               <a:rPr lang="en-US" smtClean="0"/>
-              <a:t>5/31/2020</a:t>
+              <a:t>6/1/2020</a:t>
             </a:fld>
             <a:endParaRPr lang="en-US" dirty="0"/>
           </a:p>
@@ -12347,7 +12428,7 @@
           <a:p>
             <a:fld id="{4417404F-2166-4BB4-87AF-2DF1DBD94F21}" type="datetimeFigureOut">
               <a:rPr lang="en-US" smtClean="0"/>
-              <a:t>5/31/2020</a:t>
+              <a:t>6/1/2020</a:t>
             </a:fld>
             <a:endParaRPr lang="en-US" dirty="0"/>
           </a:p>
@@ -12442,7 +12523,7 @@
           <a:p>
             <a:fld id="{4417404F-2166-4BB4-87AF-2DF1DBD94F21}" type="datetimeFigureOut">
               <a:rPr lang="en-US" smtClean="0"/>
-              <a:t>5/31/2020</a:t>
+              <a:t>6/1/2020</a:t>
             </a:fld>
             <a:endParaRPr lang="en-US" dirty="0"/>
           </a:p>
@@ -12717,7 +12798,7 @@
           <a:p>
             <a:fld id="{4417404F-2166-4BB4-87AF-2DF1DBD94F21}" type="datetimeFigureOut">
               <a:rPr lang="en-US" smtClean="0"/>
-              <a:t>5/31/2020</a:t>
+              <a:t>6/1/2020</a:t>
             </a:fld>
             <a:endParaRPr lang="en-US" dirty="0"/>
           </a:p>
@@ -12969,7 +13050,7 @@
           <a:p>
             <a:fld id="{4417404F-2166-4BB4-87AF-2DF1DBD94F21}" type="datetimeFigureOut">
               <a:rPr lang="en-US" smtClean="0"/>
-              <a:t>5/31/2020</a:t>
+              <a:t>6/1/2020</a:t>
             </a:fld>
             <a:endParaRPr lang="en-US" dirty="0"/>
           </a:p>
@@ -13180,7 +13261,7 @@
           <a:p>
             <a:fld id="{4417404F-2166-4BB4-87AF-2DF1DBD94F21}" type="datetimeFigureOut">
               <a:rPr lang="en-US" smtClean="0"/>
-              <a:t>5/31/2020</a:t>
+              <a:t>6/1/2020</a:t>
             </a:fld>
             <a:endParaRPr lang="en-US" dirty="0"/>
           </a:p>
@@ -13720,7 +13801,7 @@
           <a:p>
             <a:fld id="{379A628B-A5BE-42DB-8D82-5ACECE545EE2}" type="datetimeFigureOut">
               <a:rPr lang="en-US" smtClean="0"/>
-              <a:t>5/31/2020</a:t>
+              <a:t>6/1/2020</a:t>
             </a:fld>
             <a:endParaRPr lang="en-US" dirty="0"/>
           </a:p>
@@ -14281,7 +14362,7 @@
         </p:spPr>
         <p:txBody>
           <a:bodyPr>
-            <a:normAutofit fontScale="92500" lnSpcReduction="10000"/>
+            <a:normAutofit lnSpcReduction="10000"/>
           </a:bodyPr>
           <a:lstStyle/>
           <a:p>
@@ -14304,7 +14385,7 @@
                 </a:solidFill>
                 <a:latin typeface="+mn-lt"/>
               </a:rPr>
-              <a:t>: Adapter is an entry point of external messages like work updates, awards, feedback, task completion etc.</a:t>
+              <a:t>: Adapter is an entry point of external messages in the pipeline like work updates, awards, feedback, task completion etc.</a:t>
             </a:r>
           </a:p>
           <a:p>
@@ -14318,7 +14399,7 @@
                 </a:solidFill>
                 <a:latin typeface="+mn-lt"/>
               </a:rPr>
-              <a:t>- Adapter exposes REST endpoints so that user can </a:t>
+              <a:t>- Through Adapter APIs user can </a:t>
             </a:r>
             <a:r>
               <a:rPr lang="en-US" b="1" u="sng" dirty="0">
@@ -14336,7 +14417,7 @@
                 </a:solidFill>
                 <a:latin typeface="+mn-lt"/>
               </a:rPr>
-              <a:t>push following message categories - work updates, awards, feedback, task completion etc. And the data will be stored in Mongo db. We can store files to GCP bucket, but as part of template creation we store them in Unix box.</a:t>
+              <a:t>push following message categories - appreciation, feedback, task, course completion etc. Data will be stored in Mongo db. We can store files to GCP bucket, but as part of template creation we store them in Unix box.</a:t>
             </a:r>
           </a:p>
           <a:p>
@@ -14351,21 +14432,7 @@
                 </a:solidFill>
                 <a:latin typeface="+mn-lt"/>
               </a:rPr>
-              <a:t>Here are some Payload examples</a:t>
-            </a:r>
-          </a:p>
-          <a:p>
-            <a:pPr marL="587813" lvl="1" indent="0">
-              <a:buNone/>
-            </a:pPr>
-            <a:r>
-              <a:rPr lang="en-US" dirty="0">
-                <a:solidFill>
-                  <a:srgbClr val="007DC3"/>
-                </a:solidFill>
-                <a:latin typeface="+mn-lt"/>
-              </a:rPr>
-              <a:t>Appreciation Payload :</a:t>
+              <a:t>Here is one Payload example for Appreciation</a:t>
             </a:r>
           </a:p>
           <a:p>
@@ -14728,7 +14795,7 @@
               <a:buNone/>
             </a:pPr>
             <a:r>
-              <a:rPr lang="en-US">
+              <a:rPr lang="en-US" dirty="0">
                 <a:solidFill>
                   <a:srgbClr val="007DC3"/>
                 </a:solidFill>
@@ -14736,12 +14803,6 @@
               </a:rPr>
               <a:t>	}]</a:t>
             </a:r>
-            <a:endParaRPr lang="en-US" dirty="0">
-              <a:solidFill>
-                <a:srgbClr val="007DC3"/>
-              </a:solidFill>
-              <a:latin typeface="+mn-lt"/>
-            </a:endParaRPr>
           </a:p>
           <a:p>
             <a:pPr marL="587813" lvl="1" indent="0">
@@ -15430,7 +15491,7 @@
                 </a:solidFill>
                 <a:latin typeface="+mn-lt"/>
               </a:rPr>
-              <a:t>Similarly we have following REST endpoints</a:t>
+              <a:t>Similarly we have following REST endpoints for adapter</a:t>
             </a:r>
           </a:p>
           <a:p>
@@ -15473,89 +15534,6 @@
             </a:r>
           </a:p>
           <a:p>
-            <a:pPr marL="873563" lvl="1" indent="-285750"/>
-            <a:r>
-              <a:rPr lang="en-US" sz="1800" dirty="0">
-                <a:solidFill>
-                  <a:srgbClr val="007DC3"/>
-                </a:solidFill>
-                <a:latin typeface="+mn-lt"/>
-              </a:rPr>
-              <a:t>Employee can acquire coins for providing feedback, appreciation, completing course etc. These coins can be redeemed in </a:t>
-            </a:r>
-            <a:r>
-              <a:rPr lang="en-US" sz="1800" dirty="0" err="1">
-                <a:solidFill>
-                  <a:srgbClr val="007DC3"/>
-                </a:solidFill>
-                <a:latin typeface="+mn-lt"/>
-              </a:rPr>
-              <a:t>InfyGold</a:t>
-            </a:r>
-            <a:r>
-              <a:rPr lang="en-US" sz="1800" dirty="0">
-                <a:solidFill>
-                  <a:srgbClr val="007DC3"/>
-                </a:solidFill>
-                <a:latin typeface="+mn-lt"/>
-              </a:rPr>
-              <a:t>+</a:t>
-            </a:r>
-          </a:p>
-          <a:p>
-            <a:pPr marL="873563" lvl="1" indent="-285750"/>
-            <a:r>
-              <a:rPr lang="en-US" sz="1800" dirty="0">
-                <a:solidFill>
-                  <a:srgbClr val="007DC3"/>
-                </a:solidFill>
-                <a:latin typeface="+mn-lt"/>
-              </a:rPr>
-              <a:t>Adapter calls </a:t>
-            </a:r>
-            <a:r>
-              <a:rPr lang="en-US" sz="1800" dirty="0" err="1">
-                <a:solidFill>
-                  <a:srgbClr val="007DC3"/>
-                </a:solidFill>
-                <a:latin typeface="+mn-lt"/>
-              </a:rPr>
-              <a:t>kafka</a:t>
-            </a:r>
-            <a:r>
-              <a:rPr lang="en-US" sz="1800" dirty="0">
-                <a:solidFill>
-                  <a:srgbClr val="007DC3"/>
-                </a:solidFill>
-                <a:latin typeface="+mn-lt"/>
-              </a:rPr>
-              <a:t> producers and consumers for real-time notifications to the employees who receive/give feedback, upload appreciations, complete tasks/course etc. Here is an example of feedback shared.</a:t>
-            </a:r>
-          </a:p>
-          <a:p>
-            <a:pPr marL="587813" lvl="1" indent="0">
-              <a:buNone/>
-            </a:pPr>
-            <a:endParaRPr lang="en-US" sz="1800" dirty="0">
-              <a:solidFill>
-                <a:srgbClr val="007DC3"/>
-              </a:solidFill>
-              <a:latin typeface="+mn-lt"/>
-            </a:endParaRPr>
-          </a:p>
-          <a:p>
-            <a:pPr marL="587813" lvl="1" indent="0">
-              <a:buNone/>
-            </a:pPr>
-            <a:endParaRPr lang="en-US" sz="1800" dirty="0"/>
-          </a:p>
-          <a:p>
-            <a:pPr marL="587813" lvl="1" indent="0">
-              <a:buNone/>
-            </a:pPr>
-            <a:endParaRPr lang="en-US" sz="1800" dirty="0"/>
-          </a:p>
-          <a:p>
             <a:pPr marL="587813" lvl="1" indent="0">
               <a:buNone/>
             </a:pPr>
@@ -15839,10 +15817,10 @@
       </p:sp>
       <p:pic>
         <p:nvPicPr>
-          <p:cNvPr id="3" name="Picture 2">
+          <p:cNvPr id="4" name="Picture 3">
             <a:extLst>
               <a:ext uri="{FF2B5EF4-FFF2-40B4-BE49-F238E27FC236}">
-                <a16:creationId xmlns:a16="http://schemas.microsoft.com/office/drawing/2014/main" id="{0CD82FCD-36C8-41C2-B9D3-AEF158939A29}"/>
+                <a16:creationId xmlns:a16="http://schemas.microsoft.com/office/drawing/2014/main" id="{3977C349-8052-4068-BD3C-6FEF872F9531}"/>
               </a:ext>
             </a:extLst>
           </p:cNvPr>
@@ -15859,8 +15837,8 @@
         </p:blipFill>
         <p:spPr>
           <a:xfrm>
-            <a:off x="1207180" y="3230913"/>
-            <a:ext cx="9265920" cy="3225305"/>
+            <a:off x="787791" y="2255707"/>
+            <a:ext cx="10145368" cy="3680859"/>
           </a:xfrm>
           <a:prstGeom prst="rect">
             <a:avLst/>
@@ -15959,6 +15937,510 @@
           </a:bodyPr>
           <a:lstStyle/>
           <a:p>
+            <a:pPr marL="873563" lvl="1" indent="-285750"/>
+            <a:r>
+              <a:rPr lang="en-US" sz="1800" dirty="0">
+                <a:solidFill>
+                  <a:srgbClr val="007DC3"/>
+                </a:solidFill>
+                <a:latin typeface="+mn-lt"/>
+              </a:rPr>
+              <a:t>Employee can acquire coins for providing and receiving feedback, appreciation, completing course etc. Accumulated coins of a specific duration can be redeemed in </a:t>
+            </a:r>
+            <a:r>
+              <a:rPr lang="en-US" sz="1800" dirty="0" err="1">
+                <a:solidFill>
+                  <a:srgbClr val="007DC3"/>
+                </a:solidFill>
+                <a:latin typeface="+mn-lt"/>
+              </a:rPr>
+              <a:t>InfyGold</a:t>
+            </a:r>
+            <a:r>
+              <a:rPr lang="en-US" sz="1800" dirty="0">
+                <a:solidFill>
+                  <a:srgbClr val="007DC3"/>
+                </a:solidFill>
+                <a:latin typeface="+mn-lt"/>
+              </a:rPr>
+              <a:t>+</a:t>
+            </a:r>
+          </a:p>
+          <a:p>
+            <a:pPr marL="873563" lvl="1" indent="-285750"/>
+            <a:r>
+              <a:rPr lang="en-US" sz="1800" dirty="0">
+                <a:solidFill>
+                  <a:srgbClr val="007DC3"/>
+                </a:solidFill>
+                <a:latin typeface="+mn-lt"/>
+              </a:rPr>
+              <a:t>Adapter calls </a:t>
+            </a:r>
+            <a:r>
+              <a:rPr lang="en-US" sz="1800" dirty="0" err="1">
+                <a:solidFill>
+                  <a:srgbClr val="007DC3"/>
+                </a:solidFill>
+                <a:latin typeface="+mn-lt"/>
+              </a:rPr>
+              <a:t>kafka</a:t>
+            </a:r>
+            <a:r>
+              <a:rPr lang="en-US" sz="1800" dirty="0">
+                <a:solidFill>
+                  <a:srgbClr val="007DC3"/>
+                </a:solidFill>
+                <a:latin typeface="+mn-lt"/>
+              </a:rPr>
+              <a:t> producers and consumers for real-time </a:t>
+            </a:r>
+            <a:r>
+              <a:rPr lang="en-US" sz="1800" dirty="0" err="1">
+                <a:solidFill>
+                  <a:srgbClr val="007DC3"/>
+                </a:solidFill>
+                <a:latin typeface="+mn-lt"/>
+              </a:rPr>
+              <a:t>cdc</a:t>
+            </a:r>
+            <a:r>
+              <a:rPr lang="en-US" sz="1800" dirty="0">
+                <a:solidFill>
+                  <a:srgbClr val="007DC3"/>
+                </a:solidFill>
+                <a:latin typeface="+mn-lt"/>
+              </a:rPr>
+              <a:t>-notifications to the employees who receive/give feedback, upload appreciations, complete tasks/course etc. Here is an example of feedback shared.</a:t>
+            </a:r>
+          </a:p>
+          <a:p>
+            <a:pPr marL="587813" lvl="1" indent="0">
+              <a:buNone/>
+            </a:pPr>
+            <a:endParaRPr lang="en-US" sz="1800" dirty="0">
+              <a:solidFill>
+                <a:srgbClr val="007DC3"/>
+              </a:solidFill>
+              <a:latin typeface="+mn-lt"/>
+            </a:endParaRPr>
+          </a:p>
+          <a:p>
+            <a:pPr marL="587813" lvl="1" indent="0">
+              <a:buNone/>
+            </a:pPr>
+            <a:endParaRPr lang="en-US" sz="1800" dirty="0"/>
+          </a:p>
+          <a:p>
+            <a:pPr marL="587813" lvl="1" indent="0">
+              <a:buNone/>
+            </a:pPr>
+            <a:endParaRPr lang="en-US" sz="1800" dirty="0"/>
+          </a:p>
+          <a:p>
+            <a:pPr marL="587813" lvl="1" indent="0">
+              <a:buNone/>
+            </a:pPr>
+            <a:endParaRPr lang="en-US" dirty="0"/>
+          </a:p>
+          <a:p>
+            <a:pPr marL="587813" lvl="1" indent="0">
+              <a:buNone/>
+            </a:pPr>
+            <a:r>
+              <a:rPr lang="en-US" dirty="0"/>
+              <a:t> </a:t>
+            </a:r>
+          </a:p>
+          <a:p>
+            <a:pPr marL="587813" lvl="1" indent="0">
+              <a:buNone/>
+            </a:pPr>
+            <a:endParaRPr lang="en-US" dirty="0">
+              <a:solidFill>
+                <a:srgbClr val="007DC3"/>
+              </a:solidFill>
+            </a:endParaRPr>
+          </a:p>
+          <a:p>
+            <a:pPr marL="587813" lvl="1" indent="0">
+              <a:buNone/>
+            </a:pPr>
+            <a:endParaRPr lang="en-US" dirty="0">
+              <a:solidFill>
+                <a:srgbClr val="007DC3"/>
+              </a:solidFill>
+            </a:endParaRPr>
+          </a:p>
+          <a:p>
+            <a:pPr marL="587813" lvl="1" indent="0">
+              <a:buNone/>
+            </a:pPr>
+            <a:endParaRPr lang="en-US" dirty="0">
+              <a:solidFill>
+                <a:srgbClr val="007DC3"/>
+              </a:solidFill>
+            </a:endParaRPr>
+          </a:p>
+          <a:p>
+            <a:pPr marL="587813" lvl="1" indent="0">
+              <a:buNone/>
+            </a:pPr>
+            <a:endParaRPr lang="en-US" dirty="0">
+              <a:solidFill>
+                <a:srgbClr val="007DC3"/>
+              </a:solidFill>
+              <a:latin typeface="+mn-lt"/>
+            </a:endParaRPr>
+          </a:p>
+          <a:p>
+            <a:pPr marL="587813" lvl="1" indent="0">
+              <a:buNone/>
+            </a:pPr>
+            <a:endParaRPr lang="en-US" dirty="0">
+              <a:solidFill>
+                <a:srgbClr val="007DC3"/>
+              </a:solidFill>
+              <a:latin typeface="+mn-lt"/>
+            </a:endParaRPr>
+          </a:p>
+          <a:p>
+            <a:pPr marL="770693" lvl="1" indent="-182880"/>
+            <a:endParaRPr lang="en-US" dirty="0">
+              <a:solidFill>
+                <a:srgbClr val="007DC3"/>
+              </a:solidFill>
+              <a:latin typeface="+mn-lt"/>
+            </a:endParaRPr>
+          </a:p>
+          <a:p>
+            <a:pPr marL="770693" lvl="1" indent="-182880"/>
+            <a:endParaRPr lang="en-US" dirty="0">
+              <a:solidFill>
+                <a:srgbClr val="007DC3"/>
+              </a:solidFill>
+              <a:latin typeface="+mn-lt"/>
+            </a:endParaRPr>
+          </a:p>
+          <a:p>
+            <a:pPr marL="770693" lvl="1" indent="-182880"/>
+            <a:endParaRPr lang="en-US" dirty="0">
+              <a:solidFill>
+                <a:srgbClr val="007DC3"/>
+              </a:solidFill>
+              <a:latin typeface="+mn-lt"/>
+            </a:endParaRPr>
+          </a:p>
+          <a:p>
+            <a:pPr marL="770693" lvl="1" indent="-182880"/>
+            <a:endParaRPr lang="en-US" dirty="0">
+              <a:solidFill>
+                <a:srgbClr val="007DC3"/>
+              </a:solidFill>
+              <a:latin typeface="+mn-lt"/>
+            </a:endParaRPr>
+          </a:p>
+          <a:p>
+            <a:pPr marL="770693" lvl="1" indent="-182880"/>
+            <a:endParaRPr lang="en-US" dirty="0">
+              <a:solidFill>
+                <a:srgbClr val="007DC3"/>
+              </a:solidFill>
+              <a:latin typeface="+mn-lt"/>
+            </a:endParaRPr>
+          </a:p>
+          <a:p>
+            <a:pPr marL="770693" lvl="1" indent="-182880"/>
+            <a:endParaRPr lang="en-US" dirty="0">
+              <a:solidFill>
+                <a:srgbClr val="007DC3"/>
+              </a:solidFill>
+              <a:latin typeface="+mn-lt"/>
+            </a:endParaRPr>
+          </a:p>
+          <a:p>
+            <a:pPr marL="770693" lvl="1" indent="-182880"/>
+            <a:endParaRPr lang="en-US" dirty="0">
+              <a:solidFill>
+                <a:srgbClr val="007DC3"/>
+              </a:solidFill>
+              <a:latin typeface="+mn-lt"/>
+            </a:endParaRPr>
+          </a:p>
+          <a:p>
+            <a:pPr marL="770693" lvl="1" indent="-182880"/>
+            <a:endParaRPr lang="en-US" dirty="0">
+              <a:solidFill>
+                <a:srgbClr val="007DC3"/>
+              </a:solidFill>
+              <a:latin typeface="+mn-lt"/>
+            </a:endParaRPr>
+          </a:p>
+          <a:p>
+            <a:pPr marL="770693" lvl="1" indent="-182880"/>
+            <a:endParaRPr lang="en-US" dirty="0">
+              <a:solidFill>
+                <a:srgbClr val="007DC3"/>
+              </a:solidFill>
+              <a:latin typeface="+mn-lt"/>
+            </a:endParaRPr>
+          </a:p>
+          <a:p>
+            <a:pPr marL="770693" lvl="1" indent="-182880"/>
+            <a:endParaRPr lang="en-US" dirty="0">
+              <a:solidFill>
+                <a:srgbClr val="007DC3"/>
+              </a:solidFill>
+              <a:latin typeface="+mn-lt"/>
+            </a:endParaRPr>
+          </a:p>
+          <a:p>
+            <a:pPr marL="770693" lvl="1" indent="-182880"/>
+            <a:endParaRPr lang="en-US" dirty="0">
+              <a:solidFill>
+                <a:srgbClr val="007DC3"/>
+              </a:solidFill>
+              <a:latin typeface="+mn-lt"/>
+            </a:endParaRPr>
+          </a:p>
+          <a:p>
+            <a:pPr marL="770693" lvl="1" indent="-182880"/>
+            <a:endParaRPr lang="en-US" dirty="0">
+              <a:solidFill>
+                <a:srgbClr val="007DC3"/>
+              </a:solidFill>
+              <a:latin typeface="+mn-lt"/>
+            </a:endParaRPr>
+          </a:p>
+          <a:p>
+            <a:pPr marL="770693" lvl="1" indent="-182880"/>
+            <a:endParaRPr lang="en-US" dirty="0">
+              <a:solidFill>
+                <a:srgbClr val="007DC3"/>
+              </a:solidFill>
+              <a:latin typeface="+mn-lt"/>
+            </a:endParaRPr>
+          </a:p>
+          <a:p>
+            <a:pPr marL="770693" lvl="1" indent="-182880"/>
+            <a:endParaRPr lang="en-US" dirty="0">
+              <a:solidFill>
+                <a:srgbClr val="007DC3"/>
+              </a:solidFill>
+              <a:latin typeface="+mn-lt"/>
+            </a:endParaRPr>
+          </a:p>
+          <a:p>
+            <a:pPr marL="770693" lvl="1" indent="-182880"/>
+            <a:endParaRPr lang="en-US" dirty="0">
+              <a:solidFill>
+                <a:srgbClr val="007DC3"/>
+              </a:solidFill>
+              <a:latin typeface="+mn-lt"/>
+            </a:endParaRPr>
+          </a:p>
+          <a:p>
+            <a:pPr marL="770693" lvl="1" indent="-182880"/>
+            <a:endParaRPr lang="en-US" dirty="0">
+              <a:solidFill>
+                <a:srgbClr val="007DC3"/>
+              </a:solidFill>
+              <a:latin typeface="+mn-lt"/>
+            </a:endParaRPr>
+          </a:p>
+          <a:p>
+            <a:pPr marL="770693" lvl="1" indent="-182880"/>
+            <a:endParaRPr lang="en-US" dirty="0">
+              <a:solidFill>
+                <a:srgbClr val="007DC3"/>
+              </a:solidFill>
+              <a:latin typeface="+mn-lt"/>
+            </a:endParaRPr>
+          </a:p>
+          <a:p>
+            <a:pPr marL="770693" lvl="1" indent="-182880"/>
+            <a:endParaRPr lang="en-US" dirty="0">
+              <a:solidFill>
+                <a:srgbClr val="007DC3"/>
+              </a:solidFill>
+              <a:latin typeface="+mn-lt"/>
+            </a:endParaRPr>
+          </a:p>
+          <a:p>
+            <a:pPr marL="770693" lvl="1" indent="-182880"/>
+            <a:endParaRPr lang="en-US" dirty="0">
+              <a:solidFill>
+                <a:srgbClr val="007DC3"/>
+              </a:solidFill>
+              <a:latin typeface="+mn-lt"/>
+            </a:endParaRPr>
+          </a:p>
+          <a:p>
+            <a:pPr marL="770693" lvl="1" indent="-182880"/>
+            <a:endParaRPr lang="en-US" dirty="0">
+              <a:solidFill>
+                <a:srgbClr val="007DC3"/>
+              </a:solidFill>
+              <a:latin typeface="+mn-lt"/>
+            </a:endParaRPr>
+          </a:p>
+          <a:p>
+            <a:pPr marL="0" indent="0">
+              <a:buNone/>
+            </a:pPr>
+            <a:endParaRPr lang="en-US" sz="1600" dirty="0">
+              <a:solidFill>
+                <a:srgbClr val="007DC3"/>
+              </a:solidFill>
+              <a:latin typeface="+mn-lt"/>
+            </a:endParaRPr>
+          </a:p>
+          <a:p>
+            <a:pPr marL="0" indent="0">
+              <a:buNone/>
+            </a:pPr>
+            <a:endParaRPr lang="en-US" sz="1600" dirty="0">
+              <a:solidFill>
+                <a:srgbClr val="007DC3"/>
+              </a:solidFill>
+              <a:latin typeface="+mn-lt"/>
+            </a:endParaRPr>
+          </a:p>
+          <a:p>
+            <a:pPr marL="0" indent="0">
+              <a:buNone/>
+            </a:pPr>
+            <a:endParaRPr lang="en-US" sz="1600" dirty="0">
+              <a:solidFill>
+                <a:srgbClr val="007DC3"/>
+              </a:solidFill>
+              <a:latin typeface="+mn-lt"/>
+            </a:endParaRPr>
+          </a:p>
+        </p:txBody>
+      </p:sp>
+      <p:pic>
+        <p:nvPicPr>
+          <p:cNvPr id="3" name="Picture 2">
+            <a:extLst>
+              <a:ext uri="{FF2B5EF4-FFF2-40B4-BE49-F238E27FC236}">
+                <a16:creationId xmlns:a16="http://schemas.microsoft.com/office/drawing/2014/main" id="{0CD82FCD-36C8-41C2-B9D3-AEF158939A29}"/>
+              </a:ext>
+            </a:extLst>
+          </p:cNvPr>
+          <p:cNvPicPr>
+            <a:picLocks noChangeAspect="1"/>
+          </p:cNvPicPr>
+          <p:nvPr/>
+        </p:nvPicPr>
+        <p:blipFill>
+          <a:blip r:embed="rId3"/>
+          <a:stretch>
+            <a:fillRect/>
+          </a:stretch>
+        </p:blipFill>
+        <p:spPr>
+          <a:xfrm>
+            <a:off x="1150909" y="2246174"/>
+            <a:ext cx="9265920" cy="3225305"/>
+          </a:xfrm>
+          <a:prstGeom prst="rect">
+            <a:avLst/>
+          </a:prstGeom>
+        </p:spPr>
+        <p:style>
+          <a:lnRef idx="2">
+            <a:schemeClr val="dk1"/>
+          </a:lnRef>
+          <a:fillRef idx="1">
+            <a:schemeClr val="lt1"/>
+          </a:fillRef>
+          <a:effectRef idx="0">
+            <a:schemeClr val="dk1"/>
+          </a:effectRef>
+          <a:fontRef idx="minor">
+            <a:schemeClr val="dk1"/>
+          </a:fontRef>
+        </p:style>
+      </p:pic>
+    </p:spTree>
+    <p:extLst>
+      <p:ext uri="{BB962C8B-B14F-4D97-AF65-F5344CB8AC3E}">
+        <p14:creationId xmlns:p14="http://schemas.microsoft.com/office/powerpoint/2010/main" val="3015776053"/>
+      </p:ext>
+    </p:extLst>
+  </p:cSld>
+  <p:clrMapOvr>
+    <a:masterClrMapping/>
+  </p:clrMapOvr>
+  <p:transition spd="med"/>
+</p:sld>
+</file>
+
+<file path=ppt/slides/slide14.xml><?xml version="1.0" encoding="utf-8"?>
+<p:sld xmlns:a="http://schemas.openxmlformats.org/drawingml/2006/main" xmlns:r="http://schemas.openxmlformats.org/officeDocument/2006/relationships" xmlns:p="http://schemas.openxmlformats.org/presentationml/2006/main">
+  <p:cSld>
+    <p:spTree>
+      <p:nvGrpSpPr>
+        <p:cNvPr id="1" name=""/>
+        <p:cNvGrpSpPr/>
+        <p:nvPr/>
+      </p:nvGrpSpPr>
+      <p:grpSpPr>
+        <a:xfrm>
+          <a:off x="0" y="0"/>
+          <a:ext cx="0" cy="0"/>
+          <a:chOff x="0" y="0"/>
+          <a:chExt cx="0" cy="0"/>
+        </a:xfrm>
+      </p:grpSpPr>
+      <p:sp>
+        <p:nvSpPr>
+          <p:cNvPr id="374" name="Shape 374"/>
+          <p:cNvSpPr>
+            <a:spLocks noGrp="1"/>
+          </p:cNvSpPr>
+          <p:nvPr>
+            <p:ph type="title"/>
+          </p:nvPr>
+        </p:nvSpPr>
+        <p:spPr/>
+        <p:txBody>
+          <a:bodyPr/>
+          <a:lstStyle/>
+          <a:p>
+            <a:r>
+              <a:rPr lang="en-US" sz="2700" dirty="0">
+                <a:latin typeface="+mn-lt"/>
+                <a:sym typeface="Calibri"/>
+              </a:rPr>
+              <a:t>Technical Solution Continued…</a:t>
+            </a:r>
+          </a:p>
+        </p:txBody>
+      </p:sp>
+      <p:sp>
+        <p:nvSpPr>
+          <p:cNvPr id="2" name="Text Placeholder 1"/>
+          <p:cNvSpPr>
+            <a:spLocks noGrp="1"/>
+          </p:cNvSpPr>
+          <p:nvPr>
+            <p:ph type="body" sz="quarter" idx="10"/>
+          </p:nvPr>
+        </p:nvSpPr>
+        <p:spPr>
+          <a:xfrm>
+            <a:off x="263924" y="804333"/>
+            <a:ext cx="11664152" cy="5651885"/>
+          </a:xfrm>
+        </p:spPr>
+        <p:txBody>
+          <a:bodyPr>
+            <a:normAutofit/>
+          </a:bodyPr>
+          <a:lstStyle/>
+          <a:p>
             <a:pPr marL="587813" lvl="1" indent="0">
               <a:buNone/>
             </a:pPr>
@@ -15978,7 +16460,7 @@
                 </a:solidFill>
                 <a:latin typeface="+mn-lt"/>
               </a:rPr>
-              <a:t> :  It exposes REST end points to </a:t>
+              <a:t> :  It exposes REST end points for </a:t>
             </a:r>
             <a:r>
               <a:rPr lang="en-US" sz="1800" dirty="0" err="1">
@@ -15996,7 +16478,7 @@
                 </a:solidFill>
                 <a:latin typeface="+mn-lt"/>
               </a:rPr>
-              <a:t> for data consumption. Here are a few example endpoint :</a:t>
+              <a:t> data consumption. Here are a few example endpoints :</a:t>
             </a:r>
           </a:p>
           <a:p>
@@ -16345,541 +16827,6 @@
 </p:sld>
 </file>
 
-<file path=ppt/slides/slide14.xml><?xml version="1.0" encoding="utf-8"?>
-<p:sld xmlns:a="http://schemas.openxmlformats.org/drawingml/2006/main" xmlns:r="http://schemas.openxmlformats.org/officeDocument/2006/relationships" xmlns:p="http://schemas.openxmlformats.org/presentationml/2006/main">
-  <p:cSld>
-    <p:spTree>
-      <p:nvGrpSpPr>
-        <p:cNvPr id="1" name=""/>
-        <p:cNvGrpSpPr/>
-        <p:nvPr/>
-      </p:nvGrpSpPr>
-      <p:grpSpPr>
-        <a:xfrm>
-          <a:off x="0" y="0"/>
-          <a:ext cx="0" cy="0"/>
-          <a:chOff x="0" y="0"/>
-          <a:chExt cx="0" cy="0"/>
-        </a:xfrm>
-      </p:grpSpPr>
-      <p:sp>
-        <p:nvSpPr>
-          <p:cNvPr id="374" name="Shape 374"/>
-          <p:cNvSpPr>
-            <a:spLocks noGrp="1"/>
-          </p:cNvSpPr>
-          <p:nvPr>
-            <p:ph type="title"/>
-          </p:nvPr>
-        </p:nvSpPr>
-        <p:spPr/>
-        <p:txBody>
-          <a:bodyPr/>
-          <a:lstStyle/>
-          <a:p>
-            <a:r>
-              <a:rPr lang="en-US" sz="2700" dirty="0">
-                <a:latin typeface="+mn-lt"/>
-                <a:sym typeface="Calibri"/>
-              </a:rPr>
-              <a:t>Technical Solution Continued…</a:t>
-            </a:r>
-          </a:p>
-        </p:txBody>
-      </p:sp>
-      <p:sp>
-        <p:nvSpPr>
-          <p:cNvPr id="2" name="Text Placeholder 1"/>
-          <p:cNvSpPr>
-            <a:spLocks noGrp="1"/>
-          </p:cNvSpPr>
-          <p:nvPr>
-            <p:ph type="body" sz="quarter" idx="10"/>
-          </p:nvPr>
-        </p:nvSpPr>
-        <p:spPr>
-          <a:xfrm>
-            <a:off x="263924" y="804333"/>
-            <a:ext cx="11664152" cy="5651885"/>
-          </a:xfrm>
-        </p:spPr>
-        <p:txBody>
-          <a:bodyPr>
-            <a:normAutofit/>
-          </a:bodyPr>
-          <a:lstStyle/>
-          <a:p>
-            <a:pPr marL="587813" lvl="1" indent="0">
-              <a:buNone/>
-            </a:pPr>
-            <a:r>
-              <a:rPr lang="en-US" sz="1800" b="1" u="sng" dirty="0">
-                <a:solidFill>
-                  <a:srgbClr val="007DC3"/>
-                </a:solidFill>
-              </a:rPr>
-              <a:t>Notification-Prep</a:t>
-            </a:r>
-          </a:p>
-          <a:p>
-            <a:pPr marL="873563" lvl="1" indent="-285750">
-              <a:buFontTx/>
-              <a:buChar char="-"/>
-            </a:pPr>
-            <a:r>
-              <a:rPr lang="en-US" sz="1800" dirty="0">
-                <a:solidFill>
-                  <a:srgbClr val="007DC3"/>
-                </a:solidFill>
-              </a:rPr>
-              <a:t>Connects to external system and get the list of employees and creates a list of people those are not using </a:t>
-            </a:r>
-            <a:r>
-              <a:rPr lang="en-US" sz="1800" dirty="0" err="1">
-                <a:solidFill>
-                  <a:srgbClr val="007DC3"/>
-                </a:solidFill>
-              </a:rPr>
-              <a:t>iCount</a:t>
-            </a:r>
-            <a:r>
-              <a:rPr lang="en-US" sz="1800" dirty="0">
-                <a:solidFill>
-                  <a:srgbClr val="007DC3"/>
-                </a:solidFill>
-              </a:rPr>
-              <a:t> capabilities after applying exclusion list (Example – Subcons/onsite employees).</a:t>
-            </a:r>
-          </a:p>
-          <a:p>
-            <a:pPr marL="873563" lvl="1" indent="-285750">
-              <a:buFontTx/>
-              <a:buChar char="-"/>
-            </a:pPr>
-            <a:r>
-              <a:rPr lang="en-US" sz="1800" dirty="0">
-                <a:solidFill>
-                  <a:srgbClr val="007DC3"/>
-                </a:solidFill>
-              </a:rPr>
-              <a:t>Send employee list in csv format to notification batch to notify employees.</a:t>
-            </a:r>
-            <a:endParaRPr lang="en-US" sz="1800" b="1" u="sng" dirty="0">
-              <a:solidFill>
-                <a:srgbClr val="007DC3"/>
-              </a:solidFill>
-              <a:latin typeface="+mn-lt"/>
-            </a:endParaRPr>
-          </a:p>
-          <a:p>
-            <a:pPr marL="587813" lvl="1" indent="0">
-              <a:buNone/>
-            </a:pPr>
-            <a:r>
-              <a:rPr lang="en-US" sz="1800" b="1" u="sng" dirty="0">
-                <a:solidFill>
-                  <a:srgbClr val="007DC3"/>
-                </a:solidFill>
-                <a:latin typeface="+mn-lt"/>
-              </a:rPr>
-              <a:t>Notification-Batch</a:t>
-            </a:r>
-            <a:r>
-              <a:rPr lang="en-US" sz="1800" dirty="0">
-                <a:solidFill>
-                  <a:srgbClr val="007DC3"/>
-                </a:solidFill>
-                <a:latin typeface="+mn-lt"/>
-              </a:rPr>
-              <a:t> :</a:t>
-            </a:r>
-          </a:p>
-          <a:p>
-            <a:pPr marL="873563" lvl="1" indent="-285750">
-              <a:buFontTx/>
-              <a:buChar char="-"/>
-            </a:pPr>
-            <a:r>
-              <a:rPr lang="en-US" sz="1800" dirty="0">
-                <a:solidFill>
-                  <a:srgbClr val="007DC3"/>
-                </a:solidFill>
-              </a:rPr>
-              <a:t>Notify employees who are NOT using or actively using </a:t>
-            </a:r>
-            <a:r>
-              <a:rPr lang="en-US" sz="1800" dirty="0" err="1">
-                <a:solidFill>
-                  <a:srgbClr val="007DC3"/>
-                </a:solidFill>
-              </a:rPr>
-              <a:t>iCount</a:t>
-            </a:r>
-            <a:r>
-              <a:rPr lang="en-US" sz="1800" dirty="0">
-                <a:solidFill>
-                  <a:srgbClr val="007DC3"/>
-                </a:solidFill>
-              </a:rPr>
-              <a:t>.</a:t>
-            </a:r>
-          </a:p>
-          <a:p>
-            <a:pPr marL="873563" lvl="1" indent="-285750">
-              <a:buFontTx/>
-              <a:buChar char="-"/>
-            </a:pPr>
-            <a:r>
-              <a:rPr lang="en-US" sz="1800" dirty="0">
-                <a:solidFill>
-                  <a:srgbClr val="007DC3"/>
-                </a:solidFill>
-              </a:rPr>
-              <a:t>Frequency and rules of notifications can be configurable.</a:t>
-            </a:r>
-          </a:p>
-          <a:p>
-            <a:pPr marL="587813" lvl="1" indent="0">
-              <a:buNone/>
-            </a:pPr>
-            <a:r>
-              <a:rPr lang="en-US" sz="1800" dirty="0">
-                <a:solidFill>
-                  <a:srgbClr val="007DC3"/>
-                </a:solidFill>
-              </a:rPr>
-              <a:t>      Example of rules :</a:t>
-            </a:r>
-          </a:p>
-          <a:p>
-            <a:pPr marL="587813" lvl="1" indent="0">
-              <a:buNone/>
-            </a:pPr>
-            <a:r>
-              <a:rPr lang="en-US" sz="1800" dirty="0">
-                <a:solidFill>
-                  <a:srgbClr val="007DC3"/>
-                </a:solidFill>
-              </a:rPr>
-              <a:t>	1. Escalation rule for not being use </a:t>
-            </a:r>
-            <a:r>
-              <a:rPr lang="en-US" sz="1800" dirty="0" err="1">
-                <a:solidFill>
-                  <a:srgbClr val="007DC3"/>
-                </a:solidFill>
-              </a:rPr>
-              <a:t>iCount</a:t>
-            </a:r>
-            <a:r>
-              <a:rPr lang="en-US" sz="1800" dirty="0">
-                <a:solidFill>
-                  <a:srgbClr val="007DC3"/>
-                </a:solidFill>
-              </a:rPr>
-              <a:t>.</a:t>
-            </a:r>
-          </a:p>
-          <a:p>
-            <a:pPr marL="587813" lvl="1" indent="0">
-              <a:buNone/>
-            </a:pPr>
-            <a:r>
-              <a:rPr lang="en-US" sz="1800" dirty="0">
-                <a:solidFill>
-                  <a:srgbClr val="007DC3"/>
-                </a:solidFill>
-              </a:rPr>
-              <a:t>	2. It can lock other services such as outlook etc. for not at all use.</a:t>
-            </a:r>
-          </a:p>
-          <a:p>
-            <a:pPr marL="587813" lvl="1" indent="0">
-              <a:buNone/>
-            </a:pPr>
-            <a:endParaRPr lang="en-US" sz="1800" dirty="0"/>
-          </a:p>
-          <a:p>
-            <a:pPr marL="587813" lvl="1" indent="0">
-              <a:buNone/>
-            </a:pPr>
-            <a:endParaRPr lang="en-US" dirty="0">
-              <a:solidFill>
-                <a:srgbClr val="007DC3"/>
-              </a:solidFill>
-            </a:endParaRPr>
-          </a:p>
-          <a:p>
-            <a:pPr marL="587813" lvl="1" indent="0">
-              <a:buNone/>
-            </a:pPr>
-            <a:endParaRPr lang="en-US" dirty="0">
-              <a:solidFill>
-                <a:srgbClr val="007DC3"/>
-              </a:solidFill>
-            </a:endParaRPr>
-          </a:p>
-          <a:p>
-            <a:pPr marL="587813" lvl="1" indent="0">
-              <a:buNone/>
-            </a:pPr>
-            <a:endParaRPr lang="en-US" dirty="0">
-              <a:solidFill>
-                <a:srgbClr val="007DC3"/>
-              </a:solidFill>
-            </a:endParaRPr>
-          </a:p>
-          <a:p>
-            <a:pPr marL="587813" lvl="1" indent="0">
-              <a:buNone/>
-            </a:pPr>
-            <a:endParaRPr lang="en-US" dirty="0">
-              <a:solidFill>
-                <a:srgbClr val="007DC3"/>
-              </a:solidFill>
-              <a:latin typeface="+mn-lt"/>
-            </a:endParaRPr>
-          </a:p>
-          <a:p>
-            <a:pPr marL="587813" lvl="1" indent="0">
-              <a:buNone/>
-            </a:pPr>
-            <a:endParaRPr lang="en-US" dirty="0">
-              <a:solidFill>
-                <a:srgbClr val="007DC3"/>
-              </a:solidFill>
-              <a:latin typeface="+mn-lt"/>
-            </a:endParaRPr>
-          </a:p>
-          <a:p>
-            <a:pPr marL="770693" lvl="1" indent="-182880"/>
-            <a:endParaRPr lang="en-US" dirty="0">
-              <a:solidFill>
-                <a:srgbClr val="007DC3"/>
-              </a:solidFill>
-              <a:latin typeface="+mn-lt"/>
-            </a:endParaRPr>
-          </a:p>
-          <a:p>
-            <a:pPr marL="770693" lvl="1" indent="-182880"/>
-            <a:endParaRPr lang="en-US" dirty="0">
-              <a:solidFill>
-                <a:srgbClr val="007DC3"/>
-              </a:solidFill>
-              <a:latin typeface="+mn-lt"/>
-            </a:endParaRPr>
-          </a:p>
-          <a:p>
-            <a:pPr marL="770693" lvl="1" indent="-182880"/>
-            <a:endParaRPr lang="en-US" dirty="0">
-              <a:solidFill>
-                <a:srgbClr val="007DC3"/>
-              </a:solidFill>
-              <a:latin typeface="+mn-lt"/>
-            </a:endParaRPr>
-          </a:p>
-          <a:p>
-            <a:pPr marL="770693" lvl="1" indent="-182880"/>
-            <a:endParaRPr lang="en-US" dirty="0">
-              <a:solidFill>
-                <a:srgbClr val="007DC3"/>
-              </a:solidFill>
-              <a:latin typeface="+mn-lt"/>
-            </a:endParaRPr>
-          </a:p>
-          <a:p>
-            <a:pPr marL="770693" lvl="1" indent="-182880"/>
-            <a:endParaRPr lang="en-US" dirty="0">
-              <a:solidFill>
-                <a:srgbClr val="007DC3"/>
-              </a:solidFill>
-              <a:latin typeface="+mn-lt"/>
-            </a:endParaRPr>
-          </a:p>
-          <a:p>
-            <a:pPr marL="770693" lvl="1" indent="-182880"/>
-            <a:endParaRPr lang="en-US" dirty="0">
-              <a:solidFill>
-                <a:srgbClr val="007DC3"/>
-              </a:solidFill>
-              <a:latin typeface="+mn-lt"/>
-            </a:endParaRPr>
-          </a:p>
-          <a:p>
-            <a:pPr marL="770693" lvl="1" indent="-182880"/>
-            <a:endParaRPr lang="en-US" dirty="0">
-              <a:solidFill>
-                <a:srgbClr val="007DC3"/>
-              </a:solidFill>
-              <a:latin typeface="+mn-lt"/>
-            </a:endParaRPr>
-          </a:p>
-          <a:p>
-            <a:pPr marL="770693" lvl="1" indent="-182880"/>
-            <a:endParaRPr lang="en-US" dirty="0">
-              <a:solidFill>
-                <a:srgbClr val="007DC3"/>
-              </a:solidFill>
-              <a:latin typeface="+mn-lt"/>
-            </a:endParaRPr>
-          </a:p>
-          <a:p>
-            <a:pPr marL="770693" lvl="1" indent="-182880"/>
-            <a:endParaRPr lang="en-US" dirty="0">
-              <a:solidFill>
-                <a:srgbClr val="007DC3"/>
-              </a:solidFill>
-              <a:latin typeface="+mn-lt"/>
-            </a:endParaRPr>
-          </a:p>
-          <a:p>
-            <a:pPr marL="770693" lvl="1" indent="-182880"/>
-            <a:endParaRPr lang="en-US" dirty="0">
-              <a:solidFill>
-                <a:srgbClr val="007DC3"/>
-              </a:solidFill>
-              <a:latin typeface="+mn-lt"/>
-            </a:endParaRPr>
-          </a:p>
-          <a:p>
-            <a:pPr marL="770693" lvl="1" indent="-182880"/>
-            <a:endParaRPr lang="en-US" dirty="0">
-              <a:solidFill>
-                <a:srgbClr val="007DC3"/>
-              </a:solidFill>
-              <a:latin typeface="+mn-lt"/>
-            </a:endParaRPr>
-          </a:p>
-          <a:p>
-            <a:pPr marL="770693" lvl="1" indent="-182880"/>
-            <a:endParaRPr lang="en-US" dirty="0">
-              <a:solidFill>
-                <a:srgbClr val="007DC3"/>
-              </a:solidFill>
-              <a:latin typeface="+mn-lt"/>
-            </a:endParaRPr>
-          </a:p>
-          <a:p>
-            <a:pPr marL="770693" lvl="1" indent="-182880"/>
-            <a:endParaRPr lang="en-US" dirty="0">
-              <a:solidFill>
-                <a:srgbClr val="007DC3"/>
-              </a:solidFill>
-              <a:latin typeface="+mn-lt"/>
-            </a:endParaRPr>
-          </a:p>
-          <a:p>
-            <a:pPr marL="770693" lvl="1" indent="-182880"/>
-            <a:endParaRPr lang="en-US" dirty="0">
-              <a:solidFill>
-                <a:srgbClr val="007DC3"/>
-              </a:solidFill>
-              <a:latin typeface="+mn-lt"/>
-            </a:endParaRPr>
-          </a:p>
-          <a:p>
-            <a:pPr marL="770693" lvl="1" indent="-182880"/>
-            <a:endParaRPr lang="en-US" dirty="0">
-              <a:solidFill>
-                <a:srgbClr val="007DC3"/>
-              </a:solidFill>
-              <a:latin typeface="+mn-lt"/>
-            </a:endParaRPr>
-          </a:p>
-          <a:p>
-            <a:pPr marL="770693" lvl="1" indent="-182880"/>
-            <a:endParaRPr lang="en-US" dirty="0">
-              <a:solidFill>
-                <a:srgbClr val="007DC3"/>
-              </a:solidFill>
-              <a:latin typeface="+mn-lt"/>
-            </a:endParaRPr>
-          </a:p>
-          <a:p>
-            <a:pPr marL="770693" lvl="1" indent="-182880"/>
-            <a:endParaRPr lang="en-US" dirty="0">
-              <a:solidFill>
-                <a:srgbClr val="007DC3"/>
-              </a:solidFill>
-              <a:latin typeface="+mn-lt"/>
-            </a:endParaRPr>
-          </a:p>
-          <a:p>
-            <a:pPr marL="770693" lvl="1" indent="-182880"/>
-            <a:endParaRPr lang="en-US" dirty="0">
-              <a:solidFill>
-                <a:srgbClr val="007DC3"/>
-              </a:solidFill>
-              <a:latin typeface="+mn-lt"/>
-            </a:endParaRPr>
-          </a:p>
-          <a:p>
-            <a:pPr marL="770693" lvl="1" indent="-182880"/>
-            <a:endParaRPr lang="en-US" dirty="0">
-              <a:solidFill>
-                <a:srgbClr val="007DC3"/>
-              </a:solidFill>
-              <a:latin typeface="+mn-lt"/>
-            </a:endParaRPr>
-          </a:p>
-          <a:p>
-            <a:pPr marL="770693" lvl="1" indent="-182880"/>
-            <a:endParaRPr lang="en-US" dirty="0">
-              <a:solidFill>
-                <a:srgbClr val="007DC3"/>
-              </a:solidFill>
-              <a:latin typeface="+mn-lt"/>
-            </a:endParaRPr>
-          </a:p>
-          <a:p>
-            <a:pPr marL="0" indent="0">
-              <a:buNone/>
-            </a:pPr>
-            <a:endParaRPr lang="en-US" sz="1600" dirty="0">
-              <a:solidFill>
-                <a:srgbClr val="007DC3"/>
-              </a:solidFill>
-              <a:latin typeface="+mn-lt"/>
-            </a:endParaRPr>
-          </a:p>
-          <a:p>
-            <a:pPr marL="0" indent="0">
-              <a:buNone/>
-            </a:pPr>
-            <a:endParaRPr lang="en-US" sz="1600" dirty="0">
-              <a:solidFill>
-                <a:srgbClr val="007DC3"/>
-              </a:solidFill>
-              <a:latin typeface="+mn-lt"/>
-            </a:endParaRPr>
-          </a:p>
-          <a:p>
-            <a:pPr marL="0" indent="0">
-              <a:buNone/>
-            </a:pPr>
-            <a:endParaRPr lang="en-US" sz="1600" dirty="0">
-              <a:solidFill>
-                <a:srgbClr val="007DC3"/>
-              </a:solidFill>
-              <a:latin typeface="+mn-lt"/>
-            </a:endParaRPr>
-          </a:p>
-        </p:txBody>
-      </p:sp>
-    </p:spTree>
-    <p:extLst>
-      <p:ext uri="{BB962C8B-B14F-4D97-AF65-F5344CB8AC3E}">
-        <p14:creationId xmlns:p14="http://schemas.microsoft.com/office/powerpoint/2010/main" val="2969780216"/>
-      </p:ext>
-    </p:extLst>
-  </p:cSld>
-  <p:clrMapOvr>
-    <a:masterClrMapping/>
-  </p:clrMapOvr>
-  <p:transition spd="med"/>
-</p:sld>
-</file>
-
 <file path=ppt/slides/slide15.xml><?xml version="1.0" encoding="utf-8"?>
 <p:sld xmlns:a="http://schemas.openxmlformats.org/drawingml/2006/main" xmlns:r="http://schemas.openxmlformats.org/officeDocument/2006/relationships" xmlns:p="http://schemas.openxmlformats.org/presentationml/2006/main">
   <p:cSld>
@@ -16917,7 +16864,7 @@
                 <a:latin typeface="+mn-lt"/>
                 <a:sym typeface="Calibri"/>
               </a:rPr>
-              <a:t>Technical Solution Continued …</a:t>
+              <a:t>Technical Solution Continued…</a:t>
             </a:r>
           </a:p>
         </p:txBody>
@@ -16934,8 +16881,8 @@
         </p:nvSpPr>
         <p:spPr>
           <a:xfrm>
-            <a:off x="183464" y="804333"/>
-            <a:ext cx="11229263" cy="5718397"/>
+            <a:off x="263924" y="804333"/>
+            <a:ext cx="11664152" cy="5651885"/>
           </a:xfrm>
         </p:spPr>
         <p:txBody>
@@ -16947,15 +16894,321 @@
             <a:pPr marL="587813" lvl="1" indent="0">
               <a:buNone/>
             </a:pPr>
-            <a:endParaRPr lang="en-US" dirty="0">
-              <a:solidFill>
-                <a:srgbClr val="007DC3"/>
-              </a:solidFill>
-              <a:latin typeface="+mn-lt"/>
-            </a:endParaRPr>
-          </a:p>
-          <a:p>
-            <a:pPr marL="770693" lvl="1" indent="-182880"/>
+            <a:r>
+              <a:rPr lang="en-US" sz="1800" b="1" u="sng" dirty="0">
+                <a:solidFill>
+                  <a:srgbClr val="007DC3"/>
+                </a:solidFill>
+              </a:rPr>
+              <a:t>Notification-Prep</a:t>
+            </a:r>
+          </a:p>
+          <a:p>
+            <a:pPr marL="873563" lvl="1" indent="-285750">
+              <a:buFontTx/>
+              <a:buChar char="-"/>
+            </a:pPr>
+            <a:r>
+              <a:rPr lang="en-US" sz="1800" dirty="0">
+                <a:solidFill>
+                  <a:srgbClr val="007DC3"/>
+                </a:solidFill>
+              </a:rPr>
+              <a:t>Connects external system and get the list of employees and creates a list of people those are not using </a:t>
+            </a:r>
+            <a:r>
+              <a:rPr lang="en-US" sz="1800" dirty="0" err="1">
+                <a:solidFill>
+                  <a:srgbClr val="007DC3"/>
+                </a:solidFill>
+              </a:rPr>
+              <a:t>iCount</a:t>
+            </a:r>
+            <a:r>
+              <a:rPr lang="en-US" sz="1800" dirty="0">
+                <a:solidFill>
+                  <a:srgbClr val="007DC3"/>
+                </a:solidFill>
+              </a:rPr>
+              <a:t> capabilities after applying exclusion list (Example – Subcons/onsite employees) for </a:t>
+            </a:r>
+            <a:r>
+              <a:rPr lang="en-US" sz="1800" dirty="0" err="1">
+                <a:solidFill>
+                  <a:srgbClr val="007DC3"/>
+                </a:solidFill>
+              </a:rPr>
+              <a:t>specifc</a:t>
+            </a:r>
+            <a:r>
+              <a:rPr lang="en-US" sz="1800" dirty="0">
+                <a:solidFill>
+                  <a:srgbClr val="007DC3"/>
+                </a:solidFill>
+              </a:rPr>
+              <a:t> duration.</a:t>
+            </a:r>
+          </a:p>
+          <a:p>
+            <a:pPr marL="873563" lvl="1" indent="-285750">
+              <a:buFontTx/>
+              <a:buChar char="-"/>
+            </a:pPr>
+            <a:r>
+              <a:rPr lang="en-US" sz="1800" dirty="0">
+                <a:solidFill>
+                  <a:srgbClr val="007DC3"/>
+                </a:solidFill>
+              </a:rPr>
+              <a:t>Send/upload employee list in csv format to notification batch to notify employees.</a:t>
+            </a:r>
+            <a:endParaRPr lang="en-US" sz="1800" b="1" u="sng" dirty="0">
+              <a:solidFill>
+                <a:srgbClr val="007DC3"/>
+              </a:solidFill>
+              <a:latin typeface="+mn-lt"/>
+            </a:endParaRPr>
+          </a:p>
+          <a:p>
+            <a:pPr marL="587813" lvl="1" indent="0">
+              <a:buNone/>
+            </a:pPr>
+            <a:r>
+              <a:rPr lang="en-US" sz="1800" b="1" u="sng" dirty="0">
+                <a:solidFill>
+                  <a:srgbClr val="007DC3"/>
+                </a:solidFill>
+                <a:latin typeface="+mn-lt"/>
+              </a:rPr>
+              <a:t>Notification-Batch</a:t>
+            </a:r>
+            <a:r>
+              <a:rPr lang="en-US" sz="1800" dirty="0">
+                <a:solidFill>
+                  <a:srgbClr val="007DC3"/>
+                </a:solidFill>
+                <a:latin typeface="+mn-lt"/>
+              </a:rPr>
+              <a:t> :</a:t>
+            </a:r>
+          </a:p>
+          <a:p>
+            <a:pPr marL="873563" lvl="1" indent="-285750">
+              <a:buFontTx/>
+              <a:buChar char="-"/>
+            </a:pPr>
+            <a:r>
+              <a:rPr lang="en-US" sz="1800" dirty="0">
+                <a:solidFill>
+                  <a:srgbClr val="007DC3"/>
+                </a:solidFill>
+              </a:rPr>
+              <a:t>Notify employees who are NOT using or actively using </a:t>
+            </a:r>
+            <a:r>
+              <a:rPr lang="en-US" sz="1800" dirty="0" err="1">
+                <a:solidFill>
+                  <a:srgbClr val="007DC3"/>
+                </a:solidFill>
+              </a:rPr>
+              <a:t>iCount</a:t>
+            </a:r>
+            <a:r>
+              <a:rPr lang="en-US" sz="1800" dirty="0">
+                <a:solidFill>
+                  <a:srgbClr val="007DC3"/>
+                </a:solidFill>
+              </a:rPr>
+              <a:t>.</a:t>
+            </a:r>
+          </a:p>
+          <a:p>
+            <a:pPr marL="873563" lvl="1" indent="-285750">
+              <a:buFontTx/>
+              <a:buChar char="-"/>
+            </a:pPr>
+            <a:r>
+              <a:rPr lang="en-US" sz="1800" b="1" dirty="0">
+                <a:solidFill>
+                  <a:srgbClr val="007DC3"/>
+                </a:solidFill>
+              </a:rPr>
+              <a:t>Campaign management </a:t>
+            </a:r>
+            <a:r>
+              <a:rPr lang="en-US" sz="1800" dirty="0">
+                <a:solidFill>
+                  <a:srgbClr val="007DC3"/>
+                </a:solidFill>
+              </a:rPr>
+              <a:t>can be configured in </a:t>
+            </a:r>
+            <a:r>
+              <a:rPr lang="en-US" sz="1800" dirty="0" err="1">
+                <a:solidFill>
+                  <a:srgbClr val="007DC3"/>
+                </a:solidFill>
+              </a:rPr>
+              <a:t>todo</a:t>
+            </a:r>
+            <a:r>
+              <a:rPr lang="en-US" sz="1800" dirty="0">
+                <a:solidFill>
+                  <a:srgbClr val="007DC3"/>
+                </a:solidFill>
+              </a:rPr>
+              <a:t>-notification batch.</a:t>
+            </a:r>
+          </a:p>
+          <a:p>
+            <a:pPr marL="587813" lvl="1" indent="0">
+              <a:buNone/>
+            </a:pPr>
+            <a:r>
+              <a:rPr lang="en-US" sz="1800" dirty="0">
+                <a:solidFill>
+                  <a:srgbClr val="007DC3"/>
+                </a:solidFill>
+              </a:rPr>
+              <a:t>	1. Deals like early bird – can be announced through campaign management service. </a:t>
+            </a:r>
+          </a:p>
+          <a:p>
+            <a:pPr marL="873563" lvl="1" indent="-285750">
+              <a:buFontTx/>
+              <a:buChar char="-"/>
+            </a:pPr>
+            <a:r>
+              <a:rPr lang="en-US" sz="1800" dirty="0">
+                <a:solidFill>
+                  <a:srgbClr val="007DC3"/>
+                </a:solidFill>
+              </a:rPr>
+              <a:t>Frequency and rules of </a:t>
+            </a:r>
+            <a:r>
+              <a:rPr lang="en-US" sz="1800" dirty="0" err="1">
+                <a:solidFill>
+                  <a:srgbClr val="007DC3"/>
+                </a:solidFill>
+              </a:rPr>
+              <a:t>todo</a:t>
+            </a:r>
+            <a:r>
+              <a:rPr lang="en-US" sz="1800" dirty="0">
+                <a:solidFill>
+                  <a:srgbClr val="007DC3"/>
+                </a:solidFill>
+              </a:rPr>
+              <a:t>-notifications are configurable.</a:t>
+            </a:r>
+          </a:p>
+          <a:p>
+            <a:pPr marL="587813" lvl="1" indent="0">
+              <a:buNone/>
+            </a:pPr>
+            <a:r>
+              <a:rPr lang="en-US" sz="1800" dirty="0">
+                <a:solidFill>
+                  <a:srgbClr val="007DC3"/>
+                </a:solidFill>
+              </a:rPr>
+              <a:t>      Example of rules :</a:t>
+            </a:r>
+          </a:p>
+          <a:p>
+            <a:pPr marL="587813" lvl="1" indent="0">
+              <a:buNone/>
+            </a:pPr>
+            <a:r>
+              <a:rPr lang="en-US" sz="1800" dirty="0">
+                <a:solidFill>
+                  <a:srgbClr val="007DC3"/>
+                </a:solidFill>
+              </a:rPr>
+              <a:t>	1. Escalation rule for not being use </a:t>
+            </a:r>
+            <a:r>
+              <a:rPr lang="en-US" sz="1800" dirty="0" err="1">
+                <a:solidFill>
+                  <a:srgbClr val="007DC3"/>
+                </a:solidFill>
+              </a:rPr>
+              <a:t>iCount</a:t>
+            </a:r>
+            <a:r>
+              <a:rPr lang="en-US" sz="1800" dirty="0">
+                <a:solidFill>
+                  <a:srgbClr val="007DC3"/>
+                </a:solidFill>
+              </a:rPr>
+              <a:t> for specific duration.</a:t>
+            </a:r>
+          </a:p>
+          <a:p>
+            <a:pPr marL="587813" lvl="1" indent="0">
+              <a:buNone/>
+            </a:pPr>
+            <a:r>
+              <a:rPr lang="en-US" sz="1800" dirty="0">
+                <a:solidFill>
+                  <a:srgbClr val="007DC3"/>
+                </a:solidFill>
+              </a:rPr>
+              <a:t>	2. lock/unlock other services such as outbox etc.</a:t>
+            </a:r>
+          </a:p>
+          <a:p>
+            <a:pPr marL="587813" lvl="1" indent="0">
+              <a:buNone/>
+            </a:pPr>
+            <a:endParaRPr lang="en-US" sz="1800" dirty="0"/>
+          </a:p>
+          <a:p>
+            <a:pPr marL="587813" lvl="1" indent="0">
+              <a:buNone/>
+            </a:pPr>
+            <a:endParaRPr lang="en-US" dirty="0">
+              <a:solidFill>
+                <a:srgbClr val="007DC3"/>
+              </a:solidFill>
+            </a:endParaRPr>
+          </a:p>
+          <a:p>
+            <a:pPr marL="587813" lvl="1" indent="0">
+              <a:buNone/>
+            </a:pPr>
+            <a:endParaRPr lang="en-US" dirty="0">
+              <a:solidFill>
+                <a:srgbClr val="007DC3"/>
+              </a:solidFill>
+            </a:endParaRPr>
+          </a:p>
+          <a:p>
+            <a:pPr marL="587813" lvl="1" indent="0">
+              <a:buNone/>
+            </a:pPr>
+            <a:endParaRPr lang="en-US" dirty="0">
+              <a:solidFill>
+                <a:srgbClr val="007DC3"/>
+              </a:solidFill>
+            </a:endParaRPr>
+          </a:p>
+          <a:p>
+            <a:pPr marL="587813" lvl="1" indent="0">
+              <a:buNone/>
+            </a:pPr>
+            <a:endParaRPr lang="en-US" dirty="0">
+              <a:solidFill>
+                <a:srgbClr val="007DC3"/>
+              </a:solidFill>
+              <a:latin typeface="+mn-lt"/>
+            </a:endParaRPr>
+          </a:p>
+          <a:p>
+            <a:pPr marL="587813" lvl="1" indent="0">
+              <a:buNone/>
+            </a:pPr>
             <a:endParaRPr lang="en-US" dirty="0">
               <a:solidFill>
                 <a:srgbClr val="007DC3"/>
@@ -17178,54 +17431,10 @@
           </a:p>
         </p:txBody>
       </p:sp>
-      <p:pic>
-        <p:nvPicPr>
-          <p:cNvPr id="4" name="Picture 3">
-            <a:extLst>
-              <a:ext uri="{FF2B5EF4-FFF2-40B4-BE49-F238E27FC236}">
-                <a16:creationId xmlns:a16="http://schemas.microsoft.com/office/drawing/2014/main" id="{F7F28B8E-BBDE-4825-893A-44942B955157}"/>
-              </a:ext>
-            </a:extLst>
-          </p:cNvPr>
-          <p:cNvPicPr>
-            <a:picLocks noChangeAspect="1"/>
-          </p:cNvPicPr>
-          <p:nvPr/>
-        </p:nvPicPr>
-        <p:blipFill>
-          <a:blip r:embed="rId3"/>
-          <a:stretch>
-            <a:fillRect/>
-          </a:stretch>
-        </p:blipFill>
-        <p:spPr>
-          <a:xfrm>
-            <a:off x="407963" y="887428"/>
-            <a:ext cx="11527065" cy="4978800"/>
-          </a:xfrm>
-          <a:prstGeom prst="rect">
-            <a:avLst/>
-          </a:prstGeom>
-        </p:spPr>
-        <p:style>
-          <a:lnRef idx="2">
-            <a:schemeClr val="dk1"/>
-          </a:lnRef>
-          <a:fillRef idx="1">
-            <a:schemeClr val="lt1"/>
-          </a:fillRef>
-          <a:effectRef idx="0">
-            <a:schemeClr val="dk1"/>
-          </a:effectRef>
-          <a:fontRef idx="minor">
-            <a:schemeClr val="dk1"/>
-          </a:fontRef>
-        </p:style>
-      </p:pic>
     </p:spTree>
     <p:extLst>
       <p:ext uri="{BB962C8B-B14F-4D97-AF65-F5344CB8AC3E}">
-        <p14:creationId xmlns:p14="http://schemas.microsoft.com/office/powerpoint/2010/main" val="1915103437"/>
+        <p14:creationId xmlns:p14="http://schemas.microsoft.com/office/powerpoint/2010/main" val="2969780216"/>
       </p:ext>
     </p:extLst>
   </p:cSld>
@@ -17273,8 +17482,32 @@
                 <a:latin typeface="+mn-lt"/>
                 <a:sym typeface="Calibri"/>
               </a:rPr>
-              <a:t>Technical Solution Continued …</a:t>
-            </a:r>
+              <a:t>Technical Solution Continued : Example - </a:t>
+            </a:r>
+            <a:r>
+              <a:rPr lang="en-US" sz="2700" dirty="0" err="1">
+                <a:latin typeface="+mn-lt"/>
+                <a:sym typeface="Calibri"/>
+              </a:rPr>
+              <a:t>Todo</a:t>
+            </a:r>
+            <a:r>
+              <a:rPr lang="en-US" sz="2700" dirty="0">
+                <a:latin typeface="+mn-lt"/>
+                <a:sym typeface="Calibri"/>
+              </a:rPr>
+              <a:t>-Notification…</a:t>
+            </a:r>
+            <a:br>
+              <a:rPr lang="en-US" sz="2700" dirty="0">
+                <a:latin typeface="+mn-lt"/>
+                <a:sym typeface="Calibri"/>
+              </a:rPr>
+            </a:br>
+            <a:endParaRPr lang="en-US" sz="2700" dirty="0">
+              <a:latin typeface="+mn-lt"/>
+              <a:sym typeface="Calibri"/>
+            </a:endParaRPr>
           </a:p>
         </p:txBody>
       </p:sp>
@@ -17534,6 +17767,362 @@
           </a:p>
         </p:txBody>
       </p:sp>
+      <p:pic>
+        <p:nvPicPr>
+          <p:cNvPr id="4" name="Picture 3">
+            <a:extLst>
+              <a:ext uri="{FF2B5EF4-FFF2-40B4-BE49-F238E27FC236}">
+                <a16:creationId xmlns:a16="http://schemas.microsoft.com/office/drawing/2014/main" id="{F7F28B8E-BBDE-4825-893A-44942B955157}"/>
+              </a:ext>
+            </a:extLst>
+          </p:cNvPr>
+          <p:cNvPicPr>
+            <a:picLocks noChangeAspect="1"/>
+          </p:cNvPicPr>
+          <p:nvPr/>
+        </p:nvPicPr>
+        <p:blipFill>
+          <a:blip r:embed="rId3"/>
+          <a:stretch>
+            <a:fillRect/>
+          </a:stretch>
+        </p:blipFill>
+        <p:spPr>
+          <a:xfrm>
+            <a:off x="367592" y="939600"/>
+            <a:ext cx="11527065" cy="4978800"/>
+          </a:xfrm>
+          <a:prstGeom prst="rect">
+            <a:avLst/>
+          </a:prstGeom>
+        </p:spPr>
+        <p:style>
+          <a:lnRef idx="2">
+            <a:schemeClr val="dk1"/>
+          </a:lnRef>
+          <a:fillRef idx="1">
+            <a:schemeClr val="lt1"/>
+          </a:fillRef>
+          <a:effectRef idx="0">
+            <a:schemeClr val="dk1"/>
+          </a:effectRef>
+          <a:fontRef idx="minor">
+            <a:schemeClr val="dk1"/>
+          </a:fontRef>
+        </p:style>
+      </p:pic>
+    </p:spTree>
+    <p:extLst>
+      <p:ext uri="{BB962C8B-B14F-4D97-AF65-F5344CB8AC3E}">
+        <p14:creationId xmlns:p14="http://schemas.microsoft.com/office/powerpoint/2010/main" val="1915103437"/>
+      </p:ext>
+    </p:extLst>
+  </p:cSld>
+  <p:clrMapOvr>
+    <a:masterClrMapping/>
+  </p:clrMapOvr>
+  <p:transition spd="med"/>
+</p:sld>
+</file>
+
+<file path=ppt/slides/slide17.xml><?xml version="1.0" encoding="utf-8"?>
+<p:sld xmlns:a="http://schemas.openxmlformats.org/drawingml/2006/main" xmlns:r="http://schemas.openxmlformats.org/officeDocument/2006/relationships" xmlns:p="http://schemas.openxmlformats.org/presentationml/2006/main">
+  <p:cSld>
+    <p:spTree>
+      <p:nvGrpSpPr>
+        <p:cNvPr id="1" name=""/>
+        <p:cNvGrpSpPr/>
+        <p:nvPr/>
+      </p:nvGrpSpPr>
+      <p:grpSpPr>
+        <a:xfrm>
+          <a:off x="0" y="0"/>
+          <a:ext cx="0" cy="0"/>
+          <a:chOff x="0" y="0"/>
+          <a:chExt cx="0" cy="0"/>
+        </a:xfrm>
+      </p:grpSpPr>
+      <p:sp>
+        <p:nvSpPr>
+          <p:cNvPr id="374" name="Shape 374"/>
+          <p:cNvSpPr>
+            <a:spLocks noGrp="1"/>
+          </p:cNvSpPr>
+          <p:nvPr>
+            <p:ph type="title"/>
+          </p:nvPr>
+        </p:nvSpPr>
+        <p:spPr/>
+        <p:txBody>
+          <a:bodyPr/>
+          <a:lstStyle/>
+          <a:p>
+            <a:r>
+              <a:rPr lang="en-US" sz="2700" dirty="0">
+                <a:latin typeface="+mn-lt"/>
+                <a:sym typeface="Calibri"/>
+              </a:rPr>
+              <a:t>Technical Solution Continued …</a:t>
+            </a:r>
+          </a:p>
+        </p:txBody>
+      </p:sp>
+      <p:sp>
+        <p:nvSpPr>
+          <p:cNvPr id="2" name="Text Placeholder 1"/>
+          <p:cNvSpPr>
+            <a:spLocks noGrp="1"/>
+          </p:cNvSpPr>
+          <p:nvPr>
+            <p:ph type="body" sz="quarter" idx="10"/>
+          </p:nvPr>
+        </p:nvSpPr>
+        <p:spPr>
+          <a:xfrm>
+            <a:off x="183464" y="804333"/>
+            <a:ext cx="11229263" cy="5718397"/>
+          </a:xfrm>
+        </p:spPr>
+        <p:txBody>
+          <a:bodyPr>
+            <a:normAutofit/>
+          </a:bodyPr>
+          <a:lstStyle/>
+          <a:p>
+            <a:pPr marL="587813" lvl="1" indent="0">
+              <a:buNone/>
+            </a:pPr>
+            <a:endParaRPr lang="en-US" dirty="0">
+              <a:solidFill>
+                <a:srgbClr val="007DC3"/>
+              </a:solidFill>
+              <a:latin typeface="+mn-lt"/>
+            </a:endParaRPr>
+          </a:p>
+          <a:p>
+            <a:pPr marL="770693" lvl="1" indent="-182880"/>
+            <a:endParaRPr lang="en-US" dirty="0">
+              <a:solidFill>
+                <a:srgbClr val="007DC3"/>
+              </a:solidFill>
+              <a:latin typeface="+mn-lt"/>
+            </a:endParaRPr>
+          </a:p>
+          <a:p>
+            <a:pPr marL="770693" lvl="1" indent="-182880"/>
+            <a:endParaRPr lang="en-US" dirty="0">
+              <a:solidFill>
+                <a:srgbClr val="007DC3"/>
+              </a:solidFill>
+              <a:latin typeface="+mn-lt"/>
+            </a:endParaRPr>
+          </a:p>
+          <a:p>
+            <a:pPr marL="770693" lvl="1" indent="-182880"/>
+            <a:endParaRPr lang="en-US" dirty="0">
+              <a:solidFill>
+                <a:srgbClr val="007DC3"/>
+              </a:solidFill>
+              <a:latin typeface="+mn-lt"/>
+            </a:endParaRPr>
+          </a:p>
+          <a:p>
+            <a:pPr marL="770693" lvl="1" indent="-182880"/>
+            <a:endParaRPr lang="en-US" dirty="0">
+              <a:solidFill>
+                <a:srgbClr val="007DC3"/>
+              </a:solidFill>
+              <a:latin typeface="+mn-lt"/>
+            </a:endParaRPr>
+          </a:p>
+          <a:p>
+            <a:pPr marL="770693" lvl="1" indent="-182880"/>
+            <a:endParaRPr lang="en-US" dirty="0">
+              <a:solidFill>
+                <a:srgbClr val="007DC3"/>
+              </a:solidFill>
+              <a:latin typeface="+mn-lt"/>
+            </a:endParaRPr>
+          </a:p>
+          <a:p>
+            <a:pPr marL="770693" lvl="1" indent="-182880"/>
+            <a:endParaRPr lang="en-US" dirty="0">
+              <a:solidFill>
+                <a:srgbClr val="007DC3"/>
+              </a:solidFill>
+              <a:latin typeface="+mn-lt"/>
+            </a:endParaRPr>
+          </a:p>
+          <a:p>
+            <a:pPr marL="770693" lvl="1" indent="-182880"/>
+            <a:endParaRPr lang="en-US" dirty="0">
+              <a:solidFill>
+                <a:srgbClr val="007DC3"/>
+              </a:solidFill>
+              <a:latin typeface="+mn-lt"/>
+            </a:endParaRPr>
+          </a:p>
+          <a:p>
+            <a:pPr marL="770693" lvl="1" indent="-182880"/>
+            <a:endParaRPr lang="en-US" dirty="0">
+              <a:solidFill>
+                <a:srgbClr val="007DC3"/>
+              </a:solidFill>
+              <a:latin typeface="+mn-lt"/>
+            </a:endParaRPr>
+          </a:p>
+          <a:p>
+            <a:pPr marL="770693" lvl="1" indent="-182880"/>
+            <a:endParaRPr lang="en-US" dirty="0">
+              <a:solidFill>
+                <a:srgbClr val="007DC3"/>
+              </a:solidFill>
+              <a:latin typeface="+mn-lt"/>
+            </a:endParaRPr>
+          </a:p>
+          <a:p>
+            <a:pPr marL="770693" lvl="1" indent="-182880"/>
+            <a:endParaRPr lang="en-US" dirty="0">
+              <a:solidFill>
+                <a:srgbClr val="007DC3"/>
+              </a:solidFill>
+              <a:latin typeface="+mn-lt"/>
+            </a:endParaRPr>
+          </a:p>
+          <a:p>
+            <a:pPr marL="770693" lvl="1" indent="-182880"/>
+            <a:endParaRPr lang="en-US" dirty="0">
+              <a:solidFill>
+                <a:srgbClr val="007DC3"/>
+              </a:solidFill>
+              <a:latin typeface="+mn-lt"/>
+            </a:endParaRPr>
+          </a:p>
+          <a:p>
+            <a:pPr marL="770693" lvl="1" indent="-182880"/>
+            <a:endParaRPr lang="en-US" dirty="0">
+              <a:solidFill>
+                <a:srgbClr val="007DC3"/>
+              </a:solidFill>
+              <a:latin typeface="+mn-lt"/>
+            </a:endParaRPr>
+          </a:p>
+          <a:p>
+            <a:pPr marL="770693" lvl="1" indent="-182880"/>
+            <a:endParaRPr lang="en-US" dirty="0">
+              <a:solidFill>
+                <a:srgbClr val="007DC3"/>
+              </a:solidFill>
+              <a:latin typeface="+mn-lt"/>
+            </a:endParaRPr>
+          </a:p>
+          <a:p>
+            <a:pPr marL="770693" lvl="1" indent="-182880"/>
+            <a:endParaRPr lang="en-US" dirty="0">
+              <a:solidFill>
+                <a:srgbClr val="007DC3"/>
+              </a:solidFill>
+              <a:latin typeface="+mn-lt"/>
+            </a:endParaRPr>
+          </a:p>
+          <a:p>
+            <a:pPr marL="770693" lvl="1" indent="-182880"/>
+            <a:endParaRPr lang="en-US" dirty="0">
+              <a:solidFill>
+                <a:srgbClr val="007DC3"/>
+              </a:solidFill>
+              <a:latin typeface="+mn-lt"/>
+            </a:endParaRPr>
+          </a:p>
+          <a:p>
+            <a:pPr marL="770693" lvl="1" indent="-182880"/>
+            <a:endParaRPr lang="en-US" dirty="0">
+              <a:solidFill>
+                <a:srgbClr val="007DC3"/>
+              </a:solidFill>
+              <a:latin typeface="+mn-lt"/>
+            </a:endParaRPr>
+          </a:p>
+          <a:p>
+            <a:pPr marL="770693" lvl="1" indent="-182880"/>
+            <a:endParaRPr lang="en-US" dirty="0">
+              <a:solidFill>
+                <a:srgbClr val="007DC3"/>
+              </a:solidFill>
+              <a:latin typeface="+mn-lt"/>
+            </a:endParaRPr>
+          </a:p>
+          <a:p>
+            <a:pPr marL="770693" lvl="1" indent="-182880"/>
+            <a:endParaRPr lang="en-US" dirty="0">
+              <a:solidFill>
+                <a:srgbClr val="007DC3"/>
+              </a:solidFill>
+              <a:latin typeface="+mn-lt"/>
+            </a:endParaRPr>
+          </a:p>
+          <a:p>
+            <a:pPr marL="770693" lvl="1" indent="-182880"/>
+            <a:endParaRPr lang="en-US" dirty="0">
+              <a:solidFill>
+                <a:srgbClr val="007DC3"/>
+              </a:solidFill>
+              <a:latin typeface="+mn-lt"/>
+            </a:endParaRPr>
+          </a:p>
+          <a:p>
+            <a:pPr marL="770693" lvl="1" indent="-182880"/>
+            <a:endParaRPr lang="en-US" dirty="0">
+              <a:solidFill>
+                <a:srgbClr val="007DC3"/>
+              </a:solidFill>
+              <a:latin typeface="+mn-lt"/>
+            </a:endParaRPr>
+          </a:p>
+          <a:p>
+            <a:pPr marL="770693" lvl="1" indent="-182880"/>
+            <a:endParaRPr lang="en-US" dirty="0">
+              <a:solidFill>
+                <a:srgbClr val="007DC3"/>
+              </a:solidFill>
+              <a:latin typeface="+mn-lt"/>
+            </a:endParaRPr>
+          </a:p>
+          <a:p>
+            <a:pPr marL="0" indent="0">
+              <a:buNone/>
+            </a:pPr>
+            <a:endParaRPr lang="en-US" sz="1600" dirty="0">
+              <a:solidFill>
+                <a:srgbClr val="007DC3"/>
+              </a:solidFill>
+              <a:latin typeface="+mn-lt"/>
+            </a:endParaRPr>
+          </a:p>
+          <a:p>
+            <a:pPr marL="0" indent="0">
+              <a:buNone/>
+            </a:pPr>
+            <a:endParaRPr lang="en-US" sz="1600" dirty="0">
+              <a:solidFill>
+                <a:srgbClr val="007DC3"/>
+              </a:solidFill>
+              <a:latin typeface="+mn-lt"/>
+            </a:endParaRPr>
+          </a:p>
+          <a:p>
+            <a:pPr marL="0" indent="0">
+              <a:buNone/>
+            </a:pPr>
+            <a:endParaRPr lang="en-US" sz="1600" dirty="0">
+              <a:solidFill>
+                <a:srgbClr val="007DC3"/>
+              </a:solidFill>
+              <a:latin typeface="+mn-lt"/>
+            </a:endParaRPr>
+          </a:p>
+        </p:txBody>
+      </p:sp>
       <p:sp>
         <p:nvSpPr>
           <p:cNvPr id="4" name="Rectangle 3">
@@ -17548,8 +18137,8 @@
         </p:nvSpPr>
         <p:spPr>
           <a:xfrm>
-            <a:off x="450166" y="1026942"/>
-            <a:ext cx="11229262" cy="3416320"/>
+            <a:off x="424430" y="570377"/>
+            <a:ext cx="11229262" cy="6186309"/>
           </a:xfrm>
           <a:prstGeom prst="rect">
             <a:avLst/>
@@ -17682,21 +18271,8 @@
                   <a:srgbClr val="007DC3"/>
                 </a:solidFill>
               </a:rPr>
-              <a:t> for </a:t>
-            </a:r>
-            <a:r>
-              <a:rPr lang="en-US">
-                <a:solidFill>
-                  <a:srgbClr val="007DC3"/>
-                </a:solidFill>
-              </a:rPr>
-              <a:t>certain duration.</a:t>
-            </a:r>
-            <a:endParaRPr lang="en-US" dirty="0">
-              <a:solidFill>
-                <a:srgbClr val="007DC3"/>
-              </a:solidFill>
-            </a:endParaRPr>
+              <a:t> for certain duration.</a:t>
+            </a:r>
           </a:p>
           <a:p>
             <a:pPr marL="873563" lvl="1" indent="-285750">
@@ -17717,7 +18293,7 @@
                   <a:srgbClr val="007DC3"/>
                 </a:solidFill>
               </a:rPr>
-              <a:t> from the adapter service for appreciation, feedback, course/task completion etc.</a:t>
+              <a:t> from the adapter service for appreciation, feedback, course/task completion etc. In short for any DB activity.</a:t>
             </a:r>
           </a:p>
           <a:p>
@@ -17732,14 +18308,17 @@
             </a:endParaRPr>
           </a:p>
           <a:p>
-            <a:pPr marL="587813" lvl="1"/>
+            <a:pPr marL="873563" lvl="1" indent="-285750">
+              <a:buFont typeface="Arial" panose="020B0604020202020204" pitchFamily="34" charset="0"/>
+              <a:buChar char="•"/>
+            </a:pPr>
             <a:r>
               <a:rPr lang="en-US" dirty="0">
                 <a:solidFill>
                   <a:srgbClr val="007DC3"/>
                 </a:solidFill>
               </a:rPr>
-              <a:t>Coins can be accumulated and redeemed using </a:t>
+              <a:t>Coins can be accumulated by giving or receiving feedback, appreciations etc. and redeemed using </a:t>
             </a:r>
             <a:r>
               <a:rPr lang="en-US" dirty="0" err="1">
@@ -17769,7 +18348,7 @@
                   <a:srgbClr val="007DC3"/>
                 </a:solidFill>
               </a:rPr>
-              <a:t>Deals can be announced for more coins</a:t>
+              <a:t>Deals can be announced  for more coins</a:t>
             </a:r>
           </a:p>
           <a:p>
@@ -17783,8 +18362,134 @@
                   <a:srgbClr val="007DC3"/>
                 </a:solidFill>
               </a:rPr>
-              <a:t>Default coins can be setup by the application</a:t>
-            </a:r>
+              <a:t>Default coins can be setup/configured in the application. </a:t>
+            </a:r>
+          </a:p>
+          <a:p>
+            <a:pPr marL="873563" lvl="1" indent="-285750">
+              <a:buFontTx/>
+              <a:buChar char="-"/>
+            </a:pPr>
+            <a:endParaRPr lang="en-US" dirty="0">
+              <a:solidFill>
+                <a:srgbClr val="007DC3"/>
+              </a:solidFill>
+            </a:endParaRPr>
+          </a:p>
+          <a:p>
+            <a:pPr marL="873563" lvl="1" indent="-285750">
+              <a:buFont typeface="Arial" panose="020B0604020202020204" pitchFamily="34" charset="0"/>
+              <a:buChar char="•"/>
+            </a:pPr>
+            <a:r>
+              <a:rPr lang="en-US" b="1" dirty="0">
+                <a:solidFill>
+                  <a:srgbClr val="007DC3"/>
+                </a:solidFill>
+              </a:rPr>
+              <a:t>Performance score-card </a:t>
+            </a:r>
+            <a:r>
+              <a:rPr lang="en-US" dirty="0">
+                <a:solidFill>
+                  <a:srgbClr val="007DC3"/>
+                </a:solidFill>
+              </a:rPr>
+              <a:t>allow </a:t>
+            </a:r>
+            <a:r>
+              <a:rPr lang="en-US" b="1" dirty="0">
+                <a:solidFill>
+                  <a:srgbClr val="007DC3"/>
+                </a:solidFill>
+              </a:rPr>
+              <a:t>management</a:t>
+            </a:r>
+            <a:r>
+              <a:rPr lang="en-US" dirty="0">
+                <a:solidFill>
+                  <a:srgbClr val="007DC3"/>
+                </a:solidFill>
+              </a:rPr>
+              <a:t> to collate, analyze and view the performance across the team. </a:t>
+            </a:r>
+          </a:p>
+          <a:p>
+            <a:pPr marL="587813" lvl="1"/>
+            <a:r>
+              <a:rPr lang="en-US" dirty="0">
+                <a:solidFill>
+                  <a:srgbClr val="007DC3"/>
+                </a:solidFill>
+              </a:rPr>
+              <a:t>-    System calculated automated process.</a:t>
+            </a:r>
+          </a:p>
+          <a:p>
+            <a:pPr marL="873563" lvl="1" indent="-285750">
+              <a:buFontTx/>
+              <a:buChar char="-"/>
+            </a:pPr>
+            <a:r>
+              <a:rPr lang="en-US" dirty="0">
+                <a:solidFill>
+                  <a:srgbClr val="007DC3"/>
+                </a:solidFill>
+              </a:rPr>
+              <a:t>Velocity/Performance, Timeliness are attributes to measure.</a:t>
+            </a:r>
+          </a:p>
+          <a:p>
+            <a:pPr marL="587813" lvl="1"/>
+            <a:r>
+              <a:rPr lang="en-US" dirty="0">
+                <a:solidFill>
+                  <a:srgbClr val="007DC3"/>
+                </a:solidFill>
+              </a:rPr>
+              <a:t>	1. Performance can be determined based on # of feedbacks, appreciations, tasks and course completion.</a:t>
+            </a:r>
+          </a:p>
+          <a:p>
+            <a:pPr marL="587813" lvl="1"/>
+            <a:r>
+              <a:rPr lang="en-US" dirty="0">
+                <a:solidFill>
+                  <a:srgbClr val="007DC3"/>
+                </a:solidFill>
+              </a:rPr>
+              <a:t>	2. Timeliness is how much time it takes to close the appraisal for that team.</a:t>
+            </a:r>
+          </a:p>
+          <a:p>
+            <a:pPr marL="873563" lvl="1" indent="-285750">
+              <a:buFontTx/>
+              <a:buChar char="-"/>
+            </a:pPr>
+            <a:endParaRPr lang="en-US" dirty="0">
+              <a:solidFill>
+                <a:srgbClr val="007DC3"/>
+              </a:solidFill>
+            </a:endParaRPr>
+          </a:p>
+          <a:p>
+            <a:pPr marL="587813" lvl="1"/>
+            <a:endParaRPr lang="en-US" dirty="0">
+              <a:solidFill>
+                <a:srgbClr val="007DC3"/>
+              </a:solidFill>
+            </a:endParaRPr>
+          </a:p>
+          <a:p>
+            <a:pPr marL="873563" lvl="1" indent="-285750">
+              <a:buFont typeface="Arial" panose="020B0604020202020204" pitchFamily="34" charset="0"/>
+              <a:buChar char="•"/>
+            </a:pPr>
+            <a:endParaRPr lang="en-US" dirty="0">
+              <a:solidFill>
+                <a:srgbClr val="007DC3"/>
+              </a:solidFill>
+            </a:endParaRPr>
           </a:p>
         </p:txBody>
       </p:sp>
@@ -17802,7 +18507,7 @@
 </p:sld>
 </file>
 
-<file path=ppt/slides/slide17.xml><?xml version="1.0" encoding="utf-8"?>
+<file path=ppt/slides/slide18.xml><?xml version="1.0" encoding="utf-8"?>
 <p:sld xmlns:a="http://schemas.openxmlformats.org/drawingml/2006/main" xmlns:r="http://schemas.openxmlformats.org/officeDocument/2006/relationships" xmlns:p="http://schemas.openxmlformats.org/presentationml/2006/main">
   <p:cSld>
     <p:spTree>
@@ -18290,7 +18995,7 @@
 </p:sld>
 </file>
 
-<file path=ppt/slides/slide18.xml><?xml version="1.0" encoding="utf-8"?>
+<file path=ppt/slides/slide19.xml><?xml version="1.0" encoding="utf-8"?>
 <p:sld xmlns:a="http://schemas.openxmlformats.org/drawingml/2006/main" xmlns:r="http://schemas.openxmlformats.org/officeDocument/2006/relationships" xmlns:p="http://schemas.openxmlformats.org/presentationml/2006/main">
   <p:cSld>
     <p:spTree>
@@ -19940,14 +20645,14 @@
           <p:nvPr>
             <p:extLst>
               <p:ext uri="{D42A27DB-BD31-4B8C-83A1-F6EECF244321}">
-                <p14:modId xmlns:p14="http://schemas.microsoft.com/office/powerpoint/2010/main" val="1629493318"/>
+                <p14:modId xmlns:p14="http://schemas.microsoft.com/office/powerpoint/2010/main" val="3262859301"/>
               </p:ext>
             </p:extLst>
           </p:nvPr>
         </p:nvGraphicFramePr>
         <p:xfrm>
           <a:off x="263923" y="394383"/>
-          <a:ext cx="11763953" cy="5717592"/>
+          <a:ext cx="11763953" cy="6466662"/>
         </p:xfrm>
         <a:graphic>
           <a:graphicData uri="http://schemas.openxmlformats.org/drawingml/2006/table">
@@ -20129,7 +20834,7 @@
                       </a:r>
                       <a:r>
                         <a:rPr lang="en-US" dirty="0"/>
-                        <a:t>for course completion, so that </a:t>
+                        <a:t>for course completion, task etc. so that </a:t>
                       </a:r>
                       <a:r>
                         <a:rPr lang="en-US" dirty="0" err="1"/>
@@ -20169,15 +20874,23 @@
                     <a:lstStyle/>
                     <a:p>
                       <a:r>
-                        <a:rPr lang="en-US" dirty="0"/>
-                        <a:t>Automated notifications can be sent to the employees if </a:t>
+                        <a:rPr lang="en-US" b="1" dirty="0"/>
+                        <a:t>Automated notifications </a:t>
                       </a:r>
                       <a:r>
-                        <a:rPr lang="en-US" dirty="0" err="1"/>
+                        <a:rPr lang="en-US" dirty="0"/>
+                        <a:t>can be sent to the employees </a:t>
+                      </a:r>
+                      <a:r>
+                        <a:rPr lang="en-US" b="1" dirty="0"/>
+                        <a:t>if </a:t>
+                      </a:r>
+                      <a:r>
+                        <a:rPr lang="en-US" b="1" dirty="0" err="1"/>
                         <a:t>iCount</a:t>
                       </a:r>
                       <a:r>
-                        <a:rPr lang="en-US" dirty="0"/>
+                        <a:rPr lang="en-US" b="1" dirty="0"/>
                         <a:t> is not updated frequently</a:t>
                       </a:r>
                     </a:p>
@@ -20317,8 +21030,20 @@
                         <a:t>Deals can be announced </a:t>
                       </a:r>
                       <a:r>
+                        <a:rPr lang="en-US" b="0" dirty="0"/>
+                        <a:t>through </a:t>
+                      </a:r>
+                      <a:r>
+                        <a:rPr lang="en-US" b="1" dirty="0"/>
+                        <a:t>campaign management</a:t>
+                      </a:r>
+                      <a:r>
+                        <a:rPr lang="en-US" b="0" dirty="0"/>
+                        <a:t> </a:t>
+                      </a:r>
+                      <a:r>
                         <a:rPr lang="en-US" dirty="0"/>
-                        <a:t>and </a:t>
+                        <a:t>and more </a:t>
                       </a:r>
                       <a:r>
                         <a:rPr lang="en-US" b="1" dirty="0"/>
@@ -20326,7 +21051,7 @@
                       </a:r>
                       <a:r>
                         <a:rPr lang="en-US" dirty="0"/>
-                        <a:t> will be accumulated</a:t>
+                        <a:t> can be accumulated by the employees for specific duration.</a:t>
                       </a:r>
                     </a:p>
                   </a:txBody>
@@ -20372,11 +21097,11 @@
                       </a:r>
                       <a:r>
                         <a:rPr lang="en-US" dirty="0" err="1"/>
-                        <a:t>iStore</a:t>
+                        <a:t>iCount</a:t>
                       </a:r>
                       <a:r>
                         <a:rPr lang="en-US" dirty="0"/>
-                        <a:t> at all.</a:t>
+                        <a:t> capabilities for certain duration.</a:t>
                       </a:r>
                     </a:p>
                   </a:txBody>
@@ -20413,7 +21138,7 @@
                       </a:r>
                       <a:r>
                         <a:rPr lang="en-US" dirty="0"/>
-                        <a:t>by providing feedback/course completion/uploading appreciation</a:t>
+                        <a:t>by providing feedback/completing course-trainings/uploading appreciations etc.</a:t>
                       </a:r>
                     </a:p>
                   </a:txBody>
@@ -20715,14 +21440,14 @@
           <p:nvPr>
             <p:extLst>
               <p:ext uri="{D42A27DB-BD31-4B8C-83A1-F6EECF244321}">
-                <p14:modId xmlns:p14="http://schemas.microsoft.com/office/powerpoint/2010/main" val="3949321164"/>
+                <p14:modId xmlns:p14="http://schemas.microsoft.com/office/powerpoint/2010/main" val="3898311754"/>
               </p:ext>
             </p:extLst>
           </p:nvPr>
         </p:nvGraphicFramePr>
         <p:xfrm>
           <a:off x="330956" y="809449"/>
-          <a:ext cx="11496667" cy="2895423"/>
+          <a:ext cx="11496667" cy="3535503"/>
         </p:xfrm>
         <a:graphic>
           <a:graphicData uri="http://schemas.openxmlformats.org/drawingml/2006/table">
@@ -20800,7 +21525,7 @@
                     <a:p>
                       <a:r>
                         <a:rPr lang="en-US" dirty="0"/>
-                        <a:t>Employees get and receive </a:t>
+                        <a:t>Employees send or receive </a:t>
                       </a:r>
                       <a:r>
                         <a:rPr lang="en-US" b="1" dirty="0"/>
@@ -20834,11 +21559,27 @@
                     <a:p>
                       <a:r>
                         <a:rPr lang="en-US" dirty="0"/>
-                        <a:t>Employees can choose to make feedback and </a:t>
+                        <a:t>Employees can restrict </a:t>
                       </a:r>
                       <a:r>
                         <a:rPr lang="en-US" b="1" dirty="0"/>
-                        <a:t>achievements public/private</a:t>
+                        <a:t>feedback</a:t>
+                      </a:r>
+                      <a:r>
+                        <a:rPr lang="en-US" dirty="0"/>
+                        <a:t> and </a:t>
+                      </a:r>
+                      <a:r>
+                        <a:rPr lang="en-US" b="1" dirty="0"/>
+                        <a:t>achievements </a:t>
+                      </a:r>
+                      <a:r>
+                        <a:rPr lang="en-US" b="0" dirty="0"/>
+                        <a:t>visibility</a:t>
+                      </a:r>
+                      <a:r>
+                        <a:rPr lang="en-US" b="1" dirty="0"/>
+                        <a:t> public/private</a:t>
                       </a:r>
                     </a:p>
                   </a:txBody>
@@ -20868,7 +21609,7 @@
                     <a:p>
                       <a:r>
                         <a:rPr lang="en-US" dirty="0"/>
-                        <a:t>Course/task completion status will be updated on real-time</a:t>
+                        <a:t>Course/task completion status will be updated in real-time</a:t>
                       </a:r>
                     </a:p>
                   </a:txBody>
@@ -20919,7 +21660,7 @@
                 </a:extLst>
               </a:tr>
               <a:tr h="327007">
-                <a:tc>
+                <a:tc rowSpan="3">
                   <a:txBody>
                     <a:bodyPr/>
                     <a:lstStyle/>
@@ -20952,7 +21693,7 @@
                 </a:extLst>
               </a:tr>
               <a:tr h="327007">
-                <a:tc>
+                <a:tc vMerge="1">
                   <a:txBody>
                     <a:bodyPr/>
                     <a:lstStyle/>
@@ -20982,6 +21723,40 @@
                 <a:extLst>
                   <a:ext uri="{0D108BD9-81ED-4DB2-BD59-A6C34878D82A}">
                     <a16:rowId xmlns:a16="http://schemas.microsoft.com/office/drawing/2014/main" val="560340546"/>
+                  </a:ext>
+                </a:extLst>
+              </a:tr>
+              <a:tr h="327007">
+                <a:tc vMerge="1">
+                  <a:txBody>
+                    <a:bodyPr/>
+                    <a:lstStyle/>
+                    <a:p>
+                      <a:endParaRPr lang="en-US" dirty="0"/>
+                    </a:p>
+                  </a:txBody>
+                  <a:tcPr/>
+                </a:tc>
+                <a:tc>
+                  <a:txBody>
+                    <a:bodyPr/>
+                    <a:lstStyle/>
+                    <a:p>
+                      <a:r>
+                        <a:rPr lang="en-US" b="1" dirty="0"/>
+                        <a:t>Performance score-card </a:t>
+                      </a:r>
+                      <a:r>
+                        <a:rPr lang="en-US" dirty="0"/>
+                        <a:t>allow management to collate and analyze the performance across the team.</a:t>
+                      </a:r>
+                    </a:p>
+                  </a:txBody>
+                  <a:tcPr/>
+                </a:tc>
+                <a:extLst>
+                  <a:ext uri="{0D108BD9-81ED-4DB2-BD59-A6C34878D82A}">
+                    <a16:rowId xmlns:a16="http://schemas.microsoft.com/office/drawing/2014/main" val="627218900"/>
                   </a:ext>
                 </a:extLst>
               </a:tr>
@@ -22312,25 +23087,17 @@
                   <a:srgbClr val="0070C0"/>
                 </a:solidFill>
               </a:rPr>
-              <a:t>We have used following Technologies for each of these components. This is a Hybrid application</a:t>
-            </a:r>
-          </a:p>
-          <a:p>
-            <a:r>
-              <a:rPr lang="en-US" dirty="0">
-                <a:solidFill>
-                  <a:srgbClr val="0070C0"/>
-                </a:solidFill>
-              </a:rPr>
-              <a:t> </a:t>
-            </a:r>
+              <a:t>This is a Hybrid application and we have used following Technologies for each of these components. </a:t>
+            </a:r>
+          </a:p>
+          <a:p>
             <a:r>
               <a:rPr lang="en-US" b="1" dirty="0">
                 <a:solidFill>
                   <a:srgbClr val="0070C0"/>
                 </a:solidFill>
               </a:rPr>
-              <a:t>App specific connectors </a:t>
+              <a:t> App specific connectors </a:t>
             </a:r>
             <a:r>
               <a:rPr lang="en-US" dirty="0">
@@ -22359,20 +23126,12 @@
           </a:p>
           <a:p>
             <a:r>
-              <a:rPr lang="en-US" dirty="0">
-                <a:solidFill>
-                  <a:srgbClr val="0070C0"/>
-                </a:solidFill>
-              </a:rPr>
-              <a:t> </a:t>
-            </a:r>
-            <a:r>
               <a:rPr lang="en-US" b="1" dirty="0">
                 <a:solidFill>
                   <a:srgbClr val="0070C0"/>
                 </a:solidFill>
               </a:rPr>
-              <a:t>Adapter-Service (AS) </a:t>
+              <a:t> Adapter-Service (AS) </a:t>
             </a:r>
             <a:r>
               <a:rPr lang="en-US" dirty="0">
@@ -22674,7 +23433,7 @@
                 </a:solidFill>
                 <a:latin typeface="+mn-lt"/>
               </a:rPr>
-              <a:t> : Connectors push data to adapter and it is application specific. User use these service to Push MS Outlook / Messenger data to pipeline.</a:t>
+              <a:t> : Connectors push data to adapter and it is application specific. User use connectors to Push MS Outlook / Messenger data to pipeline.</a:t>
             </a:r>
           </a:p>
           <a:p>
@@ -22704,7 +23463,7 @@
                 </a:solidFill>
                 <a:latin typeface="+mn-lt"/>
               </a:rPr>
-              <a:t>If the message is compliant then user can push such text to cloud pipeline for </a:t>
+              <a:t>If the message is compliant then user can push such text to the pipeline on cloud for </a:t>
             </a:r>
             <a:r>
               <a:rPr lang="en-US" dirty="0" err="1">
@@ -22857,7 +23616,25 @@
                 </a:solidFill>
                 <a:latin typeface="+mn-lt"/>
               </a:rPr>
-              <a:t>- Appreciation and Feedback can be captured using UI as well. The links will be shared in notification emails.</a:t>
+              <a:t>- Appreciation and Feedback can be captured using UI as well. The links will be shared via </a:t>
+            </a:r>
+            <a:r>
+              <a:rPr lang="en-US" dirty="0" err="1">
+                <a:solidFill>
+                  <a:srgbClr val="007DC3"/>
+                </a:solidFill>
+                <a:latin typeface="+mn-lt"/>
+              </a:rPr>
+              <a:t>todo</a:t>
+            </a:r>
+            <a:r>
+              <a:rPr lang="en-US" dirty="0">
+                <a:solidFill>
+                  <a:srgbClr val="007DC3"/>
+                </a:solidFill>
+                <a:latin typeface="+mn-lt"/>
+              </a:rPr>
+              <a:t>-notification emails.</a:t>
             </a:r>
           </a:p>
           <a:p>

--- a/iSolve-iCount-Hackathon_Solution.pptx
+++ b/iSolve-iCount-Hackathon_Solution.pptx
@@ -15945,7 +15945,25 @@
                 </a:solidFill>
                 <a:latin typeface="+mn-lt"/>
               </a:rPr>
-              <a:t>Employee can acquire coins for providing and receiving feedback, appreciation, completing course etc. Accumulated coins of a specific duration can be redeemed in </a:t>
+              <a:t>Employee can acquire </a:t>
+            </a:r>
+            <a:r>
+              <a:rPr lang="en-US" sz="1800">
+                <a:solidFill>
+                  <a:srgbClr val="007DC3"/>
+                </a:solidFill>
+                <a:latin typeface="+mn-lt"/>
+              </a:rPr>
+              <a:t>coins by </a:t>
+            </a:r>
+            <a:r>
+              <a:rPr lang="en-US" sz="1800" dirty="0">
+                <a:solidFill>
+                  <a:srgbClr val="007DC3"/>
+                </a:solidFill>
+                <a:latin typeface="+mn-lt"/>
+              </a:rPr>
+              <a:t>providing and receiving feedback, appreciation, completing course etc. Accumulated coins of a specific duration can be redeemed in </a:t>
             </a:r>
             <a:r>
               <a:rPr lang="en-US" sz="1800" dirty="0" err="1">

--- a/iSolve-iCount-Hackathon_Solution.pptx
+++ b/iSolve-iCount-Hackathon_Solution.pptx
@@ -6,28 +6,29 @@
     <p:sldMasterId id="2147483663" r:id="rId2"/>
   </p:sldMasterIdLst>
   <p:notesMasterIdLst>
-    <p:notesMasterId r:id="rId22"/>
+    <p:notesMasterId r:id="rId23"/>
   </p:notesMasterIdLst>
   <p:sldIdLst>
     <p:sldId id="266" r:id="rId3"/>
     <p:sldId id="264" r:id="rId4"/>
-    <p:sldId id="258" r:id="rId5"/>
-    <p:sldId id="279" r:id="rId6"/>
-    <p:sldId id="269" r:id="rId7"/>
-    <p:sldId id="274" r:id="rId8"/>
-    <p:sldId id="259" r:id="rId9"/>
-    <p:sldId id="270" r:id="rId10"/>
-    <p:sldId id="278" r:id="rId11"/>
-    <p:sldId id="267" r:id="rId12"/>
-    <p:sldId id="276" r:id="rId13"/>
-    <p:sldId id="277" r:id="rId14"/>
-    <p:sldId id="284" r:id="rId15"/>
-    <p:sldId id="283" r:id="rId16"/>
-    <p:sldId id="282" r:id="rId17"/>
-    <p:sldId id="280" r:id="rId18"/>
-    <p:sldId id="281" r:id="rId19"/>
-    <p:sldId id="268" r:id="rId20"/>
-    <p:sldId id="265" r:id="rId21"/>
+    <p:sldId id="285" r:id="rId5"/>
+    <p:sldId id="258" r:id="rId6"/>
+    <p:sldId id="279" r:id="rId7"/>
+    <p:sldId id="269" r:id="rId8"/>
+    <p:sldId id="274" r:id="rId9"/>
+    <p:sldId id="259" r:id="rId10"/>
+    <p:sldId id="270" r:id="rId11"/>
+    <p:sldId id="278" r:id="rId12"/>
+    <p:sldId id="267" r:id="rId13"/>
+    <p:sldId id="276" r:id="rId14"/>
+    <p:sldId id="277" r:id="rId15"/>
+    <p:sldId id="284" r:id="rId16"/>
+    <p:sldId id="283" r:id="rId17"/>
+    <p:sldId id="282" r:id="rId18"/>
+    <p:sldId id="280" r:id="rId19"/>
+    <p:sldId id="281" r:id="rId20"/>
+    <p:sldId id="268" r:id="rId21"/>
+    <p:sldId id="265" r:id="rId22"/>
   </p:sldIdLst>
   <p:sldSz cx="12192000" cy="6858000"/>
   <p:notesSz cx="6858000" cy="9144000"/>
@@ -14339,6 +14340,491 @@
                 <a:latin typeface="+mn-lt"/>
                 <a:sym typeface="Calibri"/>
               </a:rPr>
+              <a:t>Technical Solution</a:t>
+            </a:r>
+          </a:p>
+        </p:txBody>
+      </p:sp>
+      <p:sp>
+        <p:nvSpPr>
+          <p:cNvPr id="2" name="Text Placeholder 1"/>
+          <p:cNvSpPr>
+            <a:spLocks noGrp="1"/>
+          </p:cNvSpPr>
+          <p:nvPr>
+            <p:ph type="body" sz="quarter" idx="10"/>
+          </p:nvPr>
+        </p:nvSpPr>
+        <p:spPr>
+          <a:xfrm>
+            <a:off x="183464" y="804333"/>
+            <a:ext cx="11744612" cy="5651885"/>
+          </a:xfrm>
+        </p:spPr>
+        <p:txBody>
+          <a:bodyPr>
+            <a:normAutofit/>
+          </a:bodyPr>
+          <a:lstStyle/>
+          <a:p>
+            <a:pPr marL="587813" lvl="1" indent="0">
+              <a:buNone/>
+            </a:pPr>
+            <a:r>
+              <a:rPr lang="en-US" b="1" u="sng" dirty="0">
+                <a:solidFill>
+                  <a:srgbClr val="007DC3"/>
+                </a:solidFill>
+                <a:latin typeface="+mn-lt"/>
+              </a:rPr>
+              <a:t>Connector</a:t>
+            </a:r>
+            <a:r>
+              <a:rPr lang="en-US" dirty="0">
+                <a:solidFill>
+                  <a:srgbClr val="007DC3"/>
+                </a:solidFill>
+                <a:latin typeface="+mn-lt"/>
+              </a:rPr>
+              <a:t> : Connectors push data to adapter and it is application specific. User use connectors to Push MS Outlook / Messenger data to pipeline.</a:t>
+            </a:r>
+          </a:p>
+          <a:p>
+            <a:pPr marL="873563" lvl="1" indent="-285750">
+              <a:buFontTx/>
+              <a:buChar char="-"/>
+            </a:pPr>
+            <a:r>
+              <a:rPr lang="en-US" dirty="0">
+                <a:solidFill>
+                  <a:srgbClr val="007DC3"/>
+                </a:solidFill>
+                <a:latin typeface="+mn-lt"/>
+              </a:rPr>
+              <a:t>It parse the message and attachments and check for its compliance.</a:t>
+            </a:r>
+          </a:p>
+          <a:p>
+            <a:pPr marL="873563" lvl="1" indent="-285750">
+              <a:buFontTx/>
+              <a:buChar char="-"/>
+            </a:pPr>
+            <a:r>
+              <a:rPr lang="en-US" dirty="0">
+                <a:solidFill>
+                  <a:srgbClr val="007DC3"/>
+                </a:solidFill>
+                <a:latin typeface="+mn-lt"/>
+              </a:rPr>
+              <a:t>If the message is compliant then user can push such text to the pipeline on cloud for </a:t>
+            </a:r>
+            <a:r>
+              <a:rPr lang="en-US" dirty="0" err="1">
+                <a:solidFill>
+                  <a:srgbClr val="007DC3"/>
+                </a:solidFill>
+                <a:latin typeface="+mn-lt"/>
+              </a:rPr>
+              <a:t>iCount</a:t>
+            </a:r>
+            <a:r>
+              <a:rPr lang="en-US" dirty="0">
+                <a:solidFill>
+                  <a:srgbClr val="007DC3"/>
+                </a:solidFill>
+                <a:latin typeface="+mn-lt"/>
+              </a:rPr>
+              <a:t> consumption. Here is one example </a:t>
+            </a:r>
+            <a:r>
+              <a:rPr lang="en-US" b="1" dirty="0">
+                <a:solidFill>
+                  <a:srgbClr val="007DC3"/>
+                </a:solidFill>
+                <a:latin typeface="+mn-lt"/>
+              </a:rPr>
+              <a:t>outlook-connector</a:t>
+            </a:r>
+          </a:p>
+          <a:p>
+            <a:pPr marL="587813" lvl="1" indent="0">
+              <a:buNone/>
+            </a:pPr>
+            <a:endParaRPr lang="en-US" dirty="0">
+              <a:solidFill>
+                <a:srgbClr val="007DC3"/>
+              </a:solidFill>
+              <a:latin typeface="+mn-lt"/>
+            </a:endParaRPr>
+          </a:p>
+          <a:p>
+            <a:pPr marL="587813" lvl="1" indent="0">
+              <a:buNone/>
+            </a:pPr>
+            <a:endParaRPr lang="en-US" dirty="0">
+              <a:solidFill>
+                <a:srgbClr val="007DC3"/>
+              </a:solidFill>
+              <a:latin typeface="+mn-lt"/>
+            </a:endParaRPr>
+          </a:p>
+          <a:p>
+            <a:pPr marL="770693" lvl="1" indent="-182880"/>
+            <a:endParaRPr lang="en-US" dirty="0">
+              <a:solidFill>
+                <a:srgbClr val="007DC3"/>
+              </a:solidFill>
+              <a:latin typeface="+mn-lt"/>
+            </a:endParaRPr>
+          </a:p>
+          <a:p>
+            <a:pPr marL="770693" lvl="1" indent="-182880"/>
+            <a:endParaRPr lang="en-US" dirty="0">
+              <a:solidFill>
+                <a:srgbClr val="007DC3"/>
+              </a:solidFill>
+              <a:latin typeface="+mn-lt"/>
+            </a:endParaRPr>
+          </a:p>
+          <a:p>
+            <a:pPr marL="770693" lvl="1" indent="-182880"/>
+            <a:endParaRPr lang="en-US" dirty="0">
+              <a:solidFill>
+                <a:srgbClr val="007DC3"/>
+              </a:solidFill>
+              <a:latin typeface="+mn-lt"/>
+            </a:endParaRPr>
+          </a:p>
+          <a:p>
+            <a:pPr marL="770693" lvl="1" indent="-182880"/>
+            <a:endParaRPr lang="en-US" dirty="0">
+              <a:solidFill>
+                <a:srgbClr val="007DC3"/>
+              </a:solidFill>
+              <a:latin typeface="+mn-lt"/>
+            </a:endParaRPr>
+          </a:p>
+          <a:p>
+            <a:pPr marL="770693" lvl="1" indent="-182880"/>
+            <a:endParaRPr lang="en-US" dirty="0">
+              <a:solidFill>
+                <a:srgbClr val="007DC3"/>
+              </a:solidFill>
+              <a:latin typeface="+mn-lt"/>
+            </a:endParaRPr>
+          </a:p>
+          <a:p>
+            <a:pPr marL="770693" lvl="1" indent="-182880"/>
+            <a:endParaRPr lang="en-US" dirty="0">
+              <a:solidFill>
+                <a:srgbClr val="007DC3"/>
+              </a:solidFill>
+              <a:latin typeface="+mn-lt"/>
+            </a:endParaRPr>
+          </a:p>
+          <a:p>
+            <a:pPr marL="770693" lvl="1" indent="-182880"/>
+            <a:endParaRPr lang="en-US" dirty="0">
+              <a:solidFill>
+                <a:srgbClr val="007DC3"/>
+              </a:solidFill>
+              <a:latin typeface="+mn-lt"/>
+            </a:endParaRPr>
+          </a:p>
+          <a:p>
+            <a:pPr marL="770693" lvl="1" indent="-182880"/>
+            <a:endParaRPr lang="en-US" dirty="0">
+              <a:solidFill>
+                <a:srgbClr val="007DC3"/>
+              </a:solidFill>
+              <a:latin typeface="+mn-lt"/>
+            </a:endParaRPr>
+          </a:p>
+          <a:p>
+            <a:pPr marL="770693" lvl="1" indent="-182880"/>
+            <a:endParaRPr lang="en-US" dirty="0">
+              <a:solidFill>
+                <a:srgbClr val="007DC3"/>
+              </a:solidFill>
+              <a:latin typeface="+mn-lt"/>
+            </a:endParaRPr>
+          </a:p>
+          <a:p>
+            <a:pPr marL="770693" lvl="1" indent="-182880"/>
+            <a:endParaRPr lang="en-US" dirty="0">
+              <a:solidFill>
+                <a:srgbClr val="007DC3"/>
+              </a:solidFill>
+              <a:latin typeface="+mn-lt"/>
+            </a:endParaRPr>
+          </a:p>
+          <a:p>
+            <a:pPr marL="587813" lvl="1" indent="0">
+              <a:buNone/>
+            </a:pPr>
+            <a:r>
+              <a:rPr lang="en-US" dirty="0">
+                <a:solidFill>
+                  <a:srgbClr val="007DC3"/>
+                </a:solidFill>
+                <a:latin typeface="+mn-lt"/>
+              </a:rPr>
+              <a:t>- Appreciation and Feedback can be captured using UI as well. The links will be shared via </a:t>
+            </a:r>
+            <a:r>
+              <a:rPr lang="en-US" dirty="0" err="1">
+                <a:solidFill>
+                  <a:srgbClr val="007DC3"/>
+                </a:solidFill>
+                <a:latin typeface="+mn-lt"/>
+              </a:rPr>
+              <a:t>todo</a:t>
+            </a:r>
+            <a:r>
+              <a:rPr lang="en-US" dirty="0">
+                <a:solidFill>
+                  <a:srgbClr val="007DC3"/>
+                </a:solidFill>
+                <a:latin typeface="+mn-lt"/>
+              </a:rPr>
+              <a:t>-notification emails.</a:t>
+            </a:r>
+          </a:p>
+          <a:p>
+            <a:pPr marL="770693" lvl="1" indent="-182880"/>
+            <a:endParaRPr lang="en-US" dirty="0">
+              <a:solidFill>
+                <a:srgbClr val="007DC3"/>
+              </a:solidFill>
+              <a:latin typeface="+mn-lt"/>
+            </a:endParaRPr>
+          </a:p>
+          <a:p>
+            <a:pPr marL="770693" lvl="1" indent="-182880"/>
+            <a:endParaRPr lang="en-US" dirty="0">
+              <a:solidFill>
+                <a:srgbClr val="007DC3"/>
+              </a:solidFill>
+              <a:latin typeface="+mn-lt"/>
+            </a:endParaRPr>
+          </a:p>
+          <a:p>
+            <a:pPr marL="770693" lvl="1" indent="-182880"/>
+            <a:endParaRPr lang="en-US" dirty="0">
+              <a:solidFill>
+                <a:srgbClr val="007DC3"/>
+              </a:solidFill>
+              <a:latin typeface="+mn-lt"/>
+            </a:endParaRPr>
+          </a:p>
+          <a:p>
+            <a:pPr marL="770693" lvl="1" indent="-182880"/>
+            <a:endParaRPr lang="en-US" dirty="0">
+              <a:solidFill>
+                <a:srgbClr val="007DC3"/>
+              </a:solidFill>
+              <a:latin typeface="+mn-lt"/>
+            </a:endParaRPr>
+          </a:p>
+          <a:p>
+            <a:pPr marL="770693" lvl="1" indent="-182880"/>
+            <a:endParaRPr lang="en-US" dirty="0">
+              <a:solidFill>
+                <a:srgbClr val="007DC3"/>
+              </a:solidFill>
+              <a:latin typeface="+mn-lt"/>
+            </a:endParaRPr>
+          </a:p>
+          <a:p>
+            <a:pPr marL="770693" lvl="1" indent="-182880"/>
+            <a:endParaRPr lang="en-US" dirty="0">
+              <a:solidFill>
+                <a:srgbClr val="007DC3"/>
+              </a:solidFill>
+              <a:latin typeface="+mn-lt"/>
+            </a:endParaRPr>
+          </a:p>
+          <a:p>
+            <a:pPr marL="770693" lvl="1" indent="-182880"/>
+            <a:endParaRPr lang="en-US" dirty="0">
+              <a:solidFill>
+                <a:srgbClr val="007DC3"/>
+              </a:solidFill>
+              <a:latin typeface="+mn-lt"/>
+            </a:endParaRPr>
+          </a:p>
+          <a:p>
+            <a:pPr marL="770693" lvl="1" indent="-182880"/>
+            <a:endParaRPr lang="en-US" dirty="0">
+              <a:solidFill>
+                <a:srgbClr val="007DC3"/>
+              </a:solidFill>
+              <a:latin typeface="+mn-lt"/>
+            </a:endParaRPr>
+          </a:p>
+          <a:p>
+            <a:pPr marL="770693" lvl="1" indent="-182880"/>
+            <a:endParaRPr lang="en-US" dirty="0">
+              <a:solidFill>
+                <a:srgbClr val="007DC3"/>
+              </a:solidFill>
+              <a:latin typeface="+mn-lt"/>
+            </a:endParaRPr>
+          </a:p>
+          <a:p>
+            <a:pPr marL="770693" lvl="1" indent="-182880"/>
+            <a:endParaRPr lang="en-US" dirty="0">
+              <a:solidFill>
+                <a:srgbClr val="007DC3"/>
+              </a:solidFill>
+              <a:latin typeface="+mn-lt"/>
+            </a:endParaRPr>
+          </a:p>
+          <a:p>
+            <a:pPr marL="770693" lvl="1" indent="-182880"/>
+            <a:endParaRPr lang="en-US" dirty="0">
+              <a:solidFill>
+                <a:srgbClr val="007DC3"/>
+              </a:solidFill>
+              <a:latin typeface="+mn-lt"/>
+            </a:endParaRPr>
+          </a:p>
+          <a:p>
+            <a:pPr marL="0" indent="0">
+              <a:buNone/>
+            </a:pPr>
+            <a:endParaRPr lang="en-US" sz="1600" dirty="0">
+              <a:solidFill>
+                <a:srgbClr val="007DC3"/>
+              </a:solidFill>
+              <a:latin typeface="+mn-lt"/>
+            </a:endParaRPr>
+          </a:p>
+          <a:p>
+            <a:pPr marL="0" indent="0">
+              <a:buNone/>
+            </a:pPr>
+            <a:endParaRPr lang="en-US" sz="1600" dirty="0">
+              <a:solidFill>
+                <a:srgbClr val="007DC3"/>
+              </a:solidFill>
+              <a:latin typeface="+mn-lt"/>
+            </a:endParaRPr>
+          </a:p>
+          <a:p>
+            <a:pPr marL="0" indent="0">
+              <a:buNone/>
+            </a:pPr>
+            <a:endParaRPr lang="en-US" sz="1600" dirty="0">
+              <a:solidFill>
+                <a:srgbClr val="007DC3"/>
+              </a:solidFill>
+              <a:latin typeface="+mn-lt"/>
+            </a:endParaRPr>
+          </a:p>
+        </p:txBody>
+      </p:sp>
+      <p:pic>
+        <p:nvPicPr>
+          <p:cNvPr id="4" name="Picture 3">
+            <a:extLst>
+              <a:ext uri="{FF2B5EF4-FFF2-40B4-BE49-F238E27FC236}">
+                <a16:creationId xmlns:a16="http://schemas.microsoft.com/office/drawing/2014/main" id="{7284AD6B-065D-4C6F-ABF2-47C1666A4BA3}"/>
+              </a:ext>
+            </a:extLst>
+          </p:cNvPr>
+          <p:cNvPicPr>
+            <a:picLocks noChangeAspect="1"/>
+          </p:cNvPicPr>
+          <p:nvPr/>
+        </p:nvPicPr>
+        <p:blipFill>
+          <a:blip r:embed="rId3">
+            <a:extLst>
+              <a:ext uri="{28A0092B-C50C-407E-A947-70E740481C1C}">
+                <a14:useLocalDpi xmlns:a14="http://schemas.microsoft.com/office/drawing/2010/main" val="0"/>
+              </a:ext>
+            </a:extLst>
+          </a:blip>
+          <a:stretch>
+            <a:fillRect/>
+          </a:stretch>
+        </p:blipFill>
+        <p:spPr>
+          <a:xfrm>
+            <a:off x="798314" y="2126472"/>
+            <a:ext cx="10595372" cy="3311120"/>
+          </a:xfrm>
+          <a:prstGeom prst="rect">
+            <a:avLst/>
+          </a:prstGeom>
+        </p:spPr>
+        <p:style>
+          <a:lnRef idx="2">
+            <a:schemeClr val="dk1"/>
+          </a:lnRef>
+          <a:fillRef idx="1">
+            <a:schemeClr val="lt1"/>
+          </a:fillRef>
+          <a:effectRef idx="0">
+            <a:schemeClr val="dk1"/>
+          </a:effectRef>
+          <a:fontRef idx="minor">
+            <a:schemeClr val="dk1"/>
+          </a:fontRef>
+        </p:style>
+      </p:pic>
+    </p:spTree>
+    <p:extLst>
+      <p:ext uri="{BB962C8B-B14F-4D97-AF65-F5344CB8AC3E}">
+        <p14:creationId xmlns:p14="http://schemas.microsoft.com/office/powerpoint/2010/main" val="3669583563"/>
+      </p:ext>
+    </p:extLst>
+  </p:cSld>
+  <p:clrMapOvr>
+    <a:masterClrMapping/>
+  </p:clrMapOvr>
+  <p:transition spd="med"/>
+</p:sld>
+</file>
+
+<file path=ppt/slides/slide11.xml><?xml version="1.0" encoding="utf-8"?>
+<p:sld xmlns:a="http://schemas.openxmlformats.org/drawingml/2006/main" xmlns:r="http://schemas.openxmlformats.org/officeDocument/2006/relationships" xmlns:p="http://schemas.openxmlformats.org/presentationml/2006/main">
+  <p:cSld>
+    <p:spTree>
+      <p:nvGrpSpPr>
+        <p:cNvPr id="1" name=""/>
+        <p:cNvGrpSpPr/>
+        <p:nvPr/>
+      </p:nvGrpSpPr>
+      <p:grpSpPr>
+        <a:xfrm>
+          <a:off x="0" y="0"/>
+          <a:ext cx="0" cy="0"/>
+          <a:chOff x="0" y="0"/>
+          <a:chExt cx="0" cy="0"/>
+        </a:xfrm>
+      </p:grpSpPr>
+      <p:sp>
+        <p:nvSpPr>
+          <p:cNvPr id="374" name="Shape 374"/>
+          <p:cNvSpPr>
+            <a:spLocks noGrp="1"/>
+          </p:cNvSpPr>
+          <p:nvPr>
+            <p:ph type="title"/>
+          </p:nvPr>
+        </p:nvSpPr>
+        <p:spPr/>
+        <p:txBody>
+          <a:bodyPr/>
+          <a:lstStyle/>
+          <a:p>
+            <a:r>
+              <a:rPr lang="en-US" sz="2700" dirty="0">
+                <a:latin typeface="+mn-lt"/>
+                <a:sym typeface="Calibri"/>
+              </a:rPr>
               <a:t>Technical Solution Continued…</a:t>
             </a:r>
           </a:p>
@@ -15056,7 +15542,7 @@
 </p:sld>
 </file>
 
-<file path=ppt/slides/slide11.xml><?xml version="1.0" encoding="utf-8"?>
+<file path=ppt/slides/slide12.xml><?xml version="1.0" encoding="utf-8"?>
 <p:sld xmlns:a="http://schemas.openxmlformats.org/drawingml/2006/main" xmlns:r="http://schemas.openxmlformats.org/officeDocument/2006/relationships" xmlns:p="http://schemas.openxmlformats.org/presentationml/2006/main">
   <p:cSld>
     <p:spTree>
@@ -15412,7 +15898,7 @@
 </p:sld>
 </file>
 
-<file path=ppt/slides/slide12.xml><?xml version="1.0" encoding="utf-8"?>
+<file path=ppt/slides/slide13.xml><?xml version="1.0" encoding="utf-8"?>
 <p:sld xmlns:a="http://schemas.openxmlformats.org/drawingml/2006/main" xmlns:r="http://schemas.openxmlformats.org/officeDocument/2006/relationships" xmlns:p="http://schemas.openxmlformats.org/presentationml/2006/main">
   <p:cSld>
     <p:bg>
@@ -15873,7 +16359,7 @@
 </p:sld>
 </file>
 
-<file path=ppt/slides/slide13.xml><?xml version="1.0" encoding="utf-8"?>
+<file path=ppt/slides/slide14.xml><?xml version="1.0" encoding="utf-8"?>
 <p:sld xmlns:a="http://schemas.openxmlformats.org/drawingml/2006/main" xmlns:r="http://schemas.openxmlformats.org/officeDocument/2006/relationships" xmlns:p="http://schemas.openxmlformats.org/presentationml/2006/main">
   <p:cSld>
     <p:spTree>
@@ -16395,7 +16881,7 @@
 </p:sld>
 </file>
 
-<file path=ppt/slides/slide14.xml><?xml version="1.0" encoding="utf-8"?>
+<file path=ppt/slides/slide15.xml><?xml version="1.0" encoding="utf-8"?>
 <p:sld xmlns:a="http://schemas.openxmlformats.org/drawingml/2006/main" xmlns:r="http://schemas.openxmlformats.org/officeDocument/2006/relationships" xmlns:p="http://schemas.openxmlformats.org/presentationml/2006/main">
   <p:cSld>
     <p:spTree>
@@ -16845,7 +17331,7 @@
 </p:sld>
 </file>
 
-<file path=ppt/slides/slide15.xml><?xml version="1.0" encoding="utf-8"?>
+<file path=ppt/slides/slide16.xml><?xml version="1.0" encoding="utf-8"?>
 <p:sld xmlns:a="http://schemas.openxmlformats.org/drawingml/2006/main" xmlns:r="http://schemas.openxmlformats.org/officeDocument/2006/relationships" xmlns:p="http://schemas.openxmlformats.org/presentationml/2006/main">
   <p:cSld>
     <p:spTree>
@@ -17463,7 +17949,7 @@
 </p:sld>
 </file>
 
-<file path=ppt/slides/slide16.xml><?xml version="1.0" encoding="utf-8"?>
+<file path=ppt/slides/slide17.xml><?xml version="1.0" encoding="utf-8"?>
 <p:sld xmlns:a="http://schemas.openxmlformats.org/drawingml/2006/main" xmlns:r="http://schemas.openxmlformats.org/officeDocument/2006/relationships" xmlns:p="http://schemas.openxmlformats.org/presentationml/2006/main">
   <p:cSld>
     <p:spTree>
@@ -17843,7 +18329,7 @@
 </p:sld>
 </file>
 
-<file path=ppt/slides/slide17.xml><?xml version="1.0" encoding="utf-8"?>
+<file path=ppt/slides/slide18.xml><?xml version="1.0" encoding="utf-8"?>
 <p:sld xmlns:a="http://schemas.openxmlformats.org/drawingml/2006/main" xmlns:r="http://schemas.openxmlformats.org/officeDocument/2006/relationships" xmlns:p="http://schemas.openxmlformats.org/presentationml/2006/main">
   <p:cSld>
     <p:spTree>
@@ -18525,7 +19011,7 @@
 </p:sld>
 </file>
 
-<file path=ppt/slides/slide18.xml><?xml version="1.0" encoding="utf-8"?>
+<file path=ppt/slides/slide19.xml><?xml version="1.0" encoding="utf-8"?>
 <p:sld xmlns:a="http://schemas.openxmlformats.org/drawingml/2006/main" xmlns:r="http://schemas.openxmlformats.org/officeDocument/2006/relationships" xmlns:p="http://schemas.openxmlformats.org/presentationml/2006/main">
   <p:cSld>
     <p:spTree>
@@ -19003,65 +19489,6 @@
     <p:extLst>
       <p:ext uri="{BB962C8B-B14F-4D97-AF65-F5344CB8AC3E}">
         <p14:creationId xmlns:p14="http://schemas.microsoft.com/office/powerpoint/2010/main" val="3877860565"/>
-      </p:ext>
-    </p:extLst>
-  </p:cSld>
-  <p:clrMapOvr>
-    <a:masterClrMapping/>
-  </p:clrMapOvr>
-  <p:transition spd="med"/>
-</p:sld>
-</file>
-
-<file path=ppt/slides/slide19.xml><?xml version="1.0" encoding="utf-8"?>
-<p:sld xmlns:a="http://schemas.openxmlformats.org/drawingml/2006/main" xmlns:r="http://schemas.openxmlformats.org/officeDocument/2006/relationships" xmlns:p="http://schemas.openxmlformats.org/presentationml/2006/main">
-  <p:cSld>
-    <p:spTree>
-      <p:nvGrpSpPr>
-        <p:cNvPr id="1" name=""/>
-        <p:cNvGrpSpPr/>
-        <p:nvPr/>
-      </p:nvGrpSpPr>
-      <p:grpSpPr>
-        <a:xfrm>
-          <a:off x="0" y="0"/>
-          <a:ext cx="0" cy="0"/>
-          <a:chOff x="0" y="0"/>
-          <a:chExt cx="0" cy="0"/>
-        </a:xfrm>
-      </p:grpSpPr>
-      <p:sp>
-        <p:nvSpPr>
-          <p:cNvPr id="2" name="Title 1"/>
-          <p:cNvSpPr>
-            <a:spLocks noGrp="1"/>
-          </p:cNvSpPr>
-          <p:nvPr>
-            <p:ph type="title"/>
-          </p:nvPr>
-        </p:nvSpPr>
-        <p:spPr/>
-        <p:txBody>
-          <a:bodyPr/>
-          <a:lstStyle/>
-          <a:p>
-            <a:r>
-              <a:rPr lang="en-US" sz="4800" dirty="0">
-                <a:solidFill>
-                  <a:srgbClr val="007DC3"/>
-                </a:solidFill>
-                <a:latin typeface="+mn-lt"/>
-                <a:cs typeface="Arial" panose="020B0604020202020204" pitchFamily="34" charset="0"/>
-              </a:rPr>
-              <a:t>Thank You</a:t>
-            </a:r>
-          </a:p>
-        </p:txBody>
-      </p:sp>
-    </p:spTree>
-    <p:extLst>
-      <p:ext uri="{BB962C8B-B14F-4D97-AF65-F5344CB8AC3E}">
-        <p14:creationId xmlns:p14="http://schemas.microsoft.com/office/powerpoint/2010/main" val="3021781986"/>
       </p:ext>
     </p:extLst>
   </p:cSld>
@@ -20523,7 +20950,535 @@
 </p:sld>
 </file>
 
+<file path=ppt/slides/slide20.xml><?xml version="1.0" encoding="utf-8"?>
+<p:sld xmlns:a="http://schemas.openxmlformats.org/drawingml/2006/main" xmlns:r="http://schemas.openxmlformats.org/officeDocument/2006/relationships" xmlns:p="http://schemas.openxmlformats.org/presentationml/2006/main">
+  <p:cSld>
+    <p:spTree>
+      <p:nvGrpSpPr>
+        <p:cNvPr id="1" name=""/>
+        <p:cNvGrpSpPr/>
+        <p:nvPr/>
+      </p:nvGrpSpPr>
+      <p:grpSpPr>
+        <a:xfrm>
+          <a:off x="0" y="0"/>
+          <a:ext cx="0" cy="0"/>
+          <a:chOff x="0" y="0"/>
+          <a:chExt cx="0" cy="0"/>
+        </a:xfrm>
+      </p:grpSpPr>
+      <p:sp>
+        <p:nvSpPr>
+          <p:cNvPr id="2" name="Title 1"/>
+          <p:cNvSpPr>
+            <a:spLocks noGrp="1"/>
+          </p:cNvSpPr>
+          <p:nvPr>
+            <p:ph type="title"/>
+          </p:nvPr>
+        </p:nvSpPr>
+        <p:spPr/>
+        <p:txBody>
+          <a:bodyPr/>
+          <a:lstStyle/>
+          <a:p>
+            <a:r>
+              <a:rPr lang="en-US" sz="4800" dirty="0">
+                <a:solidFill>
+                  <a:srgbClr val="007DC3"/>
+                </a:solidFill>
+                <a:latin typeface="+mn-lt"/>
+                <a:cs typeface="Arial" panose="020B0604020202020204" pitchFamily="34" charset="0"/>
+              </a:rPr>
+              <a:t>Thank You</a:t>
+            </a:r>
+          </a:p>
+        </p:txBody>
+      </p:sp>
+    </p:spTree>
+    <p:extLst>
+      <p:ext uri="{BB962C8B-B14F-4D97-AF65-F5344CB8AC3E}">
+        <p14:creationId xmlns:p14="http://schemas.microsoft.com/office/powerpoint/2010/main" val="3021781986"/>
+      </p:ext>
+    </p:extLst>
+  </p:cSld>
+  <p:clrMapOvr>
+    <a:masterClrMapping/>
+  </p:clrMapOvr>
+  <p:transition spd="med"/>
+</p:sld>
+</file>
+
 <file path=ppt/slides/slide3.xml><?xml version="1.0" encoding="utf-8"?>
+<p:sld xmlns:a="http://schemas.openxmlformats.org/drawingml/2006/main" xmlns:r="http://schemas.openxmlformats.org/officeDocument/2006/relationships" xmlns:p="http://schemas.openxmlformats.org/presentationml/2006/main">
+  <p:cSld>
+    <p:spTree>
+      <p:nvGrpSpPr>
+        <p:cNvPr id="1" name=""/>
+        <p:cNvGrpSpPr/>
+        <p:nvPr/>
+      </p:nvGrpSpPr>
+      <p:grpSpPr>
+        <a:xfrm>
+          <a:off x="0" y="0"/>
+          <a:ext cx="0" cy="0"/>
+          <a:chOff x="0" y="0"/>
+          <a:chExt cx="0" cy="0"/>
+        </a:xfrm>
+      </p:grpSpPr>
+      <p:sp>
+        <p:nvSpPr>
+          <p:cNvPr id="2" name="Title 1"/>
+          <p:cNvSpPr>
+            <a:spLocks noGrp="1"/>
+          </p:cNvSpPr>
+          <p:nvPr>
+            <p:ph type="title"/>
+          </p:nvPr>
+        </p:nvSpPr>
+        <p:spPr/>
+        <p:txBody>
+          <a:bodyPr/>
+          <a:lstStyle/>
+          <a:p>
+            <a:r>
+              <a:rPr lang="en-US" sz="2800" dirty="0" err="1">
+                <a:latin typeface="Arial" panose="020B0604020202020204" pitchFamily="34" charset="0"/>
+                <a:cs typeface="Arial" panose="020B0604020202020204" pitchFamily="34" charset="0"/>
+              </a:rPr>
+              <a:t>iCount</a:t>
+            </a:r>
+            <a:r>
+              <a:rPr lang="en-US" sz="2800" dirty="0">
+                <a:latin typeface="Arial" panose="020B0604020202020204" pitchFamily="34" charset="0"/>
+                <a:cs typeface="Arial" panose="020B0604020202020204" pitchFamily="34" charset="0"/>
+              </a:rPr>
+              <a:t> New Features</a:t>
+            </a:r>
+          </a:p>
+        </p:txBody>
+      </p:sp>
+      <p:sp>
+        <p:nvSpPr>
+          <p:cNvPr id="4" name="Slide Number Placeholder 3"/>
+          <p:cNvSpPr>
+            <a:spLocks noGrp="1"/>
+          </p:cNvSpPr>
+          <p:nvPr>
+            <p:ph type="sldNum" sz="quarter" idx="2"/>
+          </p:nvPr>
+        </p:nvSpPr>
+        <p:spPr/>
+        <p:txBody>
+          <a:bodyPr/>
+          <a:lstStyle/>
+          <a:p>
+            <a:fld id="{86CB4B4D-7CA3-9044-876B-883B54F8677D}" type="slidenum">
+              <a:rPr lang="en-US" smtClean="0"/>
+              <a:pPr/>
+              <a:t>3</a:t>
+            </a:fld>
+            <a:endParaRPr lang="en-US" dirty="0"/>
+          </a:p>
+        </p:txBody>
+      </p:sp>
+      <p:graphicFrame>
+        <p:nvGraphicFramePr>
+          <p:cNvPr id="5" name="Table 4"/>
+          <p:cNvGraphicFramePr>
+            <a:graphicFrameLocks noGrp="1"/>
+          </p:cNvGraphicFramePr>
+          <p:nvPr>
+            <p:extLst>
+              <p:ext uri="{D42A27DB-BD31-4B8C-83A1-F6EECF244321}">
+                <p14:modId xmlns:p14="http://schemas.microsoft.com/office/powerpoint/2010/main" val="789802172"/>
+              </p:ext>
+            </p:extLst>
+          </p:nvPr>
+        </p:nvGraphicFramePr>
+        <p:xfrm>
+          <a:off x="280633" y="860521"/>
+          <a:ext cx="11630733" cy="3435774"/>
+        </p:xfrm>
+        <a:graphic>
+          <a:graphicData uri="http://schemas.openxmlformats.org/drawingml/2006/table">
+            <a:tbl>
+              <a:tblPr firstRow="1" bandRow="1">
+                <a:effectLst>
+                  <a:outerShdw blurRad="50800" dist="38100" dir="5400000" algn="t" rotWithShape="0">
+                    <a:prstClr val="black">
+                      <a:alpha val="40000"/>
+                    </a:prstClr>
+                  </a:outerShdw>
+                </a:effectLst>
+                <a:tableStyleId>{5C22544A-7EE6-4342-B048-85BDC9FD1C3A}</a:tableStyleId>
+              </a:tblPr>
+              <a:tblGrid>
+                <a:gridCol w="2985543">
+                  <a:extLst>
+                    <a:ext uri="{9D8B030D-6E8A-4147-A177-3AD203B41FA5}">
+                      <a16:colId xmlns:a16="http://schemas.microsoft.com/office/drawing/2014/main" val="20000"/>
+                    </a:ext>
+                  </a:extLst>
+                </a:gridCol>
+                <a:gridCol w="8645190">
+                  <a:extLst>
+                    <a:ext uri="{9D8B030D-6E8A-4147-A177-3AD203B41FA5}">
+                      <a16:colId xmlns:a16="http://schemas.microsoft.com/office/drawing/2014/main" val="20001"/>
+                    </a:ext>
+                  </a:extLst>
+                </a:gridCol>
+              </a:tblGrid>
+              <a:tr h="331693">
+                <a:tc>
+                  <a:txBody>
+                    <a:bodyPr/>
+                    <a:lstStyle/>
+                    <a:p>
+                      <a:r>
+                        <a:rPr lang="en-US" sz="1600" dirty="0">
+                          <a:latin typeface="Arial" panose="020B0604020202020204" pitchFamily="34" charset="0"/>
+                          <a:cs typeface="Arial" panose="020B0604020202020204" pitchFamily="34" charset="0"/>
+                        </a:rPr>
+                        <a:t>New Features</a:t>
+                      </a:r>
+                    </a:p>
+                  </a:txBody>
+                  <a:tcPr/>
+                </a:tc>
+                <a:tc>
+                  <a:txBody>
+                    <a:bodyPr/>
+                    <a:lstStyle/>
+                    <a:p>
+                      <a:r>
+                        <a:rPr lang="en-US" sz="1600" dirty="0">
+                          <a:latin typeface="Arial" panose="020B0604020202020204" pitchFamily="34" charset="0"/>
+                          <a:cs typeface="Arial" panose="020B0604020202020204" pitchFamily="34" charset="0"/>
+                        </a:rPr>
+                        <a:t>Description</a:t>
+                      </a:r>
+                      <a:r>
+                        <a:rPr lang="en-US" sz="1600" baseline="0" dirty="0">
+                          <a:latin typeface="Arial" panose="020B0604020202020204" pitchFamily="34" charset="0"/>
+                          <a:cs typeface="Arial" panose="020B0604020202020204" pitchFamily="34" charset="0"/>
+                        </a:rPr>
+                        <a:t> </a:t>
+                      </a:r>
+                      <a:endParaRPr lang="en-US" sz="1600" dirty="0">
+                        <a:latin typeface="Arial" panose="020B0604020202020204" pitchFamily="34" charset="0"/>
+                        <a:cs typeface="Arial" panose="020B0604020202020204" pitchFamily="34" charset="0"/>
+                      </a:endParaRPr>
+                    </a:p>
+                  </a:txBody>
+                  <a:tcPr/>
+                </a:tc>
+                <a:extLst>
+                  <a:ext uri="{0D108BD9-81ED-4DB2-BD59-A6C34878D82A}">
+                    <a16:rowId xmlns:a16="http://schemas.microsoft.com/office/drawing/2014/main" val="10000"/>
+                  </a:ext>
+                </a:extLst>
+              </a:tr>
+              <a:tr h="548722">
+                <a:tc>
+                  <a:txBody>
+                    <a:bodyPr/>
+                    <a:lstStyle/>
+                    <a:p>
+                      <a:r>
+                        <a:rPr lang="en-US" sz="1600" dirty="0">
+                          <a:latin typeface="Arial" panose="020B0604020202020204" pitchFamily="34" charset="0"/>
+                          <a:cs typeface="Arial" panose="020B0604020202020204" pitchFamily="34" charset="0"/>
+                        </a:rPr>
+                        <a:t>Connectors and Form UI</a:t>
+                      </a:r>
+                    </a:p>
+                  </a:txBody>
+                  <a:tcPr/>
+                </a:tc>
+                <a:tc>
+                  <a:txBody>
+                    <a:bodyPr/>
+                    <a:lstStyle/>
+                    <a:p>
+                      <a:r>
+                        <a:rPr lang="en-US" sz="1600" dirty="0">
+                          <a:latin typeface="Arial" panose="020B0604020202020204" pitchFamily="34" charset="0"/>
+                          <a:cs typeface="Arial" panose="020B0604020202020204" pitchFamily="34" charset="0"/>
+                        </a:rPr>
+                        <a:t>Employees can push feedback, appreciations etc. using connectors and form UI. </a:t>
+                      </a:r>
+                      <a:r>
+                        <a:rPr lang="en-US" sz="1600" dirty="0" err="1">
+                          <a:latin typeface="Arial" panose="020B0604020202020204" pitchFamily="34" charset="0"/>
+                          <a:cs typeface="Arial" panose="020B0604020202020204" pitchFamily="34" charset="0"/>
+                        </a:rPr>
+                        <a:t>iCount</a:t>
+                      </a:r>
+                      <a:r>
+                        <a:rPr lang="en-US" sz="1600" dirty="0">
+                          <a:latin typeface="Arial" panose="020B0604020202020204" pitchFamily="34" charset="0"/>
+                          <a:cs typeface="Arial" panose="020B0604020202020204" pitchFamily="34" charset="0"/>
+                        </a:rPr>
+                        <a:t> login is not required. Connectors are Add-ins for outlook and chat services.</a:t>
+                      </a:r>
+                    </a:p>
+                  </a:txBody>
+                  <a:tcPr/>
+                </a:tc>
+                <a:extLst>
+                  <a:ext uri="{0D108BD9-81ED-4DB2-BD59-A6C34878D82A}">
+                    <a16:rowId xmlns:a16="http://schemas.microsoft.com/office/drawing/2014/main" val="10001"/>
+                  </a:ext>
+                </a:extLst>
+              </a:tr>
+              <a:tr h="788247">
+                <a:tc>
+                  <a:txBody>
+                    <a:bodyPr/>
+                    <a:lstStyle/>
+                    <a:p>
+                      <a:r>
+                        <a:rPr lang="en-US" sz="1600" dirty="0">
+                          <a:latin typeface="Arial" panose="020B0604020202020204" pitchFamily="34" charset="0"/>
+                          <a:cs typeface="Arial" panose="020B0604020202020204" pitchFamily="34" charset="0"/>
+                        </a:rPr>
+                        <a:t>adapter-</a:t>
+                      </a:r>
+                      <a:r>
+                        <a:rPr lang="en-US" sz="1600" dirty="0" err="1">
+                          <a:latin typeface="Arial" panose="020B0604020202020204" pitchFamily="34" charset="0"/>
+                          <a:cs typeface="Arial" panose="020B0604020202020204" pitchFamily="34" charset="0"/>
+                        </a:rPr>
+                        <a:t>api</a:t>
+                      </a:r>
+                      <a:endParaRPr lang="en-US" sz="1600" dirty="0">
+                        <a:latin typeface="Arial" panose="020B0604020202020204" pitchFamily="34" charset="0"/>
+                        <a:cs typeface="Arial" panose="020B0604020202020204" pitchFamily="34" charset="0"/>
+                      </a:endParaRPr>
+                    </a:p>
+                  </a:txBody>
+                  <a:tcPr/>
+                </a:tc>
+                <a:tc>
+                  <a:txBody>
+                    <a:bodyPr/>
+                    <a:lstStyle/>
+                    <a:p>
+                      <a:r>
+                        <a:rPr lang="en-US" sz="1600" dirty="0">
+                          <a:latin typeface="Arial" panose="020B0604020202020204" pitchFamily="34" charset="0"/>
+                          <a:cs typeface="Arial" panose="020B0604020202020204" pitchFamily="34" charset="0"/>
+                        </a:rPr>
+                        <a:t>APIs to integrate </a:t>
+                      </a:r>
+                      <a:r>
+                        <a:rPr lang="en-US" sz="1600" dirty="0" err="1">
+                          <a:latin typeface="Arial" panose="020B0604020202020204" pitchFamily="34" charset="0"/>
+                          <a:cs typeface="Arial" panose="020B0604020202020204" pitchFamily="34" charset="0"/>
+                        </a:rPr>
+                        <a:t>iCount</a:t>
+                      </a:r>
+                      <a:r>
+                        <a:rPr lang="en-US" sz="1600" dirty="0">
+                          <a:latin typeface="Arial" panose="020B0604020202020204" pitchFamily="34" charset="0"/>
+                          <a:cs typeface="Arial" panose="020B0604020202020204" pitchFamily="34" charset="0"/>
+                        </a:rPr>
+                        <a:t> with external services. Here are a few examples of external services - Trainings, Course, Lex etc.</a:t>
+                      </a:r>
+                    </a:p>
+                  </a:txBody>
+                  <a:tcPr/>
+                </a:tc>
+                <a:extLst>
+                  <a:ext uri="{0D108BD9-81ED-4DB2-BD59-A6C34878D82A}">
+                    <a16:rowId xmlns:a16="http://schemas.microsoft.com/office/drawing/2014/main" val="10002"/>
+                  </a:ext>
+                </a:extLst>
+              </a:tr>
+              <a:tr h="548722">
+                <a:tc>
+                  <a:txBody>
+                    <a:bodyPr/>
+                    <a:lstStyle/>
+                    <a:p>
+                      <a:r>
+                        <a:rPr lang="en-US" sz="1800" b="0" i="0" kern="1200" dirty="0">
+                          <a:solidFill>
+                            <a:schemeClr val="dk1"/>
+                          </a:solidFill>
+                          <a:effectLst/>
+                          <a:latin typeface="+mn-lt"/>
+                          <a:ea typeface="+mn-ea"/>
+                          <a:cs typeface="+mn-cs"/>
+                        </a:rPr>
+                        <a:t>awards-based-system</a:t>
+                      </a:r>
+                      <a:endParaRPr lang="en-US" sz="1600" b="0" dirty="0">
+                        <a:latin typeface="Arial" panose="020B0604020202020204" pitchFamily="34" charset="0"/>
+                        <a:cs typeface="Arial" panose="020B0604020202020204" pitchFamily="34" charset="0"/>
+                      </a:endParaRPr>
+                    </a:p>
+                  </a:txBody>
+                  <a:tcPr/>
+                </a:tc>
+                <a:tc>
+                  <a:txBody>
+                    <a:bodyPr/>
+                    <a:lstStyle/>
+                    <a:p>
+                      <a:r>
+                        <a:rPr lang="en-US" sz="1600" dirty="0">
+                          <a:latin typeface="Arial" panose="020B0604020202020204" pitchFamily="34" charset="0"/>
+                          <a:cs typeface="Arial" panose="020B0604020202020204" pitchFamily="34" charset="0"/>
+                        </a:rPr>
+                        <a:t>Employees acquire coins by providing feedback, completing course/trainings, uploading appreciations etc. Coins can be redeemed using </a:t>
+                      </a:r>
+                      <a:r>
+                        <a:rPr lang="en-US" sz="1600" dirty="0" err="1">
+                          <a:latin typeface="Arial" panose="020B0604020202020204" pitchFamily="34" charset="0"/>
+                          <a:cs typeface="Arial" panose="020B0604020202020204" pitchFamily="34" charset="0"/>
+                        </a:rPr>
+                        <a:t>InfyGold</a:t>
+                      </a:r>
+                      <a:r>
+                        <a:rPr lang="en-US" sz="1600" dirty="0">
+                          <a:latin typeface="Arial" panose="020B0604020202020204" pitchFamily="34" charset="0"/>
+                          <a:cs typeface="Arial" panose="020B0604020202020204" pitchFamily="34" charset="0"/>
+                        </a:rPr>
+                        <a:t>+</a:t>
+                      </a:r>
+                    </a:p>
+                  </a:txBody>
+                  <a:tcPr/>
+                </a:tc>
+                <a:extLst>
+                  <a:ext uri="{0D108BD9-81ED-4DB2-BD59-A6C34878D82A}">
+                    <a16:rowId xmlns:a16="http://schemas.microsoft.com/office/drawing/2014/main" val="3293306097"/>
+                  </a:ext>
+                </a:extLst>
+              </a:tr>
+              <a:tr h="788247">
+                <a:tc>
+                  <a:txBody>
+                    <a:bodyPr/>
+                    <a:lstStyle/>
+                    <a:p>
+                      <a:r>
+                        <a:rPr lang="en-US" sz="1800" b="0" i="0" kern="1200" dirty="0">
+                          <a:solidFill>
+                            <a:schemeClr val="dk1"/>
+                          </a:solidFill>
+                          <a:effectLst/>
+                          <a:latin typeface="+mn-lt"/>
+                          <a:ea typeface="+mn-ea"/>
+                          <a:cs typeface="+mn-cs"/>
+                        </a:rPr>
+                        <a:t>campaign manager </a:t>
+                      </a:r>
+                      <a:endParaRPr lang="en-US" sz="1600" dirty="0">
+                        <a:latin typeface="Arial" panose="020B0604020202020204" pitchFamily="34" charset="0"/>
+                        <a:cs typeface="Arial" panose="020B0604020202020204" pitchFamily="34" charset="0"/>
+                      </a:endParaRPr>
+                    </a:p>
+                  </a:txBody>
+                  <a:tcPr/>
+                </a:tc>
+                <a:tc>
+                  <a:txBody>
+                    <a:bodyPr/>
+                    <a:lstStyle/>
+                    <a:p>
+                      <a:r>
+                        <a:rPr lang="en-US" sz="1600" dirty="0" err="1">
+                          <a:latin typeface="Arial" panose="020B0604020202020204" pitchFamily="34" charset="0"/>
+                          <a:cs typeface="Arial" panose="020B0604020202020204" pitchFamily="34" charset="0"/>
+                        </a:rPr>
+                        <a:t>iCount</a:t>
+                      </a:r>
+                      <a:r>
+                        <a:rPr lang="en-US" sz="1600" dirty="0">
+                          <a:latin typeface="Arial" panose="020B0604020202020204" pitchFamily="34" charset="0"/>
+                          <a:cs typeface="Arial" panose="020B0604020202020204" pitchFamily="34" charset="0"/>
+                        </a:rPr>
+                        <a:t> deals can be announced through campaign manager and more coins can be accumulated by the employees for specific duration.</a:t>
+                      </a:r>
+                    </a:p>
+                  </a:txBody>
+                  <a:tcPr/>
+                </a:tc>
+                <a:extLst>
+                  <a:ext uri="{0D108BD9-81ED-4DB2-BD59-A6C34878D82A}">
+                    <a16:rowId xmlns:a16="http://schemas.microsoft.com/office/drawing/2014/main" val="2021179689"/>
+                  </a:ext>
+                </a:extLst>
+              </a:tr>
+              <a:tr h="350332">
+                <a:tc>
+                  <a:txBody>
+                    <a:bodyPr/>
+                    <a:lstStyle/>
+                    <a:p>
+                      <a:r>
+                        <a:rPr lang="en-US" sz="1800" kern="1200" dirty="0">
+                          <a:solidFill>
+                            <a:schemeClr val="dk1"/>
+                          </a:solidFill>
+                          <a:latin typeface="+mn-lt"/>
+                          <a:ea typeface="+mn-ea"/>
+                          <a:cs typeface="+mn-cs"/>
+                        </a:rPr>
+                        <a:t>performance score-card </a:t>
+                      </a:r>
+                      <a:endParaRPr lang="en-US" sz="1600" dirty="0">
+                        <a:latin typeface="Arial" panose="020B0604020202020204" pitchFamily="34" charset="0"/>
+                        <a:cs typeface="Arial" panose="020B0604020202020204" pitchFamily="34" charset="0"/>
+                      </a:endParaRPr>
+                    </a:p>
+                  </a:txBody>
+                  <a:tcPr/>
+                </a:tc>
+                <a:tc>
+                  <a:txBody>
+                    <a:bodyPr/>
+                    <a:lstStyle/>
+                    <a:p>
+                      <a:r>
+                        <a:rPr lang="en-US" sz="1600" dirty="0">
+                          <a:latin typeface="Arial" panose="020B0604020202020204" pitchFamily="34" charset="0"/>
+                          <a:cs typeface="Arial" panose="020B0604020202020204" pitchFamily="34" charset="0"/>
+                        </a:rPr>
+                        <a:t>Leadership dashboard to view and track the performance of individual project teams.</a:t>
+                      </a:r>
+                    </a:p>
+                  </a:txBody>
+                  <a:tcPr/>
+                </a:tc>
+                <a:extLst>
+                  <a:ext uri="{0D108BD9-81ED-4DB2-BD59-A6C34878D82A}">
+                    <a16:rowId xmlns:a16="http://schemas.microsoft.com/office/drawing/2014/main" val="1794765077"/>
+                  </a:ext>
+                </a:extLst>
+              </a:tr>
+            </a:tbl>
+          </a:graphicData>
+        </a:graphic>
+      </p:graphicFrame>
+    </p:spTree>
+    <p:extLst>
+      <p:ext uri="{BB962C8B-B14F-4D97-AF65-F5344CB8AC3E}">
+        <p14:creationId xmlns:p14="http://schemas.microsoft.com/office/powerpoint/2010/main" val="1281521208"/>
+      </p:ext>
+    </p:extLst>
+  </p:cSld>
+  <p:clrMapOvr>
+    <a:masterClrMapping/>
+  </p:clrMapOvr>
+  <p:transition spd="med"/>
+</p:sld>
+</file>
+
+<file path=ppt/slides/slide4.xml><?xml version="1.0" encoding="utf-8"?>
 <p:sld xmlns:a="http://schemas.openxmlformats.org/drawingml/2006/main" xmlns:r="http://schemas.openxmlformats.org/officeDocument/2006/relationships" xmlns:p="http://schemas.openxmlformats.org/presentationml/2006/main">
   <p:cSld>
     <p:spTree>
@@ -21318,7 +22273,7 @@
 </p:sld>
 </file>
 
-<file path=ppt/slides/slide4.xml><?xml version="1.0" encoding="utf-8"?>
+<file path=ppt/slides/slide5.xml><?xml version="1.0" encoding="utf-8"?>
 <p:sld xmlns:a="http://schemas.openxmlformats.org/drawingml/2006/main" xmlns:r="http://schemas.openxmlformats.org/officeDocument/2006/relationships" xmlns:p="http://schemas.openxmlformats.org/presentationml/2006/main">
   <p:cSld>
     <p:spTree>
@@ -21458,7 +22413,7 @@
           <p:nvPr>
             <p:extLst>
               <p:ext uri="{D42A27DB-BD31-4B8C-83A1-F6EECF244321}">
-                <p14:modId xmlns:p14="http://schemas.microsoft.com/office/powerpoint/2010/main" val="3898311754"/>
+                <p14:modId xmlns:p14="http://schemas.microsoft.com/office/powerpoint/2010/main" val="1931033423"/>
               </p:ext>
             </p:extLst>
           </p:nvPr>
@@ -21474,14 +22429,14 @@
                 <a:tableStyleId>{073A0DAA-6AF3-43AB-8588-CEC1D06C72B9}</a:tableStyleId>
               </a:tblPr>
               <a:tblGrid>
-                <a:gridCol w="2582334">
+                <a:gridCol w="2578499">
                   <a:extLst>
                     <a:ext uri="{9D8B030D-6E8A-4147-A177-3AD203B41FA5}">
                       <a16:colId xmlns:a16="http://schemas.microsoft.com/office/drawing/2014/main" val="573319858"/>
                     </a:ext>
                   </a:extLst>
                 </a:gridCol>
-                <a:gridCol w="8914333">
+                <a:gridCol w="8918168">
                   <a:extLst>
                     <a:ext uri="{9D8B030D-6E8A-4147-A177-3AD203B41FA5}">
                       <a16:colId xmlns:a16="http://schemas.microsoft.com/office/drawing/2014/main" val="2661637169"/>
@@ -21766,7 +22721,7 @@
                       </a:r>
                       <a:r>
                         <a:rPr lang="en-US" dirty="0"/>
-                        <a:t>allow management to collate and analyze the performance across the team.</a:t>
+                        <a:t>allow management to view, collate and analyze the performance across the team.</a:t>
                       </a:r>
                     </a:p>
                   </a:txBody>
@@ -21796,7 +22751,7 @@
 </p:sld>
 </file>
 
-<file path=ppt/slides/slide5.xml><?xml version="1.0" encoding="utf-8"?>
+<file path=ppt/slides/slide6.xml><?xml version="1.0" encoding="utf-8"?>
 <p:sld xmlns:a="http://schemas.openxmlformats.org/drawingml/2006/main" xmlns:r="http://schemas.openxmlformats.org/officeDocument/2006/relationships" xmlns:p="http://schemas.openxmlformats.org/presentationml/2006/main">
   <p:cSld>
     <p:spTree>
@@ -21856,7 +22811,7 @@
             <a:fld id="{86CB4B4D-7CA3-9044-876B-883B54F8677D}" type="slidenum">
               <a:rPr lang="en-US" smtClean="0"/>
               <a:pPr/>
-              <a:t>5</a:t>
+              <a:t>6</a:t>
             </a:fld>
             <a:endParaRPr lang="en-US" dirty="0"/>
           </a:p>
@@ -22578,7 +23533,7 @@
 </p:sld>
 </file>
 
-<file path=ppt/slides/slide6.xml><?xml version="1.0" encoding="utf-8"?>
+<file path=ppt/slides/slide7.xml><?xml version="1.0" encoding="utf-8"?>
 <p:sld xmlns:a="http://schemas.openxmlformats.org/drawingml/2006/main" xmlns:r="http://schemas.openxmlformats.org/officeDocument/2006/relationships" xmlns:p="http://schemas.openxmlformats.org/presentationml/2006/main">
   <p:cSld>
     <p:spTree>
@@ -22804,7 +23759,7 @@
 </p:sld>
 </file>
 
-<file path=ppt/slides/slide7.xml><?xml version="1.0" encoding="utf-8"?>
+<file path=ppt/slides/slide8.xml><?xml version="1.0" encoding="utf-8"?>
 <p:sld xmlns:a="http://schemas.openxmlformats.org/drawingml/2006/main" xmlns:r="http://schemas.openxmlformats.org/officeDocument/2006/relationships" xmlns:p="http://schemas.openxmlformats.org/presentationml/2006/main">
   <p:cSld>
     <p:spTree>
@@ -23039,7 +23994,7 @@
 </p:sld>
 </file>
 
-<file path=ppt/slides/slide8.xml><?xml version="1.0" encoding="utf-8"?>
+<file path=ppt/slides/slide9.xml><?xml version="1.0" encoding="utf-8"?>
 <p:sld xmlns:a="http://schemas.openxmlformats.org/drawingml/2006/main" xmlns:r="http://schemas.openxmlformats.org/officeDocument/2006/relationships" xmlns:p="http://schemas.openxmlformats.org/presentationml/2006/main">
   <p:cSld>
     <p:spTree>
@@ -23348,7 +24303,7 @@
             <a:fld id="{86CB4B4D-7CA3-9044-876B-883B54F8677D}" type="slidenum">
               <a:rPr lang="en-US" smtClean="0"/>
               <a:pPr/>
-              <a:t>8</a:t>
+              <a:t>9</a:t>
             </a:fld>
             <a:endParaRPr lang="en-US" dirty="0"/>
           </a:p>
@@ -23358,491 +24313,6 @@
     <p:extLst>
       <p:ext uri="{BB962C8B-B14F-4D97-AF65-F5344CB8AC3E}">
         <p14:creationId xmlns:p14="http://schemas.microsoft.com/office/powerpoint/2010/main" val="2013916777"/>
-      </p:ext>
-    </p:extLst>
-  </p:cSld>
-  <p:clrMapOvr>
-    <a:masterClrMapping/>
-  </p:clrMapOvr>
-  <p:transition spd="med"/>
-</p:sld>
-</file>
-
-<file path=ppt/slides/slide9.xml><?xml version="1.0" encoding="utf-8"?>
-<p:sld xmlns:a="http://schemas.openxmlformats.org/drawingml/2006/main" xmlns:r="http://schemas.openxmlformats.org/officeDocument/2006/relationships" xmlns:p="http://schemas.openxmlformats.org/presentationml/2006/main">
-  <p:cSld>
-    <p:spTree>
-      <p:nvGrpSpPr>
-        <p:cNvPr id="1" name=""/>
-        <p:cNvGrpSpPr/>
-        <p:nvPr/>
-      </p:nvGrpSpPr>
-      <p:grpSpPr>
-        <a:xfrm>
-          <a:off x="0" y="0"/>
-          <a:ext cx="0" cy="0"/>
-          <a:chOff x="0" y="0"/>
-          <a:chExt cx="0" cy="0"/>
-        </a:xfrm>
-      </p:grpSpPr>
-      <p:sp>
-        <p:nvSpPr>
-          <p:cNvPr id="374" name="Shape 374"/>
-          <p:cNvSpPr>
-            <a:spLocks noGrp="1"/>
-          </p:cNvSpPr>
-          <p:nvPr>
-            <p:ph type="title"/>
-          </p:nvPr>
-        </p:nvSpPr>
-        <p:spPr/>
-        <p:txBody>
-          <a:bodyPr/>
-          <a:lstStyle/>
-          <a:p>
-            <a:r>
-              <a:rPr lang="en-US" sz="2700" dirty="0">
-                <a:latin typeface="+mn-lt"/>
-                <a:sym typeface="Calibri"/>
-              </a:rPr>
-              <a:t>Technical Solution</a:t>
-            </a:r>
-          </a:p>
-        </p:txBody>
-      </p:sp>
-      <p:sp>
-        <p:nvSpPr>
-          <p:cNvPr id="2" name="Text Placeholder 1"/>
-          <p:cNvSpPr>
-            <a:spLocks noGrp="1"/>
-          </p:cNvSpPr>
-          <p:nvPr>
-            <p:ph type="body" sz="quarter" idx="10"/>
-          </p:nvPr>
-        </p:nvSpPr>
-        <p:spPr>
-          <a:xfrm>
-            <a:off x="183464" y="804333"/>
-            <a:ext cx="11744612" cy="5651885"/>
-          </a:xfrm>
-        </p:spPr>
-        <p:txBody>
-          <a:bodyPr>
-            <a:normAutofit/>
-          </a:bodyPr>
-          <a:lstStyle/>
-          <a:p>
-            <a:pPr marL="587813" lvl="1" indent="0">
-              <a:buNone/>
-            </a:pPr>
-            <a:r>
-              <a:rPr lang="en-US" b="1" u="sng" dirty="0">
-                <a:solidFill>
-                  <a:srgbClr val="007DC3"/>
-                </a:solidFill>
-                <a:latin typeface="+mn-lt"/>
-              </a:rPr>
-              <a:t>Connector</a:t>
-            </a:r>
-            <a:r>
-              <a:rPr lang="en-US" dirty="0">
-                <a:solidFill>
-                  <a:srgbClr val="007DC3"/>
-                </a:solidFill>
-                <a:latin typeface="+mn-lt"/>
-              </a:rPr>
-              <a:t> : Connectors push data to adapter and it is application specific. User use connectors to Push MS Outlook / Messenger data to pipeline.</a:t>
-            </a:r>
-          </a:p>
-          <a:p>
-            <a:pPr marL="873563" lvl="1" indent="-285750">
-              <a:buFontTx/>
-              <a:buChar char="-"/>
-            </a:pPr>
-            <a:r>
-              <a:rPr lang="en-US" dirty="0">
-                <a:solidFill>
-                  <a:srgbClr val="007DC3"/>
-                </a:solidFill>
-                <a:latin typeface="+mn-lt"/>
-              </a:rPr>
-              <a:t>It parse the message and attachments and check for its compliance.</a:t>
-            </a:r>
-          </a:p>
-          <a:p>
-            <a:pPr marL="873563" lvl="1" indent="-285750">
-              <a:buFontTx/>
-              <a:buChar char="-"/>
-            </a:pPr>
-            <a:r>
-              <a:rPr lang="en-US" dirty="0">
-                <a:solidFill>
-                  <a:srgbClr val="007DC3"/>
-                </a:solidFill>
-                <a:latin typeface="+mn-lt"/>
-              </a:rPr>
-              <a:t>If the message is compliant then user can push such text to the pipeline on cloud for </a:t>
-            </a:r>
-            <a:r>
-              <a:rPr lang="en-US" dirty="0" err="1">
-                <a:solidFill>
-                  <a:srgbClr val="007DC3"/>
-                </a:solidFill>
-                <a:latin typeface="+mn-lt"/>
-              </a:rPr>
-              <a:t>iCount</a:t>
-            </a:r>
-            <a:r>
-              <a:rPr lang="en-US" dirty="0">
-                <a:solidFill>
-                  <a:srgbClr val="007DC3"/>
-                </a:solidFill>
-                <a:latin typeface="+mn-lt"/>
-              </a:rPr>
-              <a:t> consumption. Here is one example </a:t>
-            </a:r>
-            <a:r>
-              <a:rPr lang="en-US" b="1" dirty="0">
-                <a:solidFill>
-                  <a:srgbClr val="007DC3"/>
-                </a:solidFill>
-                <a:latin typeface="+mn-lt"/>
-              </a:rPr>
-              <a:t>outlook-connector</a:t>
-            </a:r>
-          </a:p>
-          <a:p>
-            <a:pPr marL="587813" lvl="1" indent="0">
-              <a:buNone/>
-            </a:pPr>
-            <a:endParaRPr lang="en-US" dirty="0">
-              <a:solidFill>
-                <a:srgbClr val="007DC3"/>
-              </a:solidFill>
-              <a:latin typeface="+mn-lt"/>
-            </a:endParaRPr>
-          </a:p>
-          <a:p>
-            <a:pPr marL="587813" lvl="1" indent="0">
-              <a:buNone/>
-            </a:pPr>
-            <a:endParaRPr lang="en-US" dirty="0">
-              <a:solidFill>
-                <a:srgbClr val="007DC3"/>
-              </a:solidFill>
-              <a:latin typeface="+mn-lt"/>
-            </a:endParaRPr>
-          </a:p>
-          <a:p>
-            <a:pPr marL="770693" lvl="1" indent="-182880"/>
-            <a:endParaRPr lang="en-US" dirty="0">
-              <a:solidFill>
-                <a:srgbClr val="007DC3"/>
-              </a:solidFill>
-              <a:latin typeface="+mn-lt"/>
-            </a:endParaRPr>
-          </a:p>
-          <a:p>
-            <a:pPr marL="770693" lvl="1" indent="-182880"/>
-            <a:endParaRPr lang="en-US" dirty="0">
-              <a:solidFill>
-                <a:srgbClr val="007DC3"/>
-              </a:solidFill>
-              <a:latin typeface="+mn-lt"/>
-            </a:endParaRPr>
-          </a:p>
-          <a:p>
-            <a:pPr marL="770693" lvl="1" indent="-182880"/>
-            <a:endParaRPr lang="en-US" dirty="0">
-              <a:solidFill>
-                <a:srgbClr val="007DC3"/>
-              </a:solidFill>
-              <a:latin typeface="+mn-lt"/>
-            </a:endParaRPr>
-          </a:p>
-          <a:p>
-            <a:pPr marL="770693" lvl="1" indent="-182880"/>
-            <a:endParaRPr lang="en-US" dirty="0">
-              <a:solidFill>
-                <a:srgbClr val="007DC3"/>
-              </a:solidFill>
-              <a:latin typeface="+mn-lt"/>
-            </a:endParaRPr>
-          </a:p>
-          <a:p>
-            <a:pPr marL="770693" lvl="1" indent="-182880"/>
-            <a:endParaRPr lang="en-US" dirty="0">
-              <a:solidFill>
-                <a:srgbClr val="007DC3"/>
-              </a:solidFill>
-              <a:latin typeface="+mn-lt"/>
-            </a:endParaRPr>
-          </a:p>
-          <a:p>
-            <a:pPr marL="770693" lvl="1" indent="-182880"/>
-            <a:endParaRPr lang="en-US" dirty="0">
-              <a:solidFill>
-                <a:srgbClr val="007DC3"/>
-              </a:solidFill>
-              <a:latin typeface="+mn-lt"/>
-            </a:endParaRPr>
-          </a:p>
-          <a:p>
-            <a:pPr marL="770693" lvl="1" indent="-182880"/>
-            <a:endParaRPr lang="en-US" dirty="0">
-              <a:solidFill>
-                <a:srgbClr val="007DC3"/>
-              </a:solidFill>
-              <a:latin typeface="+mn-lt"/>
-            </a:endParaRPr>
-          </a:p>
-          <a:p>
-            <a:pPr marL="770693" lvl="1" indent="-182880"/>
-            <a:endParaRPr lang="en-US" dirty="0">
-              <a:solidFill>
-                <a:srgbClr val="007DC3"/>
-              </a:solidFill>
-              <a:latin typeface="+mn-lt"/>
-            </a:endParaRPr>
-          </a:p>
-          <a:p>
-            <a:pPr marL="770693" lvl="1" indent="-182880"/>
-            <a:endParaRPr lang="en-US" dirty="0">
-              <a:solidFill>
-                <a:srgbClr val="007DC3"/>
-              </a:solidFill>
-              <a:latin typeface="+mn-lt"/>
-            </a:endParaRPr>
-          </a:p>
-          <a:p>
-            <a:pPr marL="770693" lvl="1" indent="-182880"/>
-            <a:endParaRPr lang="en-US" dirty="0">
-              <a:solidFill>
-                <a:srgbClr val="007DC3"/>
-              </a:solidFill>
-              <a:latin typeface="+mn-lt"/>
-            </a:endParaRPr>
-          </a:p>
-          <a:p>
-            <a:pPr marL="587813" lvl="1" indent="0">
-              <a:buNone/>
-            </a:pPr>
-            <a:r>
-              <a:rPr lang="en-US" dirty="0">
-                <a:solidFill>
-                  <a:srgbClr val="007DC3"/>
-                </a:solidFill>
-                <a:latin typeface="+mn-lt"/>
-              </a:rPr>
-              <a:t>- Appreciation and Feedback can be captured using UI as well. The links will be shared via </a:t>
-            </a:r>
-            <a:r>
-              <a:rPr lang="en-US" dirty="0" err="1">
-                <a:solidFill>
-                  <a:srgbClr val="007DC3"/>
-                </a:solidFill>
-                <a:latin typeface="+mn-lt"/>
-              </a:rPr>
-              <a:t>todo</a:t>
-            </a:r>
-            <a:r>
-              <a:rPr lang="en-US" dirty="0">
-                <a:solidFill>
-                  <a:srgbClr val="007DC3"/>
-                </a:solidFill>
-                <a:latin typeface="+mn-lt"/>
-              </a:rPr>
-              <a:t>-notification emails.</a:t>
-            </a:r>
-          </a:p>
-          <a:p>
-            <a:pPr marL="770693" lvl="1" indent="-182880"/>
-            <a:endParaRPr lang="en-US" dirty="0">
-              <a:solidFill>
-                <a:srgbClr val="007DC3"/>
-              </a:solidFill>
-              <a:latin typeface="+mn-lt"/>
-            </a:endParaRPr>
-          </a:p>
-          <a:p>
-            <a:pPr marL="770693" lvl="1" indent="-182880"/>
-            <a:endParaRPr lang="en-US" dirty="0">
-              <a:solidFill>
-                <a:srgbClr val="007DC3"/>
-              </a:solidFill>
-              <a:latin typeface="+mn-lt"/>
-            </a:endParaRPr>
-          </a:p>
-          <a:p>
-            <a:pPr marL="770693" lvl="1" indent="-182880"/>
-            <a:endParaRPr lang="en-US" dirty="0">
-              <a:solidFill>
-                <a:srgbClr val="007DC3"/>
-              </a:solidFill>
-              <a:latin typeface="+mn-lt"/>
-            </a:endParaRPr>
-          </a:p>
-          <a:p>
-            <a:pPr marL="770693" lvl="1" indent="-182880"/>
-            <a:endParaRPr lang="en-US" dirty="0">
-              <a:solidFill>
-                <a:srgbClr val="007DC3"/>
-              </a:solidFill>
-              <a:latin typeface="+mn-lt"/>
-            </a:endParaRPr>
-          </a:p>
-          <a:p>
-            <a:pPr marL="770693" lvl="1" indent="-182880"/>
-            <a:endParaRPr lang="en-US" dirty="0">
-              <a:solidFill>
-                <a:srgbClr val="007DC3"/>
-              </a:solidFill>
-              <a:latin typeface="+mn-lt"/>
-            </a:endParaRPr>
-          </a:p>
-          <a:p>
-            <a:pPr marL="770693" lvl="1" indent="-182880"/>
-            <a:endParaRPr lang="en-US" dirty="0">
-              <a:solidFill>
-                <a:srgbClr val="007DC3"/>
-              </a:solidFill>
-              <a:latin typeface="+mn-lt"/>
-            </a:endParaRPr>
-          </a:p>
-          <a:p>
-            <a:pPr marL="770693" lvl="1" indent="-182880"/>
-            <a:endParaRPr lang="en-US" dirty="0">
-              <a:solidFill>
-                <a:srgbClr val="007DC3"/>
-              </a:solidFill>
-              <a:latin typeface="+mn-lt"/>
-            </a:endParaRPr>
-          </a:p>
-          <a:p>
-            <a:pPr marL="770693" lvl="1" indent="-182880"/>
-            <a:endParaRPr lang="en-US" dirty="0">
-              <a:solidFill>
-                <a:srgbClr val="007DC3"/>
-              </a:solidFill>
-              <a:latin typeface="+mn-lt"/>
-            </a:endParaRPr>
-          </a:p>
-          <a:p>
-            <a:pPr marL="770693" lvl="1" indent="-182880"/>
-            <a:endParaRPr lang="en-US" dirty="0">
-              <a:solidFill>
-                <a:srgbClr val="007DC3"/>
-              </a:solidFill>
-              <a:latin typeface="+mn-lt"/>
-            </a:endParaRPr>
-          </a:p>
-          <a:p>
-            <a:pPr marL="770693" lvl="1" indent="-182880"/>
-            <a:endParaRPr lang="en-US" dirty="0">
-              <a:solidFill>
-                <a:srgbClr val="007DC3"/>
-              </a:solidFill>
-              <a:latin typeface="+mn-lt"/>
-            </a:endParaRPr>
-          </a:p>
-          <a:p>
-            <a:pPr marL="770693" lvl="1" indent="-182880"/>
-            <a:endParaRPr lang="en-US" dirty="0">
-              <a:solidFill>
-                <a:srgbClr val="007DC3"/>
-              </a:solidFill>
-              <a:latin typeface="+mn-lt"/>
-            </a:endParaRPr>
-          </a:p>
-          <a:p>
-            <a:pPr marL="0" indent="0">
-              <a:buNone/>
-            </a:pPr>
-            <a:endParaRPr lang="en-US" sz="1600" dirty="0">
-              <a:solidFill>
-                <a:srgbClr val="007DC3"/>
-              </a:solidFill>
-              <a:latin typeface="+mn-lt"/>
-            </a:endParaRPr>
-          </a:p>
-          <a:p>
-            <a:pPr marL="0" indent="0">
-              <a:buNone/>
-            </a:pPr>
-            <a:endParaRPr lang="en-US" sz="1600" dirty="0">
-              <a:solidFill>
-                <a:srgbClr val="007DC3"/>
-              </a:solidFill>
-              <a:latin typeface="+mn-lt"/>
-            </a:endParaRPr>
-          </a:p>
-          <a:p>
-            <a:pPr marL="0" indent="0">
-              <a:buNone/>
-            </a:pPr>
-            <a:endParaRPr lang="en-US" sz="1600" dirty="0">
-              <a:solidFill>
-                <a:srgbClr val="007DC3"/>
-              </a:solidFill>
-              <a:latin typeface="+mn-lt"/>
-            </a:endParaRPr>
-          </a:p>
-        </p:txBody>
-      </p:sp>
-      <p:pic>
-        <p:nvPicPr>
-          <p:cNvPr id="4" name="Picture 3">
-            <a:extLst>
-              <a:ext uri="{FF2B5EF4-FFF2-40B4-BE49-F238E27FC236}">
-                <a16:creationId xmlns:a16="http://schemas.microsoft.com/office/drawing/2014/main" id="{7284AD6B-065D-4C6F-ABF2-47C1666A4BA3}"/>
-              </a:ext>
-            </a:extLst>
-          </p:cNvPr>
-          <p:cNvPicPr>
-            <a:picLocks noChangeAspect="1"/>
-          </p:cNvPicPr>
-          <p:nvPr/>
-        </p:nvPicPr>
-        <p:blipFill>
-          <a:blip r:embed="rId3">
-            <a:extLst>
-              <a:ext uri="{28A0092B-C50C-407E-A947-70E740481C1C}">
-                <a14:useLocalDpi xmlns:a14="http://schemas.microsoft.com/office/drawing/2010/main" val="0"/>
-              </a:ext>
-            </a:extLst>
-          </a:blip>
-          <a:stretch>
-            <a:fillRect/>
-          </a:stretch>
-        </p:blipFill>
-        <p:spPr>
-          <a:xfrm>
-            <a:off x="798314" y="2126472"/>
-            <a:ext cx="10595372" cy="3311120"/>
-          </a:xfrm>
-          <a:prstGeom prst="rect">
-            <a:avLst/>
-          </a:prstGeom>
-        </p:spPr>
-        <p:style>
-          <a:lnRef idx="2">
-            <a:schemeClr val="dk1"/>
-          </a:lnRef>
-          <a:fillRef idx="1">
-            <a:schemeClr val="lt1"/>
-          </a:fillRef>
-          <a:effectRef idx="0">
-            <a:schemeClr val="dk1"/>
-          </a:effectRef>
-          <a:fontRef idx="minor">
-            <a:schemeClr val="dk1"/>
-          </a:fontRef>
-        </p:style>
-      </p:pic>
-    </p:spTree>
-    <p:extLst>
-      <p:ext uri="{BB962C8B-B14F-4D97-AF65-F5344CB8AC3E}">
-        <p14:creationId xmlns:p14="http://schemas.microsoft.com/office/powerpoint/2010/main" val="3669583563"/>
       </p:ext>
     </p:extLst>
   </p:cSld>

--- a/iSolve-iCount-Hackathon_Solution.pptx
+++ b/iSolve-iCount-Hackathon_Solution.pptx
@@ -21091,7 +21091,7 @@
           <p:nvPr>
             <p:extLst>
               <p:ext uri="{D42A27DB-BD31-4B8C-83A1-F6EECF244321}">
-                <p14:modId xmlns:p14="http://schemas.microsoft.com/office/powerpoint/2010/main" val="789802172"/>
+                <p14:modId xmlns:p14="http://schemas.microsoft.com/office/powerpoint/2010/main" val="2816555240"/>
               </p:ext>
             </p:extLst>
           </p:nvPr>
@@ -21332,7 +21332,7 @@
                           <a:latin typeface="Arial" panose="020B0604020202020204" pitchFamily="34" charset="0"/>
                           <a:cs typeface="Arial" panose="020B0604020202020204" pitchFamily="34" charset="0"/>
                         </a:rPr>
-                        <a:t>Employees acquire coins by providing feedback, completing course/trainings, uploading appreciations etc. Coins can be redeemed using </a:t>
+                        <a:t>Employees acquire coins by providing feedback, completing course/trainings, uploading appreciations etc. Coins can be configurable and they can be redeemed using </a:t>
                       </a:r>
                       <a:r>
                         <a:rPr lang="en-US" sz="1600" dirty="0" err="1">

--- a/iSolve-iCount-Hackathon_Solution.pptx
+++ b/iSolve-iCount-Hackathon_Solution.pptx
@@ -21091,14 +21091,14 @@
           <p:nvPr>
             <p:extLst>
               <p:ext uri="{D42A27DB-BD31-4B8C-83A1-F6EECF244321}">
-                <p14:modId xmlns:p14="http://schemas.microsoft.com/office/powerpoint/2010/main" val="2816555240"/>
+                <p14:modId xmlns:p14="http://schemas.microsoft.com/office/powerpoint/2010/main" val="370120879"/>
               </p:ext>
             </p:extLst>
           </p:nvPr>
         </p:nvGraphicFramePr>
         <p:xfrm>
           <a:off x="280633" y="860521"/>
-          <a:ext cx="11630733" cy="3435774"/>
+          <a:ext cx="11630733" cy="3786106"/>
         </p:xfrm>
         <a:graphic>
           <a:graphicData uri="http://schemas.openxmlformats.org/drawingml/2006/table">
@@ -21190,7 +21190,7 @@
                           <a:latin typeface="Arial" panose="020B0604020202020204" pitchFamily="34" charset="0"/>
                           <a:cs typeface="Arial" panose="020B0604020202020204" pitchFamily="34" charset="0"/>
                         </a:rPr>
-                        <a:t>Connectors and Form UI</a:t>
+                        <a:t>connectors and form UI</a:t>
                       </a:r>
                     </a:p>
                   </a:txBody>
@@ -21457,6 +21457,52 @@
                 <a:extLst>
                   <a:ext uri="{0D108BD9-81ED-4DB2-BD59-A6C34878D82A}">
                     <a16:rowId xmlns:a16="http://schemas.microsoft.com/office/drawing/2014/main" val="1794765077"/>
+                  </a:ext>
+                </a:extLst>
+              </a:tr>
+              <a:tr h="350332">
+                <a:tc>
+                  <a:txBody>
+                    <a:bodyPr/>
+                    <a:lstStyle/>
+                    <a:p>
+                      <a:r>
+                        <a:rPr lang="en-US" sz="1600" dirty="0" err="1">
+                          <a:latin typeface="Arial" panose="020B0604020202020204" pitchFamily="34" charset="0"/>
+                          <a:cs typeface="Arial" panose="020B0604020202020204" pitchFamily="34" charset="0"/>
+                        </a:rPr>
+                        <a:t>todo</a:t>
+                      </a:r>
+                      <a:r>
+                        <a:rPr lang="en-US" sz="1600" dirty="0">
+                          <a:latin typeface="Arial" panose="020B0604020202020204" pitchFamily="34" charset="0"/>
+                          <a:cs typeface="Arial" panose="020B0604020202020204" pitchFamily="34" charset="0"/>
+                        </a:rPr>
+                        <a:t>-icount-notifications</a:t>
+                      </a:r>
+                    </a:p>
+                  </a:txBody>
+                  <a:tcPr/>
+                </a:tc>
+                <a:tc>
+                  <a:txBody>
+                    <a:bodyPr/>
+                    <a:lstStyle/>
+                    <a:p>
+                      <a:r>
+                        <a:rPr lang="en-US" sz="1600" dirty="0">
+                          <a:latin typeface="Arial" panose="020B0604020202020204" pitchFamily="34" charset="0"/>
+                          <a:cs typeface="Arial" panose="020B0604020202020204" pitchFamily="34" charset="0"/>
+                        </a:rPr>
+                        <a:t>Employee engagement tool to publish icount news, new features and how to use them. </a:t>
+                      </a:r>
+                    </a:p>
+                  </a:txBody>
+                  <a:tcPr/>
+                </a:tc>
+                <a:extLst>
+                  <a:ext uri="{0D108BD9-81ED-4DB2-BD59-A6C34878D82A}">
+                    <a16:rowId xmlns:a16="http://schemas.microsoft.com/office/drawing/2014/main" val="3939657572"/>
                   </a:ext>
                 </a:extLst>
               </a:tr>
@@ -22413,13 +22459,13 @@
           <p:nvPr>
             <p:extLst>
               <p:ext uri="{D42A27DB-BD31-4B8C-83A1-F6EECF244321}">
-                <p14:modId xmlns:p14="http://schemas.microsoft.com/office/powerpoint/2010/main" val="1931033423"/>
+                <p14:modId xmlns:p14="http://schemas.microsoft.com/office/powerpoint/2010/main" val="4214075293"/>
               </p:ext>
             </p:extLst>
           </p:nvPr>
         </p:nvGraphicFramePr>
         <p:xfrm>
-          <a:off x="330956" y="809449"/>
+          <a:off x="315550" y="589872"/>
           <a:ext cx="11496667" cy="3535503"/>
         </p:xfrm>
         <a:graphic>

--- a/iSolve-iCount-Hackathon_Solution.pptx
+++ b/iSolve-iCount-Hackathon_Solution.pptx
@@ -21091,7 +21091,7 @@
           <p:nvPr>
             <p:extLst>
               <p:ext uri="{D42A27DB-BD31-4B8C-83A1-F6EECF244321}">
-                <p14:modId xmlns:p14="http://schemas.microsoft.com/office/powerpoint/2010/main" val="370120879"/>
+                <p14:modId xmlns:p14="http://schemas.microsoft.com/office/powerpoint/2010/main" val="2017800897"/>
               </p:ext>
             </p:extLst>
           </p:nvPr>
@@ -21220,7 +21220,21 @@
                           <a:latin typeface="Arial" panose="020B0604020202020204" pitchFamily="34" charset="0"/>
                           <a:cs typeface="Arial" panose="020B0604020202020204" pitchFamily="34" charset="0"/>
                         </a:rPr>
-                        <a:t> login is not required. Connectors are Add-ins for outlook and chat services.</a:t>
+                        <a:t> login is not required. Connectors are </a:t>
+                      </a:r>
+                      <a:r>
+                        <a:rPr lang="en-US" sz="1600">
+                          <a:latin typeface="Arial" panose="020B0604020202020204" pitchFamily="34" charset="0"/>
+                          <a:cs typeface="Arial" panose="020B0604020202020204" pitchFamily="34" charset="0"/>
+                        </a:rPr>
+                        <a:t>Add-ins to </a:t>
+                      </a:r>
+                      <a:r>
+                        <a:rPr lang="en-US" sz="1600" dirty="0">
+                          <a:latin typeface="Arial" panose="020B0604020202020204" pitchFamily="34" charset="0"/>
+                          <a:cs typeface="Arial" panose="020B0604020202020204" pitchFamily="34" charset="0"/>
+                        </a:rPr>
+                        <a:t>outlook and chat services.</a:t>
                       </a:r>
                     </a:p>
                   </a:txBody>

--- a/iSolve-iCount-Hackathon_Solution.pptx
+++ b/iSolve-iCount-Hackathon_Solution.pptx
@@ -14871,7 +14871,7 @@
                 </a:solidFill>
                 <a:latin typeface="+mn-lt"/>
               </a:rPr>
-              <a:t>: Adapter is an entry point of external messages in the pipeline like work updates, awards, feedback, task completion etc.</a:t>
+              <a:t>: Adapter is an entry point of external messages in the pipeline like work updates, awards, feedback, task completion, award management etc.</a:t>
             </a:r>
           </a:p>
           <a:p>
@@ -16935,8 +16935,8 @@
         </p:nvSpPr>
         <p:spPr>
           <a:xfrm>
-            <a:off x="263924" y="804333"/>
-            <a:ext cx="11664152" cy="5651885"/>
+            <a:off x="263924" y="618979"/>
+            <a:ext cx="11664152" cy="5837240"/>
           </a:xfrm>
         </p:spPr>
         <p:txBody>
@@ -16982,7 +16982,43 @@
                 </a:solidFill>
                 <a:latin typeface="+mn-lt"/>
               </a:rPr>
-              <a:t> data consumption. Here are a few example endpoints :</a:t>
+              <a:t> &amp; Leadership data consumption. </a:t>
+            </a:r>
+            <a:r>
+              <a:rPr lang="en-US" sz="1800" b="1" dirty="0">
+                <a:solidFill>
+                  <a:srgbClr val="007DC3"/>
+                </a:solidFill>
+                <a:latin typeface="+mn-lt"/>
+              </a:rPr>
+              <a:t>Leadership dashboard </a:t>
+            </a:r>
+            <a:r>
+              <a:rPr lang="en-US" sz="1800" dirty="0">
+                <a:solidFill>
+                  <a:srgbClr val="007DC3"/>
+                </a:solidFill>
+                <a:latin typeface="+mn-lt"/>
+              </a:rPr>
+              <a:t>and </a:t>
+            </a:r>
+            <a:r>
+              <a:rPr lang="en-US" sz="1800" b="1" dirty="0">
+                <a:solidFill>
+                  <a:srgbClr val="007DC3"/>
+                </a:solidFill>
+                <a:latin typeface="+mn-lt"/>
+              </a:rPr>
+              <a:t>award management </a:t>
+            </a:r>
+            <a:r>
+              <a:rPr lang="en-US" sz="1800" dirty="0">
+                <a:solidFill>
+                  <a:srgbClr val="007DC3"/>
+                </a:solidFill>
+                <a:latin typeface="+mn-lt"/>
+              </a:rPr>
+              <a:t>are part of this component. Here are a few example endpoints :</a:t>
             </a:r>
           </a:p>
           <a:p>
@@ -17295,7 +17331,7 @@
         </p:blipFill>
         <p:spPr>
           <a:xfrm>
-            <a:off x="1094509" y="1211154"/>
+            <a:off x="432736" y="1260975"/>
             <a:ext cx="10206866" cy="4738602"/>
           </a:xfrm>
           <a:prstGeom prst="rect">
@@ -17494,6 +17530,68 @@
                 <a:latin typeface="+mn-lt"/>
               </a:rPr>
               <a:t> :</a:t>
+            </a:r>
+          </a:p>
+          <a:p>
+            <a:pPr marL="587813" lvl="1" indent="0">
+              <a:buNone/>
+            </a:pPr>
+            <a:r>
+              <a:rPr lang="en-US" sz="1800" dirty="0">
+                <a:solidFill>
+                  <a:srgbClr val="007DC3"/>
+                </a:solidFill>
+                <a:latin typeface="+mn-lt"/>
+              </a:rPr>
+              <a:t>-    </a:t>
+            </a:r>
+            <a:r>
+              <a:rPr lang="en-US" sz="1800" dirty="0">
+                <a:solidFill>
+                  <a:srgbClr val="007DC3"/>
+                </a:solidFill>
+              </a:rPr>
+              <a:t>Consist of </a:t>
+            </a:r>
+            <a:r>
+              <a:rPr lang="en-US" sz="1800" b="1" dirty="0">
+                <a:solidFill>
+                  <a:srgbClr val="007DC3"/>
+                </a:solidFill>
+              </a:rPr>
+              <a:t>Campaign Manager </a:t>
+            </a:r>
+            <a:r>
+              <a:rPr lang="en-US" sz="1800" dirty="0">
+                <a:solidFill>
+                  <a:srgbClr val="007DC3"/>
+                </a:solidFill>
+              </a:rPr>
+              <a:t>and </a:t>
+            </a:r>
+            <a:r>
+              <a:rPr lang="en-US" sz="1800" b="1" dirty="0" err="1">
+                <a:solidFill>
+                  <a:srgbClr val="007DC3"/>
+                </a:solidFill>
+              </a:rPr>
+              <a:t>ToDo</a:t>
+            </a:r>
+            <a:r>
+              <a:rPr lang="en-US" sz="1800" b="1" dirty="0">
+                <a:solidFill>
+                  <a:srgbClr val="007DC3"/>
+                </a:solidFill>
+              </a:rPr>
+              <a:t> Notification generator</a:t>
+            </a:r>
+            <a:r>
+              <a:rPr lang="en-US" sz="1800" dirty="0">
+                <a:solidFill>
+                  <a:srgbClr val="007DC3"/>
+                </a:solidFill>
+              </a:rPr>
+              <a:t>.</a:t>
             </a:r>
           </a:p>
           <a:p>

--- a/iSolve-iCount-Hackathon_Solution.pptx
+++ b/iSolve-iCount-Hackathon_Solution.pptx
@@ -6,7 +6,7 @@
     <p:sldMasterId id="2147483663" r:id="rId2"/>
   </p:sldMasterIdLst>
   <p:notesMasterIdLst>
-    <p:notesMasterId r:id="rId23"/>
+    <p:notesMasterId r:id="rId25"/>
   </p:notesMasterIdLst>
   <p:sldIdLst>
     <p:sldId id="266" r:id="rId3"/>
@@ -24,11 +24,13 @@
     <p:sldId id="277" r:id="rId15"/>
     <p:sldId id="284" r:id="rId16"/>
     <p:sldId id="283" r:id="rId17"/>
-    <p:sldId id="282" r:id="rId18"/>
-    <p:sldId id="280" r:id="rId19"/>
-    <p:sldId id="281" r:id="rId20"/>
-    <p:sldId id="268" r:id="rId21"/>
-    <p:sldId id="265" r:id="rId22"/>
+    <p:sldId id="286" r:id="rId18"/>
+    <p:sldId id="287" r:id="rId19"/>
+    <p:sldId id="282" r:id="rId20"/>
+    <p:sldId id="280" r:id="rId21"/>
+    <p:sldId id="281" r:id="rId22"/>
+    <p:sldId id="268" r:id="rId23"/>
+    <p:sldId id="265" r:id="rId24"/>
   </p:sldIdLst>
   <p:sldSz cx="12192000" cy="6858000"/>
   <p:notesSz cx="6858000" cy="9144000"/>
@@ -217,7 +219,7 @@
           <a:p>
             <a:fld id="{DD634F6A-6287-4B36-9A95-0F17B3383A7B}" type="datetimeFigureOut">
               <a:rPr lang="en-US" smtClean="0"/>
-              <a:t>6/1/2020</a:t>
+              <a:t>6/2/2020</a:t>
             </a:fld>
             <a:endParaRPr lang="en-US" dirty="0"/>
           </a:p>
@@ -800,7 +802,7 @@
     </p:spTree>
     <p:extLst>
       <p:ext uri="{BB962C8B-B14F-4D97-AF65-F5344CB8AC3E}">
-        <p14:creationId xmlns:p14="http://schemas.microsoft.com/office/powerpoint/2010/main" val="3373517316"/>
+        <p14:creationId xmlns:p14="http://schemas.microsoft.com/office/powerpoint/2010/main" val="4199056211"/>
       </p:ext>
     </p:extLst>
   </p:cSld>
@@ -880,7 +882,7 @@
     </p:spTree>
     <p:extLst>
       <p:ext uri="{BB962C8B-B14F-4D97-AF65-F5344CB8AC3E}">
-        <p14:creationId xmlns:p14="http://schemas.microsoft.com/office/powerpoint/2010/main" val="1133052663"/>
+        <p14:creationId xmlns:p14="http://schemas.microsoft.com/office/powerpoint/2010/main" val="3494701084"/>
       </p:ext>
     </p:extLst>
   </p:cSld>
@@ -960,6 +962,166 @@
     </p:spTree>
     <p:extLst>
       <p:ext uri="{BB962C8B-B14F-4D97-AF65-F5344CB8AC3E}">
+        <p14:creationId xmlns:p14="http://schemas.microsoft.com/office/powerpoint/2010/main" val="3373517316"/>
+      </p:ext>
+    </p:extLst>
+  </p:cSld>
+  <p:clrMapOvr>
+    <a:masterClrMapping/>
+  </p:clrMapOvr>
+</p:notes>
+</file>
+
+<file path=ppt/notesSlides/notesSlide15.xml><?xml version="1.0" encoding="utf-8"?>
+<p:notes xmlns:a="http://schemas.openxmlformats.org/drawingml/2006/main" xmlns:r="http://schemas.openxmlformats.org/officeDocument/2006/relationships" xmlns:p="http://schemas.openxmlformats.org/presentationml/2006/main">
+  <p:cSld>
+    <p:spTree>
+      <p:nvGrpSpPr>
+        <p:cNvPr id="1" name=""/>
+        <p:cNvGrpSpPr/>
+        <p:nvPr/>
+      </p:nvGrpSpPr>
+      <p:grpSpPr>
+        <a:xfrm>
+          <a:off x="0" y="0"/>
+          <a:ext cx="0" cy="0"/>
+          <a:chOff x="0" y="0"/>
+          <a:chExt cx="0" cy="0"/>
+        </a:xfrm>
+      </p:grpSpPr>
+      <p:sp>
+        <p:nvSpPr>
+          <p:cNvPr id="378" name="Shape 378"/>
+          <p:cNvSpPr>
+            <a:spLocks noGrp="1" noRot="1" noChangeAspect="1"/>
+          </p:cNvSpPr>
+          <p:nvPr>
+            <p:ph type="sldImg"/>
+          </p:nvPr>
+        </p:nvSpPr>
+        <p:spPr>
+          <a:xfrm>
+            <a:off x="381000" y="685800"/>
+            <a:ext cx="6096000" cy="3429000"/>
+          </a:xfrm>
+          <a:prstGeom prst="rect">
+            <a:avLst/>
+          </a:prstGeom>
+        </p:spPr>
+        <p:txBody>
+          <a:bodyPr/>
+          <a:lstStyle/>
+          <a:p>
+            <a:endParaRPr dirty="0"/>
+          </a:p>
+        </p:txBody>
+      </p:sp>
+      <p:sp>
+        <p:nvSpPr>
+          <p:cNvPr id="379" name="Shape 379"/>
+          <p:cNvSpPr>
+            <a:spLocks noGrp="1"/>
+          </p:cNvSpPr>
+          <p:nvPr>
+            <p:ph type="body" sz="quarter" idx="1"/>
+          </p:nvPr>
+        </p:nvSpPr>
+        <p:spPr>
+          <a:prstGeom prst="rect">
+            <a:avLst/>
+          </a:prstGeom>
+        </p:spPr>
+        <p:txBody>
+          <a:bodyPr/>
+          <a:lstStyle/>
+          <a:p>
+            <a:endParaRPr dirty="0"/>
+          </a:p>
+        </p:txBody>
+      </p:sp>
+    </p:spTree>
+    <p:extLst>
+      <p:ext uri="{BB962C8B-B14F-4D97-AF65-F5344CB8AC3E}">
+        <p14:creationId xmlns:p14="http://schemas.microsoft.com/office/powerpoint/2010/main" val="1133052663"/>
+      </p:ext>
+    </p:extLst>
+  </p:cSld>
+  <p:clrMapOvr>
+    <a:masterClrMapping/>
+  </p:clrMapOvr>
+</p:notes>
+</file>
+
+<file path=ppt/notesSlides/notesSlide16.xml><?xml version="1.0" encoding="utf-8"?>
+<p:notes xmlns:a="http://schemas.openxmlformats.org/drawingml/2006/main" xmlns:r="http://schemas.openxmlformats.org/officeDocument/2006/relationships" xmlns:p="http://schemas.openxmlformats.org/presentationml/2006/main">
+  <p:cSld>
+    <p:spTree>
+      <p:nvGrpSpPr>
+        <p:cNvPr id="1" name=""/>
+        <p:cNvGrpSpPr/>
+        <p:nvPr/>
+      </p:nvGrpSpPr>
+      <p:grpSpPr>
+        <a:xfrm>
+          <a:off x="0" y="0"/>
+          <a:ext cx="0" cy="0"/>
+          <a:chOff x="0" y="0"/>
+          <a:chExt cx="0" cy="0"/>
+        </a:xfrm>
+      </p:grpSpPr>
+      <p:sp>
+        <p:nvSpPr>
+          <p:cNvPr id="378" name="Shape 378"/>
+          <p:cNvSpPr>
+            <a:spLocks noGrp="1" noRot="1" noChangeAspect="1"/>
+          </p:cNvSpPr>
+          <p:nvPr>
+            <p:ph type="sldImg"/>
+          </p:nvPr>
+        </p:nvSpPr>
+        <p:spPr>
+          <a:xfrm>
+            <a:off x="381000" y="685800"/>
+            <a:ext cx="6096000" cy="3429000"/>
+          </a:xfrm>
+          <a:prstGeom prst="rect">
+            <a:avLst/>
+          </a:prstGeom>
+        </p:spPr>
+        <p:txBody>
+          <a:bodyPr/>
+          <a:lstStyle/>
+          <a:p>
+            <a:endParaRPr dirty="0"/>
+          </a:p>
+        </p:txBody>
+      </p:sp>
+      <p:sp>
+        <p:nvSpPr>
+          <p:cNvPr id="379" name="Shape 379"/>
+          <p:cNvSpPr>
+            <a:spLocks noGrp="1"/>
+          </p:cNvSpPr>
+          <p:nvPr>
+            <p:ph type="body" sz="quarter" idx="1"/>
+          </p:nvPr>
+        </p:nvSpPr>
+        <p:spPr>
+          <a:prstGeom prst="rect">
+            <a:avLst/>
+          </a:prstGeom>
+        </p:spPr>
+        <p:txBody>
+          <a:bodyPr/>
+          <a:lstStyle/>
+          <a:p>
+            <a:endParaRPr dirty="0"/>
+          </a:p>
+        </p:txBody>
+      </p:sp>
+    </p:spTree>
+    <p:extLst>
+      <p:ext uri="{BB962C8B-B14F-4D97-AF65-F5344CB8AC3E}">
         <p14:creationId xmlns:p14="http://schemas.microsoft.com/office/powerpoint/2010/main" val="3597264339"/>
       </p:ext>
     </p:extLst>
@@ -970,7 +1132,7 @@
 </p:notes>
 </file>
 
-<file path=ppt/notesSlides/notesSlide15.xml><?xml version="1.0" encoding="utf-8"?>
+<file path=ppt/notesSlides/notesSlide17.xml><?xml version="1.0" encoding="utf-8"?>
 <p:notes xmlns:a="http://schemas.openxmlformats.org/drawingml/2006/main" xmlns:r="http://schemas.openxmlformats.org/officeDocument/2006/relationships" xmlns:p="http://schemas.openxmlformats.org/presentationml/2006/main">
   <p:cSld>
     <p:spTree>
@@ -1819,7 +1981,7 @@
           <a:p>
             <a:fld id="{4417404F-2166-4BB4-87AF-2DF1DBD94F21}" type="datetimeFigureOut">
               <a:rPr lang="en-US" smtClean="0"/>
-              <a:t>6/1/2020</a:t>
+              <a:t>6/2/2020</a:t>
             </a:fld>
             <a:endParaRPr lang="en-US" dirty="0"/>
           </a:p>
@@ -1987,7 +2149,7 @@
           <a:p>
             <a:fld id="{4417404F-2166-4BB4-87AF-2DF1DBD94F21}" type="datetimeFigureOut">
               <a:rPr lang="en-US" smtClean="0"/>
-              <a:t>6/1/2020</a:t>
+              <a:t>6/2/2020</a:t>
             </a:fld>
             <a:endParaRPr lang="en-US" dirty="0"/>
           </a:p>
@@ -2165,7 +2327,7 @@
           <a:p>
             <a:fld id="{4417404F-2166-4BB4-87AF-2DF1DBD94F21}" type="datetimeFigureOut">
               <a:rPr lang="en-US" smtClean="0"/>
-              <a:t>6/1/2020</a:t>
+              <a:t>6/2/2020</a:t>
             </a:fld>
             <a:endParaRPr lang="en-US" dirty="0"/>
           </a:p>
@@ -3881,7 +4043,7 @@
           <a:p>
             <a:fld id="{379A628B-A5BE-42DB-8D82-5ACECE545EE2}" type="datetimeFigureOut">
               <a:rPr lang="en-US" smtClean="0"/>
-              <a:t>6/1/2020</a:t>
+              <a:t>6/2/2020</a:t>
             </a:fld>
             <a:endParaRPr lang="en-US" dirty="0"/>
           </a:p>
@@ -4049,7 +4211,7 @@
           <a:p>
             <a:fld id="{379A628B-A5BE-42DB-8D82-5ACECE545EE2}" type="datetimeFigureOut">
               <a:rPr lang="en-US" smtClean="0"/>
-              <a:t>6/1/2020</a:t>
+              <a:t>6/2/2020</a:t>
             </a:fld>
             <a:endParaRPr lang="en-US" dirty="0"/>
           </a:p>
@@ -4294,7 +4456,7 @@
           <a:p>
             <a:fld id="{379A628B-A5BE-42DB-8D82-5ACECE545EE2}" type="datetimeFigureOut">
               <a:rPr lang="en-US" smtClean="0"/>
-              <a:t>6/1/2020</a:t>
+              <a:t>6/2/2020</a:t>
             </a:fld>
             <a:endParaRPr lang="en-US" dirty="0"/>
           </a:p>
@@ -4523,7 +4685,7 @@
           <a:p>
             <a:fld id="{379A628B-A5BE-42DB-8D82-5ACECE545EE2}" type="datetimeFigureOut">
               <a:rPr lang="en-US" smtClean="0"/>
-              <a:t>6/1/2020</a:t>
+              <a:t>6/2/2020</a:t>
             </a:fld>
             <a:endParaRPr lang="en-US" dirty="0"/>
           </a:p>
@@ -4887,7 +5049,7 @@
           <a:p>
             <a:fld id="{379A628B-A5BE-42DB-8D82-5ACECE545EE2}" type="datetimeFigureOut">
               <a:rPr lang="en-US" smtClean="0"/>
-              <a:t>6/1/2020</a:t>
+              <a:t>6/2/2020</a:t>
             </a:fld>
             <a:endParaRPr lang="en-US" dirty="0"/>
           </a:p>
@@ -5004,7 +5166,7 @@
           <a:p>
             <a:fld id="{379A628B-A5BE-42DB-8D82-5ACECE545EE2}" type="datetimeFigureOut">
               <a:rPr lang="en-US" smtClean="0"/>
-              <a:t>6/1/2020</a:t>
+              <a:t>6/2/2020</a:t>
             </a:fld>
             <a:endParaRPr lang="en-US" dirty="0"/>
           </a:p>
@@ -5172,7 +5334,7 @@
           <a:p>
             <a:fld id="{4417404F-2166-4BB4-87AF-2DF1DBD94F21}" type="datetimeFigureOut">
               <a:rPr lang="en-US" smtClean="0"/>
-              <a:t>6/1/2020</a:t>
+              <a:t>6/2/2020</a:t>
             </a:fld>
             <a:endParaRPr lang="en-US" dirty="0"/>
           </a:p>
@@ -5267,7 +5429,7 @@
           <a:p>
             <a:fld id="{379A628B-A5BE-42DB-8D82-5ACECE545EE2}" type="datetimeFigureOut">
               <a:rPr lang="en-US" smtClean="0"/>
-              <a:t>6/1/2020</a:t>
+              <a:t>6/2/2020</a:t>
             </a:fld>
             <a:endParaRPr lang="en-US" dirty="0"/>
           </a:p>
@@ -5542,7 +5704,7 @@
           <a:p>
             <a:fld id="{379A628B-A5BE-42DB-8D82-5ACECE545EE2}" type="datetimeFigureOut">
               <a:rPr lang="en-US" smtClean="0"/>
-              <a:t>6/1/2020</a:t>
+              <a:t>6/2/2020</a:t>
             </a:fld>
             <a:endParaRPr lang="en-US" dirty="0"/>
           </a:p>
@@ -5794,7 +5956,7 @@
           <a:p>
             <a:fld id="{379A628B-A5BE-42DB-8D82-5ACECE545EE2}" type="datetimeFigureOut">
               <a:rPr lang="en-US" smtClean="0"/>
-              <a:t>6/1/2020</a:t>
+              <a:t>6/2/2020</a:t>
             </a:fld>
             <a:endParaRPr lang="en-US" dirty="0"/>
           </a:p>
@@ -5962,7 +6124,7 @@
           <a:p>
             <a:fld id="{379A628B-A5BE-42DB-8D82-5ACECE545EE2}" type="datetimeFigureOut">
               <a:rPr lang="en-US" smtClean="0"/>
-              <a:t>6/1/2020</a:t>
+              <a:t>6/2/2020</a:t>
             </a:fld>
             <a:endParaRPr lang="en-US" dirty="0"/>
           </a:p>
@@ -6140,7 +6302,7 @@
           <a:p>
             <a:fld id="{379A628B-A5BE-42DB-8D82-5ACECE545EE2}" type="datetimeFigureOut">
               <a:rPr lang="en-US" smtClean="0"/>
-              <a:t>6/1/2020</a:t>
+              <a:t>6/2/2020</a:t>
             </a:fld>
             <a:endParaRPr lang="en-US" dirty="0"/>
           </a:p>
@@ -10536,7 +10698,7 @@
           <a:p>
             <a:fld id="{4417404F-2166-4BB4-87AF-2DF1DBD94F21}" type="datetimeFigureOut">
               <a:rPr lang="en-US" smtClean="0"/>
-              <a:t>6/1/2020</a:t>
+              <a:t>6/2/2020</a:t>
             </a:fld>
             <a:endParaRPr lang="en-US" dirty="0"/>
           </a:p>
@@ -11948,7 +12110,7 @@
           <a:p>
             <a:fld id="{4417404F-2166-4BB4-87AF-2DF1DBD94F21}" type="datetimeFigureOut">
               <a:rPr lang="en-US" smtClean="0"/>
-              <a:t>6/1/2020</a:t>
+              <a:t>6/2/2020</a:t>
             </a:fld>
             <a:endParaRPr lang="en-US" dirty="0"/>
           </a:p>
@@ -12312,7 +12474,7 @@
           <a:p>
             <a:fld id="{4417404F-2166-4BB4-87AF-2DF1DBD94F21}" type="datetimeFigureOut">
               <a:rPr lang="en-US" smtClean="0"/>
-              <a:t>6/1/2020</a:t>
+              <a:t>6/2/2020</a:t>
             </a:fld>
             <a:endParaRPr lang="en-US" dirty="0"/>
           </a:p>
@@ -12429,7 +12591,7 @@
           <a:p>
             <a:fld id="{4417404F-2166-4BB4-87AF-2DF1DBD94F21}" type="datetimeFigureOut">
               <a:rPr lang="en-US" smtClean="0"/>
-              <a:t>6/1/2020</a:t>
+              <a:t>6/2/2020</a:t>
             </a:fld>
             <a:endParaRPr lang="en-US" dirty="0"/>
           </a:p>
@@ -12524,7 +12686,7 @@
           <a:p>
             <a:fld id="{4417404F-2166-4BB4-87AF-2DF1DBD94F21}" type="datetimeFigureOut">
               <a:rPr lang="en-US" smtClean="0"/>
-              <a:t>6/1/2020</a:t>
+              <a:t>6/2/2020</a:t>
             </a:fld>
             <a:endParaRPr lang="en-US" dirty="0"/>
           </a:p>
@@ -12799,7 +12961,7 @@
           <a:p>
             <a:fld id="{4417404F-2166-4BB4-87AF-2DF1DBD94F21}" type="datetimeFigureOut">
               <a:rPr lang="en-US" smtClean="0"/>
-              <a:t>6/1/2020</a:t>
+              <a:t>6/2/2020</a:t>
             </a:fld>
             <a:endParaRPr lang="en-US" dirty="0"/>
           </a:p>
@@ -13051,7 +13213,7 @@
           <a:p>
             <a:fld id="{4417404F-2166-4BB4-87AF-2DF1DBD94F21}" type="datetimeFigureOut">
               <a:rPr lang="en-US" smtClean="0"/>
-              <a:t>6/1/2020</a:t>
+              <a:t>6/2/2020</a:t>
             </a:fld>
             <a:endParaRPr lang="en-US" dirty="0"/>
           </a:p>
@@ -13262,7 +13424,7 @@
           <a:p>
             <a:fld id="{4417404F-2166-4BB4-87AF-2DF1DBD94F21}" type="datetimeFigureOut">
               <a:rPr lang="en-US" smtClean="0"/>
-              <a:t>6/1/2020</a:t>
+              <a:t>6/2/2020</a:t>
             </a:fld>
             <a:endParaRPr lang="en-US" dirty="0"/>
           </a:p>
@@ -13802,7 +13964,7 @@
           <a:p>
             <a:fld id="{379A628B-A5BE-42DB-8D82-5ACECE545EE2}" type="datetimeFigureOut">
               <a:rPr lang="en-US" smtClean="0"/>
-              <a:t>6/1/2020</a:t>
+              <a:t>6/2/2020</a:t>
             </a:fld>
             <a:endParaRPr lang="en-US" dirty="0"/>
           </a:p>
@@ -17421,6 +17583,855 @@
         </p:nvSpPr>
         <p:spPr>
           <a:xfrm>
+            <a:off x="263924" y="618979"/>
+            <a:ext cx="11664152" cy="5837240"/>
+          </a:xfrm>
+        </p:spPr>
+        <p:txBody>
+          <a:bodyPr>
+            <a:normAutofit/>
+          </a:bodyPr>
+          <a:lstStyle/>
+          <a:p>
+            <a:pPr marL="587813" lvl="1" indent="0">
+              <a:buNone/>
+            </a:pPr>
+            <a:r>
+              <a:rPr lang="en-US" sz="1800" dirty="0">
+                <a:solidFill>
+                  <a:srgbClr val="002060"/>
+                </a:solidFill>
+              </a:rPr>
+              <a:t>Example of award dashboard</a:t>
+            </a:r>
+          </a:p>
+          <a:p>
+            <a:pPr marL="587813" lvl="1" indent="0">
+              <a:buNone/>
+            </a:pPr>
+            <a:endParaRPr lang="en-US" dirty="0"/>
+          </a:p>
+          <a:p>
+            <a:pPr marL="587813" lvl="1" indent="0">
+              <a:buNone/>
+            </a:pPr>
+            <a:r>
+              <a:rPr lang="en-US" dirty="0"/>
+              <a:t> </a:t>
+            </a:r>
+          </a:p>
+          <a:p>
+            <a:pPr marL="587813" lvl="1" indent="0">
+              <a:buNone/>
+            </a:pPr>
+            <a:endParaRPr lang="en-US" dirty="0">
+              <a:solidFill>
+                <a:srgbClr val="007DC3"/>
+              </a:solidFill>
+            </a:endParaRPr>
+          </a:p>
+          <a:p>
+            <a:pPr marL="587813" lvl="1" indent="0">
+              <a:buNone/>
+            </a:pPr>
+            <a:endParaRPr lang="en-US" dirty="0">
+              <a:solidFill>
+                <a:srgbClr val="007DC3"/>
+              </a:solidFill>
+            </a:endParaRPr>
+          </a:p>
+          <a:p>
+            <a:pPr marL="587813" lvl="1" indent="0">
+              <a:buNone/>
+            </a:pPr>
+            <a:endParaRPr lang="en-US" dirty="0">
+              <a:solidFill>
+                <a:srgbClr val="007DC3"/>
+              </a:solidFill>
+            </a:endParaRPr>
+          </a:p>
+          <a:p>
+            <a:pPr marL="587813" lvl="1" indent="0">
+              <a:buNone/>
+            </a:pPr>
+            <a:endParaRPr lang="en-US" dirty="0">
+              <a:solidFill>
+                <a:srgbClr val="007DC3"/>
+              </a:solidFill>
+              <a:latin typeface="+mn-lt"/>
+            </a:endParaRPr>
+          </a:p>
+          <a:p>
+            <a:pPr marL="587813" lvl="1" indent="0">
+              <a:buNone/>
+            </a:pPr>
+            <a:endParaRPr lang="en-US" dirty="0">
+              <a:solidFill>
+                <a:srgbClr val="007DC3"/>
+              </a:solidFill>
+              <a:latin typeface="+mn-lt"/>
+            </a:endParaRPr>
+          </a:p>
+          <a:p>
+            <a:pPr marL="770693" lvl="1" indent="-182880"/>
+            <a:endParaRPr lang="en-US" dirty="0">
+              <a:solidFill>
+                <a:srgbClr val="007DC3"/>
+              </a:solidFill>
+              <a:latin typeface="+mn-lt"/>
+            </a:endParaRPr>
+          </a:p>
+          <a:p>
+            <a:pPr marL="770693" lvl="1" indent="-182880"/>
+            <a:endParaRPr lang="en-US" dirty="0">
+              <a:solidFill>
+                <a:srgbClr val="007DC3"/>
+              </a:solidFill>
+              <a:latin typeface="+mn-lt"/>
+            </a:endParaRPr>
+          </a:p>
+          <a:p>
+            <a:pPr marL="770693" lvl="1" indent="-182880"/>
+            <a:endParaRPr lang="en-US" dirty="0">
+              <a:solidFill>
+                <a:srgbClr val="007DC3"/>
+              </a:solidFill>
+              <a:latin typeface="+mn-lt"/>
+            </a:endParaRPr>
+          </a:p>
+          <a:p>
+            <a:pPr marL="770693" lvl="1" indent="-182880"/>
+            <a:endParaRPr lang="en-US" dirty="0">
+              <a:solidFill>
+                <a:srgbClr val="007DC3"/>
+              </a:solidFill>
+              <a:latin typeface="+mn-lt"/>
+            </a:endParaRPr>
+          </a:p>
+          <a:p>
+            <a:pPr marL="770693" lvl="1" indent="-182880"/>
+            <a:endParaRPr lang="en-US" dirty="0">
+              <a:solidFill>
+                <a:srgbClr val="007DC3"/>
+              </a:solidFill>
+              <a:latin typeface="+mn-lt"/>
+            </a:endParaRPr>
+          </a:p>
+          <a:p>
+            <a:pPr marL="770693" lvl="1" indent="-182880"/>
+            <a:endParaRPr lang="en-US" dirty="0">
+              <a:solidFill>
+                <a:srgbClr val="007DC3"/>
+              </a:solidFill>
+              <a:latin typeface="+mn-lt"/>
+            </a:endParaRPr>
+          </a:p>
+          <a:p>
+            <a:pPr marL="770693" lvl="1" indent="-182880"/>
+            <a:endParaRPr lang="en-US" dirty="0">
+              <a:solidFill>
+                <a:srgbClr val="007DC3"/>
+              </a:solidFill>
+              <a:latin typeface="+mn-lt"/>
+            </a:endParaRPr>
+          </a:p>
+          <a:p>
+            <a:pPr marL="770693" lvl="1" indent="-182880"/>
+            <a:endParaRPr lang="en-US" dirty="0">
+              <a:solidFill>
+                <a:srgbClr val="007DC3"/>
+              </a:solidFill>
+              <a:latin typeface="+mn-lt"/>
+            </a:endParaRPr>
+          </a:p>
+          <a:p>
+            <a:pPr marL="770693" lvl="1" indent="-182880"/>
+            <a:endParaRPr lang="en-US" dirty="0">
+              <a:solidFill>
+                <a:srgbClr val="007DC3"/>
+              </a:solidFill>
+              <a:latin typeface="+mn-lt"/>
+            </a:endParaRPr>
+          </a:p>
+          <a:p>
+            <a:pPr marL="770693" lvl="1" indent="-182880"/>
+            <a:endParaRPr lang="en-US" dirty="0">
+              <a:solidFill>
+                <a:srgbClr val="007DC3"/>
+              </a:solidFill>
+              <a:latin typeface="+mn-lt"/>
+            </a:endParaRPr>
+          </a:p>
+          <a:p>
+            <a:pPr marL="770693" lvl="1" indent="-182880"/>
+            <a:endParaRPr lang="en-US" dirty="0">
+              <a:solidFill>
+                <a:srgbClr val="007DC3"/>
+              </a:solidFill>
+              <a:latin typeface="+mn-lt"/>
+            </a:endParaRPr>
+          </a:p>
+          <a:p>
+            <a:pPr marL="770693" lvl="1" indent="-182880"/>
+            <a:endParaRPr lang="en-US" dirty="0">
+              <a:solidFill>
+                <a:srgbClr val="007DC3"/>
+              </a:solidFill>
+              <a:latin typeface="+mn-lt"/>
+            </a:endParaRPr>
+          </a:p>
+          <a:p>
+            <a:pPr marL="770693" lvl="1" indent="-182880"/>
+            <a:endParaRPr lang="en-US" dirty="0">
+              <a:solidFill>
+                <a:srgbClr val="007DC3"/>
+              </a:solidFill>
+              <a:latin typeface="+mn-lt"/>
+            </a:endParaRPr>
+          </a:p>
+          <a:p>
+            <a:pPr marL="770693" lvl="1" indent="-182880"/>
+            <a:endParaRPr lang="en-US" dirty="0">
+              <a:solidFill>
+                <a:srgbClr val="007DC3"/>
+              </a:solidFill>
+              <a:latin typeface="+mn-lt"/>
+            </a:endParaRPr>
+          </a:p>
+          <a:p>
+            <a:pPr marL="770693" lvl="1" indent="-182880"/>
+            <a:endParaRPr lang="en-US" dirty="0">
+              <a:solidFill>
+                <a:srgbClr val="007DC3"/>
+              </a:solidFill>
+              <a:latin typeface="+mn-lt"/>
+            </a:endParaRPr>
+          </a:p>
+          <a:p>
+            <a:pPr marL="770693" lvl="1" indent="-182880"/>
+            <a:endParaRPr lang="en-US" dirty="0">
+              <a:solidFill>
+                <a:srgbClr val="007DC3"/>
+              </a:solidFill>
+              <a:latin typeface="+mn-lt"/>
+            </a:endParaRPr>
+          </a:p>
+          <a:p>
+            <a:pPr marL="770693" lvl="1" indent="-182880"/>
+            <a:endParaRPr lang="en-US" dirty="0">
+              <a:solidFill>
+                <a:srgbClr val="007DC3"/>
+              </a:solidFill>
+              <a:latin typeface="+mn-lt"/>
+            </a:endParaRPr>
+          </a:p>
+          <a:p>
+            <a:pPr marL="770693" lvl="1" indent="-182880"/>
+            <a:endParaRPr lang="en-US" dirty="0">
+              <a:solidFill>
+                <a:srgbClr val="007DC3"/>
+              </a:solidFill>
+              <a:latin typeface="+mn-lt"/>
+            </a:endParaRPr>
+          </a:p>
+          <a:p>
+            <a:pPr marL="770693" lvl="1" indent="-182880"/>
+            <a:endParaRPr lang="en-US" dirty="0">
+              <a:solidFill>
+                <a:srgbClr val="007DC3"/>
+              </a:solidFill>
+              <a:latin typeface="+mn-lt"/>
+            </a:endParaRPr>
+          </a:p>
+          <a:p>
+            <a:pPr marL="770693" lvl="1" indent="-182880"/>
+            <a:endParaRPr lang="en-US" dirty="0">
+              <a:solidFill>
+                <a:srgbClr val="007DC3"/>
+              </a:solidFill>
+              <a:latin typeface="+mn-lt"/>
+            </a:endParaRPr>
+          </a:p>
+          <a:p>
+            <a:pPr marL="0" indent="0">
+              <a:buNone/>
+            </a:pPr>
+            <a:endParaRPr lang="en-US" sz="1600" dirty="0">
+              <a:solidFill>
+                <a:srgbClr val="007DC3"/>
+              </a:solidFill>
+              <a:latin typeface="+mn-lt"/>
+            </a:endParaRPr>
+          </a:p>
+          <a:p>
+            <a:pPr marL="0" indent="0">
+              <a:buNone/>
+            </a:pPr>
+            <a:endParaRPr lang="en-US" sz="1600" dirty="0">
+              <a:solidFill>
+                <a:srgbClr val="007DC3"/>
+              </a:solidFill>
+              <a:latin typeface="+mn-lt"/>
+            </a:endParaRPr>
+          </a:p>
+          <a:p>
+            <a:pPr marL="0" indent="0">
+              <a:buNone/>
+            </a:pPr>
+            <a:endParaRPr lang="en-US" sz="1600" dirty="0">
+              <a:solidFill>
+                <a:srgbClr val="007DC3"/>
+              </a:solidFill>
+              <a:latin typeface="+mn-lt"/>
+            </a:endParaRPr>
+          </a:p>
+        </p:txBody>
+      </p:sp>
+      <p:pic>
+        <p:nvPicPr>
+          <p:cNvPr id="5" name="Picture 4">
+            <a:extLst>
+              <a:ext uri="{FF2B5EF4-FFF2-40B4-BE49-F238E27FC236}">
+                <a16:creationId xmlns:a16="http://schemas.microsoft.com/office/drawing/2014/main" id="{6E90FBEE-7416-48EC-A79A-F8BF14CD1685}"/>
+              </a:ext>
+            </a:extLst>
+          </p:cNvPr>
+          <p:cNvPicPr>
+            <a:picLocks noChangeAspect="1"/>
+          </p:cNvPicPr>
+          <p:nvPr/>
+        </p:nvPicPr>
+        <p:blipFill>
+          <a:blip r:embed="rId3">
+            <a:extLst>
+              <a:ext uri="{28A0092B-C50C-407E-A947-70E740481C1C}">
+                <a14:useLocalDpi xmlns:a14="http://schemas.microsoft.com/office/drawing/2010/main" val="0"/>
+              </a:ext>
+            </a:extLst>
+          </a:blip>
+          <a:stretch>
+            <a:fillRect/>
+          </a:stretch>
+        </p:blipFill>
+        <p:spPr>
+          <a:xfrm>
+            <a:off x="637309" y="1117171"/>
+            <a:ext cx="10329093" cy="4623658"/>
+          </a:xfrm>
+          <a:prstGeom prst="rect">
+            <a:avLst/>
+          </a:prstGeom>
+        </p:spPr>
+        <p:style>
+          <a:lnRef idx="2">
+            <a:schemeClr val="dk1"/>
+          </a:lnRef>
+          <a:fillRef idx="1">
+            <a:schemeClr val="lt1"/>
+          </a:fillRef>
+          <a:effectRef idx="0">
+            <a:schemeClr val="dk1"/>
+          </a:effectRef>
+          <a:fontRef idx="minor">
+            <a:schemeClr val="dk1"/>
+          </a:fontRef>
+        </p:style>
+      </p:pic>
+    </p:spTree>
+    <p:extLst>
+      <p:ext uri="{BB962C8B-B14F-4D97-AF65-F5344CB8AC3E}">
+        <p14:creationId xmlns:p14="http://schemas.microsoft.com/office/powerpoint/2010/main" val="683306777"/>
+      </p:ext>
+    </p:extLst>
+  </p:cSld>
+  <p:clrMapOvr>
+    <a:masterClrMapping/>
+  </p:clrMapOvr>
+  <p:transition spd="med"/>
+</p:sld>
+</file>
+
+<file path=ppt/slides/slide17.xml><?xml version="1.0" encoding="utf-8"?>
+<p:sld xmlns:a="http://schemas.openxmlformats.org/drawingml/2006/main" xmlns:r="http://schemas.openxmlformats.org/officeDocument/2006/relationships" xmlns:p="http://schemas.openxmlformats.org/presentationml/2006/main">
+  <p:cSld>
+    <p:spTree>
+      <p:nvGrpSpPr>
+        <p:cNvPr id="1" name=""/>
+        <p:cNvGrpSpPr/>
+        <p:nvPr/>
+      </p:nvGrpSpPr>
+      <p:grpSpPr>
+        <a:xfrm>
+          <a:off x="0" y="0"/>
+          <a:ext cx="0" cy="0"/>
+          <a:chOff x="0" y="0"/>
+          <a:chExt cx="0" cy="0"/>
+        </a:xfrm>
+      </p:grpSpPr>
+      <p:sp>
+        <p:nvSpPr>
+          <p:cNvPr id="374" name="Shape 374"/>
+          <p:cNvSpPr>
+            <a:spLocks noGrp="1"/>
+          </p:cNvSpPr>
+          <p:nvPr>
+            <p:ph type="title"/>
+          </p:nvPr>
+        </p:nvSpPr>
+        <p:spPr>
+          <a:xfrm>
+            <a:off x="263924" y="0"/>
+            <a:ext cx="11630733" cy="401781"/>
+          </a:xfrm>
+        </p:spPr>
+        <p:txBody>
+          <a:bodyPr/>
+          <a:lstStyle/>
+          <a:p>
+            <a:r>
+              <a:rPr lang="en-US" sz="2700" dirty="0">
+                <a:latin typeface="+mn-lt"/>
+                <a:sym typeface="Calibri"/>
+              </a:rPr>
+              <a:t>Technical Solution Continued…</a:t>
+            </a:r>
+          </a:p>
+        </p:txBody>
+      </p:sp>
+      <p:sp>
+        <p:nvSpPr>
+          <p:cNvPr id="2" name="Text Placeholder 1"/>
+          <p:cNvSpPr>
+            <a:spLocks noGrp="1"/>
+          </p:cNvSpPr>
+          <p:nvPr>
+            <p:ph type="body" sz="quarter" idx="10"/>
+          </p:nvPr>
+        </p:nvSpPr>
+        <p:spPr>
+          <a:xfrm>
+            <a:off x="263924" y="512618"/>
+            <a:ext cx="11664152" cy="5943601"/>
+          </a:xfrm>
+        </p:spPr>
+        <p:txBody>
+          <a:bodyPr>
+            <a:normAutofit/>
+          </a:bodyPr>
+          <a:lstStyle/>
+          <a:p>
+            <a:pPr marL="587813" lvl="1" indent="0">
+              <a:buNone/>
+            </a:pPr>
+            <a:r>
+              <a:rPr lang="en-US" sz="1800" dirty="0">
+                <a:solidFill>
+                  <a:srgbClr val="002060"/>
+                </a:solidFill>
+              </a:rPr>
+              <a:t>Leadership/Velocity dashboard is visible to the reviewers</a:t>
+            </a:r>
+          </a:p>
+          <a:p>
+            <a:pPr marL="587813" lvl="1" indent="0">
+              <a:buNone/>
+            </a:pPr>
+            <a:endParaRPr lang="en-US" dirty="0"/>
+          </a:p>
+          <a:p>
+            <a:pPr marL="587813" lvl="1" indent="0">
+              <a:buNone/>
+            </a:pPr>
+            <a:r>
+              <a:rPr lang="en-US" dirty="0"/>
+              <a:t> </a:t>
+            </a:r>
+          </a:p>
+          <a:p>
+            <a:pPr marL="587813" lvl="1" indent="0">
+              <a:buNone/>
+            </a:pPr>
+            <a:endParaRPr lang="en-US" dirty="0">
+              <a:solidFill>
+                <a:srgbClr val="007DC3"/>
+              </a:solidFill>
+            </a:endParaRPr>
+          </a:p>
+          <a:p>
+            <a:pPr marL="587813" lvl="1" indent="0">
+              <a:buNone/>
+            </a:pPr>
+            <a:endParaRPr lang="en-US" dirty="0">
+              <a:solidFill>
+                <a:srgbClr val="007DC3"/>
+              </a:solidFill>
+            </a:endParaRPr>
+          </a:p>
+          <a:p>
+            <a:pPr marL="587813" lvl="1" indent="0">
+              <a:buNone/>
+            </a:pPr>
+            <a:endParaRPr lang="en-US" dirty="0">
+              <a:solidFill>
+                <a:srgbClr val="007DC3"/>
+              </a:solidFill>
+            </a:endParaRPr>
+          </a:p>
+          <a:p>
+            <a:pPr marL="587813" lvl="1" indent="0">
+              <a:buNone/>
+            </a:pPr>
+            <a:endParaRPr lang="en-US" dirty="0">
+              <a:solidFill>
+                <a:srgbClr val="007DC3"/>
+              </a:solidFill>
+              <a:latin typeface="+mn-lt"/>
+            </a:endParaRPr>
+          </a:p>
+          <a:p>
+            <a:pPr marL="587813" lvl="1" indent="0">
+              <a:buNone/>
+            </a:pPr>
+            <a:endParaRPr lang="en-US" dirty="0">
+              <a:solidFill>
+                <a:srgbClr val="007DC3"/>
+              </a:solidFill>
+              <a:latin typeface="+mn-lt"/>
+            </a:endParaRPr>
+          </a:p>
+          <a:p>
+            <a:pPr marL="770693" lvl="1" indent="-182880"/>
+            <a:endParaRPr lang="en-US" dirty="0">
+              <a:solidFill>
+                <a:srgbClr val="007DC3"/>
+              </a:solidFill>
+              <a:latin typeface="+mn-lt"/>
+            </a:endParaRPr>
+          </a:p>
+          <a:p>
+            <a:pPr marL="770693" lvl="1" indent="-182880"/>
+            <a:endParaRPr lang="en-US" dirty="0">
+              <a:solidFill>
+                <a:srgbClr val="007DC3"/>
+              </a:solidFill>
+              <a:latin typeface="+mn-lt"/>
+            </a:endParaRPr>
+          </a:p>
+          <a:p>
+            <a:pPr marL="770693" lvl="1" indent="-182880"/>
+            <a:endParaRPr lang="en-US" dirty="0">
+              <a:solidFill>
+                <a:srgbClr val="007DC3"/>
+              </a:solidFill>
+              <a:latin typeface="+mn-lt"/>
+            </a:endParaRPr>
+          </a:p>
+          <a:p>
+            <a:pPr marL="770693" lvl="1" indent="-182880"/>
+            <a:endParaRPr lang="en-US" dirty="0">
+              <a:solidFill>
+                <a:srgbClr val="007DC3"/>
+              </a:solidFill>
+              <a:latin typeface="+mn-lt"/>
+            </a:endParaRPr>
+          </a:p>
+          <a:p>
+            <a:pPr marL="770693" lvl="1" indent="-182880"/>
+            <a:endParaRPr lang="en-US" dirty="0">
+              <a:solidFill>
+                <a:srgbClr val="007DC3"/>
+              </a:solidFill>
+              <a:latin typeface="+mn-lt"/>
+            </a:endParaRPr>
+          </a:p>
+          <a:p>
+            <a:pPr marL="770693" lvl="1" indent="-182880"/>
+            <a:endParaRPr lang="en-US" dirty="0">
+              <a:solidFill>
+                <a:srgbClr val="007DC3"/>
+              </a:solidFill>
+              <a:latin typeface="+mn-lt"/>
+            </a:endParaRPr>
+          </a:p>
+          <a:p>
+            <a:pPr marL="770693" lvl="1" indent="-182880"/>
+            <a:endParaRPr lang="en-US" dirty="0">
+              <a:solidFill>
+                <a:srgbClr val="007DC3"/>
+              </a:solidFill>
+              <a:latin typeface="+mn-lt"/>
+            </a:endParaRPr>
+          </a:p>
+          <a:p>
+            <a:pPr marL="770693" lvl="1" indent="-182880"/>
+            <a:endParaRPr lang="en-US" dirty="0">
+              <a:solidFill>
+                <a:srgbClr val="007DC3"/>
+              </a:solidFill>
+              <a:latin typeface="+mn-lt"/>
+            </a:endParaRPr>
+          </a:p>
+          <a:p>
+            <a:pPr marL="770693" lvl="1" indent="-182880"/>
+            <a:endParaRPr lang="en-US" dirty="0">
+              <a:solidFill>
+                <a:srgbClr val="007DC3"/>
+              </a:solidFill>
+              <a:latin typeface="+mn-lt"/>
+            </a:endParaRPr>
+          </a:p>
+          <a:p>
+            <a:pPr marL="770693" lvl="1" indent="-182880"/>
+            <a:endParaRPr lang="en-US" dirty="0">
+              <a:solidFill>
+                <a:srgbClr val="007DC3"/>
+              </a:solidFill>
+              <a:latin typeface="+mn-lt"/>
+            </a:endParaRPr>
+          </a:p>
+          <a:p>
+            <a:pPr marL="770693" lvl="1" indent="-182880"/>
+            <a:endParaRPr lang="en-US" dirty="0">
+              <a:solidFill>
+                <a:srgbClr val="007DC3"/>
+              </a:solidFill>
+              <a:latin typeface="+mn-lt"/>
+            </a:endParaRPr>
+          </a:p>
+          <a:p>
+            <a:pPr marL="770693" lvl="1" indent="-182880"/>
+            <a:endParaRPr lang="en-US" dirty="0">
+              <a:solidFill>
+                <a:srgbClr val="007DC3"/>
+              </a:solidFill>
+              <a:latin typeface="+mn-lt"/>
+            </a:endParaRPr>
+          </a:p>
+          <a:p>
+            <a:pPr marL="770693" lvl="1" indent="-182880"/>
+            <a:endParaRPr lang="en-US" dirty="0">
+              <a:solidFill>
+                <a:srgbClr val="007DC3"/>
+              </a:solidFill>
+              <a:latin typeface="+mn-lt"/>
+            </a:endParaRPr>
+          </a:p>
+          <a:p>
+            <a:pPr marL="770693" lvl="1" indent="-182880"/>
+            <a:endParaRPr lang="en-US" dirty="0">
+              <a:solidFill>
+                <a:srgbClr val="007DC3"/>
+              </a:solidFill>
+              <a:latin typeface="+mn-lt"/>
+            </a:endParaRPr>
+          </a:p>
+          <a:p>
+            <a:pPr marL="770693" lvl="1" indent="-182880"/>
+            <a:endParaRPr lang="en-US" dirty="0">
+              <a:solidFill>
+                <a:srgbClr val="007DC3"/>
+              </a:solidFill>
+              <a:latin typeface="+mn-lt"/>
+            </a:endParaRPr>
+          </a:p>
+          <a:p>
+            <a:pPr marL="770693" lvl="1" indent="-182880"/>
+            <a:endParaRPr lang="en-US" dirty="0">
+              <a:solidFill>
+                <a:srgbClr val="007DC3"/>
+              </a:solidFill>
+              <a:latin typeface="+mn-lt"/>
+            </a:endParaRPr>
+          </a:p>
+          <a:p>
+            <a:pPr marL="770693" lvl="1" indent="-182880"/>
+            <a:endParaRPr lang="en-US" dirty="0">
+              <a:solidFill>
+                <a:srgbClr val="007DC3"/>
+              </a:solidFill>
+              <a:latin typeface="+mn-lt"/>
+            </a:endParaRPr>
+          </a:p>
+          <a:p>
+            <a:pPr marL="770693" lvl="1" indent="-182880"/>
+            <a:endParaRPr lang="en-US" dirty="0">
+              <a:solidFill>
+                <a:srgbClr val="007DC3"/>
+              </a:solidFill>
+              <a:latin typeface="+mn-lt"/>
+            </a:endParaRPr>
+          </a:p>
+          <a:p>
+            <a:pPr marL="770693" lvl="1" indent="-182880"/>
+            <a:endParaRPr lang="en-US" dirty="0">
+              <a:solidFill>
+                <a:srgbClr val="007DC3"/>
+              </a:solidFill>
+              <a:latin typeface="+mn-lt"/>
+            </a:endParaRPr>
+          </a:p>
+          <a:p>
+            <a:pPr marL="770693" lvl="1" indent="-182880"/>
+            <a:endParaRPr lang="en-US" dirty="0">
+              <a:solidFill>
+                <a:srgbClr val="007DC3"/>
+              </a:solidFill>
+              <a:latin typeface="+mn-lt"/>
+            </a:endParaRPr>
+          </a:p>
+          <a:p>
+            <a:pPr marL="0" indent="0">
+              <a:buNone/>
+            </a:pPr>
+            <a:endParaRPr lang="en-US" sz="1600" dirty="0">
+              <a:solidFill>
+                <a:srgbClr val="007DC3"/>
+              </a:solidFill>
+              <a:latin typeface="+mn-lt"/>
+            </a:endParaRPr>
+          </a:p>
+          <a:p>
+            <a:pPr marL="0" indent="0">
+              <a:buNone/>
+            </a:pPr>
+            <a:endParaRPr lang="en-US" sz="1600" dirty="0">
+              <a:solidFill>
+                <a:srgbClr val="007DC3"/>
+              </a:solidFill>
+              <a:latin typeface="+mn-lt"/>
+            </a:endParaRPr>
+          </a:p>
+          <a:p>
+            <a:pPr marL="0" indent="0">
+              <a:buNone/>
+            </a:pPr>
+            <a:endParaRPr lang="en-US" sz="1600" dirty="0">
+              <a:solidFill>
+                <a:srgbClr val="007DC3"/>
+              </a:solidFill>
+              <a:latin typeface="+mn-lt"/>
+            </a:endParaRPr>
+          </a:p>
+        </p:txBody>
+      </p:sp>
+      <p:pic>
+        <p:nvPicPr>
+          <p:cNvPr id="4" name="Picture 3">
+            <a:extLst>
+              <a:ext uri="{FF2B5EF4-FFF2-40B4-BE49-F238E27FC236}">
+                <a16:creationId xmlns:a16="http://schemas.microsoft.com/office/drawing/2014/main" id="{6661837B-3119-444F-A9CA-3197DD0C0DE1}"/>
+              </a:ext>
+            </a:extLst>
+          </p:cNvPr>
+          <p:cNvPicPr>
+            <a:picLocks noChangeAspect="1"/>
+          </p:cNvPicPr>
+          <p:nvPr/>
+        </p:nvPicPr>
+        <p:blipFill>
+          <a:blip r:embed="rId3">
+            <a:extLst>
+              <a:ext uri="{28A0092B-C50C-407E-A947-70E740481C1C}">
+                <a14:useLocalDpi xmlns:a14="http://schemas.microsoft.com/office/drawing/2010/main" val="0"/>
+              </a:ext>
+            </a:extLst>
+          </a:blip>
+          <a:stretch>
+            <a:fillRect/>
+          </a:stretch>
+        </p:blipFill>
+        <p:spPr>
+          <a:xfrm>
+            <a:off x="416324" y="887726"/>
+            <a:ext cx="10681167" cy="5082547"/>
+          </a:xfrm>
+          <a:prstGeom prst="rect">
+            <a:avLst/>
+          </a:prstGeom>
+        </p:spPr>
+        <p:style>
+          <a:lnRef idx="2">
+            <a:schemeClr val="dk1"/>
+          </a:lnRef>
+          <a:fillRef idx="1">
+            <a:schemeClr val="lt1"/>
+          </a:fillRef>
+          <a:effectRef idx="0">
+            <a:schemeClr val="dk1"/>
+          </a:effectRef>
+          <a:fontRef idx="minor">
+            <a:schemeClr val="dk1"/>
+          </a:fontRef>
+        </p:style>
+      </p:pic>
+    </p:spTree>
+    <p:extLst>
+      <p:ext uri="{BB962C8B-B14F-4D97-AF65-F5344CB8AC3E}">
+        <p14:creationId xmlns:p14="http://schemas.microsoft.com/office/powerpoint/2010/main" val="673954294"/>
+      </p:ext>
+    </p:extLst>
+  </p:cSld>
+  <p:clrMapOvr>
+    <a:masterClrMapping/>
+  </p:clrMapOvr>
+  <p:transition spd="med"/>
+</p:sld>
+</file>
+
+<file path=ppt/slides/slide18.xml><?xml version="1.0" encoding="utf-8"?>
+<p:sld xmlns:a="http://schemas.openxmlformats.org/drawingml/2006/main" xmlns:r="http://schemas.openxmlformats.org/officeDocument/2006/relationships" xmlns:p="http://schemas.openxmlformats.org/presentationml/2006/main">
+  <p:cSld>
+    <p:spTree>
+      <p:nvGrpSpPr>
+        <p:cNvPr id="1" name=""/>
+        <p:cNvGrpSpPr/>
+        <p:nvPr/>
+      </p:nvGrpSpPr>
+      <p:grpSpPr>
+        <a:xfrm>
+          <a:off x="0" y="0"/>
+          <a:ext cx="0" cy="0"/>
+          <a:chOff x="0" y="0"/>
+          <a:chExt cx="0" cy="0"/>
+        </a:xfrm>
+      </p:grpSpPr>
+      <p:sp>
+        <p:nvSpPr>
+          <p:cNvPr id="374" name="Shape 374"/>
+          <p:cNvSpPr>
+            <a:spLocks noGrp="1"/>
+          </p:cNvSpPr>
+          <p:nvPr>
+            <p:ph type="title"/>
+          </p:nvPr>
+        </p:nvSpPr>
+        <p:spPr/>
+        <p:txBody>
+          <a:bodyPr/>
+          <a:lstStyle/>
+          <a:p>
+            <a:r>
+              <a:rPr lang="en-US" sz="2700" dirty="0">
+                <a:latin typeface="+mn-lt"/>
+                <a:sym typeface="Calibri"/>
+              </a:rPr>
+              <a:t>Technical Solution Continued…</a:t>
+            </a:r>
+          </a:p>
+        </p:txBody>
+      </p:sp>
+      <p:sp>
+        <p:nvSpPr>
+          <p:cNvPr id="2" name="Text Placeholder 1"/>
+          <p:cNvSpPr>
+            <a:spLocks noGrp="1"/>
+          </p:cNvSpPr>
+          <p:nvPr>
+            <p:ph type="body" sz="quarter" idx="10"/>
+          </p:nvPr>
+        </p:nvSpPr>
+        <p:spPr>
+          <a:xfrm>
             <a:off x="263924" y="804333"/>
             <a:ext cx="11664152" cy="5651885"/>
           </a:xfrm>
@@ -18047,7 +19058,7 @@
 </p:sld>
 </file>
 
-<file path=ppt/slides/slide17.xml><?xml version="1.0" encoding="utf-8"?>
+<file path=ppt/slides/slide19.xml><?xml version="1.0" encoding="utf-8"?>
 <p:sld xmlns:a="http://schemas.openxmlformats.org/drawingml/2006/main" xmlns:r="http://schemas.openxmlformats.org/officeDocument/2006/relationships" xmlns:p="http://schemas.openxmlformats.org/presentationml/2006/main">
   <p:cSld>
     <p:spTree>
@@ -18417,1176 +19428,6 @@
     <p:extLst>
       <p:ext uri="{BB962C8B-B14F-4D97-AF65-F5344CB8AC3E}">
         <p14:creationId xmlns:p14="http://schemas.microsoft.com/office/powerpoint/2010/main" val="1915103437"/>
-      </p:ext>
-    </p:extLst>
-  </p:cSld>
-  <p:clrMapOvr>
-    <a:masterClrMapping/>
-  </p:clrMapOvr>
-  <p:transition spd="med"/>
-</p:sld>
-</file>
-
-<file path=ppt/slides/slide18.xml><?xml version="1.0" encoding="utf-8"?>
-<p:sld xmlns:a="http://schemas.openxmlformats.org/drawingml/2006/main" xmlns:r="http://schemas.openxmlformats.org/officeDocument/2006/relationships" xmlns:p="http://schemas.openxmlformats.org/presentationml/2006/main">
-  <p:cSld>
-    <p:spTree>
-      <p:nvGrpSpPr>
-        <p:cNvPr id="1" name=""/>
-        <p:cNvGrpSpPr/>
-        <p:nvPr/>
-      </p:nvGrpSpPr>
-      <p:grpSpPr>
-        <a:xfrm>
-          <a:off x="0" y="0"/>
-          <a:ext cx="0" cy="0"/>
-          <a:chOff x="0" y="0"/>
-          <a:chExt cx="0" cy="0"/>
-        </a:xfrm>
-      </p:grpSpPr>
-      <p:sp>
-        <p:nvSpPr>
-          <p:cNvPr id="374" name="Shape 374"/>
-          <p:cNvSpPr>
-            <a:spLocks noGrp="1"/>
-          </p:cNvSpPr>
-          <p:nvPr>
-            <p:ph type="title"/>
-          </p:nvPr>
-        </p:nvSpPr>
-        <p:spPr/>
-        <p:txBody>
-          <a:bodyPr/>
-          <a:lstStyle/>
-          <a:p>
-            <a:r>
-              <a:rPr lang="en-US" sz="2700" dirty="0">
-                <a:latin typeface="+mn-lt"/>
-                <a:sym typeface="Calibri"/>
-              </a:rPr>
-              <a:t>Technical Solution Continued …</a:t>
-            </a:r>
-          </a:p>
-        </p:txBody>
-      </p:sp>
-      <p:sp>
-        <p:nvSpPr>
-          <p:cNvPr id="2" name="Text Placeholder 1"/>
-          <p:cNvSpPr>
-            <a:spLocks noGrp="1"/>
-          </p:cNvSpPr>
-          <p:nvPr>
-            <p:ph type="body" sz="quarter" idx="10"/>
-          </p:nvPr>
-        </p:nvSpPr>
-        <p:spPr>
-          <a:xfrm>
-            <a:off x="183464" y="804333"/>
-            <a:ext cx="11229263" cy="5718397"/>
-          </a:xfrm>
-        </p:spPr>
-        <p:txBody>
-          <a:bodyPr>
-            <a:normAutofit/>
-          </a:bodyPr>
-          <a:lstStyle/>
-          <a:p>
-            <a:pPr marL="587813" lvl="1" indent="0">
-              <a:buNone/>
-            </a:pPr>
-            <a:endParaRPr lang="en-US" dirty="0">
-              <a:solidFill>
-                <a:srgbClr val="007DC3"/>
-              </a:solidFill>
-              <a:latin typeface="+mn-lt"/>
-            </a:endParaRPr>
-          </a:p>
-          <a:p>
-            <a:pPr marL="770693" lvl="1" indent="-182880"/>
-            <a:endParaRPr lang="en-US" dirty="0">
-              <a:solidFill>
-                <a:srgbClr val="007DC3"/>
-              </a:solidFill>
-              <a:latin typeface="+mn-lt"/>
-            </a:endParaRPr>
-          </a:p>
-          <a:p>
-            <a:pPr marL="770693" lvl="1" indent="-182880"/>
-            <a:endParaRPr lang="en-US" dirty="0">
-              <a:solidFill>
-                <a:srgbClr val="007DC3"/>
-              </a:solidFill>
-              <a:latin typeface="+mn-lt"/>
-            </a:endParaRPr>
-          </a:p>
-          <a:p>
-            <a:pPr marL="770693" lvl="1" indent="-182880"/>
-            <a:endParaRPr lang="en-US" dirty="0">
-              <a:solidFill>
-                <a:srgbClr val="007DC3"/>
-              </a:solidFill>
-              <a:latin typeface="+mn-lt"/>
-            </a:endParaRPr>
-          </a:p>
-          <a:p>
-            <a:pPr marL="770693" lvl="1" indent="-182880"/>
-            <a:endParaRPr lang="en-US" dirty="0">
-              <a:solidFill>
-                <a:srgbClr val="007DC3"/>
-              </a:solidFill>
-              <a:latin typeface="+mn-lt"/>
-            </a:endParaRPr>
-          </a:p>
-          <a:p>
-            <a:pPr marL="770693" lvl="1" indent="-182880"/>
-            <a:endParaRPr lang="en-US" dirty="0">
-              <a:solidFill>
-                <a:srgbClr val="007DC3"/>
-              </a:solidFill>
-              <a:latin typeface="+mn-lt"/>
-            </a:endParaRPr>
-          </a:p>
-          <a:p>
-            <a:pPr marL="770693" lvl="1" indent="-182880"/>
-            <a:endParaRPr lang="en-US" dirty="0">
-              <a:solidFill>
-                <a:srgbClr val="007DC3"/>
-              </a:solidFill>
-              <a:latin typeface="+mn-lt"/>
-            </a:endParaRPr>
-          </a:p>
-          <a:p>
-            <a:pPr marL="770693" lvl="1" indent="-182880"/>
-            <a:endParaRPr lang="en-US" dirty="0">
-              <a:solidFill>
-                <a:srgbClr val="007DC3"/>
-              </a:solidFill>
-              <a:latin typeface="+mn-lt"/>
-            </a:endParaRPr>
-          </a:p>
-          <a:p>
-            <a:pPr marL="770693" lvl="1" indent="-182880"/>
-            <a:endParaRPr lang="en-US" dirty="0">
-              <a:solidFill>
-                <a:srgbClr val="007DC3"/>
-              </a:solidFill>
-              <a:latin typeface="+mn-lt"/>
-            </a:endParaRPr>
-          </a:p>
-          <a:p>
-            <a:pPr marL="770693" lvl="1" indent="-182880"/>
-            <a:endParaRPr lang="en-US" dirty="0">
-              <a:solidFill>
-                <a:srgbClr val="007DC3"/>
-              </a:solidFill>
-              <a:latin typeface="+mn-lt"/>
-            </a:endParaRPr>
-          </a:p>
-          <a:p>
-            <a:pPr marL="770693" lvl="1" indent="-182880"/>
-            <a:endParaRPr lang="en-US" dirty="0">
-              <a:solidFill>
-                <a:srgbClr val="007DC3"/>
-              </a:solidFill>
-              <a:latin typeface="+mn-lt"/>
-            </a:endParaRPr>
-          </a:p>
-          <a:p>
-            <a:pPr marL="770693" lvl="1" indent="-182880"/>
-            <a:endParaRPr lang="en-US" dirty="0">
-              <a:solidFill>
-                <a:srgbClr val="007DC3"/>
-              </a:solidFill>
-              <a:latin typeface="+mn-lt"/>
-            </a:endParaRPr>
-          </a:p>
-          <a:p>
-            <a:pPr marL="770693" lvl="1" indent="-182880"/>
-            <a:endParaRPr lang="en-US" dirty="0">
-              <a:solidFill>
-                <a:srgbClr val="007DC3"/>
-              </a:solidFill>
-              <a:latin typeface="+mn-lt"/>
-            </a:endParaRPr>
-          </a:p>
-          <a:p>
-            <a:pPr marL="770693" lvl="1" indent="-182880"/>
-            <a:endParaRPr lang="en-US" dirty="0">
-              <a:solidFill>
-                <a:srgbClr val="007DC3"/>
-              </a:solidFill>
-              <a:latin typeface="+mn-lt"/>
-            </a:endParaRPr>
-          </a:p>
-          <a:p>
-            <a:pPr marL="770693" lvl="1" indent="-182880"/>
-            <a:endParaRPr lang="en-US" dirty="0">
-              <a:solidFill>
-                <a:srgbClr val="007DC3"/>
-              </a:solidFill>
-              <a:latin typeface="+mn-lt"/>
-            </a:endParaRPr>
-          </a:p>
-          <a:p>
-            <a:pPr marL="770693" lvl="1" indent="-182880"/>
-            <a:endParaRPr lang="en-US" dirty="0">
-              <a:solidFill>
-                <a:srgbClr val="007DC3"/>
-              </a:solidFill>
-              <a:latin typeface="+mn-lt"/>
-            </a:endParaRPr>
-          </a:p>
-          <a:p>
-            <a:pPr marL="770693" lvl="1" indent="-182880"/>
-            <a:endParaRPr lang="en-US" dirty="0">
-              <a:solidFill>
-                <a:srgbClr val="007DC3"/>
-              </a:solidFill>
-              <a:latin typeface="+mn-lt"/>
-            </a:endParaRPr>
-          </a:p>
-          <a:p>
-            <a:pPr marL="770693" lvl="1" indent="-182880"/>
-            <a:endParaRPr lang="en-US" dirty="0">
-              <a:solidFill>
-                <a:srgbClr val="007DC3"/>
-              </a:solidFill>
-              <a:latin typeface="+mn-lt"/>
-            </a:endParaRPr>
-          </a:p>
-          <a:p>
-            <a:pPr marL="770693" lvl="1" indent="-182880"/>
-            <a:endParaRPr lang="en-US" dirty="0">
-              <a:solidFill>
-                <a:srgbClr val="007DC3"/>
-              </a:solidFill>
-              <a:latin typeface="+mn-lt"/>
-            </a:endParaRPr>
-          </a:p>
-          <a:p>
-            <a:pPr marL="770693" lvl="1" indent="-182880"/>
-            <a:endParaRPr lang="en-US" dirty="0">
-              <a:solidFill>
-                <a:srgbClr val="007DC3"/>
-              </a:solidFill>
-              <a:latin typeface="+mn-lt"/>
-            </a:endParaRPr>
-          </a:p>
-          <a:p>
-            <a:pPr marL="770693" lvl="1" indent="-182880"/>
-            <a:endParaRPr lang="en-US" dirty="0">
-              <a:solidFill>
-                <a:srgbClr val="007DC3"/>
-              </a:solidFill>
-              <a:latin typeface="+mn-lt"/>
-            </a:endParaRPr>
-          </a:p>
-          <a:p>
-            <a:pPr marL="770693" lvl="1" indent="-182880"/>
-            <a:endParaRPr lang="en-US" dirty="0">
-              <a:solidFill>
-                <a:srgbClr val="007DC3"/>
-              </a:solidFill>
-              <a:latin typeface="+mn-lt"/>
-            </a:endParaRPr>
-          </a:p>
-          <a:p>
-            <a:pPr marL="0" indent="0">
-              <a:buNone/>
-            </a:pPr>
-            <a:endParaRPr lang="en-US" sz="1600" dirty="0">
-              <a:solidFill>
-                <a:srgbClr val="007DC3"/>
-              </a:solidFill>
-              <a:latin typeface="+mn-lt"/>
-            </a:endParaRPr>
-          </a:p>
-          <a:p>
-            <a:pPr marL="0" indent="0">
-              <a:buNone/>
-            </a:pPr>
-            <a:endParaRPr lang="en-US" sz="1600" dirty="0">
-              <a:solidFill>
-                <a:srgbClr val="007DC3"/>
-              </a:solidFill>
-              <a:latin typeface="+mn-lt"/>
-            </a:endParaRPr>
-          </a:p>
-          <a:p>
-            <a:pPr marL="0" indent="0">
-              <a:buNone/>
-            </a:pPr>
-            <a:endParaRPr lang="en-US" sz="1600" dirty="0">
-              <a:solidFill>
-                <a:srgbClr val="007DC3"/>
-              </a:solidFill>
-              <a:latin typeface="+mn-lt"/>
-            </a:endParaRPr>
-          </a:p>
-        </p:txBody>
-      </p:sp>
-      <p:sp>
-        <p:nvSpPr>
-          <p:cNvPr id="4" name="Rectangle 3">
-            <a:extLst>
-              <a:ext uri="{FF2B5EF4-FFF2-40B4-BE49-F238E27FC236}">
-                <a16:creationId xmlns:a16="http://schemas.microsoft.com/office/drawing/2014/main" id="{FFF0B0D0-AD67-4375-AC8F-8EC977F6D482}"/>
-              </a:ext>
-            </a:extLst>
-          </p:cNvPr>
-          <p:cNvSpPr/>
-          <p:nvPr/>
-        </p:nvSpPr>
-        <p:spPr>
-          <a:xfrm>
-            <a:off x="424430" y="570377"/>
-            <a:ext cx="11229262" cy="6186309"/>
-          </a:xfrm>
-          <a:prstGeom prst="rect">
-            <a:avLst/>
-          </a:prstGeom>
-        </p:spPr>
-        <p:txBody>
-          <a:bodyPr wrap="square">
-            <a:spAutoFit/>
-          </a:bodyPr>
-          <a:lstStyle/>
-          <a:p>
-            <a:pPr marL="587813" lvl="1" indent="0">
-              <a:buNone/>
-            </a:pPr>
-            <a:r>
-              <a:rPr lang="en-US" b="1" u="sng" dirty="0">
-                <a:solidFill>
-                  <a:srgbClr val="007DC3"/>
-                </a:solidFill>
-              </a:rPr>
-              <a:t>Cron Job</a:t>
-            </a:r>
-            <a:r>
-              <a:rPr lang="en-US" dirty="0">
-                <a:solidFill>
-                  <a:srgbClr val="007DC3"/>
-                </a:solidFill>
-              </a:rPr>
-              <a:t> :</a:t>
-            </a:r>
-          </a:p>
-          <a:p>
-            <a:pPr marL="873563" lvl="1" indent="-285750">
-              <a:buFontTx/>
-              <a:buChar char="-"/>
-            </a:pPr>
-            <a:r>
-              <a:rPr lang="en-US" dirty="0">
-                <a:solidFill>
-                  <a:srgbClr val="007DC3"/>
-                </a:solidFill>
-              </a:rPr>
-              <a:t>Cron jobs is being used to set notification frequency.</a:t>
-            </a:r>
-          </a:p>
-          <a:p>
-            <a:pPr marL="873563" lvl="1" indent="-285750">
-              <a:buFontTx/>
-              <a:buChar char="-"/>
-            </a:pPr>
-            <a:r>
-              <a:rPr lang="en-US" dirty="0">
-                <a:solidFill>
-                  <a:srgbClr val="007DC3"/>
-                </a:solidFill>
-              </a:rPr>
-              <a:t>Interval can be configurable.</a:t>
-            </a:r>
-          </a:p>
-          <a:p>
-            <a:pPr marL="587813" lvl="1"/>
-            <a:endParaRPr lang="en-US" dirty="0">
-              <a:solidFill>
-                <a:srgbClr val="007DC3"/>
-              </a:solidFill>
-            </a:endParaRPr>
-          </a:p>
-          <a:p>
-            <a:pPr marL="587813" lvl="1"/>
-            <a:r>
-              <a:rPr lang="en-US" b="1" u="sng" dirty="0">
-                <a:solidFill>
-                  <a:srgbClr val="007DC3"/>
-                </a:solidFill>
-              </a:rPr>
-              <a:t>Miscellaneous</a:t>
-            </a:r>
-            <a:r>
-              <a:rPr lang="en-US" dirty="0">
-                <a:solidFill>
-                  <a:srgbClr val="007DC3"/>
-                </a:solidFill>
-              </a:rPr>
-              <a:t> :</a:t>
-            </a:r>
-          </a:p>
-          <a:p>
-            <a:pPr marL="587813" lvl="1"/>
-            <a:r>
-              <a:rPr lang="en-US" dirty="0">
-                <a:solidFill>
-                  <a:srgbClr val="007DC3"/>
-                </a:solidFill>
-              </a:rPr>
-              <a:t>There are 2 types of notifications</a:t>
-            </a:r>
-          </a:p>
-          <a:p>
-            <a:pPr marL="873563" lvl="1" indent="-285750">
-              <a:buFontTx/>
-              <a:buChar char="-"/>
-            </a:pPr>
-            <a:r>
-              <a:rPr lang="en-US" b="1" dirty="0">
-                <a:solidFill>
-                  <a:srgbClr val="007DC3"/>
-                </a:solidFill>
-              </a:rPr>
-              <a:t>To-Do Notifications </a:t>
-            </a:r>
-            <a:r>
-              <a:rPr lang="en-US" dirty="0">
-                <a:solidFill>
-                  <a:srgbClr val="007DC3"/>
-                </a:solidFill>
-              </a:rPr>
-              <a:t>to the employees who are not using </a:t>
-            </a:r>
-            <a:r>
-              <a:rPr lang="en-US" dirty="0" err="1">
-                <a:solidFill>
-                  <a:srgbClr val="007DC3"/>
-                </a:solidFill>
-              </a:rPr>
-              <a:t>iCount</a:t>
-            </a:r>
-            <a:r>
-              <a:rPr lang="en-US" dirty="0">
-                <a:solidFill>
-                  <a:srgbClr val="007DC3"/>
-                </a:solidFill>
-              </a:rPr>
-              <a:t> for certain duration.</a:t>
-            </a:r>
-          </a:p>
-          <a:p>
-            <a:pPr marL="873563" lvl="1" indent="-285750">
-              <a:buFontTx/>
-              <a:buChar char="-"/>
-            </a:pPr>
-            <a:r>
-              <a:rPr lang="en-US" b="1" dirty="0">
-                <a:solidFill>
-                  <a:srgbClr val="007DC3"/>
-                </a:solidFill>
-              </a:rPr>
-              <a:t>CDC-Notifications</a:t>
-            </a:r>
-            <a:r>
-              <a:rPr lang="en-US" dirty="0">
-                <a:solidFill>
-                  <a:srgbClr val="007DC3"/>
-                </a:solidFill>
-              </a:rPr>
-              <a:t> from the adapter service for appreciation, feedback, course/task completion etc. In short for any DB activity.</a:t>
-            </a:r>
-          </a:p>
-          <a:p>
-            <a:pPr marL="873563" lvl="1" indent="-285750">
-              <a:buFontTx/>
-              <a:buChar char="-"/>
-            </a:pPr>
-            <a:endParaRPr lang="en-US" dirty="0">
-              <a:solidFill>
-                <a:srgbClr val="007DC3"/>
-              </a:solidFill>
-            </a:endParaRPr>
-          </a:p>
-          <a:p>
-            <a:pPr marL="873563" lvl="1" indent="-285750">
-              <a:buFont typeface="Arial" panose="020B0604020202020204" pitchFamily="34" charset="0"/>
-              <a:buChar char="•"/>
-            </a:pPr>
-            <a:r>
-              <a:rPr lang="en-US" dirty="0">
-                <a:solidFill>
-                  <a:srgbClr val="007DC3"/>
-                </a:solidFill>
-              </a:rPr>
-              <a:t>Coins can be accumulated by giving or receiving feedback, appreciations etc. and redeemed using </a:t>
-            </a:r>
-            <a:r>
-              <a:rPr lang="en-US" dirty="0" err="1">
-                <a:solidFill>
-                  <a:srgbClr val="007DC3"/>
-                </a:solidFill>
-              </a:rPr>
-              <a:t>InfyGold</a:t>
-            </a:r>
-            <a:r>
-              <a:rPr lang="en-US" dirty="0">
-                <a:solidFill>
-                  <a:srgbClr val="007DC3"/>
-                </a:solidFill>
-              </a:rPr>
-              <a:t>+</a:t>
-            </a:r>
-          </a:p>
-          <a:p>
-            <a:pPr marL="873563" lvl="1" indent="-285750">
-              <a:buFontTx/>
-              <a:buChar char="-"/>
-            </a:pPr>
-            <a:r>
-              <a:rPr lang="en-US" dirty="0">
-                <a:solidFill>
-                  <a:srgbClr val="007DC3"/>
-                </a:solidFill>
-              </a:rPr>
-              <a:t>Deals can be announced  for more coins</a:t>
-            </a:r>
-          </a:p>
-          <a:p>
-            <a:pPr marL="873563" lvl="1" indent="-285750">
-              <a:buFontTx/>
-              <a:buChar char="-"/>
-            </a:pPr>
-            <a:r>
-              <a:rPr lang="en-US" dirty="0">
-                <a:solidFill>
-                  <a:srgbClr val="007DC3"/>
-                </a:solidFill>
-              </a:rPr>
-              <a:t>Default coins can be setup/configured in the application. </a:t>
-            </a:r>
-          </a:p>
-          <a:p>
-            <a:pPr marL="873563" lvl="1" indent="-285750">
-              <a:buFontTx/>
-              <a:buChar char="-"/>
-            </a:pPr>
-            <a:endParaRPr lang="en-US" dirty="0">
-              <a:solidFill>
-                <a:srgbClr val="007DC3"/>
-              </a:solidFill>
-            </a:endParaRPr>
-          </a:p>
-          <a:p>
-            <a:pPr marL="873563" lvl="1" indent="-285750">
-              <a:buFont typeface="Arial" panose="020B0604020202020204" pitchFamily="34" charset="0"/>
-              <a:buChar char="•"/>
-            </a:pPr>
-            <a:r>
-              <a:rPr lang="en-US" b="1" dirty="0">
-                <a:solidFill>
-                  <a:srgbClr val="007DC3"/>
-                </a:solidFill>
-              </a:rPr>
-              <a:t>Performance score-card </a:t>
-            </a:r>
-            <a:r>
-              <a:rPr lang="en-US" dirty="0">
-                <a:solidFill>
-                  <a:srgbClr val="007DC3"/>
-                </a:solidFill>
-              </a:rPr>
-              <a:t>allow </a:t>
-            </a:r>
-            <a:r>
-              <a:rPr lang="en-US" b="1" dirty="0">
-                <a:solidFill>
-                  <a:srgbClr val="007DC3"/>
-                </a:solidFill>
-              </a:rPr>
-              <a:t>management</a:t>
-            </a:r>
-            <a:r>
-              <a:rPr lang="en-US" dirty="0">
-                <a:solidFill>
-                  <a:srgbClr val="007DC3"/>
-                </a:solidFill>
-              </a:rPr>
-              <a:t> to collate, analyze and view the performance across the team. </a:t>
-            </a:r>
-          </a:p>
-          <a:p>
-            <a:pPr marL="587813" lvl="1"/>
-            <a:r>
-              <a:rPr lang="en-US" dirty="0">
-                <a:solidFill>
-                  <a:srgbClr val="007DC3"/>
-                </a:solidFill>
-              </a:rPr>
-              <a:t>-    System calculated automated process.</a:t>
-            </a:r>
-          </a:p>
-          <a:p>
-            <a:pPr marL="873563" lvl="1" indent="-285750">
-              <a:buFontTx/>
-              <a:buChar char="-"/>
-            </a:pPr>
-            <a:r>
-              <a:rPr lang="en-US" dirty="0">
-                <a:solidFill>
-                  <a:srgbClr val="007DC3"/>
-                </a:solidFill>
-              </a:rPr>
-              <a:t>Velocity/Performance, Timeliness are attributes to measure.</a:t>
-            </a:r>
-          </a:p>
-          <a:p>
-            <a:pPr marL="587813" lvl="1"/>
-            <a:r>
-              <a:rPr lang="en-US" dirty="0">
-                <a:solidFill>
-                  <a:srgbClr val="007DC3"/>
-                </a:solidFill>
-              </a:rPr>
-              <a:t>	1. Performance can be determined based on # of feedbacks, appreciations, tasks and course completion.</a:t>
-            </a:r>
-          </a:p>
-          <a:p>
-            <a:pPr marL="587813" lvl="1"/>
-            <a:r>
-              <a:rPr lang="en-US" dirty="0">
-                <a:solidFill>
-                  <a:srgbClr val="007DC3"/>
-                </a:solidFill>
-              </a:rPr>
-              <a:t>	2. Timeliness is how much time it takes to close the appraisal for that team.</a:t>
-            </a:r>
-          </a:p>
-          <a:p>
-            <a:pPr marL="873563" lvl="1" indent="-285750">
-              <a:buFontTx/>
-              <a:buChar char="-"/>
-            </a:pPr>
-            <a:endParaRPr lang="en-US" dirty="0">
-              <a:solidFill>
-                <a:srgbClr val="007DC3"/>
-              </a:solidFill>
-            </a:endParaRPr>
-          </a:p>
-          <a:p>
-            <a:pPr marL="587813" lvl="1"/>
-            <a:endParaRPr lang="en-US" dirty="0">
-              <a:solidFill>
-                <a:srgbClr val="007DC3"/>
-              </a:solidFill>
-            </a:endParaRPr>
-          </a:p>
-          <a:p>
-            <a:pPr marL="873563" lvl="1" indent="-285750">
-              <a:buFont typeface="Arial" panose="020B0604020202020204" pitchFamily="34" charset="0"/>
-              <a:buChar char="•"/>
-            </a:pPr>
-            <a:endParaRPr lang="en-US" dirty="0">
-              <a:solidFill>
-                <a:srgbClr val="007DC3"/>
-              </a:solidFill>
-            </a:endParaRPr>
-          </a:p>
-        </p:txBody>
-      </p:sp>
-    </p:spTree>
-    <p:extLst>
-      <p:ext uri="{BB962C8B-B14F-4D97-AF65-F5344CB8AC3E}">
-        <p14:creationId xmlns:p14="http://schemas.microsoft.com/office/powerpoint/2010/main" val="1149928008"/>
-      </p:ext>
-    </p:extLst>
-  </p:cSld>
-  <p:clrMapOvr>
-    <a:masterClrMapping/>
-  </p:clrMapOvr>
-  <p:transition spd="med"/>
-</p:sld>
-</file>
-
-<file path=ppt/slides/slide19.xml><?xml version="1.0" encoding="utf-8"?>
-<p:sld xmlns:a="http://schemas.openxmlformats.org/drawingml/2006/main" xmlns:r="http://schemas.openxmlformats.org/officeDocument/2006/relationships" xmlns:p="http://schemas.openxmlformats.org/presentationml/2006/main">
-  <p:cSld>
-    <p:spTree>
-      <p:nvGrpSpPr>
-        <p:cNvPr id="1" name=""/>
-        <p:cNvGrpSpPr/>
-        <p:nvPr/>
-      </p:nvGrpSpPr>
-      <p:grpSpPr>
-        <a:xfrm>
-          <a:off x="0" y="0"/>
-          <a:ext cx="0" cy="0"/>
-          <a:chOff x="0" y="0"/>
-          <a:chExt cx="0" cy="0"/>
-        </a:xfrm>
-      </p:grpSpPr>
-      <p:sp>
-        <p:nvSpPr>
-          <p:cNvPr id="374" name="Shape 374"/>
-          <p:cNvSpPr>
-            <a:spLocks noGrp="1"/>
-          </p:cNvSpPr>
-          <p:nvPr>
-            <p:ph type="title"/>
-          </p:nvPr>
-        </p:nvSpPr>
-        <p:spPr/>
-        <p:txBody>
-          <a:bodyPr/>
-          <a:lstStyle/>
-          <a:p>
-            <a:r>
-              <a:rPr lang="en-US" sz="2700" dirty="0">
-                <a:latin typeface="+mn-lt"/>
-                <a:sym typeface="Calibri"/>
-              </a:rPr>
-              <a:t>Technical Solution</a:t>
-            </a:r>
-          </a:p>
-        </p:txBody>
-      </p:sp>
-      <p:sp>
-        <p:nvSpPr>
-          <p:cNvPr id="2" name="Text Placeholder 1"/>
-          <p:cNvSpPr>
-            <a:spLocks noGrp="1"/>
-          </p:cNvSpPr>
-          <p:nvPr>
-            <p:ph type="body" sz="quarter" idx="10"/>
-          </p:nvPr>
-        </p:nvSpPr>
-        <p:spPr>
-          <a:xfrm>
-            <a:off x="183464" y="804333"/>
-            <a:ext cx="11229263" cy="5718397"/>
-          </a:xfrm>
-        </p:spPr>
-        <p:txBody>
-          <a:bodyPr>
-            <a:normAutofit/>
-          </a:bodyPr>
-          <a:lstStyle/>
-          <a:p>
-            <a:pPr marL="587813" lvl="1" indent="0">
-              <a:buNone/>
-            </a:pPr>
-            <a:endParaRPr lang="en-US" dirty="0">
-              <a:solidFill>
-                <a:srgbClr val="007DC3"/>
-              </a:solidFill>
-              <a:latin typeface="+mn-lt"/>
-            </a:endParaRPr>
-          </a:p>
-          <a:p>
-            <a:pPr marL="770693" lvl="1" indent="-182880"/>
-            <a:r>
-              <a:rPr lang="en-US" sz="1800" b="1" i="1" u="sng" dirty="0" err="1">
-                <a:solidFill>
-                  <a:srgbClr val="007DC3"/>
-                </a:solidFill>
-              </a:rPr>
-              <a:t>Depoyment</a:t>
-            </a:r>
-            <a:endParaRPr lang="en-US" sz="1800" b="1" i="1" u="sng" dirty="0">
-              <a:solidFill>
-                <a:srgbClr val="007DC3"/>
-              </a:solidFill>
-            </a:endParaRPr>
-          </a:p>
-          <a:p>
-            <a:pPr marL="587813" lvl="1" indent="0">
-              <a:buNone/>
-            </a:pPr>
-            <a:r>
-              <a:rPr lang="en-US" dirty="0">
-                <a:solidFill>
-                  <a:srgbClr val="007DC3"/>
-                </a:solidFill>
-              </a:rPr>
-              <a:t>We want to deploy </a:t>
-            </a:r>
-            <a:r>
-              <a:rPr lang="en-US" dirty="0" err="1">
-                <a:solidFill>
-                  <a:srgbClr val="007DC3"/>
-                </a:solidFill>
-              </a:rPr>
-              <a:t>iCount</a:t>
-            </a:r>
-            <a:r>
-              <a:rPr lang="en-US" dirty="0">
-                <a:solidFill>
-                  <a:srgbClr val="007DC3"/>
-                </a:solidFill>
-              </a:rPr>
-              <a:t> Store to AWS cloud. This micro-service is running on port 8300, 8301 and 8302 and can be accessed through following </a:t>
-            </a:r>
-            <a:r>
-              <a:rPr lang="en-US" dirty="0" err="1">
-                <a:solidFill>
-                  <a:srgbClr val="007DC3"/>
-                </a:solidFill>
-              </a:rPr>
-              <a:t>urls</a:t>
-            </a:r>
-            <a:endParaRPr lang="en-US" dirty="0">
-              <a:solidFill>
-                <a:srgbClr val="007DC3"/>
-              </a:solidFill>
-            </a:endParaRPr>
-          </a:p>
-          <a:p>
-            <a:pPr marL="587813" lvl="1" indent="0">
-              <a:buNone/>
-            </a:pPr>
-            <a:r>
-              <a:rPr lang="en-US" dirty="0">
-                <a:hlinkClick r:id="rId3"/>
-              </a:rPr>
-              <a:t>http://13.59.15.42:8300/adapter/appreciation/upload</a:t>
-            </a:r>
-            <a:r>
-              <a:rPr lang="en-US" dirty="0"/>
-              <a:t> </a:t>
-            </a:r>
-            <a:r>
-              <a:rPr lang="en-US" dirty="0">
-                <a:hlinkClick r:id="rId4"/>
-              </a:rPr>
-              <a:t>http://13.59.15.42:8301/proxy/get/user/details?emailId=samrat.basu%40gmail.com</a:t>
-            </a:r>
-            <a:r>
-              <a:rPr lang="en-US" dirty="0"/>
-              <a:t> </a:t>
-            </a:r>
-          </a:p>
-          <a:p>
-            <a:pPr marL="587813" lvl="1" indent="0">
-              <a:buNone/>
-            </a:pPr>
-            <a:r>
-              <a:rPr lang="en-US" dirty="0">
-                <a:hlinkClick r:id="rId5"/>
-              </a:rPr>
-              <a:t>http://13.59.15.42:8302/notification-service</a:t>
-            </a:r>
-            <a:r>
-              <a:rPr lang="en-US" dirty="0"/>
-              <a:t>  </a:t>
-            </a:r>
-          </a:p>
-          <a:p>
-            <a:pPr marL="587813" lvl="1" indent="0">
-              <a:buNone/>
-            </a:pPr>
-            <a:endParaRPr lang="en-US" dirty="0">
-              <a:solidFill>
-                <a:srgbClr val="007DC3"/>
-              </a:solidFill>
-            </a:endParaRPr>
-          </a:p>
-          <a:p>
-            <a:pPr marL="587813" lvl="1" indent="0">
-              <a:buNone/>
-            </a:pPr>
-            <a:endParaRPr lang="en-US" dirty="0">
-              <a:solidFill>
-                <a:srgbClr val="007DC3"/>
-              </a:solidFill>
-            </a:endParaRPr>
-          </a:p>
-          <a:p>
-            <a:pPr marL="587813" lvl="1" indent="0">
-              <a:buNone/>
-            </a:pPr>
-            <a:endParaRPr lang="en-US" dirty="0">
-              <a:solidFill>
-                <a:srgbClr val="007DC3"/>
-              </a:solidFill>
-              <a:latin typeface="+mn-lt"/>
-            </a:endParaRPr>
-          </a:p>
-          <a:p>
-            <a:pPr marL="770693" lvl="1" indent="-182880"/>
-            <a:endParaRPr lang="en-US" b="1" i="1" u="sng" dirty="0">
-              <a:solidFill>
-                <a:srgbClr val="007DC3"/>
-              </a:solidFill>
-            </a:endParaRPr>
-          </a:p>
-          <a:p>
-            <a:pPr marL="770693" lvl="1" indent="-182880"/>
-            <a:endParaRPr lang="en-US" dirty="0">
-              <a:solidFill>
-                <a:srgbClr val="007DC3"/>
-              </a:solidFill>
-              <a:latin typeface="+mn-lt"/>
-            </a:endParaRPr>
-          </a:p>
-          <a:p>
-            <a:pPr marL="770693" lvl="1" indent="-182880"/>
-            <a:endParaRPr lang="en-US" dirty="0">
-              <a:solidFill>
-                <a:srgbClr val="007DC3"/>
-              </a:solidFill>
-              <a:latin typeface="+mn-lt"/>
-            </a:endParaRPr>
-          </a:p>
-          <a:p>
-            <a:pPr marL="770693" lvl="1" indent="-182880"/>
-            <a:endParaRPr lang="en-US" dirty="0">
-              <a:solidFill>
-                <a:srgbClr val="007DC3"/>
-              </a:solidFill>
-              <a:latin typeface="+mn-lt"/>
-            </a:endParaRPr>
-          </a:p>
-          <a:p>
-            <a:pPr marL="770693" lvl="1" indent="-182880"/>
-            <a:endParaRPr lang="en-US" dirty="0">
-              <a:solidFill>
-                <a:srgbClr val="007DC3"/>
-              </a:solidFill>
-              <a:latin typeface="+mn-lt"/>
-            </a:endParaRPr>
-          </a:p>
-          <a:p>
-            <a:pPr marL="770693" lvl="1" indent="-182880"/>
-            <a:endParaRPr lang="en-US" dirty="0">
-              <a:solidFill>
-                <a:srgbClr val="007DC3"/>
-              </a:solidFill>
-              <a:latin typeface="+mn-lt"/>
-            </a:endParaRPr>
-          </a:p>
-          <a:p>
-            <a:pPr marL="770693" lvl="1" indent="-182880"/>
-            <a:endParaRPr lang="en-US" dirty="0">
-              <a:solidFill>
-                <a:srgbClr val="007DC3"/>
-              </a:solidFill>
-              <a:latin typeface="+mn-lt"/>
-            </a:endParaRPr>
-          </a:p>
-          <a:p>
-            <a:pPr marL="770693" lvl="1" indent="-182880"/>
-            <a:endParaRPr lang="en-US" dirty="0">
-              <a:solidFill>
-                <a:srgbClr val="007DC3"/>
-              </a:solidFill>
-              <a:latin typeface="+mn-lt"/>
-            </a:endParaRPr>
-          </a:p>
-          <a:p>
-            <a:pPr marL="770693" lvl="1" indent="-182880"/>
-            <a:endParaRPr lang="en-US" dirty="0">
-              <a:solidFill>
-                <a:srgbClr val="007DC3"/>
-              </a:solidFill>
-              <a:latin typeface="+mn-lt"/>
-            </a:endParaRPr>
-          </a:p>
-          <a:p>
-            <a:pPr marL="770693" lvl="1" indent="-182880"/>
-            <a:endParaRPr lang="en-US" dirty="0">
-              <a:solidFill>
-                <a:srgbClr val="007DC3"/>
-              </a:solidFill>
-              <a:latin typeface="+mn-lt"/>
-            </a:endParaRPr>
-          </a:p>
-          <a:p>
-            <a:pPr marL="770693" lvl="1" indent="-182880"/>
-            <a:endParaRPr lang="en-US" dirty="0">
-              <a:solidFill>
-                <a:srgbClr val="007DC3"/>
-              </a:solidFill>
-              <a:latin typeface="+mn-lt"/>
-            </a:endParaRPr>
-          </a:p>
-          <a:p>
-            <a:pPr marL="770693" lvl="1" indent="-182880"/>
-            <a:endParaRPr lang="en-US" dirty="0">
-              <a:solidFill>
-                <a:srgbClr val="007DC3"/>
-              </a:solidFill>
-              <a:latin typeface="+mn-lt"/>
-            </a:endParaRPr>
-          </a:p>
-          <a:p>
-            <a:pPr marL="770693" lvl="1" indent="-182880"/>
-            <a:endParaRPr lang="en-US" dirty="0">
-              <a:solidFill>
-                <a:srgbClr val="007DC3"/>
-              </a:solidFill>
-              <a:latin typeface="+mn-lt"/>
-            </a:endParaRPr>
-          </a:p>
-          <a:p>
-            <a:pPr marL="770693" lvl="1" indent="-182880"/>
-            <a:endParaRPr lang="en-US" dirty="0">
-              <a:solidFill>
-                <a:srgbClr val="007DC3"/>
-              </a:solidFill>
-              <a:latin typeface="+mn-lt"/>
-            </a:endParaRPr>
-          </a:p>
-          <a:p>
-            <a:pPr marL="770693" lvl="1" indent="-182880"/>
-            <a:endParaRPr lang="en-US" dirty="0">
-              <a:solidFill>
-                <a:srgbClr val="007DC3"/>
-              </a:solidFill>
-              <a:latin typeface="+mn-lt"/>
-            </a:endParaRPr>
-          </a:p>
-          <a:p>
-            <a:pPr marL="770693" lvl="1" indent="-182880"/>
-            <a:endParaRPr lang="en-US" dirty="0">
-              <a:solidFill>
-                <a:srgbClr val="007DC3"/>
-              </a:solidFill>
-              <a:latin typeface="+mn-lt"/>
-            </a:endParaRPr>
-          </a:p>
-          <a:p>
-            <a:pPr marL="770693" lvl="1" indent="-182880"/>
-            <a:endParaRPr lang="en-US" dirty="0">
-              <a:solidFill>
-                <a:srgbClr val="007DC3"/>
-              </a:solidFill>
-              <a:latin typeface="+mn-lt"/>
-            </a:endParaRPr>
-          </a:p>
-          <a:p>
-            <a:pPr marL="770693" lvl="1" indent="-182880"/>
-            <a:endParaRPr lang="en-US" dirty="0">
-              <a:solidFill>
-                <a:srgbClr val="007DC3"/>
-              </a:solidFill>
-              <a:latin typeface="+mn-lt"/>
-            </a:endParaRPr>
-          </a:p>
-          <a:p>
-            <a:pPr marL="770693" lvl="1" indent="-182880"/>
-            <a:endParaRPr lang="en-US" dirty="0">
-              <a:solidFill>
-                <a:srgbClr val="007DC3"/>
-              </a:solidFill>
-              <a:latin typeface="+mn-lt"/>
-            </a:endParaRPr>
-          </a:p>
-          <a:p>
-            <a:pPr marL="770693" lvl="1" indent="-182880"/>
-            <a:endParaRPr lang="en-US" dirty="0">
-              <a:solidFill>
-                <a:srgbClr val="007DC3"/>
-              </a:solidFill>
-              <a:latin typeface="+mn-lt"/>
-            </a:endParaRPr>
-          </a:p>
-          <a:p>
-            <a:pPr marL="770693" lvl="1" indent="-182880"/>
-            <a:endParaRPr lang="en-US" dirty="0">
-              <a:solidFill>
-                <a:srgbClr val="007DC3"/>
-              </a:solidFill>
-              <a:latin typeface="+mn-lt"/>
-            </a:endParaRPr>
-          </a:p>
-          <a:p>
-            <a:pPr marL="770693" lvl="1" indent="-182880"/>
-            <a:endParaRPr lang="en-US" dirty="0">
-              <a:solidFill>
-                <a:srgbClr val="007DC3"/>
-              </a:solidFill>
-              <a:latin typeface="+mn-lt"/>
-            </a:endParaRPr>
-          </a:p>
-          <a:p>
-            <a:pPr marL="770693" lvl="1" indent="-182880"/>
-            <a:endParaRPr lang="en-US" dirty="0">
-              <a:solidFill>
-                <a:srgbClr val="007DC3"/>
-              </a:solidFill>
-              <a:latin typeface="+mn-lt"/>
-            </a:endParaRPr>
-          </a:p>
-          <a:p>
-            <a:pPr marL="0" indent="0">
-              <a:buNone/>
-            </a:pPr>
-            <a:endParaRPr lang="en-US" sz="1600" dirty="0">
-              <a:solidFill>
-                <a:srgbClr val="007DC3"/>
-              </a:solidFill>
-              <a:latin typeface="+mn-lt"/>
-            </a:endParaRPr>
-          </a:p>
-          <a:p>
-            <a:pPr marL="0" indent="0">
-              <a:buNone/>
-            </a:pPr>
-            <a:endParaRPr lang="en-US" sz="1600" dirty="0">
-              <a:solidFill>
-                <a:srgbClr val="007DC3"/>
-              </a:solidFill>
-              <a:latin typeface="+mn-lt"/>
-            </a:endParaRPr>
-          </a:p>
-          <a:p>
-            <a:pPr marL="0" indent="0">
-              <a:buNone/>
-            </a:pPr>
-            <a:endParaRPr lang="en-US" sz="1600" dirty="0">
-              <a:solidFill>
-                <a:srgbClr val="007DC3"/>
-              </a:solidFill>
-              <a:latin typeface="+mn-lt"/>
-            </a:endParaRPr>
-          </a:p>
-        </p:txBody>
-      </p:sp>
-      <p:pic>
-        <p:nvPicPr>
-          <p:cNvPr id="4" name="Picture 3">
-            <a:extLst>
-              <a:ext uri="{FF2B5EF4-FFF2-40B4-BE49-F238E27FC236}">
-                <a16:creationId xmlns:a16="http://schemas.microsoft.com/office/drawing/2014/main" id="{11419408-E2F1-4E7D-A6C0-07E10F3C46BB}"/>
-              </a:ext>
-            </a:extLst>
-          </p:cNvPr>
-          <p:cNvPicPr>
-            <a:picLocks noChangeAspect="1"/>
-          </p:cNvPicPr>
-          <p:nvPr/>
-        </p:nvPicPr>
-        <p:blipFill>
-          <a:blip r:embed="rId6"/>
-          <a:stretch>
-            <a:fillRect/>
-          </a:stretch>
-        </p:blipFill>
-        <p:spPr>
-          <a:xfrm>
-            <a:off x="779273" y="2960370"/>
-            <a:ext cx="9658350" cy="2400300"/>
-          </a:xfrm>
-          <a:prstGeom prst="rect">
-            <a:avLst/>
-          </a:prstGeom>
-        </p:spPr>
-      </p:pic>
-    </p:spTree>
-    <p:extLst>
-      <p:ext uri="{BB962C8B-B14F-4D97-AF65-F5344CB8AC3E}">
-        <p14:creationId xmlns:p14="http://schemas.microsoft.com/office/powerpoint/2010/main" val="3877860565"/>
       </p:ext>
     </p:extLst>
   </p:cSld>
@@ -21067,6 +20908,1176 @@
       </p:grpSpPr>
       <p:sp>
         <p:nvSpPr>
+          <p:cNvPr id="374" name="Shape 374"/>
+          <p:cNvSpPr>
+            <a:spLocks noGrp="1"/>
+          </p:cNvSpPr>
+          <p:nvPr>
+            <p:ph type="title"/>
+          </p:nvPr>
+        </p:nvSpPr>
+        <p:spPr/>
+        <p:txBody>
+          <a:bodyPr/>
+          <a:lstStyle/>
+          <a:p>
+            <a:r>
+              <a:rPr lang="en-US" sz="2700" dirty="0">
+                <a:latin typeface="+mn-lt"/>
+                <a:sym typeface="Calibri"/>
+              </a:rPr>
+              <a:t>Technical Solution Continued …</a:t>
+            </a:r>
+          </a:p>
+        </p:txBody>
+      </p:sp>
+      <p:sp>
+        <p:nvSpPr>
+          <p:cNvPr id="2" name="Text Placeholder 1"/>
+          <p:cNvSpPr>
+            <a:spLocks noGrp="1"/>
+          </p:cNvSpPr>
+          <p:nvPr>
+            <p:ph type="body" sz="quarter" idx="10"/>
+          </p:nvPr>
+        </p:nvSpPr>
+        <p:spPr>
+          <a:xfrm>
+            <a:off x="183464" y="804333"/>
+            <a:ext cx="11229263" cy="5718397"/>
+          </a:xfrm>
+        </p:spPr>
+        <p:txBody>
+          <a:bodyPr>
+            <a:normAutofit/>
+          </a:bodyPr>
+          <a:lstStyle/>
+          <a:p>
+            <a:pPr marL="587813" lvl="1" indent="0">
+              <a:buNone/>
+            </a:pPr>
+            <a:endParaRPr lang="en-US" dirty="0">
+              <a:solidFill>
+                <a:srgbClr val="007DC3"/>
+              </a:solidFill>
+              <a:latin typeface="+mn-lt"/>
+            </a:endParaRPr>
+          </a:p>
+          <a:p>
+            <a:pPr marL="770693" lvl="1" indent="-182880"/>
+            <a:endParaRPr lang="en-US" dirty="0">
+              <a:solidFill>
+                <a:srgbClr val="007DC3"/>
+              </a:solidFill>
+              <a:latin typeface="+mn-lt"/>
+            </a:endParaRPr>
+          </a:p>
+          <a:p>
+            <a:pPr marL="770693" lvl="1" indent="-182880"/>
+            <a:endParaRPr lang="en-US" dirty="0">
+              <a:solidFill>
+                <a:srgbClr val="007DC3"/>
+              </a:solidFill>
+              <a:latin typeface="+mn-lt"/>
+            </a:endParaRPr>
+          </a:p>
+          <a:p>
+            <a:pPr marL="770693" lvl="1" indent="-182880"/>
+            <a:endParaRPr lang="en-US" dirty="0">
+              <a:solidFill>
+                <a:srgbClr val="007DC3"/>
+              </a:solidFill>
+              <a:latin typeface="+mn-lt"/>
+            </a:endParaRPr>
+          </a:p>
+          <a:p>
+            <a:pPr marL="770693" lvl="1" indent="-182880"/>
+            <a:endParaRPr lang="en-US" dirty="0">
+              <a:solidFill>
+                <a:srgbClr val="007DC3"/>
+              </a:solidFill>
+              <a:latin typeface="+mn-lt"/>
+            </a:endParaRPr>
+          </a:p>
+          <a:p>
+            <a:pPr marL="770693" lvl="1" indent="-182880"/>
+            <a:endParaRPr lang="en-US" dirty="0">
+              <a:solidFill>
+                <a:srgbClr val="007DC3"/>
+              </a:solidFill>
+              <a:latin typeface="+mn-lt"/>
+            </a:endParaRPr>
+          </a:p>
+          <a:p>
+            <a:pPr marL="770693" lvl="1" indent="-182880"/>
+            <a:endParaRPr lang="en-US" dirty="0">
+              <a:solidFill>
+                <a:srgbClr val="007DC3"/>
+              </a:solidFill>
+              <a:latin typeface="+mn-lt"/>
+            </a:endParaRPr>
+          </a:p>
+          <a:p>
+            <a:pPr marL="770693" lvl="1" indent="-182880"/>
+            <a:endParaRPr lang="en-US" dirty="0">
+              <a:solidFill>
+                <a:srgbClr val="007DC3"/>
+              </a:solidFill>
+              <a:latin typeface="+mn-lt"/>
+            </a:endParaRPr>
+          </a:p>
+          <a:p>
+            <a:pPr marL="770693" lvl="1" indent="-182880"/>
+            <a:endParaRPr lang="en-US" dirty="0">
+              <a:solidFill>
+                <a:srgbClr val="007DC3"/>
+              </a:solidFill>
+              <a:latin typeface="+mn-lt"/>
+            </a:endParaRPr>
+          </a:p>
+          <a:p>
+            <a:pPr marL="770693" lvl="1" indent="-182880"/>
+            <a:endParaRPr lang="en-US" dirty="0">
+              <a:solidFill>
+                <a:srgbClr val="007DC3"/>
+              </a:solidFill>
+              <a:latin typeface="+mn-lt"/>
+            </a:endParaRPr>
+          </a:p>
+          <a:p>
+            <a:pPr marL="770693" lvl="1" indent="-182880"/>
+            <a:endParaRPr lang="en-US" dirty="0">
+              <a:solidFill>
+                <a:srgbClr val="007DC3"/>
+              </a:solidFill>
+              <a:latin typeface="+mn-lt"/>
+            </a:endParaRPr>
+          </a:p>
+          <a:p>
+            <a:pPr marL="770693" lvl="1" indent="-182880"/>
+            <a:endParaRPr lang="en-US" dirty="0">
+              <a:solidFill>
+                <a:srgbClr val="007DC3"/>
+              </a:solidFill>
+              <a:latin typeface="+mn-lt"/>
+            </a:endParaRPr>
+          </a:p>
+          <a:p>
+            <a:pPr marL="770693" lvl="1" indent="-182880"/>
+            <a:endParaRPr lang="en-US" dirty="0">
+              <a:solidFill>
+                <a:srgbClr val="007DC3"/>
+              </a:solidFill>
+              <a:latin typeface="+mn-lt"/>
+            </a:endParaRPr>
+          </a:p>
+          <a:p>
+            <a:pPr marL="770693" lvl="1" indent="-182880"/>
+            <a:endParaRPr lang="en-US" dirty="0">
+              <a:solidFill>
+                <a:srgbClr val="007DC3"/>
+              </a:solidFill>
+              <a:latin typeface="+mn-lt"/>
+            </a:endParaRPr>
+          </a:p>
+          <a:p>
+            <a:pPr marL="770693" lvl="1" indent="-182880"/>
+            <a:endParaRPr lang="en-US" dirty="0">
+              <a:solidFill>
+                <a:srgbClr val="007DC3"/>
+              </a:solidFill>
+              <a:latin typeface="+mn-lt"/>
+            </a:endParaRPr>
+          </a:p>
+          <a:p>
+            <a:pPr marL="770693" lvl="1" indent="-182880"/>
+            <a:endParaRPr lang="en-US" dirty="0">
+              <a:solidFill>
+                <a:srgbClr val="007DC3"/>
+              </a:solidFill>
+              <a:latin typeface="+mn-lt"/>
+            </a:endParaRPr>
+          </a:p>
+          <a:p>
+            <a:pPr marL="770693" lvl="1" indent="-182880"/>
+            <a:endParaRPr lang="en-US" dirty="0">
+              <a:solidFill>
+                <a:srgbClr val="007DC3"/>
+              </a:solidFill>
+              <a:latin typeface="+mn-lt"/>
+            </a:endParaRPr>
+          </a:p>
+          <a:p>
+            <a:pPr marL="770693" lvl="1" indent="-182880"/>
+            <a:endParaRPr lang="en-US" dirty="0">
+              <a:solidFill>
+                <a:srgbClr val="007DC3"/>
+              </a:solidFill>
+              <a:latin typeface="+mn-lt"/>
+            </a:endParaRPr>
+          </a:p>
+          <a:p>
+            <a:pPr marL="770693" lvl="1" indent="-182880"/>
+            <a:endParaRPr lang="en-US" dirty="0">
+              <a:solidFill>
+                <a:srgbClr val="007DC3"/>
+              </a:solidFill>
+              <a:latin typeface="+mn-lt"/>
+            </a:endParaRPr>
+          </a:p>
+          <a:p>
+            <a:pPr marL="770693" lvl="1" indent="-182880"/>
+            <a:endParaRPr lang="en-US" dirty="0">
+              <a:solidFill>
+                <a:srgbClr val="007DC3"/>
+              </a:solidFill>
+              <a:latin typeface="+mn-lt"/>
+            </a:endParaRPr>
+          </a:p>
+          <a:p>
+            <a:pPr marL="770693" lvl="1" indent="-182880"/>
+            <a:endParaRPr lang="en-US" dirty="0">
+              <a:solidFill>
+                <a:srgbClr val="007DC3"/>
+              </a:solidFill>
+              <a:latin typeface="+mn-lt"/>
+            </a:endParaRPr>
+          </a:p>
+          <a:p>
+            <a:pPr marL="770693" lvl="1" indent="-182880"/>
+            <a:endParaRPr lang="en-US" dirty="0">
+              <a:solidFill>
+                <a:srgbClr val="007DC3"/>
+              </a:solidFill>
+              <a:latin typeface="+mn-lt"/>
+            </a:endParaRPr>
+          </a:p>
+          <a:p>
+            <a:pPr marL="0" indent="0">
+              <a:buNone/>
+            </a:pPr>
+            <a:endParaRPr lang="en-US" sz="1600" dirty="0">
+              <a:solidFill>
+                <a:srgbClr val="007DC3"/>
+              </a:solidFill>
+              <a:latin typeface="+mn-lt"/>
+            </a:endParaRPr>
+          </a:p>
+          <a:p>
+            <a:pPr marL="0" indent="0">
+              <a:buNone/>
+            </a:pPr>
+            <a:endParaRPr lang="en-US" sz="1600" dirty="0">
+              <a:solidFill>
+                <a:srgbClr val="007DC3"/>
+              </a:solidFill>
+              <a:latin typeface="+mn-lt"/>
+            </a:endParaRPr>
+          </a:p>
+          <a:p>
+            <a:pPr marL="0" indent="0">
+              <a:buNone/>
+            </a:pPr>
+            <a:endParaRPr lang="en-US" sz="1600" dirty="0">
+              <a:solidFill>
+                <a:srgbClr val="007DC3"/>
+              </a:solidFill>
+              <a:latin typeface="+mn-lt"/>
+            </a:endParaRPr>
+          </a:p>
+        </p:txBody>
+      </p:sp>
+      <p:sp>
+        <p:nvSpPr>
+          <p:cNvPr id="4" name="Rectangle 3">
+            <a:extLst>
+              <a:ext uri="{FF2B5EF4-FFF2-40B4-BE49-F238E27FC236}">
+                <a16:creationId xmlns:a16="http://schemas.microsoft.com/office/drawing/2014/main" id="{FFF0B0D0-AD67-4375-AC8F-8EC977F6D482}"/>
+              </a:ext>
+            </a:extLst>
+          </p:cNvPr>
+          <p:cNvSpPr/>
+          <p:nvPr/>
+        </p:nvSpPr>
+        <p:spPr>
+          <a:xfrm>
+            <a:off x="424430" y="570377"/>
+            <a:ext cx="11229262" cy="6186309"/>
+          </a:xfrm>
+          <a:prstGeom prst="rect">
+            <a:avLst/>
+          </a:prstGeom>
+        </p:spPr>
+        <p:txBody>
+          <a:bodyPr wrap="square">
+            <a:spAutoFit/>
+          </a:bodyPr>
+          <a:lstStyle/>
+          <a:p>
+            <a:pPr marL="587813" lvl="1" indent="0">
+              <a:buNone/>
+            </a:pPr>
+            <a:r>
+              <a:rPr lang="en-US" b="1" u="sng" dirty="0">
+                <a:solidFill>
+                  <a:srgbClr val="007DC3"/>
+                </a:solidFill>
+              </a:rPr>
+              <a:t>Cron Job</a:t>
+            </a:r>
+            <a:r>
+              <a:rPr lang="en-US" dirty="0">
+                <a:solidFill>
+                  <a:srgbClr val="007DC3"/>
+                </a:solidFill>
+              </a:rPr>
+              <a:t> :</a:t>
+            </a:r>
+          </a:p>
+          <a:p>
+            <a:pPr marL="873563" lvl="1" indent="-285750">
+              <a:buFontTx/>
+              <a:buChar char="-"/>
+            </a:pPr>
+            <a:r>
+              <a:rPr lang="en-US" dirty="0">
+                <a:solidFill>
+                  <a:srgbClr val="007DC3"/>
+                </a:solidFill>
+              </a:rPr>
+              <a:t>Cron jobs is being used to set notification frequency.</a:t>
+            </a:r>
+          </a:p>
+          <a:p>
+            <a:pPr marL="873563" lvl="1" indent="-285750">
+              <a:buFontTx/>
+              <a:buChar char="-"/>
+            </a:pPr>
+            <a:r>
+              <a:rPr lang="en-US" dirty="0">
+                <a:solidFill>
+                  <a:srgbClr val="007DC3"/>
+                </a:solidFill>
+              </a:rPr>
+              <a:t>Interval can be configurable.</a:t>
+            </a:r>
+          </a:p>
+          <a:p>
+            <a:pPr marL="587813" lvl="1"/>
+            <a:endParaRPr lang="en-US" dirty="0">
+              <a:solidFill>
+                <a:srgbClr val="007DC3"/>
+              </a:solidFill>
+            </a:endParaRPr>
+          </a:p>
+          <a:p>
+            <a:pPr marL="587813" lvl="1"/>
+            <a:r>
+              <a:rPr lang="en-US" b="1" u="sng" dirty="0">
+                <a:solidFill>
+                  <a:srgbClr val="007DC3"/>
+                </a:solidFill>
+              </a:rPr>
+              <a:t>Miscellaneous</a:t>
+            </a:r>
+            <a:r>
+              <a:rPr lang="en-US" dirty="0">
+                <a:solidFill>
+                  <a:srgbClr val="007DC3"/>
+                </a:solidFill>
+              </a:rPr>
+              <a:t> :</a:t>
+            </a:r>
+          </a:p>
+          <a:p>
+            <a:pPr marL="587813" lvl="1"/>
+            <a:r>
+              <a:rPr lang="en-US" dirty="0">
+                <a:solidFill>
+                  <a:srgbClr val="007DC3"/>
+                </a:solidFill>
+              </a:rPr>
+              <a:t>There are 2 types of notifications</a:t>
+            </a:r>
+          </a:p>
+          <a:p>
+            <a:pPr marL="873563" lvl="1" indent="-285750">
+              <a:buFontTx/>
+              <a:buChar char="-"/>
+            </a:pPr>
+            <a:r>
+              <a:rPr lang="en-US" b="1" dirty="0">
+                <a:solidFill>
+                  <a:srgbClr val="007DC3"/>
+                </a:solidFill>
+              </a:rPr>
+              <a:t>To-Do Notifications </a:t>
+            </a:r>
+            <a:r>
+              <a:rPr lang="en-US" dirty="0">
+                <a:solidFill>
+                  <a:srgbClr val="007DC3"/>
+                </a:solidFill>
+              </a:rPr>
+              <a:t>to the employees who are not using </a:t>
+            </a:r>
+            <a:r>
+              <a:rPr lang="en-US" dirty="0" err="1">
+                <a:solidFill>
+                  <a:srgbClr val="007DC3"/>
+                </a:solidFill>
+              </a:rPr>
+              <a:t>iCount</a:t>
+            </a:r>
+            <a:r>
+              <a:rPr lang="en-US" dirty="0">
+                <a:solidFill>
+                  <a:srgbClr val="007DC3"/>
+                </a:solidFill>
+              </a:rPr>
+              <a:t> for certain duration.</a:t>
+            </a:r>
+          </a:p>
+          <a:p>
+            <a:pPr marL="873563" lvl="1" indent="-285750">
+              <a:buFontTx/>
+              <a:buChar char="-"/>
+            </a:pPr>
+            <a:r>
+              <a:rPr lang="en-US" b="1" dirty="0">
+                <a:solidFill>
+                  <a:srgbClr val="007DC3"/>
+                </a:solidFill>
+              </a:rPr>
+              <a:t>CDC-Notifications</a:t>
+            </a:r>
+            <a:r>
+              <a:rPr lang="en-US" dirty="0">
+                <a:solidFill>
+                  <a:srgbClr val="007DC3"/>
+                </a:solidFill>
+              </a:rPr>
+              <a:t> from the adapter service for appreciation, feedback, course/task completion etc. In short for any DB activity.</a:t>
+            </a:r>
+          </a:p>
+          <a:p>
+            <a:pPr marL="873563" lvl="1" indent="-285750">
+              <a:buFontTx/>
+              <a:buChar char="-"/>
+            </a:pPr>
+            <a:endParaRPr lang="en-US" dirty="0">
+              <a:solidFill>
+                <a:srgbClr val="007DC3"/>
+              </a:solidFill>
+            </a:endParaRPr>
+          </a:p>
+          <a:p>
+            <a:pPr marL="873563" lvl="1" indent="-285750">
+              <a:buFont typeface="Arial" panose="020B0604020202020204" pitchFamily="34" charset="0"/>
+              <a:buChar char="•"/>
+            </a:pPr>
+            <a:r>
+              <a:rPr lang="en-US" dirty="0">
+                <a:solidFill>
+                  <a:srgbClr val="007DC3"/>
+                </a:solidFill>
+              </a:rPr>
+              <a:t>Coins can be accumulated by giving or receiving feedback, appreciations etc. and redeemed using </a:t>
+            </a:r>
+            <a:r>
+              <a:rPr lang="en-US" dirty="0" err="1">
+                <a:solidFill>
+                  <a:srgbClr val="007DC3"/>
+                </a:solidFill>
+              </a:rPr>
+              <a:t>InfyGold</a:t>
+            </a:r>
+            <a:r>
+              <a:rPr lang="en-US" dirty="0">
+                <a:solidFill>
+                  <a:srgbClr val="007DC3"/>
+                </a:solidFill>
+              </a:rPr>
+              <a:t>+</a:t>
+            </a:r>
+          </a:p>
+          <a:p>
+            <a:pPr marL="873563" lvl="1" indent="-285750">
+              <a:buFontTx/>
+              <a:buChar char="-"/>
+            </a:pPr>
+            <a:r>
+              <a:rPr lang="en-US" dirty="0">
+                <a:solidFill>
+                  <a:srgbClr val="007DC3"/>
+                </a:solidFill>
+              </a:rPr>
+              <a:t>Deals can be announced  for more coins</a:t>
+            </a:r>
+          </a:p>
+          <a:p>
+            <a:pPr marL="873563" lvl="1" indent="-285750">
+              <a:buFontTx/>
+              <a:buChar char="-"/>
+            </a:pPr>
+            <a:r>
+              <a:rPr lang="en-US" dirty="0">
+                <a:solidFill>
+                  <a:srgbClr val="007DC3"/>
+                </a:solidFill>
+              </a:rPr>
+              <a:t>Default coins can be setup/configured in the application. </a:t>
+            </a:r>
+          </a:p>
+          <a:p>
+            <a:pPr marL="873563" lvl="1" indent="-285750">
+              <a:buFontTx/>
+              <a:buChar char="-"/>
+            </a:pPr>
+            <a:endParaRPr lang="en-US" dirty="0">
+              <a:solidFill>
+                <a:srgbClr val="007DC3"/>
+              </a:solidFill>
+            </a:endParaRPr>
+          </a:p>
+          <a:p>
+            <a:pPr marL="873563" lvl="1" indent="-285750">
+              <a:buFont typeface="Arial" panose="020B0604020202020204" pitchFamily="34" charset="0"/>
+              <a:buChar char="•"/>
+            </a:pPr>
+            <a:r>
+              <a:rPr lang="en-US" b="1" dirty="0">
+                <a:solidFill>
+                  <a:srgbClr val="007DC3"/>
+                </a:solidFill>
+              </a:rPr>
+              <a:t>Performance score-card </a:t>
+            </a:r>
+            <a:r>
+              <a:rPr lang="en-US" dirty="0">
+                <a:solidFill>
+                  <a:srgbClr val="007DC3"/>
+                </a:solidFill>
+              </a:rPr>
+              <a:t>allow </a:t>
+            </a:r>
+            <a:r>
+              <a:rPr lang="en-US" b="1" dirty="0">
+                <a:solidFill>
+                  <a:srgbClr val="007DC3"/>
+                </a:solidFill>
+              </a:rPr>
+              <a:t>management</a:t>
+            </a:r>
+            <a:r>
+              <a:rPr lang="en-US" dirty="0">
+                <a:solidFill>
+                  <a:srgbClr val="007DC3"/>
+                </a:solidFill>
+              </a:rPr>
+              <a:t> to collate, analyze and view the performance across the team. </a:t>
+            </a:r>
+          </a:p>
+          <a:p>
+            <a:pPr marL="587813" lvl="1"/>
+            <a:r>
+              <a:rPr lang="en-US" dirty="0">
+                <a:solidFill>
+                  <a:srgbClr val="007DC3"/>
+                </a:solidFill>
+              </a:rPr>
+              <a:t>-    System calculated automated process.</a:t>
+            </a:r>
+          </a:p>
+          <a:p>
+            <a:pPr marL="873563" lvl="1" indent="-285750">
+              <a:buFontTx/>
+              <a:buChar char="-"/>
+            </a:pPr>
+            <a:r>
+              <a:rPr lang="en-US" dirty="0">
+                <a:solidFill>
+                  <a:srgbClr val="007DC3"/>
+                </a:solidFill>
+              </a:rPr>
+              <a:t>Velocity/Performance, Timeliness are attributes to measure.</a:t>
+            </a:r>
+          </a:p>
+          <a:p>
+            <a:pPr marL="587813" lvl="1"/>
+            <a:r>
+              <a:rPr lang="en-US" dirty="0">
+                <a:solidFill>
+                  <a:srgbClr val="007DC3"/>
+                </a:solidFill>
+              </a:rPr>
+              <a:t>	1. Performance can be determined based on # of feedbacks, appreciations, tasks and course completion.</a:t>
+            </a:r>
+          </a:p>
+          <a:p>
+            <a:pPr marL="587813" lvl="1"/>
+            <a:r>
+              <a:rPr lang="en-US" dirty="0">
+                <a:solidFill>
+                  <a:srgbClr val="007DC3"/>
+                </a:solidFill>
+              </a:rPr>
+              <a:t>	2. Timeliness is how much time it takes to close the appraisal for that team.</a:t>
+            </a:r>
+          </a:p>
+          <a:p>
+            <a:pPr marL="873563" lvl="1" indent="-285750">
+              <a:buFontTx/>
+              <a:buChar char="-"/>
+            </a:pPr>
+            <a:endParaRPr lang="en-US" dirty="0">
+              <a:solidFill>
+                <a:srgbClr val="007DC3"/>
+              </a:solidFill>
+            </a:endParaRPr>
+          </a:p>
+          <a:p>
+            <a:pPr marL="587813" lvl="1"/>
+            <a:endParaRPr lang="en-US" dirty="0">
+              <a:solidFill>
+                <a:srgbClr val="007DC3"/>
+              </a:solidFill>
+            </a:endParaRPr>
+          </a:p>
+          <a:p>
+            <a:pPr marL="873563" lvl="1" indent="-285750">
+              <a:buFont typeface="Arial" panose="020B0604020202020204" pitchFamily="34" charset="0"/>
+              <a:buChar char="•"/>
+            </a:pPr>
+            <a:endParaRPr lang="en-US" dirty="0">
+              <a:solidFill>
+                <a:srgbClr val="007DC3"/>
+              </a:solidFill>
+            </a:endParaRPr>
+          </a:p>
+        </p:txBody>
+      </p:sp>
+    </p:spTree>
+    <p:extLst>
+      <p:ext uri="{BB962C8B-B14F-4D97-AF65-F5344CB8AC3E}">
+        <p14:creationId xmlns:p14="http://schemas.microsoft.com/office/powerpoint/2010/main" val="1149928008"/>
+      </p:ext>
+    </p:extLst>
+  </p:cSld>
+  <p:clrMapOvr>
+    <a:masterClrMapping/>
+  </p:clrMapOvr>
+  <p:transition spd="med"/>
+</p:sld>
+</file>
+
+<file path=ppt/slides/slide21.xml><?xml version="1.0" encoding="utf-8"?>
+<p:sld xmlns:a="http://schemas.openxmlformats.org/drawingml/2006/main" xmlns:r="http://schemas.openxmlformats.org/officeDocument/2006/relationships" xmlns:p="http://schemas.openxmlformats.org/presentationml/2006/main">
+  <p:cSld>
+    <p:spTree>
+      <p:nvGrpSpPr>
+        <p:cNvPr id="1" name=""/>
+        <p:cNvGrpSpPr/>
+        <p:nvPr/>
+      </p:nvGrpSpPr>
+      <p:grpSpPr>
+        <a:xfrm>
+          <a:off x="0" y="0"/>
+          <a:ext cx="0" cy="0"/>
+          <a:chOff x="0" y="0"/>
+          <a:chExt cx="0" cy="0"/>
+        </a:xfrm>
+      </p:grpSpPr>
+      <p:sp>
+        <p:nvSpPr>
+          <p:cNvPr id="374" name="Shape 374"/>
+          <p:cNvSpPr>
+            <a:spLocks noGrp="1"/>
+          </p:cNvSpPr>
+          <p:nvPr>
+            <p:ph type="title"/>
+          </p:nvPr>
+        </p:nvSpPr>
+        <p:spPr/>
+        <p:txBody>
+          <a:bodyPr/>
+          <a:lstStyle/>
+          <a:p>
+            <a:r>
+              <a:rPr lang="en-US" sz="2700" dirty="0">
+                <a:latin typeface="+mn-lt"/>
+                <a:sym typeface="Calibri"/>
+              </a:rPr>
+              <a:t>Technical Solution</a:t>
+            </a:r>
+          </a:p>
+        </p:txBody>
+      </p:sp>
+      <p:sp>
+        <p:nvSpPr>
+          <p:cNvPr id="2" name="Text Placeholder 1"/>
+          <p:cNvSpPr>
+            <a:spLocks noGrp="1"/>
+          </p:cNvSpPr>
+          <p:nvPr>
+            <p:ph type="body" sz="quarter" idx="10"/>
+          </p:nvPr>
+        </p:nvSpPr>
+        <p:spPr>
+          <a:xfrm>
+            <a:off x="183464" y="804333"/>
+            <a:ext cx="11229263" cy="5718397"/>
+          </a:xfrm>
+        </p:spPr>
+        <p:txBody>
+          <a:bodyPr>
+            <a:normAutofit/>
+          </a:bodyPr>
+          <a:lstStyle/>
+          <a:p>
+            <a:pPr marL="587813" lvl="1" indent="0">
+              <a:buNone/>
+            </a:pPr>
+            <a:endParaRPr lang="en-US" dirty="0">
+              <a:solidFill>
+                <a:srgbClr val="007DC3"/>
+              </a:solidFill>
+              <a:latin typeface="+mn-lt"/>
+            </a:endParaRPr>
+          </a:p>
+          <a:p>
+            <a:pPr marL="770693" lvl="1" indent="-182880"/>
+            <a:r>
+              <a:rPr lang="en-US" sz="1800" b="1" i="1" u="sng" dirty="0" err="1">
+                <a:solidFill>
+                  <a:srgbClr val="007DC3"/>
+                </a:solidFill>
+              </a:rPr>
+              <a:t>Depoyment</a:t>
+            </a:r>
+            <a:endParaRPr lang="en-US" sz="1800" b="1" i="1" u="sng" dirty="0">
+              <a:solidFill>
+                <a:srgbClr val="007DC3"/>
+              </a:solidFill>
+            </a:endParaRPr>
+          </a:p>
+          <a:p>
+            <a:pPr marL="587813" lvl="1" indent="0">
+              <a:buNone/>
+            </a:pPr>
+            <a:r>
+              <a:rPr lang="en-US" dirty="0">
+                <a:solidFill>
+                  <a:srgbClr val="007DC3"/>
+                </a:solidFill>
+              </a:rPr>
+              <a:t>We want to deploy </a:t>
+            </a:r>
+            <a:r>
+              <a:rPr lang="en-US" dirty="0" err="1">
+                <a:solidFill>
+                  <a:srgbClr val="007DC3"/>
+                </a:solidFill>
+              </a:rPr>
+              <a:t>iCount</a:t>
+            </a:r>
+            <a:r>
+              <a:rPr lang="en-US" dirty="0">
+                <a:solidFill>
+                  <a:srgbClr val="007DC3"/>
+                </a:solidFill>
+              </a:rPr>
+              <a:t> Store to AWS cloud. This micro-service is running on port 8300, 8301 and 8302 and can be accessed through following </a:t>
+            </a:r>
+            <a:r>
+              <a:rPr lang="en-US" dirty="0" err="1">
+                <a:solidFill>
+                  <a:srgbClr val="007DC3"/>
+                </a:solidFill>
+              </a:rPr>
+              <a:t>urls</a:t>
+            </a:r>
+            <a:endParaRPr lang="en-US" dirty="0">
+              <a:solidFill>
+                <a:srgbClr val="007DC3"/>
+              </a:solidFill>
+            </a:endParaRPr>
+          </a:p>
+          <a:p>
+            <a:pPr marL="587813" lvl="1" indent="0">
+              <a:buNone/>
+            </a:pPr>
+            <a:r>
+              <a:rPr lang="en-US" dirty="0">
+                <a:hlinkClick r:id="rId3"/>
+              </a:rPr>
+              <a:t>http://13.59.15.42:8300/adapter/appreciation/upload</a:t>
+            </a:r>
+            <a:r>
+              <a:rPr lang="en-US" dirty="0"/>
+              <a:t> </a:t>
+            </a:r>
+            <a:r>
+              <a:rPr lang="en-US" dirty="0">
+                <a:hlinkClick r:id="rId4"/>
+              </a:rPr>
+              <a:t>http://13.59.15.42:8301/proxy/get/user/details?emailId=samrat.basu%40gmail.com</a:t>
+            </a:r>
+            <a:r>
+              <a:rPr lang="en-US" dirty="0"/>
+              <a:t> </a:t>
+            </a:r>
+          </a:p>
+          <a:p>
+            <a:pPr marL="587813" lvl="1" indent="0">
+              <a:buNone/>
+            </a:pPr>
+            <a:r>
+              <a:rPr lang="en-US" dirty="0">
+                <a:hlinkClick r:id="rId5"/>
+              </a:rPr>
+              <a:t>http://13.59.15.42:8302/notification-service</a:t>
+            </a:r>
+            <a:r>
+              <a:rPr lang="en-US" dirty="0"/>
+              <a:t>  </a:t>
+            </a:r>
+          </a:p>
+          <a:p>
+            <a:pPr marL="587813" lvl="1" indent="0">
+              <a:buNone/>
+            </a:pPr>
+            <a:endParaRPr lang="en-US" dirty="0">
+              <a:solidFill>
+                <a:srgbClr val="007DC3"/>
+              </a:solidFill>
+            </a:endParaRPr>
+          </a:p>
+          <a:p>
+            <a:pPr marL="587813" lvl="1" indent="0">
+              <a:buNone/>
+            </a:pPr>
+            <a:endParaRPr lang="en-US" dirty="0">
+              <a:solidFill>
+                <a:srgbClr val="007DC3"/>
+              </a:solidFill>
+            </a:endParaRPr>
+          </a:p>
+          <a:p>
+            <a:pPr marL="587813" lvl="1" indent="0">
+              <a:buNone/>
+            </a:pPr>
+            <a:endParaRPr lang="en-US" dirty="0">
+              <a:solidFill>
+                <a:srgbClr val="007DC3"/>
+              </a:solidFill>
+              <a:latin typeface="+mn-lt"/>
+            </a:endParaRPr>
+          </a:p>
+          <a:p>
+            <a:pPr marL="770693" lvl="1" indent="-182880"/>
+            <a:endParaRPr lang="en-US" b="1" i="1" u="sng" dirty="0">
+              <a:solidFill>
+                <a:srgbClr val="007DC3"/>
+              </a:solidFill>
+            </a:endParaRPr>
+          </a:p>
+          <a:p>
+            <a:pPr marL="770693" lvl="1" indent="-182880"/>
+            <a:endParaRPr lang="en-US" dirty="0">
+              <a:solidFill>
+                <a:srgbClr val="007DC3"/>
+              </a:solidFill>
+              <a:latin typeface="+mn-lt"/>
+            </a:endParaRPr>
+          </a:p>
+          <a:p>
+            <a:pPr marL="770693" lvl="1" indent="-182880"/>
+            <a:endParaRPr lang="en-US" dirty="0">
+              <a:solidFill>
+                <a:srgbClr val="007DC3"/>
+              </a:solidFill>
+              <a:latin typeface="+mn-lt"/>
+            </a:endParaRPr>
+          </a:p>
+          <a:p>
+            <a:pPr marL="770693" lvl="1" indent="-182880"/>
+            <a:endParaRPr lang="en-US" dirty="0">
+              <a:solidFill>
+                <a:srgbClr val="007DC3"/>
+              </a:solidFill>
+              <a:latin typeface="+mn-lt"/>
+            </a:endParaRPr>
+          </a:p>
+          <a:p>
+            <a:pPr marL="770693" lvl="1" indent="-182880"/>
+            <a:endParaRPr lang="en-US" dirty="0">
+              <a:solidFill>
+                <a:srgbClr val="007DC3"/>
+              </a:solidFill>
+              <a:latin typeface="+mn-lt"/>
+            </a:endParaRPr>
+          </a:p>
+          <a:p>
+            <a:pPr marL="770693" lvl="1" indent="-182880"/>
+            <a:endParaRPr lang="en-US" dirty="0">
+              <a:solidFill>
+                <a:srgbClr val="007DC3"/>
+              </a:solidFill>
+              <a:latin typeface="+mn-lt"/>
+            </a:endParaRPr>
+          </a:p>
+          <a:p>
+            <a:pPr marL="770693" lvl="1" indent="-182880"/>
+            <a:endParaRPr lang="en-US" dirty="0">
+              <a:solidFill>
+                <a:srgbClr val="007DC3"/>
+              </a:solidFill>
+              <a:latin typeface="+mn-lt"/>
+            </a:endParaRPr>
+          </a:p>
+          <a:p>
+            <a:pPr marL="770693" lvl="1" indent="-182880"/>
+            <a:endParaRPr lang="en-US" dirty="0">
+              <a:solidFill>
+                <a:srgbClr val="007DC3"/>
+              </a:solidFill>
+              <a:latin typeface="+mn-lt"/>
+            </a:endParaRPr>
+          </a:p>
+          <a:p>
+            <a:pPr marL="770693" lvl="1" indent="-182880"/>
+            <a:endParaRPr lang="en-US" dirty="0">
+              <a:solidFill>
+                <a:srgbClr val="007DC3"/>
+              </a:solidFill>
+              <a:latin typeface="+mn-lt"/>
+            </a:endParaRPr>
+          </a:p>
+          <a:p>
+            <a:pPr marL="770693" lvl="1" indent="-182880"/>
+            <a:endParaRPr lang="en-US" dirty="0">
+              <a:solidFill>
+                <a:srgbClr val="007DC3"/>
+              </a:solidFill>
+              <a:latin typeface="+mn-lt"/>
+            </a:endParaRPr>
+          </a:p>
+          <a:p>
+            <a:pPr marL="770693" lvl="1" indent="-182880"/>
+            <a:endParaRPr lang="en-US" dirty="0">
+              <a:solidFill>
+                <a:srgbClr val="007DC3"/>
+              </a:solidFill>
+              <a:latin typeface="+mn-lt"/>
+            </a:endParaRPr>
+          </a:p>
+          <a:p>
+            <a:pPr marL="770693" lvl="1" indent="-182880"/>
+            <a:endParaRPr lang="en-US" dirty="0">
+              <a:solidFill>
+                <a:srgbClr val="007DC3"/>
+              </a:solidFill>
+              <a:latin typeface="+mn-lt"/>
+            </a:endParaRPr>
+          </a:p>
+          <a:p>
+            <a:pPr marL="770693" lvl="1" indent="-182880"/>
+            <a:endParaRPr lang="en-US" dirty="0">
+              <a:solidFill>
+                <a:srgbClr val="007DC3"/>
+              </a:solidFill>
+              <a:latin typeface="+mn-lt"/>
+            </a:endParaRPr>
+          </a:p>
+          <a:p>
+            <a:pPr marL="770693" lvl="1" indent="-182880"/>
+            <a:endParaRPr lang="en-US" dirty="0">
+              <a:solidFill>
+                <a:srgbClr val="007DC3"/>
+              </a:solidFill>
+              <a:latin typeface="+mn-lt"/>
+            </a:endParaRPr>
+          </a:p>
+          <a:p>
+            <a:pPr marL="770693" lvl="1" indent="-182880"/>
+            <a:endParaRPr lang="en-US" dirty="0">
+              <a:solidFill>
+                <a:srgbClr val="007DC3"/>
+              </a:solidFill>
+              <a:latin typeface="+mn-lt"/>
+            </a:endParaRPr>
+          </a:p>
+          <a:p>
+            <a:pPr marL="770693" lvl="1" indent="-182880"/>
+            <a:endParaRPr lang="en-US" dirty="0">
+              <a:solidFill>
+                <a:srgbClr val="007DC3"/>
+              </a:solidFill>
+              <a:latin typeface="+mn-lt"/>
+            </a:endParaRPr>
+          </a:p>
+          <a:p>
+            <a:pPr marL="770693" lvl="1" indent="-182880"/>
+            <a:endParaRPr lang="en-US" dirty="0">
+              <a:solidFill>
+                <a:srgbClr val="007DC3"/>
+              </a:solidFill>
+              <a:latin typeface="+mn-lt"/>
+            </a:endParaRPr>
+          </a:p>
+          <a:p>
+            <a:pPr marL="770693" lvl="1" indent="-182880"/>
+            <a:endParaRPr lang="en-US" dirty="0">
+              <a:solidFill>
+                <a:srgbClr val="007DC3"/>
+              </a:solidFill>
+              <a:latin typeface="+mn-lt"/>
+            </a:endParaRPr>
+          </a:p>
+          <a:p>
+            <a:pPr marL="770693" lvl="1" indent="-182880"/>
+            <a:endParaRPr lang="en-US" dirty="0">
+              <a:solidFill>
+                <a:srgbClr val="007DC3"/>
+              </a:solidFill>
+              <a:latin typeface="+mn-lt"/>
+            </a:endParaRPr>
+          </a:p>
+          <a:p>
+            <a:pPr marL="770693" lvl="1" indent="-182880"/>
+            <a:endParaRPr lang="en-US" dirty="0">
+              <a:solidFill>
+                <a:srgbClr val="007DC3"/>
+              </a:solidFill>
+              <a:latin typeface="+mn-lt"/>
+            </a:endParaRPr>
+          </a:p>
+          <a:p>
+            <a:pPr marL="770693" lvl="1" indent="-182880"/>
+            <a:endParaRPr lang="en-US" dirty="0">
+              <a:solidFill>
+                <a:srgbClr val="007DC3"/>
+              </a:solidFill>
+              <a:latin typeface="+mn-lt"/>
+            </a:endParaRPr>
+          </a:p>
+          <a:p>
+            <a:pPr marL="770693" lvl="1" indent="-182880"/>
+            <a:endParaRPr lang="en-US" dirty="0">
+              <a:solidFill>
+                <a:srgbClr val="007DC3"/>
+              </a:solidFill>
+              <a:latin typeface="+mn-lt"/>
+            </a:endParaRPr>
+          </a:p>
+          <a:p>
+            <a:pPr marL="770693" lvl="1" indent="-182880"/>
+            <a:endParaRPr lang="en-US" dirty="0">
+              <a:solidFill>
+                <a:srgbClr val="007DC3"/>
+              </a:solidFill>
+              <a:latin typeface="+mn-lt"/>
+            </a:endParaRPr>
+          </a:p>
+          <a:p>
+            <a:pPr marL="0" indent="0">
+              <a:buNone/>
+            </a:pPr>
+            <a:endParaRPr lang="en-US" sz="1600" dirty="0">
+              <a:solidFill>
+                <a:srgbClr val="007DC3"/>
+              </a:solidFill>
+              <a:latin typeface="+mn-lt"/>
+            </a:endParaRPr>
+          </a:p>
+          <a:p>
+            <a:pPr marL="0" indent="0">
+              <a:buNone/>
+            </a:pPr>
+            <a:endParaRPr lang="en-US" sz="1600" dirty="0">
+              <a:solidFill>
+                <a:srgbClr val="007DC3"/>
+              </a:solidFill>
+              <a:latin typeface="+mn-lt"/>
+            </a:endParaRPr>
+          </a:p>
+          <a:p>
+            <a:pPr marL="0" indent="0">
+              <a:buNone/>
+            </a:pPr>
+            <a:endParaRPr lang="en-US" sz="1600" dirty="0">
+              <a:solidFill>
+                <a:srgbClr val="007DC3"/>
+              </a:solidFill>
+              <a:latin typeface="+mn-lt"/>
+            </a:endParaRPr>
+          </a:p>
+        </p:txBody>
+      </p:sp>
+      <p:pic>
+        <p:nvPicPr>
+          <p:cNvPr id="4" name="Picture 3">
+            <a:extLst>
+              <a:ext uri="{FF2B5EF4-FFF2-40B4-BE49-F238E27FC236}">
+                <a16:creationId xmlns:a16="http://schemas.microsoft.com/office/drawing/2014/main" id="{11419408-E2F1-4E7D-A6C0-07E10F3C46BB}"/>
+              </a:ext>
+            </a:extLst>
+          </p:cNvPr>
+          <p:cNvPicPr>
+            <a:picLocks noChangeAspect="1"/>
+          </p:cNvPicPr>
+          <p:nvPr/>
+        </p:nvPicPr>
+        <p:blipFill>
+          <a:blip r:embed="rId6"/>
+          <a:stretch>
+            <a:fillRect/>
+          </a:stretch>
+        </p:blipFill>
+        <p:spPr>
+          <a:xfrm>
+            <a:off x="779273" y="2960370"/>
+            <a:ext cx="9658350" cy="2400300"/>
+          </a:xfrm>
+          <a:prstGeom prst="rect">
+            <a:avLst/>
+          </a:prstGeom>
+        </p:spPr>
+      </p:pic>
+    </p:spTree>
+    <p:extLst>
+      <p:ext uri="{BB962C8B-B14F-4D97-AF65-F5344CB8AC3E}">
+        <p14:creationId xmlns:p14="http://schemas.microsoft.com/office/powerpoint/2010/main" val="3877860565"/>
+      </p:ext>
+    </p:extLst>
+  </p:cSld>
+  <p:clrMapOvr>
+    <a:masterClrMapping/>
+  </p:clrMapOvr>
+  <p:transition spd="med"/>
+</p:sld>
+</file>
+
+<file path=ppt/slides/slide22.xml><?xml version="1.0" encoding="utf-8"?>
+<p:sld xmlns:a="http://schemas.openxmlformats.org/drawingml/2006/main" xmlns:r="http://schemas.openxmlformats.org/officeDocument/2006/relationships" xmlns:p="http://schemas.openxmlformats.org/presentationml/2006/main">
+  <p:cSld>
+    <p:spTree>
+      <p:nvGrpSpPr>
+        <p:cNvPr id="1" name=""/>
+        <p:cNvGrpSpPr/>
+        <p:nvPr/>
+      </p:nvGrpSpPr>
+      <p:grpSpPr>
+        <a:xfrm>
+          <a:off x="0" y="0"/>
+          <a:ext cx="0" cy="0"/>
+          <a:chOff x="0" y="0"/>
+          <a:chExt cx="0" cy="0"/>
+        </a:xfrm>
+      </p:grpSpPr>
+      <p:sp>
+        <p:nvSpPr>
           <p:cNvPr id="2" name="Title 1"/>
           <p:cNvSpPr>
             <a:spLocks noGrp="1"/>

--- a/iSolve-iCount-Hackathon_Solution.pptx
+++ b/iSolve-iCount-Hackathon_Solution.pptx
@@ -22200,7 +22200,7 @@
           <p:nvPr>
             <p:extLst>
               <p:ext uri="{D42A27DB-BD31-4B8C-83A1-F6EECF244321}">
-                <p14:modId xmlns:p14="http://schemas.microsoft.com/office/powerpoint/2010/main" val="2017800897"/>
+                <p14:modId xmlns:p14="http://schemas.microsoft.com/office/powerpoint/2010/main" val="4240806852"/>
               </p:ext>
             </p:extLst>
           </p:nvPr>
@@ -22407,7 +22407,21 @@
                           <a:latin typeface="Arial" panose="020B0604020202020204" pitchFamily="34" charset="0"/>
                           <a:cs typeface="Arial" panose="020B0604020202020204" pitchFamily="34" charset="0"/>
                         </a:rPr>
-                        <a:t> with external services. Here are a few examples of external services - Trainings, Course, Lex etc.</a:t>
+                        <a:t> with external services. Here are a few examples of external services - Trainings, Course, Lex</a:t>
+                      </a:r>
+                      <a:r>
+                        <a:rPr lang="en-US" sz="1600">
+                          <a:latin typeface="Arial" panose="020B0604020202020204" pitchFamily="34" charset="0"/>
+                          <a:cs typeface="Arial" panose="020B0604020202020204" pitchFamily="34" charset="0"/>
+                        </a:rPr>
+                        <a:t>, Outlook </a:t>
+                      </a:r>
+                      <a:r>
+                        <a:rPr lang="en-US" sz="1600" dirty="0">
+                          <a:latin typeface="Arial" panose="020B0604020202020204" pitchFamily="34" charset="0"/>
+                          <a:cs typeface="Arial" panose="020B0604020202020204" pitchFamily="34" charset="0"/>
+                        </a:rPr>
+                        <a:t>etc.</a:t>
                       </a:r>
                     </a:p>
                   </a:txBody>

--- a/iSolve-iCount-Hackathon_Solution.pptx
+++ b/iSolve-iCount-Hackathon_Solution.pptx
@@ -6,31 +6,33 @@
     <p:sldMasterId id="2147483663" r:id="rId2"/>
   </p:sldMasterIdLst>
   <p:notesMasterIdLst>
-    <p:notesMasterId r:id="rId25"/>
+    <p:notesMasterId r:id="rId27"/>
   </p:notesMasterIdLst>
   <p:sldIdLst>
     <p:sldId id="266" r:id="rId3"/>
     <p:sldId id="264" r:id="rId4"/>
     <p:sldId id="285" r:id="rId5"/>
-    <p:sldId id="258" r:id="rId6"/>
-    <p:sldId id="279" r:id="rId7"/>
-    <p:sldId id="269" r:id="rId8"/>
-    <p:sldId id="274" r:id="rId9"/>
-    <p:sldId id="259" r:id="rId10"/>
-    <p:sldId id="270" r:id="rId11"/>
-    <p:sldId id="278" r:id="rId12"/>
-    <p:sldId id="267" r:id="rId13"/>
-    <p:sldId id="276" r:id="rId14"/>
-    <p:sldId id="277" r:id="rId15"/>
-    <p:sldId id="284" r:id="rId16"/>
-    <p:sldId id="283" r:id="rId17"/>
-    <p:sldId id="286" r:id="rId18"/>
-    <p:sldId id="287" r:id="rId19"/>
-    <p:sldId id="282" r:id="rId20"/>
-    <p:sldId id="280" r:id="rId21"/>
-    <p:sldId id="281" r:id="rId22"/>
-    <p:sldId id="268" r:id="rId23"/>
-    <p:sldId id="265" r:id="rId24"/>
+    <p:sldId id="288" r:id="rId6"/>
+    <p:sldId id="289" r:id="rId7"/>
+    <p:sldId id="258" r:id="rId8"/>
+    <p:sldId id="279" r:id="rId9"/>
+    <p:sldId id="269" r:id="rId10"/>
+    <p:sldId id="274" r:id="rId11"/>
+    <p:sldId id="259" r:id="rId12"/>
+    <p:sldId id="270" r:id="rId13"/>
+    <p:sldId id="278" r:id="rId14"/>
+    <p:sldId id="267" r:id="rId15"/>
+    <p:sldId id="276" r:id="rId16"/>
+    <p:sldId id="277" r:id="rId17"/>
+    <p:sldId id="284" r:id="rId18"/>
+    <p:sldId id="283" r:id="rId19"/>
+    <p:sldId id="286" r:id="rId20"/>
+    <p:sldId id="287" r:id="rId21"/>
+    <p:sldId id="282" r:id="rId22"/>
+    <p:sldId id="280" r:id="rId23"/>
+    <p:sldId id="281" r:id="rId24"/>
+    <p:sldId id="268" r:id="rId25"/>
+    <p:sldId id="265" r:id="rId26"/>
   </p:sldIdLst>
   <p:sldSz cx="12192000" cy="6858000"/>
   <p:notesSz cx="6858000" cy="9144000"/>
@@ -14492,6 +14494,570 @@
             <p:ph type="title"/>
           </p:nvPr>
         </p:nvSpPr>
+        <p:spPr>
+          <a:xfrm>
+            <a:off x="489327" y="33279"/>
+            <a:ext cx="11630733" cy="202248"/>
+          </a:xfrm>
+        </p:spPr>
+        <p:txBody>
+          <a:bodyPr/>
+          <a:lstStyle/>
+          <a:p>
+            <a:r>
+              <a:rPr lang="en-US" sz="2700" dirty="0">
+                <a:latin typeface="+mn-lt"/>
+                <a:sym typeface="Calibri"/>
+              </a:rPr>
+              <a:t>Architecture Diagram of iSolve – </a:t>
+            </a:r>
+            <a:r>
+              <a:rPr lang="en-US" sz="2700" dirty="0" err="1">
+                <a:latin typeface="+mn-lt"/>
+                <a:sym typeface="Calibri"/>
+              </a:rPr>
+              <a:t>iCount</a:t>
+            </a:r>
+            <a:r>
+              <a:rPr lang="en-US" sz="2700" dirty="0">
+                <a:latin typeface="+mn-lt"/>
+                <a:sym typeface="Calibri"/>
+              </a:rPr>
+              <a:t> : Problem Statement 1</a:t>
+            </a:r>
+          </a:p>
+        </p:txBody>
+      </p:sp>
+      <p:sp>
+        <p:nvSpPr>
+          <p:cNvPr id="2" name="Text Placeholder 1"/>
+          <p:cNvSpPr>
+            <a:spLocks noGrp="1"/>
+          </p:cNvSpPr>
+          <p:nvPr>
+            <p:ph type="body" sz="quarter" idx="10"/>
+          </p:nvPr>
+        </p:nvSpPr>
+        <p:spPr>
+          <a:xfrm>
+            <a:off x="263924" y="33279"/>
+            <a:ext cx="11856136" cy="6322379"/>
+          </a:xfrm>
+        </p:spPr>
+        <p:txBody>
+          <a:bodyPr>
+            <a:normAutofit/>
+          </a:bodyPr>
+          <a:lstStyle/>
+          <a:p>
+            <a:pPr marL="770693" lvl="1" indent="-182880"/>
+            <a:endParaRPr lang="en-US" dirty="0">
+              <a:solidFill>
+                <a:srgbClr val="007DC3"/>
+              </a:solidFill>
+              <a:latin typeface="+mn-lt"/>
+            </a:endParaRPr>
+          </a:p>
+          <a:p>
+            <a:pPr marL="770693" lvl="1" indent="-182880"/>
+            <a:endParaRPr lang="en-US" dirty="0">
+              <a:solidFill>
+                <a:srgbClr val="007DC3"/>
+              </a:solidFill>
+              <a:latin typeface="+mn-lt"/>
+            </a:endParaRPr>
+          </a:p>
+          <a:p>
+            <a:pPr marL="770693" lvl="1" indent="-182880"/>
+            <a:endParaRPr lang="en-US" dirty="0">
+              <a:solidFill>
+                <a:srgbClr val="007DC3"/>
+              </a:solidFill>
+              <a:latin typeface="+mn-lt"/>
+            </a:endParaRPr>
+          </a:p>
+          <a:p>
+            <a:pPr marL="770693" lvl="1" indent="-182880"/>
+            <a:endParaRPr lang="en-US" dirty="0">
+              <a:solidFill>
+                <a:srgbClr val="007DC3"/>
+              </a:solidFill>
+              <a:latin typeface="+mn-lt"/>
+            </a:endParaRPr>
+          </a:p>
+          <a:p>
+            <a:pPr marL="770693" lvl="1" indent="-182880"/>
+            <a:endParaRPr lang="en-US" dirty="0">
+              <a:solidFill>
+                <a:srgbClr val="007DC3"/>
+              </a:solidFill>
+              <a:latin typeface="+mn-lt"/>
+            </a:endParaRPr>
+          </a:p>
+          <a:p>
+            <a:pPr marL="770693" lvl="1" indent="-182880"/>
+            <a:endParaRPr lang="en-US" dirty="0">
+              <a:solidFill>
+                <a:srgbClr val="007DC3"/>
+              </a:solidFill>
+              <a:latin typeface="+mn-lt"/>
+            </a:endParaRPr>
+          </a:p>
+          <a:p>
+            <a:pPr marL="0" indent="0">
+              <a:buNone/>
+            </a:pPr>
+            <a:endParaRPr lang="en-US" sz="1600" dirty="0">
+              <a:solidFill>
+                <a:srgbClr val="007DC3"/>
+              </a:solidFill>
+              <a:latin typeface="+mn-lt"/>
+            </a:endParaRPr>
+          </a:p>
+          <a:p>
+            <a:pPr marL="0" indent="0">
+              <a:buNone/>
+            </a:pPr>
+            <a:endParaRPr lang="en-US" sz="1600" dirty="0">
+              <a:solidFill>
+                <a:srgbClr val="007DC3"/>
+              </a:solidFill>
+              <a:latin typeface="+mn-lt"/>
+            </a:endParaRPr>
+          </a:p>
+          <a:p>
+            <a:pPr marL="0" indent="0">
+              <a:buNone/>
+            </a:pPr>
+            <a:endParaRPr lang="en-US" sz="1600" dirty="0">
+              <a:solidFill>
+                <a:srgbClr val="007DC3"/>
+              </a:solidFill>
+              <a:latin typeface="+mn-lt"/>
+            </a:endParaRPr>
+          </a:p>
+        </p:txBody>
+      </p:sp>
+      <p:pic>
+        <p:nvPicPr>
+          <p:cNvPr id="4" name="Picture 3">
+            <a:extLst>
+              <a:ext uri="{FF2B5EF4-FFF2-40B4-BE49-F238E27FC236}">
+                <a16:creationId xmlns:a16="http://schemas.microsoft.com/office/drawing/2014/main" id="{EEBF7E9E-0973-46E4-945E-F7D14E778304}"/>
+              </a:ext>
+            </a:extLst>
+          </p:cNvPr>
+          <p:cNvPicPr>
+            <a:picLocks noChangeAspect="1"/>
+          </p:cNvPicPr>
+          <p:nvPr/>
+        </p:nvPicPr>
+        <p:blipFill>
+          <a:blip r:embed="rId3">
+            <a:extLst>
+              <a:ext uri="{28A0092B-C50C-407E-A947-70E740481C1C}">
+                <a14:useLocalDpi xmlns:a14="http://schemas.microsoft.com/office/drawing/2010/main" val="0"/>
+              </a:ext>
+            </a:extLst>
+          </a:blip>
+          <a:stretch>
+            <a:fillRect/>
+          </a:stretch>
+        </p:blipFill>
+        <p:spPr>
+          <a:xfrm>
+            <a:off x="263925" y="500121"/>
+            <a:ext cx="11664152" cy="6324600"/>
+          </a:xfrm>
+          <a:prstGeom prst="rect">
+            <a:avLst/>
+          </a:prstGeom>
+        </p:spPr>
+        <p:style>
+          <a:lnRef idx="2">
+            <a:schemeClr val="dk1"/>
+          </a:lnRef>
+          <a:fillRef idx="1">
+            <a:schemeClr val="lt1"/>
+          </a:fillRef>
+          <a:effectRef idx="0">
+            <a:schemeClr val="dk1"/>
+          </a:effectRef>
+          <a:fontRef idx="minor">
+            <a:schemeClr val="dk1"/>
+          </a:fontRef>
+        </p:style>
+      </p:pic>
+    </p:spTree>
+    <p:extLst>
+      <p:ext uri="{BB962C8B-B14F-4D97-AF65-F5344CB8AC3E}">
+        <p14:creationId xmlns:p14="http://schemas.microsoft.com/office/powerpoint/2010/main" val="2207613232"/>
+      </p:ext>
+    </p:extLst>
+  </p:cSld>
+  <p:clrMapOvr>
+    <a:masterClrMapping/>
+  </p:clrMapOvr>
+  <p:transition spd="med"/>
+</p:sld>
+</file>
+
+<file path=ppt/slides/slide11.xml><?xml version="1.0" encoding="utf-8"?>
+<p:sld xmlns:a="http://schemas.openxmlformats.org/drawingml/2006/main" xmlns:r="http://schemas.openxmlformats.org/officeDocument/2006/relationships" xmlns:p="http://schemas.openxmlformats.org/presentationml/2006/main">
+  <p:cSld>
+    <p:spTree>
+      <p:nvGrpSpPr>
+        <p:cNvPr id="1" name=""/>
+        <p:cNvGrpSpPr/>
+        <p:nvPr/>
+      </p:nvGrpSpPr>
+      <p:grpSpPr>
+        <a:xfrm>
+          <a:off x="0" y="0"/>
+          <a:ext cx="0" cy="0"/>
+          <a:chOff x="0" y="0"/>
+          <a:chExt cx="0" cy="0"/>
+        </a:xfrm>
+      </p:grpSpPr>
+      <p:sp>
+        <p:nvSpPr>
+          <p:cNvPr id="2" name="Title 1"/>
+          <p:cNvSpPr>
+            <a:spLocks noGrp="1"/>
+          </p:cNvSpPr>
+          <p:nvPr>
+            <p:ph type="title"/>
+          </p:nvPr>
+        </p:nvSpPr>
+        <p:spPr/>
+        <p:txBody>
+          <a:bodyPr/>
+          <a:lstStyle/>
+          <a:p>
+            <a:r>
+              <a:rPr lang="en-US" sz="2800" dirty="0">
+                <a:latin typeface="Arial" panose="020B0604020202020204" pitchFamily="34" charset="0"/>
+                <a:cs typeface="Arial" panose="020B0604020202020204" pitchFamily="34" charset="0"/>
+              </a:rPr>
+              <a:t>Technical Details of individual components</a:t>
+            </a:r>
+          </a:p>
+        </p:txBody>
+      </p:sp>
+      <p:sp>
+        <p:nvSpPr>
+          <p:cNvPr id="3" name="Text Placeholder 2"/>
+          <p:cNvSpPr>
+            <a:spLocks noGrp="1"/>
+          </p:cNvSpPr>
+          <p:nvPr>
+            <p:ph type="body" sz="quarter" idx="10"/>
+          </p:nvPr>
+        </p:nvSpPr>
+        <p:spPr/>
+        <p:txBody>
+          <a:bodyPr/>
+          <a:lstStyle/>
+          <a:p>
+            <a:pPr marL="0" indent="0">
+              <a:buNone/>
+            </a:pPr>
+            <a:r>
+              <a:rPr lang="en-US" dirty="0">
+                <a:solidFill>
+                  <a:srgbClr val="0070C0"/>
+                </a:solidFill>
+              </a:rPr>
+              <a:t>This is a Hybrid application and we have used following Technologies for each of these components. </a:t>
+            </a:r>
+          </a:p>
+          <a:p>
+            <a:r>
+              <a:rPr lang="en-US" b="1" dirty="0">
+                <a:solidFill>
+                  <a:srgbClr val="0070C0"/>
+                </a:solidFill>
+              </a:rPr>
+              <a:t> App specific connectors </a:t>
+            </a:r>
+            <a:r>
+              <a:rPr lang="en-US" dirty="0">
+                <a:solidFill>
+                  <a:srgbClr val="0070C0"/>
+                </a:solidFill>
+              </a:rPr>
+              <a:t>– Used to create connectors. Developed using VSTO Add-ins in </a:t>
+            </a:r>
+            <a:r>
+              <a:rPr lang="en-US" dirty="0" err="1">
+                <a:solidFill>
+                  <a:srgbClr val="0070C0"/>
+                </a:solidFill>
+              </a:rPr>
+              <a:t>C#.Net</a:t>
+            </a:r>
+            <a:r>
+              <a:rPr lang="en-US" dirty="0">
+                <a:solidFill>
+                  <a:srgbClr val="0070C0"/>
+                </a:solidFill>
+              </a:rPr>
+              <a:t>. </a:t>
+            </a:r>
+          </a:p>
+          <a:p>
+            <a:r>
+              <a:rPr lang="en-US" b="1" dirty="0">
+                <a:solidFill>
+                  <a:srgbClr val="0070C0"/>
+                </a:solidFill>
+              </a:rPr>
+              <a:t> Adapter-Service (AS) </a:t>
+            </a:r>
+            <a:r>
+              <a:rPr lang="en-US" dirty="0">
+                <a:solidFill>
+                  <a:srgbClr val="0070C0"/>
+                </a:solidFill>
+              </a:rPr>
+              <a:t>– Entry point to the pipeline. Developed using </a:t>
+            </a:r>
+            <a:r>
+              <a:rPr lang="en-US" dirty="0" err="1">
+                <a:solidFill>
+                  <a:srgbClr val="0070C0"/>
+                </a:solidFill>
+              </a:rPr>
+              <a:t>Springboot</a:t>
+            </a:r>
+            <a:r>
+              <a:rPr lang="en-US" dirty="0">
+                <a:solidFill>
+                  <a:srgbClr val="0070C0"/>
+                </a:solidFill>
+              </a:rPr>
+              <a:t> and integrated with Swagger UI. </a:t>
+            </a:r>
+          </a:p>
+          <a:p>
+            <a:r>
+              <a:rPr lang="en-US" b="1" dirty="0">
+                <a:solidFill>
+                  <a:srgbClr val="0070C0"/>
+                </a:solidFill>
+              </a:rPr>
+              <a:t> Proxy-Service (PS) </a:t>
+            </a:r>
+            <a:r>
+              <a:rPr lang="en-US" dirty="0">
+                <a:solidFill>
+                  <a:srgbClr val="0070C0"/>
+                </a:solidFill>
+              </a:rPr>
+              <a:t>–</a:t>
+            </a:r>
+            <a:r>
+              <a:rPr lang="en-US" b="1" dirty="0">
+                <a:solidFill>
+                  <a:srgbClr val="0070C0"/>
+                </a:solidFill>
+              </a:rPr>
+              <a:t> </a:t>
+            </a:r>
+            <a:r>
+              <a:rPr lang="en-US" dirty="0">
+                <a:solidFill>
+                  <a:srgbClr val="0070C0"/>
+                </a:solidFill>
+              </a:rPr>
+              <a:t>End points for </a:t>
+            </a:r>
+            <a:r>
+              <a:rPr lang="en-US" dirty="0" err="1">
+                <a:solidFill>
+                  <a:srgbClr val="0070C0"/>
+                </a:solidFill>
+              </a:rPr>
+              <a:t>iCount</a:t>
+            </a:r>
+            <a:r>
+              <a:rPr lang="en-US" dirty="0">
+                <a:solidFill>
+                  <a:srgbClr val="0070C0"/>
+                </a:solidFill>
+              </a:rPr>
+              <a:t> consumption. Developed using </a:t>
+            </a:r>
+            <a:r>
+              <a:rPr lang="en-US" dirty="0" err="1">
+                <a:solidFill>
+                  <a:srgbClr val="0070C0"/>
+                </a:solidFill>
+              </a:rPr>
+              <a:t>springboot</a:t>
+            </a:r>
+            <a:r>
+              <a:rPr lang="en-US" dirty="0">
+                <a:solidFill>
+                  <a:srgbClr val="0070C0"/>
+                </a:solidFill>
+              </a:rPr>
+              <a:t>, apache poi and integrated with Swagger UI. </a:t>
+            </a:r>
+          </a:p>
+          <a:p>
+            <a:r>
+              <a:rPr lang="en-US" b="1" dirty="0">
+                <a:solidFill>
+                  <a:srgbClr val="0070C0"/>
+                </a:solidFill>
+              </a:rPr>
+              <a:t>Notification-Batch (NB)</a:t>
+            </a:r>
+            <a:r>
+              <a:rPr lang="en-US" dirty="0">
+                <a:solidFill>
+                  <a:srgbClr val="0070C0"/>
+                </a:solidFill>
+              </a:rPr>
+              <a:t> – Developed using Spring-batch. Used to send notifications to the </a:t>
+            </a:r>
+            <a:r>
+              <a:rPr lang="en-US" dirty="0" err="1">
+                <a:solidFill>
+                  <a:srgbClr val="0070C0"/>
+                </a:solidFill>
+              </a:rPr>
+              <a:t>empoloyees</a:t>
+            </a:r>
+            <a:r>
+              <a:rPr lang="en-US" dirty="0">
+                <a:solidFill>
+                  <a:srgbClr val="0070C0"/>
+                </a:solidFill>
+              </a:rPr>
+              <a:t> who is not using </a:t>
+            </a:r>
+            <a:r>
+              <a:rPr lang="en-US" dirty="0" err="1">
+                <a:solidFill>
+                  <a:srgbClr val="0070C0"/>
+                </a:solidFill>
+              </a:rPr>
+              <a:t>iStore</a:t>
+            </a:r>
+            <a:r>
+              <a:rPr lang="en-US" dirty="0">
+                <a:solidFill>
+                  <a:srgbClr val="0070C0"/>
+                </a:solidFill>
+              </a:rPr>
+              <a:t> functionalities</a:t>
+            </a:r>
+          </a:p>
+          <a:p>
+            <a:r>
+              <a:rPr lang="en-US" b="1" dirty="0">
+                <a:solidFill>
+                  <a:srgbClr val="0070C0"/>
+                </a:solidFill>
+              </a:rPr>
+              <a:t>Cron Job </a:t>
+            </a:r>
+            <a:r>
+              <a:rPr lang="en-US" dirty="0">
+                <a:solidFill>
+                  <a:srgbClr val="0070C0"/>
+                </a:solidFill>
+              </a:rPr>
+              <a:t>– Unix Cron Scheduler for notification batch</a:t>
+            </a:r>
+          </a:p>
+          <a:p>
+            <a:r>
+              <a:rPr lang="en-US" b="1" dirty="0">
+                <a:solidFill>
+                  <a:srgbClr val="0070C0"/>
+                </a:solidFill>
+              </a:rPr>
+              <a:t>Kafka</a:t>
+            </a:r>
+            <a:r>
+              <a:rPr lang="en-US" dirty="0">
+                <a:solidFill>
+                  <a:srgbClr val="0070C0"/>
+                </a:solidFill>
+              </a:rPr>
+              <a:t> –Streams data and send notifications in real-time to the employees who seek feedback, upload appreciation, complete task/course etc.</a:t>
+            </a:r>
+          </a:p>
+        </p:txBody>
+      </p:sp>
+      <p:sp>
+        <p:nvSpPr>
+          <p:cNvPr id="4" name="Slide Number Placeholder 3"/>
+          <p:cNvSpPr>
+            <a:spLocks noGrp="1"/>
+          </p:cNvSpPr>
+          <p:nvPr>
+            <p:ph type="sldNum" sz="quarter" idx="2"/>
+          </p:nvPr>
+        </p:nvSpPr>
+        <p:spPr/>
+        <p:txBody>
+          <a:bodyPr/>
+          <a:lstStyle/>
+          <a:p>
+            <a:fld id="{86CB4B4D-7CA3-9044-876B-883B54F8677D}" type="slidenum">
+              <a:rPr lang="en-US" smtClean="0"/>
+              <a:pPr/>
+              <a:t>11</a:t>
+            </a:fld>
+            <a:endParaRPr lang="en-US" dirty="0"/>
+          </a:p>
+        </p:txBody>
+      </p:sp>
+    </p:spTree>
+    <p:extLst>
+      <p:ext uri="{BB962C8B-B14F-4D97-AF65-F5344CB8AC3E}">
+        <p14:creationId xmlns:p14="http://schemas.microsoft.com/office/powerpoint/2010/main" val="2013916777"/>
+      </p:ext>
+    </p:extLst>
+  </p:cSld>
+  <p:clrMapOvr>
+    <a:masterClrMapping/>
+  </p:clrMapOvr>
+  <p:transition spd="med"/>
+</p:sld>
+</file>
+
+<file path=ppt/slides/slide12.xml><?xml version="1.0" encoding="utf-8"?>
+<p:sld xmlns:a="http://schemas.openxmlformats.org/drawingml/2006/main" xmlns:r="http://schemas.openxmlformats.org/officeDocument/2006/relationships" xmlns:p="http://schemas.openxmlformats.org/presentationml/2006/main">
+  <p:cSld>
+    <p:spTree>
+      <p:nvGrpSpPr>
+        <p:cNvPr id="1" name=""/>
+        <p:cNvGrpSpPr/>
+        <p:nvPr/>
+      </p:nvGrpSpPr>
+      <p:grpSpPr>
+        <a:xfrm>
+          <a:off x="0" y="0"/>
+          <a:ext cx="0" cy="0"/>
+          <a:chOff x="0" y="0"/>
+          <a:chExt cx="0" cy="0"/>
+        </a:xfrm>
+      </p:grpSpPr>
+      <p:sp>
+        <p:nvSpPr>
+          <p:cNvPr id="374" name="Shape 374"/>
+          <p:cNvSpPr>
+            <a:spLocks noGrp="1"/>
+          </p:cNvSpPr>
+          <p:nvPr>
+            <p:ph type="title"/>
+          </p:nvPr>
+        </p:nvSpPr>
         <p:spPr/>
         <p:txBody>
           <a:bodyPr/>
@@ -14950,7 +15516,7 @@
 </p:sld>
 </file>
 
-<file path=ppt/slides/slide11.xml><?xml version="1.0" encoding="utf-8"?>
+<file path=ppt/slides/slide13.xml><?xml version="1.0" encoding="utf-8"?>
 <p:sld xmlns:a="http://schemas.openxmlformats.org/drawingml/2006/main" xmlns:r="http://schemas.openxmlformats.org/officeDocument/2006/relationships" xmlns:p="http://schemas.openxmlformats.org/presentationml/2006/main">
   <p:cSld>
     <p:spTree>
@@ -15010,7 +15576,7 @@
         </p:spPr>
         <p:txBody>
           <a:bodyPr>
-            <a:normAutofit lnSpcReduction="10000"/>
+            <a:normAutofit fontScale="92500" lnSpcReduction="10000"/>
           </a:bodyPr>
           <a:lstStyle/>
           <a:p>
@@ -15037,8 +15603,9 @@
             </a:r>
           </a:p>
           <a:p>
-            <a:pPr marL="587813" lvl="1" indent="0">
-              <a:buNone/>
+            <a:pPr marL="873563" lvl="1" indent="-285750">
+              <a:buFontTx/>
+              <a:buChar char="-"/>
             </a:pPr>
             <a:r>
               <a:rPr lang="en-US" dirty="0">
@@ -15047,7 +15614,7 @@
                 </a:solidFill>
                 <a:latin typeface="+mn-lt"/>
               </a:rPr>
-              <a:t>- Through Adapter APIs user can </a:t>
+              <a:t>Through Adapter APIs user can </a:t>
             </a:r>
             <a:r>
               <a:rPr lang="en-US" b="1" u="sng" dirty="0">
@@ -15067,6 +15634,44 @@
               </a:rPr>
               <a:t>push following message categories - appreciation, feedback, task, course completion etc. Data will be stored in Mongo db. We can store files to GCP bucket, but as part of template creation we store them in Unix box.</a:t>
             </a:r>
+          </a:p>
+          <a:p>
+            <a:pPr marL="587813" lvl="1" indent="0">
+              <a:buNone/>
+            </a:pPr>
+            <a:r>
+              <a:rPr lang="en-US">
+                <a:solidFill>
+                  <a:srgbClr val="007DC3"/>
+                </a:solidFill>
+                <a:latin typeface="+mn-lt"/>
+              </a:rPr>
+              <a:t>-     It </a:t>
+            </a:r>
+            <a:r>
+              <a:rPr lang="en-US" dirty="0">
+                <a:solidFill>
+                  <a:srgbClr val="007DC3"/>
+                </a:solidFill>
+                <a:latin typeface="+mn-lt"/>
+              </a:rPr>
+              <a:t>can pull Tasks  and status from Jira, we will provide a basic API around </a:t>
+            </a:r>
+            <a:r>
+              <a:rPr lang="en-US">
+                <a:solidFill>
+                  <a:srgbClr val="007DC3"/>
+                </a:solidFill>
+                <a:latin typeface="+mn-lt"/>
+              </a:rPr>
+              <a:t>this service</a:t>
+            </a:r>
+            <a:endParaRPr lang="en-US" dirty="0">
+              <a:solidFill>
+                <a:srgbClr val="007DC3"/>
+              </a:solidFill>
+              <a:latin typeface="+mn-lt"/>
+            </a:endParaRPr>
           </a:p>
           <a:p>
             <a:pPr marL="873563" lvl="1" indent="-285750">
@@ -15704,7 +16309,7 @@
 </p:sld>
 </file>
 
-<file path=ppt/slides/slide12.xml><?xml version="1.0" encoding="utf-8"?>
+<file path=ppt/slides/slide14.xml><?xml version="1.0" encoding="utf-8"?>
 <p:sld xmlns:a="http://schemas.openxmlformats.org/drawingml/2006/main" xmlns:r="http://schemas.openxmlformats.org/officeDocument/2006/relationships" xmlns:p="http://schemas.openxmlformats.org/presentationml/2006/main">
   <p:cSld>
     <p:spTree>
@@ -16060,7 +16665,7 @@
 </p:sld>
 </file>
 
-<file path=ppt/slides/slide13.xml><?xml version="1.0" encoding="utf-8"?>
+<file path=ppt/slides/slide15.xml><?xml version="1.0" encoding="utf-8"?>
 <p:sld xmlns:a="http://schemas.openxmlformats.org/drawingml/2006/main" xmlns:r="http://schemas.openxmlformats.org/officeDocument/2006/relationships" xmlns:p="http://schemas.openxmlformats.org/presentationml/2006/main">
   <p:cSld>
     <p:bg>
@@ -16521,7 +17126,7 @@
 </p:sld>
 </file>
 
-<file path=ppt/slides/slide14.xml><?xml version="1.0" encoding="utf-8"?>
+<file path=ppt/slides/slide16.xml><?xml version="1.0" encoding="utf-8"?>
 <p:sld xmlns:a="http://schemas.openxmlformats.org/drawingml/2006/main" xmlns:r="http://schemas.openxmlformats.org/officeDocument/2006/relationships" xmlns:p="http://schemas.openxmlformats.org/presentationml/2006/main">
   <p:cSld>
     <p:spTree>
@@ -17043,7 +17648,7 @@
 </p:sld>
 </file>
 
-<file path=ppt/slides/slide15.xml><?xml version="1.0" encoding="utf-8"?>
+<file path=ppt/slides/slide17.xml><?xml version="1.0" encoding="utf-8"?>
 <p:sld xmlns:a="http://schemas.openxmlformats.org/drawingml/2006/main" xmlns:r="http://schemas.openxmlformats.org/officeDocument/2006/relationships" xmlns:p="http://schemas.openxmlformats.org/presentationml/2006/main">
   <p:cSld>
     <p:spTree>
@@ -17529,7 +18134,7 @@
 </p:sld>
 </file>
 
-<file path=ppt/slides/slide16.xml><?xml version="1.0" encoding="utf-8"?>
+<file path=ppt/slides/slide18.xml><?xml version="1.0" encoding="utf-8"?>
 <p:sld xmlns:a="http://schemas.openxmlformats.org/drawingml/2006/main" xmlns:r="http://schemas.openxmlformats.org/officeDocument/2006/relationships" xmlns:p="http://schemas.openxmlformats.org/presentationml/2006/main">
   <p:cSld>
     <p:spTree>
@@ -17951,7 +18556,7 @@
 </p:sld>
 </file>
 
-<file path=ppt/slides/slide17.xml><?xml version="1.0" encoding="utf-8"?>
+<file path=ppt/slides/slide19.xml><?xml version="1.0" encoding="utf-8"?>
 <p:sld xmlns:a="http://schemas.openxmlformats.org/drawingml/2006/main" xmlns:r="http://schemas.openxmlformats.org/officeDocument/2006/relationships" xmlns:p="http://schemas.openxmlformats.org/presentationml/2006/main">
   <p:cSld>
     <p:spTree>
@@ -18368,1066 +18973,6 @@
     <p:extLst>
       <p:ext uri="{BB962C8B-B14F-4D97-AF65-F5344CB8AC3E}">
         <p14:creationId xmlns:p14="http://schemas.microsoft.com/office/powerpoint/2010/main" val="673954294"/>
-      </p:ext>
-    </p:extLst>
-  </p:cSld>
-  <p:clrMapOvr>
-    <a:masterClrMapping/>
-  </p:clrMapOvr>
-  <p:transition spd="med"/>
-</p:sld>
-</file>
-
-<file path=ppt/slides/slide18.xml><?xml version="1.0" encoding="utf-8"?>
-<p:sld xmlns:a="http://schemas.openxmlformats.org/drawingml/2006/main" xmlns:r="http://schemas.openxmlformats.org/officeDocument/2006/relationships" xmlns:p="http://schemas.openxmlformats.org/presentationml/2006/main">
-  <p:cSld>
-    <p:spTree>
-      <p:nvGrpSpPr>
-        <p:cNvPr id="1" name=""/>
-        <p:cNvGrpSpPr/>
-        <p:nvPr/>
-      </p:nvGrpSpPr>
-      <p:grpSpPr>
-        <a:xfrm>
-          <a:off x="0" y="0"/>
-          <a:ext cx="0" cy="0"/>
-          <a:chOff x="0" y="0"/>
-          <a:chExt cx="0" cy="0"/>
-        </a:xfrm>
-      </p:grpSpPr>
-      <p:sp>
-        <p:nvSpPr>
-          <p:cNvPr id="374" name="Shape 374"/>
-          <p:cNvSpPr>
-            <a:spLocks noGrp="1"/>
-          </p:cNvSpPr>
-          <p:nvPr>
-            <p:ph type="title"/>
-          </p:nvPr>
-        </p:nvSpPr>
-        <p:spPr/>
-        <p:txBody>
-          <a:bodyPr/>
-          <a:lstStyle/>
-          <a:p>
-            <a:r>
-              <a:rPr lang="en-US" sz="2700" dirty="0">
-                <a:latin typeface="+mn-lt"/>
-                <a:sym typeface="Calibri"/>
-              </a:rPr>
-              <a:t>Technical Solution Continued…</a:t>
-            </a:r>
-          </a:p>
-        </p:txBody>
-      </p:sp>
-      <p:sp>
-        <p:nvSpPr>
-          <p:cNvPr id="2" name="Text Placeholder 1"/>
-          <p:cNvSpPr>
-            <a:spLocks noGrp="1"/>
-          </p:cNvSpPr>
-          <p:nvPr>
-            <p:ph type="body" sz="quarter" idx="10"/>
-          </p:nvPr>
-        </p:nvSpPr>
-        <p:spPr>
-          <a:xfrm>
-            <a:off x="263924" y="804333"/>
-            <a:ext cx="11664152" cy="5651885"/>
-          </a:xfrm>
-        </p:spPr>
-        <p:txBody>
-          <a:bodyPr>
-            <a:normAutofit/>
-          </a:bodyPr>
-          <a:lstStyle/>
-          <a:p>
-            <a:pPr marL="587813" lvl="1" indent="0">
-              <a:buNone/>
-            </a:pPr>
-            <a:r>
-              <a:rPr lang="en-US" sz="1800" b="1" u="sng" dirty="0">
-                <a:solidFill>
-                  <a:srgbClr val="007DC3"/>
-                </a:solidFill>
-              </a:rPr>
-              <a:t>Notification-Prep</a:t>
-            </a:r>
-          </a:p>
-          <a:p>
-            <a:pPr marL="873563" lvl="1" indent="-285750">
-              <a:buFontTx/>
-              <a:buChar char="-"/>
-            </a:pPr>
-            <a:r>
-              <a:rPr lang="en-US" sz="1800" dirty="0">
-                <a:solidFill>
-                  <a:srgbClr val="007DC3"/>
-                </a:solidFill>
-              </a:rPr>
-              <a:t>Connects external system and get the list of employees and creates a list of people those are not using </a:t>
-            </a:r>
-            <a:r>
-              <a:rPr lang="en-US" sz="1800" dirty="0" err="1">
-                <a:solidFill>
-                  <a:srgbClr val="007DC3"/>
-                </a:solidFill>
-              </a:rPr>
-              <a:t>iCount</a:t>
-            </a:r>
-            <a:r>
-              <a:rPr lang="en-US" sz="1800" dirty="0">
-                <a:solidFill>
-                  <a:srgbClr val="007DC3"/>
-                </a:solidFill>
-              </a:rPr>
-              <a:t> capabilities after applying exclusion list (Example – Subcons/onsite employees) for </a:t>
-            </a:r>
-            <a:r>
-              <a:rPr lang="en-US" sz="1800" dirty="0" err="1">
-                <a:solidFill>
-                  <a:srgbClr val="007DC3"/>
-                </a:solidFill>
-              </a:rPr>
-              <a:t>specifc</a:t>
-            </a:r>
-            <a:r>
-              <a:rPr lang="en-US" sz="1800" dirty="0">
-                <a:solidFill>
-                  <a:srgbClr val="007DC3"/>
-                </a:solidFill>
-              </a:rPr>
-              <a:t> duration.</a:t>
-            </a:r>
-          </a:p>
-          <a:p>
-            <a:pPr marL="873563" lvl="1" indent="-285750">
-              <a:buFontTx/>
-              <a:buChar char="-"/>
-            </a:pPr>
-            <a:r>
-              <a:rPr lang="en-US" sz="1800" dirty="0">
-                <a:solidFill>
-                  <a:srgbClr val="007DC3"/>
-                </a:solidFill>
-              </a:rPr>
-              <a:t>Send/upload employee list in csv format to notification batch to notify employees.</a:t>
-            </a:r>
-            <a:endParaRPr lang="en-US" sz="1800" b="1" u="sng" dirty="0">
-              <a:solidFill>
-                <a:srgbClr val="007DC3"/>
-              </a:solidFill>
-              <a:latin typeface="+mn-lt"/>
-            </a:endParaRPr>
-          </a:p>
-          <a:p>
-            <a:pPr marL="587813" lvl="1" indent="0">
-              <a:buNone/>
-            </a:pPr>
-            <a:r>
-              <a:rPr lang="en-US" sz="1800" b="1" u="sng" dirty="0">
-                <a:solidFill>
-                  <a:srgbClr val="007DC3"/>
-                </a:solidFill>
-                <a:latin typeface="+mn-lt"/>
-              </a:rPr>
-              <a:t>Notification-Batch</a:t>
-            </a:r>
-            <a:r>
-              <a:rPr lang="en-US" sz="1800" dirty="0">
-                <a:solidFill>
-                  <a:srgbClr val="007DC3"/>
-                </a:solidFill>
-                <a:latin typeface="+mn-lt"/>
-              </a:rPr>
-              <a:t> :</a:t>
-            </a:r>
-          </a:p>
-          <a:p>
-            <a:pPr marL="587813" lvl="1" indent="0">
-              <a:buNone/>
-            </a:pPr>
-            <a:r>
-              <a:rPr lang="en-US" sz="1800" dirty="0">
-                <a:solidFill>
-                  <a:srgbClr val="007DC3"/>
-                </a:solidFill>
-                <a:latin typeface="+mn-lt"/>
-              </a:rPr>
-              <a:t>-    </a:t>
-            </a:r>
-            <a:r>
-              <a:rPr lang="en-US" sz="1800" dirty="0">
-                <a:solidFill>
-                  <a:srgbClr val="007DC3"/>
-                </a:solidFill>
-              </a:rPr>
-              <a:t>Consist of </a:t>
-            </a:r>
-            <a:r>
-              <a:rPr lang="en-US" sz="1800" b="1" dirty="0">
-                <a:solidFill>
-                  <a:srgbClr val="007DC3"/>
-                </a:solidFill>
-              </a:rPr>
-              <a:t>Campaign Manager </a:t>
-            </a:r>
-            <a:r>
-              <a:rPr lang="en-US" sz="1800" dirty="0">
-                <a:solidFill>
-                  <a:srgbClr val="007DC3"/>
-                </a:solidFill>
-              </a:rPr>
-              <a:t>and </a:t>
-            </a:r>
-            <a:r>
-              <a:rPr lang="en-US" sz="1800" b="1" dirty="0" err="1">
-                <a:solidFill>
-                  <a:srgbClr val="007DC3"/>
-                </a:solidFill>
-              </a:rPr>
-              <a:t>ToDo</a:t>
-            </a:r>
-            <a:r>
-              <a:rPr lang="en-US" sz="1800" b="1" dirty="0">
-                <a:solidFill>
-                  <a:srgbClr val="007DC3"/>
-                </a:solidFill>
-              </a:rPr>
-              <a:t> Notification generator</a:t>
-            </a:r>
-            <a:r>
-              <a:rPr lang="en-US" sz="1800" dirty="0">
-                <a:solidFill>
-                  <a:srgbClr val="007DC3"/>
-                </a:solidFill>
-              </a:rPr>
-              <a:t>.</a:t>
-            </a:r>
-          </a:p>
-          <a:p>
-            <a:pPr marL="873563" lvl="1" indent="-285750">
-              <a:buFontTx/>
-              <a:buChar char="-"/>
-            </a:pPr>
-            <a:r>
-              <a:rPr lang="en-US" sz="1800" dirty="0">
-                <a:solidFill>
-                  <a:srgbClr val="007DC3"/>
-                </a:solidFill>
-              </a:rPr>
-              <a:t>Notify employees who are NOT using or actively using </a:t>
-            </a:r>
-            <a:r>
-              <a:rPr lang="en-US" sz="1800" dirty="0" err="1">
-                <a:solidFill>
-                  <a:srgbClr val="007DC3"/>
-                </a:solidFill>
-              </a:rPr>
-              <a:t>iCount</a:t>
-            </a:r>
-            <a:r>
-              <a:rPr lang="en-US" sz="1800" dirty="0">
-                <a:solidFill>
-                  <a:srgbClr val="007DC3"/>
-                </a:solidFill>
-              </a:rPr>
-              <a:t>.</a:t>
-            </a:r>
-          </a:p>
-          <a:p>
-            <a:pPr marL="873563" lvl="1" indent="-285750">
-              <a:buFontTx/>
-              <a:buChar char="-"/>
-            </a:pPr>
-            <a:r>
-              <a:rPr lang="en-US" sz="1800" b="1" dirty="0">
-                <a:solidFill>
-                  <a:srgbClr val="007DC3"/>
-                </a:solidFill>
-              </a:rPr>
-              <a:t>Campaign management </a:t>
-            </a:r>
-            <a:r>
-              <a:rPr lang="en-US" sz="1800" dirty="0">
-                <a:solidFill>
-                  <a:srgbClr val="007DC3"/>
-                </a:solidFill>
-              </a:rPr>
-              <a:t>can be configured in </a:t>
-            </a:r>
-            <a:r>
-              <a:rPr lang="en-US" sz="1800" dirty="0" err="1">
-                <a:solidFill>
-                  <a:srgbClr val="007DC3"/>
-                </a:solidFill>
-              </a:rPr>
-              <a:t>todo</a:t>
-            </a:r>
-            <a:r>
-              <a:rPr lang="en-US" sz="1800" dirty="0">
-                <a:solidFill>
-                  <a:srgbClr val="007DC3"/>
-                </a:solidFill>
-              </a:rPr>
-              <a:t>-notification batch.</a:t>
-            </a:r>
-          </a:p>
-          <a:p>
-            <a:pPr marL="587813" lvl="1" indent="0">
-              <a:buNone/>
-            </a:pPr>
-            <a:r>
-              <a:rPr lang="en-US" sz="1800" dirty="0">
-                <a:solidFill>
-                  <a:srgbClr val="007DC3"/>
-                </a:solidFill>
-              </a:rPr>
-              <a:t>	1. Deals like early bird – can be announced through campaign management service. </a:t>
-            </a:r>
-          </a:p>
-          <a:p>
-            <a:pPr marL="873563" lvl="1" indent="-285750">
-              <a:buFontTx/>
-              <a:buChar char="-"/>
-            </a:pPr>
-            <a:r>
-              <a:rPr lang="en-US" sz="1800" dirty="0">
-                <a:solidFill>
-                  <a:srgbClr val="007DC3"/>
-                </a:solidFill>
-              </a:rPr>
-              <a:t>Frequency and rules of </a:t>
-            </a:r>
-            <a:r>
-              <a:rPr lang="en-US" sz="1800" dirty="0" err="1">
-                <a:solidFill>
-                  <a:srgbClr val="007DC3"/>
-                </a:solidFill>
-              </a:rPr>
-              <a:t>todo</a:t>
-            </a:r>
-            <a:r>
-              <a:rPr lang="en-US" sz="1800" dirty="0">
-                <a:solidFill>
-                  <a:srgbClr val="007DC3"/>
-                </a:solidFill>
-              </a:rPr>
-              <a:t>-notifications are configurable.</a:t>
-            </a:r>
-          </a:p>
-          <a:p>
-            <a:pPr marL="587813" lvl="1" indent="0">
-              <a:buNone/>
-            </a:pPr>
-            <a:r>
-              <a:rPr lang="en-US" sz="1800" dirty="0">
-                <a:solidFill>
-                  <a:srgbClr val="007DC3"/>
-                </a:solidFill>
-              </a:rPr>
-              <a:t>      Example of rules :</a:t>
-            </a:r>
-          </a:p>
-          <a:p>
-            <a:pPr marL="587813" lvl="1" indent="0">
-              <a:buNone/>
-            </a:pPr>
-            <a:r>
-              <a:rPr lang="en-US" sz="1800" dirty="0">
-                <a:solidFill>
-                  <a:srgbClr val="007DC3"/>
-                </a:solidFill>
-              </a:rPr>
-              <a:t>	1. Escalation rule for not being use </a:t>
-            </a:r>
-            <a:r>
-              <a:rPr lang="en-US" sz="1800" dirty="0" err="1">
-                <a:solidFill>
-                  <a:srgbClr val="007DC3"/>
-                </a:solidFill>
-              </a:rPr>
-              <a:t>iCount</a:t>
-            </a:r>
-            <a:r>
-              <a:rPr lang="en-US" sz="1800" dirty="0">
-                <a:solidFill>
-                  <a:srgbClr val="007DC3"/>
-                </a:solidFill>
-              </a:rPr>
-              <a:t> for specific duration.</a:t>
-            </a:r>
-          </a:p>
-          <a:p>
-            <a:pPr marL="587813" lvl="1" indent="0">
-              <a:buNone/>
-            </a:pPr>
-            <a:r>
-              <a:rPr lang="en-US" sz="1800" dirty="0">
-                <a:solidFill>
-                  <a:srgbClr val="007DC3"/>
-                </a:solidFill>
-              </a:rPr>
-              <a:t>	2. lock/unlock other services such as outbox etc.</a:t>
-            </a:r>
-          </a:p>
-          <a:p>
-            <a:pPr marL="587813" lvl="1" indent="0">
-              <a:buNone/>
-            </a:pPr>
-            <a:endParaRPr lang="en-US" sz="1800" dirty="0"/>
-          </a:p>
-          <a:p>
-            <a:pPr marL="587813" lvl="1" indent="0">
-              <a:buNone/>
-            </a:pPr>
-            <a:endParaRPr lang="en-US" dirty="0">
-              <a:solidFill>
-                <a:srgbClr val="007DC3"/>
-              </a:solidFill>
-            </a:endParaRPr>
-          </a:p>
-          <a:p>
-            <a:pPr marL="587813" lvl="1" indent="0">
-              <a:buNone/>
-            </a:pPr>
-            <a:endParaRPr lang="en-US" dirty="0">
-              <a:solidFill>
-                <a:srgbClr val="007DC3"/>
-              </a:solidFill>
-            </a:endParaRPr>
-          </a:p>
-          <a:p>
-            <a:pPr marL="587813" lvl="1" indent="0">
-              <a:buNone/>
-            </a:pPr>
-            <a:endParaRPr lang="en-US" dirty="0">
-              <a:solidFill>
-                <a:srgbClr val="007DC3"/>
-              </a:solidFill>
-            </a:endParaRPr>
-          </a:p>
-          <a:p>
-            <a:pPr marL="587813" lvl="1" indent="0">
-              <a:buNone/>
-            </a:pPr>
-            <a:endParaRPr lang="en-US" dirty="0">
-              <a:solidFill>
-                <a:srgbClr val="007DC3"/>
-              </a:solidFill>
-              <a:latin typeface="+mn-lt"/>
-            </a:endParaRPr>
-          </a:p>
-          <a:p>
-            <a:pPr marL="587813" lvl="1" indent="0">
-              <a:buNone/>
-            </a:pPr>
-            <a:endParaRPr lang="en-US" dirty="0">
-              <a:solidFill>
-                <a:srgbClr val="007DC3"/>
-              </a:solidFill>
-              <a:latin typeface="+mn-lt"/>
-            </a:endParaRPr>
-          </a:p>
-          <a:p>
-            <a:pPr marL="770693" lvl="1" indent="-182880"/>
-            <a:endParaRPr lang="en-US" dirty="0">
-              <a:solidFill>
-                <a:srgbClr val="007DC3"/>
-              </a:solidFill>
-              <a:latin typeface="+mn-lt"/>
-            </a:endParaRPr>
-          </a:p>
-          <a:p>
-            <a:pPr marL="770693" lvl="1" indent="-182880"/>
-            <a:endParaRPr lang="en-US" dirty="0">
-              <a:solidFill>
-                <a:srgbClr val="007DC3"/>
-              </a:solidFill>
-              <a:latin typeface="+mn-lt"/>
-            </a:endParaRPr>
-          </a:p>
-          <a:p>
-            <a:pPr marL="770693" lvl="1" indent="-182880"/>
-            <a:endParaRPr lang="en-US" dirty="0">
-              <a:solidFill>
-                <a:srgbClr val="007DC3"/>
-              </a:solidFill>
-              <a:latin typeface="+mn-lt"/>
-            </a:endParaRPr>
-          </a:p>
-          <a:p>
-            <a:pPr marL="770693" lvl="1" indent="-182880"/>
-            <a:endParaRPr lang="en-US" dirty="0">
-              <a:solidFill>
-                <a:srgbClr val="007DC3"/>
-              </a:solidFill>
-              <a:latin typeface="+mn-lt"/>
-            </a:endParaRPr>
-          </a:p>
-          <a:p>
-            <a:pPr marL="770693" lvl="1" indent="-182880"/>
-            <a:endParaRPr lang="en-US" dirty="0">
-              <a:solidFill>
-                <a:srgbClr val="007DC3"/>
-              </a:solidFill>
-              <a:latin typeface="+mn-lt"/>
-            </a:endParaRPr>
-          </a:p>
-          <a:p>
-            <a:pPr marL="770693" lvl="1" indent="-182880"/>
-            <a:endParaRPr lang="en-US" dirty="0">
-              <a:solidFill>
-                <a:srgbClr val="007DC3"/>
-              </a:solidFill>
-              <a:latin typeface="+mn-lt"/>
-            </a:endParaRPr>
-          </a:p>
-          <a:p>
-            <a:pPr marL="770693" lvl="1" indent="-182880"/>
-            <a:endParaRPr lang="en-US" dirty="0">
-              <a:solidFill>
-                <a:srgbClr val="007DC3"/>
-              </a:solidFill>
-              <a:latin typeface="+mn-lt"/>
-            </a:endParaRPr>
-          </a:p>
-          <a:p>
-            <a:pPr marL="770693" lvl="1" indent="-182880"/>
-            <a:endParaRPr lang="en-US" dirty="0">
-              <a:solidFill>
-                <a:srgbClr val="007DC3"/>
-              </a:solidFill>
-              <a:latin typeface="+mn-lt"/>
-            </a:endParaRPr>
-          </a:p>
-          <a:p>
-            <a:pPr marL="770693" lvl="1" indent="-182880"/>
-            <a:endParaRPr lang="en-US" dirty="0">
-              <a:solidFill>
-                <a:srgbClr val="007DC3"/>
-              </a:solidFill>
-              <a:latin typeface="+mn-lt"/>
-            </a:endParaRPr>
-          </a:p>
-          <a:p>
-            <a:pPr marL="770693" lvl="1" indent="-182880"/>
-            <a:endParaRPr lang="en-US" dirty="0">
-              <a:solidFill>
-                <a:srgbClr val="007DC3"/>
-              </a:solidFill>
-              <a:latin typeface="+mn-lt"/>
-            </a:endParaRPr>
-          </a:p>
-          <a:p>
-            <a:pPr marL="770693" lvl="1" indent="-182880"/>
-            <a:endParaRPr lang="en-US" dirty="0">
-              <a:solidFill>
-                <a:srgbClr val="007DC3"/>
-              </a:solidFill>
-              <a:latin typeface="+mn-lt"/>
-            </a:endParaRPr>
-          </a:p>
-          <a:p>
-            <a:pPr marL="770693" lvl="1" indent="-182880"/>
-            <a:endParaRPr lang="en-US" dirty="0">
-              <a:solidFill>
-                <a:srgbClr val="007DC3"/>
-              </a:solidFill>
-              <a:latin typeface="+mn-lt"/>
-            </a:endParaRPr>
-          </a:p>
-          <a:p>
-            <a:pPr marL="770693" lvl="1" indent="-182880"/>
-            <a:endParaRPr lang="en-US" dirty="0">
-              <a:solidFill>
-                <a:srgbClr val="007DC3"/>
-              </a:solidFill>
-              <a:latin typeface="+mn-lt"/>
-            </a:endParaRPr>
-          </a:p>
-          <a:p>
-            <a:pPr marL="770693" lvl="1" indent="-182880"/>
-            <a:endParaRPr lang="en-US" dirty="0">
-              <a:solidFill>
-                <a:srgbClr val="007DC3"/>
-              </a:solidFill>
-              <a:latin typeface="+mn-lt"/>
-            </a:endParaRPr>
-          </a:p>
-          <a:p>
-            <a:pPr marL="770693" lvl="1" indent="-182880"/>
-            <a:endParaRPr lang="en-US" dirty="0">
-              <a:solidFill>
-                <a:srgbClr val="007DC3"/>
-              </a:solidFill>
-              <a:latin typeface="+mn-lt"/>
-            </a:endParaRPr>
-          </a:p>
-          <a:p>
-            <a:pPr marL="770693" lvl="1" indent="-182880"/>
-            <a:endParaRPr lang="en-US" dirty="0">
-              <a:solidFill>
-                <a:srgbClr val="007DC3"/>
-              </a:solidFill>
-              <a:latin typeface="+mn-lt"/>
-            </a:endParaRPr>
-          </a:p>
-          <a:p>
-            <a:pPr marL="770693" lvl="1" indent="-182880"/>
-            <a:endParaRPr lang="en-US" dirty="0">
-              <a:solidFill>
-                <a:srgbClr val="007DC3"/>
-              </a:solidFill>
-              <a:latin typeface="+mn-lt"/>
-            </a:endParaRPr>
-          </a:p>
-          <a:p>
-            <a:pPr marL="770693" lvl="1" indent="-182880"/>
-            <a:endParaRPr lang="en-US" dirty="0">
-              <a:solidFill>
-                <a:srgbClr val="007DC3"/>
-              </a:solidFill>
-              <a:latin typeface="+mn-lt"/>
-            </a:endParaRPr>
-          </a:p>
-          <a:p>
-            <a:pPr marL="770693" lvl="1" indent="-182880"/>
-            <a:endParaRPr lang="en-US" dirty="0">
-              <a:solidFill>
-                <a:srgbClr val="007DC3"/>
-              </a:solidFill>
-              <a:latin typeface="+mn-lt"/>
-            </a:endParaRPr>
-          </a:p>
-          <a:p>
-            <a:pPr marL="770693" lvl="1" indent="-182880"/>
-            <a:endParaRPr lang="en-US" dirty="0">
-              <a:solidFill>
-                <a:srgbClr val="007DC3"/>
-              </a:solidFill>
-              <a:latin typeface="+mn-lt"/>
-            </a:endParaRPr>
-          </a:p>
-          <a:p>
-            <a:pPr marL="0" indent="0">
-              <a:buNone/>
-            </a:pPr>
-            <a:endParaRPr lang="en-US" sz="1600" dirty="0">
-              <a:solidFill>
-                <a:srgbClr val="007DC3"/>
-              </a:solidFill>
-              <a:latin typeface="+mn-lt"/>
-            </a:endParaRPr>
-          </a:p>
-          <a:p>
-            <a:pPr marL="0" indent="0">
-              <a:buNone/>
-            </a:pPr>
-            <a:endParaRPr lang="en-US" sz="1600" dirty="0">
-              <a:solidFill>
-                <a:srgbClr val="007DC3"/>
-              </a:solidFill>
-              <a:latin typeface="+mn-lt"/>
-            </a:endParaRPr>
-          </a:p>
-          <a:p>
-            <a:pPr marL="0" indent="0">
-              <a:buNone/>
-            </a:pPr>
-            <a:endParaRPr lang="en-US" sz="1600" dirty="0">
-              <a:solidFill>
-                <a:srgbClr val="007DC3"/>
-              </a:solidFill>
-              <a:latin typeface="+mn-lt"/>
-            </a:endParaRPr>
-          </a:p>
-        </p:txBody>
-      </p:sp>
-    </p:spTree>
-    <p:extLst>
-      <p:ext uri="{BB962C8B-B14F-4D97-AF65-F5344CB8AC3E}">
-        <p14:creationId xmlns:p14="http://schemas.microsoft.com/office/powerpoint/2010/main" val="2969780216"/>
-      </p:ext>
-    </p:extLst>
-  </p:cSld>
-  <p:clrMapOvr>
-    <a:masterClrMapping/>
-  </p:clrMapOvr>
-  <p:transition spd="med"/>
-</p:sld>
-</file>
-
-<file path=ppt/slides/slide19.xml><?xml version="1.0" encoding="utf-8"?>
-<p:sld xmlns:a="http://schemas.openxmlformats.org/drawingml/2006/main" xmlns:r="http://schemas.openxmlformats.org/officeDocument/2006/relationships" xmlns:p="http://schemas.openxmlformats.org/presentationml/2006/main">
-  <p:cSld>
-    <p:spTree>
-      <p:nvGrpSpPr>
-        <p:cNvPr id="1" name=""/>
-        <p:cNvGrpSpPr/>
-        <p:nvPr/>
-      </p:nvGrpSpPr>
-      <p:grpSpPr>
-        <a:xfrm>
-          <a:off x="0" y="0"/>
-          <a:ext cx="0" cy="0"/>
-          <a:chOff x="0" y="0"/>
-          <a:chExt cx="0" cy="0"/>
-        </a:xfrm>
-      </p:grpSpPr>
-      <p:sp>
-        <p:nvSpPr>
-          <p:cNvPr id="374" name="Shape 374"/>
-          <p:cNvSpPr>
-            <a:spLocks noGrp="1"/>
-          </p:cNvSpPr>
-          <p:nvPr>
-            <p:ph type="title"/>
-          </p:nvPr>
-        </p:nvSpPr>
-        <p:spPr/>
-        <p:txBody>
-          <a:bodyPr/>
-          <a:lstStyle/>
-          <a:p>
-            <a:r>
-              <a:rPr lang="en-US" sz="2700" dirty="0">
-                <a:latin typeface="+mn-lt"/>
-                <a:sym typeface="Calibri"/>
-              </a:rPr>
-              <a:t>Technical Solution Continued : Example - </a:t>
-            </a:r>
-            <a:r>
-              <a:rPr lang="en-US" sz="2700" dirty="0" err="1">
-                <a:latin typeface="+mn-lt"/>
-                <a:sym typeface="Calibri"/>
-              </a:rPr>
-              <a:t>Todo</a:t>
-            </a:r>
-            <a:r>
-              <a:rPr lang="en-US" sz="2700" dirty="0">
-                <a:latin typeface="+mn-lt"/>
-                <a:sym typeface="Calibri"/>
-              </a:rPr>
-              <a:t>-Notification…</a:t>
-            </a:r>
-            <a:br>
-              <a:rPr lang="en-US" sz="2700" dirty="0">
-                <a:latin typeface="+mn-lt"/>
-                <a:sym typeface="Calibri"/>
-              </a:rPr>
-            </a:br>
-            <a:endParaRPr lang="en-US" sz="2700" dirty="0">
-              <a:latin typeface="+mn-lt"/>
-              <a:sym typeface="Calibri"/>
-            </a:endParaRPr>
-          </a:p>
-        </p:txBody>
-      </p:sp>
-      <p:sp>
-        <p:nvSpPr>
-          <p:cNvPr id="2" name="Text Placeholder 1"/>
-          <p:cNvSpPr>
-            <a:spLocks noGrp="1"/>
-          </p:cNvSpPr>
-          <p:nvPr>
-            <p:ph type="body" sz="quarter" idx="10"/>
-          </p:nvPr>
-        </p:nvSpPr>
-        <p:spPr>
-          <a:xfrm>
-            <a:off x="183464" y="804333"/>
-            <a:ext cx="11229263" cy="5718397"/>
-          </a:xfrm>
-        </p:spPr>
-        <p:txBody>
-          <a:bodyPr>
-            <a:normAutofit/>
-          </a:bodyPr>
-          <a:lstStyle/>
-          <a:p>
-            <a:pPr marL="587813" lvl="1" indent="0">
-              <a:buNone/>
-            </a:pPr>
-            <a:endParaRPr lang="en-US" dirty="0">
-              <a:solidFill>
-                <a:srgbClr val="007DC3"/>
-              </a:solidFill>
-              <a:latin typeface="+mn-lt"/>
-            </a:endParaRPr>
-          </a:p>
-          <a:p>
-            <a:pPr marL="770693" lvl="1" indent="-182880"/>
-            <a:endParaRPr lang="en-US" dirty="0">
-              <a:solidFill>
-                <a:srgbClr val="007DC3"/>
-              </a:solidFill>
-              <a:latin typeface="+mn-lt"/>
-            </a:endParaRPr>
-          </a:p>
-          <a:p>
-            <a:pPr marL="770693" lvl="1" indent="-182880"/>
-            <a:endParaRPr lang="en-US" dirty="0">
-              <a:solidFill>
-                <a:srgbClr val="007DC3"/>
-              </a:solidFill>
-              <a:latin typeface="+mn-lt"/>
-            </a:endParaRPr>
-          </a:p>
-          <a:p>
-            <a:pPr marL="770693" lvl="1" indent="-182880"/>
-            <a:endParaRPr lang="en-US" dirty="0">
-              <a:solidFill>
-                <a:srgbClr val="007DC3"/>
-              </a:solidFill>
-              <a:latin typeface="+mn-lt"/>
-            </a:endParaRPr>
-          </a:p>
-          <a:p>
-            <a:pPr marL="770693" lvl="1" indent="-182880"/>
-            <a:endParaRPr lang="en-US" dirty="0">
-              <a:solidFill>
-                <a:srgbClr val="007DC3"/>
-              </a:solidFill>
-              <a:latin typeface="+mn-lt"/>
-            </a:endParaRPr>
-          </a:p>
-          <a:p>
-            <a:pPr marL="770693" lvl="1" indent="-182880"/>
-            <a:endParaRPr lang="en-US" dirty="0">
-              <a:solidFill>
-                <a:srgbClr val="007DC3"/>
-              </a:solidFill>
-              <a:latin typeface="+mn-lt"/>
-            </a:endParaRPr>
-          </a:p>
-          <a:p>
-            <a:pPr marL="770693" lvl="1" indent="-182880"/>
-            <a:endParaRPr lang="en-US" dirty="0">
-              <a:solidFill>
-                <a:srgbClr val="007DC3"/>
-              </a:solidFill>
-              <a:latin typeface="+mn-lt"/>
-            </a:endParaRPr>
-          </a:p>
-          <a:p>
-            <a:pPr marL="770693" lvl="1" indent="-182880"/>
-            <a:endParaRPr lang="en-US" dirty="0">
-              <a:solidFill>
-                <a:srgbClr val="007DC3"/>
-              </a:solidFill>
-              <a:latin typeface="+mn-lt"/>
-            </a:endParaRPr>
-          </a:p>
-          <a:p>
-            <a:pPr marL="770693" lvl="1" indent="-182880"/>
-            <a:endParaRPr lang="en-US" dirty="0">
-              <a:solidFill>
-                <a:srgbClr val="007DC3"/>
-              </a:solidFill>
-              <a:latin typeface="+mn-lt"/>
-            </a:endParaRPr>
-          </a:p>
-          <a:p>
-            <a:pPr marL="770693" lvl="1" indent="-182880"/>
-            <a:endParaRPr lang="en-US" dirty="0">
-              <a:solidFill>
-                <a:srgbClr val="007DC3"/>
-              </a:solidFill>
-              <a:latin typeface="+mn-lt"/>
-            </a:endParaRPr>
-          </a:p>
-          <a:p>
-            <a:pPr marL="770693" lvl="1" indent="-182880"/>
-            <a:endParaRPr lang="en-US" dirty="0">
-              <a:solidFill>
-                <a:srgbClr val="007DC3"/>
-              </a:solidFill>
-              <a:latin typeface="+mn-lt"/>
-            </a:endParaRPr>
-          </a:p>
-          <a:p>
-            <a:pPr marL="770693" lvl="1" indent="-182880"/>
-            <a:endParaRPr lang="en-US" dirty="0">
-              <a:solidFill>
-                <a:srgbClr val="007DC3"/>
-              </a:solidFill>
-              <a:latin typeface="+mn-lt"/>
-            </a:endParaRPr>
-          </a:p>
-          <a:p>
-            <a:pPr marL="770693" lvl="1" indent="-182880"/>
-            <a:endParaRPr lang="en-US" dirty="0">
-              <a:solidFill>
-                <a:srgbClr val="007DC3"/>
-              </a:solidFill>
-              <a:latin typeface="+mn-lt"/>
-            </a:endParaRPr>
-          </a:p>
-          <a:p>
-            <a:pPr marL="770693" lvl="1" indent="-182880"/>
-            <a:endParaRPr lang="en-US" dirty="0">
-              <a:solidFill>
-                <a:srgbClr val="007DC3"/>
-              </a:solidFill>
-              <a:latin typeface="+mn-lt"/>
-            </a:endParaRPr>
-          </a:p>
-          <a:p>
-            <a:pPr marL="770693" lvl="1" indent="-182880"/>
-            <a:endParaRPr lang="en-US" dirty="0">
-              <a:solidFill>
-                <a:srgbClr val="007DC3"/>
-              </a:solidFill>
-              <a:latin typeface="+mn-lt"/>
-            </a:endParaRPr>
-          </a:p>
-          <a:p>
-            <a:pPr marL="770693" lvl="1" indent="-182880"/>
-            <a:endParaRPr lang="en-US" dirty="0">
-              <a:solidFill>
-                <a:srgbClr val="007DC3"/>
-              </a:solidFill>
-              <a:latin typeface="+mn-lt"/>
-            </a:endParaRPr>
-          </a:p>
-          <a:p>
-            <a:pPr marL="770693" lvl="1" indent="-182880"/>
-            <a:endParaRPr lang="en-US" dirty="0">
-              <a:solidFill>
-                <a:srgbClr val="007DC3"/>
-              </a:solidFill>
-              <a:latin typeface="+mn-lt"/>
-            </a:endParaRPr>
-          </a:p>
-          <a:p>
-            <a:pPr marL="770693" lvl="1" indent="-182880"/>
-            <a:endParaRPr lang="en-US" dirty="0">
-              <a:solidFill>
-                <a:srgbClr val="007DC3"/>
-              </a:solidFill>
-              <a:latin typeface="+mn-lt"/>
-            </a:endParaRPr>
-          </a:p>
-          <a:p>
-            <a:pPr marL="770693" lvl="1" indent="-182880"/>
-            <a:endParaRPr lang="en-US" dirty="0">
-              <a:solidFill>
-                <a:srgbClr val="007DC3"/>
-              </a:solidFill>
-              <a:latin typeface="+mn-lt"/>
-            </a:endParaRPr>
-          </a:p>
-          <a:p>
-            <a:pPr marL="770693" lvl="1" indent="-182880"/>
-            <a:endParaRPr lang="en-US" dirty="0">
-              <a:solidFill>
-                <a:srgbClr val="007DC3"/>
-              </a:solidFill>
-              <a:latin typeface="+mn-lt"/>
-            </a:endParaRPr>
-          </a:p>
-          <a:p>
-            <a:pPr marL="770693" lvl="1" indent="-182880"/>
-            <a:endParaRPr lang="en-US" dirty="0">
-              <a:solidFill>
-                <a:srgbClr val="007DC3"/>
-              </a:solidFill>
-              <a:latin typeface="+mn-lt"/>
-            </a:endParaRPr>
-          </a:p>
-          <a:p>
-            <a:pPr marL="770693" lvl="1" indent="-182880"/>
-            <a:endParaRPr lang="en-US" dirty="0">
-              <a:solidFill>
-                <a:srgbClr val="007DC3"/>
-              </a:solidFill>
-              <a:latin typeface="+mn-lt"/>
-            </a:endParaRPr>
-          </a:p>
-          <a:p>
-            <a:pPr marL="0" indent="0">
-              <a:buNone/>
-            </a:pPr>
-            <a:endParaRPr lang="en-US" sz="1600" dirty="0">
-              <a:solidFill>
-                <a:srgbClr val="007DC3"/>
-              </a:solidFill>
-              <a:latin typeface="+mn-lt"/>
-            </a:endParaRPr>
-          </a:p>
-          <a:p>
-            <a:pPr marL="0" indent="0">
-              <a:buNone/>
-            </a:pPr>
-            <a:endParaRPr lang="en-US" sz="1600" dirty="0">
-              <a:solidFill>
-                <a:srgbClr val="007DC3"/>
-              </a:solidFill>
-              <a:latin typeface="+mn-lt"/>
-            </a:endParaRPr>
-          </a:p>
-          <a:p>
-            <a:pPr marL="0" indent="0">
-              <a:buNone/>
-            </a:pPr>
-            <a:endParaRPr lang="en-US" sz="1600" dirty="0">
-              <a:solidFill>
-                <a:srgbClr val="007DC3"/>
-              </a:solidFill>
-              <a:latin typeface="+mn-lt"/>
-            </a:endParaRPr>
-          </a:p>
-        </p:txBody>
-      </p:sp>
-      <p:pic>
-        <p:nvPicPr>
-          <p:cNvPr id="4" name="Picture 3">
-            <a:extLst>
-              <a:ext uri="{FF2B5EF4-FFF2-40B4-BE49-F238E27FC236}">
-                <a16:creationId xmlns:a16="http://schemas.microsoft.com/office/drawing/2014/main" id="{F7F28B8E-BBDE-4825-893A-44942B955157}"/>
-              </a:ext>
-            </a:extLst>
-          </p:cNvPr>
-          <p:cNvPicPr>
-            <a:picLocks noChangeAspect="1"/>
-          </p:cNvPicPr>
-          <p:nvPr/>
-        </p:nvPicPr>
-        <p:blipFill>
-          <a:blip r:embed="rId3"/>
-          <a:stretch>
-            <a:fillRect/>
-          </a:stretch>
-        </p:blipFill>
-        <p:spPr>
-          <a:xfrm>
-            <a:off x="367592" y="939600"/>
-            <a:ext cx="11527065" cy="4978800"/>
-          </a:xfrm>
-          <a:prstGeom prst="rect">
-            <a:avLst/>
-          </a:prstGeom>
-        </p:spPr>
-        <p:style>
-          <a:lnRef idx="2">
-            <a:schemeClr val="dk1"/>
-          </a:lnRef>
-          <a:fillRef idx="1">
-            <a:schemeClr val="lt1"/>
-          </a:fillRef>
-          <a:effectRef idx="0">
-            <a:schemeClr val="dk1"/>
-          </a:effectRef>
-          <a:fontRef idx="minor">
-            <a:schemeClr val="dk1"/>
-          </a:fontRef>
-        </p:style>
-      </p:pic>
-    </p:spTree>
-    <p:extLst>
-      <p:ext uri="{BB962C8B-B14F-4D97-AF65-F5344CB8AC3E}">
-        <p14:creationId xmlns:p14="http://schemas.microsoft.com/office/powerpoint/2010/main" val="1915103437"/>
       </p:ext>
     </p:extLst>
   </p:cSld>
@@ -20926,6 +20471,1066 @@
                 <a:latin typeface="+mn-lt"/>
                 <a:sym typeface="Calibri"/>
               </a:rPr>
+              <a:t>Technical Solution Continued…</a:t>
+            </a:r>
+          </a:p>
+        </p:txBody>
+      </p:sp>
+      <p:sp>
+        <p:nvSpPr>
+          <p:cNvPr id="2" name="Text Placeholder 1"/>
+          <p:cNvSpPr>
+            <a:spLocks noGrp="1"/>
+          </p:cNvSpPr>
+          <p:nvPr>
+            <p:ph type="body" sz="quarter" idx="10"/>
+          </p:nvPr>
+        </p:nvSpPr>
+        <p:spPr>
+          <a:xfrm>
+            <a:off x="263924" y="804333"/>
+            <a:ext cx="11664152" cy="5651885"/>
+          </a:xfrm>
+        </p:spPr>
+        <p:txBody>
+          <a:bodyPr>
+            <a:normAutofit/>
+          </a:bodyPr>
+          <a:lstStyle/>
+          <a:p>
+            <a:pPr marL="587813" lvl="1" indent="0">
+              <a:buNone/>
+            </a:pPr>
+            <a:r>
+              <a:rPr lang="en-US" sz="1800" b="1" u="sng" dirty="0">
+                <a:solidFill>
+                  <a:srgbClr val="007DC3"/>
+                </a:solidFill>
+              </a:rPr>
+              <a:t>Notification-Prep</a:t>
+            </a:r>
+          </a:p>
+          <a:p>
+            <a:pPr marL="873563" lvl="1" indent="-285750">
+              <a:buFontTx/>
+              <a:buChar char="-"/>
+            </a:pPr>
+            <a:r>
+              <a:rPr lang="en-US" sz="1800" dirty="0">
+                <a:solidFill>
+                  <a:srgbClr val="007DC3"/>
+                </a:solidFill>
+              </a:rPr>
+              <a:t>Connects external system and get the list of employees and creates a list of people those are not using </a:t>
+            </a:r>
+            <a:r>
+              <a:rPr lang="en-US" sz="1800" dirty="0" err="1">
+                <a:solidFill>
+                  <a:srgbClr val="007DC3"/>
+                </a:solidFill>
+              </a:rPr>
+              <a:t>iCount</a:t>
+            </a:r>
+            <a:r>
+              <a:rPr lang="en-US" sz="1800" dirty="0">
+                <a:solidFill>
+                  <a:srgbClr val="007DC3"/>
+                </a:solidFill>
+              </a:rPr>
+              <a:t> capabilities after applying exclusion list (Example – Subcons/onsite employees) for </a:t>
+            </a:r>
+            <a:r>
+              <a:rPr lang="en-US" sz="1800" dirty="0" err="1">
+                <a:solidFill>
+                  <a:srgbClr val="007DC3"/>
+                </a:solidFill>
+              </a:rPr>
+              <a:t>specifc</a:t>
+            </a:r>
+            <a:r>
+              <a:rPr lang="en-US" sz="1800" dirty="0">
+                <a:solidFill>
+                  <a:srgbClr val="007DC3"/>
+                </a:solidFill>
+              </a:rPr>
+              <a:t> duration.</a:t>
+            </a:r>
+          </a:p>
+          <a:p>
+            <a:pPr marL="873563" lvl="1" indent="-285750">
+              <a:buFontTx/>
+              <a:buChar char="-"/>
+            </a:pPr>
+            <a:r>
+              <a:rPr lang="en-US" sz="1800" dirty="0">
+                <a:solidFill>
+                  <a:srgbClr val="007DC3"/>
+                </a:solidFill>
+              </a:rPr>
+              <a:t>Send/upload employee list in csv format to notification batch to notify employees.</a:t>
+            </a:r>
+            <a:endParaRPr lang="en-US" sz="1800" b="1" u="sng" dirty="0">
+              <a:solidFill>
+                <a:srgbClr val="007DC3"/>
+              </a:solidFill>
+              <a:latin typeface="+mn-lt"/>
+            </a:endParaRPr>
+          </a:p>
+          <a:p>
+            <a:pPr marL="587813" lvl="1" indent="0">
+              <a:buNone/>
+            </a:pPr>
+            <a:r>
+              <a:rPr lang="en-US" sz="1800" b="1" u="sng" dirty="0">
+                <a:solidFill>
+                  <a:srgbClr val="007DC3"/>
+                </a:solidFill>
+                <a:latin typeface="+mn-lt"/>
+              </a:rPr>
+              <a:t>Notification-Batch</a:t>
+            </a:r>
+            <a:r>
+              <a:rPr lang="en-US" sz="1800" dirty="0">
+                <a:solidFill>
+                  <a:srgbClr val="007DC3"/>
+                </a:solidFill>
+                <a:latin typeface="+mn-lt"/>
+              </a:rPr>
+              <a:t> :</a:t>
+            </a:r>
+          </a:p>
+          <a:p>
+            <a:pPr marL="587813" lvl="1" indent="0">
+              <a:buNone/>
+            </a:pPr>
+            <a:r>
+              <a:rPr lang="en-US" sz="1800" dirty="0">
+                <a:solidFill>
+                  <a:srgbClr val="007DC3"/>
+                </a:solidFill>
+                <a:latin typeface="+mn-lt"/>
+              </a:rPr>
+              <a:t>-    </a:t>
+            </a:r>
+            <a:r>
+              <a:rPr lang="en-US" sz="1800" dirty="0">
+                <a:solidFill>
+                  <a:srgbClr val="007DC3"/>
+                </a:solidFill>
+              </a:rPr>
+              <a:t>Consist of </a:t>
+            </a:r>
+            <a:r>
+              <a:rPr lang="en-US" sz="1800" b="1" dirty="0">
+                <a:solidFill>
+                  <a:srgbClr val="007DC3"/>
+                </a:solidFill>
+              </a:rPr>
+              <a:t>Campaign Manager </a:t>
+            </a:r>
+            <a:r>
+              <a:rPr lang="en-US" sz="1800" dirty="0">
+                <a:solidFill>
+                  <a:srgbClr val="007DC3"/>
+                </a:solidFill>
+              </a:rPr>
+              <a:t>and </a:t>
+            </a:r>
+            <a:r>
+              <a:rPr lang="en-US" sz="1800" b="1" dirty="0" err="1">
+                <a:solidFill>
+                  <a:srgbClr val="007DC3"/>
+                </a:solidFill>
+              </a:rPr>
+              <a:t>ToDo</a:t>
+            </a:r>
+            <a:r>
+              <a:rPr lang="en-US" sz="1800" b="1" dirty="0">
+                <a:solidFill>
+                  <a:srgbClr val="007DC3"/>
+                </a:solidFill>
+              </a:rPr>
+              <a:t> Notification generator</a:t>
+            </a:r>
+            <a:r>
+              <a:rPr lang="en-US" sz="1800" dirty="0">
+                <a:solidFill>
+                  <a:srgbClr val="007DC3"/>
+                </a:solidFill>
+              </a:rPr>
+              <a:t>.</a:t>
+            </a:r>
+          </a:p>
+          <a:p>
+            <a:pPr marL="873563" lvl="1" indent="-285750">
+              <a:buFontTx/>
+              <a:buChar char="-"/>
+            </a:pPr>
+            <a:r>
+              <a:rPr lang="en-US" sz="1800" dirty="0">
+                <a:solidFill>
+                  <a:srgbClr val="007DC3"/>
+                </a:solidFill>
+              </a:rPr>
+              <a:t>Notify employees who are NOT using or actively using </a:t>
+            </a:r>
+            <a:r>
+              <a:rPr lang="en-US" sz="1800" dirty="0" err="1">
+                <a:solidFill>
+                  <a:srgbClr val="007DC3"/>
+                </a:solidFill>
+              </a:rPr>
+              <a:t>iCount</a:t>
+            </a:r>
+            <a:r>
+              <a:rPr lang="en-US" sz="1800" dirty="0">
+                <a:solidFill>
+                  <a:srgbClr val="007DC3"/>
+                </a:solidFill>
+              </a:rPr>
+              <a:t>.</a:t>
+            </a:r>
+          </a:p>
+          <a:p>
+            <a:pPr marL="873563" lvl="1" indent="-285750">
+              <a:buFontTx/>
+              <a:buChar char="-"/>
+            </a:pPr>
+            <a:r>
+              <a:rPr lang="en-US" sz="1800" b="1" dirty="0">
+                <a:solidFill>
+                  <a:srgbClr val="007DC3"/>
+                </a:solidFill>
+              </a:rPr>
+              <a:t>Campaign management </a:t>
+            </a:r>
+            <a:r>
+              <a:rPr lang="en-US" sz="1800" dirty="0">
+                <a:solidFill>
+                  <a:srgbClr val="007DC3"/>
+                </a:solidFill>
+              </a:rPr>
+              <a:t>can be configured in </a:t>
+            </a:r>
+            <a:r>
+              <a:rPr lang="en-US" sz="1800" dirty="0" err="1">
+                <a:solidFill>
+                  <a:srgbClr val="007DC3"/>
+                </a:solidFill>
+              </a:rPr>
+              <a:t>todo</a:t>
+            </a:r>
+            <a:r>
+              <a:rPr lang="en-US" sz="1800" dirty="0">
+                <a:solidFill>
+                  <a:srgbClr val="007DC3"/>
+                </a:solidFill>
+              </a:rPr>
+              <a:t>-notification batch.</a:t>
+            </a:r>
+          </a:p>
+          <a:p>
+            <a:pPr marL="587813" lvl="1" indent="0">
+              <a:buNone/>
+            </a:pPr>
+            <a:r>
+              <a:rPr lang="en-US" sz="1800" dirty="0">
+                <a:solidFill>
+                  <a:srgbClr val="007DC3"/>
+                </a:solidFill>
+              </a:rPr>
+              <a:t>	1. Deals like early bird – can be announced through campaign management service. </a:t>
+            </a:r>
+          </a:p>
+          <a:p>
+            <a:pPr marL="873563" lvl="1" indent="-285750">
+              <a:buFontTx/>
+              <a:buChar char="-"/>
+            </a:pPr>
+            <a:r>
+              <a:rPr lang="en-US" sz="1800" dirty="0">
+                <a:solidFill>
+                  <a:srgbClr val="007DC3"/>
+                </a:solidFill>
+              </a:rPr>
+              <a:t>Frequency and rules of </a:t>
+            </a:r>
+            <a:r>
+              <a:rPr lang="en-US" sz="1800" dirty="0" err="1">
+                <a:solidFill>
+                  <a:srgbClr val="007DC3"/>
+                </a:solidFill>
+              </a:rPr>
+              <a:t>todo</a:t>
+            </a:r>
+            <a:r>
+              <a:rPr lang="en-US" sz="1800" dirty="0">
+                <a:solidFill>
+                  <a:srgbClr val="007DC3"/>
+                </a:solidFill>
+              </a:rPr>
+              <a:t>-notifications are configurable.</a:t>
+            </a:r>
+          </a:p>
+          <a:p>
+            <a:pPr marL="587813" lvl="1" indent="0">
+              <a:buNone/>
+            </a:pPr>
+            <a:r>
+              <a:rPr lang="en-US" sz="1800" dirty="0">
+                <a:solidFill>
+                  <a:srgbClr val="007DC3"/>
+                </a:solidFill>
+              </a:rPr>
+              <a:t>      Example of rules :</a:t>
+            </a:r>
+          </a:p>
+          <a:p>
+            <a:pPr marL="587813" lvl="1" indent="0">
+              <a:buNone/>
+            </a:pPr>
+            <a:r>
+              <a:rPr lang="en-US" sz="1800" dirty="0">
+                <a:solidFill>
+                  <a:srgbClr val="007DC3"/>
+                </a:solidFill>
+              </a:rPr>
+              <a:t>	1. Escalation rule for not being use </a:t>
+            </a:r>
+            <a:r>
+              <a:rPr lang="en-US" sz="1800" dirty="0" err="1">
+                <a:solidFill>
+                  <a:srgbClr val="007DC3"/>
+                </a:solidFill>
+              </a:rPr>
+              <a:t>iCount</a:t>
+            </a:r>
+            <a:r>
+              <a:rPr lang="en-US" sz="1800" dirty="0">
+                <a:solidFill>
+                  <a:srgbClr val="007DC3"/>
+                </a:solidFill>
+              </a:rPr>
+              <a:t> for specific duration.</a:t>
+            </a:r>
+          </a:p>
+          <a:p>
+            <a:pPr marL="587813" lvl="1" indent="0">
+              <a:buNone/>
+            </a:pPr>
+            <a:r>
+              <a:rPr lang="en-US" sz="1800" dirty="0">
+                <a:solidFill>
+                  <a:srgbClr val="007DC3"/>
+                </a:solidFill>
+              </a:rPr>
+              <a:t>	2. lock/unlock other services such as outbox etc.</a:t>
+            </a:r>
+          </a:p>
+          <a:p>
+            <a:pPr marL="587813" lvl="1" indent="0">
+              <a:buNone/>
+            </a:pPr>
+            <a:endParaRPr lang="en-US" sz="1800" dirty="0"/>
+          </a:p>
+          <a:p>
+            <a:pPr marL="587813" lvl="1" indent="0">
+              <a:buNone/>
+            </a:pPr>
+            <a:endParaRPr lang="en-US" dirty="0">
+              <a:solidFill>
+                <a:srgbClr val="007DC3"/>
+              </a:solidFill>
+            </a:endParaRPr>
+          </a:p>
+          <a:p>
+            <a:pPr marL="587813" lvl="1" indent="0">
+              <a:buNone/>
+            </a:pPr>
+            <a:endParaRPr lang="en-US" dirty="0">
+              <a:solidFill>
+                <a:srgbClr val="007DC3"/>
+              </a:solidFill>
+            </a:endParaRPr>
+          </a:p>
+          <a:p>
+            <a:pPr marL="587813" lvl="1" indent="0">
+              <a:buNone/>
+            </a:pPr>
+            <a:endParaRPr lang="en-US" dirty="0">
+              <a:solidFill>
+                <a:srgbClr val="007DC3"/>
+              </a:solidFill>
+            </a:endParaRPr>
+          </a:p>
+          <a:p>
+            <a:pPr marL="587813" lvl="1" indent="0">
+              <a:buNone/>
+            </a:pPr>
+            <a:endParaRPr lang="en-US" dirty="0">
+              <a:solidFill>
+                <a:srgbClr val="007DC3"/>
+              </a:solidFill>
+              <a:latin typeface="+mn-lt"/>
+            </a:endParaRPr>
+          </a:p>
+          <a:p>
+            <a:pPr marL="587813" lvl="1" indent="0">
+              <a:buNone/>
+            </a:pPr>
+            <a:endParaRPr lang="en-US" dirty="0">
+              <a:solidFill>
+                <a:srgbClr val="007DC3"/>
+              </a:solidFill>
+              <a:latin typeface="+mn-lt"/>
+            </a:endParaRPr>
+          </a:p>
+          <a:p>
+            <a:pPr marL="770693" lvl="1" indent="-182880"/>
+            <a:endParaRPr lang="en-US" dirty="0">
+              <a:solidFill>
+                <a:srgbClr val="007DC3"/>
+              </a:solidFill>
+              <a:latin typeface="+mn-lt"/>
+            </a:endParaRPr>
+          </a:p>
+          <a:p>
+            <a:pPr marL="770693" lvl="1" indent="-182880"/>
+            <a:endParaRPr lang="en-US" dirty="0">
+              <a:solidFill>
+                <a:srgbClr val="007DC3"/>
+              </a:solidFill>
+              <a:latin typeface="+mn-lt"/>
+            </a:endParaRPr>
+          </a:p>
+          <a:p>
+            <a:pPr marL="770693" lvl="1" indent="-182880"/>
+            <a:endParaRPr lang="en-US" dirty="0">
+              <a:solidFill>
+                <a:srgbClr val="007DC3"/>
+              </a:solidFill>
+              <a:latin typeface="+mn-lt"/>
+            </a:endParaRPr>
+          </a:p>
+          <a:p>
+            <a:pPr marL="770693" lvl="1" indent="-182880"/>
+            <a:endParaRPr lang="en-US" dirty="0">
+              <a:solidFill>
+                <a:srgbClr val="007DC3"/>
+              </a:solidFill>
+              <a:latin typeface="+mn-lt"/>
+            </a:endParaRPr>
+          </a:p>
+          <a:p>
+            <a:pPr marL="770693" lvl="1" indent="-182880"/>
+            <a:endParaRPr lang="en-US" dirty="0">
+              <a:solidFill>
+                <a:srgbClr val="007DC3"/>
+              </a:solidFill>
+              <a:latin typeface="+mn-lt"/>
+            </a:endParaRPr>
+          </a:p>
+          <a:p>
+            <a:pPr marL="770693" lvl="1" indent="-182880"/>
+            <a:endParaRPr lang="en-US" dirty="0">
+              <a:solidFill>
+                <a:srgbClr val="007DC3"/>
+              </a:solidFill>
+              <a:latin typeface="+mn-lt"/>
+            </a:endParaRPr>
+          </a:p>
+          <a:p>
+            <a:pPr marL="770693" lvl="1" indent="-182880"/>
+            <a:endParaRPr lang="en-US" dirty="0">
+              <a:solidFill>
+                <a:srgbClr val="007DC3"/>
+              </a:solidFill>
+              <a:latin typeface="+mn-lt"/>
+            </a:endParaRPr>
+          </a:p>
+          <a:p>
+            <a:pPr marL="770693" lvl="1" indent="-182880"/>
+            <a:endParaRPr lang="en-US" dirty="0">
+              <a:solidFill>
+                <a:srgbClr val="007DC3"/>
+              </a:solidFill>
+              <a:latin typeface="+mn-lt"/>
+            </a:endParaRPr>
+          </a:p>
+          <a:p>
+            <a:pPr marL="770693" lvl="1" indent="-182880"/>
+            <a:endParaRPr lang="en-US" dirty="0">
+              <a:solidFill>
+                <a:srgbClr val="007DC3"/>
+              </a:solidFill>
+              <a:latin typeface="+mn-lt"/>
+            </a:endParaRPr>
+          </a:p>
+          <a:p>
+            <a:pPr marL="770693" lvl="1" indent="-182880"/>
+            <a:endParaRPr lang="en-US" dirty="0">
+              <a:solidFill>
+                <a:srgbClr val="007DC3"/>
+              </a:solidFill>
+              <a:latin typeface="+mn-lt"/>
+            </a:endParaRPr>
+          </a:p>
+          <a:p>
+            <a:pPr marL="770693" lvl="1" indent="-182880"/>
+            <a:endParaRPr lang="en-US" dirty="0">
+              <a:solidFill>
+                <a:srgbClr val="007DC3"/>
+              </a:solidFill>
+              <a:latin typeface="+mn-lt"/>
+            </a:endParaRPr>
+          </a:p>
+          <a:p>
+            <a:pPr marL="770693" lvl="1" indent="-182880"/>
+            <a:endParaRPr lang="en-US" dirty="0">
+              <a:solidFill>
+                <a:srgbClr val="007DC3"/>
+              </a:solidFill>
+              <a:latin typeface="+mn-lt"/>
+            </a:endParaRPr>
+          </a:p>
+          <a:p>
+            <a:pPr marL="770693" lvl="1" indent="-182880"/>
+            <a:endParaRPr lang="en-US" dirty="0">
+              <a:solidFill>
+                <a:srgbClr val="007DC3"/>
+              </a:solidFill>
+              <a:latin typeface="+mn-lt"/>
+            </a:endParaRPr>
+          </a:p>
+          <a:p>
+            <a:pPr marL="770693" lvl="1" indent="-182880"/>
+            <a:endParaRPr lang="en-US" dirty="0">
+              <a:solidFill>
+                <a:srgbClr val="007DC3"/>
+              </a:solidFill>
+              <a:latin typeface="+mn-lt"/>
+            </a:endParaRPr>
+          </a:p>
+          <a:p>
+            <a:pPr marL="770693" lvl="1" indent="-182880"/>
+            <a:endParaRPr lang="en-US" dirty="0">
+              <a:solidFill>
+                <a:srgbClr val="007DC3"/>
+              </a:solidFill>
+              <a:latin typeface="+mn-lt"/>
+            </a:endParaRPr>
+          </a:p>
+          <a:p>
+            <a:pPr marL="770693" lvl="1" indent="-182880"/>
+            <a:endParaRPr lang="en-US" dirty="0">
+              <a:solidFill>
+                <a:srgbClr val="007DC3"/>
+              </a:solidFill>
+              <a:latin typeface="+mn-lt"/>
+            </a:endParaRPr>
+          </a:p>
+          <a:p>
+            <a:pPr marL="770693" lvl="1" indent="-182880"/>
+            <a:endParaRPr lang="en-US" dirty="0">
+              <a:solidFill>
+                <a:srgbClr val="007DC3"/>
+              </a:solidFill>
+              <a:latin typeface="+mn-lt"/>
+            </a:endParaRPr>
+          </a:p>
+          <a:p>
+            <a:pPr marL="770693" lvl="1" indent="-182880"/>
+            <a:endParaRPr lang="en-US" dirty="0">
+              <a:solidFill>
+                <a:srgbClr val="007DC3"/>
+              </a:solidFill>
+              <a:latin typeface="+mn-lt"/>
+            </a:endParaRPr>
+          </a:p>
+          <a:p>
+            <a:pPr marL="770693" lvl="1" indent="-182880"/>
+            <a:endParaRPr lang="en-US" dirty="0">
+              <a:solidFill>
+                <a:srgbClr val="007DC3"/>
+              </a:solidFill>
+              <a:latin typeface="+mn-lt"/>
+            </a:endParaRPr>
+          </a:p>
+          <a:p>
+            <a:pPr marL="770693" lvl="1" indent="-182880"/>
+            <a:endParaRPr lang="en-US" dirty="0">
+              <a:solidFill>
+                <a:srgbClr val="007DC3"/>
+              </a:solidFill>
+              <a:latin typeface="+mn-lt"/>
+            </a:endParaRPr>
+          </a:p>
+          <a:p>
+            <a:pPr marL="0" indent="0">
+              <a:buNone/>
+            </a:pPr>
+            <a:endParaRPr lang="en-US" sz="1600" dirty="0">
+              <a:solidFill>
+                <a:srgbClr val="007DC3"/>
+              </a:solidFill>
+              <a:latin typeface="+mn-lt"/>
+            </a:endParaRPr>
+          </a:p>
+          <a:p>
+            <a:pPr marL="0" indent="0">
+              <a:buNone/>
+            </a:pPr>
+            <a:endParaRPr lang="en-US" sz="1600" dirty="0">
+              <a:solidFill>
+                <a:srgbClr val="007DC3"/>
+              </a:solidFill>
+              <a:latin typeface="+mn-lt"/>
+            </a:endParaRPr>
+          </a:p>
+          <a:p>
+            <a:pPr marL="0" indent="0">
+              <a:buNone/>
+            </a:pPr>
+            <a:endParaRPr lang="en-US" sz="1600" dirty="0">
+              <a:solidFill>
+                <a:srgbClr val="007DC3"/>
+              </a:solidFill>
+              <a:latin typeface="+mn-lt"/>
+            </a:endParaRPr>
+          </a:p>
+        </p:txBody>
+      </p:sp>
+    </p:spTree>
+    <p:extLst>
+      <p:ext uri="{BB962C8B-B14F-4D97-AF65-F5344CB8AC3E}">
+        <p14:creationId xmlns:p14="http://schemas.microsoft.com/office/powerpoint/2010/main" val="2969780216"/>
+      </p:ext>
+    </p:extLst>
+  </p:cSld>
+  <p:clrMapOvr>
+    <a:masterClrMapping/>
+  </p:clrMapOvr>
+  <p:transition spd="med"/>
+</p:sld>
+</file>
+
+<file path=ppt/slides/slide21.xml><?xml version="1.0" encoding="utf-8"?>
+<p:sld xmlns:a="http://schemas.openxmlformats.org/drawingml/2006/main" xmlns:r="http://schemas.openxmlformats.org/officeDocument/2006/relationships" xmlns:p="http://schemas.openxmlformats.org/presentationml/2006/main">
+  <p:cSld>
+    <p:spTree>
+      <p:nvGrpSpPr>
+        <p:cNvPr id="1" name=""/>
+        <p:cNvGrpSpPr/>
+        <p:nvPr/>
+      </p:nvGrpSpPr>
+      <p:grpSpPr>
+        <a:xfrm>
+          <a:off x="0" y="0"/>
+          <a:ext cx="0" cy="0"/>
+          <a:chOff x="0" y="0"/>
+          <a:chExt cx="0" cy="0"/>
+        </a:xfrm>
+      </p:grpSpPr>
+      <p:sp>
+        <p:nvSpPr>
+          <p:cNvPr id="374" name="Shape 374"/>
+          <p:cNvSpPr>
+            <a:spLocks noGrp="1"/>
+          </p:cNvSpPr>
+          <p:nvPr>
+            <p:ph type="title"/>
+          </p:nvPr>
+        </p:nvSpPr>
+        <p:spPr/>
+        <p:txBody>
+          <a:bodyPr/>
+          <a:lstStyle/>
+          <a:p>
+            <a:r>
+              <a:rPr lang="en-US" sz="2700" dirty="0">
+                <a:latin typeface="+mn-lt"/>
+                <a:sym typeface="Calibri"/>
+              </a:rPr>
+              <a:t>Technical Solution Continued : Example - </a:t>
+            </a:r>
+            <a:r>
+              <a:rPr lang="en-US" sz="2700" dirty="0" err="1">
+                <a:latin typeface="+mn-lt"/>
+                <a:sym typeface="Calibri"/>
+              </a:rPr>
+              <a:t>Todo</a:t>
+            </a:r>
+            <a:r>
+              <a:rPr lang="en-US" sz="2700" dirty="0">
+                <a:latin typeface="+mn-lt"/>
+                <a:sym typeface="Calibri"/>
+              </a:rPr>
+              <a:t>-Notification…</a:t>
+            </a:r>
+            <a:br>
+              <a:rPr lang="en-US" sz="2700" dirty="0">
+                <a:latin typeface="+mn-lt"/>
+                <a:sym typeface="Calibri"/>
+              </a:rPr>
+            </a:br>
+            <a:endParaRPr lang="en-US" sz="2700" dirty="0">
+              <a:latin typeface="+mn-lt"/>
+              <a:sym typeface="Calibri"/>
+            </a:endParaRPr>
+          </a:p>
+        </p:txBody>
+      </p:sp>
+      <p:sp>
+        <p:nvSpPr>
+          <p:cNvPr id="2" name="Text Placeholder 1"/>
+          <p:cNvSpPr>
+            <a:spLocks noGrp="1"/>
+          </p:cNvSpPr>
+          <p:nvPr>
+            <p:ph type="body" sz="quarter" idx="10"/>
+          </p:nvPr>
+        </p:nvSpPr>
+        <p:spPr>
+          <a:xfrm>
+            <a:off x="183464" y="804333"/>
+            <a:ext cx="11229263" cy="5718397"/>
+          </a:xfrm>
+        </p:spPr>
+        <p:txBody>
+          <a:bodyPr>
+            <a:normAutofit/>
+          </a:bodyPr>
+          <a:lstStyle/>
+          <a:p>
+            <a:pPr marL="587813" lvl="1" indent="0">
+              <a:buNone/>
+            </a:pPr>
+            <a:endParaRPr lang="en-US" dirty="0">
+              <a:solidFill>
+                <a:srgbClr val="007DC3"/>
+              </a:solidFill>
+              <a:latin typeface="+mn-lt"/>
+            </a:endParaRPr>
+          </a:p>
+          <a:p>
+            <a:pPr marL="770693" lvl="1" indent="-182880"/>
+            <a:endParaRPr lang="en-US" dirty="0">
+              <a:solidFill>
+                <a:srgbClr val="007DC3"/>
+              </a:solidFill>
+              <a:latin typeface="+mn-lt"/>
+            </a:endParaRPr>
+          </a:p>
+          <a:p>
+            <a:pPr marL="770693" lvl="1" indent="-182880"/>
+            <a:endParaRPr lang="en-US" dirty="0">
+              <a:solidFill>
+                <a:srgbClr val="007DC3"/>
+              </a:solidFill>
+              <a:latin typeface="+mn-lt"/>
+            </a:endParaRPr>
+          </a:p>
+          <a:p>
+            <a:pPr marL="770693" lvl="1" indent="-182880"/>
+            <a:endParaRPr lang="en-US" dirty="0">
+              <a:solidFill>
+                <a:srgbClr val="007DC3"/>
+              </a:solidFill>
+              <a:latin typeface="+mn-lt"/>
+            </a:endParaRPr>
+          </a:p>
+          <a:p>
+            <a:pPr marL="770693" lvl="1" indent="-182880"/>
+            <a:endParaRPr lang="en-US" dirty="0">
+              <a:solidFill>
+                <a:srgbClr val="007DC3"/>
+              </a:solidFill>
+              <a:latin typeface="+mn-lt"/>
+            </a:endParaRPr>
+          </a:p>
+          <a:p>
+            <a:pPr marL="770693" lvl="1" indent="-182880"/>
+            <a:endParaRPr lang="en-US" dirty="0">
+              <a:solidFill>
+                <a:srgbClr val="007DC3"/>
+              </a:solidFill>
+              <a:latin typeface="+mn-lt"/>
+            </a:endParaRPr>
+          </a:p>
+          <a:p>
+            <a:pPr marL="770693" lvl="1" indent="-182880"/>
+            <a:endParaRPr lang="en-US" dirty="0">
+              <a:solidFill>
+                <a:srgbClr val="007DC3"/>
+              </a:solidFill>
+              <a:latin typeface="+mn-lt"/>
+            </a:endParaRPr>
+          </a:p>
+          <a:p>
+            <a:pPr marL="770693" lvl="1" indent="-182880"/>
+            <a:endParaRPr lang="en-US" dirty="0">
+              <a:solidFill>
+                <a:srgbClr val="007DC3"/>
+              </a:solidFill>
+              <a:latin typeface="+mn-lt"/>
+            </a:endParaRPr>
+          </a:p>
+          <a:p>
+            <a:pPr marL="770693" lvl="1" indent="-182880"/>
+            <a:endParaRPr lang="en-US" dirty="0">
+              <a:solidFill>
+                <a:srgbClr val="007DC3"/>
+              </a:solidFill>
+              <a:latin typeface="+mn-lt"/>
+            </a:endParaRPr>
+          </a:p>
+          <a:p>
+            <a:pPr marL="770693" lvl="1" indent="-182880"/>
+            <a:endParaRPr lang="en-US" dirty="0">
+              <a:solidFill>
+                <a:srgbClr val="007DC3"/>
+              </a:solidFill>
+              <a:latin typeface="+mn-lt"/>
+            </a:endParaRPr>
+          </a:p>
+          <a:p>
+            <a:pPr marL="770693" lvl="1" indent="-182880"/>
+            <a:endParaRPr lang="en-US" dirty="0">
+              <a:solidFill>
+                <a:srgbClr val="007DC3"/>
+              </a:solidFill>
+              <a:latin typeface="+mn-lt"/>
+            </a:endParaRPr>
+          </a:p>
+          <a:p>
+            <a:pPr marL="770693" lvl="1" indent="-182880"/>
+            <a:endParaRPr lang="en-US" dirty="0">
+              <a:solidFill>
+                <a:srgbClr val="007DC3"/>
+              </a:solidFill>
+              <a:latin typeface="+mn-lt"/>
+            </a:endParaRPr>
+          </a:p>
+          <a:p>
+            <a:pPr marL="770693" lvl="1" indent="-182880"/>
+            <a:endParaRPr lang="en-US" dirty="0">
+              <a:solidFill>
+                <a:srgbClr val="007DC3"/>
+              </a:solidFill>
+              <a:latin typeface="+mn-lt"/>
+            </a:endParaRPr>
+          </a:p>
+          <a:p>
+            <a:pPr marL="770693" lvl="1" indent="-182880"/>
+            <a:endParaRPr lang="en-US" dirty="0">
+              <a:solidFill>
+                <a:srgbClr val="007DC3"/>
+              </a:solidFill>
+              <a:latin typeface="+mn-lt"/>
+            </a:endParaRPr>
+          </a:p>
+          <a:p>
+            <a:pPr marL="770693" lvl="1" indent="-182880"/>
+            <a:endParaRPr lang="en-US" dirty="0">
+              <a:solidFill>
+                <a:srgbClr val="007DC3"/>
+              </a:solidFill>
+              <a:latin typeface="+mn-lt"/>
+            </a:endParaRPr>
+          </a:p>
+          <a:p>
+            <a:pPr marL="770693" lvl="1" indent="-182880"/>
+            <a:endParaRPr lang="en-US" dirty="0">
+              <a:solidFill>
+                <a:srgbClr val="007DC3"/>
+              </a:solidFill>
+              <a:latin typeface="+mn-lt"/>
+            </a:endParaRPr>
+          </a:p>
+          <a:p>
+            <a:pPr marL="770693" lvl="1" indent="-182880"/>
+            <a:endParaRPr lang="en-US" dirty="0">
+              <a:solidFill>
+                <a:srgbClr val="007DC3"/>
+              </a:solidFill>
+              <a:latin typeface="+mn-lt"/>
+            </a:endParaRPr>
+          </a:p>
+          <a:p>
+            <a:pPr marL="770693" lvl="1" indent="-182880"/>
+            <a:endParaRPr lang="en-US" dirty="0">
+              <a:solidFill>
+                <a:srgbClr val="007DC3"/>
+              </a:solidFill>
+              <a:latin typeface="+mn-lt"/>
+            </a:endParaRPr>
+          </a:p>
+          <a:p>
+            <a:pPr marL="770693" lvl="1" indent="-182880"/>
+            <a:endParaRPr lang="en-US" dirty="0">
+              <a:solidFill>
+                <a:srgbClr val="007DC3"/>
+              </a:solidFill>
+              <a:latin typeface="+mn-lt"/>
+            </a:endParaRPr>
+          </a:p>
+          <a:p>
+            <a:pPr marL="770693" lvl="1" indent="-182880"/>
+            <a:endParaRPr lang="en-US" dirty="0">
+              <a:solidFill>
+                <a:srgbClr val="007DC3"/>
+              </a:solidFill>
+              <a:latin typeface="+mn-lt"/>
+            </a:endParaRPr>
+          </a:p>
+          <a:p>
+            <a:pPr marL="770693" lvl="1" indent="-182880"/>
+            <a:endParaRPr lang="en-US" dirty="0">
+              <a:solidFill>
+                <a:srgbClr val="007DC3"/>
+              </a:solidFill>
+              <a:latin typeface="+mn-lt"/>
+            </a:endParaRPr>
+          </a:p>
+          <a:p>
+            <a:pPr marL="770693" lvl="1" indent="-182880"/>
+            <a:endParaRPr lang="en-US" dirty="0">
+              <a:solidFill>
+                <a:srgbClr val="007DC3"/>
+              </a:solidFill>
+              <a:latin typeface="+mn-lt"/>
+            </a:endParaRPr>
+          </a:p>
+          <a:p>
+            <a:pPr marL="0" indent="0">
+              <a:buNone/>
+            </a:pPr>
+            <a:endParaRPr lang="en-US" sz="1600" dirty="0">
+              <a:solidFill>
+                <a:srgbClr val="007DC3"/>
+              </a:solidFill>
+              <a:latin typeface="+mn-lt"/>
+            </a:endParaRPr>
+          </a:p>
+          <a:p>
+            <a:pPr marL="0" indent="0">
+              <a:buNone/>
+            </a:pPr>
+            <a:endParaRPr lang="en-US" sz="1600" dirty="0">
+              <a:solidFill>
+                <a:srgbClr val="007DC3"/>
+              </a:solidFill>
+              <a:latin typeface="+mn-lt"/>
+            </a:endParaRPr>
+          </a:p>
+          <a:p>
+            <a:pPr marL="0" indent="0">
+              <a:buNone/>
+            </a:pPr>
+            <a:endParaRPr lang="en-US" sz="1600" dirty="0">
+              <a:solidFill>
+                <a:srgbClr val="007DC3"/>
+              </a:solidFill>
+              <a:latin typeface="+mn-lt"/>
+            </a:endParaRPr>
+          </a:p>
+        </p:txBody>
+      </p:sp>
+      <p:pic>
+        <p:nvPicPr>
+          <p:cNvPr id="4" name="Picture 3">
+            <a:extLst>
+              <a:ext uri="{FF2B5EF4-FFF2-40B4-BE49-F238E27FC236}">
+                <a16:creationId xmlns:a16="http://schemas.microsoft.com/office/drawing/2014/main" id="{F7F28B8E-BBDE-4825-893A-44942B955157}"/>
+              </a:ext>
+            </a:extLst>
+          </p:cNvPr>
+          <p:cNvPicPr>
+            <a:picLocks noChangeAspect="1"/>
+          </p:cNvPicPr>
+          <p:nvPr/>
+        </p:nvPicPr>
+        <p:blipFill>
+          <a:blip r:embed="rId3"/>
+          <a:stretch>
+            <a:fillRect/>
+          </a:stretch>
+        </p:blipFill>
+        <p:spPr>
+          <a:xfrm>
+            <a:off x="367592" y="939600"/>
+            <a:ext cx="11527065" cy="4978800"/>
+          </a:xfrm>
+          <a:prstGeom prst="rect">
+            <a:avLst/>
+          </a:prstGeom>
+        </p:spPr>
+        <p:style>
+          <a:lnRef idx="2">
+            <a:schemeClr val="dk1"/>
+          </a:lnRef>
+          <a:fillRef idx="1">
+            <a:schemeClr val="lt1"/>
+          </a:fillRef>
+          <a:effectRef idx="0">
+            <a:schemeClr val="dk1"/>
+          </a:effectRef>
+          <a:fontRef idx="minor">
+            <a:schemeClr val="dk1"/>
+          </a:fontRef>
+        </p:style>
+      </p:pic>
+    </p:spTree>
+    <p:extLst>
+      <p:ext uri="{BB962C8B-B14F-4D97-AF65-F5344CB8AC3E}">
+        <p14:creationId xmlns:p14="http://schemas.microsoft.com/office/powerpoint/2010/main" val="1915103437"/>
+      </p:ext>
+    </p:extLst>
+  </p:cSld>
+  <p:clrMapOvr>
+    <a:masterClrMapping/>
+  </p:clrMapOvr>
+  <p:transition spd="med"/>
+</p:sld>
+</file>
+
+<file path=ppt/slides/slide22.xml><?xml version="1.0" encoding="utf-8"?>
+<p:sld xmlns:a="http://schemas.openxmlformats.org/drawingml/2006/main" xmlns:r="http://schemas.openxmlformats.org/officeDocument/2006/relationships" xmlns:p="http://schemas.openxmlformats.org/presentationml/2006/main">
+  <p:cSld>
+    <p:spTree>
+      <p:nvGrpSpPr>
+        <p:cNvPr id="1" name=""/>
+        <p:cNvGrpSpPr/>
+        <p:nvPr/>
+      </p:nvGrpSpPr>
+      <p:grpSpPr>
+        <a:xfrm>
+          <a:off x="0" y="0"/>
+          <a:ext cx="0" cy="0"/>
+          <a:chOff x="0" y="0"/>
+          <a:chExt cx="0" cy="0"/>
+        </a:xfrm>
+      </p:grpSpPr>
+      <p:sp>
+        <p:nvSpPr>
+          <p:cNvPr id="374" name="Shape 374"/>
+          <p:cNvSpPr>
+            <a:spLocks noGrp="1"/>
+          </p:cNvSpPr>
+          <p:nvPr>
+            <p:ph type="title"/>
+          </p:nvPr>
+        </p:nvSpPr>
+        <p:spPr/>
+        <p:txBody>
+          <a:bodyPr/>
+          <a:lstStyle/>
+          <a:p>
+            <a:r>
+              <a:rPr lang="en-US" sz="2700" dirty="0">
+                <a:latin typeface="+mn-lt"/>
+                <a:sym typeface="Calibri"/>
+              </a:rPr>
               <a:t>Technical Solution Continued …</a:t>
             </a:r>
           </a:p>
@@ -21571,7 +22176,7 @@
 </p:sld>
 </file>
 
-<file path=ppt/slides/slide21.xml><?xml version="1.0" encoding="utf-8"?>
+<file path=ppt/slides/slide23.xml><?xml version="1.0" encoding="utf-8"?>
 <p:sld xmlns:a="http://schemas.openxmlformats.org/drawingml/2006/main" xmlns:r="http://schemas.openxmlformats.org/officeDocument/2006/relationships" xmlns:p="http://schemas.openxmlformats.org/presentationml/2006/main">
   <p:cSld>
     <p:spTree>
@@ -22059,7 +22664,7 @@
 </p:sld>
 </file>
 
-<file path=ppt/slides/slide22.xml><?xml version="1.0" encoding="utf-8"?>
+<file path=ppt/slides/slide24.xml><?xml version="1.0" encoding="utf-8"?>
 <p:sld xmlns:a="http://schemas.openxmlformats.org/drawingml/2006/main" xmlns:r="http://schemas.openxmlformats.org/officeDocument/2006/relationships" xmlns:p="http://schemas.openxmlformats.org/presentationml/2006/main">
   <p:cSld>
     <p:spTree>
@@ -22200,14 +22805,14 @@
           <p:nvPr>
             <p:extLst>
               <p:ext uri="{D42A27DB-BD31-4B8C-83A1-F6EECF244321}">
-                <p14:modId xmlns:p14="http://schemas.microsoft.com/office/powerpoint/2010/main" val="4240806852"/>
+                <p14:modId xmlns:p14="http://schemas.microsoft.com/office/powerpoint/2010/main" val="2874811045"/>
               </p:ext>
             </p:extLst>
           </p:nvPr>
         </p:nvGraphicFramePr>
         <p:xfrm>
           <a:off x="280633" y="860521"/>
-          <a:ext cx="11630733" cy="3786106"/>
+          <a:ext cx="11630733" cy="3820819"/>
         </p:xfrm>
         <a:graphic>
           <a:graphicData uri="http://schemas.openxmlformats.org/drawingml/2006/table">
@@ -22329,21 +22934,7 @@
                           <a:latin typeface="Arial" panose="020B0604020202020204" pitchFamily="34" charset="0"/>
                           <a:cs typeface="Arial" panose="020B0604020202020204" pitchFamily="34" charset="0"/>
                         </a:rPr>
-                        <a:t> login is not required. Connectors are </a:t>
-                      </a:r>
-                      <a:r>
-                        <a:rPr lang="en-US" sz="1600">
-                          <a:latin typeface="Arial" panose="020B0604020202020204" pitchFamily="34" charset="0"/>
-                          <a:cs typeface="Arial" panose="020B0604020202020204" pitchFamily="34" charset="0"/>
-                        </a:rPr>
-                        <a:t>Add-ins to </a:t>
-                      </a:r>
-                      <a:r>
-                        <a:rPr lang="en-US" sz="1600" dirty="0">
-                          <a:latin typeface="Arial" panose="020B0604020202020204" pitchFamily="34" charset="0"/>
-                          <a:cs typeface="Arial" panose="020B0604020202020204" pitchFamily="34" charset="0"/>
-                        </a:rPr>
-                        <a:t>outlook and chat services.</a:t>
+                        <a:t> login is not required. Connectors are Add-ins to outlook and chat services.</a:t>
                       </a:r>
                     </a:p>
                   </a:txBody>
@@ -22407,21 +22998,7 @@
                           <a:latin typeface="Arial" panose="020B0604020202020204" pitchFamily="34" charset="0"/>
                           <a:cs typeface="Arial" panose="020B0604020202020204" pitchFamily="34" charset="0"/>
                         </a:rPr>
-                        <a:t> with external services. Here are a few examples of external services - Trainings, Course, Lex</a:t>
-                      </a:r>
-                      <a:r>
-                        <a:rPr lang="en-US" sz="1600">
-                          <a:latin typeface="Arial" panose="020B0604020202020204" pitchFamily="34" charset="0"/>
-                          <a:cs typeface="Arial" panose="020B0604020202020204" pitchFamily="34" charset="0"/>
-                        </a:rPr>
-                        <a:t>, Outlook </a:t>
-                      </a:r>
-                      <a:r>
-                        <a:rPr lang="en-US" sz="1600" dirty="0">
-                          <a:latin typeface="Arial" panose="020B0604020202020204" pitchFamily="34" charset="0"/>
-                          <a:cs typeface="Arial" panose="020B0604020202020204" pitchFamily="34" charset="0"/>
-                        </a:rPr>
-                        <a:t>etc.</a:t>
+                        <a:t> with external services. Here are a few examples of external services - Trainings, Course, Lex, Outlook, Jira etc. adapter API can pull tasks from Jira. We will provide a basic API for this function.</a:t>
                       </a:r>
                     </a:p>
                   </a:txBody>
@@ -22662,6 +23239,1399 @@
 </file>
 
 <file path=ppt/slides/slide4.xml><?xml version="1.0" encoding="utf-8"?>
+<p:sld xmlns:a="http://schemas.openxmlformats.org/drawingml/2006/main" xmlns:r="http://schemas.openxmlformats.org/officeDocument/2006/relationships" xmlns:p="http://schemas.openxmlformats.org/presentationml/2006/main">
+  <p:cSld>
+    <p:spTree>
+      <p:nvGrpSpPr>
+        <p:cNvPr id="1" name=""/>
+        <p:cNvGrpSpPr/>
+        <p:nvPr/>
+      </p:nvGrpSpPr>
+      <p:grpSpPr>
+        <a:xfrm>
+          <a:off x="0" y="0"/>
+          <a:ext cx="0" cy="0"/>
+          <a:chOff x="0" y="0"/>
+          <a:chExt cx="0" cy="0"/>
+        </a:xfrm>
+      </p:grpSpPr>
+      <p:sp>
+        <p:nvSpPr>
+          <p:cNvPr id="2" name="Title 1"/>
+          <p:cNvSpPr>
+            <a:spLocks noGrp="1"/>
+          </p:cNvSpPr>
+          <p:nvPr>
+            <p:ph type="title"/>
+          </p:nvPr>
+        </p:nvSpPr>
+        <p:spPr/>
+        <p:txBody>
+          <a:bodyPr/>
+          <a:lstStyle/>
+          <a:p>
+            <a:r>
+              <a:rPr lang="en-US" sz="2800" dirty="0" err="1">
+                <a:latin typeface="Arial" panose="020B0604020202020204" pitchFamily="34" charset="0"/>
+                <a:cs typeface="Arial" panose="020B0604020202020204" pitchFamily="34" charset="0"/>
+              </a:rPr>
+              <a:t>iCount</a:t>
+            </a:r>
+            <a:r>
+              <a:rPr lang="en-US" sz="2800" dirty="0">
+                <a:latin typeface="Arial" panose="020B0604020202020204" pitchFamily="34" charset="0"/>
+                <a:cs typeface="Arial" panose="020B0604020202020204" pitchFamily="34" charset="0"/>
+              </a:rPr>
+              <a:t> New Feature Details</a:t>
+            </a:r>
+          </a:p>
+        </p:txBody>
+      </p:sp>
+      <p:sp>
+        <p:nvSpPr>
+          <p:cNvPr id="4" name="Slide Number Placeholder 3"/>
+          <p:cNvSpPr>
+            <a:spLocks noGrp="1"/>
+          </p:cNvSpPr>
+          <p:nvPr>
+            <p:ph type="sldNum" sz="quarter" idx="2"/>
+          </p:nvPr>
+        </p:nvSpPr>
+        <p:spPr/>
+        <p:txBody>
+          <a:bodyPr/>
+          <a:lstStyle/>
+          <a:p>
+            <a:fld id="{86CB4B4D-7CA3-9044-876B-883B54F8677D}" type="slidenum">
+              <a:rPr lang="en-US" smtClean="0"/>
+              <a:pPr/>
+              <a:t>4</a:t>
+            </a:fld>
+            <a:endParaRPr lang="en-US" dirty="0"/>
+          </a:p>
+        </p:txBody>
+      </p:sp>
+      <p:graphicFrame>
+        <p:nvGraphicFramePr>
+          <p:cNvPr id="5" name="Table 4"/>
+          <p:cNvGraphicFramePr>
+            <a:graphicFrameLocks noGrp="1"/>
+          </p:cNvGraphicFramePr>
+          <p:nvPr>
+            <p:extLst>
+              <p:ext uri="{D42A27DB-BD31-4B8C-83A1-F6EECF244321}">
+                <p14:modId xmlns:p14="http://schemas.microsoft.com/office/powerpoint/2010/main" val="1308890381"/>
+              </p:ext>
+            </p:extLst>
+          </p:nvPr>
+        </p:nvGraphicFramePr>
+        <p:xfrm>
+          <a:off x="280633" y="860521"/>
+          <a:ext cx="11772822" cy="5817370"/>
+        </p:xfrm>
+        <a:graphic>
+          <a:graphicData uri="http://schemas.openxmlformats.org/drawingml/2006/table">
+            <a:tbl>
+              <a:tblPr firstRow="1" bandRow="1">
+                <a:effectLst>
+                  <a:outerShdw blurRad="50800" dist="38100" dir="5400000" algn="t" rotWithShape="0">
+                    <a:prstClr val="black">
+                      <a:alpha val="40000"/>
+                    </a:prstClr>
+                  </a:outerShdw>
+                </a:effectLst>
+                <a:tableStyleId>{5C22544A-7EE6-4342-B048-85BDC9FD1C3A}</a:tableStyleId>
+              </a:tblPr>
+              <a:tblGrid>
+                <a:gridCol w="2731056">
+                  <a:extLst>
+                    <a:ext uri="{9D8B030D-6E8A-4147-A177-3AD203B41FA5}">
+                      <a16:colId xmlns:a16="http://schemas.microsoft.com/office/drawing/2014/main" val="20000"/>
+                    </a:ext>
+                  </a:extLst>
+                </a:gridCol>
+                <a:gridCol w="3940689">
+                  <a:extLst>
+                    <a:ext uri="{9D8B030D-6E8A-4147-A177-3AD203B41FA5}">
+                      <a16:colId xmlns:a16="http://schemas.microsoft.com/office/drawing/2014/main" val="20001"/>
+                    </a:ext>
+                  </a:extLst>
+                </a:gridCol>
+                <a:gridCol w="2804761">
+                  <a:extLst>
+                    <a:ext uri="{9D8B030D-6E8A-4147-A177-3AD203B41FA5}">
+                      <a16:colId xmlns:a16="http://schemas.microsoft.com/office/drawing/2014/main" val="3657013713"/>
+                    </a:ext>
+                  </a:extLst>
+                </a:gridCol>
+                <a:gridCol w="2296316">
+                  <a:extLst>
+                    <a:ext uri="{9D8B030D-6E8A-4147-A177-3AD203B41FA5}">
+                      <a16:colId xmlns:a16="http://schemas.microsoft.com/office/drawing/2014/main" val="4170487981"/>
+                    </a:ext>
+                  </a:extLst>
+                </a:gridCol>
+              </a:tblGrid>
+              <a:tr h="425452">
+                <a:tc>
+                  <a:txBody>
+                    <a:bodyPr/>
+                    <a:lstStyle/>
+                    <a:p>
+                      <a:r>
+                        <a:rPr lang="en-US" sz="1600" dirty="0">
+                          <a:latin typeface="Arial" panose="020B0604020202020204" pitchFamily="34" charset="0"/>
+                          <a:cs typeface="Arial" panose="020B0604020202020204" pitchFamily="34" charset="0"/>
+                        </a:rPr>
+                        <a:t>Feature</a:t>
+                      </a:r>
+                    </a:p>
+                  </a:txBody>
+                  <a:tcPr/>
+                </a:tc>
+                <a:tc>
+                  <a:txBody>
+                    <a:bodyPr/>
+                    <a:lstStyle/>
+                    <a:p>
+                      <a:r>
+                        <a:rPr lang="en-US" sz="1600" dirty="0">
+                          <a:latin typeface="Arial" panose="020B0604020202020204" pitchFamily="34" charset="0"/>
+                          <a:cs typeface="Arial" panose="020B0604020202020204" pitchFamily="34" charset="0"/>
+                        </a:rPr>
+                        <a:t>Proposed View</a:t>
+                      </a:r>
+                    </a:p>
+                  </a:txBody>
+                  <a:tcPr/>
+                </a:tc>
+                <a:tc>
+                  <a:txBody>
+                    <a:bodyPr/>
+                    <a:lstStyle/>
+                    <a:p>
+                      <a:r>
+                        <a:rPr lang="en-US" sz="1600" dirty="0">
+                          <a:latin typeface="Arial" panose="020B0604020202020204" pitchFamily="34" charset="0"/>
+                          <a:cs typeface="Arial" panose="020B0604020202020204" pitchFamily="34" charset="0"/>
+                        </a:rPr>
+                        <a:t>Impacted Audience</a:t>
+                      </a:r>
+                    </a:p>
+                  </a:txBody>
+                  <a:tcPr/>
+                </a:tc>
+                <a:tc>
+                  <a:txBody>
+                    <a:bodyPr/>
+                    <a:lstStyle/>
+                    <a:p>
+                      <a:r>
+                        <a:rPr lang="en-US" sz="1600" dirty="0">
+                          <a:latin typeface="Arial" panose="020B0604020202020204" pitchFamily="34" charset="0"/>
+                          <a:cs typeface="Arial" panose="020B0604020202020204" pitchFamily="34" charset="0"/>
+                        </a:rPr>
+                        <a:t>Target Application/Person</a:t>
+                      </a:r>
+                    </a:p>
+                  </a:txBody>
+                  <a:tcPr/>
+                </a:tc>
+                <a:extLst>
+                  <a:ext uri="{0D108BD9-81ED-4DB2-BD59-A6C34878D82A}">
+                    <a16:rowId xmlns:a16="http://schemas.microsoft.com/office/drawing/2014/main" val="10000"/>
+                  </a:ext>
+                </a:extLst>
+              </a:tr>
+              <a:tr h="1928403">
+                <a:tc>
+                  <a:txBody>
+                    <a:bodyPr/>
+                    <a:lstStyle/>
+                    <a:p>
+                      <a:r>
+                        <a:rPr lang="en-US" sz="1600" dirty="0">
+                          <a:latin typeface="Arial" panose="020B0604020202020204" pitchFamily="34" charset="0"/>
+                          <a:cs typeface="Arial" panose="020B0604020202020204" pitchFamily="34" charset="0"/>
+                        </a:rPr>
+                        <a:t>connectors and form UI</a:t>
+                      </a:r>
+                    </a:p>
+                  </a:txBody>
+                  <a:tcPr/>
+                </a:tc>
+                <a:tc>
+                  <a:txBody>
+                    <a:bodyPr/>
+                    <a:lstStyle/>
+                    <a:p>
+                      <a:endParaRPr lang="en-US" sz="1600" dirty="0">
+                        <a:latin typeface="Arial" panose="020B0604020202020204" pitchFamily="34" charset="0"/>
+                        <a:cs typeface="Arial" panose="020B0604020202020204" pitchFamily="34" charset="0"/>
+                      </a:endParaRPr>
+                    </a:p>
+                  </a:txBody>
+                  <a:tcPr/>
+                </a:tc>
+                <a:tc>
+                  <a:txBody>
+                    <a:bodyPr/>
+                    <a:lstStyle/>
+                    <a:p>
+                      <a:r>
+                        <a:rPr lang="en-US" sz="1600" dirty="0">
+                          <a:latin typeface="Arial" panose="020B0604020202020204" pitchFamily="34" charset="0"/>
+                          <a:cs typeface="Arial" panose="020B0604020202020204" pitchFamily="34" charset="0"/>
+                        </a:rPr>
+                        <a:t>Employees</a:t>
+                      </a:r>
+                    </a:p>
+                  </a:txBody>
+                  <a:tcPr/>
+                </a:tc>
+                <a:tc>
+                  <a:txBody>
+                    <a:bodyPr/>
+                    <a:lstStyle/>
+                    <a:p>
+                      <a:r>
+                        <a:rPr lang="en-US" sz="1600" dirty="0" err="1">
+                          <a:latin typeface="Arial" panose="020B0604020202020204" pitchFamily="34" charset="0"/>
+                          <a:cs typeface="Arial" panose="020B0604020202020204" pitchFamily="34" charset="0"/>
+                        </a:rPr>
+                        <a:t>iCount</a:t>
+                      </a:r>
+                      <a:endParaRPr lang="en-US" sz="1600" dirty="0">
+                        <a:latin typeface="Arial" panose="020B0604020202020204" pitchFamily="34" charset="0"/>
+                        <a:cs typeface="Arial" panose="020B0604020202020204" pitchFamily="34" charset="0"/>
+                      </a:endParaRPr>
+                    </a:p>
+                  </a:txBody>
+                  <a:tcPr/>
+                </a:tc>
+                <a:extLst>
+                  <a:ext uri="{0D108BD9-81ED-4DB2-BD59-A6C34878D82A}">
+                    <a16:rowId xmlns:a16="http://schemas.microsoft.com/office/drawing/2014/main" val="10001"/>
+                  </a:ext>
+                </a:extLst>
+              </a:tr>
+              <a:tr h="1562610">
+                <a:tc>
+                  <a:txBody>
+                    <a:bodyPr/>
+                    <a:lstStyle/>
+                    <a:p>
+                      <a:r>
+                        <a:rPr lang="en-US" sz="1600" dirty="0">
+                          <a:latin typeface="Arial" panose="020B0604020202020204" pitchFamily="34" charset="0"/>
+                          <a:cs typeface="Arial" panose="020B0604020202020204" pitchFamily="34" charset="0"/>
+                        </a:rPr>
+                        <a:t>adapter-</a:t>
+                      </a:r>
+                      <a:r>
+                        <a:rPr lang="en-US" sz="1600" dirty="0" err="1">
+                          <a:latin typeface="Arial" panose="020B0604020202020204" pitchFamily="34" charset="0"/>
+                          <a:cs typeface="Arial" panose="020B0604020202020204" pitchFamily="34" charset="0"/>
+                        </a:rPr>
+                        <a:t>api</a:t>
+                      </a:r>
+                      <a:endParaRPr lang="en-US" sz="1600" dirty="0">
+                        <a:latin typeface="Arial" panose="020B0604020202020204" pitchFamily="34" charset="0"/>
+                        <a:cs typeface="Arial" panose="020B0604020202020204" pitchFamily="34" charset="0"/>
+                      </a:endParaRPr>
+                    </a:p>
+                  </a:txBody>
+                  <a:tcPr/>
+                </a:tc>
+                <a:tc>
+                  <a:txBody>
+                    <a:bodyPr/>
+                    <a:lstStyle/>
+                    <a:p>
+                      <a:endParaRPr lang="en-US" sz="1600" dirty="0">
+                        <a:latin typeface="Arial" panose="020B0604020202020204" pitchFamily="34" charset="0"/>
+                        <a:cs typeface="Arial" panose="020B0604020202020204" pitchFamily="34" charset="0"/>
+                      </a:endParaRPr>
+                    </a:p>
+                  </a:txBody>
+                  <a:tcPr/>
+                </a:tc>
+                <a:tc>
+                  <a:txBody>
+                    <a:bodyPr/>
+                    <a:lstStyle/>
+                    <a:p>
+                      <a:r>
+                        <a:rPr lang="en-US" sz="1600" dirty="0">
+                          <a:latin typeface="Arial" panose="020B0604020202020204" pitchFamily="34" charset="0"/>
+                          <a:cs typeface="Arial" panose="020B0604020202020204" pitchFamily="34" charset="0"/>
+                        </a:rPr>
+                        <a:t>Employees</a:t>
+                      </a:r>
+                    </a:p>
+                  </a:txBody>
+                  <a:tcPr/>
+                </a:tc>
+                <a:tc>
+                  <a:txBody>
+                    <a:bodyPr/>
+                    <a:lstStyle/>
+                    <a:p>
+                      <a:r>
+                        <a:rPr lang="en-US" sz="1600" dirty="0" err="1">
+                          <a:latin typeface="Arial" panose="020B0604020202020204" pitchFamily="34" charset="0"/>
+                          <a:cs typeface="Arial" panose="020B0604020202020204" pitchFamily="34" charset="0"/>
+                        </a:rPr>
+                        <a:t>iCount</a:t>
+                      </a:r>
+                      <a:r>
+                        <a:rPr lang="en-US" sz="1600" dirty="0">
+                          <a:latin typeface="Arial" panose="020B0604020202020204" pitchFamily="34" charset="0"/>
+                          <a:cs typeface="Arial" panose="020B0604020202020204" pitchFamily="34" charset="0"/>
+                        </a:rPr>
+                        <a:t> consumes through proxy-</a:t>
+                      </a:r>
+                      <a:r>
+                        <a:rPr lang="en-US" sz="1600" dirty="0" err="1">
+                          <a:latin typeface="Arial" panose="020B0604020202020204" pitchFamily="34" charset="0"/>
+                          <a:cs typeface="Arial" panose="020B0604020202020204" pitchFamily="34" charset="0"/>
+                        </a:rPr>
+                        <a:t>api</a:t>
+                      </a:r>
+                      <a:r>
+                        <a:rPr lang="en-US" sz="1600" dirty="0">
+                          <a:latin typeface="Arial" panose="020B0604020202020204" pitchFamily="34" charset="0"/>
+                          <a:cs typeface="Arial" panose="020B0604020202020204" pitchFamily="34" charset="0"/>
+                        </a:rPr>
+                        <a:t> </a:t>
+                      </a:r>
+                    </a:p>
+                  </a:txBody>
+                  <a:tcPr/>
+                </a:tc>
+                <a:extLst>
+                  <a:ext uri="{0D108BD9-81ED-4DB2-BD59-A6C34878D82A}">
+                    <a16:rowId xmlns:a16="http://schemas.microsoft.com/office/drawing/2014/main" val="10002"/>
+                  </a:ext>
+                </a:extLst>
+              </a:tr>
+              <a:tr h="1747237">
+                <a:tc>
+                  <a:txBody>
+                    <a:bodyPr/>
+                    <a:lstStyle/>
+                    <a:p>
+                      <a:r>
+                        <a:rPr lang="en-US" sz="1800" b="0" i="0" kern="1200" dirty="0">
+                          <a:solidFill>
+                            <a:schemeClr val="dk1"/>
+                          </a:solidFill>
+                          <a:effectLst/>
+                          <a:latin typeface="+mn-lt"/>
+                          <a:ea typeface="+mn-ea"/>
+                          <a:cs typeface="+mn-cs"/>
+                        </a:rPr>
+                        <a:t>awards-based-system</a:t>
+                      </a:r>
+                      <a:endParaRPr lang="en-US" sz="1600" b="0" dirty="0">
+                        <a:latin typeface="Arial" panose="020B0604020202020204" pitchFamily="34" charset="0"/>
+                        <a:cs typeface="Arial" panose="020B0604020202020204" pitchFamily="34" charset="0"/>
+                      </a:endParaRPr>
+                    </a:p>
+                  </a:txBody>
+                  <a:tcPr/>
+                </a:tc>
+                <a:tc>
+                  <a:txBody>
+                    <a:bodyPr/>
+                    <a:lstStyle/>
+                    <a:p>
+                      <a:endParaRPr lang="en-US" sz="1600" dirty="0">
+                        <a:latin typeface="Arial" panose="020B0604020202020204" pitchFamily="34" charset="0"/>
+                        <a:cs typeface="Arial" panose="020B0604020202020204" pitchFamily="34" charset="0"/>
+                      </a:endParaRPr>
+                    </a:p>
+                  </a:txBody>
+                  <a:tcPr/>
+                </a:tc>
+                <a:tc>
+                  <a:txBody>
+                    <a:bodyPr/>
+                    <a:lstStyle/>
+                    <a:p>
+                      <a:pPr marL="0" marR="0" lvl="0" indent="0" algn="l" defTabSz="914400" rtl="0" eaLnBrk="1" fontAlgn="auto" latinLnBrk="0" hangingPunct="1">
+                        <a:lnSpc>
+                          <a:spcPct val="100000"/>
+                        </a:lnSpc>
+                        <a:spcBef>
+                          <a:spcPts val="0"/>
+                        </a:spcBef>
+                        <a:spcAft>
+                          <a:spcPts val="0"/>
+                        </a:spcAft>
+                        <a:buClrTx/>
+                        <a:buSzTx/>
+                        <a:buFontTx/>
+                        <a:buNone/>
+                        <a:tabLst/>
+                        <a:defRPr/>
+                      </a:pPr>
+                      <a:r>
+                        <a:rPr lang="en-US" sz="1600" dirty="0">
+                          <a:latin typeface="Arial" panose="020B0604020202020204" pitchFamily="34" charset="0"/>
+                          <a:cs typeface="Arial" panose="020B0604020202020204" pitchFamily="34" charset="0"/>
+                        </a:rPr>
+                        <a:t>Employees</a:t>
+                      </a:r>
+                    </a:p>
+                    <a:p>
+                      <a:endParaRPr lang="en-US" sz="1600" dirty="0">
+                        <a:latin typeface="Arial" panose="020B0604020202020204" pitchFamily="34" charset="0"/>
+                        <a:cs typeface="Arial" panose="020B0604020202020204" pitchFamily="34" charset="0"/>
+                      </a:endParaRPr>
+                    </a:p>
+                  </a:txBody>
+                  <a:tcPr/>
+                </a:tc>
+                <a:tc>
+                  <a:txBody>
+                    <a:bodyPr/>
+                    <a:lstStyle/>
+                    <a:p>
+                      <a:r>
+                        <a:rPr lang="en-US" sz="1600" dirty="0" err="1">
+                          <a:latin typeface="Arial" panose="020B0604020202020204" pitchFamily="34" charset="0"/>
+                          <a:cs typeface="Arial" panose="020B0604020202020204" pitchFamily="34" charset="0"/>
+                        </a:rPr>
+                        <a:t>iCount</a:t>
+                      </a:r>
+                      <a:endParaRPr lang="en-US" sz="1600" dirty="0">
+                        <a:latin typeface="Arial" panose="020B0604020202020204" pitchFamily="34" charset="0"/>
+                        <a:cs typeface="Arial" panose="020B0604020202020204" pitchFamily="34" charset="0"/>
+                      </a:endParaRPr>
+                    </a:p>
+                  </a:txBody>
+                  <a:tcPr/>
+                </a:tc>
+                <a:extLst>
+                  <a:ext uri="{0D108BD9-81ED-4DB2-BD59-A6C34878D82A}">
+                    <a16:rowId xmlns:a16="http://schemas.microsoft.com/office/drawing/2014/main" val="3293306097"/>
+                  </a:ext>
+                </a:extLst>
+              </a:tr>
+            </a:tbl>
+          </a:graphicData>
+        </a:graphic>
+      </p:graphicFrame>
+      <p:pic>
+        <p:nvPicPr>
+          <p:cNvPr id="3" name="Picture 2">
+            <a:extLst>
+              <a:ext uri="{FF2B5EF4-FFF2-40B4-BE49-F238E27FC236}">
+                <a16:creationId xmlns:a16="http://schemas.microsoft.com/office/drawing/2014/main" id="{39BAAA5F-FA4F-4946-A5F0-206E939C7AC7}"/>
+              </a:ext>
+            </a:extLst>
+          </p:cNvPr>
+          <p:cNvPicPr>
+            <a:picLocks noChangeAspect="1"/>
+          </p:cNvPicPr>
+          <p:nvPr/>
+        </p:nvPicPr>
+        <p:blipFill>
+          <a:blip r:embed="rId2"/>
+          <a:stretch>
+            <a:fillRect/>
+          </a:stretch>
+        </p:blipFill>
+        <p:spPr>
+          <a:xfrm>
+            <a:off x="3103207" y="1592511"/>
+            <a:ext cx="3754368" cy="1665608"/>
+          </a:xfrm>
+          <a:prstGeom prst="rect">
+            <a:avLst/>
+          </a:prstGeom>
+        </p:spPr>
+        <p:style>
+          <a:lnRef idx="2">
+            <a:schemeClr val="dk1"/>
+          </a:lnRef>
+          <a:fillRef idx="1">
+            <a:schemeClr val="lt1"/>
+          </a:fillRef>
+          <a:effectRef idx="0">
+            <a:schemeClr val="dk1"/>
+          </a:effectRef>
+          <a:fontRef idx="minor">
+            <a:schemeClr val="dk1"/>
+          </a:fontRef>
+        </p:style>
+      </p:pic>
+      <p:pic>
+        <p:nvPicPr>
+          <p:cNvPr id="6" name="Picture 5">
+            <a:extLst>
+              <a:ext uri="{FF2B5EF4-FFF2-40B4-BE49-F238E27FC236}">
+                <a16:creationId xmlns:a16="http://schemas.microsoft.com/office/drawing/2014/main" id="{82332DDA-EDB7-4ACE-8A6E-F4D3D803173B}"/>
+              </a:ext>
+            </a:extLst>
+          </p:cNvPr>
+          <p:cNvPicPr>
+            <a:picLocks noChangeAspect="1"/>
+          </p:cNvPicPr>
+          <p:nvPr/>
+        </p:nvPicPr>
+        <p:blipFill>
+          <a:blip r:embed="rId3"/>
+          <a:stretch>
+            <a:fillRect/>
+          </a:stretch>
+        </p:blipFill>
+        <p:spPr>
+          <a:xfrm>
+            <a:off x="3117275" y="4978073"/>
+            <a:ext cx="3768436" cy="1549336"/>
+          </a:xfrm>
+          <a:prstGeom prst="rect">
+            <a:avLst/>
+          </a:prstGeom>
+        </p:spPr>
+        <p:style>
+          <a:lnRef idx="2">
+            <a:schemeClr val="dk1"/>
+          </a:lnRef>
+          <a:fillRef idx="1">
+            <a:schemeClr val="lt1"/>
+          </a:fillRef>
+          <a:effectRef idx="0">
+            <a:schemeClr val="dk1"/>
+          </a:effectRef>
+          <a:fontRef idx="minor">
+            <a:schemeClr val="dk1"/>
+          </a:fontRef>
+        </p:style>
+      </p:pic>
+      <p:pic>
+        <p:nvPicPr>
+          <p:cNvPr id="8" name="Picture 7">
+            <a:extLst>
+              <a:ext uri="{FF2B5EF4-FFF2-40B4-BE49-F238E27FC236}">
+                <a16:creationId xmlns:a16="http://schemas.microsoft.com/office/drawing/2014/main" id="{0B655116-3D27-4F73-B22E-EA760638705B}"/>
+              </a:ext>
+            </a:extLst>
+          </p:cNvPr>
+          <p:cNvPicPr>
+            <a:picLocks noChangeAspect="1"/>
+          </p:cNvPicPr>
+          <p:nvPr/>
+        </p:nvPicPr>
+        <p:blipFill>
+          <a:blip r:embed="rId4"/>
+          <a:stretch>
+            <a:fillRect/>
+          </a:stretch>
+        </p:blipFill>
+        <p:spPr>
+          <a:xfrm>
+            <a:off x="3103207" y="3429000"/>
+            <a:ext cx="3768436" cy="1430325"/>
+          </a:xfrm>
+          <a:prstGeom prst="rect">
+            <a:avLst/>
+          </a:prstGeom>
+        </p:spPr>
+        <p:style>
+          <a:lnRef idx="2">
+            <a:schemeClr val="dk1"/>
+          </a:lnRef>
+          <a:fillRef idx="1">
+            <a:schemeClr val="lt1"/>
+          </a:fillRef>
+          <a:effectRef idx="0">
+            <a:schemeClr val="dk1"/>
+          </a:effectRef>
+          <a:fontRef idx="minor">
+            <a:schemeClr val="dk1"/>
+          </a:fontRef>
+        </p:style>
+      </p:pic>
+      <p:pic>
+        <p:nvPicPr>
+          <p:cNvPr id="9" name="Picture 8">
+            <a:extLst>
+              <a:ext uri="{FF2B5EF4-FFF2-40B4-BE49-F238E27FC236}">
+                <a16:creationId xmlns:a16="http://schemas.microsoft.com/office/drawing/2014/main" id="{6CB92FCB-C050-4F7A-BCBC-F4482A95BDD7}"/>
+              </a:ext>
+            </a:extLst>
+          </p:cNvPr>
+          <p:cNvPicPr>
+            <a:picLocks noChangeAspect="1"/>
+          </p:cNvPicPr>
+          <p:nvPr/>
+        </p:nvPicPr>
+        <p:blipFill>
+          <a:blip r:embed="rId5"/>
+          <a:stretch>
+            <a:fillRect/>
+          </a:stretch>
+        </p:blipFill>
+        <p:spPr>
+          <a:xfrm>
+            <a:off x="9822873" y="2000875"/>
+            <a:ext cx="2088494" cy="1205345"/>
+          </a:xfrm>
+          <a:prstGeom prst="rect">
+            <a:avLst/>
+          </a:prstGeom>
+        </p:spPr>
+        <p:style>
+          <a:lnRef idx="2">
+            <a:schemeClr val="dk1"/>
+          </a:lnRef>
+          <a:fillRef idx="1">
+            <a:schemeClr val="lt1"/>
+          </a:fillRef>
+          <a:effectRef idx="0">
+            <a:schemeClr val="dk1"/>
+          </a:effectRef>
+          <a:fontRef idx="minor">
+            <a:schemeClr val="dk1"/>
+          </a:fontRef>
+        </p:style>
+      </p:pic>
+      <p:pic>
+        <p:nvPicPr>
+          <p:cNvPr id="10" name="Picture 9">
+            <a:extLst>
+              <a:ext uri="{FF2B5EF4-FFF2-40B4-BE49-F238E27FC236}">
+                <a16:creationId xmlns:a16="http://schemas.microsoft.com/office/drawing/2014/main" id="{BC427655-7B87-4CBC-A256-058A0FF1287C}"/>
+              </a:ext>
+            </a:extLst>
+          </p:cNvPr>
+          <p:cNvPicPr>
+            <a:picLocks noChangeAspect="1"/>
+          </p:cNvPicPr>
+          <p:nvPr/>
+        </p:nvPicPr>
+        <p:blipFill>
+          <a:blip r:embed="rId6"/>
+          <a:stretch>
+            <a:fillRect/>
+          </a:stretch>
+        </p:blipFill>
+        <p:spPr>
+          <a:xfrm>
+            <a:off x="9822873" y="5225291"/>
+            <a:ext cx="2088494" cy="1144722"/>
+          </a:xfrm>
+          <a:prstGeom prst="rect">
+            <a:avLst/>
+          </a:prstGeom>
+        </p:spPr>
+        <p:style>
+          <a:lnRef idx="2">
+            <a:schemeClr val="dk1"/>
+          </a:lnRef>
+          <a:fillRef idx="1">
+            <a:schemeClr val="lt1"/>
+          </a:fillRef>
+          <a:effectRef idx="0">
+            <a:schemeClr val="dk1"/>
+          </a:effectRef>
+          <a:fontRef idx="minor">
+            <a:schemeClr val="dk1"/>
+          </a:fontRef>
+        </p:style>
+      </p:pic>
+      <p:pic>
+        <p:nvPicPr>
+          <p:cNvPr id="11" name="Picture 10">
+            <a:extLst>
+              <a:ext uri="{FF2B5EF4-FFF2-40B4-BE49-F238E27FC236}">
+                <a16:creationId xmlns:a16="http://schemas.microsoft.com/office/drawing/2014/main" id="{8EECE2F5-E2D0-48C2-ACC9-83DD2AE6539B}"/>
+              </a:ext>
+            </a:extLst>
+          </p:cNvPr>
+          <p:cNvPicPr>
+            <a:picLocks noChangeAspect="1"/>
+          </p:cNvPicPr>
+          <p:nvPr/>
+        </p:nvPicPr>
+        <p:blipFill>
+          <a:blip r:embed="rId5"/>
+          <a:stretch>
+            <a:fillRect/>
+          </a:stretch>
+        </p:blipFill>
+        <p:spPr>
+          <a:xfrm>
+            <a:off x="9806163" y="3960327"/>
+            <a:ext cx="2088494" cy="957087"/>
+          </a:xfrm>
+          <a:prstGeom prst="rect">
+            <a:avLst/>
+          </a:prstGeom>
+        </p:spPr>
+        <p:style>
+          <a:lnRef idx="2">
+            <a:schemeClr val="dk1"/>
+          </a:lnRef>
+          <a:fillRef idx="1">
+            <a:schemeClr val="lt1"/>
+          </a:fillRef>
+          <a:effectRef idx="0">
+            <a:schemeClr val="dk1"/>
+          </a:effectRef>
+          <a:fontRef idx="minor">
+            <a:schemeClr val="dk1"/>
+          </a:fontRef>
+        </p:style>
+      </p:pic>
+    </p:spTree>
+    <p:extLst>
+      <p:ext uri="{BB962C8B-B14F-4D97-AF65-F5344CB8AC3E}">
+        <p14:creationId xmlns:p14="http://schemas.microsoft.com/office/powerpoint/2010/main" val="746051555"/>
+      </p:ext>
+    </p:extLst>
+  </p:cSld>
+  <p:clrMapOvr>
+    <a:masterClrMapping/>
+  </p:clrMapOvr>
+  <p:transition spd="med"/>
+</p:sld>
+</file>
+
+<file path=ppt/slides/slide5.xml><?xml version="1.0" encoding="utf-8"?>
+<p:sld xmlns:a="http://schemas.openxmlformats.org/drawingml/2006/main" xmlns:r="http://schemas.openxmlformats.org/officeDocument/2006/relationships" xmlns:p="http://schemas.openxmlformats.org/presentationml/2006/main">
+  <p:cSld>
+    <p:spTree>
+      <p:nvGrpSpPr>
+        <p:cNvPr id="1" name=""/>
+        <p:cNvGrpSpPr/>
+        <p:nvPr/>
+      </p:nvGrpSpPr>
+      <p:grpSpPr>
+        <a:xfrm>
+          <a:off x="0" y="0"/>
+          <a:ext cx="0" cy="0"/>
+          <a:chOff x="0" y="0"/>
+          <a:chExt cx="0" cy="0"/>
+        </a:xfrm>
+      </p:grpSpPr>
+      <p:sp>
+        <p:nvSpPr>
+          <p:cNvPr id="2" name="Title 1"/>
+          <p:cNvSpPr>
+            <a:spLocks noGrp="1"/>
+          </p:cNvSpPr>
+          <p:nvPr>
+            <p:ph type="title"/>
+          </p:nvPr>
+        </p:nvSpPr>
+        <p:spPr/>
+        <p:txBody>
+          <a:bodyPr/>
+          <a:lstStyle/>
+          <a:p>
+            <a:r>
+              <a:rPr lang="en-US" sz="2800" dirty="0" err="1">
+                <a:latin typeface="Arial" panose="020B0604020202020204" pitchFamily="34" charset="0"/>
+                <a:cs typeface="Arial" panose="020B0604020202020204" pitchFamily="34" charset="0"/>
+              </a:rPr>
+              <a:t>iCount</a:t>
+            </a:r>
+            <a:r>
+              <a:rPr lang="en-US" sz="2800" dirty="0">
+                <a:latin typeface="Arial" panose="020B0604020202020204" pitchFamily="34" charset="0"/>
+                <a:cs typeface="Arial" panose="020B0604020202020204" pitchFamily="34" charset="0"/>
+              </a:rPr>
+              <a:t> New Feature Details</a:t>
+            </a:r>
+          </a:p>
+        </p:txBody>
+      </p:sp>
+      <p:sp>
+        <p:nvSpPr>
+          <p:cNvPr id="4" name="Slide Number Placeholder 3"/>
+          <p:cNvSpPr>
+            <a:spLocks noGrp="1"/>
+          </p:cNvSpPr>
+          <p:nvPr>
+            <p:ph type="sldNum" sz="quarter" idx="2"/>
+          </p:nvPr>
+        </p:nvSpPr>
+        <p:spPr/>
+        <p:txBody>
+          <a:bodyPr/>
+          <a:lstStyle/>
+          <a:p>
+            <a:fld id="{86CB4B4D-7CA3-9044-876B-883B54F8677D}" type="slidenum">
+              <a:rPr lang="en-US" smtClean="0"/>
+              <a:pPr/>
+              <a:t>5</a:t>
+            </a:fld>
+            <a:endParaRPr lang="en-US" dirty="0"/>
+          </a:p>
+        </p:txBody>
+      </p:sp>
+      <p:graphicFrame>
+        <p:nvGraphicFramePr>
+          <p:cNvPr id="5" name="Table 4"/>
+          <p:cNvGraphicFramePr>
+            <a:graphicFrameLocks noGrp="1"/>
+          </p:cNvGraphicFramePr>
+          <p:nvPr>
+            <p:extLst>
+              <p:ext uri="{D42A27DB-BD31-4B8C-83A1-F6EECF244321}">
+                <p14:modId xmlns:p14="http://schemas.microsoft.com/office/powerpoint/2010/main" val="1944688482"/>
+              </p:ext>
+            </p:extLst>
+          </p:nvPr>
+        </p:nvGraphicFramePr>
+        <p:xfrm>
+          <a:off x="280633" y="860520"/>
+          <a:ext cx="11772822" cy="5893526"/>
+        </p:xfrm>
+        <a:graphic>
+          <a:graphicData uri="http://schemas.openxmlformats.org/drawingml/2006/table">
+            <a:tbl>
+              <a:tblPr firstRow="1" bandRow="1">
+                <a:effectLst>
+                  <a:outerShdw blurRad="50800" dist="38100" dir="5400000" algn="t" rotWithShape="0">
+                    <a:prstClr val="black">
+                      <a:alpha val="40000"/>
+                    </a:prstClr>
+                  </a:outerShdw>
+                </a:effectLst>
+                <a:tableStyleId>{5C22544A-7EE6-4342-B048-85BDC9FD1C3A}</a:tableStyleId>
+              </a:tblPr>
+              <a:tblGrid>
+                <a:gridCol w="2731056">
+                  <a:extLst>
+                    <a:ext uri="{9D8B030D-6E8A-4147-A177-3AD203B41FA5}">
+                      <a16:colId xmlns:a16="http://schemas.microsoft.com/office/drawing/2014/main" val="20000"/>
+                    </a:ext>
+                  </a:extLst>
+                </a:gridCol>
+                <a:gridCol w="4247240">
+                  <a:extLst>
+                    <a:ext uri="{9D8B030D-6E8A-4147-A177-3AD203B41FA5}">
+                      <a16:colId xmlns:a16="http://schemas.microsoft.com/office/drawing/2014/main" val="20001"/>
+                    </a:ext>
+                  </a:extLst>
+                </a:gridCol>
+                <a:gridCol w="2369980">
+                  <a:extLst>
+                    <a:ext uri="{9D8B030D-6E8A-4147-A177-3AD203B41FA5}">
+                      <a16:colId xmlns:a16="http://schemas.microsoft.com/office/drawing/2014/main" val="3657013713"/>
+                    </a:ext>
+                  </a:extLst>
+                </a:gridCol>
+                <a:gridCol w="2424546">
+                  <a:extLst>
+                    <a:ext uri="{9D8B030D-6E8A-4147-A177-3AD203B41FA5}">
+                      <a16:colId xmlns:a16="http://schemas.microsoft.com/office/drawing/2014/main" val="4170487981"/>
+                    </a:ext>
+                  </a:extLst>
+                </a:gridCol>
+              </a:tblGrid>
+              <a:tr h="450957">
+                <a:tc>
+                  <a:txBody>
+                    <a:bodyPr/>
+                    <a:lstStyle/>
+                    <a:p>
+                      <a:r>
+                        <a:rPr lang="en-US" sz="1600" dirty="0">
+                          <a:latin typeface="Arial" panose="020B0604020202020204" pitchFamily="34" charset="0"/>
+                          <a:cs typeface="Arial" panose="020B0604020202020204" pitchFamily="34" charset="0"/>
+                        </a:rPr>
+                        <a:t>Feature</a:t>
+                      </a:r>
+                    </a:p>
+                  </a:txBody>
+                  <a:tcPr/>
+                </a:tc>
+                <a:tc>
+                  <a:txBody>
+                    <a:bodyPr/>
+                    <a:lstStyle/>
+                    <a:p>
+                      <a:r>
+                        <a:rPr lang="en-US" sz="1600" dirty="0">
+                          <a:latin typeface="Arial" panose="020B0604020202020204" pitchFamily="34" charset="0"/>
+                          <a:cs typeface="Arial" panose="020B0604020202020204" pitchFamily="34" charset="0"/>
+                        </a:rPr>
+                        <a:t>Proposed View</a:t>
+                      </a:r>
+                    </a:p>
+                  </a:txBody>
+                  <a:tcPr/>
+                </a:tc>
+                <a:tc>
+                  <a:txBody>
+                    <a:bodyPr/>
+                    <a:lstStyle/>
+                    <a:p>
+                      <a:r>
+                        <a:rPr lang="en-US" sz="1600" dirty="0">
+                          <a:latin typeface="Arial" panose="020B0604020202020204" pitchFamily="34" charset="0"/>
+                          <a:cs typeface="Arial" panose="020B0604020202020204" pitchFamily="34" charset="0"/>
+                        </a:rPr>
+                        <a:t>Impacted Audience</a:t>
+                      </a:r>
+                    </a:p>
+                  </a:txBody>
+                  <a:tcPr/>
+                </a:tc>
+                <a:tc>
+                  <a:txBody>
+                    <a:bodyPr/>
+                    <a:lstStyle/>
+                    <a:p>
+                      <a:r>
+                        <a:rPr lang="en-US" sz="1600" dirty="0">
+                          <a:latin typeface="Arial" panose="020B0604020202020204" pitchFamily="34" charset="0"/>
+                          <a:cs typeface="Arial" panose="020B0604020202020204" pitchFamily="34" charset="0"/>
+                        </a:rPr>
+                        <a:t>Target Application/Person</a:t>
+                      </a:r>
+                    </a:p>
+                  </a:txBody>
+                  <a:tcPr/>
+                </a:tc>
+                <a:extLst>
+                  <a:ext uri="{0D108BD9-81ED-4DB2-BD59-A6C34878D82A}">
+                    <a16:rowId xmlns:a16="http://schemas.microsoft.com/office/drawing/2014/main" val="10000"/>
+                  </a:ext>
+                </a:extLst>
+              </a:tr>
+              <a:tr h="1558332">
+                <a:tc>
+                  <a:txBody>
+                    <a:bodyPr/>
+                    <a:lstStyle/>
+                    <a:p>
+                      <a:r>
+                        <a:rPr lang="en-US" sz="1800" b="0" i="0" kern="1200" dirty="0">
+                          <a:solidFill>
+                            <a:schemeClr val="dk1"/>
+                          </a:solidFill>
+                          <a:effectLst/>
+                          <a:latin typeface="+mn-lt"/>
+                          <a:ea typeface="+mn-ea"/>
+                          <a:cs typeface="+mn-cs"/>
+                        </a:rPr>
+                        <a:t>campaign manager </a:t>
+                      </a:r>
+                      <a:endParaRPr lang="en-US" sz="1600" dirty="0">
+                        <a:latin typeface="Arial" panose="020B0604020202020204" pitchFamily="34" charset="0"/>
+                        <a:cs typeface="Arial" panose="020B0604020202020204" pitchFamily="34" charset="0"/>
+                      </a:endParaRPr>
+                    </a:p>
+                  </a:txBody>
+                  <a:tcPr/>
+                </a:tc>
+                <a:tc>
+                  <a:txBody>
+                    <a:bodyPr/>
+                    <a:lstStyle/>
+                    <a:p>
+                      <a:endParaRPr lang="en-US" sz="1600" dirty="0">
+                        <a:latin typeface="Arial" panose="020B0604020202020204" pitchFamily="34" charset="0"/>
+                        <a:cs typeface="Arial" panose="020B0604020202020204" pitchFamily="34" charset="0"/>
+                      </a:endParaRPr>
+                    </a:p>
+                  </a:txBody>
+                  <a:tcPr/>
+                </a:tc>
+                <a:tc>
+                  <a:txBody>
+                    <a:bodyPr/>
+                    <a:lstStyle/>
+                    <a:p>
+                      <a:r>
+                        <a:rPr lang="en-US" sz="1600" dirty="0">
+                          <a:latin typeface="Arial" panose="020B0604020202020204" pitchFamily="34" charset="0"/>
+                          <a:cs typeface="Arial" panose="020B0604020202020204" pitchFamily="34" charset="0"/>
+                        </a:rPr>
+                        <a:t>Employee</a:t>
+                      </a:r>
+                    </a:p>
+                  </a:txBody>
+                  <a:tcPr/>
+                </a:tc>
+                <a:tc>
+                  <a:txBody>
+                    <a:bodyPr/>
+                    <a:lstStyle/>
+                    <a:p>
+                      <a:r>
+                        <a:rPr lang="en-US" sz="1600" dirty="0">
+                          <a:latin typeface="Arial" panose="020B0604020202020204" pitchFamily="34" charset="0"/>
+                          <a:cs typeface="Arial" panose="020B0604020202020204" pitchFamily="34" charset="0"/>
+                        </a:rPr>
+                        <a:t>Employee receive Outlook Message/email</a:t>
+                      </a:r>
+                    </a:p>
+                  </a:txBody>
+                  <a:tcPr/>
+                </a:tc>
+                <a:extLst>
+                  <a:ext uri="{0D108BD9-81ED-4DB2-BD59-A6C34878D82A}">
+                    <a16:rowId xmlns:a16="http://schemas.microsoft.com/office/drawing/2014/main" val="2021179689"/>
+                  </a:ext>
+                </a:extLst>
+              </a:tr>
+              <a:tr h="1983545">
+                <a:tc>
+                  <a:txBody>
+                    <a:bodyPr/>
+                    <a:lstStyle/>
+                    <a:p>
+                      <a:r>
+                        <a:rPr lang="en-US" sz="1800" kern="1200" dirty="0">
+                          <a:solidFill>
+                            <a:schemeClr val="dk1"/>
+                          </a:solidFill>
+                          <a:latin typeface="+mn-lt"/>
+                          <a:ea typeface="+mn-ea"/>
+                          <a:cs typeface="+mn-cs"/>
+                        </a:rPr>
+                        <a:t>performance score-card </a:t>
+                      </a:r>
+                      <a:endParaRPr lang="en-US" sz="1600" dirty="0">
+                        <a:latin typeface="Arial" panose="020B0604020202020204" pitchFamily="34" charset="0"/>
+                        <a:cs typeface="Arial" panose="020B0604020202020204" pitchFamily="34" charset="0"/>
+                      </a:endParaRPr>
+                    </a:p>
+                  </a:txBody>
+                  <a:tcPr/>
+                </a:tc>
+                <a:tc>
+                  <a:txBody>
+                    <a:bodyPr/>
+                    <a:lstStyle/>
+                    <a:p>
+                      <a:endParaRPr lang="en-US" sz="1600" dirty="0">
+                        <a:latin typeface="Arial" panose="020B0604020202020204" pitchFamily="34" charset="0"/>
+                        <a:cs typeface="Arial" panose="020B0604020202020204" pitchFamily="34" charset="0"/>
+                      </a:endParaRPr>
+                    </a:p>
+                  </a:txBody>
+                  <a:tcPr/>
+                </a:tc>
+                <a:tc>
+                  <a:txBody>
+                    <a:bodyPr/>
+                    <a:lstStyle/>
+                    <a:p>
+                      <a:endParaRPr lang="en-US" sz="1600" dirty="0">
+                        <a:latin typeface="Arial" panose="020B0604020202020204" pitchFamily="34" charset="0"/>
+                        <a:cs typeface="Arial" panose="020B0604020202020204" pitchFamily="34" charset="0"/>
+                      </a:endParaRPr>
+                    </a:p>
+                  </a:txBody>
+                  <a:tcPr/>
+                </a:tc>
+                <a:tc>
+                  <a:txBody>
+                    <a:bodyPr/>
+                    <a:lstStyle/>
+                    <a:p>
+                      <a:r>
+                        <a:rPr lang="en-US" sz="1600" dirty="0">
+                          <a:latin typeface="Arial" panose="020B0604020202020204" pitchFamily="34" charset="0"/>
+                          <a:cs typeface="Arial" panose="020B0604020202020204" pitchFamily="34" charset="0"/>
+                        </a:rPr>
+                        <a:t>Only Reviewer Can see this dashboard</a:t>
+                      </a:r>
+                    </a:p>
+                  </a:txBody>
+                  <a:tcPr/>
+                </a:tc>
+                <a:extLst>
+                  <a:ext uri="{0D108BD9-81ED-4DB2-BD59-A6C34878D82A}">
+                    <a16:rowId xmlns:a16="http://schemas.microsoft.com/office/drawing/2014/main" val="1794765077"/>
+                  </a:ext>
+                </a:extLst>
+              </a:tr>
+              <a:tr h="1772529">
+                <a:tc>
+                  <a:txBody>
+                    <a:bodyPr/>
+                    <a:lstStyle/>
+                    <a:p>
+                      <a:r>
+                        <a:rPr lang="en-US" sz="1600" dirty="0" err="1">
+                          <a:latin typeface="Arial" panose="020B0604020202020204" pitchFamily="34" charset="0"/>
+                          <a:cs typeface="Arial" panose="020B0604020202020204" pitchFamily="34" charset="0"/>
+                        </a:rPr>
+                        <a:t>todo</a:t>
+                      </a:r>
+                      <a:r>
+                        <a:rPr lang="en-US" sz="1600" dirty="0">
+                          <a:latin typeface="Arial" panose="020B0604020202020204" pitchFamily="34" charset="0"/>
+                          <a:cs typeface="Arial" panose="020B0604020202020204" pitchFamily="34" charset="0"/>
+                        </a:rPr>
+                        <a:t>-icount-notifications</a:t>
+                      </a:r>
+                    </a:p>
+                  </a:txBody>
+                  <a:tcPr/>
+                </a:tc>
+                <a:tc>
+                  <a:txBody>
+                    <a:bodyPr/>
+                    <a:lstStyle/>
+                    <a:p>
+                      <a:endParaRPr lang="en-US" sz="1600" dirty="0">
+                        <a:latin typeface="Arial" panose="020B0604020202020204" pitchFamily="34" charset="0"/>
+                        <a:cs typeface="Arial" panose="020B0604020202020204" pitchFamily="34" charset="0"/>
+                      </a:endParaRPr>
+                    </a:p>
+                  </a:txBody>
+                  <a:tcPr/>
+                </a:tc>
+                <a:tc>
+                  <a:txBody>
+                    <a:bodyPr/>
+                    <a:lstStyle/>
+                    <a:p>
+                      <a:r>
+                        <a:rPr lang="en-US" sz="1600" dirty="0">
+                          <a:latin typeface="Arial" panose="020B0604020202020204" pitchFamily="34" charset="0"/>
+                          <a:cs typeface="Arial" panose="020B0604020202020204" pitchFamily="34" charset="0"/>
+                        </a:rPr>
+                        <a:t>Employee</a:t>
+                      </a:r>
+                    </a:p>
+                  </a:txBody>
+                  <a:tcPr/>
+                </a:tc>
+                <a:tc>
+                  <a:txBody>
+                    <a:bodyPr/>
+                    <a:lstStyle/>
+                    <a:p>
+                      <a:r>
+                        <a:rPr lang="en-US" sz="1600" dirty="0">
+                          <a:latin typeface="Arial" panose="020B0604020202020204" pitchFamily="34" charset="0"/>
+                          <a:cs typeface="Arial" panose="020B0604020202020204" pitchFamily="34" charset="0"/>
+                        </a:rPr>
+                        <a:t>Employee receive Outlook Message/email</a:t>
+                      </a:r>
+                    </a:p>
+                  </a:txBody>
+                  <a:tcPr/>
+                </a:tc>
+                <a:extLst>
+                  <a:ext uri="{0D108BD9-81ED-4DB2-BD59-A6C34878D82A}">
+                    <a16:rowId xmlns:a16="http://schemas.microsoft.com/office/drawing/2014/main" val="3939657572"/>
+                  </a:ext>
+                </a:extLst>
+              </a:tr>
+            </a:tbl>
+          </a:graphicData>
+        </a:graphic>
+      </p:graphicFrame>
+      <p:pic>
+        <p:nvPicPr>
+          <p:cNvPr id="8" name="Picture 7">
+            <a:extLst>
+              <a:ext uri="{FF2B5EF4-FFF2-40B4-BE49-F238E27FC236}">
+                <a16:creationId xmlns:a16="http://schemas.microsoft.com/office/drawing/2014/main" id="{6BB74E2B-ED42-4C19-BB47-75288278BEFA}"/>
+              </a:ext>
+            </a:extLst>
+          </p:cNvPr>
+          <p:cNvPicPr>
+            <a:picLocks noChangeAspect="1"/>
+          </p:cNvPicPr>
+          <p:nvPr/>
+        </p:nvPicPr>
+        <p:blipFill>
+          <a:blip r:embed="rId2" cstate="print">
+            <a:extLst>
+              <a:ext uri="{28A0092B-C50C-407E-A947-70E740481C1C}">
+                <a14:useLocalDpi xmlns:a14="http://schemas.microsoft.com/office/drawing/2010/main" val="0"/>
+              </a:ext>
+            </a:extLst>
+          </a:blip>
+          <a:stretch>
+            <a:fillRect/>
+          </a:stretch>
+        </p:blipFill>
+        <p:spPr>
+          <a:xfrm>
+            <a:off x="3319975" y="3059587"/>
+            <a:ext cx="3390313" cy="1623834"/>
+          </a:xfrm>
+          <a:prstGeom prst="rect">
+            <a:avLst/>
+          </a:prstGeom>
+        </p:spPr>
+        <p:style>
+          <a:lnRef idx="2">
+            <a:schemeClr val="dk1"/>
+          </a:lnRef>
+          <a:fillRef idx="1">
+            <a:schemeClr val="lt1"/>
+          </a:fillRef>
+          <a:effectRef idx="0">
+            <a:schemeClr val="dk1"/>
+          </a:effectRef>
+          <a:fontRef idx="minor">
+            <a:schemeClr val="dk1"/>
+          </a:fontRef>
+        </p:style>
+      </p:pic>
+      <p:pic>
+        <p:nvPicPr>
+          <p:cNvPr id="9" name="Picture 8">
+            <a:extLst>
+              <a:ext uri="{FF2B5EF4-FFF2-40B4-BE49-F238E27FC236}">
+                <a16:creationId xmlns:a16="http://schemas.microsoft.com/office/drawing/2014/main" id="{30C88BD7-9097-4E42-A2E7-A9577E331C0B}"/>
+              </a:ext>
+            </a:extLst>
+          </p:cNvPr>
+          <p:cNvPicPr>
+            <a:picLocks noChangeAspect="1"/>
+          </p:cNvPicPr>
+          <p:nvPr/>
+        </p:nvPicPr>
+        <p:blipFill>
+          <a:blip r:embed="rId3"/>
+          <a:stretch>
+            <a:fillRect/>
+          </a:stretch>
+        </p:blipFill>
+        <p:spPr>
+          <a:xfrm>
+            <a:off x="3319974" y="5100812"/>
+            <a:ext cx="3390313" cy="1556836"/>
+          </a:xfrm>
+          <a:prstGeom prst="rect">
+            <a:avLst/>
+          </a:prstGeom>
+        </p:spPr>
+        <p:style>
+          <a:lnRef idx="2">
+            <a:schemeClr val="dk1"/>
+          </a:lnRef>
+          <a:fillRef idx="1">
+            <a:schemeClr val="lt1"/>
+          </a:fillRef>
+          <a:effectRef idx="0">
+            <a:schemeClr val="dk1"/>
+          </a:effectRef>
+          <a:fontRef idx="minor">
+            <a:schemeClr val="dk1"/>
+          </a:fontRef>
+        </p:style>
+      </p:pic>
+      <p:pic>
+        <p:nvPicPr>
+          <p:cNvPr id="3" name="Picture 2">
+            <a:extLst>
+              <a:ext uri="{FF2B5EF4-FFF2-40B4-BE49-F238E27FC236}">
+                <a16:creationId xmlns:a16="http://schemas.microsoft.com/office/drawing/2014/main" id="{95E310D7-C0CF-46A6-920E-F0FF8112027E}"/>
+              </a:ext>
+            </a:extLst>
+          </p:cNvPr>
+          <p:cNvPicPr>
+            <a:picLocks noChangeAspect="1"/>
+          </p:cNvPicPr>
+          <p:nvPr/>
+        </p:nvPicPr>
+        <p:blipFill>
+          <a:blip r:embed="rId4"/>
+          <a:stretch>
+            <a:fillRect/>
+          </a:stretch>
+        </p:blipFill>
+        <p:spPr>
+          <a:xfrm>
+            <a:off x="3319975" y="1496291"/>
+            <a:ext cx="3390313" cy="1360399"/>
+          </a:xfrm>
+          <a:prstGeom prst="rect">
+            <a:avLst/>
+          </a:prstGeom>
+        </p:spPr>
+        <p:style>
+          <a:lnRef idx="2">
+            <a:schemeClr val="dk1"/>
+          </a:lnRef>
+          <a:fillRef idx="1">
+            <a:schemeClr val="lt1"/>
+          </a:fillRef>
+          <a:effectRef idx="0">
+            <a:schemeClr val="dk1"/>
+          </a:effectRef>
+          <a:fontRef idx="minor">
+            <a:schemeClr val="dk1"/>
+          </a:fontRef>
+        </p:style>
+      </p:pic>
+      <p:pic>
+        <p:nvPicPr>
+          <p:cNvPr id="6" name="Picture 5">
+            <a:extLst>
+              <a:ext uri="{FF2B5EF4-FFF2-40B4-BE49-F238E27FC236}">
+                <a16:creationId xmlns:a16="http://schemas.microsoft.com/office/drawing/2014/main" id="{173EEB23-E11A-4C21-92B9-1DE96B627764}"/>
+              </a:ext>
+            </a:extLst>
+          </p:cNvPr>
+          <p:cNvPicPr>
+            <a:picLocks noChangeAspect="1"/>
+          </p:cNvPicPr>
+          <p:nvPr/>
+        </p:nvPicPr>
+        <p:blipFill>
+          <a:blip r:embed="rId5"/>
+          <a:stretch>
+            <a:fillRect/>
+          </a:stretch>
+        </p:blipFill>
+        <p:spPr>
+          <a:xfrm>
+            <a:off x="9749630" y="3560618"/>
+            <a:ext cx="2232767" cy="1274618"/>
+          </a:xfrm>
+          <a:prstGeom prst="rect">
+            <a:avLst/>
+          </a:prstGeom>
+        </p:spPr>
+        <p:style>
+          <a:lnRef idx="2">
+            <a:schemeClr val="dk1"/>
+          </a:lnRef>
+          <a:fillRef idx="1">
+            <a:schemeClr val="lt1"/>
+          </a:fillRef>
+          <a:effectRef idx="0">
+            <a:schemeClr val="dk1"/>
+          </a:effectRef>
+          <a:fontRef idx="minor">
+            <a:schemeClr val="dk1"/>
+          </a:fontRef>
+        </p:style>
+      </p:pic>
+    </p:spTree>
+    <p:extLst>
+      <p:ext uri="{BB962C8B-B14F-4D97-AF65-F5344CB8AC3E}">
+        <p14:creationId xmlns:p14="http://schemas.microsoft.com/office/powerpoint/2010/main" val="3817668380"/>
+      </p:ext>
+    </p:extLst>
+  </p:cSld>
+  <p:clrMapOvr>
+    <a:masterClrMapping/>
+  </p:clrMapOvr>
+  <p:transition spd="med"/>
+</p:sld>
+</file>
+
+<file path=ppt/slides/slide6.xml><?xml version="1.0" encoding="utf-8"?>
 <p:sld xmlns:a="http://schemas.openxmlformats.org/drawingml/2006/main" xmlns:r="http://schemas.openxmlformats.org/officeDocument/2006/relationships" xmlns:p="http://schemas.openxmlformats.org/presentationml/2006/main">
   <p:cSld>
     <p:spTree>
@@ -23456,7 +25426,7 @@
 </p:sld>
 </file>
 
-<file path=ppt/slides/slide5.xml><?xml version="1.0" encoding="utf-8"?>
+<file path=ppt/slides/slide7.xml><?xml version="1.0" encoding="utf-8"?>
 <p:sld xmlns:a="http://schemas.openxmlformats.org/drawingml/2006/main" xmlns:r="http://schemas.openxmlformats.org/officeDocument/2006/relationships" xmlns:p="http://schemas.openxmlformats.org/presentationml/2006/main">
   <p:cSld>
     <p:spTree>
@@ -23934,7 +25904,7 @@
 </p:sld>
 </file>
 
-<file path=ppt/slides/slide6.xml><?xml version="1.0" encoding="utf-8"?>
+<file path=ppt/slides/slide8.xml><?xml version="1.0" encoding="utf-8"?>
 <p:sld xmlns:a="http://schemas.openxmlformats.org/drawingml/2006/main" xmlns:r="http://schemas.openxmlformats.org/officeDocument/2006/relationships" xmlns:p="http://schemas.openxmlformats.org/presentationml/2006/main">
   <p:cSld>
     <p:spTree>
@@ -23994,7 +25964,7 @@
             <a:fld id="{86CB4B4D-7CA3-9044-876B-883B54F8677D}" type="slidenum">
               <a:rPr lang="en-US" smtClean="0"/>
               <a:pPr/>
-              <a:t>6</a:t>
+              <a:t>8</a:t>
             </a:fld>
             <a:endParaRPr lang="en-US" dirty="0"/>
           </a:p>
@@ -24716,7 +26686,7 @@
 </p:sld>
 </file>
 
-<file path=ppt/slides/slide7.xml><?xml version="1.0" encoding="utf-8"?>
+<file path=ppt/slides/slide9.xml><?xml version="1.0" encoding="utf-8"?>
 <p:sld xmlns:a="http://schemas.openxmlformats.org/drawingml/2006/main" xmlns:r="http://schemas.openxmlformats.org/officeDocument/2006/relationships" xmlns:p="http://schemas.openxmlformats.org/presentationml/2006/main">
   <p:cSld>
     <p:spTree>
@@ -24932,570 +26902,6 @@
     <p:extLst>
       <p:ext uri="{BB962C8B-B14F-4D97-AF65-F5344CB8AC3E}">
         <p14:creationId xmlns:p14="http://schemas.microsoft.com/office/powerpoint/2010/main" val="1484603260"/>
-      </p:ext>
-    </p:extLst>
-  </p:cSld>
-  <p:clrMapOvr>
-    <a:masterClrMapping/>
-  </p:clrMapOvr>
-  <p:transition spd="med"/>
-</p:sld>
-</file>
-
-<file path=ppt/slides/slide8.xml><?xml version="1.0" encoding="utf-8"?>
-<p:sld xmlns:a="http://schemas.openxmlformats.org/drawingml/2006/main" xmlns:r="http://schemas.openxmlformats.org/officeDocument/2006/relationships" xmlns:p="http://schemas.openxmlformats.org/presentationml/2006/main">
-  <p:cSld>
-    <p:spTree>
-      <p:nvGrpSpPr>
-        <p:cNvPr id="1" name=""/>
-        <p:cNvGrpSpPr/>
-        <p:nvPr/>
-      </p:nvGrpSpPr>
-      <p:grpSpPr>
-        <a:xfrm>
-          <a:off x="0" y="0"/>
-          <a:ext cx="0" cy="0"/>
-          <a:chOff x="0" y="0"/>
-          <a:chExt cx="0" cy="0"/>
-        </a:xfrm>
-      </p:grpSpPr>
-      <p:sp>
-        <p:nvSpPr>
-          <p:cNvPr id="374" name="Shape 374"/>
-          <p:cNvSpPr>
-            <a:spLocks noGrp="1"/>
-          </p:cNvSpPr>
-          <p:nvPr>
-            <p:ph type="title"/>
-          </p:nvPr>
-        </p:nvSpPr>
-        <p:spPr>
-          <a:xfrm>
-            <a:off x="489327" y="33279"/>
-            <a:ext cx="11630733" cy="202248"/>
-          </a:xfrm>
-        </p:spPr>
-        <p:txBody>
-          <a:bodyPr/>
-          <a:lstStyle/>
-          <a:p>
-            <a:r>
-              <a:rPr lang="en-US" sz="2700" dirty="0">
-                <a:latin typeface="+mn-lt"/>
-                <a:sym typeface="Calibri"/>
-              </a:rPr>
-              <a:t>Architecture Diagram of iSolve – </a:t>
-            </a:r>
-            <a:r>
-              <a:rPr lang="en-US" sz="2700" dirty="0" err="1">
-                <a:latin typeface="+mn-lt"/>
-                <a:sym typeface="Calibri"/>
-              </a:rPr>
-              <a:t>iCount</a:t>
-            </a:r>
-            <a:r>
-              <a:rPr lang="en-US" sz="2700" dirty="0">
-                <a:latin typeface="+mn-lt"/>
-                <a:sym typeface="Calibri"/>
-              </a:rPr>
-              <a:t> : Problem Statement 1</a:t>
-            </a:r>
-          </a:p>
-        </p:txBody>
-      </p:sp>
-      <p:sp>
-        <p:nvSpPr>
-          <p:cNvPr id="2" name="Text Placeholder 1"/>
-          <p:cNvSpPr>
-            <a:spLocks noGrp="1"/>
-          </p:cNvSpPr>
-          <p:nvPr>
-            <p:ph type="body" sz="quarter" idx="10"/>
-          </p:nvPr>
-        </p:nvSpPr>
-        <p:spPr>
-          <a:xfrm>
-            <a:off x="263924" y="33279"/>
-            <a:ext cx="11856136" cy="6322379"/>
-          </a:xfrm>
-        </p:spPr>
-        <p:txBody>
-          <a:bodyPr>
-            <a:normAutofit/>
-          </a:bodyPr>
-          <a:lstStyle/>
-          <a:p>
-            <a:pPr marL="770693" lvl="1" indent="-182880"/>
-            <a:endParaRPr lang="en-US" dirty="0">
-              <a:solidFill>
-                <a:srgbClr val="007DC3"/>
-              </a:solidFill>
-              <a:latin typeface="+mn-lt"/>
-            </a:endParaRPr>
-          </a:p>
-          <a:p>
-            <a:pPr marL="770693" lvl="1" indent="-182880"/>
-            <a:endParaRPr lang="en-US" dirty="0">
-              <a:solidFill>
-                <a:srgbClr val="007DC3"/>
-              </a:solidFill>
-              <a:latin typeface="+mn-lt"/>
-            </a:endParaRPr>
-          </a:p>
-          <a:p>
-            <a:pPr marL="770693" lvl="1" indent="-182880"/>
-            <a:endParaRPr lang="en-US" dirty="0">
-              <a:solidFill>
-                <a:srgbClr val="007DC3"/>
-              </a:solidFill>
-              <a:latin typeface="+mn-lt"/>
-            </a:endParaRPr>
-          </a:p>
-          <a:p>
-            <a:pPr marL="770693" lvl="1" indent="-182880"/>
-            <a:endParaRPr lang="en-US" dirty="0">
-              <a:solidFill>
-                <a:srgbClr val="007DC3"/>
-              </a:solidFill>
-              <a:latin typeface="+mn-lt"/>
-            </a:endParaRPr>
-          </a:p>
-          <a:p>
-            <a:pPr marL="770693" lvl="1" indent="-182880"/>
-            <a:endParaRPr lang="en-US" dirty="0">
-              <a:solidFill>
-                <a:srgbClr val="007DC3"/>
-              </a:solidFill>
-              <a:latin typeface="+mn-lt"/>
-            </a:endParaRPr>
-          </a:p>
-          <a:p>
-            <a:pPr marL="770693" lvl="1" indent="-182880"/>
-            <a:endParaRPr lang="en-US" dirty="0">
-              <a:solidFill>
-                <a:srgbClr val="007DC3"/>
-              </a:solidFill>
-              <a:latin typeface="+mn-lt"/>
-            </a:endParaRPr>
-          </a:p>
-          <a:p>
-            <a:pPr marL="0" indent="0">
-              <a:buNone/>
-            </a:pPr>
-            <a:endParaRPr lang="en-US" sz="1600" dirty="0">
-              <a:solidFill>
-                <a:srgbClr val="007DC3"/>
-              </a:solidFill>
-              <a:latin typeface="+mn-lt"/>
-            </a:endParaRPr>
-          </a:p>
-          <a:p>
-            <a:pPr marL="0" indent="0">
-              <a:buNone/>
-            </a:pPr>
-            <a:endParaRPr lang="en-US" sz="1600" dirty="0">
-              <a:solidFill>
-                <a:srgbClr val="007DC3"/>
-              </a:solidFill>
-              <a:latin typeface="+mn-lt"/>
-            </a:endParaRPr>
-          </a:p>
-          <a:p>
-            <a:pPr marL="0" indent="0">
-              <a:buNone/>
-            </a:pPr>
-            <a:endParaRPr lang="en-US" sz="1600" dirty="0">
-              <a:solidFill>
-                <a:srgbClr val="007DC3"/>
-              </a:solidFill>
-              <a:latin typeface="+mn-lt"/>
-            </a:endParaRPr>
-          </a:p>
-        </p:txBody>
-      </p:sp>
-      <p:pic>
-        <p:nvPicPr>
-          <p:cNvPr id="4" name="Picture 3">
-            <a:extLst>
-              <a:ext uri="{FF2B5EF4-FFF2-40B4-BE49-F238E27FC236}">
-                <a16:creationId xmlns:a16="http://schemas.microsoft.com/office/drawing/2014/main" id="{EEBF7E9E-0973-46E4-945E-F7D14E778304}"/>
-              </a:ext>
-            </a:extLst>
-          </p:cNvPr>
-          <p:cNvPicPr>
-            <a:picLocks noChangeAspect="1"/>
-          </p:cNvPicPr>
-          <p:nvPr/>
-        </p:nvPicPr>
-        <p:blipFill>
-          <a:blip r:embed="rId3">
-            <a:extLst>
-              <a:ext uri="{28A0092B-C50C-407E-A947-70E740481C1C}">
-                <a14:useLocalDpi xmlns:a14="http://schemas.microsoft.com/office/drawing/2010/main" val="0"/>
-              </a:ext>
-            </a:extLst>
-          </a:blip>
-          <a:stretch>
-            <a:fillRect/>
-          </a:stretch>
-        </p:blipFill>
-        <p:spPr>
-          <a:xfrm>
-            <a:off x="263925" y="500121"/>
-            <a:ext cx="11664152" cy="6324600"/>
-          </a:xfrm>
-          <a:prstGeom prst="rect">
-            <a:avLst/>
-          </a:prstGeom>
-        </p:spPr>
-        <p:style>
-          <a:lnRef idx="2">
-            <a:schemeClr val="dk1"/>
-          </a:lnRef>
-          <a:fillRef idx="1">
-            <a:schemeClr val="lt1"/>
-          </a:fillRef>
-          <a:effectRef idx="0">
-            <a:schemeClr val="dk1"/>
-          </a:effectRef>
-          <a:fontRef idx="minor">
-            <a:schemeClr val="dk1"/>
-          </a:fontRef>
-        </p:style>
-      </p:pic>
-    </p:spTree>
-    <p:extLst>
-      <p:ext uri="{BB962C8B-B14F-4D97-AF65-F5344CB8AC3E}">
-        <p14:creationId xmlns:p14="http://schemas.microsoft.com/office/powerpoint/2010/main" val="2207613232"/>
-      </p:ext>
-    </p:extLst>
-  </p:cSld>
-  <p:clrMapOvr>
-    <a:masterClrMapping/>
-  </p:clrMapOvr>
-  <p:transition spd="med"/>
-</p:sld>
-</file>
-
-<file path=ppt/slides/slide9.xml><?xml version="1.0" encoding="utf-8"?>
-<p:sld xmlns:a="http://schemas.openxmlformats.org/drawingml/2006/main" xmlns:r="http://schemas.openxmlformats.org/officeDocument/2006/relationships" xmlns:p="http://schemas.openxmlformats.org/presentationml/2006/main">
-  <p:cSld>
-    <p:spTree>
-      <p:nvGrpSpPr>
-        <p:cNvPr id="1" name=""/>
-        <p:cNvGrpSpPr/>
-        <p:nvPr/>
-      </p:nvGrpSpPr>
-      <p:grpSpPr>
-        <a:xfrm>
-          <a:off x="0" y="0"/>
-          <a:ext cx="0" cy="0"/>
-          <a:chOff x="0" y="0"/>
-          <a:chExt cx="0" cy="0"/>
-        </a:xfrm>
-      </p:grpSpPr>
-      <p:sp>
-        <p:nvSpPr>
-          <p:cNvPr id="2" name="Title 1"/>
-          <p:cNvSpPr>
-            <a:spLocks noGrp="1"/>
-          </p:cNvSpPr>
-          <p:nvPr>
-            <p:ph type="title"/>
-          </p:nvPr>
-        </p:nvSpPr>
-        <p:spPr/>
-        <p:txBody>
-          <a:bodyPr/>
-          <a:lstStyle/>
-          <a:p>
-            <a:r>
-              <a:rPr lang="en-US" sz="2800" dirty="0">
-                <a:latin typeface="Arial" panose="020B0604020202020204" pitchFamily="34" charset="0"/>
-                <a:cs typeface="Arial" panose="020B0604020202020204" pitchFamily="34" charset="0"/>
-              </a:rPr>
-              <a:t>Technical Details of individual components</a:t>
-            </a:r>
-          </a:p>
-        </p:txBody>
-      </p:sp>
-      <p:sp>
-        <p:nvSpPr>
-          <p:cNvPr id="3" name="Text Placeholder 2"/>
-          <p:cNvSpPr>
-            <a:spLocks noGrp="1"/>
-          </p:cNvSpPr>
-          <p:nvPr>
-            <p:ph type="body" sz="quarter" idx="10"/>
-          </p:nvPr>
-        </p:nvSpPr>
-        <p:spPr/>
-        <p:txBody>
-          <a:bodyPr/>
-          <a:lstStyle/>
-          <a:p>
-            <a:pPr marL="0" indent="0">
-              <a:buNone/>
-            </a:pPr>
-            <a:r>
-              <a:rPr lang="en-US" dirty="0">
-                <a:solidFill>
-                  <a:srgbClr val="0070C0"/>
-                </a:solidFill>
-              </a:rPr>
-              <a:t>This is a Hybrid application and we have used following Technologies for each of these components. </a:t>
-            </a:r>
-          </a:p>
-          <a:p>
-            <a:r>
-              <a:rPr lang="en-US" b="1" dirty="0">
-                <a:solidFill>
-                  <a:srgbClr val="0070C0"/>
-                </a:solidFill>
-              </a:rPr>
-              <a:t> App specific connectors </a:t>
-            </a:r>
-            <a:r>
-              <a:rPr lang="en-US" dirty="0">
-                <a:solidFill>
-                  <a:srgbClr val="0070C0"/>
-                </a:solidFill>
-              </a:rPr>
-              <a:t>– Used to create connectors. Developed using VSTO Add-ins in </a:t>
-            </a:r>
-            <a:r>
-              <a:rPr lang="en-US" dirty="0" err="1">
-                <a:solidFill>
-                  <a:srgbClr val="0070C0"/>
-                </a:solidFill>
-              </a:rPr>
-              <a:t>C#.Net</a:t>
-            </a:r>
-            <a:r>
-              <a:rPr lang="en-US" dirty="0">
-                <a:solidFill>
-                  <a:srgbClr val="0070C0"/>
-                </a:solidFill>
-              </a:rPr>
-              <a:t>. </a:t>
-            </a:r>
-          </a:p>
-          <a:p>
-            <a:r>
-              <a:rPr lang="en-US" b="1" dirty="0">
-                <a:solidFill>
-                  <a:srgbClr val="0070C0"/>
-                </a:solidFill>
-              </a:rPr>
-              <a:t> Adapter-Service (AS) </a:t>
-            </a:r>
-            <a:r>
-              <a:rPr lang="en-US" dirty="0">
-                <a:solidFill>
-                  <a:srgbClr val="0070C0"/>
-                </a:solidFill>
-              </a:rPr>
-              <a:t>– Entry point to the pipeline. Developed using </a:t>
-            </a:r>
-            <a:r>
-              <a:rPr lang="en-US" dirty="0" err="1">
-                <a:solidFill>
-                  <a:srgbClr val="0070C0"/>
-                </a:solidFill>
-              </a:rPr>
-              <a:t>Springboot</a:t>
-            </a:r>
-            <a:r>
-              <a:rPr lang="en-US" dirty="0">
-                <a:solidFill>
-                  <a:srgbClr val="0070C0"/>
-                </a:solidFill>
-              </a:rPr>
-              <a:t> and integrated with Swagger UI. </a:t>
-            </a:r>
-          </a:p>
-          <a:p>
-            <a:r>
-              <a:rPr lang="en-US" b="1" dirty="0">
-                <a:solidFill>
-                  <a:srgbClr val="0070C0"/>
-                </a:solidFill>
-              </a:rPr>
-              <a:t> Proxy-Service (PS) </a:t>
-            </a:r>
-            <a:r>
-              <a:rPr lang="en-US" dirty="0">
-                <a:solidFill>
-                  <a:srgbClr val="0070C0"/>
-                </a:solidFill>
-              </a:rPr>
-              <a:t>–</a:t>
-            </a:r>
-            <a:r>
-              <a:rPr lang="en-US" b="1" dirty="0">
-                <a:solidFill>
-                  <a:srgbClr val="0070C0"/>
-                </a:solidFill>
-              </a:rPr>
-              <a:t> </a:t>
-            </a:r>
-            <a:r>
-              <a:rPr lang="en-US" dirty="0">
-                <a:solidFill>
-                  <a:srgbClr val="0070C0"/>
-                </a:solidFill>
-              </a:rPr>
-              <a:t>End points for </a:t>
-            </a:r>
-            <a:r>
-              <a:rPr lang="en-US" dirty="0" err="1">
-                <a:solidFill>
-                  <a:srgbClr val="0070C0"/>
-                </a:solidFill>
-              </a:rPr>
-              <a:t>iCount</a:t>
-            </a:r>
-            <a:r>
-              <a:rPr lang="en-US" dirty="0">
-                <a:solidFill>
-                  <a:srgbClr val="0070C0"/>
-                </a:solidFill>
-              </a:rPr>
-              <a:t> consumption. Developed using </a:t>
-            </a:r>
-            <a:r>
-              <a:rPr lang="en-US" dirty="0" err="1">
-                <a:solidFill>
-                  <a:srgbClr val="0070C0"/>
-                </a:solidFill>
-              </a:rPr>
-              <a:t>springboot</a:t>
-            </a:r>
-            <a:r>
-              <a:rPr lang="en-US" dirty="0">
-                <a:solidFill>
-                  <a:srgbClr val="0070C0"/>
-                </a:solidFill>
-              </a:rPr>
-              <a:t>, apache poi and integrated with Swagger UI. </a:t>
-            </a:r>
-          </a:p>
-          <a:p>
-            <a:r>
-              <a:rPr lang="en-US" b="1" dirty="0">
-                <a:solidFill>
-                  <a:srgbClr val="0070C0"/>
-                </a:solidFill>
-              </a:rPr>
-              <a:t>Notification-Batch (NB)</a:t>
-            </a:r>
-            <a:r>
-              <a:rPr lang="en-US" dirty="0">
-                <a:solidFill>
-                  <a:srgbClr val="0070C0"/>
-                </a:solidFill>
-              </a:rPr>
-              <a:t> – Developed using Spring-batch. Used to send notifications to the </a:t>
-            </a:r>
-            <a:r>
-              <a:rPr lang="en-US" dirty="0" err="1">
-                <a:solidFill>
-                  <a:srgbClr val="0070C0"/>
-                </a:solidFill>
-              </a:rPr>
-              <a:t>empoloyees</a:t>
-            </a:r>
-            <a:r>
-              <a:rPr lang="en-US" dirty="0">
-                <a:solidFill>
-                  <a:srgbClr val="0070C0"/>
-                </a:solidFill>
-              </a:rPr>
-              <a:t> who is not using </a:t>
-            </a:r>
-            <a:r>
-              <a:rPr lang="en-US" dirty="0" err="1">
-                <a:solidFill>
-                  <a:srgbClr val="0070C0"/>
-                </a:solidFill>
-              </a:rPr>
-              <a:t>iStore</a:t>
-            </a:r>
-            <a:r>
-              <a:rPr lang="en-US" dirty="0">
-                <a:solidFill>
-                  <a:srgbClr val="0070C0"/>
-                </a:solidFill>
-              </a:rPr>
-              <a:t> functionalities</a:t>
-            </a:r>
-          </a:p>
-          <a:p>
-            <a:r>
-              <a:rPr lang="en-US" b="1" dirty="0">
-                <a:solidFill>
-                  <a:srgbClr val="0070C0"/>
-                </a:solidFill>
-              </a:rPr>
-              <a:t>Cron Job </a:t>
-            </a:r>
-            <a:r>
-              <a:rPr lang="en-US" dirty="0">
-                <a:solidFill>
-                  <a:srgbClr val="0070C0"/>
-                </a:solidFill>
-              </a:rPr>
-              <a:t>– Unix Cron Scheduler for notification batch</a:t>
-            </a:r>
-          </a:p>
-          <a:p>
-            <a:r>
-              <a:rPr lang="en-US" b="1" dirty="0">
-                <a:solidFill>
-                  <a:srgbClr val="0070C0"/>
-                </a:solidFill>
-              </a:rPr>
-              <a:t>Kafka</a:t>
-            </a:r>
-            <a:r>
-              <a:rPr lang="en-US" dirty="0">
-                <a:solidFill>
-                  <a:srgbClr val="0070C0"/>
-                </a:solidFill>
-              </a:rPr>
-              <a:t> –Streams data and send notifications in real-time to the employees who seek feedback, upload appreciation, complete task/course etc.</a:t>
-            </a:r>
-          </a:p>
-        </p:txBody>
-      </p:sp>
-      <p:sp>
-        <p:nvSpPr>
-          <p:cNvPr id="4" name="Slide Number Placeholder 3"/>
-          <p:cNvSpPr>
-            <a:spLocks noGrp="1"/>
-          </p:cNvSpPr>
-          <p:nvPr>
-            <p:ph type="sldNum" sz="quarter" idx="2"/>
-          </p:nvPr>
-        </p:nvSpPr>
-        <p:spPr/>
-        <p:txBody>
-          <a:bodyPr/>
-          <a:lstStyle/>
-          <a:p>
-            <a:fld id="{86CB4B4D-7CA3-9044-876B-883B54F8677D}" type="slidenum">
-              <a:rPr lang="en-US" smtClean="0"/>
-              <a:pPr/>
-              <a:t>9</a:t>
-            </a:fld>
-            <a:endParaRPr lang="en-US" dirty="0"/>
-          </a:p>
-        </p:txBody>
-      </p:sp>
-    </p:spTree>
-    <p:extLst>
-      <p:ext uri="{BB962C8B-B14F-4D97-AF65-F5344CB8AC3E}">
-        <p14:creationId xmlns:p14="http://schemas.microsoft.com/office/powerpoint/2010/main" val="2013916777"/>
       </p:ext>
     </p:extLst>
   </p:cSld>

--- a/iSolve-iCount-Hackathon_Solution.pptx
+++ b/iSolve-iCount-Hackathon_Solution.pptx
@@ -6,7 +6,7 @@
     <p:sldMasterId id="2147483663" r:id="rId2"/>
   </p:sldMasterIdLst>
   <p:notesMasterIdLst>
-    <p:notesMasterId r:id="rId27"/>
+    <p:notesMasterId r:id="rId28"/>
   </p:notesMasterIdLst>
   <p:sldIdLst>
     <p:sldId id="266" r:id="rId3"/>
@@ -21,18 +21,19 @@
     <p:sldId id="259" r:id="rId12"/>
     <p:sldId id="270" r:id="rId13"/>
     <p:sldId id="278" r:id="rId14"/>
-    <p:sldId id="267" r:id="rId15"/>
-    <p:sldId id="276" r:id="rId16"/>
-    <p:sldId id="277" r:id="rId17"/>
-    <p:sldId id="284" r:id="rId18"/>
-    <p:sldId id="283" r:id="rId19"/>
-    <p:sldId id="286" r:id="rId20"/>
-    <p:sldId id="287" r:id="rId21"/>
-    <p:sldId id="282" r:id="rId22"/>
-    <p:sldId id="280" r:id="rId23"/>
-    <p:sldId id="281" r:id="rId24"/>
-    <p:sldId id="268" r:id="rId25"/>
-    <p:sldId id="265" r:id="rId26"/>
+    <p:sldId id="290" r:id="rId15"/>
+    <p:sldId id="267" r:id="rId16"/>
+    <p:sldId id="276" r:id="rId17"/>
+    <p:sldId id="277" r:id="rId18"/>
+    <p:sldId id="284" r:id="rId19"/>
+    <p:sldId id="283" r:id="rId20"/>
+    <p:sldId id="286" r:id="rId21"/>
+    <p:sldId id="287" r:id="rId22"/>
+    <p:sldId id="282" r:id="rId23"/>
+    <p:sldId id="280" r:id="rId24"/>
+    <p:sldId id="281" r:id="rId25"/>
+    <p:sldId id="268" r:id="rId26"/>
+    <p:sldId id="265" r:id="rId27"/>
   </p:sldIdLst>
   <p:sldSz cx="12192000" cy="6858000"/>
   <p:notesSz cx="6858000" cy="9144000"/>
@@ -221,7 +222,7 @@
           <a:p>
             <a:fld id="{DD634F6A-6287-4B36-9A95-0F17B3383A7B}" type="datetimeFigureOut">
               <a:rPr lang="en-US" smtClean="0"/>
-              <a:t>6/2/2020</a:t>
+              <a:t>6/3/2020</a:t>
             </a:fld>
             <a:endParaRPr lang="en-US" dirty="0"/>
           </a:p>
@@ -644,7 +645,7 @@
     </p:spTree>
     <p:extLst>
       <p:ext uri="{BB962C8B-B14F-4D97-AF65-F5344CB8AC3E}">
-        <p14:creationId xmlns:p14="http://schemas.microsoft.com/office/powerpoint/2010/main" val="1367908836"/>
+        <p14:creationId xmlns:p14="http://schemas.microsoft.com/office/powerpoint/2010/main" val="196318703"/>
       </p:ext>
     </p:extLst>
   </p:cSld>
@@ -724,7 +725,7 @@
     </p:spTree>
     <p:extLst>
       <p:ext uri="{BB962C8B-B14F-4D97-AF65-F5344CB8AC3E}">
-        <p14:creationId xmlns:p14="http://schemas.microsoft.com/office/powerpoint/2010/main" val="634132662"/>
+        <p14:creationId xmlns:p14="http://schemas.microsoft.com/office/powerpoint/2010/main" val="1367908836"/>
       </p:ext>
     </p:extLst>
   </p:cSld>
@@ -804,7 +805,7 @@
     </p:spTree>
     <p:extLst>
       <p:ext uri="{BB962C8B-B14F-4D97-AF65-F5344CB8AC3E}">
-        <p14:creationId xmlns:p14="http://schemas.microsoft.com/office/powerpoint/2010/main" val="4199056211"/>
+        <p14:creationId xmlns:p14="http://schemas.microsoft.com/office/powerpoint/2010/main" val="634132662"/>
       </p:ext>
     </p:extLst>
   </p:cSld>
@@ -884,7 +885,7 @@
     </p:spTree>
     <p:extLst>
       <p:ext uri="{BB962C8B-B14F-4D97-AF65-F5344CB8AC3E}">
-        <p14:creationId xmlns:p14="http://schemas.microsoft.com/office/powerpoint/2010/main" val="3494701084"/>
+        <p14:creationId xmlns:p14="http://schemas.microsoft.com/office/powerpoint/2010/main" val="4199056211"/>
       </p:ext>
     </p:extLst>
   </p:cSld>
@@ -964,7 +965,7 @@
     </p:spTree>
     <p:extLst>
       <p:ext uri="{BB962C8B-B14F-4D97-AF65-F5344CB8AC3E}">
-        <p14:creationId xmlns:p14="http://schemas.microsoft.com/office/powerpoint/2010/main" val="3373517316"/>
+        <p14:creationId xmlns:p14="http://schemas.microsoft.com/office/powerpoint/2010/main" val="3494701084"/>
       </p:ext>
     </p:extLst>
   </p:cSld>
@@ -1044,7 +1045,7 @@
     </p:spTree>
     <p:extLst>
       <p:ext uri="{BB962C8B-B14F-4D97-AF65-F5344CB8AC3E}">
-        <p14:creationId xmlns:p14="http://schemas.microsoft.com/office/powerpoint/2010/main" val="1133052663"/>
+        <p14:creationId xmlns:p14="http://schemas.microsoft.com/office/powerpoint/2010/main" val="3373517316"/>
       </p:ext>
     </p:extLst>
   </p:cSld>
@@ -1124,6 +1125,86 @@
     </p:spTree>
     <p:extLst>
       <p:ext uri="{BB962C8B-B14F-4D97-AF65-F5344CB8AC3E}">
+        <p14:creationId xmlns:p14="http://schemas.microsoft.com/office/powerpoint/2010/main" val="1133052663"/>
+      </p:ext>
+    </p:extLst>
+  </p:cSld>
+  <p:clrMapOvr>
+    <a:masterClrMapping/>
+  </p:clrMapOvr>
+</p:notes>
+</file>
+
+<file path=ppt/notesSlides/notesSlide17.xml><?xml version="1.0" encoding="utf-8"?>
+<p:notes xmlns:a="http://schemas.openxmlformats.org/drawingml/2006/main" xmlns:r="http://schemas.openxmlformats.org/officeDocument/2006/relationships" xmlns:p="http://schemas.openxmlformats.org/presentationml/2006/main">
+  <p:cSld>
+    <p:spTree>
+      <p:nvGrpSpPr>
+        <p:cNvPr id="1" name=""/>
+        <p:cNvGrpSpPr/>
+        <p:nvPr/>
+      </p:nvGrpSpPr>
+      <p:grpSpPr>
+        <a:xfrm>
+          <a:off x="0" y="0"/>
+          <a:ext cx="0" cy="0"/>
+          <a:chOff x="0" y="0"/>
+          <a:chExt cx="0" cy="0"/>
+        </a:xfrm>
+      </p:grpSpPr>
+      <p:sp>
+        <p:nvSpPr>
+          <p:cNvPr id="378" name="Shape 378"/>
+          <p:cNvSpPr>
+            <a:spLocks noGrp="1" noRot="1" noChangeAspect="1"/>
+          </p:cNvSpPr>
+          <p:nvPr>
+            <p:ph type="sldImg"/>
+          </p:nvPr>
+        </p:nvSpPr>
+        <p:spPr>
+          <a:xfrm>
+            <a:off x="381000" y="685800"/>
+            <a:ext cx="6096000" cy="3429000"/>
+          </a:xfrm>
+          <a:prstGeom prst="rect">
+            <a:avLst/>
+          </a:prstGeom>
+        </p:spPr>
+        <p:txBody>
+          <a:bodyPr/>
+          <a:lstStyle/>
+          <a:p>
+            <a:endParaRPr dirty="0"/>
+          </a:p>
+        </p:txBody>
+      </p:sp>
+      <p:sp>
+        <p:nvSpPr>
+          <p:cNvPr id="379" name="Shape 379"/>
+          <p:cNvSpPr>
+            <a:spLocks noGrp="1"/>
+          </p:cNvSpPr>
+          <p:nvPr>
+            <p:ph type="body" sz="quarter" idx="1"/>
+          </p:nvPr>
+        </p:nvSpPr>
+        <p:spPr>
+          <a:prstGeom prst="rect">
+            <a:avLst/>
+          </a:prstGeom>
+        </p:spPr>
+        <p:txBody>
+          <a:bodyPr/>
+          <a:lstStyle/>
+          <a:p>
+            <a:endParaRPr dirty="0"/>
+          </a:p>
+        </p:txBody>
+      </p:sp>
+    </p:spTree>
+    <p:extLst>
+      <p:ext uri="{BB962C8B-B14F-4D97-AF65-F5344CB8AC3E}">
         <p14:creationId xmlns:p14="http://schemas.microsoft.com/office/powerpoint/2010/main" val="3597264339"/>
       </p:ext>
     </p:extLst>
@@ -1134,7 +1215,7 @@
 </p:notes>
 </file>
 
-<file path=ppt/notesSlides/notesSlide17.xml><?xml version="1.0" encoding="utf-8"?>
+<file path=ppt/notesSlides/notesSlide18.xml><?xml version="1.0" encoding="utf-8"?>
 <p:notes xmlns:a="http://schemas.openxmlformats.org/drawingml/2006/main" xmlns:r="http://schemas.openxmlformats.org/officeDocument/2006/relationships" xmlns:p="http://schemas.openxmlformats.org/presentationml/2006/main">
   <p:cSld>
     <p:spTree>
@@ -1684,7 +1765,7 @@
     </p:spTree>
     <p:extLst>
       <p:ext uri="{BB962C8B-B14F-4D97-AF65-F5344CB8AC3E}">
-        <p14:creationId xmlns:p14="http://schemas.microsoft.com/office/powerpoint/2010/main" val="2191341808"/>
+        <p14:creationId xmlns:p14="http://schemas.microsoft.com/office/powerpoint/2010/main" val="2823529793"/>
       </p:ext>
     </p:extLst>
   </p:cSld>
@@ -1764,7 +1845,7 @@
     </p:spTree>
     <p:extLst>
       <p:ext uri="{BB962C8B-B14F-4D97-AF65-F5344CB8AC3E}">
-        <p14:creationId xmlns:p14="http://schemas.microsoft.com/office/powerpoint/2010/main" val="503305178"/>
+        <p14:creationId xmlns:p14="http://schemas.microsoft.com/office/powerpoint/2010/main" val="2191341808"/>
       </p:ext>
     </p:extLst>
   </p:cSld>
@@ -1844,7 +1925,7 @@
     </p:spTree>
     <p:extLst>
       <p:ext uri="{BB962C8B-B14F-4D97-AF65-F5344CB8AC3E}">
-        <p14:creationId xmlns:p14="http://schemas.microsoft.com/office/powerpoint/2010/main" val="196318703"/>
+        <p14:creationId xmlns:p14="http://schemas.microsoft.com/office/powerpoint/2010/main" val="503305178"/>
       </p:ext>
     </p:extLst>
   </p:cSld>
@@ -1983,7 +2064,7 @@
           <a:p>
             <a:fld id="{4417404F-2166-4BB4-87AF-2DF1DBD94F21}" type="datetimeFigureOut">
               <a:rPr lang="en-US" smtClean="0"/>
-              <a:t>6/2/2020</a:t>
+              <a:t>6/3/2020</a:t>
             </a:fld>
             <a:endParaRPr lang="en-US" dirty="0"/>
           </a:p>
@@ -2151,7 +2232,7 @@
           <a:p>
             <a:fld id="{4417404F-2166-4BB4-87AF-2DF1DBD94F21}" type="datetimeFigureOut">
               <a:rPr lang="en-US" smtClean="0"/>
-              <a:t>6/2/2020</a:t>
+              <a:t>6/3/2020</a:t>
             </a:fld>
             <a:endParaRPr lang="en-US" dirty="0"/>
           </a:p>
@@ -2329,7 +2410,7 @@
           <a:p>
             <a:fld id="{4417404F-2166-4BB4-87AF-2DF1DBD94F21}" type="datetimeFigureOut">
               <a:rPr lang="en-US" smtClean="0"/>
-              <a:t>6/2/2020</a:t>
+              <a:t>6/3/2020</a:t>
             </a:fld>
             <a:endParaRPr lang="en-US" dirty="0"/>
           </a:p>
@@ -4045,7 +4126,7 @@
           <a:p>
             <a:fld id="{379A628B-A5BE-42DB-8D82-5ACECE545EE2}" type="datetimeFigureOut">
               <a:rPr lang="en-US" smtClean="0"/>
-              <a:t>6/2/2020</a:t>
+              <a:t>6/3/2020</a:t>
             </a:fld>
             <a:endParaRPr lang="en-US" dirty="0"/>
           </a:p>
@@ -4213,7 +4294,7 @@
           <a:p>
             <a:fld id="{379A628B-A5BE-42DB-8D82-5ACECE545EE2}" type="datetimeFigureOut">
               <a:rPr lang="en-US" smtClean="0"/>
-              <a:t>6/2/2020</a:t>
+              <a:t>6/3/2020</a:t>
             </a:fld>
             <a:endParaRPr lang="en-US" dirty="0"/>
           </a:p>
@@ -4458,7 +4539,7 @@
           <a:p>
             <a:fld id="{379A628B-A5BE-42DB-8D82-5ACECE545EE2}" type="datetimeFigureOut">
               <a:rPr lang="en-US" smtClean="0"/>
-              <a:t>6/2/2020</a:t>
+              <a:t>6/3/2020</a:t>
             </a:fld>
             <a:endParaRPr lang="en-US" dirty="0"/>
           </a:p>
@@ -4687,7 +4768,7 @@
           <a:p>
             <a:fld id="{379A628B-A5BE-42DB-8D82-5ACECE545EE2}" type="datetimeFigureOut">
               <a:rPr lang="en-US" smtClean="0"/>
-              <a:t>6/2/2020</a:t>
+              <a:t>6/3/2020</a:t>
             </a:fld>
             <a:endParaRPr lang="en-US" dirty="0"/>
           </a:p>
@@ -5051,7 +5132,7 @@
           <a:p>
             <a:fld id="{379A628B-A5BE-42DB-8D82-5ACECE545EE2}" type="datetimeFigureOut">
               <a:rPr lang="en-US" smtClean="0"/>
-              <a:t>6/2/2020</a:t>
+              <a:t>6/3/2020</a:t>
             </a:fld>
             <a:endParaRPr lang="en-US" dirty="0"/>
           </a:p>
@@ -5168,7 +5249,7 @@
           <a:p>
             <a:fld id="{379A628B-A5BE-42DB-8D82-5ACECE545EE2}" type="datetimeFigureOut">
               <a:rPr lang="en-US" smtClean="0"/>
-              <a:t>6/2/2020</a:t>
+              <a:t>6/3/2020</a:t>
             </a:fld>
             <a:endParaRPr lang="en-US" dirty="0"/>
           </a:p>
@@ -5336,7 +5417,7 @@
           <a:p>
             <a:fld id="{4417404F-2166-4BB4-87AF-2DF1DBD94F21}" type="datetimeFigureOut">
               <a:rPr lang="en-US" smtClean="0"/>
-              <a:t>6/2/2020</a:t>
+              <a:t>6/3/2020</a:t>
             </a:fld>
             <a:endParaRPr lang="en-US" dirty="0"/>
           </a:p>
@@ -5431,7 +5512,7 @@
           <a:p>
             <a:fld id="{379A628B-A5BE-42DB-8D82-5ACECE545EE2}" type="datetimeFigureOut">
               <a:rPr lang="en-US" smtClean="0"/>
-              <a:t>6/2/2020</a:t>
+              <a:t>6/3/2020</a:t>
             </a:fld>
             <a:endParaRPr lang="en-US" dirty="0"/>
           </a:p>
@@ -5706,7 +5787,7 @@
           <a:p>
             <a:fld id="{379A628B-A5BE-42DB-8D82-5ACECE545EE2}" type="datetimeFigureOut">
               <a:rPr lang="en-US" smtClean="0"/>
-              <a:t>6/2/2020</a:t>
+              <a:t>6/3/2020</a:t>
             </a:fld>
             <a:endParaRPr lang="en-US" dirty="0"/>
           </a:p>
@@ -5958,7 +6039,7 @@
           <a:p>
             <a:fld id="{379A628B-A5BE-42DB-8D82-5ACECE545EE2}" type="datetimeFigureOut">
               <a:rPr lang="en-US" smtClean="0"/>
-              <a:t>6/2/2020</a:t>
+              <a:t>6/3/2020</a:t>
             </a:fld>
             <a:endParaRPr lang="en-US" dirty="0"/>
           </a:p>
@@ -6126,7 +6207,7 @@
           <a:p>
             <a:fld id="{379A628B-A5BE-42DB-8D82-5ACECE545EE2}" type="datetimeFigureOut">
               <a:rPr lang="en-US" smtClean="0"/>
-              <a:t>6/2/2020</a:t>
+              <a:t>6/3/2020</a:t>
             </a:fld>
             <a:endParaRPr lang="en-US" dirty="0"/>
           </a:p>
@@ -6304,7 +6385,7 @@
           <a:p>
             <a:fld id="{379A628B-A5BE-42DB-8D82-5ACECE545EE2}" type="datetimeFigureOut">
               <a:rPr lang="en-US" smtClean="0"/>
-              <a:t>6/2/2020</a:t>
+              <a:t>6/3/2020</a:t>
             </a:fld>
             <a:endParaRPr lang="en-US" dirty="0"/>
           </a:p>
@@ -10700,7 +10781,7 @@
           <a:p>
             <a:fld id="{4417404F-2166-4BB4-87AF-2DF1DBD94F21}" type="datetimeFigureOut">
               <a:rPr lang="en-US" smtClean="0"/>
-              <a:t>6/2/2020</a:t>
+              <a:t>6/3/2020</a:t>
             </a:fld>
             <a:endParaRPr lang="en-US" dirty="0"/>
           </a:p>
@@ -12112,7 +12193,7 @@
           <a:p>
             <a:fld id="{4417404F-2166-4BB4-87AF-2DF1DBD94F21}" type="datetimeFigureOut">
               <a:rPr lang="en-US" smtClean="0"/>
-              <a:t>6/2/2020</a:t>
+              <a:t>6/3/2020</a:t>
             </a:fld>
             <a:endParaRPr lang="en-US" dirty="0"/>
           </a:p>
@@ -12476,7 +12557,7 @@
           <a:p>
             <a:fld id="{4417404F-2166-4BB4-87AF-2DF1DBD94F21}" type="datetimeFigureOut">
               <a:rPr lang="en-US" smtClean="0"/>
-              <a:t>6/2/2020</a:t>
+              <a:t>6/3/2020</a:t>
             </a:fld>
             <a:endParaRPr lang="en-US" dirty="0"/>
           </a:p>
@@ -12593,7 +12674,7 @@
           <a:p>
             <a:fld id="{4417404F-2166-4BB4-87AF-2DF1DBD94F21}" type="datetimeFigureOut">
               <a:rPr lang="en-US" smtClean="0"/>
-              <a:t>6/2/2020</a:t>
+              <a:t>6/3/2020</a:t>
             </a:fld>
             <a:endParaRPr lang="en-US" dirty="0"/>
           </a:p>
@@ -12688,7 +12769,7 @@
           <a:p>
             <a:fld id="{4417404F-2166-4BB4-87AF-2DF1DBD94F21}" type="datetimeFigureOut">
               <a:rPr lang="en-US" smtClean="0"/>
-              <a:t>6/2/2020</a:t>
+              <a:t>6/3/2020</a:t>
             </a:fld>
             <a:endParaRPr lang="en-US" dirty="0"/>
           </a:p>
@@ -12963,7 +13044,7 @@
           <a:p>
             <a:fld id="{4417404F-2166-4BB4-87AF-2DF1DBD94F21}" type="datetimeFigureOut">
               <a:rPr lang="en-US" smtClean="0"/>
-              <a:t>6/2/2020</a:t>
+              <a:t>6/3/2020</a:t>
             </a:fld>
             <a:endParaRPr lang="en-US" dirty="0"/>
           </a:p>
@@ -13215,7 +13296,7 @@
           <a:p>
             <a:fld id="{4417404F-2166-4BB4-87AF-2DF1DBD94F21}" type="datetimeFigureOut">
               <a:rPr lang="en-US" smtClean="0"/>
-              <a:t>6/2/2020</a:t>
+              <a:t>6/3/2020</a:t>
             </a:fld>
             <a:endParaRPr lang="en-US" dirty="0"/>
           </a:p>
@@ -13426,7 +13507,7 @@
           <a:p>
             <a:fld id="{4417404F-2166-4BB4-87AF-2DF1DBD94F21}" type="datetimeFigureOut">
               <a:rPr lang="en-US" smtClean="0"/>
-              <a:t>6/2/2020</a:t>
+              <a:t>6/3/2020</a:t>
             </a:fld>
             <a:endParaRPr lang="en-US" dirty="0"/>
           </a:p>
@@ -13966,7 +14047,7 @@
           <a:p>
             <a:fld id="{379A628B-A5BE-42DB-8D82-5ACECE545EE2}" type="datetimeFigureOut">
               <a:rPr lang="en-US" smtClean="0"/>
-              <a:t>6/2/2020</a:t>
+              <a:t>6/3/2020</a:t>
             </a:fld>
             <a:endParaRPr lang="en-US" dirty="0"/>
           </a:p>
@@ -15086,12 +15167,12 @@
         <p:spPr>
           <a:xfrm>
             <a:off x="183464" y="804333"/>
-            <a:ext cx="11744612" cy="5651885"/>
+            <a:ext cx="11744612" cy="5853315"/>
           </a:xfrm>
         </p:spPr>
         <p:txBody>
           <a:bodyPr>
-            <a:normAutofit/>
+            <a:normAutofit fontScale="92500" lnSpcReduction="20000"/>
           </a:bodyPr>
           <a:lstStyle/>
           <a:p>
@@ -15173,6 +15254,94 @@
               </a:rPr>
               <a:t>outlook-connector</a:t>
             </a:r>
+          </a:p>
+          <a:p>
+            <a:pPr marL="873563" lvl="1" indent="-285750">
+              <a:buFontTx/>
+              <a:buChar char="-"/>
+            </a:pPr>
+            <a:endParaRPr lang="en-US" b="1" dirty="0">
+              <a:solidFill>
+                <a:srgbClr val="007DC3"/>
+              </a:solidFill>
+              <a:latin typeface="+mn-lt"/>
+            </a:endParaRPr>
+          </a:p>
+          <a:p>
+            <a:pPr marL="587813" lvl="1" indent="0">
+              <a:buNone/>
+            </a:pPr>
+            <a:r>
+              <a:rPr lang="en-US" dirty="0">
+                <a:solidFill>
+                  <a:srgbClr val="007DC3"/>
+                </a:solidFill>
+                <a:highlight>
+                  <a:srgbClr val="FFFF00"/>
+                </a:highlight>
+                <a:latin typeface="+mn-lt"/>
+              </a:rPr>
+              <a:t>In the below screenshot we are searching for keyword which is parameterized (Certification/Award/Appreciation etc.. and moving that mails to icount application under relevant goal category, if the category is not part of goals then under additional documents section the mails would be uploaded.</a:t>
+            </a:r>
+          </a:p>
+          <a:p>
+            <a:pPr marL="587813" lvl="1" indent="0">
+              <a:buNone/>
+            </a:pPr>
+            <a:endParaRPr lang="en-US" b="1" dirty="0">
+              <a:solidFill>
+                <a:srgbClr val="007DC3"/>
+              </a:solidFill>
+              <a:latin typeface="+mn-lt"/>
+            </a:endParaRPr>
+          </a:p>
+          <a:p>
+            <a:pPr marL="873563" lvl="1" indent="-285750">
+              <a:buFontTx/>
+              <a:buChar char="-"/>
+            </a:pPr>
+            <a:endParaRPr lang="en-US" b="1" dirty="0">
+              <a:solidFill>
+                <a:srgbClr val="007DC3"/>
+              </a:solidFill>
+              <a:latin typeface="+mn-lt"/>
+            </a:endParaRPr>
+          </a:p>
+          <a:p>
+            <a:pPr marL="873563" lvl="1" indent="-285750">
+              <a:buFontTx/>
+              <a:buChar char="-"/>
+            </a:pPr>
+            <a:endParaRPr lang="en-US" b="1" dirty="0">
+              <a:solidFill>
+                <a:srgbClr val="007DC3"/>
+              </a:solidFill>
+              <a:latin typeface="+mn-lt"/>
+            </a:endParaRPr>
+          </a:p>
+          <a:p>
+            <a:pPr marL="873563" lvl="1" indent="-285750">
+              <a:buFontTx/>
+              <a:buChar char="-"/>
+            </a:pPr>
+            <a:endParaRPr lang="en-US" b="1" dirty="0">
+              <a:solidFill>
+                <a:srgbClr val="007DC3"/>
+              </a:solidFill>
+              <a:latin typeface="+mn-lt"/>
+            </a:endParaRPr>
+          </a:p>
+          <a:p>
+            <a:pPr marL="873563" lvl="1" indent="-285750">
+              <a:buFontTx/>
+              <a:buChar char="-"/>
+            </a:pPr>
+            <a:endParaRPr lang="en-US" b="1" dirty="0">
+              <a:solidFill>
+                <a:srgbClr val="007DC3"/>
+              </a:solidFill>
+              <a:latin typeface="+mn-lt"/>
+            </a:endParaRPr>
           </a:p>
           <a:p>
             <a:pPr marL="587813" lvl="1" indent="0">
@@ -15480,7 +15649,7 @@
         </p:blipFill>
         <p:spPr>
           <a:xfrm>
-            <a:off x="798314" y="2126472"/>
+            <a:off x="758084" y="2843924"/>
             <a:ext cx="10595372" cy="3311120"/>
           </a:xfrm>
           <a:prstGeom prst="rect">
@@ -15553,6 +15722,421 @@
                 <a:latin typeface="+mn-lt"/>
                 <a:sym typeface="Calibri"/>
               </a:rPr>
+              <a:t>Technical Solution – Contd..</a:t>
+            </a:r>
+          </a:p>
+        </p:txBody>
+      </p:sp>
+      <p:sp>
+        <p:nvSpPr>
+          <p:cNvPr id="2" name="Text Placeholder 1"/>
+          <p:cNvSpPr>
+            <a:spLocks noGrp="1"/>
+          </p:cNvSpPr>
+          <p:nvPr>
+            <p:ph type="body" sz="quarter" idx="10"/>
+          </p:nvPr>
+        </p:nvSpPr>
+        <p:spPr>
+          <a:xfrm>
+            <a:off x="183464" y="956603"/>
+            <a:ext cx="11744612" cy="5499615"/>
+          </a:xfrm>
+        </p:spPr>
+        <p:txBody>
+          <a:bodyPr>
+            <a:normAutofit/>
+          </a:bodyPr>
+          <a:lstStyle/>
+          <a:p>
+            <a:pPr marL="587813" lvl="1" indent="0">
+              <a:buNone/>
+            </a:pPr>
+            <a:r>
+              <a:rPr lang="en-US" b="1" dirty="0">
+                <a:solidFill>
+                  <a:srgbClr val="007DC3"/>
+                </a:solidFill>
+                <a:highlight>
+                  <a:srgbClr val="FFFF00"/>
+                </a:highlight>
+              </a:rPr>
+              <a:t>In the below screenshot we are searching for keyword which is parameterized (Certification/Award/Appreciation etc.. and moving that mails to icount application under relevant goal category, if the category is not part of goals then under additional documents section the mails would be uploaded.</a:t>
+            </a:r>
+          </a:p>
+          <a:p>
+            <a:pPr marL="587813" lvl="1" indent="0">
+              <a:buNone/>
+            </a:pPr>
+            <a:endParaRPr lang="en-US" dirty="0">
+              <a:solidFill>
+                <a:srgbClr val="007DC3"/>
+              </a:solidFill>
+              <a:latin typeface="+mn-lt"/>
+            </a:endParaRPr>
+          </a:p>
+          <a:p>
+            <a:pPr marL="587813" lvl="1" indent="0">
+              <a:buNone/>
+            </a:pPr>
+            <a:r>
+              <a:rPr lang="en-US" dirty="0">
+                <a:solidFill>
+                  <a:srgbClr val="007DC3"/>
+                </a:solidFill>
+                <a:latin typeface="+mn-lt"/>
+              </a:rPr>
+              <a:t>In the screenshot below we are moving mails with Certification keyword.</a:t>
+            </a:r>
+          </a:p>
+          <a:p>
+            <a:pPr marL="587813" lvl="1" indent="0">
+              <a:buNone/>
+            </a:pPr>
+            <a:endParaRPr lang="en-US" dirty="0">
+              <a:solidFill>
+                <a:srgbClr val="007DC3"/>
+              </a:solidFill>
+              <a:latin typeface="+mn-lt"/>
+            </a:endParaRPr>
+          </a:p>
+          <a:p>
+            <a:pPr marL="770693" lvl="1" indent="-182880"/>
+            <a:endParaRPr lang="en-US" dirty="0">
+              <a:solidFill>
+                <a:srgbClr val="007DC3"/>
+              </a:solidFill>
+              <a:latin typeface="+mn-lt"/>
+            </a:endParaRPr>
+          </a:p>
+          <a:p>
+            <a:pPr marL="770693" lvl="1" indent="-182880"/>
+            <a:endParaRPr lang="en-US" dirty="0">
+              <a:solidFill>
+                <a:srgbClr val="007DC3"/>
+              </a:solidFill>
+              <a:latin typeface="+mn-lt"/>
+            </a:endParaRPr>
+          </a:p>
+          <a:p>
+            <a:pPr marL="770693" lvl="1" indent="-182880"/>
+            <a:endParaRPr lang="en-US" dirty="0">
+              <a:solidFill>
+                <a:srgbClr val="007DC3"/>
+              </a:solidFill>
+              <a:latin typeface="+mn-lt"/>
+            </a:endParaRPr>
+          </a:p>
+          <a:p>
+            <a:pPr marL="770693" lvl="1" indent="-182880"/>
+            <a:endParaRPr lang="en-US" dirty="0">
+              <a:solidFill>
+                <a:srgbClr val="007DC3"/>
+              </a:solidFill>
+              <a:latin typeface="+mn-lt"/>
+            </a:endParaRPr>
+          </a:p>
+          <a:p>
+            <a:pPr marL="770693" lvl="1" indent="-182880"/>
+            <a:endParaRPr lang="en-US" dirty="0">
+              <a:solidFill>
+                <a:srgbClr val="007DC3"/>
+              </a:solidFill>
+              <a:latin typeface="+mn-lt"/>
+            </a:endParaRPr>
+          </a:p>
+          <a:p>
+            <a:pPr marL="770693" lvl="1" indent="-182880"/>
+            <a:endParaRPr lang="en-US" dirty="0">
+              <a:solidFill>
+                <a:srgbClr val="007DC3"/>
+              </a:solidFill>
+              <a:latin typeface="+mn-lt"/>
+            </a:endParaRPr>
+          </a:p>
+          <a:p>
+            <a:pPr marL="770693" lvl="1" indent="-182880"/>
+            <a:endParaRPr lang="en-US" dirty="0">
+              <a:solidFill>
+                <a:srgbClr val="007DC3"/>
+              </a:solidFill>
+              <a:latin typeface="+mn-lt"/>
+            </a:endParaRPr>
+          </a:p>
+          <a:p>
+            <a:pPr marL="770693" lvl="1" indent="-182880"/>
+            <a:endParaRPr lang="en-US" dirty="0">
+              <a:solidFill>
+                <a:srgbClr val="007DC3"/>
+              </a:solidFill>
+              <a:latin typeface="+mn-lt"/>
+            </a:endParaRPr>
+          </a:p>
+          <a:p>
+            <a:pPr marL="770693" lvl="1" indent="-182880"/>
+            <a:endParaRPr lang="en-US" dirty="0">
+              <a:solidFill>
+                <a:srgbClr val="007DC3"/>
+              </a:solidFill>
+              <a:latin typeface="+mn-lt"/>
+            </a:endParaRPr>
+          </a:p>
+          <a:p>
+            <a:pPr marL="770693" lvl="1" indent="-182880"/>
+            <a:endParaRPr lang="en-US" dirty="0">
+              <a:solidFill>
+                <a:srgbClr val="007DC3"/>
+              </a:solidFill>
+              <a:latin typeface="+mn-lt"/>
+            </a:endParaRPr>
+          </a:p>
+          <a:p>
+            <a:pPr marL="587813" lvl="1" indent="0">
+              <a:buNone/>
+            </a:pPr>
+            <a:r>
+              <a:rPr lang="en-US" dirty="0">
+                <a:solidFill>
+                  <a:srgbClr val="007DC3"/>
+                </a:solidFill>
+                <a:latin typeface="+mn-lt"/>
+              </a:rPr>
+              <a:t>- Appreciation and Feedback can be captured using UI as well. The links will be shared via </a:t>
+            </a:r>
+            <a:r>
+              <a:rPr lang="en-US" dirty="0" err="1">
+                <a:solidFill>
+                  <a:srgbClr val="007DC3"/>
+                </a:solidFill>
+                <a:latin typeface="+mn-lt"/>
+              </a:rPr>
+              <a:t>todo</a:t>
+            </a:r>
+            <a:r>
+              <a:rPr lang="en-US" dirty="0">
+                <a:solidFill>
+                  <a:srgbClr val="007DC3"/>
+                </a:solidFill>
+                <a:latin typeface="+mn-lt"/>
+              </a:rPr>
+              <a:t>-notification emails.</a:t>
+            </a:r>
+          </a:p>
+          <a:p>
+            <a:pPr marL="770693" lvl="1" indent="-182880"/>
+            <a:endParaRPr lang="en-US" dirty="0">
+              <a:solidFill>
+                <a:srgbClr val="007DC3"/>
+              </a:solidFill>
+              <a:latin typeface="+mn-lt"/>
+            </a:endParaRPr>
+          </a:p>
+          <a:p>
+            <a:pPr marL="770693" lvl="1" indent="-182880"/>
+            <a:endParaRPr lang="en-US" dirty="0">
+              <a:solidFill>
+                <a:srgbClr val="007DC3"/>
+              </a:solidFill>
+              <a:latin typeface="+mn-lt"/>
+            </a:endParaRPr>
+          </a:p>
+          <a:p>
+            <a:pPr marL="770693" lvl="1" indent="-182880"/>
+            <a:endParaRPr lang="en-US" dirty="0">
+              <a:solidFill>
+                <a:srgbClr val="007DC3"/>
+              </a:solidFill>
+              <a:latin typeface="+mn-lt"/>
+            </a:endParaRPr>
+          </a:p>
+          <a:p>
+            <a:pPr marL="770693" lvl="1" indent="-182880"/>
+            <a:endParaRPr lang="en-US" dirty="0">
+              <a:solidFill>
+                <a:srgbClr val="007DC3"/>
+              </a:solidFill>
+              <a:latin typeface="+mn-lt"/>
+            </a:endParaRPr>
+          </a:p>
+          <a:p>
+            <a:pPr marL="770693" lvl="1" indent="-182880"/>
+            <a:endParaRPr lang="en-US" dirty="0">
+              <a:solidFill>
+                <a:srgbClr val="007DC3"/>
+              </a:solidFill>
+              <a:latin typeface="+mn-lt"/>
+            </a:endParaRPr>
+          </a:p>
+          <a:p>
+            <a:pPr marL="770693" lvl="1" indent="-182880"/>
+            <a:endParaRPr lang="en-US" dirty="0">
+              <a:solidFill>
+                <a:srgbClr val="007DC3"/>
+              </a:solidFill>
+              <a:latin typeface="+mn-lt"/>
+            </a:endParaRPr>
+          </a:p>
+          <a:p>
+            <a:pPr marL="770693" lvl="1" indent="-182880"/>
+            <a:endParaRPr lang="en-US" dirty="0">
+              <a:solidFill>
+                <a:srgbClr val="007DC3"/>
+              </a:solidFill>
+              <a:latin typeface="+mn-lt"/>
+            </a:endParaRPr>
+          </a:p>
+          <a:p>
+            <a:pPr marL="770693" lvl="1" indent="-182880"/>
+            <a:endParaRPr lang="en-US" dirty="0">
+              <a:solidFill>
+                <a:srgbClr val="007DC3"/>
+              </a:solidFill>
+              <a:latin typeface="+mn-lt"/>
+            </a:endParaRPr>
+          </a:p>
+          <a:p>
+            <a:pPr marL="770693" lvl="1" indent="-182880"/>
+            <a:endParaRPr lang="en-US" dirty="0">
+              <a:solidFill>
+                <a:srgbClr val="007DC3"/>
+              </a:solidFill>
+              <a:latin typeface="+mn-lt"/>
+            </a:endParaRPr>
+          </a:p>
+          <a:p>
+            <a:pPr marL="770693" lvl="1" indent="-182880"/>
+            <a:endParaRPr lang="en-US" dirty="0">
+              <a:solidFill>
+                <a:srgbClr val="007DC3"/>
+              </a:solidFill>
+              <a:latin typeface="+mn-lt"/>
+            </a:endParaRPr>
+          </a:p>
+          <a:p>
+            <a:pPr marL="770693" lvl="1" indent="-182880"/>
+            <a:endParaRPr lang="en-US" dirty="0">
+              <a:solidFill>
+                <a:srgbClr val="007DC3"/>
+              </a:solidFill>
+              <a:latin typeface="+mn-lt"/>
+            </a:endParaRPr>
+          </a:p>
+          <a:p>
+            <a:pPr marL="0" indent="0">
+              <a:buNone/>
+            </a:pPr>
+            <a:endParaRPr lang="en-US" sz="1600" dirty="0">
+              <a:solidFill>
+                <a:srgbClr val="007DC3"/>
+              </a:solidFill>
+              <a:latin typeface="+mn-lt"/>
+            </a:endParaRPr>
+          </a:p>
+          <a:p>
+            <a:pPr marL="0" indent="0">
+              <a:buNone/>
+            </a:pPr>
+            <a:endParaRPr lang="en-US" sz="1600" dirty="0">
+              <a:solidFill>
+                <a:srgbClr val="007DC3"/>
+              </a:solidFill>
+              <a:latin typeface="+mn-lt"/>
+            </a:endParaRPr>
+          </a:p>
+          <a:p>
+            <a:pPr marL="0" indent="0">
+              <a:buNone/>
+            </a:pPr>
+            <a:endParaRPr lang="en-US" sz="1600" dirty="0">
+              <a:solidFill>
+                <a:srgbClr val="007DC3"/>
+              </a:solidFill>
+              <a:latin typeface="+mn-lt"/>
+            </a:endParaRPr>
+          </a:p>
+        </p:txBody>
+      </p:sp>
+      <p:pic>
+        <p:nvPicPr>
+          <p:cNvPr id="3" name="Picture 2">
+            <a:extLst>
+              <a:ext uri="{FF2B5EF4-FFF2-40B4-BE49-F238E27FC236}">
+                <a16:creationId xmlns:a16="http://schemas.microsoft.com/office/drawing/2014/main" id="{5084AF2D-8EC8-4F96-A0E9-B9F8F6605366}"/>
+              </a:ext>
+            </a:extLst>
+          </p:cNvPr>
+          <p:cNvPicPr>
+            <a:picLocks noChangeAspect="1"/>
+          </p:cNvPicPr>
+          <p:nvPr/>
+        </p:nvPicPr>
+        <p:blipFill>
+          <a:blip r:embed="rId3"/>
+          <a:stretch>
+            <a:fillRect/>
+          </a:stretch>
+        </p:blipFill>
+        <p:spPr>
+          <a:xfrm>
+            <a:off x="869853" y="2299116"/>
+            <a:ext cx="10890738" cy="4309372"/>
+          </a:xfrm>
+          <a:prstGeom prst="rect">
+            <a:avLst/>
+          </a:prstGeom>
+        </p:spPr>
+      </p:pic>
+    </p:spTree>
+    <p:extLst>
+      <p:ext uri="{BB962C8B-B14F-4D97-AF65-F5344CB8AC3E}">
+        <p14:creationId xmlns:p14="http://schemas.microsoft.com/office/powerpoint/2010/main" val="3222964644"/>
+      </p:ext>
+    </p:extLst>
+  </p:cSld>
+  <p:clrMapOvr>
+    <a:masterClrMapping/>
+  </p:clrMapOvr>
+  <p:transition spd="med"/>
+</p:sld>
+</file>
+
+<file path=ppt/slides/slide14.xml><?xml version="1.0" encoding="utf-8"?>
+<p:sld xmlns:a="http://schemas.openxmlformats.org/drawingml/2006/main" xmlns:r="http://schemas.openxmlformats.org/officeDocument/2006/relationships" xmlns:p="http://schemas.openxmlformats.org/presentationml/2006/main">
+  <p:cSld>
+    <p:spTree>
+      <p:nvGrpSpPr>
+        <p:cNvPr id="1" name=""/>
+        <p:cNvGrpSpPr/>
+        <p:nvPr/>
+      </p:nvGrpSpPr>
+      <p:grpSpPr>
+        <a:xfrm>
+          <a:off x="0" y="0"/>
+          <a:ext cx="0" cy="0"/>
+          <a:chOff x="0" y="0"/>
+          <a:chExt cx="0" cy="0"/>
+        </a:xfrm>
+      </p:grpSpPr>
+      <p:sp>
+        <p:nvSpPr>
+          <p:cNvPr id="374" name="Shape 374"/>
+          <p:cNvSpPr>
+            <a:spLocks noGrp="1"/>
+          </p:cNvSpPr>
+          <p:nvPr>
+            <p:ph type="title"/>
+          </p:nvPr>
+        </p:nvSpPr>
+        <p:spPr/>
+        <p:txBody>
+          <a:bodyPr/>
+          <a:lstStyle/>
+          <a:p>
+            <a:r>
+              <a:rPr lang="en-US" sz="2700" dirty="0">
+                <a:latin typeface="+mn-lt"/>
+                <a:sym typeface="Calibri"/>
+              </a:rPr>
               <a:t>Technical Solution Continued…</a:t>
             </a:r>
           </a:p>
@@ -16309,7 +16893,7 @@
 </p:sld>
 </file>
 
-<file path=ppt/slides/slide14.xml><?xml version="1.0" encoding="utf-8"?>
+<file path=ppt/slides/slide15.xml><?xml version="1.0" encoding="utf-8"?>
 <p:sld xmlns:a="http://schemas.openxmlformats.org/drawingml/2006/main" xmlns:r="http://schemas.openxmlformats.org/officeDocument/2006/relationships" xmlns:p="http://schemas.openxmlformats.org/presentationml/2006/main">
   <p:cSld>
     <p:spTree>
@@ -16665,7 +17249,7 @@
 </p:sld>
 </file>
 
-<file path=ppt/slides/slide15.xml><?xml version="1.0" encoding="utf-8"?>
+<file path=ppt/slides/slide16.xml><?xml version="1.0" encoding="utf-8"?>
 <p:sld xmlns:a="http://schemas.openxmlformats.org/drawingml/2006/main" xmlns:r="http://schemas.openxmlformats.org/officeDocument/2006/relationships" xmlns:p="http://schemas.openxmlformats.org/presentationml/2006/main">
   <p:cSld>
     <p:bg>
@@ -17126,7 +17710,7 @@
 </p:sld>
 </file>
 
-<file path=ppt/slides/slide16.xml><?xml version="1.0" encoding="utf-8"?>
+<file path=ppt/slides/slide17.xml><?xml version="1.0" encoding="utf-8"?>
 <p:sld xmlns:a="http://schemas.openxmlformats.org/drawingml/2006/main" xmlns:r="http://schemas.openxmlformats.org/officeDocument/2006/relationships" xmlns:p="http://schemas.openxmlformats.org/presentationml/2006/main">
   <p:cSld>
     <p:spTree>
@@ -17648,7 +18232,7 @@
 </p:sld>
 </file>
 
-<file path=ppt/slides/slide17.xml><?xml version="1.0" encoding="utf-8"?>
+<file path=ppt/slides/slide18.xml><?xml version="1.0" encoding="utf-8"?>
 <p:sld xmlns:a="http://schemas.openxmlformats.org/drawingml/2006/main" xmlns:r="http://schemas.openxmlformats.org/officeDocument/2006/relationships" xmlns:p="http://schemas.openxmlformats.org/presentationml/2006/main">
   <p:cSld>
     <p:spTree>
@@ -18134,7 +18718,7 @@
 </p:sld>
 </file>
 
-<file path=ppt/slides/slide18.xml><?xml version="1.0" encoding="utf-8"?>
+<file path=ppt/slides/slide19.xml><?xml version="1.0" encoding="utf-8"?>
 <p:sld xmlns:a="http://schemas.openxmlformats.org/drawingml/2006/main" xmlns:r="http://schemas.openxmlformats.org/officeDocument/2006/relationships" xmlns:p="http://schemas.openxmlformats.org/presentationml/2006/main">
   <p:cSld>
     <p:spTree>
@@ -18546,433 +19130,6 @@
     <p:extLst>
       <p:ext uri="{BB962C8B-B14F-4D97-AF65-F5344CB8AC3E}">
         <p14:creationId xmlns:p14="http://schemas.microsoft.com/office/powerpoint/2010/main" val="683306777"/>
-      </p:ext>
-    </p:extLst>
-  </p:cSld>
-  <p:clrMapOvr>
-    <a:masterClrMapping/>
-  </p:clrMapOvr>
-  <p:transition spd="med"/>
-</p:sld>
-</file>
-
-<file path=ppt/slides/slide19.xml><?xml version="1.0" encoding="utf-8"?>
-<p:sld xmlns:a="http://schemas.openxmlformats.org/drawingml/2006/main" xmlns:r="http://schemas.openxmlformats.org/officeDocument/2006/relationships" xmlns:p="http://schemas.openxmlformats.org/presentationml/2006/main">
-  <p:cSld>
-    <p:spTree>
-      <p:nvGrpSpPr>
-        <p:cNvPr id="1" name=""/>
-        <p:cNvGrpSpPr/>
-        <p:nvPr/>
-      </p:nvGrpSpPr>
-      <p:grpSpPr>
-        <a:xfrm>
-          <a:off x="0" y="0"/>
-          <a:ext cx="0" cy="0"/>
-          <a:chOff x="0" y="0"/>
-          <a:chExt cx="0" cy="0"/>
-        </a:xfrm>
-      </p:grpSpPr>
-      <p:sp>
-        <p:nvSpPr>
-          <p:cNvPr id="374" name="Shape 374"/>
-          <p:cNvSpPr>
-            <a:spLocks noGrp="1"/>
-          </p:cNvSpPr>
-          <p:nvPr>
-            <p:ph type="title"/>
-          </p:nvPr>
-        </p:nvSpPr>
-        <p:spPr>
-          <a:xfrm>
-            <a:off x="263924" y="0"/>
-            <a:ext cx="11630733" cy="401781"/>
-          </a:xfrm>
-        </p:spPr>
-        <p:txBody>
-          <a:bodyPr/>
-          <a:lstStyle/>
-          <a:p>
-            <a:r>
-              <a:rPr lang="en-US" sz="2700" dirty="0">
-                <a:latin typeface="+mn-lt"/>
-                <a:sym typeface="Calibri"/>
-              </a:rPr>
-              <a:t>Technical Solution Continued…</a:t>
-            </a:r>
-          </a:p>
-        </p:txBody>
-      </p:sp>
-      <p:sp>
-        <p:nvSpPr>
-          <p:cNvPr id="2" name="Text Placeholder 1"/>
-          <p:cNvSpPr>
-            <a:spLocks noGrp="1"/>
-          </p:cNvSpPr>
-          <p:nvPr>
-            <p:ph type="body" sz="quarter" idx="10"/>
-          </p:nvPr>
-        </p:nvSpPr>
-        <p:spPr>
-          <a:xfrm>
-            <a:off x="263924" y="512618"/>
-            <a:ext cx="11664152" cy="5943601"/>
-          </a:xfrm>
-        </p:spPr>
-        <p:txBody>
-          <a:bodyPr>
-            <a:normAutofit/>
-          </a:bodyPr>
-          <a:lstStyle/>
-          <a:p>
-            <a:pPr marL="587813" lvl="1" indent="0">
-              <a:buNone/>
-            </a:pPr>
-            <a:r>
-              <a:rPr lang="en-US" sz="1800" dirty="0">
-                <a:solidFill>
-                  <a:srgbClr val="002060"/>
-                </a:solidFill>
-              </a:rPr>
-              <a:t>Leadership/Velocity dashboard is visible to the reviewers</a:t>
-            </a:r>
-          </a:p>
-          <a:p>
-            <a:pPr marL="587813" lvl="1" indent="0">
-              <a:buNone/>
-            </a:pPr>
-            <a:endParaRPr lang="en-US" dirty="0"/>
-          </a:p>
-          <a:p>
-            <a:pPr marL="587813" lvl="1" indent="0">
-              <a:buNone/>
-            </a:pPr>
-            <a:r>
-              <a:rPr lang="en-US" dirty="0"/>
-              <a:t> </a:t>
-            </a:r>
-          </a:p>
-          <a:p>
-            <a:pPr marL="587813" lvl="1" indent="0">
-              <a:buNone/>
-            </a:pPr>
-            <a:endParaRPr lang="en-US" dirty="0">
-              <a:solidFill>
-                <a:srgbClr val="007DC3"/>
-              </a:solidFill>
-            </a:endParaRPr>
-          </a:p>
-          <a:p>
-            <a:pPr marL="587813" lvl="1" indent="0">
-              <a:buNone/>
-            </a:pPr>
-            <a:endParaRPr lang="en-US" dirty="0">
-              <a:solidFill>
-                <a:srgbClr val="007DC3"/>
-              </a:solidFill>
-            </a:endParaRPr>
-          </a:p>
-          <a:p>
-            <a:pPr marL="587813" lvl="1" indent="0">
-              <a:buNone/>
-            </a:pPr>
-            <a:endParaRPr lang="en-US" dirty="0">
-              <a:solidFill>
-                <a:srgbClr val="007DC3"/>
-              </a:solidFill>
-            </a:endParaRPr>
-          </a:p>
-          <a:p>
-            <a:pPr marL="587813" lvl="1" indent="0">
-              <a:buNone/>
-            </a:pPr>
-            <a:endParaRPr lang="en-US" dirty="0">
-              <a:solidFill>
-                <a:srgbClr val="007DC3"/>
-              </a:solidFill>
-              <a:latin typeface="+mn-lt"/>
-            </a:endParaRPr>
-          </a:p>
-          <a:p>
-            <a:pPr marL="587813" lvl="1" indent="0">
-              <a:buNone/>
-            </a:pPr>
-            <a:endParaRPr lang="en-US" dirty="0">
-              <a:solidFill>
-                <a:srgbClr val="007DC3"/>
-              </a:solidFill>
-              <a:latin typeface="+mn-lt"/>
-            </a:endParaRPr>
-          </a:p>
-          <a:p>
-            <a:pPr marL="770693" lvl="1" indent="-182880"/>
-            <a:endParaRPr lang="en-US" dirty="0">
-              <a:solidFill>
-                <a:srgbClr val="007DC3"/>
-              </a:solidFill>
-              <a:latin typeface="+mn-lt"/>
-            </a:endParaRPr>
-          </a:p>
-          <a:p>
-            <a:pPr marL="770693" lvl="1" indent="-182880"/>
-            <a:endParaRPr lang="en-US" dirty="0">
-              <a:solidFill>
-                <a:srgbClr val="007DC3"/>
-              </a:solidFill>
-              <a:latin typeface="+mn-lt"/>
-            </a:endParaRPr>
-          </a:p>
-          <a:p>
-            <a:pPr marL="770693" lvl="1" indent="-182880"/>
-            <a:endParaRPr lang="en-US" dirty="0">
-              <a:solidFill>
-                <a:srgbClr val="007DC3"/>
-              </a:solidFill>
-              <a:latin typeface="+mn-lt"/>
-            </a:endParaRPr>
-          </a:p>
-          <a:p>
-            <a:pPr marL="770693" lvl="1" indent="-182880"/>
-            <a:endParaRPr lang="en-US" dirty="0">
-              <a:solidFill>
-                <a:srgbClr val="007DC3"/>
-              </a:solidFill>
-              <a:latin typeface="+mn-lt"/>
-            </a:endParaRPr>
-          </a:p>
-          <a:p>
-            <a:pPr marL="770693" lvl="1" indent="-182880"/>
-            <a:endParaRPr lang="en-US" dirty="0">
-              <a:solidFill>
-                <a:srgbClr val="007DC3"/>
-              </a:solidFill>
-              <a:latin typeface="+mn-lt"/>
-            </a:endParaRPr>
-          </a:p>
-          <a:p>
-            <a:pPr marL="770693" lvl="1" indent="-182880"/>
-            <a:endParaRPr lang="en-US" dirty="0">
-              <a:solidFill>
-                <a:srgbClr val="007DC3"/>
-              </a:solidFill>
-              <a:latin typeface="+mn-lt"/>
-            </a:endParaRPr>
-          </a:p>
-          <a:p>
-            <a:pPr marL="770693" lvl="1" indent="-182880"/>
-            <a:endParaRPr lang="en-US" dirty="0">
-              <a:solidFill>
-                <a:srgbClr val="007DC3"/>
-              </a:solidFill>
-              <a:latin typeface="+mn-lt"/>
-            </a:endParaRPr>
-          </a:p>
-          <a:p>
-            <a:pPr marL="770693" lvl="1" indent="-182880"/>
-            <a:endParaRPr lang="en-US" dirty="0">
-              <a:solidFill>
-                <a:srgbClr val="007DC3"/>
-              </a:solidFill>
-              <a:latin typeface="+mn-lt"/>
-            </a:endParaRPr>
-          </a:p>
-          <a:p>
-            <a:pPr marL="770693" lvl="1" indent="-182880"/>
-            <a:endParaRPr lang="en-US" dirty="0">
-              <a:solidFill>
-                <a:srgbClr val="007DC3"/>
-              </a:solidFill>
-              <a:latin typeface="+mn-lt"/>
-            </a:endParaRPr>
-          </a:p>
-          <a:p>
-            <a:pPr marL="770693" lvl="1" indent="-182880"/>
-            <a:endParaRPr lang="en-US" dirty="0">
-              <a:solidFill>
-                <a:srgbClr val="007DC3"/>
-              </a:solidFill>
-              <a:latin typeface="+mn-lt"/>
-            </a:endParaRPr>
-          </a:p>
-          <a:p>
-            <a:pPr marL="770693" lvl="1" indent="-182880"/>
-            <a:endParaRPr lang="en-US" dirty="0">
-              <a:solidFill>
-                <a:srgbClr val="007DC3"/>
-              </a:solidFill>
-              <a:latin typeface="+mn-lt"/>
-            </a:endParaRPr>
-          </a:p>
-          <a:p>
-            <a:pPr marL="770693" lvl="1" indent="-182880"/>
-            <a:endParaRPr lang="en-US" dirty="0">
-              <a:solidFill>
-                <a:srgbClr val="007DC3"/>
-              </a:solidFill>
-              <a:latin typeface="+mn-lt"/>
-            </a:endParaRPr>
-          </a:p>
-          <a:p>
-            <a:pPr marL="770693" lvl="1" indent="-182880"/>
-            <a:endParaRPr lang="en-US" dirty="0">
-              <a:solidFill>
-                <a:srgbClr val="007DC3"/>
-              </a:solidFill>
-              <a:latin typeface="+mn-lt"/>
-            </a:endParaRPr>
-          </a:p>
-          <a:p>
-            <a:pPr marL="770693" lvl="1" indent="-182880"/>
-            <a:endParaRPr lang="en-US" dirty="0">
-              <a:solidFill>
-                <a:srgbClr val="007DC3"/>
-              </a:solidFill>
-              <a:latin typeface="+mn-lt"/>
-            </a:endParaRPr>
-          </a:p>
-          <a:p>
-            <a:pPr marL="770693" lvl="1" indent="-182880"/>
-            <a:endParaRPr lang="en-US" dirty="0">
-              <a:solidFill>
-                <a:srgbClr val="007DC3"/>
-              </a:solidFill>
-              <a:latin typeface="+mn-lt"/>
-            </a:endParaRPr>
-          </a:p>
-          <a:p>
-            <a:pPr marL="770693" lvl="1" indent="-182880"/>
-            <a:endParaRPr lang="en-US" dirty="0">
-              <a:solidFill>
-                <a:srgbClr val="007DC3"/>
-              </a:solidFill>
-              <a:latin typeface="+mn-lt"/>
-            </a:endParaRPr>
-          </a:p>
-          <a:p>
-            <a:pPr marL="770693" lvl="1" indent="-182880"/>
-            <a:endParaRPr lang="en-US" dirty="0">
-              <a:solidFill>
-                <a:srgbClr val="007DC3"/>
-              </a:solidFill>
-              <a:latin typeface="+mn-lt"/>
-            </a:endParaRPr>
-          </a:p>
-          <a:p>
-            <a:pPr marL="770693" lvl="1" indent="-182880"/>
-            <a:endParaRPr lang="en-US" dirty="0">
-              <a:solidFill>
-                <a:srgbClr val="007DC3"/>
-              </a:solidFill>
-              <a:latin typeface="+mn-lt"/>
-            </a:endParaRPr>
-          </a:p>
-          <a:p>
-            <a:pPr marL="770693" lvl="1" indent="-182880"/>
-            <a:endParaRPr lang="en-US" dirty="0">
-              <a:solidFill>
-                <a:srgbClr val="007DC3"/>
-              </a:solidFill>
-              <a:latin typeface="+mn-lt"/>
-            </a:endParaRPr>
-          </a:p>
-          <a:p>
-            <a:pPr marL="770693" lvl="1" indent="-182880"/>
-            <a:endParaRPr lang="en-US" dirty="0">
-              <a:solidFill>
-                <a:srgbClr val="007DC3"/>
-              </a:solidFill>
-              <a:latin typeface="+mn-lt"/>
-            </a:endParaRPr>
-          </a:p>
-          <a:p>
-            <a:pPr marL="0" indent="0">
-              <a:buNone/>
-            </a:pPr>
-            <a:endParaRPr lang="en-US" sz="1600" dirty="0">
-              <a:solidFill>
-                <a:srgbClr val="007DC3"/>
-              </a:solidFill>
-              <a:latin typeface="+mn-lt"/>
-            </a:endParaRPr>
-          </a:p>
-          <a:p>
-            <a:pPr marL="0" indent="0">
-              <a:buNone/>
-            </a:pPr>
-            <a:endParaRPr lang="en-US" sz="1600" dirty="0">
-              <a:solidFill>
-                <a:srgbClr val="007DC3"/>
-              </a:solidFill>
-              <a:latin typeface="+mn-lt"/>
-            </a:endParaRPr>
-          </a:p>
-          <a:p>
-            <a:pPr marL="0" indent="0">
-              <a:buNone/>
-            </a:pPr>
-            <a:endParaRPr lang="en-US" sz="1600" dirty="0">
-              <a:solidFill>
-                <a:srgbClr val="007DC3"/>
-              </a:solidFill>
-              <a:latin typeface="+mn-lt"/>
-            </a:endParaRPr>
-          </a:p>
-        </p:txBody>
-      </p:sp>
-      <p:pic>
-        <p:nvPicPr>
-          <p:cNvPr id="4" name="Picture 3">
-            <a:extLst>
-              <a:ext uri="{FF2B5EF4-FFF2-40B4-BE49-F238E27FC236}">
-                <a16:creationId xmlns:a16="http://schemas.microsoft.com/office/drawing/2014/main" id="{6661837B-3119-444F-A9CA-3197DD0C0DE1}"/>
-              </a:ext>
-            </a:extLst>
-          </p:cNvPr>
-          <p:cNvPicPr>
-            <a:picLocks noChangeAspect="1"/>
-          </p:cNvPicPr>
-          <p:nvPr/>
-        </p:nvPicPr>
-        <p:blipFill>
-          <a:blip r:embed="rId3">
-            <a:extLst>
-              <a:ext uri="{28A0092B-C50C-407E-A947-70E740481C1C}">
-                <a14:useLocalDpi xmlns:a14="http://schemas.microsoft.com/office/drawing/2010/main" val="0"/>
-              </a:ext>
-            </a:extLst>
-          </a:blip>
-          <a:stretch>
-            <a:fillRect/>
-          </a:stretch>
-        </p:blipFill>
-        <p:spPr>
-          <a:xfrm>
-            <a:off x="416324" y="887726"/>
-            <a:ext cx="10681167" cy="5082547"/>
-          </a:xfrm>
-          <a:prstGeom prst="rect">
-            <a:avLst/>
-          </a:prstGeom>
-        </p:spPr>
-        <p:style>
-          <a:lnRef idx="2">
-            <a:schemeClr val="dk1"/>
-          </a:lnRef>
-          <a:fillRef idx="1">
-            <a:schemeClr val="lt1"/>
-          </a:fillRef>
-          <a:effectRef idx="0">
-            <a:schemeClr val="dk1"/>
-          </a:effectRef>
-          <a:fontRef idx="minor">
-            <a:schemeClr val="dk1"/>
-          </a:fontRef>
-        </p:style>
-      </p:pic>
-    </p:spTree>
-    <p:extLst>
-      <p:ext uri="{BB962C8B-B14F-4D97-AF65-F5344CB8AC3E}">
-        <p14:creationId xmlns:p14="http://schemas.microsoft.com/office/powerpoint/2010/main" val="673954294"/>
       </p:ext>
     </p:extLst>
   </p:cSld>
@@ -20461,6 +20618,433 @@
             <p:ph type="title"/>
           </p:nvPr>
         </p:nvSpPr>
+        <p:spPr>
+          <a:xfrm>
+            <a:off x="263924" y="0"/>
+            <a:ext cx="11630733" cy="401781"/>
+          </a:xfrm>
+        </p:spPr>
+        <p:txBody>
+          <a:bodyPr/>
+          <a:lstStyle/>
+          <a:p>
+            <a:r>
+              <a:rPr lang="en-US" sz="2700" dirty="0">
+                <a:latin typeface="+mn-lt"/>
+                <a:sym typeface="Calibri"/>
+              </a:rPr>
+              <a:t>Technical Solution Continued…</a:t>
+            </a:r>
+          </a:p>
+        </p:txBody>
+      </p:sp>
+      <p:sp>
+        <p:nvSpPr>
+          <p:cNvPr id="2" name="Text Placeholder 1"/>
+          <p:cNvSpPr>
+            <a:spLocks noGrp="1"/>
+          </p:cNvSpPr>
+          <p:nvPr>
+            <p:ph type="body" sz="quarter" idx="10"/>
+          </p:nvPr>
+        </p:nvSpPr>
+        <p:spPr>
+          <a:xfrm>
+            <a:off x="263924" y="512618"/>
+            <a:ext cx="11664152" cy="5943601"/>
+          </a:xfrm>
+        </p:spPr>
+        <p:txBody>
+          <a:bodyPr>
+            <a:normAutofit/>
+          </a:bodyPr>
+          <a:lstStyle/>
+          <a:p>
+            <a:pPr marL="587813" lvl="1" indent="0">
+              <a:buNone/>
+            </a:pPr>
+            <a:r>
+              <a:rPr lang="en-US" sz="1800" dirty="0">
+                <a:solidFill>
+                  <a:srgbClr val="002060"/>
+                </a:solidFill>
+              </a:rPr>
+              <a:t>Leadership/Velocity dashboard is visible to the reviewers</a:t>
+            </a:r>
+          </a:p>
+          <a:p>
+            <a:pPr marL="587813" lvl="1" indent="0">
+              <a:buNone/>
+            </a:pPr>
+            <a:endParaRPr lang="en-US" dirty="0"/>
+          </a:p>
+          <a:p>
+            <a:pPr marL="587813" lvl="1" indent="0">
+              <a:buNone/>
+            </a:pPr>
+            <a:r>
+              <a:rPr lang="en-US" dirty="0"/>
+              <a:t> </a:t>
+            </a:r>
+          </a:p>
+          <a:p>
+            <a:pPr marL="587813" lvl="1" indent="0">
+              <a:buNone/>
+            </a:pPr>
+            <a:endParaRPr lang="en-US" dirty="0">
+              <a:solidFill>
+                <a:srgbClr val="007DC3"/>
+              </a:solidFill>
+            </a:endParaRPr>
+          </a:p>
+          <a:p>
+            <a:pPr marL="587813" lvl="1" indent="0">
+              <a:buNone/>
+            </a:pPr>
+            <a:endParaRPr lang="en-US" dirty="0">
+              <a:solidFill>
+                <a:srgbClr val="007DC3"/>
+              </a:solidFill>
+            </a:endParaRPr>
+          </a:p>
+          <a:p>
+            <a:pPr marL="587813" lvl="1" indent="0">
+              <a:buNone/>
+            </a:pPr>
+            <a:endParaRPr lang="en-US" dirty="0">
+              <a:solidFill>
+                <a:srgbClr val="007DC3"/>
+              </a:solidFill>
+            </a:endParaRPr>
+          </a:p>
+          <a:p>
+            <a:pPr marL="587813" lvl="1" indent="0">
+              <a:buNone/>
+            </a:pPr>
+            <a:endParaRPr lang="en-US" dirty="0">
+              <a:solidFill>
+                <a:srgbClr val="007DC3"/>
+              </a:solidFill>
+              <a:latin typeface="+mn-lt"/>
+            </a:endParaRPr>
+          </a:p>
+          <a:p>
+            <a:pPr marL="587813" lvl="1" indent="0">
+              <a:buNone/>
+            </a:pPr>
+            <a:endParaRPr lang="en-US" dirty="0">
+              <a:solidFill>
+                <a:srgbClr val="007DC3"/>
+              </a:solidFill>
+              <a:latin typeface="+mn-lt"/>
+            </a:endParaRPr>
+          </a:p>
+          <a:p>
+            <a:pPr marL="770693" lvl="1" indent="-182880"/>
+            <a:endParaRPr lang="en-US" dirty="0">
+              <a:solidFill>
+                <a:srgbClr val="007DC3"/>
+              </a:solidFill>
+              <a:latin typeface="+mn-lt"/>
+            </a:endParaRPr>
+          </a:p>
+          <a:p>
+            <a:pPr marL="770693" lvl="1" indent="-182880"/>
+            <a:endParaRPr lang="en-US" dirty="0">
+              <a:solidFill>
+                <a:srgbClr val="007DC3"/>
+              </a:solidFill>
+              <a:latin typeface="+mn-lt"/>
+            </a:endParaRPr>
+          </a:p>
+          <a:p>
+            <a:pPr marL="770693" lvl="1" indent="-182880"/>
+            <a:endParaRPr lang="en-US" dirty="0">
+              <a:solidFill>
+                <a:srgbClr val="007DC3"/>
+              </a:solidFill>
+              <a:latin typeface="+mn-lt"/>
+            </a:endParaRPr>
+          </a:p>
+          <a:p>
+            <a:pPr marL="770693" lvl="1" indent="-182880"/>
+            <a:endParaRPr lang="en-US" dirty="0">
+              <a:solidFill>
+                <a:srgbClr val="007DC3"/>
+              </a:solidFill>
+              <a:latin typeface="+mn-lt"/>
+            </a:endParaRPr>
+          </a:p>
+          <a:p>
+            <a:pPr marL="770693" lvl="1" indent="-182880"/>
+            <a:endParaRPr lang="en-US" dirty="0">
+              <a:solidFill>
+                <a:srgbClr val="007DC3"/>
+              </a:solidFill>
+              <a:latin typeface="+mn-lt"/>
+            </a:endParaRPr>
+          </a:p>
+          <a:p>
+            <a:pPr marL="770693" lvl="1" indent="-182880"/>
+            <a:endParaRPr lang="en-US" dirty="0">
+              <a:solidFill>
+                <a:srgbClr val="007DC3"/>
+              </a:solidFill>
+              <a:latin typeface="+mn-lt"/>
+            </a:endParaRPr>
+          </a:p>
+          <a:p>
+            <a:pPr marL="770693" lvl="1" indent="-182880"/>
+            <a:endParaRPr lang="en-US" dirty="0">
+              <a:solidFill>
+                <a:srgbClr val="007DC3"/>
+              </a:solidFill>
+              <a:latin typeface="+mn-lt"/>
+            </a:endParaRPr>
+          </a:p>
+          <a:p>
+            <a:pPr marL="770693" lvl="1" indent="-182880"/>
+            <a:endParaRPr lang="en-US" dirty="0">
+              <a:solidFill>
+                <a:srgbClr val="007DC3"/>
+              </a:solidFill>
+              <a:latin typeface="+mn-lt"/>
+            </a:endParaRPr>
+          </a:p>
+          <a:p>
+            <a:pPr marL="770693" lvl="1" indent="-182880"/>
+            <a:endParaRPr lang="en-US" dirty="0">
+              <a:solidFill>
+                <a:srgbClr val="007DC3"/>
+              </a:solidFill>
+              <a:latin typeface="+mn-lt"/>
+            </a:endParaRPr>
+          </a:p>
+          <a:p>
+            <a:pPr marL="770693" lvl="1" indent="-182880"/>
+            <a:endParaRPr lang="en-US" dirty="0">
+              <a:solidFill>
+                <a:srgbClr val="007DC3"/>
+              </a:solidFill>
+              <a:latin typeface="+mn-lt"/>
+            </a:endParaRPr>
+          </a:p>
+          <a:p>
+            <a:pPr marL="770693" lvl="1" indent="-182880"/>
+            <a:endParaRPr lang="en-US" dirty="0">
+              <a:solidFill>
+                <a:srgbClr val="007DC3"/>
+              </a:solidFill>
+              <a:latin typeface="+mn-lt"/>
+            </a:endParaRPr>
+          </a:p>
+          <a:p>
+            <a:pPr marL="770693" lvl="1" indent="-182880"/>
+            <a:endParaRPr lang="en-US" dirty="0">
+              <a:solidFill>
+                <a:srgbClr val="007DC3"/>
+              </a:solidFill>
+              <a:latin typeface="+mn-lt"/>
+            </a:endParaRPr>
+          </a:p>
+          <a:p>
+            <a:pPr marL="770693" lvl="1" indent="-182880"/>
+            <a:endParaRPr lang="en-US" dirty="0">
+              <a:solidFill>
+                <a:srgbClr val="007DC3"/>
+              </a:solidFill>
+              <a:latin typeface="+mn-lt"/>
+            </a:endParaRPr>
+          </a:p>
+          <a:p>
+            <a:pPr marL="770693" lvl="1" indent="-182880"/>
+            <a:endParaRPr lang="en-US" dirty="0">
+              <a:solidFill>
+                <a:srgbClr val="007DC3"/>
+              </a:solidFill>
+              <a:latin typeface="+mn-lt"/>
+            </a:endParaRPr>
+          </a:p>
+          <a:p>
+            <a:pPr marL="770693" lvl="1" indent="-182880"/>
+            <a:endParaRPr lang="en-US" dirty="0">
+              <a:solidFill>
+                <a:srgbClr val="007DC3"/>
+              </a:solidFill>
+              <a:latin typeface="+mn-lt"/>
+            </a:endParaRPr>
+          </a:p>
+          <a:p>
+            <a:pPr marL="770693" lvl="1" indent="-182880"/>
+            <a:endParaRPr lang="en-US" dirty="0">
+              <a:solidFill>
+                <a:srgbClr val="007DC3"/>
+              </a:solidFill>
+              <a:latin typeface="+mn-lt"/>
+            </a:endParaRPr>
+          </a:p>
+          <a:p>
+            <a:pPr marL="770693" lvl="1" indent="-182880"/>
+            <a:endParaRPr lang="en-US" dirty="0">
+              <a:solidFill>
+                <a:srgbClr val="007DC3"/>
+              </a:solidFill>
+              <a:latin typeface="+mn-lt"/>
+            </a:endParaRPr>
+          </a:p>
+          <a:p>
+            <a:pPr marL="770693" lvl="1" indent="-182880"/>
+            <a:endParaRPr lang="en-US" dirty="0">
+              <a:solidFill>
+                <a:srgbClr val="007DC3"/>
+              </a:solidFill>
+              <a:latin typeface="+mn-lt"/>
+            </a:endParaRPr>
+          </a:p>
+          <a:p>
+            <a:pPr marL="770693" lvl="1" indent="-182880"/>
+            <a:endParaRPr lang="en-US" dirty="0">
+              <a:solidFill>
+                <a:srgbClr val="007DC3"/>
+              </a:solidFill>
+              <a:latin typeface="+mn-lt"/>
+            </a:endParaRPr>
+          </a:p>
+          <a:p>
+            <a:pPr marL="770693" lvl="1" indent="-182880"/>
+            <a:endParaRPr lang="en-US" dirty="0">
+              <a:solidFill>
+                <a:srgbClr val="007DC3"/>
+              </a:solidFill>
+              <a:latin typeface="+mn-lt"/>
+            </a:endParaRPr>
+          </a:p>
+          <a:p>
+            <a:pPr marL="0" indent="0">
+              <a:buNone/>
+            </a:pPr>
+            <a:endParaRPr lang="en-US" sz="1600" dirty="0">
+              <a:solidFill>
+                <a:srgbClr val="007DC3"/>
+              </a:solidFill>
+              <a:latin typeface="+mn-lt"/>
+            </a:endParaRPr>
+          </a:p>
+          <a:p>
+            <a:pPr marL="0" indent="0">
+              <a:buNone/>
+            </a:pPr>
+            <a:endParaRPr lang="en-US" sz="1600" dirty="0">
+              <a:solidFill>
+                <a:srgbClr val="007DC3"/>
+              </a:solidFill>
+              <a:latin typeface="+mn-lt"/>
+            </a:endParaRPr>
+          </a:p>
+          <a:p>
+            <a:pPr marL="0" indent="0">
+              <a:buNone/>
+            </a:pPr>
+            <a:endParaRPr lang="en-US" sz="1600" dirty="0">
+              <a:solidFill>
+                <a:srgbClr val="007DC3"/>
+              </a:solidFill>
+              <a:latin typeface="+mn-lt"/>
+            </a:endParaRPr>
+          </a:p>
+        </p:txBody>
+      </p:sp>
+      <p:pic>
+        <p:nvPicPr>
+          <p:cNvPr id="4" name="Picture 3">
+            <a:extLst>
+              <a:ext uri="{FF2B5EF4-FFF2-40B4-BE49-F238E27FC236}">
+                <a16:creationId xmlns:a16="http://schemas.microsoft.com/office/drawing/2014/main" id="{6661837B-3119-444F-A9CA-3197DD0C0DE1}"/>
+              </a:ext>
+            </a:extLst>
+          </p:cNvPr>
+          <p:cNvPicPr>
+            <a:picLocks noChangeAspect="1"/>
+          </p:cNvPicPr>
+          <p:nvPr/>
+        </p:nvPicPr>
+        <p:blipFill>
+          <a:blip r:embed="rId3">
+            <a:extLst>
+              <a:ext uri="{28A0092B-C50C-407E-A947-70E740481C1C}">
+                <a14:useLocalDpi xmlns:a14="http://schemas.microsoft.com/office/drawing/2010/main" val="0"/>
+              </a:ext>
+            </a:extLst>
+          </a:blip>
+          <a:stretch>
+            <a:fillRect/>
+          </a:stretch>
+        </p:blipFill>
+        <p:spPr>
+          <a:xfrm>
+            <a:off x="416324" y="887726"/>
+            <a:ext cx="10681167" cy="5082547"/>
+          </a:xfrm>
+          <a:prstGeom prst="rect">
+            <a:avLst/>
+          </a:prstGeom>
+        </p:spPr>
+        <p:style>
+          <a:lnRef idx="2">
+            <a:schemeClr val="dk1"/>
+          </a:lnRef>
+          <a:fillRef idx="1">
+            <a:schemeClr val="lt1"/>
+          </a:fillRef>
+          <a:effectRef idx="0">
+            <a:schemeClr val="dk1"/>
+          </a:effectRef>
+          <a:fontRef idx="minor">
+            <a:schemeClr val="dk1"/>
+          </a:fontRef>
+        </p:style>
+      </p:pic>
+    </p:spTree>
+    <p:extLst>
+      <p:ext uri="{BB962C8B-B14F-4D97-AF65-F5344CB8AC3E}">
+        <p14:creationId xmlns:p14="http://schemas.microsoft.com/office/powerpoint/2010/main" val="673954294"/>
+      </p:ext>
+    </p:extLst>
+  </p:cSld>
+  <p:clrMapOvr>
+    <a:masterClrMapping/>
+  </p:clrMapOvr>
+  <p:transition spd="med"/>
+</p:sld>
+</file>
+
+<file path=ppt/slides/slide21.xml><?xml version="1.0" encoding="utf-8"?>
+<p:sld xmlns:a="http://schemas.openxmlformats.org/drawingml/2006/main" xmlns:r="http://schemas.openxmlformats.org/officeDocument/2006/relationships" xmlns:p="http://schemas.openxmlformats.org/presentationml/2006/main">
+  <p:cSld>
+    <p:spTree>
+      <p:nvGrpSpPr>
+        <p:cNvPr id="1" name=""/>
+        <p:cNvGrpSpPr/>
+        <p:nvPr/>
+      </p:nvGrpSpPr>
+      <p:grpSpPr>
+        <a:xfrm>
+          <a:off x="0" y="0"/>
+          <a:ext cx="0" cy="0"/>
+          <a:chOff x="0" y="0"/>
+          <a:chExt cx="0" cy="0"/>
+        </a:xfrm>
+      </p:grpSpPr>
+      <p:sp>
+        <p:nvSpPr>
+          <p:cNvPr id="374" name="Shape 374"/>
+          <p:cNvSpPr>
+            <a:spLocks noGrp="1"/>
+          </p:cNvSpPr>
+          <p:nvPr>
+            <p:ph type="title"/>
+          </p:nvPr>
+        </p:nvSpPr>
         <p:spPr/>
         <p:txBody>
           <a:bodyPr/>
@@ -21114,7 +21698,7 @@
 </p:sld>
 </file>
 
-<file path=ppt/slides/slide21.xml><?xml version="1.0" encoding="utf-8"?>
+<file path=ppt/slides/slide22.xml><?xml version="1.0" encoding="utf-8"?>
 <p:sld xmlns:a="http://schemas.openxmlformats.org/drawingml/2006/main" xmlns:r="http://schemas.openxmlformats.org/officeDocument/2006/relationships" xmlns:p="http://schemas.openxmlformats.org/presentationml/2006/main">
   <p:cSld>
     <p:spTree>
@@ -21494,7 +22078,7 @@
 </p:sld>
 </file>
 
-<file path=ppt/slides/slide22.xml><?xml version="1.0" encoding="utf-8"?>
+<file path=ppt/slides/slide23.xml><?xml version="1.0" encoding="utf-8"?>
 <p:sld xmlns:a="http://schemas.openxmlformats.org/drawingml/2006/main" xmlns:r="http://schemas.openxmlformats.org/officeDocument/2006/relationships" xmlns:p="http://schemas.openxmlformats.org/presentationml/2006/main">
   <p:cSld>
     <p:spTree>
@@ -22176,7 +22760,7 @@
 </p:sld>
 </file>
 
-<file path=ppt/slides/slide23.xml><?xml version="1.0" encoding="utf-8"?>
+<file path=ppt/slides/slide24.xml><?xml version="1.0" encoding="utf-8"?>
 <p:sld xmlns:a="http://schemas.openxmlformats.org/drawingml/2006/main" xmlns:r="http://schemas.openxmlformats.org/officeDocument/2006/relationships" xmlns:p="http://schemas.openxmlformats.org/presentationml/2006/main">
   <p:cSld>
     <p:spTree>
@@ -22664,7 +23248,7 @@
 </p:sld>
 </file>
 
-<file path=ppt/slides/slide24.xml><?xml version="1.0" encoding="utf-8"?>
+<file path=ppt/slides/slide25.xml><?xml version="1.0" encoding="utf-8"?>
 <p:sld xmlns:a="http://schemas.openxmlformats.org/drawingml/2006/main" xmlns:r="http://schemas.openxmlformats.org/officeDocument/2006/relationships" xmlns:p="http://schemas.openxmlformats.org/presentationml/2006/main">
   <p:cSld>
     <p:spTree>
@@ -22805,14 +23389,14 @@
           <p:nvPr>
             <p:extLst>
               <p:ext uri="{D42A27DB-BD31-4B8C-83A1-F6EECF244321}">
-                <p14:modId xmlns:p14="http://schemas.microsoft.com/office/powerpoint/2010/main" val="2874811045"/>
+                <p14:modId xmlns:p14="http://schemas.microsoft.com/office/powerpoint/2010/main" val="374333089"/>
               </p:ext>
             </p:extLst>
           </p:nvPr>
         </p:nvGraphicFramePr>
         <p:xfrm>
           <a:off x="280633" y="860521"/>
-          <a:ext cx="11630733" cy="3820819"/>
+          <a:ext cx="11630733" cy="4796179"/>
         </p:xfrm>
         <a:graphic>
           <a:graphicData uri="http://schemas.openxmlformats.org/drawingml/2006/table">
@@ -22999,6 +23583,64 @@
                           <a:cs typeface="Arial" panose="020B0604020202020204" pitchFamily="34" charset="0"/>
                         </a:rPr>
                         <a:t> with external services. Here are a few examples of external services - Trainings, Course, Lex, Outlook, Jira etc. adapter API can pull tasks from Jira. We will provide a basic API for this function.</a:t>
+                      </a:r>
+                    </a:p>
+                    <a:p>
+                      <a:endParaRPr lang="en-US" sz="1600" dirty="0">
+                        <a:latin typeface="Arial" panose="020B0604020202020204" pitchFamily="34" charset="0"/>
+                        <a:cs typeface="Arial" panose="020B0604020202020204" pitchFamily="34" charset="0"/>
+                      </a:endParaRPr>
+                    </a:p>
+                    <a:p>
+                      <a:pPr marL="0" marR="0" lvl="0" indent="0" algn="l" defTabSz="914400" rtl="0" eaLnBrk="1" fontAlgn="auto" latinLnBrk="0" hangingPunct="1">
+                        <a:lnSpc>
+                          <a:spcPct val="100000"/>
+                        </a:lnSpc>
+                        <a:spcBef>
+                          <a:spcPts val="0"/>
+                        </a:spcBef>
+                        <a:spcAft>
+                          <a:spcPts val="0"/>
+                        </a:spcAft>
+                        <a:buClrTx/>
+                        <a:buSzTx/>
+                        <a:buFontTx/>
+                        <a:buNone/>
+                        <a:tabLst/>
+                        <a:defRPr/>
+                      </a:pPr>
+                      <a:r>
+                        <a:rPr lang="en-US" sz="1600" kern="1200" dirty="0">
+                          <a:solidFill>
+                            <a:schemeClr val="dk1"/>
+                          </a:solidFill>
+                          <a:latin typeface="Arial" panose="020B0604020202020204" pitchFamily="34" charset="0"/>
+                          <a:ea typeface="+mn-ea"/>
+                          <a:cs typeface="Arial" panose="020B0604020202020204" pitchFamily="34" charset="0"/>
+                        </a:rPr>
+                        <a:t>The </a:t>
+                      </a:r>
+                      <a:r>
+                        <a:rPr lang="en-US" sz="1600" b="1" kern="1200" dirty="0">
+                          <a:solidFill>
+                            <a:schemeClr val="dk1"/>
+                          </a:solidFill>
+                          <a:latin typeface="Arial" panose="020B0604020202020204" pitchFamily="34" charset="0"/>
+                          <a:ea typeface="+mn-ea"/>
+                          <a:cs typeface="Arial" panose="020B0604020202020204" pitchFamily="34" charset="0"/>
+                        </a:rPr>
+                        <a:t>Jira REST API </a:t>
+                      </a:r>
+                      <a:r>
+                        <a:rPr lang="en-US" sz="1600" kern="1200" dirty="0">
+                          <a:solidFill>
+                            <a:schemeClr val="dk1"/>
+                          </a:solidFill>
+                          <a:latin typeface="Arial" panose="020B0604020202020204" pitchFamily="34" charset="0"/>
+                          <a:ea typeface="+mn-ea"/>
+                          <a:cs typeface="Arial" panose="020B0604020202020204" pitchFamily="34" charset="0"/>
+                        </a:rPr>
+                        <a:t>can be invoked to push the data either sprint level or project level or task completion to iCount under specific goals or under additional documents in goals are not matching.</a:t>
                       </a:r>
                     </a:p>
                   </a:txBody>
@@ -24083,7 +24725,7 @@
           <p:nvPr>
             <p:extLst>
               <p:ext uri="{D42A27DB-BD31-4B8C-83A1-F6EECF244321}">
-                <p14:modId xmlns:p14="http://schemas.microsoft.com/office/powerpoint/2010/main" val="1944688482"/>
+                <p14:modId xmlns:p14="http://schemas.microsoft.com/office/powerpoint/2010/main" val="3525420067"/>
               </p:ext>
             </p:extLst>
           </p:nvPr>
@@ -24326,6 +24968,13 @@
                     <a:bodyPr/>
                     <a:lstStyle/>
                     <a:p>
+                      <a:r>
+                        <a:rPr lang="en-US" sz="1600">
+                          <a:latin typeface="Arial" panose="020B0604020202020204" pitchFamily="34" charset="0"/>
+                          <a:cs typeface="Arial" panose="020B0604020202020204" pitchFamily="34" charset="0"/>
+                        </a:rPr>
+                        <a:t>Employee</a:t>
+                      </a:r>
                       <a:endParaRPr lang="en-US" sz="1600" dirty="0">
                         <a:latin typeface="Arial" panose="020B0604020202020204" pitchFamily="34" charset="0"/>
                         <a:cs typeface="Arial" panose="020B0604020202020204" pitchFamily="34" charset="0"/>
@@ -25521,36 +26170,6 @@
           </a:p>
         </p:txBody>
       </p:sp>
-      <p:sp>
-        <p:nvSpPr>
-          <p:cNvPr id="6" name="Text Placeholder 5">
-            <a:extLst>
-              <a:ext uri="{FF2B5EF4-FFF2-40B4-BE49-F238E27FC236}">
-                <a16:creationId xmlns:a16="http://schemas.microsoft.com/office/drawing/2014/main" id="{4764698F-41E6-4214-BA2D-E732F41D8671}"/>
-              </a:ext>
-            </a:extLst>
-          </p:cNvPr>
-          <p:cNvSpPr>
-            <a:spLocks noGrp="1"/>
-          </p:cNvSpPr>
-          <p:nvPr>
-            <p:ph type="body" sz="quarter" idx="10"/>
-          </p:nvPr>
-        </p:nvSpPr>
-        <p:spPr>
-          <a:xfrm>
-            <a:off x="263925" y="506438"/>
-            <a:ext cx="11229263" cy="5353728"/>
-          </a:xfrm>
-        </p:spPr>
-        <p:txBody>
-          <a:bodyPr/>
-          <a:lstStyle/>
-          <a:p>
-            <a:endParaRPr lang="en-US" dirty="0"/>
-          </a:p>
-        </p:txBody>
-      </p:sp>
       <p:graphicFrame>
         <p:nvGraphicFramePr>
           <p:cNvPr id="8" name="Table 7">
@@ -25890,6 +26509,48 @@
           </a:graphicData>
         </a:graphic>
       </p:graphicFrame>
+      <p:sp>
+        <p:nvSpPr>
+          <p:cNvPr id="2" name="TextBox 1">
+            <a:extLst>
+              <a:ext uri="{FF2B5EF4-FFF2-40B4-BE49-F238E27FC236}">
+                <a16:creationId xmlns:a16="http://schemas.microsoft.com/office/drawing/2014/main" id="{E7C9586B-A96F-4A6B-A182-AE8CF6E4001A}"/>
+              </a:ext>
+            </a:extLst>
+          </p:cNvPr>
+          <p:cNvSpPr txBox="1"/>
+          <p:nvPr/>
+        </p:nvSpPr>
+        <p:spPr>
+          <a:xfrm>
+            <a:off x="315550" y="4473526"/>
+            <a:ext cx="11630732" cy="923330"/>
+          </a:xfrm>
+          <a:prstGeom prst="rect">
+            <a:avLst/>
+          </a:prstGeom>
+          <a:noFill/>
+        </p:spPr>
+        <p:txBody>
+          <a:bodyPr wrap="square" rtlCol="0">
+            <a:spAutoFit/>
+          </a:bodyPr>
+          <a:lstStyle/>
+          <a:p>
+            <a:r>
+              <a:rPr lang="en-US" dirty="0">
+                <a:highlight>
+                  <a:srgbClr val="FFFF00"/>
+                </a:highlight>
+              </a:rPr>
+              <a:t>Please note that this application to targeted to all the employees of the company. An option is also provided to exempt the employees to whom it is not applicable ( Ex: Subcons, Consultants etc...)</a:t>
+            </a:r>
+          </a:p>
+          <a:p>
+            <a:endParaRPr lang="en-US" dirty="0"/>
+          </a:p>
+        </p:txBody>
+      </p:sp>
     </p:spTree>
     <p:extLst>
       <p:ext uri="{BB962C8B-B14F-4D97-AF65-F5344CB8AC3E}">

--- a/iSolve-iCount-Hackathon_Solution.pptx
+++ b/iSolve-iCount-Hackathon_Solution.pptx
@@ -23962,7 +23962,7 @@
           <p:nvPr>
             <p:extLst>
               <p:ext uri="{D42A27DB-BD31-4B8C-83A1-F6EECF244321}">
-                <p14:modId xmlns:p14="http://schemas.microsoft.com/office/powerpoint/2010/main" val="1308890381"/>
+                <p14:modId xmlns:p14="http://schemas.microsoft.com/office/powerpoint/2010/main" val="3876716329"/>
               </p:ext>
             </p:extLst>
           </p:nvPr>
@@ -24227,11 +24227,18 @@
                         <a:t>iCount</a:t>
                       </a:r>
                       <a:r>
+                        <a:rPr lang="en-US" sz="1600">
+                          <a:latin typeface="Arial" panose="020B0604020202020204" pitchFamily="34" charset="0"/>
+                          <a:cs typeface="Arial" panose="020B0604020202020204" pitchFamily="34" charset="0"/>
+                        </a:rPr>
+                        <a:t> consumes data </a:t>
+                      </a:r>
+                      <a:r>
                         <a:rPr lang="en-US" sz="1600" dirty="0">
                           <a:latin typeface="Arial" panose="020B0604020202020204" pitchFamily="34" charset="0"/>
                           <a:cs typeface="Arial" panose="020B0604020202020204" pitchFamily="34" charset="0"/>
                         </a:rPr>
-                        <a:t> consumes through proxy-</a:t>
+                        <a:t>through proxy-</a:t>
                       </a:r>
                       <a:r>
                         <a:rPr lang="en-US" sz="1600" dirty="0" err="1">

--- a/iSolve-iCount-Hackathon_Solution.pptx
+++ b/iSolve-iCount-Hackathon_Solution.pptx
@@ -222,7 +222,7 @@
           <a:p>
             <a:fld id="{DD634F6A-6287-4B36-9A95-0F17B3383A7B}" type="datetimeFigureOut">
               <a:rPr lang="en-US" smtClean="0"/>
-              <a:t>6/3/2020</a:t>
+              <a:t>6/15/2020</a:t>
             </a:fld>
             <a:endParaRPr lang="en-US" dirty="0"/>
           </a:p>
@@ -2064,7 +2064,7 @@
           <a:p>
             <a:fld id="{4417404F-2166-4BB4-87AF-2DF1DBD94F21}" type="datetimeFigureOut">
               <a:rPr lang="en-US" smtClean="0"/>
-              <a:t>6/3/2020</a:t>
+              <a:t>6/15/2020</a:t>
             </a:fld>
             <a:endParaRPr lang="en-US" dirty="0"/>
           </a:p>
@@ -2232,7 +2232,7 @@
           <a:p>
             <a:fld id="{4417404F-2166-4BB4-87AF-2DF1DBD94F21}" type="datetimeFigureOut">
               <a:rPr lang="en-US" smtClean="0"/>
-              <a:t>6/3/2020</a:t>
+              <a:t>6/15/2020</a:t>
             </a:fld>
             <a:endParaRPr lang="en-US" dirty="0"/>
           </a:p>
@@ -2410,7 +2410,7 @@
           <a:p>
             <a:fld id="{4417404F-2166-4BB4-87AF-2DF1DBD94F21}" type="datetimeFigureOut">
               <a:rPr lang="en-US" smtClean="0"/>
-              <a:t>6/3/2020</a:t>
+              <a:t>6/15/2020</a:t>
             </a:fld>
             <a:endParaRPr lang="en-US" dirty="0"/>
           </a:p>
@@ -4126,7 +4126,7 @@
           <a:p>
             <a:fld id="{379A628B-A5BE-42DB-8D82-5ACECE545EE2}" type="datetimeFigureOut">
               <a:rPr lang="en-US" smtClean="0"/>
-              <a:t>6/3/2020</a:t>
+              <a:t>6/15/2020</a:t>
             </a:fld>
             <a:endParaRPr lang="en-US" dirty="0"/>
           </a:p>
@@ -4294,7 +4294,7 @@
           <a:p>
             <a:fld id="{379A628B-A5BE-42DB-8D82-5ACECE545EE2}" type="datetimeFigureOut">
               <a:rPr lang="en-US" smtClean="0"/>
-              <a:t>6/3/2020</a:t>
+              <a:t>6/15/2020</a:t>
             </a:fld>
             <a:endParaRPr lang="en-US" dirty="0"/>
           </a:p>
@@ -4539,7 +4539,7 @@
           <a:p>
             <a:fld id="{379A628B-A5BE-42DB-8D82-5ACECE545EE2}" type="datetimeFigureOut">
               <a:rPr lang="en-US" smtClean="0"/>
-              <a:t>6/3/2020</a:t>
+              <a:t>6/15/2020</a:t>
             </a:fld>
             <a:endParaRPr lang="en-US" dirty="0"/>
           </a:p>
@@ -4768,7 +4768,7 @@
           <a:p>
             <a:fld id="{379A628B-A5BE-42DB-8D82-5ACECE545EE2}" type="datetimeFigureOut">
               <a:rPr lang="en-US" smtClean="0"/>
-              <a:t>6/3/2020</a:t>
+              <a:t>6/15/2020</a:t>
             </a:fld>
             <a:endParaRPr lang="en-US" dirty="0"/>
           </a:p>
@@ -5132,7 +5132,7 @@
           <a:p>
             <a:fld id="{379A628B-A5BE-42DB-8D82-5ACECE545EE2}" type="datetimeFigureOut">
               <a:rPr lang="en-US" smtClean="0"/>
-              <a:t>6/3/2020</a:t>
+              <a:t>6/15/2020</a:t>
             </a:fld>
             <a:endParaRPr lang="en-US" dirty="0"/>
           </a:p>
@@ -5249,7 +5249,7 @@
           <a:p>
             <a:fld id="{379A628B-A5BE-42DB-8D82-5ACECE545EE2}" type="datetimeFigureOut">
               <a:rPr lang="en-US" smtClean="0"/>
-              <a:t>6/3/2020</a:t>
+              <a:t>6/15/2020</a:t>
             </a:fld>
             <a:endParaRPr lang="en-US" dirty="0"/>
           </a:p>
@@ -5417,7 +5417,7 @@
           <a:p>
             <a:fld id="{4417404F-2166-4BB4-87AF-2DF1DBD94F21}" type="datetimeFigureOut">
               <a:rPr lang="en-US" smtClean="0"/>
-              <a:t>6/3/2020</a:t>
+              <a:t>6/15/2020</a:t>
             </a:fld>
             <a:endParaRPr lang="en-US" dirty="0"/>
           </a:p>
@@ -5512,7 +5512,7 @@
           <a:p>
             <a:fld id="{379A628B-A5BE-42DB-8D82-5ACECE545EE2}" type="datetimeFigureOut">
               <a:rPr lang="en-US" smtClean="0"/>
-              <a:t>6/3/2020</a:t>
+              <a:t>6/15/2020</a:t>
             </a:fld>
             <a:endParaRPr lang="en-US" dirty="0"/>
           </a:p>
@@ -5787,7 +5787,7 @@
           <a:p>
             <a:fld id="{379A628B-A5BE-42DB-8D82-5ACECE545EE2}" type="datetimeFigureOut">
               <a:rPr lang="en-US" smtClean="0"/>
-              <a:t>6/3/2020</a:t>
+              <a:t>6/15/2020</a:t>
             </a:fld>
             <a:endParaRPr lang="en-US" dirty="0"/>
           </a:p>
@@ -6039,7 +6039,7 @@
           <a:p>
             <a:fld id="{379A628B-A5BE-42DB-8D82-5ACECE545EE2}" type="datetimeFigureOut">
               <a:rPr lang="en-US" smtClean="0"/>
-              <a:t>6/3/2020</a:t>
+              <a:t>6/15/2020</a:t>
             </a:fld>
             <a:endParaRPr lang="en-US" dirty="0"/>
           </a:p>
@@ -6207,7 +6207,7 @@
           <a:p>
             <a:fld id="{379A628B-A5BE-42DB-8D82-5ACECE545EE2}" type="datetimeFigureOut">
               <a:rPr lang="en-US" smtClean="0"/>
-              <a:t>6/3/2020</a:t>
+              <a:t>6/15/2020</a:t>
             </a:fld>
             <a:endParaRPr lang="en-US" dirty="0"/>
           </a:p>
@@ -6385,7 +6385,7 @@
           <a:p>
             <a:fld id="{379A628B-A5BE-42DB-8D82-5ACECE545EE2}" type="datetimeFigureOut">
               <a:rPr lang="en-US" smtClean="0"/>
-              <a:t>6/3/2020</a:t>
+              <a:t>6/15/2020</a:t>
             </a:fld>
             <a:endParaRPr lang="en-US" dirty="0"/>
           </a:p>
@@ -10781,7 +10781,7 @@
           <a:p>
             <a:fld id="{4417404F-2166-4BB4-87AF-2DF1DBD94F21}" type="datetimeFigureOut">
               <a:rPr lang="en-US" smtClean="0"/>
-              <a:t>6/3/2020</a:t>
+              <a:t>6/15/2020</a:t>
             </a:fld>
             <a:endParaRPr lang="en-US" dirty="0"/>
           </a:p>
@@ -12193,7 +12193,7 @@
           <a:p>
             <a:fld id="{4417404F-2166-4BB4-87AF-2DF1DBD94F21}" type="datetimeFigureOut">
               <a:rPr lang="en-US" smtClean="0"/>
-              <a:t>6/3/2020</a:t>
+              <a:t>6/15/2020</a:t>
             </a:fld>
             <a:endParaRPr lang="en-US" dirty="0"/>
           </a:p>
@@ -12557,7 +12557,7 @@
           <a:p>
             <a:fld id="{4417404F-2166-4BB4-87AF-2DF1DBD94F21}" type="datetimeFigureOut">
               <a:rPr lang="en-US" smtClean="0"/>
-              <a:t>6/3/2020</a:t>
+              <a:t>6/15/2020</a:t>
             </a:fld>
             <a:endParaRPr lang="en-US" dirty="0"/>
           </a:p>
@@ -12674,7 +12674,7 @@
           <a:p>
             <a:fld id="{4417404F-2166-4BB4-87AF-2DF1DBD94F21}" type="datetimeFigureOut">
               <a:rPr lang="en-US" smtClean="0"/>
-              <a:t>6/3/2020</a:t>
+              <a:t>6/15/2020</a:t>
             </a:fld>
             <a:endParaRPr lang="en-US" dirty="0"/>
           </a:p>
@@ -12769,7 +12769,7 @@
           <a:p>
             <a:fld id="{4417404F-2166-4BB4-87AF-2DF1DBD94F21}" type="datetimeFigureOut">
               <a:rPr lang="en-US" smtClean="0"/>
-              <a:t>6/3/2020</a:t>
+              <a:t>6/15/2020</a:t>
             </a:fld>
             <a:endParaRPr lang="en-US" dirty="0"/>
           </a:p>
@@ -13044,7 +13044,7 @@
           <a:p>
             <a:fld id="{4417404F-2166-4BB4-87AF-2DF1DBD94F21}" type="datetimeFigureOut">
               <a:rPr lang="en-US" smtClean="0"/>
-              <a:t>6/3/2020</a:t>
+              <a:t>6/15/2020</a:t>
             </a:fld>
             <a:endParaRPr lang="en-US" dirty="0"/>
           </a:p>
@@ -13296,7 +13296,7 @@
           <a:p>
             <a:fld id="{4417404F-2166-4BB4-87AF-2DF1DBD94F21}" type="datetimeFigureOut">
               <a:rPr lang="en-US" smtClean="0"/>
-              <a:t>6/3/2020</a:t>
+              <a:t>6/15/2020</a:t>
             </a:fld>
             <a:endParaRPr lang="en-US" dirty="0"/>
           </a:p>
@@ -13507,7 +13507,7 @@
           <a:p>
             <a:fld id="{4417404F-2166-4BB4-87AF-2DF1DBD94F21}" type="datetimeFigureOut">
               <a:rPr lang="en-US" smtClean="0"/>
-              <a:t>6/3/2020</a:t>
+              <a:t>6/15/2020</a:t>
             </a:fld>
             <a:endParaRPr lang="en-US" dirty="0"/>
           </a:p>
@@ -14047,7 +14047,7 @@
           <a:p>
             <a:fld id="{379A628B-A5BE-42DB-8D82-5ACECE545EE2}" type="datetimeFigureOut">
               <a:rPr lang="en-US" smtClean="0"/>
-              <a:t>6/3/2020</a:t>
+              <a:t>6/15/2020</a:t>
             </a:fld>
             <a:endParaRPr lang="en-US" dirty="0"/>
           </a:p>
@@ -14721,10 +14721,10 @@
       </p:sp>
       <p:pic>
         <p:nvPicPr>
-          <p:cNvPr id="4" name="Picture 3">
+          <p:cNvPr id="5" name="Picture 4">
             <a:extLst>
               <a:ext uri="{FF2B5EF4-FFF2-40B4-BE49-F238E27FC236}">
-                <a16:creationId xmlns:a16="http://schemas.microsoft.com/office/drawing/2014/main" id="{EEBF7E9E-0973-46E4-945E-F7D14E778304}"/>
+                <a16:creationId xmlns:a16="http://schemas.microsoft.com/office/drawing/2014/main" id="{5B8B3F38-1559-455D-9C39-399BF44FE6CD}"/>
               </a:ext>
             </a:extLst>
           </p:cNvPr>
@@ -14747,8 +14747,8 @@
         </p:blipFill>
         <p:spPr>
           <a:xfrm>
-            <a:off x="263925" y="500121"/>
-            <a:ext cx="11664152" cy="6324600"/>
+            <a:off x="297343" y="474206"/>
+            <a:ext cx="11630733" cy="6322379"/>
           </a:xfrm>
           <a:prstGeom prst="rect">
             <a:avLst/>
@@ -14993,7 +14993,7 @@
                   <a:srgbClr val="0070C0"/>
                 </a:solidFill>
               </a:rPr>
-              <a:t>Notification-Batch (NB)</a:t>
+              <a:t>Notification-Service (NS)</a:t>
             </a:r>
             <a:r>
               <a:rPr lang="en-US" dirty="0">
@@ -15071,6 +15071,79 @@
               </a:rPr>
               <a:t> –Streams data and send notifications in real-time to the employees who seek feedback, upload appreciation, complete task/course etc.</a:t>
             </a:r>
+          </a:p>
+          <a:p>
+            <a:r>
+              <a:rPr lang="en-US" b="1" dirty="0">
+                <a:solidFill>
+                  <a:srgbClr val="0070C0"/>
+                </a:solidFill>
+              </a:rPr>
+              <a:t>Redis-Service</a:t>
+            </a:r>
+            <a:r>
+              <a:rPr lang="en-US" dirty="0">
+                <a:solidFill>
+                  <a:srgbClr val="0070C0"/>
+                </a:solidFill>
+              </a:rPr>
+              <a:t> – Stores coins configurations. Developed using </a:t>
+            </a:r>
+            <a:r>
+              <a:rPr lang="en-US" dirty="0" err="1">
+                <a:solidFill>
+                  <a:srgbClr val="0070C0"/>
+                </a:solidFill>
+              </a:rPr>
+              <a:t>springboot</a:t>
+            </a:r>
+            <a:r>
+              <a:rPr lang="en-US" dirty="0">
+                <a:solidFill>
+                  <a:srgbClr val="0070C0"/>
+                </a:solidFill>
+              </a:rPr>
+              <a:t>.</a:t>
+            </a:r>
+          </a:p>
+          <a:p>
+            <a:r>
+              <a:rPr lang="en-US" b="1" dirty="0">
+                <a:solidFill>
+                  <a:srgbClr val="0070C0"/>
+                </a:solidFill>
+              </a:rPr>
+              <a:t>Batch-notification-manager (BNM) – </a:t>
+            </a:r>
+            <a:r>
+              <a:rPr lang="en-US" dirty="0">
+                <a:solidFill>
+                  <a:srgbClr val="0070C0"/>
+                </a:solidFill>
+              </a:rPr>
+              <a:t>Updates notification template build using apache velocity and </a:t>
+            </a:r>
+            <a:r>
+              <a:rPr lang="en-US" dirty="0" err="1">
+                <a:solidFill>
+                  <a:srgbClr val="0070C0"/>
+                </a:solidFill>
+              </a:rPr>
+              <a:t>freemarker</a:t>
+            </a:r>
+            <a:r>
+              <a:rPr lang="en-US" dirty="0">
+                <a:solidFill>
+                  <a:srgbClr val="0070C0"/>
+                </a:solidFill>
+              </a:rPr>
+              <a:t> frameworks</a:t>
+            </a:r>
+            <a:endParaRPr lang="en-US" b="1" dirty="0">
+              <a:solidFill>
+                <a:srgbClr val="0070C0"/>
+              </a:solidFill>
+            </a:endParaRPr>
           </a:p>
         </p:txBody>
       </p:sp>
@@ -26599,7 +26672,12 @@
             <p:ph type="title"/>
           </p:nvPr>
         </p:nvSpPr>
-        <p:spPr/>
+        <p:spPr>
+          <a:xfrm>
+            <a:off x="308519" y="0"/>
+            <a:ext cx="11630733" cy="603981"/>
+          </a:xfrm>
+        </p:spPr>
         <p:txBody>
           <a:bodyPr/>
           <a:lstStyle/>
@@ -26647,14 +26725,14 @@
           <p:nvPr>
             <p:extLst>
               <p:ext uri="{D42A27DB-BD31-4B8C-83A1-F6EECF244321}">
-                <p14:modId xmlns:p14="http://schemas.microsoft.com/office/powerpoint/2010/main" val="2604582415"/>
+                <p14:modId xmlns:p14="http://schemas.microsoft.com/office/powerpoint/2010/main" val="3785866473"/>
               </p:ext>
             </p:extLst>
           </p:nvPr>
         </p:nvGraphicFramePr>
         <p:xfrm>
-          <a:off x="308518" y="646776"/>
-          <a:ext cx="11630733" cy="6010870"/>
+          <a:off x="203747" y="429591"/>
+          <a:ext cx="11784506" cy="6386205"/>
         </p:xfrm>
         <a:graphic>
           <a:graphicData uri="http://schemas.openxmlformats.org/drawingml/2006/table">
@@ -26670,14 +26748,14 @@
                 <a:tableStyleId>{5C22544A-7EE6-4342-B048-85BDC9FD1C3A}</a:tableStyleId>
               </a:tblPr>
               <a:tblGrid>
-                <a:gridCol w="2985543">
+                <a:gridCol w="2525385">
                   <a:extLst>
                     <a:ext uri="{9D8B030D-6E8A-4147-A177-3AD203B41FA5}">
                       <a16:colId xmlns:a16="http://schemas.microsoft.com/office/drawing/2014/main" val="20000"/>
                     </a:ext>
                   </a:extLst>
                 </a:gridCol>
-                <a:gridCol w="8645190">
+                <a:gridCol w="9259121">
                   <a:extLst>
                     <a:ext uri="{9D8B030D-6E8A-4147-A177-3AD203B41FA5}">
                       <a16:colId xmlns:a16="http://schemas.microsoft.com/office/drawing/2014/main" val="20001"/>
@@ -26685,7 +26763,7 @@
                   </a:extLst>
                 </a:gridCol>
               </a:tblGrid>
-              <a:tr h="350068">
+              <a:tr h="332003">
                 <a:tc>
                   <a:txBody>
                     <a:bodyPr/>
@@ -26735,7 +26813,7 @@
                   </a:ext>
                 </a:extLst>
               </a:tr>
-              <a:tr h="350068">
+              <a:tr h="332003">
                 <a:tc>
                   <a:txBody>
                     <a:bodyPr/>
@@ -26799,7 +26877,7 @@
                   </a:ext>
                 </a:extLst>
               </a:tr>
-              <a:tr h="831913">
+              <a:tr h="814917">
                 <a:tc>
                   <a:txBody>
                     <a:bodyPr/>
@@ -26849,7 +26927,7 @@
                   </a:ext>
                 </a:extLst>
               </a:tr>
-              <a:tr h="585420">
+              <a:tr h="573460">
                 <a:tc>
                   <a:txBody>
                     <a:bodyPr/>
@@ -26897,7 +26975,7 @@
                   </a:ext>
                 </a:extLst>
               </a:tr>
-              <a:tr h="831913">
+              <a:tr h="716925">
                 <a:tc>
                   <a:txBody>
                     <a:bodyPr/>
@@ -26957,7 +27035,7 @@
                   </a:ext>
                 </a:extLst>
               </a:tr>
-              <a:tr h="369739">
+              <a:tr h="362185">
                 <a:tc>
                   <a:txBody>
                     <a:bodyPr/>
@@ -27004,7 +27082,7 @@
                   </a:ext>
                 </a:extLst>
               </a:tr>
-              <a:tr h="369739">
+              <a:tr h="362185">
                 <a:tc>
                   <a:txBody>
                     <a:bodyPr/>
@@ -27073,7 +27151,7 @@
                   </a:ext>
                 </a:extLst>
               </a:tr>
-              <a:tr h="369739">
+              <a:tr h="362185">
                 <a:tc>
                   <a:txBody>
                     <a:bodyPr/>
@@ -27121,7 +27199,7 @@
                   </a:ext>
                 </a:extLst>
               </a:tr>
-              <a:tr h="350068">
+              <a:tr h="332003">
                 <a:tc>
                   <a:txBody>
                     <a:bodyPr/>
@@ -27171,7 +27249,7 @@
                   </a:ext>
                 </a:extLst>
               </a:tr>
-              <a:tr h="585420">
+              <a:tr h="573460">
                 <a:tc>
                   <a:txBody>
                     <a:bodyPr/>
@@ -27232,7 +27310,7 @@
                   </a:ext>
                 </a:extLst>
               </a:tr>
-              <a:tr h="369739">
+              <a:tr h="362185">
                 <a:tc>
                   <a:txBody>
                     <a:bodyPr/>
@@ -27284,23 +27362,19 @@
                   </a:ext>
                 </a:extLst>
               </a:tr>
-              <a:tr h="647044">
+              <a:tr h="633824">
                 <a:tc>
                   <a:txBody>
                     <a:bodyPr/>
                     <a:lstStyle/>
                     <a:p>
                       <a:r>
-                        <a:rPr lang="en-US" sz="1600" dirty="0" err="1">
+                        <a:rPr lang="en-US" sz="1600" dirty="0">
                           <a:latin typeface="Arial" panose="020B0604020202020204" pitchFamily="34" charset="0"/>
                           <a:cs typeface="Arial" panose="020B0604020202020204" pitchFamily="34" charset="0"/>
                         </a:rPr>
-                        <a:t>kafka</a:t>
+                        <a:t>Kafka</a:t>
                       </a:r>
-                      <a:endParaRPr lang="en-US" sz="1600" dirty="0">
-                        <a:latin typeface="Arial" panose="020B0604020202020204" pitchFamily="34" charset="0"/>
-                        <a:cs typeface="Arial" panose="020B0604020202020204" pitchFamily="34" charset="0"/>
-                      </a:endParaRPr>
                     </a:p>
                   </a:txBody>
                   <a:tcPr/>
@@ -27333,6 +27407,45 @@
                 <a:extLst>
                   <a:ext uri="{0D108BD9-81ED-4DB2-BD59-A6C34878D82A}">
                     <a16:rowId xmlns:a16="http://schemas.microsoft.com/office/drawing/2014/main" val="2207671110"/>
+                  </a:ext>
+                </a:extLst>
+              </a:tr>
+              <a:tr h="573460">
+                <a:tc>
+                  <a:txBody>
+                    <a:bodyPr/>
+                    <a:lstStyle/>
+                    <a:p>
+                      <a:r>
+                        <a:rPr lang="en-US" sz="1600" dirty="0">
+                          <a:latin typeface="Arial" panose="020B0604020202020204" pitchFamily="34" charset="0"/>
+                          <a:cs typeface="Arial" panose="020B0604020202020204" pitchFamily="34" charset="0"/>
+                        </a:rPr>
+                        <a:t>Apache-velocity and free-marker</a:t>
+                      </a:r>
+                    </a:p>
+                  </a:txBody>
+                  <a:tcPr/>
+                </a:tc>
+                <a:tc>
+                  <a:txBody>
+                    <a:bodyPr/>
+                    <a:lstStyle/>
+                    <a:p>
+                      <a:r>
+                        <a:rPr lang="en-US" sz="1600" dirty="0">
+                          <a:latin typeface="Arial" panose="020B0604020202020204" pitchFamily="34" charset="0"/>
+                          <a:cs typeface="Arial" panose="020B0604020202020204" pitchFamily="34" charset="0"/>
+                        </a:rPr>
+                        <a:t>Java-based template engine that provides a template language </a:t>
+                      </a:r>
+                    </a:p>
+                  </a:txBody>
+                  <a:tcPr/>
+                </a:tc>
+                <a:extLst>
+                  <a:ext uri="{0D108BD9-81ED-4DB2-BD59-A6C34878D82A}">
+                    <a16:rowId xmlns:a16="http://schemas.microsoft.com/office/drawing/2014/main" val="2442369034"/>
                   </a:ext>
                 </a:extLst>
               </a:tr>
@@ -27518,10 +27631,10 @@
       </p:sp>
       <p:pic>
         <p:nvPicPr>
-          <p:cNvPr id="5" name="Picture 4">
+          <p:cNvPr id="4" name="Picture 3">
             <a:extLst>
               <a:ext uri="{FF2B5EF4-FFF2-40B4-BE49-F238E27FC236}">
-                <a16:creationId xmlns:a16="http://schemas.microsoft.com/office/drawing/2014/main" id="{A44205DA-E63A-4FB2-B04D-C49173C3E7D1}"/>
+                <a16:creationId xmlns:a16="http://schemas.microsoft.com/office/drawing/2014/main" id="{95364353-59ED-48CA-AD6D-4D3AFD177B84}"/>
               </a:ext>
             </a:extLst>
           </p:cNvPr>
@@ -27544,7 +27657,7 @@
         </p:blipFill>
         <p:spPr>
           <a:xfrm>
-            <a:off x="470603" y="609601"/>
+            <a:off x="569077" y="628963"/>
             <a:ext cx="11020425" cy="5324475"/>
           </a:xfrm>
           <a:prstGeom prst="rect">

--- a/iSolve-iCount-Hackathon_Solution.pptx
+++ b/iSolve-iCount-Hackathon_Solution.pptx
@@ -222,7 +222,7 @@
           <a:p>
             <a:fld id="{DD634F6A-6287-4B36-9A95-0F17B3383A7B}" type="datetimeFigureOut">
               <a:rPr lang="en-US" smtClean="0"/>
-              <a:t>6/15/2020</a:t>
+              <a:t>6/18/2020</a:t>
             </a:fld>
             <a:endParaRPr lang="en-US" dirty="0"/>
           </a:p>
@@ -2064,7 +2064,7 @@
           <a:p>
             <a:fld id="{4417404F-2166-4BB4-87AF-2DF1DBD94F21}" type="datetimeFigureOut">
               <a:rPr lang="en-US" smtClean="0"/>
-              <a:t>6/15/2020</a:t>
+              <a:t>6/18/2020</a:t>
             </a:fld>
             <a:endParaRPr lang="en-US" dirty="0"/>
           </a:p>
@@ -2232,7 +2232,7 @@
           <a:p>
             <a:fld id="{4417404F-2166-4BB4-87AF-2DF1DBD94F21}" type="datetimeFigureOut">
               <a:rPr lang="en-US" smtClean="0"/>
-              <a:t>6/15/2020</a:t>
+              <a:t>6/18/2020</a:t>
             </a:fld>
             <a:endParaRPr lang="en-US" dirty="0"/>
           </a:p>
@@ -2410,7 +2410,7 @@
           <a:p>
             <a:fld id="{4417404F-2166-4BB4-87AF-2DF1DBD94F21}" type="datetimeFigureOut">
               <a:rPr lang="en-US" smtClean="0"/>
-              <a:t>6/15/2020</a:t>
+              <a:t>6/18/2020</a:t>
             </a:fld>
             <a:endParaRPr lang="en-US" dirty="0"/>
           </a:p>
@@ -4126,7 +4126,7 @@
           <a:p>
             <a:fld id="{379A628B-A5BE-42DB-8D82-5ACECE545EE2}" type="datetimeFigureOut">
               <a:rPr lang="en-US" smtClean="0"/>
-              <a:t>6/15/2020</a:t>
+              <a:t>6/18/2020</a:t>
             </a:fld>
             <a:endParaRPr lang="en-US" dirty="0"/>
           </a:p>
@@ -4294,7 +4294,7 @@
           <a:p>
             <a:fld id="{379A628B-A5BE-42DB-8D82-5ACECE545EE2}" type="datetimeFigureOut">
               <a:rPr lang="en-US" smtClean="0"/>
-              <a:t>6/15/2020</a:t>
+              <a:t>6/18/2020</a:t>
             </a:fld>
             <a:endParaRPr lang="en-US" dirty="0"/>
           </a:p>
@@ -4539,7 +4539,7 @@
           <a:p>
             <a:fld id="{379A628B-A5BE-42DB-8D82-5ACECE545EE2}" type="datetimeFigureOut">
               <a:rPr lang="en-US" smtClean="0"/>
-              <a:t>6/15/2020</a:t>
+              <a:t>6/18/2020</a:t>
             </a:fld>
             <a:endParaRPr lang="en-US" dirty="0"/>
           </a:p>
@@ -4768,7 +4768,7 @@
           <a:p>
             <a:fld id="{379A628B-A5BE-42DB-8D82-5ACECE545EE2}" type="datetimeFigureOut">
               <a:rPr lang="en-US" smtClean="0"/>
-              <a:t>6/15/2020</a:t>
+              <a:t>6/18/2020</a:t>
             </a:fld>
             <a:endParaRPr lang="en-US" dirty="0"/>
           </a:p>
@@ -5132,7 +5132,7 @@
           <a:p>
             <a:fld id="{379A628B-A5BE-42DB-8D82-5ACECE545EE2}" type="datetimeFigureOut">
               <a:rPr lang="en-US" smtClean="0"/>
-              <a:t>6/15/2020</a:t>
+              <a:t>6/18/2020</a:t>
             </a:fld>
             <a:endParaRPr lang="en-US" dirty="0"/>
           </a:p>
@@ -5249,7 +5249,7 @@
           <a:p>
             <a:fld id="{379A628B-A5BE-42DB-8D82-5ACECE545EE2}" type="datetimeFigureOut">
               <a:rPr lang="en-US" smtClean="0"/>
-              <a:t>6/15/2020</a:t>
+              <a:t>6/18/2020</a:t>
             </a:fld>
             <a:endParaRPr lang="en-US" dirty="0"/>
           </a:p>
@@ -5417,7 +5417,7 @@
           <a:p>
             <a:fld id="{4417404F-2166-4BB4-87AF-2DF1DBD94F21}" type="datetimeFigureOut">
               <a:rPr lang="en-US" smtClean="0"/>
-              <a:t>6/15/2020</a:t>
+              <a:t>6/18/2020</a:t>
             </a:fld>
             <a:endParaRPr lang="en-US" dirty="0"/>
           </a:p>
@@ -5512,7 +5512,7 @@
           <a:p>
             <a:fld id="{379A628B-A5BE-42DB-8D82-5ACECE545EE2}" type="datetimeFigureOut">
               <a:rPr lang="en-US" smtClean="0"/>
-              <a:t>6/15/2020</a:t>
+              <a:t>6/18/2020</a:t>
             </a:fld>
             <a:endParaRPr lang="en-US" dirty="0"/>
           </a:p>
@@ -5787,7 +5787,7 @@
           <a:p>
             <a:fld id="{379A628B-A5BE-42DB-8D82-5ACECE545EE2}" type="datetimeFigureOut">
               <a:rPr lang="en-US" smtClean="0"/>
-              <a:t>6/15/2020</a:t>
+              <a:t>6/18/2020</a:t>
             </a:fld>
             <a:endParaRPr lang="en-US" dirty="0"/>
           </a:p>
@@ -6039,7 +6039,7 @@
           <a:p>
             <a:fld id="{379A628B-A5BE-42DB-8D82-5ACECE545EE2}" type="datetimeFigureOut">
               <a:rPr lang="en-US" smtClean="0"/>
-              <a:t>6/15/2020</a:t>
+              <a:t>6/18/2020</a:t>
             </a:fld>
             <a:endParaRPr lang="en-US" dirty="0"/>
           </a:p>
@@ -6207,7 +6207,7 @@
           <a:p>
             <a:fld id="{379A628B-A5BE-42DB-8D82-5ACECE545EE2}" type="datetimeFigureOut">
               <a:rPr lang="en-US" smtClean="0"/>
-              <a:t>6/15/2020</a:t>
+              <a:t>6/18/2020</a:t>
             </a:fld>
             <a:endParaRPr lang="en-US" dirty="0"/>
           </a:p>
@@ -6385,7 +6385,7 @@
           <a:p>
             <a:fld id="{379A628B-A5BE-42DB-8D82-5ACECE545EE2}" type="datetimeFigureOut">
               <a:rPr lang="en-US" smtClean="0"/>
-              <a:t>6/15/2020</a:t>
+              <a:t>6/18/2020</a:t>
             </a:fld>
             <a:endParaRPr lang="en-US" dirty="0"/>
           </a:p>
@@ -10781,7 +10781,7 @@
           <a:p>
             <a:fld id="{4417404F-2166-4BB4-87AF-2DF1DBD94F21}" type="datetimeFigureOut">
               <a:rPr lang="en-US" smtClean="0"/>
-              <a:t>6/15/2020</a:t>
+              <a:t>6/18/2020</a:t>
             </a:fld>
             <a:endParaRPr lang="en-US" dirty="0"/>
           </a:p>
@@ -12193,7 +12193,7 @@
           <a:p>
             <a:fld id="{4417404F-2166-4BB4-87AF-2DF1DBD94F21}" type="datetimeFigureOut">
               <a:rPr lang="en-US" smtClean="0"/>
-              <a:t>6/15/2020</a:t>
+              <a:t>6/18/2020</a:t>
             </a:fld>
             <a:endParaRPr lang="en-US" dirty="0"/>
           </a:p>
@@ -12557,7 +12557,7 @@
           <a:p>
             <a:fld id="{4417404F-2166-4BB4-87AF-2DF1DBD94F21}" type="datetimeFigureOut">
               <a:rPr lang="en-US" smtClean="0"/>
-              <a:t>6/15/2020</a:t>
+              <a:t>6/18/2020</a:t>
             </a:fld>
             <a:endParaRPr lang="en-US" dirty="0"/>
           </a:p>
@@ -12674,7 +12674,7 @@
           <a:p>
             <a:fld id="{4417404F-2166-4BB4-87AF-2DF1DBD94F21}" type="datetimeFigureOut">
               <a:rPr lang="en-US" smtClean="0"/>
-              <a:t>6/15/2020</a:t>
+              <a:t>6/18/2020</a:t>
             </a:fld>
             <a:endParaRPr lang="en-US" dirty="0"/>
           </a:p>
@@ -12769,7 +12769,7 @@
           <a:p>
             <a:fld id="{4417404F-2166-4BB4-87AF-2DF1DBD94F21}" type="datetimeFigureOut">
               <a:rPr lang="en-US" smtClean="0"/>
-              <a:t>6/15/2020</a:t>
+              <a:t>6/18/2020</a:t>
             </a:fld>
             <a:endParaRPr lang="en-US" dirty="0"/>
           </a:p>
@@ -13044,7 +13044,7 @@
           <a:p>
             <a:fld id="{4417404F-2166-4BB4-87AF-2DF1DBD94F21}" type="datetimeFigureOut">
               <a:rPr lang="en-US" smtClean="0"/>
-              <a:t>6/15/2020</a:t>
+              <a:t>6/18/2020</a:t>
             </a:fld>
             <a:endParaRPr lang="en-US" dirty="0"/>
           </a:p>
@@ -13296,7 +13296,7 @@
           <a:p>
             <a:fld id="{4417404F-2166-4BB4-87AF-2DF1DBD94F21}" type="datetimeFigureOut">
               <a:rPr lang="en-US" smtClean="0"/>
-              <a:t>6/15/2020</a:t>
+              <a:t>6/18/2020</a:t>
             </a:fld>
             <a:endParaRPr lang="en-US" dirty="0"/>
           </a:p>
@@ -13507,7 +13507,7 @@
           <a:p>
             <a:fld id="{4417404F-2166-4BB4-87AF-2DF1DBD94F21}" type="datetimeFigureOut">
               <a:rPr lang="en-US" smtClean="0"/>
-              <a:t>6/15/2020</a:t>
+              <a:t>6/18/2020</a:t>
             </a:fld>
             <a:endParaRPr lang="en-US" dirty="0"/>
           </a:p>
@@ -14047,7 +14047,7 @@
           <a:p>
             <a:fld id="{379A628B-A5BE-42DB-8D82-5ACECE545EE2}" type="datetimeFigureOut">
               <a:rPr lang="en-US" smtClean="0"/>
-              <a:t>6/15/2020</a:t>
+              <a:t>6/18/2020</a:t>
             </a:fld>
             <a:endParaRPr lang="en-US" dirty="0"/>
           </a:p>
@@ -14721,10 +14721,10 @@
       </p:sp>
       <p:pic>
         <p:nvPicPr>
-          <p:cNvPr id="5" name="Picture 4">
+          <p:cNvPr id="7" name="Picture 6">
             <a:extLst>
               <a:ext uri="{FF2B5EF4-FFF2-40B4-BE49-F238E27FC236}">
-                <a16:creationId xmlns:a16="http://schemas.microsoft.com/office/drawing/2014/main" id="{5B8B3F38-1559-455D-9C39-399BF44FE6CD}"/>
+                <a16:creationId xmlns:a16="http://schemas.microsoft.com/office/drawing/2014/main" id="{56C30ABE-25DA-43CF-8FE4-95C7866618DE}"/>
               </a:ext>
             </a:extLst>
           </p:cNvPr>
@@ -14747,8 +14747,8 @@
         </p:blipFill>
         <p:spPr>
           <a:xfrm>
-            <a:off x="297343" y="474206"/>
-            <a:ext cx="11630733" cy="6322379"/>
+            <a:off x="280635" y="502342"/>
+            <a:ext cx="11630732" cy="6222015"/>
           </a:xfrm>
           <a:prstGeom prst="rect">
             <a:avLst/>
@@ -26675,7 +26675,7 @@
         <p:spPr>
           <a:xfrm>
             <a:off x="308519" y="0"/>
-            <a:ext cx="11630733" cy="603981"/>
+            <a:ext cx="11630733" cy="372535"/>
           </a:xfrm>
         </p:spPr>
         <p:txBody>
@@ -26683,7 +26683,7 @@
           <a:lstStyle/>
           <a:p>
             <a:r>
-              <a:rPr lang="en-US" sz="2800" dirty="0">
+              <a:rPr lang="en-US" sz="1400" dirty="0">
                 <a:latin typeface="Arial" panose="020B0604020202020204" pitchFamily="34" charset="0"/>
                 <a:cs typeface="Arial" panose="020B0604020202020204" pitchFamily="34" charset="0"/>
               </a:rPr>
@@ -26725,14 +26725,14 @@
           <p:nvPr>
             <p:extLst>
               <p:ext uri="{D42A27DB-BD31-4B8C-83A1-F6EECF244321}">
-                <p14:modId xmlns:p14="http://schemas.microsoft.com/office/powerpoint/2010/main" val="3785866473"/>
+                <p14:modId xmlns:p14="http://schemas.microsoft.com/office/powerpoint/2010/main" val="2455888630"/>
               </p:ext>
             </p:extLst>
           </p:nvPr>
         </p:nvGraphicFramePr>
         <p:xfrm>
-          <a:off x="203747" y="429591"/>
-          <a:ext cx="11784506" cy="6386205"/>
+          <a:off x="203747" y="287871"/>
+          <a:ext cx="11784506" cy="6806144"/>
         </p:xfrm>
         <a:graphic>
           <a:graphicData uri="http://schemas.openxmlformats.org/drawingml/2006/table">
@@ -26748,14 +26748,14 @@
                 <a:tableStyleId>{5C22544A-7EE6-4342-B048-85BDC9FD1C3A}</a:tableStyleId>
               </a:tblPr>
               <a:tblGrid>
-                <a:gridCol w="2525385">
+                <a:gridCol w="2899671">
                   <a:extLst>
                     <a:ext uri="{9D8B030D-6E8A-4147-A177-3AD203B41FA5}">
                       <a16:colId xmlns:a16="http://schemas.microsoft.com/office/drawing/2014/main" val="20000"/>
                     </a:ext>
                   </a:extLst>
                 </a:gridCol>
-                <a:gridCol w="9259121">
+                <a:gridCol w="8884835">
                   <a:extLst>
                     <a:ext uri="{9D8B030D-6E8A-4147-A177-3AD203B41FA5}">
                       <a16:colId xmlns:a16="http://schemas.microsoft.com/office/drawing/2014/main" val="20001"/>
@@ -26763,7 +26763,7 @@
                   </a:extLst>
                 </a:gridCol>
               </a:tblGrid>
-              <a:tr h="332003">
+              <a:tr h="322677">
                 <a:tc>
                   <a:txBody>
                     <a:bodyPr/>
@@ -26813,7 +26813,7 @@
                   </a:ext>
                 </a:extLst>
               </a:tr>
-              <a:tr h="332003">
+              <a:tr h="322677">
                 <a:tc>
                   <a:txBody>
                     <a:bodyPr/>
@@ -26877,7 +26877,7 @@
                   </a:ext>
                 </a:extLst>
               </a:tr>
-              <a:tr h="814917">
+              <a:tr h="557352">
                 <a:tc>
                   <a:txBody>
                     <a:bodyPr/>
@@ -26915,7 +26915,7 @@
                           <a:latin typeface="Arial" panose="020B0604020202020204" pitchFamily="34" charset="0"/>
                           <a:cs typeface="Arial" panose="020B0604020202020204" pitchFamily="34" charset="0"/>
                         </a:rPr>
-                        <a:t>C# is a general-purpose, multi-paradigm programming language encompassing strong typing, lexically scoped, imperative, declarative, functional, generic, object-oriented, and component-oriented programming disciplines</a:t>
+                        <a:t>C# is a strong typing, lexically scoped, imperative, declarative, functional, generic, object-oriented, and component-oriented programming disciplines</a:t>
                       </a:r>
                     </a:p>
                   </a:txBody>
@@ -26927,7 +26927,7 @@
                   </a:ext>
                 </a:extLst>
               </a:tr>
-              <a:tr h="573460">
+              <a:tr h="557352">
                 <a:tc>
                   <a:txBody>
                     <a:bodyPr/>
@@ -26975,7 +26975,7 @@
                   </a:ext>
                 </a:extLst>
               </a:tr>
-              <a:tr h="716925">
+              <a:tr h="792026">
                 <a:tc>
                   <a:txBody>
                     <a:bodyPr/>
@@ -27035,7 +27035,7 @@
                   </a:ext>
                 </a:extLst>
               </a:tr>
-              <a:tr h="362185">
+              <a:tr h="352012">
                 <a:tc>
                   <a:txBody>
                     <a:bodyPr/>
@@ -27082,7 +27082,7 @@
                   </a:ext>
                 </a:extLst>
               </a:tr>
-              <a:tr h="362185">
+              <a:tr h="352012">
                 <a:tc>
                   <a:txBody>
                     <a:bodyPr/>
@@ -27151,7 +27151,7 @@
                   </a:ext>
                 </a:extLst>
               </a:tr>
-              <a:tr h="362185">
+              <a:tr h="352012">
                 <a:tc>
                   <a:txBody>
                     <a:bodyPr/>
@@ -27199,7 +27199,7 @@
                   </a:ext>
                 </a:extLst>
               </a:tr>
-              <a:tr h="332003">
+              <a:tr h="352012">
                 <a:tc>
                   <a:txBody>
                     <a:bodyPr/>
@@ -27210,7 +27210,7 @@
                           <a:latin typeface="Arial" panose="020B0604020202020204" pitchFamily="34" charset="0"/>
                           <a:cs typeface="Arial" panose="020B0604020202020204" pitchFamily="34" charset="0"/>
                         </a:rPr>
-                        <a:t>Hibernate 4.x</a:t>
+                        <a:t>JPA</a:t>
                       </a:r>
                     </a:p>
                   </a:txBody>
@@ -27222,18 +27222,16 @@
                     <a:lstStyle/>
                     <a:p>
                       <a:r>
-                        <a:rPr lang="en-US" sz="1600" dirty="0">
-                          <a:latin typeface="Arial" panose="020B0604020202020204" pitchFamily="34" charset="0"/>
-                          <a:cs typeface="Arial" panose="020B0604020202020204" pitchFamily="34" charset="0"/>
+                        <a:rPr lang="en-US" sz="1800" b="0" i="0" kern="1200" dirty="0">
+                          <a:solidFill>
+                            <a:schemeClr val="dk1"/>
+                          </a:solidFill>
+                          <a:effectLst/>
+                          <a:latin typeface="+mn-lt"/>
+                          <a:ea typeface="+mn-ea"/>
+                          <a:cs typeface="+mn-cs"/>
                         </a:rPr>
-                        <a:t>Used to generate target entity</a:t>
-                      </a:r>
-                      <a:r>
-                        <a:rPr lang="en-US" sz="1600" baseline="0" dirty="0">
-                          <a:latin typeface="Arial" panose="020B0604020202020204" pitchFamily="34" charset="0"/>
-                          <a:cs typeface="Arial" panose="020B0604020202020204" pitchFamily="34" charset="0"/>
-                        </a:rPr>
-                        <a:t> class</a:t>
+                        <a:t>The Java Persistence API is a Java application programming interface for DB specifications</a:t>
                       </a:r>
                       <a:endParaRPr lang="en-US" sz="1600" dirty="0">
                         <a:latin typeface="Arial" panose="020B0604020202020204" pitchFamily="34" charset="0"/>
@@ -27249,7 +27247,7 @@
                   </a:ext>
                 </a:extLst>
               </a:tr>
-              <a:tr h="573460">
+              <a:tr h="557352">
                 <a:tc>
                   <a:txBody>
                     <a:bodyPr/>
@@ -27310,7 +27308,7 @@
                   </a:ext>
                 </a:extLst>
               </a:tr>
-              <a:tr h="362185">
+              <a:tr h="352012">
                 <a:tc>
                   <a:txBody>
                     <a:bodyPr/>
@@ -27362,7 +27360,7 @@
                   </a:ext>
                 </a:extLst>
               </a:tr>
-              <a:tr h="633824">
+              <a:tr h="616020">
                 <a:tc>
                   <a:txBody>
                     <a:bodyPr/>
@@ -27410,7 +27408,7 @@
                   </a:ext>
                 </a:extLst>
               </a:tr>
-              <a:tr h="573460">
+              <a:tr h="557352">
                 <a:tc>
                   <a:txBody>
                     <a:bodyPr/>
@@ -27446,6 +27444,58 @@
                 <a:extLst>
                   <a:ext uri="{0D108BD9-81ED-4DB2-BD59-A6C34878D82A}">
                     <a16:rowId xmlns:a16="http://schemas.microsoft.com/office/drawing/2014/main" val="2442369034"/>
+                  </a:ext>
+                </a:extLst>
+              </a:tr>
+              <a:tr h="527264">
+                <a:tc>
+                  <a:txBody>
+                    <a:bodyPr/>
+                    <a:lstStyle/>
+                    <a:p>
+                      <a:r>
+                        <a:rPr lang="en-US" sz="1600">
+                          <a:latin typeface="Arial" panose="020B0604020202020204" pitchFamily="34" charset="0"/>
+                          <a:cs typeface="Arial" panose="020B0604020202020204" pitchFamily="34" charset="0"/>
+                        </a:rPr>
+                        <a:t>React</a:t>
+                      </a:r>
+                      <a:endParaRPr lang="en-US" sz="1600" dirty="0">
+                        <a:latin typeface="Arial" panose="020B0604020202020204" pitchFamily="34" charset="0"/>
+                        <a:cs typeface="Arial" panose="020B0604020202020204" pitchFamily="34" charset="0"/>
+                      </a:endParaRPr>
+                    </a:p>
+                  </a:txBody>
+                  <a:tcPr/>
+                </a:tc>
+                <a:tc>
+                  <a:txBody>
+                    <a:bodyPr/>
+                    <a:lstStyle/>
+                    <a:p>
+                      <a:r>
+                        <a:rPr lang="en-US" sz="1800" b="0" i="0" kern="1200" dirty="0">
+                          <a:solidFill>
+                            <a:schemeClr val="dk1"/>
+                          </a:solidFill>
+                          <a:effectLst/>
+                          <a:latin typeface="+mn-lt"/>
+                          <a:ea typeface="+mn-ea"/>
+                          <a:cs typeface="+mn-cs"/>
+                        </a:rPr>
+                        <a:t>React is an open-source JavaScript library for building user interfaces.</a:t>
+                      </a:r>
+                      <a:endParaRPr lang="en-US" sz="1600" dirty="0">
+                        <a:latin typeface="Arial" panose="020B0604020202020204" pitchFamily="34" charset="0"/>
+                        <a:cs typeface="Arial" panose="020B0604020202020204" pitchFamily="34" charset="0"/>
+                      </a:endParaRPr>
+                    </a:p>
+                  </a:txBody>
+                  <a:tcPr/>
+                </a:tc>
+                <a:extLst>
+                  <a:ext uri="{0D108BD9-81ED-4DB2-BD59-A6C34878D82A}">
+                    <a16:rowId xmlns:a16="http://schemas.microsoft.com/office/drawing/2014/main" val="2940666870"/>
                   </a:ext>
                 </a:extLst>
               </a:tr>
@@ -27631,10 +27681,10 @@
       </p:sp>
       <p:pic>
         <p:nvPicPr>
-          <p:cNvPr id="4" name="Picture 3">
+          <p:cNvPr id="5" name="Picture 4">
             <a:extLst>
               <a:ext uri="{FF2B5EF4-FFF2-40B4-BE49-F238E27FC236}">
-                <a16:creationId xmlns:a16="http://schemas.microsoft.com/office/drawing/2014/main" id="{95364353-59ED-48CA-AD6D-4D3AFD177B84}"/>
+                <a16:creationId xmlns:a16="http://schemas.microsoft.com/office/drawing/2014/main" id="{10756ACB-2A18-4C83-8DF9-EA8A81E431CA}"/>
               </a:ext>
             </a:extLst>
           </p:cNvPr>
@@ -27657,8 +27707,8 @@
         </p:blipFill>
         <p:spPr>
           <a:xfrm>
-            <a:off x="569077" y="628963"/>
-            <a:ext cx="11020425" cy="5324475"/>
+            <a:off x="263924" y="651515"/>
+            <a:ext cx="11630733" cy="6006131"/>
           </a:xfrm>
           <a:prstGeom prst="rect">
             <a:avLst/>

--- a/iSolve-iCount-Hackathon_Solution.pptx
+++ b/iSolve-iCount-Hackathon_Solution.pptx
@@ -14721,10 +14721,10 @@
       </p:sp>
       <p:pic>
         <p:nvPicPr>
-          <p:cNvPr id="7" name="Picture 6">
+          <p:cNvPr id="4" name="Picture 3">
             <a:extLst>
               <a:ext uri="{FF2B5EF4-FFF2-40B4-BE49-F238E27FC236}">
-                <a16:creationId xmlns:a16="http://schemas.microsoft.com/office/drawing/2014/main" id="{56C30ABE-25DA-43CF-8FE4-95C7866618DE}"/>
+                <a16:creationId xmlns:a16="http://schemas.microsoft.com/office/drawing/2014/main" id="{49B33F1E-FFC0-4BC2-BF2D-37B81FDD4DF6}"/>
               </a:ext>
             </a:extLst>
           </p:cNvPr>
@@ -14747,8 +14747,8 @@
         </p:blipFill>
         <p:spPr>
           <a:xfrm>
-            <a:off x="280635" y="502342"/>
-            <a:ext cx="11630732" cy="6222015"/>
+            <a:off x="263924" y="502342"/>
+            <a:ext cx="11664152" cy="6237631"/>
           </a:xfrm>
           <a:prstGeom prst="rect">
             <a:avLst/>
@@ -26725,14 +26725,14 @@
           <p:nvPr>
             <p:extLst>
               <p:ext uri="{D42A27DB-BD31-4B8C-83A1-F6EECF244321}">
-                <p14:modId xmlns:p14="http://schemas.microsoft.com/office/powerpoint/2010/main" val="2455888630"/>
+                <p14:modId xmlns:p14="http://schemas.microsoft.com/office/powerpoint/2010/main" val="4284983818"/>
               </p:ext>
             </p:extLst>
           </p:nvPr>
         </p:nvGraphicFramePr>
         <p:xfrm>
           <a:off x="203747" y="287871"/>
-          <a:ext cx="11784506" cy="6806144"/>
+          <a:ext cx="11784506" cy="6432883"/>
         </p:xfrm>
         <a:graphic>
           <a:graphicData uri="http://schemas.openxmlformats.org/drawingml/2006/table">
@@ -26763,7 +26763,7 @@
                   </a:extLst>
                 </a:gridCol>
               </a:tblGrid>
-              <a:tr h="322677">
+              <a:tr h="327238">
                 <a:tc>
                   <a:txBody>
                     <a:bodyPr/>
@@ -26813,21 +26813,21 @@
                   </a:ext>
                 </a:extLst>
               </a:tr>
-              <a:tr h="322677">
+              <a:tr h="314937">
                 <a:tc>
                   <a:txBody>
                     <a:bodyPr/>
                     <a:lstStyle/>
                     <a:p>
                       <a:r>
-                        <a:rPr lang="en-US" sz="1600" dirty="0" err="1">
+                        <a:rPr lang="en-US" sz="1400" dirty="0" err="1">
                           <a:latin typeface="Arial" panose="020B0604020202020204" pitchFamily="34" charset="0"/>
                           <a:cs typeface="Arial" panose="020B0604020202020204" pitchFamily="34" charset="0"/>
                         </a:rPr>
                         <a:t>SpringBoot</a:t>
                       </a:r>
                       <a:r>
-                        <a:rPr lang="en-US" sz="1600" dirty="0">
+                        <a:rPr lang="en-US" sz="1400" dirty="0">
                           <a:latin typeface="Arial" panose="020B0604020202020204" pitchFamily="34" charset="0"/>
                           <a:cs typeface="Arial" panose="020B0604020202020204" pitchFamily="34" charset="0"/>
                         </a:rPr>
@@ -26843,27 +26843,27 @@
                     <a:lstStyle/>
                     <a:p>
                       <a:r>
-                        <a:rPr lang="en-US" sz="1600" dirty="0">
+                        <a:rPr lang="en-US" sz="1400" dirty="0">
                           <a:latin typeface="Arial" panose="020B0604020202020204" pitchFamily="34" charset="0"/>
                           <a:cs typeface="Arial" panose="020B0604020202020204" pitchFamily="34" charset="0"/>
                         </a:rPr>
                         <a:t>Spring Boot is an efficient framework for creating </a:t>
                       </a:r>
                       <a:r>
-                        <a:rPr lang="en-US" sz="1600" dirty="0" err="1">
+                        <a:rPr lang="en-US" sz="1400" dirty="0" err="1">
                           <a:latin typeface="Arial" panose="020B0604020202020204" pitchFamily="34" charset="0"/>
                           <a:cs typeface="Arial" panose="020B0604020202020204" pitchFamily="34" charset="0"/>
                         </a:rPr>
                         <a:t>RESTFul</a:t>
                       </a:r>
                       <a:r>
-                        <a:rPr lang="en-US" sz="1600" baseline="0" dirty="0">
+                        <a:rPr lang="en-US" sz="1400" baseline="0" dirty="0">
                           <a:latin typeface="Arial" panose="020B0604020202020204" pitchFamily="34" charset="0"/>
                           <a:cs typeface="Arial" panose="020B0604020202020204" pitchFamily="34" charset="0"/>
                         </a:rPr>
                         <a:t> Micro Service</a:t>
                       </a:r>
-                      <a:endParaRPr lang="en-US" sz="1600" dirty="0">
+                      <a:endParaRPr lang="en-US" sz="1400" dirty="0">
                         <a:latin typeface="Arial" panose="020B0604020202020204" pitchFamily="34" charset="0"/>
                         <a:cs typeface="Arial" panose="020B0604020202020204" pitchFamily="34" charset="0"/>
                       </a:endParaRPr>
@@ -26877,27 +26877,27 @@
                   </a:ext>
                 </a:extLst>
               </a:tr>
-              <a:tr h="557352">
+              <a:tr h="543983">
                 <a:tc>
                   <a:txBody>
                     <a:bodyPr/>
                     <a:lstStyle/>
                     <a:p>
                       <a:r>
-                        <a:rPr lang="en-US" sz="1600" dirty="0">
+                        <a:rPr lang="en-US" sz="1400" dirty="0">
                           <a:latin typeface="Arial" panose="020B0604020202020204" pitchFamily="34" charset="0"/>
                           <a:cs typeface="Arial" panose="020B0604020202020204" pitchFamily="34" charset="0"/>
                         </a:rPr>
                         <a:t>C# </a:t>
                       </a:r>
                       <a:r>
-                        <a:rPr lang="en-US" sz="1600" dirty="0" err="1">
+                        <a:rPr lang="en-US" sz="1400" dirty="0" err="1">
                           <a:latin typeface="Arial" panose="020B0604020202020204" pitchFamily="34" charset="0"/>
                           <a:cs typeface="Arial" panose="020B0604020202020204" pitchFamily="34" charset="0"/>
                         </a:rPr>
                         <a:t>.Net</a:t>
                       </a:r>
-                      <a:endParaRPr lang="en-US" sz="1600" dirty="0">
+                      <a:endParaRPr lang="en-US" sz="1400" dirty="0">
                         <a:latin typeface="Arial" panose="020B0604020202020204" pitchFamily="34" charset="0"/>
                         <a:cs typeface="Arial" panose="020B0604020202020204" pitchFamily="34" charset="0"/>
                       </a:endParaRPr>
@@ -26911,7 +26911,7 @@
                     <a:lstStyle/>
                     <a:p>
                       <a:r>
-                        <a:rPr lang="en-US" sz="1600" dirty="0">
+                        <a:rPr lang="en-US" sz="1400" dirty="0">
                           <a:latin typeface="Arial" panose="020B0604020202020204" pitchFamily="34" charset="0"/>
                           <a:cs typeface="Arial" panose="020B0604020202020204" pitchFamily="34" charset="0"/>
                         </a:rPr>
@@ -26927,14 +26927,14 @@
                   </a:ext>
                 </a:extLst>
               </a:tr>
-              <a:tr h="557352">
+              <a:tr h="543983">
                 <a:tc>
                   <a:txBody>
                     <a:bodyPr/>
                     <a:lstStyle/>
                     <a:p>
                       <a:r>
-                        <a:rPr lang="en-US" sz="1800" b="0" i="0" kern="1200" dirty="0">
+                        <a:rPr lang="en-US" sz="1400" b="0" i="0" kern="1200" dirty="0">
                           <a:solidFill>
                             <a:schemeClr val="dk1"/>
                           </a:solidFill>
@@ -26945,7 +26945,7 @@
                         </a:rPr>
                         <a:t>VSTO Add-ins</a:t>
                       </a:r>
-                      <a:endParaRPr lang="en-US" sz="1600" b="0" dirty="0">
+                      <a:endParaRPr lang="en-US" sz="1400" b="0" dirty="0">
                         <a:latin typeface="Arial" panose="020B0604020202020204" pitchFamily="34" charset="0"/>
                         <a:cs typeface="Arial" panose="020B0604020202020204" pitchFamily="34" charset="0"/>
                       </a:endParaRPr>
@@ -26959,7 +26959,7 @@
                     <a:lstStyle/>
                     <a:p>
                       <a:r>
-                        <a:rPr lang="en-US" sz="1600" dirty="0">
+                        <a:rPr lang="en-US" sz="1400" dirty="0">
                           <a:latin typeface="Arial" panose="020B0604020202020204" pitchFamily="34" charset="0"/>
                           <a:cs typeface="Arial" panose="020B0604020202020204" pitchFamily="34" charset="0"/>
                         </a:rPr>
@@ -26975,14 +26975,14 @@
                   </a:ext>
                 </a:extLst>
               </a:tr>
-              <a:tr h="792026">
+              <a:tr h="773028">
                 <a:tc>
                   <a:txBody>
                     <a:bodyPr/>
                     <a:lstStyle/>
                     <a:p>
                       <a:r>
-                        <a:rPr lang="en-US" sz="1800" b="0" i="0" kern="1200" dirty="0" err="1">
+                        <a:rPr lang="en-US" sz="1400" b="0" i="0" kern="1200" dirty="0" err="1">
                           <a:solidFill>
                             <a:schemeClr val="dk1"/>
                           </a:solidFill>
@@ -26994,7 +26994,7 @@
                         <a:t>apache.poi</a:t>
                       </a:r>
                       <a:r>
-                        <a:rPr lang="en-US" sz="1800" b="0" i="0" kern="1200" dirty="0">
+                        <a:rPr lang="en-US" sz="1400" b="0" i="0" kern="1200" dirty="0">
                           <a:solidFill>
                             <a:schemeClr val="dk1"/>
                           </a:solidFill>
@@ -27005,7 +27005,7 @@
                         </a:rPr>
                         <a:t> 4.1.0</a:t>
                       </a:r>
-                      <a:endParaRPr lang="en-US" sz="1600" dirty="0">
+                      <a:endParaRPr lang="en-US" sz="1400" dirty="0">
                         <a:latin typeface="Arial" panose="020B0604020202020204" pitchFamily="34" charset="0"/>
                         <a:cs typeface="Arial" panose="020B0604020202020204" pitchFamily="34" charset="0"/>
                       </a:endParaRPr>
@@ -27019,7 +27019,7 @@
                     <a:lstStyle/>
                     <a:p>
                       <a:r>
-                        <a:rPr lang="en-US" sz="1600" dirty="0">
+                        <a:rPr lang="en-US" sz="1400" dirty="0">
                           <a:latin typeface="Arial" panose="020B0604020202020204" pitchFamily="34" charset="0"/>
                           <a:cs typeface="Arial" panose="020B0604020202020204" pitchFamily="34" charset="0"/>
                         </a:rPr>
@@ -27035,14 +27035,14 @@
                   </a:ext>
                 </a:extLst>
               </a:tr>
-              <a:tr h="352012">
+              <a:tr h="343569">
                 <a:tc>
                   <a:txBody>
                     <a:bodyPr/>
                     <a:lstStyle/>
                     <a:p>
                       <a:r>
-                        <a:rPr lang="en-US" sz="1800" kern="1200" dirty="0">
+                        <a:rPr lang="en-US" sz="1400" kern="1200" dirty="0">
                           <a:solidFill>
                             <a:schemeClr val="dk1"/>
                           </a:solidFill>
@@ -27052,7 +27052,7 @@
                         </a:rPr>
                         <a:t>Log4j 1.2.17</a:t>
                       </a:r>
-                      <a:endParaRPr lang="en-US" sz="1600" dirty="0">
+                      <a:endParaRPr lang="en-US" sz="1400" dirty="0">
                         <a:latin typeface="Arial" panose="020B0604020202020204" pitchFamily="34" charset="0"/>
                         <a:cs typeface="Arial" panose="020B0604020202020204" pitchFamily="34" charset="0"/>
                       </a:endParaRPr>
@@ -27066,7 +27066,7 @@
                     <a:lstStyle/>
                     <a:p>
                       <a:r>
-                        <a:rPr lang="en-US" sz="1600" dirty="0">
+                        <a:rPr lang="en-US" sz="1400" dirty="0">
                           <a:latin typeface="Arial" panose="020B0604020202020204" pitchFamily="34" charset="0"/>
                           <a:cs typeface="Arial" panose="020B0604020202020204" pitchFamily="34" charset="0"/>
                         </a:rPr>
@@ -27082,14 +27082,14 @@
                   </a:ext>
                 </a:extLst>
               </a:tr>
-              <a:tr h="352012">
+              <a:tr h="343569">
                 <a:tc>
                   <a:txBody>
                     <a:bodyPr/>
                     <a:lstStyle/>
                     <a:p>
                       <a:r>
-                        <a:rPr lang="en-US" sz="1800" kern="1200" dirty="0">
+                        <a:rPr lang="en-US" sz="1400" kern="1200" dirty="0">
                           <a:solidFill>
                             <a:schemeClr val="dk1"/>
                           </a:solidFill>
@@ -27100,7 +27100,7 @@
                         <a:t>Swagger</a:t>
                       </a:r>
                       <a:r>
-                        <a:rPr lang="en-US" sz="1800" kern="1200" baseline="0" dirty="0">
+                        <a:rPr lang="en-US" sz="1400" kern="1200" baseline="0" dirty="0">
                           <a:solidFill>
                             <a:schemeClr val="dk1"/>
                           </a:solidFill>
@@ -27110,7 +27110,7 @@
                         </a:rPr>
                         <a:t> 2.4.0</a:t>
                       </a:r>
-                      <a:endParaRPr lang="en-US" sz="1600" dirty="0">
+                      <a:endParaRPr lang="en-US" sz="1400" dirty="0">
                         <a:latin typeface="Arial" panose="020B0604020202020204" pitchFamily="34" charset="0"/>
                         <a:cs typeface="Arial" panose="020B0604020202020204" pitchFamily="34" charset="0"/>
                       </a:endParaRPr>
@@ -27124,20 +27124,20 @@
                     <a:lstStyle/>
                     <a:p>
                       <a:r>
-                        <a:rPr lang="en-US" sz="1600" dirty="0">
+                        <a:rPr lang="en-US" sz="1400" dirty="0">
                           <a:latin typeface="Arial" panose="020B0604020202020204" pitchFamily="34" charset="0"/>
                           <a:cs typeface="Arial" panose="020B0604020202020204" pitchFamily="34" charset="0"/>
                         </a:rPr>
                         <a:t>Used to generate</a:t>
                       </a:r>
                       <a:r>
-                        <a:rPr lang="en-US" sz="1600" baseline="0" dirty="0">
+                        <a:rPr lang="en-US" sz="1400" baseline="0" dirty="0">
                           <a:latin typeface="Arial" panose="020B0604020202020204" pitchFamily="34" charset="0"/>
                           <a:cs typeface="Arial" panose="020B0604020202020204" pitchFamily="34" charset="0"/>
                         </a:rPr>
                         <a:t> online API specification and automate documentation.</a:t>
                       </a:r>
-                      <a:endParaRPr lang="en-US" sz="1600" dirty="0">
+                      <a:endParaRPr lang="en-US" sz="1400" dirty="0">
                         <a:latin typeface="Arial" panose="020B0604020202020204" pitchFamily="34" charset="0"/>
                         <a:cs typeface="Arial" panose="020B0604020202020204" pitchFamily="34" charset="0"/>
                       </a:endParaRPr>
@@ -27151,14 +27151,14 @@
                   </a:ext>
                 </a:extLst>
               </a:tr>
-              <a:tr h="352012">
+              <a:tr h="343569">
                 <a:tc>
                   <a:txBody>
                     <a:bodyPr/>
                     <a:lstStyle/>
                     <a:p>
                       <a:r>
-                        <a:rPr lang="en-US" sz="1800" b="0" i="0" kern="1200" dirty="0">
+                        <a:rPr lang="en-US" sz="1400" b="0" i="0" kern="1200" dirty="0">
                           <a:solidFill>
                             <a:schemeClr val="dk1"/>
                           </a:solidFill>
@@ -27169,7 +27169,7 @@
                         </a:rPr>
                         <a:t>Cron Jobs</a:t>
                       </a:r>
-                      <a:endParaRPr lang="en-US" sz="1600" dirty="0">
+                      <a:endParaRPr lang="en-US" sz="1400" dirty="0">
                         <a:latin typeface="Arial" panose="020B0604020202020204" pitchFamily="34" charset="0"/>
                         <a:cs typeface="Arial" panose="020B0604020202020204" pitchFamily="34" charset="0"/>
                       </a:endParaRPr>
@@ -27183,7 +27183,7 @@
                     <a:lstStyle/>
                     <a:p>
                       <a:r>
-                        <a:rPr lang="en-US" sz="1600" dirty="0">
+                        <a:rPr lang="en-US" sz="1400" dirty="0">
                           <a:latin typeface="Arial" panose="020B0604020202020204" pitchFamily="34" charset="0"/>
                           <a:cs typeface="Arial" panose="020B0604020202020204" pitchFamily="34" charset="0"/>
                         </a:rPr>
@@ -27199,14 +27199,14 @@
                   </a:ext>
                 </a:extLst>
               </a:tr>
-              <a:tr h="352012">
+              <a:tr h="343569">
                 <a:tc>
                   <a:txBody>
                     <a:bodyPr/>
                     <a:lstStyle/>
                     <a:p>
                       <a:r>
-                        <a:rPr lang="en-US" sz="1600" dirty="0">
+                        <a:rPr lang="en-US" sz="1400" dirty="0">
                           <a:latin typeface="Arial" panose="020B0604020202020204" pitchFamily="34" charset="0"/>
                           <a:cs typeface="Arial" panose="020B0604020202020204" pitchFamily="34" charset="0"/>
                         </a:rPr>
@@ -27222,7 +27222,7 @@
                     <a:lstStyle/>
                     <a:p>
                       <a:r>
-                        <a:rPr lang="en-US" sz="1800" b="0" i="0" kern="1200" dirty="0">
+                        <a:rPr lang="en-US" sz="1400" b="0" i="0" kern="1200" dirty="0">
                           <a:solidFill>
                             <a:schemeClr val="dk1"/>
                           </a:solidFill>
@@ -27233,7 +27233,7 @@
                         </a:rPr>
                         <a:t>The Java Persistence API is a Java application programming interface for DB specifications</a:t>
                       </a:r>
-                      <a:endParaRPr lang="en-US" sz="1600" dirty="0">
+                      <a:endParaRPr lang="en-US" sz="1400" dirty="0">
                         <a:latin typeface="Arial" panose="020B0604020202020204" pitchFamily="34" charset="0"/>
                         <a:cs typeface="Arial" panose="020B0604020202020204" pitchFamily="34" charset="0"/>
                       </a:endParaRPr>
@@ -27247,14 +27247,14 @@
                   </a:ext>
                 </a:extLst>
               </a:tr>
-              <a:tr h="557352">
+              <a:tr h="543983">
                 <a:tc>
                   <a:txBody>
                     <a:bodyPr/>
                     <a:lstStyle/>
                     <a:p>
                       <a:r>
-                        <a:rPr lang="en-US" sz="1800" kern="1200" dirty="0">
+                        <a:rPr lang="en-US" sz="1400" kern="1200" dirty="0">
                           <a:solidFill>
                             <a:schemeClr val="dk1"/>
                           </a:solidFill>
@@ -27264,7 +27264,7 @@
                         </a:rPr>
                         <a:t>jackson-2.7.5</a:t>
                       </a:r>
-                      <a:endParaRPr lang="en-US" sz="1600" dirty="0">
+                      <a:endParaRPr lang="en-US" sz="1400" dirty="0">
                         <a:latin typeface="Arial" panose="020B0604020202020204" pitchFamily="34" charset="0"/>
                         <a:cs typeface="Arial" panose="020B0604020202020204" pitchFamily="34" charset="0"/>
                       </a:endParaRPr>
@@ -27278,21 +27278,21 @@
                     <a:lstStyle/>
                     <a:p>
                       <a:r>
-                        <a:rPr lang="en-US" sz="1600" dirty="0">
+                        <a:rPr lang="en-US" sz="1400" dirty="0">
                           <a:latin typeface="Arial" panose="020B0604020202020204" pitchFamily="34" charset="0"/>
                           <a:cs typeface="Arial" panose="020B0604020202020204" pitchFamily="34" charset="0"/>
                         </a:rPr>
                         <a:t>Jackson is a very popular and efficient java based library to serialize or map java objects to JSON and vice versa. We</a:t>
                       </a:r>
                       <a:r>
-                        <a:rPr lang="en-US" sz="1600" baseline="0" dirty="0">
+                        <a:rPr lang="en-US" sz="1400" baseline="0" dirty="0">
                           <a:latin typeface="Arial" panose="020B0604020202020204" pitchFamily="34" charset="0"/>
                           <a:cs typeface="Arial" panose="020B0604020202020204" pitchFamily="34" charset="0"/>
                         </a:rPr>
                         <a:t> u</a:t>
                       </a:r>
                       <a:r>
-                        <a:rPr lang="en-US" sz="1600" dirty="0">
+                        <a:rPr lang="en-US" sz="1400" dirty="0">
                           <a:latin typeface="Arial" panose="020B0604020202020204" pitchFamily="34" charset="0"/>
                           <a:cs typeface="Arial" panose="020B0604020202020204" pitchFamily="34" charset="0"/>
                         </a:rPr>
@@ -27308,20 +27308,20 @@
                   </a:ext>
                 </a:extLst>
               </a:tr>
-              <a:tr h="352012">
+              <a:tr h="343569">
                 <a:tc>
                   <a:txBody>
                     <a:bodyPr/>
                     <a:lstStyle/>
                     <a:p>
                       <a:r>
-                        <a:rPr lang="en-US" sz="1600" dirty="0" err="1">
+                        <a:rPr lang="en-US" sz="1400" dirty="0" err="1">
                           <a:latin typeface="Arial" panose="020B0604020202020204" pitchFamily="34" charset="0"/>
                           <a:cs typeface="Arial" panose="020B0604020202020204" pitchFamily="34" charset="0"/>
                         </a:rPr>
                         <a:t>SpringBatch</a:t>
                       </a:r>
-                      <a:endParaRPr lang="en-US" sz="1600" dirty="0">
+                      <a:endParaRPr lang="en-US" sz="1400" dirty="0">
                         <a:latin typeface="Arial" panose="020B0604020202020204" pitchFamily="34" charset="0"/>
                         <a:cs typeface="Arial" panose="020B0604020202020204" pitchFamily="34" charset="0"/>
                       </a:endParaRPr>
@@ -27335,7 +27335,7 @@
                     <a:lstStyle/>
                     <a:p>
                       <a:r>
-                        <a:rPr lang="en-US" sz="1800" b="0" i="0" kern="1200" dirty="0">
+                        <a:rPr lang="en-US" sz="1400" b="0" i="0" kern="1200" dirty="0">
                           <a:solidFill>
                             <a:schemeClr val="dk1"/>
                           </a:solidFill>
@@ -27346,7 +27346,7 @@
                         </a:rPr>
                         <a:t>Spring Batch is an open source framework for batch processing. </a:t>
                       </a:r>
-                      <a:endParaRPr lang="en-US" sz="1600" dirty="0">
+                      <a:endParaRPr lang="en-US" sz="1400" dirty="0">
                         <a:latin typeface="Arial" panose="020B0604020202020204" pitchFamily="34" charset="0"/>
                         <a:cs typeface="Arial" panose="020B0604020202020204" pitchFamily="34" charset="0"/>
                       </a:endParaRPr>
@@ -27360,14 +27360,14 @@
                   </a:ext>
                 </a:extLst>
               </a:tr>
-              <a:tr h="616020">
+              <a:tr h="601244">
                 <a:tc>
                   <a:txBody>
                     <a:bodyPr/>
                     <a:lstStyle/>
                     <a:p>
                       <a:r>
-                        <a:rPr lang="en-US" sz="1600" dirty="0">
+                        <a:rPr lang="en-US" sz="1400" dirty="0">
                           <a:latin typeface="Arial" panose="020B0604020202020204" pitchFamily="34" charset="0"/>
                           <a:cs typeface="Arial" panose="020B0604020202020204" pitchFamily="34" charset="0"/>
                         </a:rPr>
@@ -27383,7 +27383,7 @@
                     <a:lstStyle/>
                     <a:p>
                       <a:r>
-                        <a:rPr lang="en-US" sz="1800" b="0" i="0" kern="1200" dirty="0">
+                        <a:rPr lang="en-US" sz="1400" b="0" i="0" kern="1200" dirty="0">
                           <a:solidFill>
                             <a:schemeClr val="dk1"/>
                           </a:solidFill>
@@ -27394,7 +27394,7 @@
                         </a:rPr>
                         <a:t>Apache Kafka is an open-source stream-processing software platform developed by LinkedIn and donated to the Apache Software Foundation, written in Scala and Java.</a:t>
                       </a:r>
-                      <a:endParaRPr lang="en-US" sz="1600" dirty="0">
+                      <a:endParaRPr lang="en-US" sz="1400" dirty="0">
                         <a:latin typeface="Arial" panose="020B0604020202020204" pitchFamily="34" charset="0"/>
                         <a:cs typeface="Arial" panose="020B0604020202020204" pitchFamily="34" charset="0"/>
                       </a:endParaRPr>
@@ -27408,14 +27408,14 @@
                   </a:ext>
                 </a:extLst>
               </a:tr>
-              <a:tr h="557352">
+              <a:tr h="543983">
                 <a:tc>
                   <a:txBody>
                     <a:bodyPr/>
                     <a:lstStyle/>
                     <a:p>
                       <a:r>
-                        <a:rPr lang="en-US" sz="1600" dirty="0">
+                        <a:rPr lang="en-US" sz="1400" dirty="0">
                           <a:latin typeface="Arial" panose="020B0604020202020204" pitchFamily="34" charset="0"/>
                           <a:cs typeface="Arial" panose="020B0604020202020204" pitchFamily="34" charset="0"/>
                         </a:rPr>
@@ -27431,7 +27431,7 @@
                     <a:lstStyle/>
                     <a:p>
                       <a:r>
-                        <a:rPr lang="en-US" sz="1600" dirty="0">
+                        <a:rPr lang="en-US" sz="1400" dirty="0">
                           <a:latin typeface="Arial" panose="020B0604020202020204" pitchFamily="34" charset="0"/>
                           <a:cs typeface="Arial" panose="020B0604020202020204" pitchFamily="34" charset="0"/>
                         </a:rPr>
@@ -27447,23 +27447,19 @@
                   </a:ext>
                 </a:extLst>
               </a:tr>
-              <a:tr h="527264">
+              <a:tr h="514617">
                 <a:tc>
                   <a:txBody>
                     <a:bodyPr/>
                     <a:lstStyle/>
                     <a:p>
                       <a:r>
-                        <a:rPr lang="en-US" sz="1600">
+                        <a:rPr lang="en-US" sz="1400" dirty="0">
                           <a:latin typeface="Arial" panose="020B0604020202020204" pitchFamily="34" charset="0"/>
                           <a:cs typeface="Arial" panose="020B0604020202020204" pitchFamily="34" charset="0"/>
                         </a:rPr>
                         <a:t>React</a:t>
                       </a:r>
-                      <a:endParaRPr lang="en-US" sz="1600" dirty="0">
-                        <a:latin typeface="Arial" panose="020B0604020202020204" pitchFamily="34" charset="0"/>
-                        <a:cs typeface="Arial" panose="020B0604020202020204" pitchFamily="34" charset="0"/>
-                      </a:endParaRPr>
                     </a:p>
                   </a:txBody>
                   <a:tcPr/>
@@ -27474,7 +27470,7 @@
                     <a:lstStyle/>
                     <a:p>
                       <a:r>
-                        <a:rPr lang="en-US" sz="1800" b="0" i="0" kern="1200" dirty="0">
+                        <a:rPr lang="en-US" sz="1400" b="0" i="0" kern="1200" dirty="0">
                           <a:solidFill>
                             <a:schemeClr val="dk1"/>
                           </a:solidFill>
@@ -27485,7 +27481,7 @@
                         </a:rPr>
                         <a:t>React is an open-source JavaScript library for building user interfaces.</a:t>
                       </a:r>
-                      <a:endParaRPr lang="en-US" sz="1600" dirty="0">
+                      <a:endParaRPr lang="en-US" sz="1400" dirty="0">
                         <a:latin typeface="Arial" panose="020B0604020202020204" pitchFamily="34" charset="0"/>
                         <a:cs typeface="Arial" panose="020B0604020202020204" pitchFamily="34" charset="0"/>
                       </a:endParaRPr>
